--- a/ipsa/slides/operations.pptx
+++ b/ipsa/slides/operations.pptx
@@ -5,7 +5,7 @@
     <p:sldMasterId id="2147483648" r:id="rId1"/>
   </p:sldMasterIdLst>
   <p:notesMasterIdLst>
-    <p:notesMasterId r:id="rId28"/>
+    <p:notesMasterId r:id="rId29"/>
   </p:notesMasterIdLst>
   <p:sldIdLst>
     <p:sldId id="345" r:id="rId2"/>
@@ -28,12 +28,13 @@
     <p:sldId id="286" r:id="rId19"/>
     <p:sldId id="363" r:id="rId20"/>
     <p:sldId id="392" r:id="rId21"/>
-    <p:sldId id="439" r:id="rId22"/>
-    <p:sldId id="440" r:id="rId23"/>
-    <p:sldId id="285" r:id="rId24"/>
-    <p:sldId id="444" r:id="rId25"/>
-    <p:sldId id="391" r:id="rId26"/>
-    <p:sldId id="443" r:id="rId27"/>
+    <p:sldId id="445" r:id="rId22"/>
+    <p:sldId id="439" r:id="rId23"/>
+    <p:sldId id="440" r:id="rId24"/>
+    <p:sldId id="285" r:id="rId25"/>
+    <p:sldId id="444" r:id="rId26"/>
+    <p:sldId id="391" r:id="rId27"/>
+    <p:sldId id="443" r:id="rId28"/>
   </p:sldIdLst>
   <p:sldSz cx="12192000" cy="6858000"/>
   <p:notesSz cx="6858000" cy="9144000"/>
@@ -143,7 +144,7 @@
 <file path=ppt/revisionInfo.xml><?xml version="1.0" encoding="utf-8"?>
 <p1510:revInfo xmlns:a="http://schemas.openxmlformats.org/drawingml/2006/main" xmlns:r="http://schemas.openxmlformats.org/officeDocument/2006/relationships" xmlns:p1510="http://schemas.microsoft.com/office/powerpoint/2015/10/main">
   <p1510:revLst>
-    <p1510:client id="{172B73B0-B8C1-4702-9D4D-C752051A4849}" v="1" dt="2022-04-07T17:41:12.936"/>
+    <p1510:client id="{8AE5BBAC-1693-454B-B98D-382185C4CDAF}" v="32" dt="2023-02-04T11:05:44.194"/>
   </p1510:revLst>
 </p1510:revInfo>
 </file>
@@ -274,6 +275,138 @@
     </pc:docChg>
   </pc:docChgLst>
   <pc:docChgLst>
+    <pc:chgData name="Gerth Stølting Brodal" userId="04ef4784-6591-4f86-a140-f5c3b108582a" providerId="ADAL" clId="{8AE5BBAC-1693-454B-B98D-382185C4CDAF}"/>
+    <pc:docChg chg="undo custSel addSld modSld">
+      <pc:chgData name="Gerth Stølting Brodal" userId="04ef4784-6591-4f86-a140-f5c3b108582a" providerId="ADAL" clId="{8AE5BBAC-1693-454B-B98D-382185C4CDAF}" dt="2023-02-04T18:40:27.777" v="298" actId="20577"/>
+      <pc:docMkLst>
+        <pc:docMk/>
+      </pc:docMkLst>
+      <pc:sldChg chg="modSp mod">
+        <pc:chgData name="Gerth Stølting Brodal" userId="04ef4784-6591-4f86-a140-f5c3b108582a" providerId="ADAL" clId="{8AE5BBAC-1693-454B-B98D-382185C4CDAF}" dt="2023-02-04T10:19:24.023" v="60" actId="6549"/>
+        <pc:sldMkLst>
+          <pc:docMk/>
+          <pc:sldMk cId="2761965666" sldId="363"/>
+        </pc:sldMkLst>
+        <pc:spChg chg="mod">
+          <ac:chgData name="Gerth Stølting Brodal" userId="04ef4784-6591-4f86-a140-f5c3b108582a" providerId="ADAL" clId="{8AE5BBAC-1693-454B-B98D-382185C4CDAF}" dt="2023-02-04T10:19:24.023" v="60" actId="6549"/>
+          <ac:spMkLst>
+            <pc:docMk/>
+            <pc:sldMk cId="2761965666" sldId="363"/>
+            <ac:spMk id="9" creationId="{00000000-0000-0000-0000-000000000000}"/>
+          </ac:spMkLst>
+        </pc:spChg>
+        <pc:graphicFrameChg chg="mod modGraphic">
+          <ac:chgData name="Gerth Stølting Brodal" userId="04ef4784-6591-4f86-a140-f5c3b108582a" providerId="ADAL" clId="{8AE5BBAC-1693-454B-B98D-382185C4CDAF}" dt="2023-02-04T10:16:45.177" v="58" actId="20577"/>
+          <ac:graphicFrameMkLst>
+            <pc:docMk/>
+            <pc:sldMk cId="2761965666" sldId="363"/>
+            <ac:graphicFrameMk id="8" creationId="{00000000-0000-0000-0000-000000000000}"/>
+          </ac:graphicFrameMkLst>
+        </pc:graphicFrameChg>
+      </pc:sldChg>
+      <pc:sldChg chg="modSp mod">
+        <pc:chgData name="Gerth Stølting Brodal" userId="04ef4784-6591-4f86-a140-f5c3b108582a" providerId="ADAL" clId="{8AE5BBAC-1693-454B-B98D-382185C4CDAF}" dt="2023-02-04T10:05:52.349" v="26" actId="20577"/>
+        <pc:sldMkLst>
+          <pc:docMk/>
+          <pc:sldMk cId="3808754555" sldId="372"/>
+        </pc:sldMkLst>
+        <pc:spChg chg="mod">
+          <ac:chgData name="Gerth Stølting Brodal" userId="04ef4784-6591-4f86-a140-f5c3b108582a" providerId="ADAL" clId="{8AE5BBAC-1693-454B-B98D-382185C4CDAF}" dt="2023-02-04T10:05:52.349" v="26" actId="20577"/>
+          <ac:spMkLst>
+            <pc:docMk/>
+            <pc:sldMk cId="3808754555" sldId="372"/>
+            <ac:spMk id="3" creationId="{00000000-0000-0000-0000-000000000000}"/>
+          </ac:spMkLst>
+        </pc:spChg>
+      </pc:sldChg>
+      <pc:sldChg chg="modSp mod">
+        <pc:chgData name="Gerth Stølting Brodal" userId="04ef4784-6591-4f86-a140-f5c3b108582a" providerId="ADAL" clId="{8AE5BBAC-1693-454B-B98D-382185C4CDAF}" dt="2023-02-04T18:40:27.777" v="298" actId="20577"/>
+        <pc:sldMkLst>
+          <pc:docMk/>
+          <pc:sldMk cId="3203409752" sldId="440"/>
+        </pc:sldMkLst>
+        <pc:spChg chg="mod">
+          <ac:chgData name="Gerth Stølting Brodal" userId="04ef4784-6591-4f86-a140-f5c3b108582a" providerId="ADAL" clId="{8AE5BBAC-1693-454B-B98D-382185C4CDAF}" dt="2023-02-04T18:40:27.777" v="298" actId="20577"/>
+          <ac:spMkLst>
+            <pc:docMk/>
+            <pc:sldMk cId="3203409752" sldId="440"/>
+            <ac:spMk id="3" creationId="{00000000-0000-0000-0000-000000000000}"/>
+          </ac:spMkLst>
+        </pc:spChg>
+      </pc:sldChg>
+      <pc:sldChg chg="modSp mod">
+        <pc:chgData name="Gerth Stølting Brodal" userId="04ef4784-6591-4f86-a140-f5c3b108582a" providerId="ADAL" clId="{8AE5BBAC-1693-454B-B98D-382185C4CDAF}" dt="2023-02-04T10:01:15.975" v="2" actId="114"/>
+        <pc:sldMkLst>
+          <pc:docMk/>
+          <pc:sldMk cId="1725506798" sldId="441"/>
+        </pc:sldMkLst>
+        <pc:spChg chg="mod">
+          <ac:chgData name="Gerth Stølting Brodal" userId="04ef4784-6591-4f86-a140-f5c3b108582a" providerId="ADAL" clId="{8AE5BBAC-1693-454B-B98D-382185C4CDAF}" dt="2023-02-04T10:01:15.975" v="2" actId="114"/>
+          <ac:spMkLst>
+            <pc:docMk/>
+            <pc:sldMk cId="1725506798" sldId="441"/>
+            <ac:spMk id="13" creationId="{00000000-0000-0000-0000-000000000000}"/>
+          </ac:spMkLst>
+        </pc:spChg>
+      </pc:sldChg>
+      <pc:sldChg chg="addSp delSp modSp new mod">
+        <pc:chgData name="Gerth Stølting Brodal" userId="04ef4784-6591-4f86-a140-f5c3b108582a" providerId="ADAL" clId="{8AE5BBAC-1693-454B-B98D-382185C4CDAF}" dt="2023-02-04T11:05:55.829" v="270" actId="313"/>
+        <pc:sldMkLst>
+          <pc:docMk/>
+          <pc:sldMk cId="4003465609" sldId="445"/>
+        </pc:sldMkLst>
+        <pc:spChg chg="del">
+          <ac:chgData name="Gerth Stølting Brodal" userId="04ef4784-6591-4f86-a140-f5c3b108582a" providerId="ADAL" clId="{8AE5BBAC-1693-454B-B98D-382185C4CDAF}" dt="2023-02-04T10:41:23.626" v="65" actId="478"/>
+          <ac:spMkLst>
+            <pc:docMk/>
+            <pc:sldMk cId="4003465609" sldId="445"/>
+            <ac:spMk id="2" creationId="{1F3B8727-630E-1603-CC7D-BB070123E7C5}"/>
+          </ac:spMkLst>
+        </pc:spChg>
+        <pc:spChg chg="del">
+          <ac:chgData name="Gerth Stølting Brodal" userId="04ef4784-6591-4f86-a140-f5c3b108582a" providerId="ADAL" clId="{8AE5BBAC-1693-454B-B98D-382185C4CDAF}" dt="2023-02-04T10:41:23.626" v="65" actId="478"/>
+          <ac:spMkLst>
+            <pc:docMk/>
+            <pc:sldMk cId="4003465609" sldId="445"/>
+            <ac:spMk id="3" creationId="{A7FFB86F-0275-1B7B-149F-1615512E4602}"/>
+          </ac:spMkLst>
+        </pc:spChg>
+        <pc:spChg chg="add del">
+          <ac:chgData name="Gerth Stølting Brodal" userId="04ef4784-6591-4f86-a140-f5c3b108582a" providerId="ADAL" clId="{8AE5BBAC-1693-454B-B98D-382185C4CDAF}" dt="2023-02-04T10:41:14.502" v="63" actId="22"/>
+          <ac:spMkLst>
+            <pc:docMk/>
+            <pc:sldMk cId="4003465609" sldId="445"/>
+            <ac:spMk id="5" creationId="{32D1559D-573A-8D54-439E-08FDB47F51CD}"/>
+          </ac:spMkLst>
+        </pc:spChg>
+        <pc:spChg chg="add del">
+          <ac:chgData name="Gerth Stølting Brodal" userId="04ef4784-6591-4f86-a140-f5c3b108582a" providerId="ADAL" clId="{8AE5BBAC-1693-454B-B98D-382185C4CDAF}" dt="2023-02-04T10:55:32.072" v="249" actId="22"/>
+          <ac:spMkLst>
+            <pc:docMk/>
+            <pc:sldMk cId="4003465609" sldId="445"/>
+            <ac:spMk id="8" creationId="{A0AED4D6-4CCB-CBDD-3989-8372DE55CCF3}"/>
+          </ac:spMkLst>
+        </pc:spChg>
+        <pc:spChg chg="add mod">
+          <ac:chgData name="Gerth Stølting Brodal" userId="04ef4784-6591-4f86-a140-f5c3b108582a" providerId="ADAL" clId="{8AE5BBAC-1693-454B-B98D-382185C4CDAF}" dt="2023-02-04T10:59:36.258" v="254" actId="6549"/>
+          <ac:spMkLst>
+            <pc:docMk/>
+            <pc:sldMk cId="4003465609" sldId="445"/>
+            <ac:spMk id="9" creationId="{86E08E30-093F-3171-73B5-821EA6368550}"/>
+          </ac:spMkLst>
+        </pc:spChg>
+        <pc:graphicFrameChg chg="add mod modGraphic">
+          <ac:chgData name="Gerth Stølting Brodal" userId="04ef4784-6591-4f86-a140-f5c3b108582a" providerId="ADAL" clId="{8AE5BBAC-1693-454B-B98D-382185C4CDAF}" dt="2023-02-04T11:05:55.829" v="270" actId="313"/>
+          <ac:graphicFrameMkLst>
+            <pc:docMk/>
+            <pc:sldMk cId="4003465609" sldId="445"/>
+            <ac:graphicFrameMk id="6" creationId="{16A6ED07-F050-B0E1-8313-E3A78881EFE5}"/>
+          </ac:graphicFrameMkLst>
+        </pc:graphicFrameChg>
+      </pc:sldChg>
+    </pc:docChg>
+  </pc:docChgLst>
+  <pc:docChgLst>
     <pc:chgData name="Gerth Stølting Brodal" userId="04ef4784-6591-4f86-a140-f5c3b108582a" providerId="ADAL" clId="{172B73B0-B8C1-4702-9D4D-C752051A4849}"/>
     <pc:docChg chg="custSel modSld">
       <pc:chgData name="Gerth Stølting Brodal" userId="04ef4784-6591-4f86-a140-f5c3b108582a" providerId="ADAL" clId="{172B73B0-B8C1-4702-9D4D-C752051A4849}" dt="2022-04-07T17:48:48.997" v="202" actId="20577"/>
@@ -422,7 +555,7 @@
           <a:p>
             <a:fld id="{FB1A172F-81D4-4DC4-9113-1DBD56EC3646}" type="datetimeFigureOut">
               <a:rPr lang="en-US" smtClean="0"/>
-              <a:t>4/7/2022</a:t>
+              <a:t>2/4/2023</a:t>
             </a:fld>
             <a:endParaRPr lang="en-US"/>
           </a:p>
@@ -920,7 +1053,7 @@
           <a:p>
             <a:fld id="{CD563DD8-32AB-41BE-B1C6-8EAC45222ACE}" type="slidenum">
               <a:rPr lang="en-US" smtClean="0"/>
-              <a:t>26</a:t>
+              <a:t>27</a:t>
             </a:fld>
             <a:endParaRPr lang="en-US"/>
           </a:p>
@@ -1772,7 +1905,7 @@
           <a:p>
             <a:fld id="{CD563DD8-32AB-41BE-B1C6-8EAC45222ACE}" type="slidenum">
               <a:rPr lang="en-US" smtClean="0"/>
-              <a:t>23</a:t>
+              <a:t>24</a:t>
             </a:fld>
             <a:endParaRPr lang="en-US"/>
           </a:p>
@@ -1928,7 +2061,7 @@
           <a:p>
             <a:fld id="{0560A9CD-0304-4E0B-9E82-E7E0115DE05B}" type="datetimeFigureOut">
               <a:rPr lang="en-US" smtClean="0"/>
-              <a:t>4/7/2022</a:t>
+              <a:t>2/4/2023</a:t>
             </a:fld>
             <a:endParaRPr lang="en-US"/>
           </a:p>
@@ -2096,7 +2229,7 @@
           <a:p>
             <a:fld id="{0560A9CD-0304-4E0B-9E82-E7E0115DE05B}" type="datetimeFigureOut">
               <a:rPr lang="en-US" smtClean="0"/>
-              <a:t>4/7/2022</a:t>
+              <a:t>2/4/2023</a:t>
             </a:fld>
             <a:endParaRPr lang="en-US"/>
           </a:p>
@@ -2274,7 +2407,7 @@
           <a:p>
             <a:fld id="{0560A9CD-0304-4E0B-9E82-E7E0115DE05B}" type="datetimeFigureOut">
               <a:rPr lang="en-US" smtClean="0"/>
-              <a:t>4/7/2022</a:t>
+              <a:t>2/4/2023</a:t>
             </a:fld>
             <a:endParaRPr lang="en-US"/>
           </a:p>
@@ -2451,7 +2584,7 @@
           <a:p>
             <a:fld id="{0560A9CD-0304-4E0B-9E82-E7E0115DE05B}" type="datetimeFigureOut">
               <a:rPr lang="en-US" smtClean="0"/>
-              <a:t>4/7/2022</a:t>
+              <a:t>2/4/2023</a:t>
             </a:fld>
             <a:endParaRPr lang="en-US"/>
           </a:p>
@@ -2696,7 +2829,7 @@
           <a:p>
             <a:fld id="{0560A9CD-0304-4E0B-9E82-E7E0115DE05B}" type="datetimeFigureOut">
               <a:rPr lang="en-US" smtClean="0"/>
-              <a:t>4/7/2022</a:t>
+              <a:t>2/4/2023</a:t>
             </a:fld>
             <a:endParaRPr lang="en-US"/>
           </a:p>
@@ -2925,7 +3058,7 @@
           <a:p>
             <a:fld id="{0560A9CD-0304-4E0B-9E82-E7E0115DE05B}" type="datetimeFigureOut">
               <a:rPr lang="en-US" smtClean="0"/>
-              <a:t>4/7/2022</a:t>
+              <a:t>2/4/2023</a:t>
             </a:fld>
             <a:endParaRPr lang="en-US"/>
           </a:p>
@@ -3289,7 +3422,7 @@
           <a:p>
             <a:fld id="{0560A9CD-0304-4E0B-9E82-E7E0115DE05B}" type="datetimeFigureOut">
               <a:rPr lang="en-US" smtClean="0"/>
-              <a:t>4/7/2022</a:t>
+              <a:t>2/4/2023</a:t>
             </a:fld>
             <a:endParaRPr lang="en-US"/>
           </a:p>
@@ -3406,7 +3539,7 @@
           <a:p>
             <a:fld id="{0560A9CD-0304-4E0B-9E82-E7E0115DE05B}" type="datetimeFigureOut">
               <a:rPr lang="en-US" smtClean="0"/>
-              <a:t>4/7/2022</a:t>
+              <a:t>2/4/2023</a:t>
             </a:fld>
             <a:endParaRPr lang="en-US"/>
           </a:p>
@@ -3501,7 +3634,7 @@
           <a:p>
             <a:fld id="{0560A9CD-0304-4E0B-9E82-E7E0115DE05B}" type="datetimeFigureOut">
               <a:rPr lang="en-US" smtClean="0"/>
-              <a:t>4/7/2022</a:t>
+              <a:t>2/4/2023</a:t>
             </a:fld>
             <a:endParaRPr lang="en-US"/>
           </a:p>
@@ -3776,7 +3909,7 @@
           <a:p>
             <a:fld id="{0560A9CD-0304-4E0B-9E82-E7E0115DE05B}" type="datetimeFigureOut">
               <a:rPr lang="en-US" smtClean="0"/>
-              <a:t>4/7/2022</a:t>
+              <a:t>2/4/2023</a:t>
             </a:fld>
             <a:endParaRPr lang="en-US"/>
           </a:p>
@@ -4028,7 +4161,7 @@
           <a:p>
             <a:fld id="{0560A9CD-0304-4E0B-9E82-E7E0115DE05B}" type="datetimeFigureOut">
               <a:rPr lang="en-US" smtClean="0"/>
-              <a:t>4/7/2022</a:t>
+              <a:t>2/4/2023</a:t>
             </a:fld>
             <a:endParaRPr lang="en-US"/>
           </a:p>
@@ -4239,7 +4372,7 @@
           <a:p>
             <a:fld id="{0560A9CD-0304-4E0B-9E82-E7E0115DE05B}" type="datetimeFigureOut">
               <a:rPr lang="en-US" smtClean="0"/>
-              <a:t>4/7/2022</a:t>
+              <a:t>2/4/2023</a:t>
             </a:fld>
             <a:endParaRPr lang="en-US"/>
           </a:p>
@@ -7186,7 +7319,7 @@
             </a:pPr>
             <a:r>
               <a:rPr lang="en-US" sz="2400" dirty="0"/>
-              <a:t>	is a float  with limited precision</a:t>
+              <a:t>	is a float with limited precision</a:t>
             </a:r>
           </a:p>
           <a:p>
@@ -8932,13 +9065,13 @@
             </a:pPr>
             <a:r>
               <a:rPr lang="en-US" sz="2400" dirty="0"/>
-              <a:t>	(see The Python Standard Library &gt; </a:t>
+              <a:t>	(see The Python Standard Library &gt; Built-in Types &gt; </a:t>
             </a:r>
             <a:r>
               <a:rPr lang="en-US" sz="2400" dirty="0">
                 <a:hlinkClick r:id="rId2"/>
               </a:rPr>
-              <a:t>4.1. True Value Testing</a:t>
+              <a:t>True Value Testing</a:t>
             </a:r>
             <a:r>
               <a:rPr lang="en-US" sz="2400" dirty="0"/>
@@ -13383,14 +13516,14 @@
           <p:nvPr>
             <p:extLst>
               <p:ext uri="{D42A27DB-BD31-4B8C-83A1-F6EECF244321}">
-                <p14:modId xmlns:p14="http://schemas.microsoft.com/office/powerpoint/2010/main" val="3959522174"/>
+                <p14:modId xmlns:p14="http://schemas.microsoft.com/office/powerpoint/2010/main" val="1249153106"/>
               </p:ext>
             </p:extLst>
           </p:nvPr>
         </p:nvGraphicFramePr>
         <p:xfrm>
-          <a:off x="7680796" y="558786"/>
-          <a:ext cx="4238943" cy="5547360"/>
+          <a:off x="7680796" y="309403"/>
+          <a:ext cx="4238943" cy="6035040"/>
         </p:xfrm>
         <a:graphic>
           <a:graphicData uri="http://schemas.openxmlformats.org/drawingml/2006/table">
@@ -13657,7 +13790,7 @@
                           <a:latin typeface="Courier New" panose="02070309020205020404" pitchFamily="49" charset="0"/>
                           <a:cs typeface="Courier New" panose="02070309020205020404" pitchFamily="49" charset="0"/>
                         </a:rPr>
-                        <a:t>'c'</a:t>
+                        <a:t>'c’</a:t>
                       </a:r>
                       <a:endParaRPr lang="en-US" sz="1600" b="1" baseline="0" dirty="0">
                         <a:latin typeface="Courier New" panose="02070309020205020404" pitchFamily="49" charset="0"/>
@@ -13689,7 +13822,7 @@
                           <a:latin typeface="Courier New" panose="02070309020205020404" pitchFamily="49" charset="0"/>
                           <a:cs typeface="Courier New" panose="02070309020205020404" pitchFamily="49" charset="0"/>
                         </a:rPr>
-                        <a:t>x = 2; y = 3</a:t>
+                        <a:t>X, y = 2, 3</a:t>
                       </a:r>
                     </a:p>
                     <a:p>
@@ -13801,6 +13934,82 @@
                           <a:cs typeface="Courier New" panose="02070309020205020404" pitchFamily="49" charset="0"/>
                         </a:rPr>
                         <a:t> </a:t>
+                      </a:r>
+                    </a:p>
+                    <a:p>
+                      <a:pPr marL="266700" marR="0" lvl="0" indent="-266700" algn="l" defTabSz="914400" rtl="0" eaLnBrk="1" fontAlgn="auto" latinLnBrk="0" hangingPunct="1">
+                        <a:lnSpc>
+                          <a:spcPct val="100000"/>
+                        </a:lnSpc>
+                        <a:spcBef>
+                          <a:spcPts val="0"/>
+                        </a:spcBef>
+                        <a:spcAft>
+                          <a:spcPts val="0"/>
+                        </a:spcAft>
+                        <a:buClr>
+                          <a:schemeClr val="accent1">
+                            <a:lumMod val="50000"/>
+                          </a:schemeClr>
+                        </a:buClr>
+                        <a:buSzPct val="120000"/>
+                        <a:buFont typeface="Courier New" panose="02070309020205020404" pitchFamily="49" charset="0"/>
+                        <a:buChar char="|"/>
+                        <a:tabLst/>
+                        <a:defRPr/>
+                      </a:pPr>
+                      <a:r>
+                        <a:rPr lang="es-ES" sz="1600" b="1" baseline="0" dirty="0">
+                          <a:latin typeface="Courier New" panose="02070309020205020404" pitchFamily="49" charset="0"/>
+                          <a:cs typeface="Courier New" panose="02070309020205020404" pitchFamily="49" charset="0"/>
+                        </a:rPr>
+                        <a:t>'x = 2, y = 3'</a:t>
+                      </a:r>
+                      <a:endParaRPr lang="en-US" sz="1600" b="1" baseline="0" dirty="0">
+                        <a:latin typeface="Courier New" panose="02070309020205020404" pitchFamily="49" charset="0"/>
+                        <a:cs typeface="Courier New" panose="02070309020205020404" pitchFamily="49" charset="0"/>
+                      </a:endParaRPr>
+                    </a:p>
+                    <a:p>
+                      <a:pPr marL="266700" marR="0" lvl="0" indent="-266700" algn="l" defTabSz="914400" rtl="0" eaLnBrk="1" fontAlgn="auto" latinLnBrk="0" hangingPunct="1">
+                        <a:lnSpc>
+                          <a:spcPct val="100000"/>
+                        </a:lnSpc>
+                        <a:spcBef>
+                          <a:spcPts val="0"/>
+                        </a:spcBef>
+                        <a:spcAft>
+                          <a:spcPts val="0"/>
+                        </a:spcAft>
+                        <a:buClr>
+                          <a:srgbClr val="C00000"/>
+                        </a:buClr>
+                        <a:buSzPct val="100000"/>
+                        <a:buFont typeface="Courier New" panose="02070309020205020404" pitchFamily="49" charset="0"/>
+                        <a:buChar char="&gt;"/>
+                        <a:tabLst/>
+                        <a:defRPr/>
+                      </a:pPr>
+                      <a:r>
+                        <a:rPr lang="es-ES" sz="1600" b="1" baseline="0" dirty="0">
+                          <a:latin typeface="Courier New" panose="02070309020205020404" pitchFamily="49" charset="0"/>
+                          <a:cs typeface="Courier New" panose="02070309020205020404" pitchFamily="49" charset="0"/>
+                        </a:rPr>
+                        <a:t>"x = {1}, y = {0}".</a:t>
+                      </a:r>
+                      <a:r>
+                        <a:rPr lang="es-ES" sz="1600" b="1" baseline="0" dirty="0" err="1">
+                          <a:latin typeface="Courier New" panose="02070309020205020404" pitchFamily="49" charset="0"/>
+                          <a:cs typeface="Courier New" panose="02070309020205020404" pitchFamily="49" charset="0"/>
+                        </a:rPr>
+                        <a:t>format</a:t>
+                      </a:r>
+                      <a:r>
+                        <a:rPr lang="es-ES" sz="1600" b="1" baseline="0" dirty="0">
+                          <a:latin typeface="Courier New" panose="02070309020205020404" pitchFamily="49" charset="0"/>
+                          <a:cs typeface="Courier New" panose="02070309020205020404" pitchFamily="49" charset="0"/>
+                        </a:rPr>
+                        <a:t>(y, x)</a:t>
                       </a:r>
                     </a:p>
                     <a:p>
@@ -14334,13 +14543,8 @@
             <a:pPr algn="ctr"/>
             <a:r>
               <a:rPr lang="en-US" dirty="0"/>
-              <a:t>% formatting (inherited from C’s sprint() function) was supposed to be on the way out - but is still going strong in </a:t>
-            </a:r>
-            <a:r>
-              <a:rPr lang="en-US"/>
-              <a:t>Python 3.10</a:t>
-            </a:r>
-            <a:endParaRPr lang="en-US" dirty="0"/>
+              <a:t>% formatting (inherited from C’s sprint() function) was supposed to be on the way out - but is still going strong in Python 3.11</a:t>
+            </a:r>
           </a:p>
         </p:txBody>
       </p:sp>
@@ -15765,6 +15969,1273 @@
 </file>
 
 <file path=ppt/slides/slide21.xml><?xml version="1.0" encoding="utf-8"?>
+<p:sld xmlns:a="http://schemas.openxmlformats.org/drawingml/2006/main" xmlns:r="http://schemas.openxmlformats.org/officeDocument/2006/relationships" xmlns:p="http://schemas.openxmlformats.org/presentationml/2006/main">
+  <p:cSld>
+    <p:spTree>
+      <p:nvGrpSpPr>
+        <p:cNvPr id="1" name=""/>
+        <p:cNvGrpSpPr/>
+        <p:nvPr/>
+      </p:nvGrpSpPr>
+      <p:grpSpPr>
+        <a:xfrm>
+          <a:off x="0" y="0"/>
+          <a:ext cx="0" cy="0"/>
+          <a:chOff x="0" y="0"/>
+          <a:chExt cx="0" cy="0"/>
+        </a:xfrm>
+      </p:grpSpPr>
+      <p:graphicFrame>
+        <p:nvGraphicFramePr>
+          <p:cNvPr id="6" name="Table 5">
+            <a:extLst>
+              <a:ext uri="{FF2B5EF4-FFF2-40B4-BE49-F238E27FC236}">
+                <a16:creationId xmlns:a16="http://schemas.microsoft.com/office/drawing/2014/main" id="{16A6ED07-F050-B0E1-8313-E3A78881EFE5}"/>
+              </a:ext>
+            </a:extLst>
+          </p:cNvPr>
+          <p:cNvGraphicFramePr>
+            <a:graphicFrameLocks noGrp="1"/>
+          </p:cNvGraphicFramePr>
+          <p:nvPr>
+            <p:extLst>
+              <p:ext uri="{D42A27DB-BD31-4B8C-83A1-F6EECF244321}">
+                <p14:modId xmlns:p14="http://schemas.microsoft.com/office/powerpoint/2010/main" val="4155152047"/>
+              </p:ext>
+            </p:extLst>
+          </p:nvPr>
+        </p:nvGraphicFramePr>
+        <p:xfrm>
+          <a:off x="315444" y="167640"/>
+          <a:ext cx="4483418" cy="6522720"/>
+        </p:xfrm>
+        <a:graphic>
+          <a:graphicData uri="http://schemas.openxmlformats.org/drawingml/2006/table">
+            <a:tbl>
+              <a:tblPr firstRow="1" bandRow="1">
+                <a:tableStyleId>{5C22544A-7EE6-4342-B048-85BDC9FD1C3A}</a:tableStyleId>
+              </a:tblPr>
+              <a:tblGrid>
+                <a:gridCol w="4483418">
+                  <a:extLst>
+                    <a:ext uri="{9D8B030D-6E8A-4147-A177-3AD203B41FA5}">
+                      <a16:colId xmlns:a16="http://schemas.microsoft.com/office/drawing/2014/main" val="1873682825"/>
+                    </a:ext>
+                  </a:extLst>
+                </a:gridCol>
+              </a:tblGrid>
+              <a:tr h="214901">
+                <a:tc>
+                  <a:txBody>
+                    <a:bodyPr/>
+                    <a:lstStyle/>
+                    <a:p>
+                      <a:r>
+                        <a:rPr lang="da-DK" sz="1600" b="1" dirty="0" err="1">
+                          <a:latin typeface="Courier New" panose="02070309020205020404" pitchFamily="49" charset="0"/>
+                          <a:cs typeface="Courier New" panose="02070309020205020404" pitchFamily="49" charset="0"/>
+                        </a:rPr>
+                        <a:t>Python</a:t>
+                      </a:r>
+                      <a:r>
+                        <a:rPr lang="da-DK" sz="1600" b="1" dirty="0">
+                          <a:latin typeface="Courier New" panose="02070309020205020404" pitchFamily="49" charset="0"/>
+                          <a:cs typeface="Courier New" panose="02070309020205020404" pitchFamily="49" charset="0"/>
+                        </a:rPr>
+                        <a:t> </a:t>
+                      </a:r>
+                      <a:r>
+                        <a:rPr lang="da-DK" sz="1600" b="1" dirty="0" err="1">
+                          <a:latin typeface="Courier New" panose="02070309020205020404" pitchFamily="49" charset="0"/>
+                          <a:cs typeface="Courier New" panose="02070309020205020404" pitchFamily="49" charset="0"/>
+                        </a:rPr>
+                        <a:t>shell</a:t>
+                      </a:r>
+                      <a:endParaRPr lang="da-DK" sz="1600" b="1" dirty="0">
+                        <a:latin typeface="Courier New" panose="02070309020205020404" pitchFamily="49" charset="0"/>
+                        <a:cs typeface="Courier New" panose="02070309020205020404" pitchFamily="49" charset="0"/>
+                      </a:endParaRPr>
+                    </a:p>
+                  </a:txBody>
+                  <a:tcPr anchor="ctr">
+                    <a:lnL w="6350" cap="flat" cmpd="sng" algn="ctr">
+                      <a:solidFill>
+                        <a:schemeClr val="tx1"/>
+                      </a:solidFill>
+                      <a:prstDash val="solid"/>
+                      <a:round/>
+                      <a:headEnd type="none" w="med" len="med"/>
+                      <a:tailEnd type="none" w="med" len="med"/>
+                    </a:lnL>
+                    <a:lnR w="6350" cap="flat" cmpd="sng" algn="ctr">
+                      <a:solidFill>
+                        <a:schemeClr val="tx1"/>
+                      </a:solidFill>
+                      <a:prstDash val="solid"/>
+                      <a:round/>
+                      <a:headEnd type="none" w="med" len="med"/>
+                      <a:tailEnd type="none" w="med" len="med"/>
+                    </a:lnR>
+                    <a:lnT w="6350" cap="flat" cmpd="sng" algn="ctr">
+                      <a:solidFill>
+                        <a:schemeClr val="tx1"/>
+                      </a:solidFill>
+                      <a:prstDash val="solid"/>
+                      <a:round/>
+                      <a:headEnd type="none" w="med" len="med"/>
+                      <a:tailEnd type="none" w="med" len="med"/>
+                    </a:lnT>
+                    <a:lnB w="6350" cap="flat" cmpd="sng" algn="ctr">
+                      <a:solidFill>
+                        <a:schemeClr val="tx1"/>
+                      </a:solidFill>
+                      <a:prstDash val="solid"/>
+                      <a:round/>
+                      <a:headEnd type="none" w="med" len="med"/>
+                      <a:tailEnd type="none" w="med" len="med"/>
+                    </a:lnB>
+                    <a:lnTlToBr w="12700" cmpd="sng">
+                      <a:noFill/>
+                      <a:prstDash val="solid"/>
+                    </a:lnTlToBr>
+                    <a:lnBlToTr w="12700" cmpd="sng">
+                      <a:noFill/>
+                      <a:prstDash val="solid"/>
+                    </a:lnBlToTr>
+                    <a:solidFill>
+                      <a:srgbClr val="C00000"/>
+                    </a:solidFill>
+                  </a:tcPr>
+                </a:tc>
+                <a:extLst>
+                  <a:ext uri="{0D108BD9-81ED-4DB2-BD59-A6C34878D82A}">
+                    <a16:rowId xmlns:a16="http://schemas.microsoft.com/office/drawing/2014/main" val="3330819881"/>
+                  </a:ext>
+                </a:extLst>
+              </a:tr>
+              <a:tr h="3195190">
+                <a:tc>
+                  <a:txBody>
+                    <a:bodyPr/>
+                    <a:lstStyle/>
+                    <a:p>
+                      <a:pPr marL="266700" marR="0" lvl="0" indent="-266700" algn="l" defTabSz="914400" rtl="0" eaLnBrk="1" fontAlgn="auto" latinLnBrk="0" hangingPunct="1">
+                        <a:lnSpc>
+                          <a:spcPct val="100000"/>
+                        </a:lnSpc>
+                        <a:spcBef>
+                          <a:spcPts val="0"/>
+                        </a:spcBef>
+                        <a:spcAft>
+                          <a:spcPts val="0"/>
+                        </a:spcAft>
+                        <a:buClr>
+                          <a:srgbClr val="C00000"/>
+                        </a:buClr>
+                        <a:buSzPct val="100000"/>
+                        <a:buFont typeface="Courier New" panose="02070309020205020404" pitchFamily="49" charset="0"/>
+                        <a:buChar char="&gt;"/>
+                        <a:tabLst/>
+                        <a:defRPr/>
+                      </a:pPr>
+                      <a:r>
+                        <a:rPr lang="en-US" sz="1600" b="1" baseline="0" dirty="0">
+                          <a:latin typeface="Courier New" panose="02070309020205020404" pitchFamily="49" charset="0"/>
+                          <a:cs typeface="Courier New" panose="02070309020205020404" pitchFamily="49" charset="0"/>
+                        </a:rPr>
+                        <a:t>s = 'this is a string'</a:t>
+                      </a:r>
+                    </a:p>
+                    <a:p>
+                      <a:pPr marL="266700" marR="0" lvl="0" indent="-266700" algn="l" defTabSz="914400" rtl="0" eaLnBrk="1" fontAlgn="auto" latinLnBrk="0" hangingPunct="1">
+                        <a:lnSpc>
+                          <a:spcPct val="100000"/>
+                        </a:lnSpc>
+                        <a:spcBef>
+                          <a:spcPts val="0"/>
+                        </a:spcBef>
+                        <a:spcAft>
+                          <a:spcPts val="0"/>
+                        </a:spcAft>
+                        <a:buClr>
+                          <a:srgbClr val="C00000"/>
+                        </a:buClr>
+                        <a:buSzPct val="100000"/>
+                        <a:buFont typeface="Courier New" panose="02070309020205020404" pitchFamily="49" charset="0"/>
+                        <a:buChar char="&gt;"/>
+                        <a:tabLst/>
+                        <a:defRPr/>
+                      </a:pPr>
+                      <a:r>
+                        <a:rPr lang="en-US" sz="1600" b="1" baseline="0" dirty="0" err="1">
+                          <a:latin typeface="Courier New" panose="02070309020205020404" pitchFamily="49" charset="0"/>
+                          <a:cs typeface="Courier New" panose="02070309020205020404" pitchFamily="49" charset="0"/>
+                        </a:rPr>
+                        <a:t>s.</a:t>
+                      </a:r>
+                      <a:r>
+                        <a:rPr lang="en-US" sz="1600" b="1" baseline="0" dirty="0" err="1">
+                          <a:solidFill>
+                            <a:srgbClr val="C00000"/>
+                          </a:solidFill>
+                          <a:latin typeface="Courier New" panose="02070309020205020404" pitchFamily="49" charset="0"/>
+                          <a:cs typeface="Courier New" panose="02070309020205020404" pitchFamily="49" charset="0"/>
+                        </a:rPr>
+                        <a:t>capitalize</a:t>
+                      </a:r>
+                      <a:r>
+                        <a:rPr lang="en-US" sz="1600" b="1" baseline="0" dirty="0">
+                          <a:latin typeface="Courier New" panose="02070309020205020404" pitchFamily="49" charset="0"/>
+                          <a:cs typeface="Courier New" panose="02070309020205020404" pitchFamily="49" charset="0"/>
+                        </a:rPr>
+                        <a:t>()</a:t>
+                      </a:r>
+                    </a:p>
+                    <a:p>
+                      <a:pPr marL="266700" marR="0" lvl="0" indent="-266700" algn="l" defTabSz="914400" rtl="0" eaLnBrk="1" fontAlgn="auto" latinLnBrk="0" hangingPunct="1">
+                        <a:lnSpc>
+                          <a:spcPct val="100000"/>
+                        </a:lnSpc>
+                        <a:spcBef>
+                          <a:spcPts val="0"/>
+                        </a:spcBef>
+                        <a:spcAft>
+                          <a:spcPts val="0"/>
+                        </a:spcAft>
+                        <a:buClr>
+                          <a:schemeClr val="accent1">
+                            <a:lumMod val="50000"/>
+                          </a:schemeClr>
+                        </a:buClr>
+                        <a:buSzPct val="120000"/>
+                        <a:buFont typeface="Courier New" panose="02070309020205020404" pitchFamily="49" charset="0"/>
+                        <a:buChar char="|"/>
+                        <a:tabLst/>
+                        <a:defRPr/>
+                      </a:pPr>
+                      <a:r>
+                        <a:rPr lang="en-US" sz="1600" b="1" baseline="0" dirty="0">
+                          <a:latin typeface="Courier New" panose="02070309020205020404" pitchFamily="49" charset="0"/>
+                          <a:cs typeface="Courier New" panose="02070309020205020404" pitchFamily="49" charset="0"/>
+                        </a:rPr>
+                        <a:t>'This is a string'</a:t>
+                      </a:r>
+                    </a:p>
+                    <a:p>
+                      <a:pPr marL="266700" marR="0" lvl="0" indent="-266700" algn="l" defTabSz="914400" rtl="0" eaLnBrk="1" fontAlgn="auto" latinLnBrk="0" hangingPunct="1">
+                        <a:lnSpc>
+                          <a:spcPct val="100000"/>
+                        </a:lnSpc>
+                        <a:spcBef>
+                          <a:spcPts val="0"/>
+                        </a:spcBef>
+                        <a:spcAft>
+                          <a:spcPts val="0"/>
+                        </a:spcAft>
+                        <a:buClr>
+                          <a:srgbClr val="C00000"/>
+                        </a:buClr>
+                        <a:buSzPct val="100000"/>
+                        <a:buFont typeface="Courier New" panose="02070309020205020404" pitchFamily="49" charset="0"/>
+                        <a:buChar char="&gt;"/>
+                        <a:tabLst/>
+                        <a:defRPr/>
+                      </a:pPr>
+                      <a:r>
+                        <a:rPr lang="en-US" sz="1600" b="1" baseline="0" dirty="0" err="1">
+                          <a:latin typeface="Courier New" panose="02070309020205020404" pitchFamily="49" charset="0"/>
+                          <a:cs typeface="Courier New" panose="02070309020205020404" pitchFamily="49" charset="0"/>
+                        </a:rPr>
+                        <a:t>s.</a:t>
+                      </a:r>
+                      <a:r>
+                        <a:rPr lang="en-US" sz="1600" b="1" baseline="0" dirty="0" err="1">
+                          <a:solidFill>
+                            <a:srgbClr val="C00000"/>
+                          </a:solidFill>
+                          <a:latin typeface="Courier New" panose="02070309020205020404" pitchFamily="49" charset="0"/>
+                          <a:cs typeface="Courier New" panose="02070309020205020404" pitchFamily="49" charset="0"/>
+                        </a:rPr>
+                        <a:t>title</a:t>
+                      </a:r>
+                      <a:r>
+                        <a:rPr lang="en-US" sz="1600" b="1" baseline="0" dirty="0">
+                          <a:latin typeface="Courier New" panose="02070309020205020404" pitchFamily="49" charset="0"/>
+                          <a:cs typeface="Courier New" panose="02070309020205020404" pitchFamily="49" charset="0"/>
+                        </a:rPr>
+                        <a:t>()</a:t>
+                      </a:r>
+                    </a:p>
+                    <a:p>
+                      <a:pPr marL="266700" marR="0" lvl="0" indent="-266700" algn="l" defTabSz="914400" rtl="0" eaLnBrk="1" fontAlgn="auto" latinLnBrk="0" hangingPunct="1">
+                        <a:lnSpc>
+                          <a:spcPct val="100000"/>
+                        </a:lnSpc>
+                        <a:spcBef>
+                          <a:spcPts val="0"/>
+                        </a:spcBef>
+                        <a:spcAft>
+                          <a:spcPts val="0"/>
+                        </a:spcAft>
+                        <a:buClr>
+                          <a:schemeClr val="accent1">
+                            <a:lumMod val="50000"/>
+                          </a:schemeClr>
+                        </a:buClr>
+                        <a:buSzPct val="120000"/>
+                        <a:buFont typeface="Courier New" panose="02070309020205020404" pitchFamily="49" charset="0"/>
+                        <a:buChar char="|"/>
+                        <a:tabLst/>
+                        <a:defRPr/>
+                      </a:pPr>
+                      <a:r>
+                        <a:rPr lang="en-US" sz="1600" b="1" baseline="0" dirty="0">
+                          <a:latin typeface="Courier New" panose="02070309020205020404" pitchFamily="49" charset="0"/>
+                          <a:cs typeface="Courier New" panose="02070309020205020404" pitchFamily="49" charset="0"/>
+                        </a:rPr>
+                        <a:t>'This Is A String'</a:t>
+                      </a:r>
+                    </a:p>
+                    <a:p>
+                      <a:pPr marL="266700" marR="0" lvl="0" indent="-266700" algn="l" defTabSz="914400" rtl="0" eaLnBrk="1" fontAlgn="auto" latinLnBrk="0" hangingPunct="1">
+                        <a:lnSpc>
+                          <a:spcPct val="100000"/>
+                        </a:lnSpc>
+                        <a:spcBef>
+                          <a:spcPts val="0"/>
+                        </a:spcBef>
+                        <a:spcAft>
+                          <a:spcPts val="0"/>
+                        </a:spcAft>
+                        <a:buClr>
+                          <a:srgbClr val="C00000"/>
+                        </a:buClr>
+                        <a:buSzPct val="100000"/>
+                        <a:buFont typeface="Courier New" panose="02070309020205020404" pitchFamily="49" charset="0"/>
+                        <a:buChar char="&gt;"/>
+                        <a:tabLst/>
+                        <a:defRPr/>
+                      </a:pPr>
+                      <a:r>
+                        <a:rPr lang="en-US" sz="1600" b="1" baseline="0" dirty="0" err="1">
+                          <a:latin typeface="Courier New" panose="02070309020205020404" pitchFamily="49" charset="0"/>
+                          <a:cs typeface="Courier New" panose="02070309020205020404" pitchFamily="49" charset="0"/>
+                        </a:rPr>
+                        <a:t>s.</a:t>
+                      </a:r>
+                      <a:r>
+                        <a:rPr lang="en-US" sz="1600" b="1" baseline="0" dirty="0" err="1">
+                          <a:solidFill>
+                            <a:srgbClr val="C00000"/>
+                          </a:solidFill>
+                          <a:latin typeface="Courier New" panose="02070309020205020404" pitchFamily="49" charset="0"/>
+                          <a:cs typeface="Courier New" panose="02070309020205020404" pitchFamily="49" charset="0"/>
+                        </a:rPr>
+                        <a:t>upper</a:t>
+                      </a:r>
+                      <a:r>
+                        <a:rPr lang="en-US" sz="1600" b="1" baseline="0" dirty="0">
+                          <a:latin typeface="Courier New" panose="02070309020205020404" pitchFamily="49" charset="0"/>
+                          <a:cs typeface="Courier New" panose="02070309020205020404" pitchFamily="49" charset="0"/>
+                        </a:rPr>
+                        <a:t>()</a:t>
+                      </a:r>
+                    </a:p>
+                    <a:p>
+                      <a:pPr marL="266700" marR="0" lvl="0" indent="-266700" algn="l" defTabSz="914400" rtl="0" eaLnBrk="1" fontAlgn="auto" latinLnBrk="0" hangingPunct="1">
+                        <a:lnSpc>
+                          <a:spcPct val="100000"/>
+                        </a:lnSpc>
+                        <a:spcBef>
+                          <a:spcPts val="0"/>
+                        </a:spcBef>
+                        <a:spcAft>
+                          <a:spcPts val="0"/>
+                        </a:spcAft>
+                        <a:buClr>
+                          <a:schemeClr val="accent1">
+                            <a:lumMod val="50000"/>
+                          </a:schemeClr>
+                        </a:buClr>
+                        <a:buSzPct val="120000"/>
+                        <a:buFont typeface="Courier New" panose="02070309020205020404" pitchFamily="49" charset="0"/>
+                        <a:buChar char="|"/>
+                        <a:tabLst/>
+                        <a:defRPr/>
+                      </a:pPr>
+                      <a:r>
+                        <a:rPr lang="en-US" sz="1600" b="1" baseline="0" dirty="0">
+                          <a:latin typeface="Courier New" panose="02070309020205020404" pitchFamily="49" charset="0"/>
+                          <a:cs typeface="Courier New" panose="02070309020205020404" pitchFamily="49" charset="0"/>
+                        </a:rPr>
+                        <a:t>'THIS IS A STRING'</a:t>
+                      </a:r>
+                    </a:p>
+                    <a:p>
+                      <a:pPr marL="266700" marR="0" lvl="0" indent="-266700" algn="l" defTabSz="914400" rtl="0" eaLnBrk="1" fontAlgn="auto" latinLnBrk="0" hangingPunct="1">
+                        <a:lnSpc>
+                          <a:spcPct val="100000"/>
+                        </a:lnSpc>
+                        <a:spcBef>
+                          <a:spcPts val="0"/>
+                        </a:spcBef>
+                        <a:spcAft>
+                          <a:spcPts val="0"/>
+                        </a:spcAft>
+                        <a:buClr>
+                          <a:srgbClr val="C00000"/>
+                        </a:buClr>
+                        <a:buSzPct val="100000"/>
+                        <a:buFont typeface="Courier New" panose="02070309020205020404" pitchFamily="49" charset="0"/>
+                        <a:buChar char="&gt;"/>
+                        <a:tabLst/>
+                        <a:defRPr/>
+                      </a:pPr>
+                      <a:r>
+                        <a:rPr lang="en-US" sz="1600" b="1" baseline="0" dirty="0" err="1">
+                          <a:latin typeface="Courier New" panose="02070309020205020404" pitchFamily="49" charset="0"/>
+                          <a:cs typeface="Courier New" panose="02070309020205020404" pitchFamily="49" charset="0"/>
+                        </a:rPr>
+                        <a:t>s.title</a:t>
+                      </a:r>
+                      <a:r>
+                        <a:rPr lang="en-US" sz="1600" b="1" baseline="0" dirty="0">
+                          <a:latin typeface="Courier New" panose="02070309020205020404" pitchFamily="49" charset="0"/>
+                          <a:cs typeface="Courier New" panose="02070309020205020404" pitchFamily="49" charset="0"/>
+                        </a:rPr>
+                        <a:t>().</a:t>
+                      </a:r>
+                      <a:r>
+                        <a:rPr lang="en-US" sz="1600" b="1" baseline="0" dirty="0" err="1">
+                          <a:solidFill>
+                            <a:srgbClr val="C00000"/>
+                          </a:solidFill>
+                          <a:latin typeface="Courier New" panose="02070309020205020404" pitchFamily="49" charset="0"/>
+                          <a:cs typeface="Courier New" panose="02070309020205020404" pitchFamily="49" charset="0"/>
+                        </a:rPr>
+                        <a:t>swapcase</a:t>
+                      </a:r>
+                      <a:r>
+                        <a:rPr lang="en-US" sz="1600" b="1" baseline="0" dirty="0">
+                          <a:latin typeface="Courier New" panose="02070309020205020404" pitchFamily="49" charset="0"/>
+                          <a:cs typeface="Courier New" panose="02070309020205020404" pitchFamily="49" charset="0"/>
+                        </a:rPr>
+                        <a:t>()</a:t>
+                      </a:r>
+                    </a:p>
+                    <a:p>
+                      <a:pPr marL="266700" marR="0" lvl="0" indent="-266700" algn="l" defTabSz="914400" rtl="0" eaLnBrk="1" fontAlgn="auto" latinLnBrk="0" hangingPunct="1">
+                        <a:lnSpc>
+                          <a:spcPct val="100000"/>
+                        </a:lnSpc>
+                        <a:spcBef>
+                          <a:spcPts val="0"/>
+                        </a:spcBef>
+                        <a:spcAft>
+                          <a:spcPts val="0"/>
+                        </a:spcAft>
+                        <a:buClr>
+                          <a:schemeClr val="accent1">
+                            <a:lumMod val="50000"/>
+                          </a:schemeClr>
+                        </a:buClr>
+                        <a:buSzPct val="120000"/>
+                        <a:buFont typeface="Courier New" panose="02070309020205020404" pitchFamily="49" charset="0"/>
+                        <a:buChar char="|"/>
+                        <a:tabLst/>
+                        <a:defRPr/>
+                      </a:pPr>
+                      <a:r>
+                        <a:rPr lang="en-US" sz="1600" b="1" baseline="0" dirty="0">
+                          <a:latin typeface="Courier New" panose="02070309020205020404" pitchFamily="49" charset="0"/>
+                          <a:cs typeface="Courier New" panose="02070309020205020404" pitchFamily="49" charset="0"/>
+                        </a:rPr>
+                        <a:t>'</a:t>
+                      </a:r>
+                      <a:r>
+                        <a:rPr lang="en-US" sz="1600" b="1" baseline="0" dirty="0" err="1">
+                          <a:latin typeface="Courier New" panose="02070309020205020404" pitchFamily="49" charset="0"/>
+                          <a:cs typeface="Courier New" panose="02070309020205020404" pitchFamily="49" charset="0"/>
+                        </a:rPr>
+                        <a:t>tHIS</a:t>
+                      </a:r>
+                      <a:r>
+                        <a:rPr lang="en-US" sz="1600" b="1" baseline="0" dirty="0">
+                          <a:latin typeface="Courier New" panose="02070309020205020404" pitchFamily="49" charset="0"/>
+                          <a:cs typeface="Courier New" panose="02070309020205020404" pitchFamily="49" charset="0"/>
+                        </a:rPr>
+                        <a:t> </a:t>
+                      </a:r>
+                      <a:r>
+                        <a:rPr lang="en-US" sz="1600" b="1" baseline="0" dirty="0" err="1">
+                          <a:latin typeface="Courier New" panose="02070309020205020404" pitchFamily="49" charset="0"/>
+                          <a:cs typeface="Courier New" panose="02070309020205020404" pitchFamily="49" charset="0"/>
+                        </a:rPr>
+                        <a:t>iS</a:t>
+                      </a:r>
+                      <a:r>
+                        <a:rPr lang="en-US" sz="1600" b="1" baseline="0" dirty="0">
+                          <a:latin typeface="Courier New" panose="02070309020205020404" pitchFamily="49" charset="0"/>
+                          <a:cs typeface="Courier New" panose="02070309020205020404" pitchFamily="49" charset="0"/>
+                        </a:rPr>
+                        <a:t> a </a:t>
+                      </a:r>
+                      <a:r>
+                        <a:rPr lang="en-US" sz="1600" b="1" baseline="0" dirty="0" err="1">
+                          <a:latin typeface="Courier New" panose="02070309020205020404" pitchFamily="49" charset="0"/>
+                          <a:cs typeface="Courier New" panose="02070309020205020404" pitchFamily="49" charset="0"/>
+                        </a:rPr>
+                        <a:t>sTRING</a:t>
+                      </a:r>
+                      <a:endParaRPr lang="en-US" sz="1600" b="1" baseline="0" dirty="0">
+                        <a:latin typeface="Courier New" panose="02070309020205020404" pitchFamily="49" charset="0"/>
+                        <a:cs typeface="Courier New" panose="02070309020205020404" pitchFamily="49" charset="0"/>
+                      </a:endParaRPr>
+                    </a:p>
+                    <a:p>
+                      <a:pPr marL="266700" marR="0" lvl="0" indent="-266700" algn="l" defTabSz="914400" rtl="0" eaLnBrk="1" fontAlgn="auto" latinLnBrk="0" hangingPunct="1">
+                        <a:lnSpc>
+                          <a:spcPct val="100000"/>
+                        </a:lnSpc>
+                        <a:spcBef>
+                          <a:spcPts val="0"/>
+                        </a:spcBef>
+                        <a:spcAft>
+                          <a:spcPts val="0"/>
+                        </a:spcAft>
+                        <a:buClr>
+                          <a:srgbClr val="C00000"/>
+                        </a:buClr>
+                        <a:buSzPct val="100000"/>
+                        <a:buFont typeface="Courier New" panose="02070309020205020404" pitchFamily="49" charset="0"/>
+                        <a:buChar char="&gt;"/>
+                        <a:tabLst/>
+                        <a:defRPr/>
+                      </a:pPr>
+                      <a:r>
+                        <a:rPr lang="en-US" sz="1600" b="1" baseline="0" dirty="0" err="1">
+                          <a:latin typeface="Courier New" panose="02070309020205020404" pitchFamily="49" charset="0"/>
+                          <a:cs typeface="Courier New" panose="02070309020205020404" pitchFamily="49" charset="0"/>
+                        </a:rPr>
+                        <a:t>s.</a:t>
+                      </a:r>
+                      <a:r>
+                        <a:rPr lang="en-US" sz="1600" b="1" baseline="0" dirty="0" err="1">
+                          <a:solidFill>
+                            <a:srgbClr val="C00000"/>
+                          </a:solidFill>
+                          <a:latin typeface="Courier New" panose="02070309020205020404" pitchFamily="49" charset="0"/>
+                          <a:cs typeface="Courier New" panose="02070309020205020404" pitchFamily="49" charset="0"/>
+                        </a:rPr>
+                        <a:t>removeprefix</a:t>
+                      </a:r>
+                      <a:r>
+                        <a:rPr lang="en-US" sz="1600" b="1" baseline="0" dirty="0">
+                          <a:latin typeface="Courier New" panose="02070309020205020404" pitchFamily="49" charset="0"/>
+                          <a:cs typeface="Courier New" panose="02070309020205020404" pitchFamily="49" charset="0"/>
+                        </a:rPr>
+                        <a:t>('this is ')</a:t>
+                      </a:r>
+                    </a:p>
+                    <a:p>
+                      <a:pPr marL="266700" marR="0" lvl="0" indent="-266700" algn="l" defTabSz="914400" rtl="0" eaLnBrk="1" fontAlgn="auto" latinLnBrk="0" hangingPunct="1">
+                        <a:lnSpc>
+                          <a:spcPct val="100000"/>
+                        </a:lnSpc>
+                        <a:spcBef>
+                          <a:spcPts val="0"/>
+                        </a:spcBef>
+                        <a:spcAft>
+                          <a:spcPts val="0"/>
+                        </a:spcAft>
+                        <a:buClr>
+                          <a:schemeClr val="accent1">
+                            <a:lumMod val="50000"/>
+                          </a:schemeClr>
+                        </a:buClr>
+                        <a:buSzPct val="120000"/>
+                        <a:buFont typeface="Courier New" panose="02070309020205020404" pitchFamily="49" charset="0"/>
+                        <a:buChar char="|"/>
+                        <a:tabLst/>
+                        <a:defRPr/>
+                      </a:pPr>
+                      <a:r>
+                        <a:rPr lang="en-US" sz="1600" b="1" baseline="0" dirty="0">
+                          <a:latin typeface="Courier New" panose="02070309020205020404" pitchFamily="49" charset="0"/>
+                          <a:cs typeface="Courier New" panose="02070309020205020404" pitchFamily="49" charset="0"/>
+                        </a:rPr>
+                        <a:t>'a string'</a:t>
+                      </a:r>
+                    </a:p>
+                    <a:p>
+                      <a:pPr marL="266700" marR="0" lvl="0" indent="-266700" algn="l" defTabSz="914400" rtl="0" eaLnBrk="1" fontAlgn="auto" latinLnBrk="0" hangingPunct="1">
+                        <a:lnSpc>
+                          <a:spcPct val="100000"/>
+                        </a:lnSpc>
+                        <a:spcBef>
+                          <a:spcPts val="0"/>
+                        </a:spcBef>
+                        <a:spcAft>
+                          <a:spcPts val="0"/>
+                        </a:spcAft>
+                        <a:buClr>
+                          <a:srgbClr val="C00000"/>
+                        </a:buClr>
+                        <a:buSzPct val="100000"/>
+                        <a:buFont typeface="Courier New" panose="02070309020205020404" pitchFamily="49" charset="0"/>
+                        <a:buChar char="&gt;"/>
+                        <a:tabLst/>
+                        <a:defRPr/>
+                      </a:pPr>
+                      <a:r>
+                        <a:rPr lang="en-US" sz="1600" b="1" baseline="0" dirty="0" err="1">
+                          <a:latin typeface="Courier New" panose="02070309020205020404" pitchFamily="49" charset="0"/>
+                          <a:cs typeface="Courier New" panose="02070309020205020404" pitchFamily="49" charset="0"/>
+                        </a:rPr>
+                        <a:t>s.</a:t>
+                      </a:r>
+                      <a:r>
+                        <a:rPr lang="en-US" sz="1600" b="1" baseline="0" dirty="0" err="1">
+                          <a:solidFill>
+                            <a:srgbClr val="C00000"/>
+                          </a:solidFill>
+                          <a:latin typeface="Courier New" panose="02070309020205020404" pitchFamily="49" charset="0"/>
+                          <a:cs typeface="Courier New" panose="02070309020205020404" pitchFamily="49" charset="0"/>
+                        </a:rPr>
+                        <a:t>removesuffix</a:t>
+                      </a:r>
+                      <a:r>
+                        <a:rPr lang="en-US" sz="1600" b="1" baseline="0" dirty="0">
+                          <a:latin typeface="Courier New" panose="02070309020205020404" pitchFamily="49" charset="0"/>
+                          <a:cs typeface="Courier New" panose="02070309020205020404" pitchFamily="49" charset="0"/>
+                        </a:rPr>
+                        <a:t>(' string')</a:t>
+                      </a:r>
+                    </a:p>
+                    <a:p>
+                      <a:pPr marL="266700" marR="0" lvl="0" indent="-266700" algn="l" defTabSz="914400" rtl="0" eaLnBrk="1" fontAlgn="auto" latinLnBrk="0" hangingPunct="1">
+                        <a:lnSpc>
+                          <a:spcPct val="100000"/>
+                        </a:lnSpc>
+                        <a:spcBef>
+                          <a:spcPts val="0"/>
+                        </a:spcBef>
+                        <a:spcAft>
+                          <a:spcPts val="0"/>
+                        </a:spcAft>
+                        <a:buClr>
+                          <a:schemeClr val="accent1">
+                            <a:lumMod val="50000"/>
+                          </a:schemeClr>
+                        </a:buClr>
+                        <a:buSzPct val="120000"/>
+                        <a:buFont typeface="Courier New" panose="02070309020205020404" pitchFamily="49" charset="0"/>
+                        <a:buChar char="|"/>
+                        <a:tabLst/>
+                        <a:defRPr/>
+                      </a:pPr>
+                      <a:r>
+                        <a:rPr lang="en-US" sz="1600" b="1" baseline="0" dirty="0">
+                          <a:latin typeface="Courier New" panose="02070309020205020404" pitchFamily="49" charset="0"/>
+                          <a:cs typeface="Courier New" panose="02070309020205020404" pitchFamily="49" charset="0"/>
+                        </a:rPr>
+                        <a:t>'this is a'</a:t>
+                      </a:r>
+                    </a:p>
+                    <a:p>
+                      <a:pPr marL="266700" marR="0" lvl="0" indent="-266700" algn="l" defTabSz="914400" rtl="0" eaLnBrk="1" fontAlgn="auto" latinLnBrk="0" hangingPunct="1">
+                        <a:lnSpc>
+                          <a:spcPct val="100000"/>
+                        </a:lnSpc>
+                        <a:spcBef>
+                          <a:spcPts val="0"/>
+                        </a:spcBef>
+                        <a:spcAft>
+                          <a:spcPts val="0"/>
+                        </a:spcAft>
+                        <a:buClr>
+                          <a:srgbClr val="C00000"/>
+                        </a:buClr>
+                        <a:buSzPct val="100000"/>
+                        <a:buFont typeface="Courier New" panose="02070309020205020404" pitchFamily="49" charset="0"/>
+                        <a:buChar char="&gt;"/>
+                        <a:tabLst/>
+                        <a:defRPr/>
+                      </a:pPr>
+                      <a:r>
+                        <a:rPr lang="en-US" sz="1600" b="1" baseline="0" dirty="0" err="1">
+                          <a:latin typeface="Courier New" panose="02070309020205020404" pitchFamily="49" charset="0"/>
+                          <a:cs typeface="Courier New" panose="02070309020205020404" pitchFamily="49" charset="0"/>
+                        </a:rPr>
+                        <a:t>s.</a:t>
+                      </a:r>
+                      <a:r>
+                        <a:rPr lang="en-US" sz="1600" b="1" baseline="0" dirty="0" err="1">
+                          <a:solidFill>
+                            <a:srgbClr val="C00000"/>
+                          </a:solidFill>
+                          <a:latin typeface="Courier New" panose="02070309020205020404" pitchFamily="49" charset="0"/>
+                          <a:cs typeface="Courier New" panose="02070309020205020404" pitchFamily="49" charset="0"/>
+                        </a:rPr>
+                        <a:t>replace</a:t>
+                      </a:r>
+                      <a:r>
+                        <a:rPr lang="en-US" sz="1600" b="1" baseline="0" dirty="0">
+                          <a:latin typeface="Courier New" panose="02070309020205020404" pitchFamily="49" charset="0"/>
+                          <a:cs typeface="Courier New" panose="02070309020205020404" pitchFamily="49" charset="0"/>
+                        </a:rPr>
+                        <a:t>('is', 'IS')</a:t>
+                      </a:r>
+                    </a:p>
+                    <a:p>
+                      <a:pPr marL="266700" marR="0" lvl="0" indent="-266700" algn="l" defTabSz="914400" rtl="0" eaLnBrk="1" fontAlgn="auto" latinLnBrk="0" hangingPunct="1">
+                        <a:lnSpc>
+                          <a:spcPct val="100000"/>
+                        </a:lnSpc>
+                        <a:spcBef>
+                          <a:spcPts val="0"/>
+                        </a:spcBef>
+                        <a:spcAft>
+                          <a:spcPts val="0"/>
+                        </a:spcAft>
+                        <a:buClr>
+                          <a:schemeClr val="accent1">
+                            <a:lumMod val="50000"/>
+                          </a:schemeClr>
+                        </a:buClr>
+                        <a:buSzPct val="120000"/>
+                        <a:buFont typeface="Courier New" panose="02070309020205020404" pitchFamily="49" charset="0"/>
+                        <a:buChar char="|"/>
+                        <a:tabLst/>
+                        <a:defRPr/>
+                      </a:pPr>
+                      <a:r>
+                        <a:rPr lang="en-US" sz="1600" b="1" baseline="0" dirty="0">
+                          <a:latin typeface="Courier New" panose="02070309020205020404" pitchFamily="49" charset="0"/>
+                          <a:cs typeface="Courier New" panose="02070309020205020404" pitchFamily="49" charset="0"/>
+                        </a:rPr>
+                        <a:t>'</a:t>
+                      </a:r>
+                      <a:r>
+                        <a:rPr lang="en-US" sz="1600" b="1" baseline="0" dirty="0" err="1">
+                          <a:latin typeface="Courier New" panose="02070309020205020404" pitchFamily="49" charset="0"/>
+                          <a:cs typeface="Courier New" panose="02070309020205020404" pitchFamily="49" charset="0"/>
+                        </a:rPr>
+                        <a:t>thIS</a:t>
+                      </a:r>
+                      <a:r>
+                        <a:rPr lang="en-US" sz="1600" b="1" baseline="0" dirty="0">
+                          <a:latin typeface="Courier New" panose="02070309020205020404" pitchFamily="49" charset="0"/>
+                          <a:cs typeface="Courier New" panose="02070309020205020404" pitchFamily="49" charset="0"/>
+                        </a:rPr>
+                        <a:t> IS a string’</a:t>
+                      </a:r>
+                    </a:p>
+                    <a:p>
+                      <a:pPr marL="266700" marR="0" lvl="0" indent="-266700" algn="l" defTabSz="914400" rtl="0" eaLnBrk="1" fontAlgn="auto" latinLnBrk="0" hangingPunct="1">
+                        <a:lnSpc>
+                          <a:spcPct val="100000"/>
+                        </a:lnSpc>
+                        <a:spcBef>
+                          <a:spcPts val="0"/>
+                        </a:spcBef>
+                        <a:spcAft>
+                          <a:spcPts val="0"/>
+                        </a:spcAft>
+                        <a:buClr>
+                          <a:srgbClr val="C00000"/>
+                        </a:buClr>
+                        <a:buSzPct val="100000"/>
+                        <a:buFont typeface="Courier New" panose="02070309020205020404" pitchFamily="49" charset="0"/>
+                        <a:buChar char="&gt;"/>
+                        <a:tabLst/>
+                        <a:defRPr/>
+                      </a:pPr>
+                      <a:r>
+                        <a:rPr lang="en-US" sz="1600" b="1" baseline="0" dirty="0" err="1">
+                          <a:latin typeface="Courier New" panose="02070309020205020404" pitchFamily="49" charset="0"/>
+                          <a:cs typeface="Courier New" panose="02070309020205020404" pitchFamily="49" charset="0"/>
+                        </a:rPr>
+                        <a:t>s.</a:t>
+                      </a:r>
+                      <a:r>
+                        <a:rPr lang="en-US" sz="1600" b="1" baseline="0" dirty="0" err="1">
+                          <a:solidFill>
+                            <a:srgbClr val="C00000"/>
+                          </a:solidFill>
+                          <a:latin typeface="Courier New" panose="02070309020205020404" pitchFamily="49" charset="0"/>
+                          <a:cs typeface="Courier New" panose="02070309020205020404" pitchFamily="49" charset="0"/>
+                        </a:rPr>
+                        <a:t>ljust</a:t>
+                      </a:r>
+                      <a:r>
+                        <a:rPr lang="en-US" sz="1600" b="1" baseline="0" dirty="0">
+                          <a:latin typeface="Courier New" panose="02070309020205020404" pitchFamily="49" charset="0"/>
+                          <a:cs typeface="Courier New" panose="02070309020205020404" pitchFamily="49" charset="0"/>
+                        </a:rPr>
+                        <a:t>(30)</a:t>
+                      </a:r>
+                    </a:p>
+                    <a:p>
+                      <a:pPr marL="266700" marR="0" lvl="0" indent="-266700" algn="l" defTabSz="914400" rtl="0" eaLnBrk="1" fontAlgn="auto" latinLnBrk="0" hangingPunct="1">
+                        <a:lnSpc>
+                          <a:spcPct val="100000"/>
+                        </a:lnSpc>
+                        <a:spcBef>
+                          <a:spcPts val="0"/>
+                        </a:spcBef>
+                        <a:spcAft>
+                          <a:spcPts val="0"/>
+                        </a:spcAft>
+                        <a:buClr>
+                          <a:schemeClr val="accent1">
+                            <a:lumMod val="50000"/>
+                          </a:schemeClr>
+                        </a:buClr>
+                        <a:buSzPct val="120000"/>
+                        <a:buFont typeface="Courier New" panose="02070309020205020404" pitchFamily="49" charset="0"/>
+                        <a:buChar char="|"/>
+                        <a:tabLst/>
+                        <a:defRPr/>
+                      </a:pPr>
+                      <a:r>
+                        <a:rPr lang="en-US" sz="1600" b="1" baseline="0" dirty="0">
+                          <a:latin typeface="Courier New" panose="02070309020205020404" pitchFamily="49" charset="0"/>
+                          <a:cs typeface="Courier New" panose="02070309020205020404" pitchFamily="49" charset="0"/>
+                        </a:rPr>
+                        <a:t>'this is a string              '</a:t>
+                      </a:r>
+                    </a:p>
+                    <a:p>
+                      <a:pPr marL="266700" marR="0" lvl="0" indent="-266700" algn="l" defTabSz="914400" rtl="0" eaLnBrk="1" fontAlgn="auto" latinLnBrk="0" hangingPunct="1">
+                        <a:lnSpc>
+                          <a:spcPct val="100000"/>
+                        </a:lnSpc>
+                        <a:spcBef>
+                          <a:spcPts val="0"/>
+                        </a:spcBef>
+                        <a:spcAft>
+                          <a:spcPts val="0"/>
+                        </a:spcAft>
+                        <a:buClr>
+                          <a:srgbClr val="C00000"/>
+                        </a:buClr>
+                        <a:buSzPct val="100000"/>
+                        <a:buFont typeface="Courier New" panose="02070309020205020404" pitchFamily="49" charset="0"/>
+                        <a:buChar char="&gt;"/>
+                        <a:tabLst/>
+                        <a:defRPr/>
+                      </a:pPr>
+                      <a:r>
+                        <a:rPr lang="en-US" sz="1600" b="1" baseline="0" dirty="0" err="1">
+                          <a:latin typeface="Courier New" panose="02070309020205020404" pitchFamily="49" charset="0"/>
+                          <a:cs typeface="Courier New" panose="02070309020205020404" pitchFamily="49" charset="0"/>
+                        </a:rPr>
+                        <a:t>s.</a:t>
+                      </a:r>
+                      <a:r>
+                        <a:rPr lang="en-US" sz="1600" b="1" baseline="0" dirty="0" err="1">
+                          <a:solidFill>
+                            <a:srgbClr val="C00000"/>
+                          </a:solidFill>
+                          <a:latin typeface="Courier New" panose="02070309020205020404" pitchFamily="49" charset="0"/>
+                          <a:cs typeface="Courier New" panose="02070309020205020404" pitchFamily="49" charset="0"/>
+                        </a:rPr>
+                        <a:t>center</a:t>
+                      </a:r>
+                      <a:r>
+                        <a:rPr lang="en-US" sz="1600" b="1" baseline="0" dirty="0">
+                          <a:latin typeface="Courier New" panose="02070309020205020404" pitchFamily="49" charset="0"/>
+                          <a:cs typeface="Courier New" panose="02070309020205020404" pitchFamily="49" charset="0"/>
+                        </a:rPr>
+                        <a:t>(30)</a:t>
+                      </a:r>
+                    </a:p>
+                    <a:p>
+                      <a:pPr marL="266700" marR="0" lvl="0" indent="-266700" algn="l" defTabSz="914400" rtl="0" eaLnBrk="1" fontAlgn="auto" latinLnBrk="0" hangingPunct="1">
+                        <a:lnSpc>
+                          <a:spcPct val="100000"/>
+                        </a:lnSpc>
+                        <a:spcBef>
+                          <a:spcPts val="0"/>
+                        </a:spcBef>
+                        <a:spcAft>
+                          <a:spcPts val="0"/>
+                        </a:spcAft>
+                        <a:buClr>
+                          <a:schemeClr val="accent1">
+                            <a:lumMod val="50000"/>
+                          </a:schemeClr>
+                        </a:buClr>
+                        <a:buSzPct val="120000"/>
+                        <a:buFont typeface="Courier New" panose="02070309020205020404" pitchFamily="49" charset="0"/>
+                        <a:buChar char="|"/>
+                        <a:tabLst/>
+                        <a:defRPr/>
+                      </a:pPr>
+                      <a:r>
+                        <a:rPr lang="en-US" sz="1600" b="1" baseline="0" dirty="0">
+                          <a:latin typeface="Courier New" panose="02070309020205020404" pitchFamily="49" charset="0"/>
+                          <a:cs typeface="Courier New" panose="02070309020205020404" pitchFamily="49" charset="0"/>
+                        </a:rPr>
+                        <a:t>'       this is a string       '</a:t>
+                      </a:r>
+                    </a:p>
+                    <a:p>
+                      <a:pPr marL="266700" marR="0" lvl="0" indent="-266700" algn="l" defTabSz="914400" rtl="0" eaLnBrk="1" fontAlgn="auto" latinLnBrk="0" hangingPunct="1">
+                        <a:lnSpc>
+                          <a:spcPct val="100000"/>
+                        </a:lnSpc>
+                        <a:spcBef>
+                          <a:spcPts val="0"/>
+                        </a:spcBef>
+                        <a:spcAft>
+                          <a:spcPts val="0"/>
+                        </a:spcAft>
+                        <a:buClr>
+                          <a:srgbClr val="C00000"/>
+                        </a:buClr>
+                        <a:buSzPct val="100000"/>
+                        <a:buFont typeface="Courier New" panose="02070309020205020404" pitchFamily="49" charset="0"/>
+                        <a:buChar char="&gt;"/>
+                        <a:tabLst/>
+                        <a:defRPr/>
+                      </a:pPr>
+                      <a:r>
+                        <a:rPr lang="en-US" sz="1600" b="1" baseline="0" dirty="0" err="1">
+                          <a:latin typeface="Courier New" panose="02070309020205020404" pitchFamily="49" charset="0"/>
+                          <a:cs typeface="Courier New" panose="02070309020205020404" pitchFamily="49" charset="0"/>
+                        </a:rPr>
+                        <a:t>s.</a:t>
+                      </a:r>
+                      <a:r>
+                        <a:rPr lang="en-US" sz="1600" b="1" baseline="0" dirty="0" err="1">
+                          <a:solidFill>
+                            <a:srgbClr val="C00000"/>
+                          </a:solidFill>
+                          <a:latin typeface="Courier New" panose="02070309020205020404" pitchFamily="49" charset="0"/>
+                          <a:cs typeface="Courier New" panose="02070309020205020404" pitchFamily="49" charset="0"/>
+                        </a:rPr>
+                        <a:t>rjust</a:t>
+                      </a:r>
+                      <a:r>
+                        <a:rPr lang="en-US" sz="1600" b="1" baseline="0" dirty="0">
+                          <a:latin typeface="Courier New" panose="02070309020205020404" pitchFamily="49" charset="0"/>
+                          <a:cs typeface="Courier New" panose="02070309020205020404" pitchFamily="49" charset="0"/>
+                        </a:rPr>
+                        <a:t>(30, '.')</a:t>
+                      </a:r>
+                    </a:p>
+                    <a:p>
+                      <a:pPr marL="266700" marR="0" lvl="0" indent="-266700" algn="l" defTabSz="914400" rtl="0" eaLnBrk="1" fontAlgn="auto" latinLnBrk="0" hangingPunct="1">
+                        <a:lnSpc>
+                          <a:spcPct val="100000"/>
+                        </a:lnSpc>
+                        <a:spcBef>
+                          <a:spcPts val="0"/>
+                        </a:spcBef>
+                        <a:spcAft>
+                          <a:spcPts val="0"/>
+                        </a:spcAft>
+                        <a:buClr>
+                          <a:schemeClr val="accent1">
+                            <a:lumMod val="50000"/>
+                          </a:schemeClr>
+                        </a:buClr>
+                        <a:buSzPct val="120000"/>
+                        <a:buFont typeface="Courier New" panose="02070309020205020404" pitchFamily="49" charset="0"/>
+                        <a:buChar char="|"/>
+                        <a:tabLst/>
+                        <a:defRPr/>
+                      </a:pPr>
+                      <a:r>
+                        <a:rPr lang="en-US" sz="1600" b="1" baseline="0" dirty="0">
+                          <a:latin typeface="Courier New" panose="02070309020205020404" pitchFamily="49" charset="0"/>
+                          <a:cs typeface="Courier New" panose="02070309020205020404" pitchFamily="49" charset="0"/>
+                        </a:rPr>
+                        <a:t>'..............this is a string'</a:t>
+                      </a:r>
+                    </a:p>
+                    <a:p>
+                      <a:pPr marL="266700" marR="0" lvl="0" indent="-266700" algn="l" defTabSz="914400" rtl="0" eaLnBrk="1" fontAlgn="auto" latinLnBrk="0" hangingPunct="1">
+                        <a:lnSpc>
+                          <a:spcPct val="100000"/>
+                        </a:lnSpc>
+                        <a:spcBef>
+                          <a:spcPts val="0"/>
+                        </a:spcBef>
+                        <a:spcAft>
+                          <a:spcPts val="0"/>
+                        </a:spcAft>
+                        <a:buClr>
+                          <a:srgbClr val="C00000"/>
+                        </a:buClr>
+                        <a:buSzPct val="100000"/>
+                        <a:buFont typeface="Courier New" panose="02070309020205020404" pitchFamily="49" charset="0"/>
+                        <a:buChar char="&gt;"/>
+                        <a:tabLst/>
+                        <a:defRPr/>
+                      </a:pPr>
+                      <a:r>
+                        <a:rPr lang="en-US" sz="1600" b="1" baseline="0" dirty="0" err="1">
+                          <a:latin typeface="Courier New" panose="02070309020205020404" pitchFamily="49" charset="0"/>
+                          <a:cs typeface="Courier New" panose="02070309020205020404" pitchFamily="49" charset="0"/>
+                        </a:rPr>
+                        <a:t>s.</a:t>
+                      </a:r>
+                      <a:r>
+                        <a:rPr lang="en-US" sz="1600" b="1" baseline="0" dirty="0" err="1">
+                          <a:solidFill>
+                            <a:srgbClr val="C00000"/>
+                          </a:solidFill>
+                          <a:latin typeface="Courier New" panose="02070309020205020404" pitchFamily="49" charset="0"/>
+                          <a:cs typeface="Courier New" panose="02070309020205020404" pitchFamily="49" charset="0"/>
+                        </a:rPr>
+                        <a:t>count</a:t>
+                      </a:r>
+                      <a:r>
+                        <a:rPr lang="en-US" sz="1600" b="1" baseline="0" dirty="0">
+                          <a:latin typeface="Courier New" panose="02070309020205020404" pitchFamily="49" charset="0"/>
+                          <a:cs typeface="Courier New" panose="02070309020205020404" pitchFamily="49" charset="0"/>
+                        </a:rPr>
+                        <a:t>('</a:t>
+                      </a:r>
+                      <a:r>
+                        <a:rPr lang="en-US" sz="1600" b="1" baseline="0" dirty="0" err="1">
+                          <a:latin typeface="Courier New" panose="02070309020205020404" pitchFamily="49" charset="0"/>
+                          <a:cs typeface="Courier New" panose="02070309020205020404" pitchFamily="49" charset="0"/>
+                        </a:rPr>
+                        <a:t>i</a:t>
+                      </a:r>
+                      <a:r>
+                        <a:rPr lang="en-US" sz="1600" b="1" baseline="0" dirty="0">
+                          <a:latin typeface="Courier New" panose="02070309020205020404" pitchFamily="49" charset="0"/>
+                          <a:cs typeface="Courier New" panose="02070309020205020404" pitchFamily="49" charset="0"/>
+                        </a:rPr>
+                        <a:t>')</a:t>
+                      </a:r>
+                    </a:p>
+                    <a:p>
+                      <a:pPr marL="266700" marR="0" lvl="0" indent="-266700" algn="l" defTabSz="914400" rtl="0" eaLnBrk="1" fontAlgn="auto" latinLnBrk="0" hangingPunct="1">
+                        <a:lnSpc>
+                          <a:spcPct val="100000"/>
+                        </a:lnSpc>
+                        <a:spcBef>
+                          <a:spcPts val="0"/>
+                        </a:spcBef>
+                        <a:spcAft>
+                          <a:spcPts val="0"/>
+                        </a:spcAft>
+                        <a:buClr>
+                          <a:schemeClr val="accent1">
+                            <a:lumMod val="50000"/>
+                          </a:schemeClr>
+                        </a:buClr>
+                        <a:buSzPct val="120000"/>
+                        <a:buFont typeface="Courier New" panose="02070309020205020404" pitchFamily="49" charset="0"/>
+                        <a:buChar char="|"/>
+                        <a:tabLst/>
+                        <a:defRPr/>
+                      </a:pPr>
+                      <a:r>
+                        <a:rPr lang="en-US" sz="1600" b="1" baseline="0" dirty="0">
+                          <a:latin typeface="Courier New" panose="02070309020205020404" pitchFamily="49" charset="0"/>
+                          <a:cs typeface="Courier New" panose="02070309020205020404" pitchFamily="49" charset="0"/>
+                        </a:rPr>
+                        <a:t>3</a:t>
+                      </a:r>
+                    </a:p>
+                    <a:p>
+                      <a:pPr marL="266700" marR="0" lvl="0" indent="-266700" algn="l" defTabSz="914400" rtl="0" eaLnBrk="1" fontAlgn="auto" latinLnBrk="0" hangingPunct="1">
+                        <a:lnSpc>
+                          <a:spcPct val="100000"/>
+                        </a:lnSpc>
+                        <a:spcBef>
+                          <a:spcPts val="0"/>
+                        </a:spcBef>
+                        <a:spcAft>
+                          <a:spcPts val="0"/>
+                        </a:spcAft>
+                        <a:buClr>
+                          <a:srgbClr val="C00000"/>
+                        </a:buClr>
+                        <a:buSzPct val="100000"/>
+                        <a:buFont typeface="Courier New" panose="02070309020205020404" pitchFamily="49" charset="0"/>
+                        <a:buChar char="&gt;"/>
+                        <a:tabLst/>
+                        <a:defRPr/>
+                      </a:pPr>
+                      <a:r>
+                        <a:rPr lang="en-US" sz="1600" b="1" baseline="0" dirty="0">
+                          <a:latin typeface="Courier New" panose="02070309020205020404" pitchFamily="49" charset="0"/>
+                          <a:cs typeface="Courier New" panose="02070309020205020404" pitchFamily="49" charset="0"/>
+                        </a:rPr>
+                        <a:t>'12345'.</a:t>
+                      </a:r>
+                      <a:r>
+                        <a:rPr lang="en-US" sz="1600" b="1" baseline="0" dirty="0">
+                          <a:solidFill>
+                            <a:srgbClr val="C00000"/>
+                          </a:solidFill>
+                          <a:latin typeface="Courier New" panose="02070309020205020404" pitchFamily="49" charset="0"/>
+                          <a:cs typeface="Courier New" panose="02070309020205020404" pitchFamily="49" charset="0"/>
+                        </a:rPr>
+                        <a:t>zfill</a:t>
+                      </a:r>
+                      <a:r>
+                        <a:rPr lang="en-US" sz="1600" b="1" baseline="0" dirty="0">
+                          <a:latin typeface="Courier New" panose="02070309020205020404" pitchFamily="49" charset="0"/>
+                          <a:cs typeface="Courier New" panose="02070309020205020404" pitchFamily="49" charset="0"/>
+                        </a:rPr>
+                        <a:t>(8)</a:t>
+                      </a:r>
+                    </a:p>
+                    <a:p>
+                      <a:pPr marL="266700" marR="0" lvl="0" indent="-266700" algn="l" defTabSz="914400" rtl="0" eaLnBrk="1" fontAlgn="auto" latinLnBrk="0" hangingPunct="1">
+                        <a:lnSpc>
+                          <a:spcPct val="100000"/>
+                        </a:lnSpc>
+                        <a:spcBef>
+                          <a:spcPts val="0"/>
+                        </a:spcBef>
+                        <a:spcAft>
+                          <a:spcPts val="0"/>
+                        </a:spcAft>
+                        <a:buClr>
+                          <a:schemeClr val="accent1">
+                            <a:lumMod val="50000"/>
+                          </a:schemeClr>
+                        </a:buClr>
+                        <a:buSzPct val="120000"/>
+                        <a:buFont typeface="Courier New" panose="02070309020205020404" pitchFamily="49" charset="0"/>
+                        <a:buChar char="|"/>
+                        <a:tabLst/>
+                        <a:defRPr/>
+                      </a:pPr>
+                      <a:r>
+                        <a:rPr lang="en-US" sz="1600" b="1" baseline="0" dirty="0">
+                          <a:latin typeface="Courier New" panose="02070309020205020404" pitchFamily="49" charset="0"/>
+                          <a:cs typeface="Courier New" panose="02070309020205020404" pitchFamily="49" charset="0"/>
+                        </a:rPr>
+                        <a:t>'00012345'</a:t>
+                      </a:r>
+                    </a:p>
+                  </a:txBody>
+                  <a:tcPr>
+                    <a:lnL w="6350" cap="flat" cmpd="sng" algn="ctr">
+                      <a:solidFill>
+                        <a:schemeClr val="tx1"/>
+                      </a:solidFill>
+                      <a:prstDash val="solid"/>
+                      <a:round/>
+                      <a:headEnd type="none" w="med" len="med"/>
+                      <a:tailEnd type="none" w="med" len="med"/>
+                    </a:lnL>
+                    <a:lnR w="6350" cap="flat" cmpd="sng" algn="ctr">
+                      <a:solidFill>
+                        <a:schemeClr val="tx1"/>
+                      </a:solidFill>
+                      <a:prstDash val="solid"/>
+                      <a:round/>
+                      <a:headEnd type="none" w="med" len="med"/>
+                      <a:tailEnd type="none" w="med" len="med"/>
+                    </a:lnR>
+                    <a:lnT w="6350" cap="flat" cmpd="sng" algn="ctr">
+                      <a:solidFill>
+                        <a:schemeClr val="tx1"/>
+                      </a:solidFill>
+                      <a:prstDash val="solid"/>
+                      <a:round/>
+                      <a:headEnd type="none" w="med" len="med"/>
+                      <a:tailEnd type="none" w="med" len="med"/>
+                    </a:lnT>
+                    <a:lnB w="6350" cap="flat" cmpd="sng" algn="ctr">
+                      <a:solidFill>
+                        <a:schemeClr val="tx1"/>
+                      </a:solidFill>
+                      <a:prstDash val="solid"/>
+                      <a:round/>
+                      <a:headEnd type="none" w="med" len="med"/>
+                      <a:tailEnd type="none" w="med" len="med"/>
+                    </a:lnB>
+                    <a:lnTlToBr w="12700" cmpd="sng">
+                      <a:noFill/>
+                      <a:prstDash val="solid"/>
+                    </a:lnTlToBr>
+                    <a:lnBlToTr w="12700" cmpd="sng">
+                      <a:noFill/>
+                      <a:prstDash val="solid"/>
+                    </a:lnBlToTr>
+                    <a:solidFill>
+                      <a:schemeClr val="accent5">
+                        <a:lumMod val="20000"/>
+                        <a:lumOff val="80000"/>
+                      </a:schemeClr>
+                    </a:solidFill>
+                  </a:tcPr>
+                </a:tc>
+                <a:extLst>
+                  <a:ext uri="{0D108BD9-81ED-4DB2-BD59-A6C34878D82A}">
+                    <a16:rowId xmlns:a16="http://schemas.microsoft.com/office/drawing/2014/main" val="4112970457"/>
+                  </a:ext>
+                </a:extLst>
+              </a:tr>
+            </a:tbl>
+          </a:graphicData>
+        </a:graphic>
+      </p:graphicFrame>
+      <p:sp>
+        <p:nvSpPr>
+          <p:cNvPr id="9" name="Rectangle 8">
+            <a:extLst>
+              <a:ext uri="{FF2B5EF4-FFF2-40B4-BE49-F238E27FC236}">
+                <a16:creationId xmlns:a16="http://schemas.microsoft.com/office/drawing/2014/main" id="{86E08E30-093F-3171-73B5-821EA6368550}"/>
+              </a:ext>
+            </a:extLst>
+          </p:cNvPr>
+          <p:cNvSpPr/>
+          <p:nvPr/>
+        </p:nvSpPr>
+        <p:spPr>
+          <a:xfrm>
+            <a:off x="5236763" y="6488668"/>
+            <a:ext cx="6955237" cy="369332"/>
+          </a:xfrm>
+          <a:prstGeom prst="rect">
+            <a:avLst/>
+          </a:prstGeom>
+        </p:spPr>
+        <p:txBody>
+          <a:bodyPr wrap="none">
+            <a:spAutoFit/>
+          </a:bodyPr>
+          <a:lstStyle/>
+          <a:p>
+            <a:pPr algn="r"/>
+            <a:r>
+              <a:rPr lang="en-US" dirty="0">
+                <a:hlinkClick r:id="rId2"/>
+              </a:rPr>
+              <a:t>https://docs.python.org/3/library/stdtypes.html#text-sequence-type-str</a:t>
+            </a:r>
+            <a:endParaRPr lang="en-US" dirty="0"/>
+          </a:p>
+        </p:txBody>
+      </p:sp>
+    </p:spTree>
+    <p:extLst>
+      <p:ext uri="{BB962C8B-B14F-4D97-AF65-F5344CB8AC3E}">
+        <p14:creationId xmlns:p14="http://schemas.microsoft.com/office/powerpoint/2010/main" val="4003465609"/>
+      </p:ext>
+    </p:extLst>
+  </p:cSld>
+  <p:clrMapOvr>
+    <a:masterClrMapping/>
+  </p:clrMapOvr>
+</p:sld>
+</file>
+
+<file path=ppt/slides/slide22.xml><?xml version="1.0" encoding="utf-8"?>
 <p:sld xmlns:a="http://schemas.openxmlformats.org/drawingml/2006/main" xmlns:r="http://schemas.openxmlformats.org/officeDocument/2006/relationships" xmlns:p="http://schemas.openxmlformats.org/presentationml/2006/main">
   <p:cSld>
     <p:bg>
@@ -20974,244 +22445,6 @@
 </p:sld>
 </file>
 
-<file path=ppt/slides/slide22.xml><?xml version="1.0" encoding="utf-8"?>
-<p:sld xmlns:a="http://schemas.openxmlformats.org/drawingml/2006/main" xmlns:r="http://schemas.openxmlformats.org/officeDocument/2006/relationships" xmlns:p="http://schemas.openxmlformats.org/presentationml/2006/main">
-  <p:cSld>
-    <p:spTree>
-      <p:nvGrpSpPr>
-        <p:cNvPr id="1" name=""/>
-        <p:cNvGrpSpPr/>
-        <p:nvPr/>
-      </p:nvGrpSpPr>
-      <p:grpSpPr>
-        <a:xfrm>
-          <a:off x="0" y="0"/>
-          <a:ext cx="0" cy="0"/>
-          <a:chOff x="0" y="0"/>
-          <a:chExt cx="0" cy="0"/>
-        </a:xfrm>
-      </p:grpSpPr>
-      <p:sp>
-        <p:nvSpPr>
-          <p:cNvPr id="2" name="Title 1"/>
-          <p:cNvSpPr>
-            <a:spLocks noGrp="1"/>
-          </p:cNvSpPr>
-          <p:nvPr>
-            <p:ph type="title"/>
-          </p:nvPr>
-        </p:nvSpPr>
-        <p:spPr/>
-        <p:txBody>
-          <a:bodyPr/>
-          <a:lstStyle/>
-          <a:p>
-            <a:r>
-              <a:rPr lang="en-US" dirty="0"/>
-              <a:t>Strings are immutable</a:t>
-            </a:r>
-          </a:p>
-        </p:txBody>
-      </p:sp>
-      <p:sp>
-        <p:nvSpPr>
-          <p:cNvPr id="3" name="Content Placeholder 2"/>
-          <p:cNvSpPr>
-            <a:spLocks noGrp="1"/>
-          </p:cNvSpPr>
-          <p:nvPr>
-            <p:ph idx="1"/>
-          </p:nvPr>
-        </p:nvSpPr>
-        <p:spPr>
-          <a:xfrm>
-            <a:off x="861060" y="1825625"/>
-            <a:ext cx="11014710" cy="4351338"/>
-          </a:xfrm>
-        </p:spPr>
-        <p:txBody>
-          <a:bodyPr/>
-          <a:lstStyle/>
-          <a:p>
-            <a:pPr>
-              <a:spcAft>
-                <a:spcPts val="1200"/>
-              </a:spcAft>
-            </a:pPr>
-            <a:r>
-              <a:rPr lang="en-US" dirty="0"/>
-              <a:t>Strings are non-scalar, i.e. for </a:t>
-            </a:r>
-            <a:r>
-              <a:rPr lang="en-US" dirty="0">
-                <a:latin typeface="Courier"/>
-              </a:rPr>
-              <a:t>s = "</a:t>
-            </a:r>
-            <a:r>
-              <a:rPr lang="en-US" dirty="0" err="1">
-                <a:latin typeface="Courier"/>
-              </a:rPr>
-              <a:t>abcdef</a:t>
-            </a:r>
-            <a:r>
-              <a:rPr lang="en-US" dirty="0">
-                <a:latin typeface="Courier"/>
-              </a:rPr>
-              <a:t>"</a:t>
-            </a:r>
-            <a:r>
-              <a:rPr lang="en-US" dirty="0"/>
-              <a:t>, </a:t>
-            </a:r>
-            <a:r>
-              <a:rPr lang="en-US" dirty="0">
-                <a:latin typeface="Courier"/>
-              </a:rPr>
-              <a:t>s[3]</a:t>
-            </a:r>
-            <a:r>
-              <a:rPr lang="en-US" dirty="0"/>
-              <a:t> will return </a:t>
-            </a:r>
-            <a:r>
-              <a:rPr lang="en-US" dirty="0">
-                <a:latin typeface="Courier"/>
-              </a:rPr>
-              <a:t>"d"</a:t>
-            </a:r>
-          </a:p>
-          <a:p>
-            <a:pPr>
-              <a:spcAft>
-                <a:spcPts val="1200"/>
-              </a:spcAft>
-            </a:pPr>
-            <a:r>
-              <a:rPr lang="en-US" dirty="0"/>
-              <a:t>Strings are </a:t>
-            </a:r>
-            <a:r>
-              <a:rPr lang="en-US" dirty="0">
-                <a:solidFill>
-                  <a:srgbClr val="C00000"/>
-                </a:solidFill>
-              </a:rPr>
-              <a:t>immutable</a:t>
-            </a:r>
-            <a:r>
-              <a:rPr lang="en-US" dirty="0"/>
-              <a:t> and cannot be changed once created. I.e. the following natural update </a:t>
-            </a:r>
-            <a:r>
-              <a:rPr lang="en-US" dirty="0">
-                <a:solidFill>
-                  <a:srgbClr val="C00000"/>
-                </a:solidFill>
-              </a:rPr>
-              <a:t>is not possible </a:t>
-            </a:r>
-            <a:r>
-              <a:rPr lang="en-US" dirty="0"/>
-              <a:t>(but is e.g. allowed in C)</a:t>
-            </a:r>
-            <a:endParaRPr lang="en-US" dirty="0">
-              <a:solidFill>
-                <a:srgbClr val="C00000"/>
-              </a:solidFill>
-            </a:endParaRPr>
-          </a:p>
-          <a:p>
-            <a:pPr marL="0" indent="0" algn="ctr">
-              <a:spcAft>
-                <a:spcPts val="1200"/>
-              </a:spcAft>
-              <a:buNone/>
-            </a:pPr>
-            <a:r>
-              <a:rPr lang="en-US" dirty="0">
-                <a:solidFill>
-                  <a:srgbClr val="C00000"/>
-                </a:solidFill>
-                <a:latin typeface="Courier"/>
-              </a:rPr>
-              <a:t>s[3] = "x"</a:t>
-            </a:r>
-          </a:p>
-          <a:p>
-            <a:pPr>
-              <a:spcAft>
-                <a:spcPts val="1200"/>
-              </a:spcAft>
-            </a:pPr>
-            <a:r>
-              <a:rPr lang="en-US" dirty="0"/>
-              <a:t>To replace the </a:t>
-            </a:r>
-            <a:r>
-              <a:rPr lang="en-US" dirty="0">
-                <a:latin typeface="Courier"/>
-              </a:rPr>
-              <a:t>"d"</a:t>
-            </a:r>
-            <a:r>
-              <a:rPr lang="en-US" dirty="0"/>
-              <a:t> with </a:t>
-            </a:r>
-            <a:r>
-              <a:rPr lang="en-US" dirty="0">
-                <a:latin typeface="Courier"/>
-              </a:rPr>
-              <a:t>"x"</a:t>
-            </a:r>
-            <a:r>
-              <a:rPr lang="en-US" dirty="0"/>
-              <a:t> in </a:t>
-            </a:r>
-            <a:r>
-              <a:rPr lang="en-US" dirty="0">
-                <a:latin typeface="Courier"/>
-              </a:rPr>
-              <a:t>s</a:t>
-            </a:r>
-            <a:r>
-              <a:rPr lang="en-US" dirty="0"/>
-              <a:t>, instead do the following update</a:t>
-            </a:r>
-          </a:p>
-          <a:p>
-            <a:pPr marL="0" indent="0" algn="ctr">
-              <a:spcAft>
-                <a:spcPts val="1200"/>
-              </a:spcAft>
-              <a:buNone/>
-            </a:pPr>
-            <a:r>
-              <a:rPr lang="en-US" dirty="0">
-                <a:latin typeface="Courier"/>
-              </a:rPr>
-              <a:t>s = s[:3] + "x" + s[4:]</a:t>
-            </a:r>
-            <a:br>
-              <a:rPr lang="en-US" dirty="0"/>
-            </a:br>
-            <a:endParaRPr lang="en-US" dirty="0"/>
-          </a:p>
-        </p:txBody>
-      </p:sp>
-    </p:spTree>
-    <p:extLst>
-      <p:ext uri="{BB962C8B-B14F-4D97-AF65-F5344CB8AC3E}">
-        <p14:creationId xmlns:p14="http://schemas.microsoft.com/office/powerpoint/2010/main" val="3203409752"/>
-      </p:ext>
-    </p:extLst>
-  </p:cSld>
-  <p:clrMapOvr>
-    <a:masterClrMapping/>
-  </p:clrMapOvr>
-</p:sld>
-</file>
-
 <file path=ppt/slides/slide23.xml><?xml version="1.0" encoding="utf-8"?>
 <p:sld xmlns:a="http://schemas.openxmlformats.org/drawingml/2006/main" xmlns:r="http://schemas.openxmlformats.org/officeDocument/2006/relationships" xmlns:p="http://schemas.openxmlformats.org/presentationml/2006/main">
   <p:cSld>
@@ -21246,14 +22479,7 @@
           <a:p>
             <a:r>
               <a:rPr lang="en-US" dirty="0"/>
-              <a:t>Operators</a:t>
-            </a:r>
-            <a:br>
-              <a:rPr lang="en-US" dirty="0"/>
-            </a:br>
-            <a:r>
-              <a:rPr lang="en-US" dirty="0"/>
-              <a:t>Precedence rules &amp; Associativity</a:t>
+              <a:t>Strings are immutable</a:t>
             </a:r>
           </a:p>
         </p:txBody>
@@ -21270,1303 +22496,188 @@
         </p:nvSpPr>
         <p:spPr>
           <a:xfrm>
-            <a:off x="838200" y="1791569"/>
-            <a:ext cx="8602683" cy="4831492"/>
+            <a:off x="861060" y="1825625"/>
+            <a:ext cx="11014710" cy="4351338"/>
           </a:xfrm>
         </p:spPr>
         <p:txBody>
-          <a:bodyPr>
-            <a:normAutofit/>
-          </a:bodyPr>
+          <a:bodyPr/>
           <a:lstStyle/>
           <a:p>
-            <a:pPr marL="0" indent="0">
-              <a:spcBef>
-                <a:spcPts val="1800"/>
-              </a:spcBef>
-              <a:buNone/>
+            <a:pPr>
+              <a:spcAft>
+                <a:spcPts val="1200"/>
+              </a:spcAft>
             </a:pPr>
             <a:r>
               <a:rPr lang="en-US" dirty="0"/>
-              <a:t>Example: * has higher precedence than +</a:t>
-            </a:r>
-          </a:p>
-          <a:p>
-            <a:pPr marL="0" indent="0" algn="ctr">
-              <a:spcBef>
-                <a:spcPts val="1800"/>
-              </a:spcBef>
-              <a:buNone/>
+              <a:t>Strings are non-scalar, i.e. for </a:t>
+            </a:r>
+            <a:r>
+              <a:rPr lang="en-US" dirty="0">
+                <a:latin typeface="Courier"/>
+              </a:rPr>
+              <a:t>s = "</a:t>
+            </a:r>
+            <a:r>
+              <a:rPr lang="en-US" dirty="0" err="1">
+                <a:latin typeface="Courier"/>
+              </a:rPr>
+              <a:t>abcdef</a:t>
+            </a:r>
+            <a:r>
+              <a:rPr lang="en-US" dirty="0">
+                <a:latin typeface="Courier"/>
+              </a:rPr>
+              <a:t>"</a:t>
+            </a:r>
+            <a:r>
+              <a:rPr lang="en-US" dirty="0"/>
+              <a:t>, </a:t>
+            </a:r>
+            <a:r>
+              <a:rPr lang="en-US" dirty="0">
+                <a:latin typeface="Courier"/>
+              </a:rPr>
+              <a:t>s[3]</a:t>
+            </a:r>
+            <a:r>
+              <a:rPr lang="en-US" dirty="0"/>
+              <a:t> will return </a:t>
+            </a:r>
+            <a:r>
+              <a:rPr lang="en-US" dirty="0">
+                <a:latin typeface="Courier"/>
+              </a:rPr>
+              <a:t>"d"</a:t>
+            </a:r>
+          </a:p>
+          <a:p>
+            <a:pPr>
+              <a:spcAft>
+                <a:spcPts val="1200"/>
+              </a:spcAft>
             </a:pPr>
             <a:r>
               <a:rPr lang="en-US" dirty="0"/>
-              <a:t>2 + 3 * 4  </a:t>
-            </a:r>
-            <a:r>
-              <a:rPr lang="en-US" dirty="0">
-                <a:sym typeface="Wingdings" panose="05000000000000000000" pitchFamily="2" charset="2"/>
-              </a:rPr>
-              <a:t> ≡ </a:t>
-            </a:r>
-            <a:r>
-              <a:rPr lang="en-US" dirty="0"/>
-              <a:t>  2 + (3 * 4) </a:t>
-            </a:r>
-            <a:r>
-              <a:rPr lang="en-US" dirty="0">
-                <a:sym typeface="Wingdings" panose="05000000000000000000" pitchFamily="2" charset="2"/>
-              </a:rPr>
-              <a:t> 14    and  (2 + 3) * 4  20</a:t>
-            </a:r>
-          </a:p>
-          <a:p>
-            <a:pPr marL="0" indent="0">
-              <a:spcBef>
-                <a:spcPts val="1800"/>
-              </a:spcBef>
-              <a:buNone/>
-            </a:pPr>
-            <a:r>
-              <a:rPr lang="en-US" dirty="0">
-                <a:sym typeface="Wingdings" panose="05000000000000000000" pitchFamily="2" charset="2"/>
-              </a:rPr>
-              <a:t>All operators in same group are evaluated left-to-right</a:t>
-            </a:r>
-          </a:p>
-          <a:p>
-            <a:pPr marL="0" indent="0" algn="ctr">
-              <a:spcBef>
-                <a:spcPts val="1800"/>
-              </a:spcBef>
-              <a:buNone/>
-            </a:pPr>
-            <a:r>
-              <a:rPr lang="en-US" dirty="0">
-                <a:sym typeface="Wingdings" panose="05000000000000000000" pitchFamily="2" charset="2"/>
-              </a:rPr>
-              <a:t>2 + 3 - 4 - 5   ≡   ((2 + 3) - 4) - 5      -4</a:t>
-            </a:r>
-          </a:p>
-          <a:p>
-            <a:pPr marL="0" indent="0">
-              <a:spcBef>
-                <a:spcPts val="1800"/>
-              </a:spcBef>
-              <a:buNone/>
-            </a:pPr>
-            <a:r>
-              <a:rPr lang="en-US" dirty="0">
-                <a:sym typeface="Wingdings" panose="05000000000000000000" pitchFamily="2" charset="2"/>
-              </a:rPr>
-              <a:t>except for **, that is evaluated right-to-left</a:t>
-            </a:r>
-          </a:p>
-          <a:p>
-            <a:pPr marL="0" indent="0" algn="ctr">
-              <a:spcBef>
-                <a:spcPts val="1800"/>
-              </a:spcBef>
-              <a:buNone/>
-            </a:pPr>
-            <a:r>
-              <a:rPr lang="en-US" dirty="0">
-                <a:sym typeface="Wingdings" panose="05000000000000000000" pitchFamily="2" charset="2"/>
-              </a:rPr>
-              <a:t>2**2**3   ≡   2**(2**3)      256</a:t>
-            </a:r>
-          </a:p>
-          <a:p>
-            <a:pPr marL="0" indent="0">
-              <a:spcBef>
-                <a:spcPts val="1800"/>
-              </a:spcBef>
-              <a:buNone/>
-            </a:pPr>
-            <a:r>
-              <a:rPr lang="en-US" dirty="0">
-                <a:sym typeface="Wingdings" panose="05000000000000000000" pitchFamily="2" charset="2"/>
-              </a:rPr>
-              <a:t>Rule: Use </a:t>
+              <a:t>Strings are </a:t>
             </a:r>
             <a:r>
               <a:rPr lang="en-US" dirty="0">
                 <a:solidFill>
                   <a:srgbClr val="C00000"/>
                 </a:solidFill>
-                <a:sym typeface="Wingdings" panose="05000000000000000000" pitchFamily="2" charset="2"/>
               </a:rPr>
-              <a:t>parenthesis</a:t>
+              <a:t>immutable</a:t>
+            </a:r>
+            <a:r>
+              <a:rPr lang="en-US" dirty="0"/>
+              <a:t> and cannot be changed once created.</a:t>
+            </a:r>
+            <a:br>
+              <a:rPr lang="en-US" dirty="0"/>
+            </a:br>
+            <a:r>
+              <a:rPr lang="en-US" dirty="0"/>
+              <a:t>I.e. the following natural update </a:t>
             </a:r>
             <a:r>
               <a:rPr lang="en-US" dirty="0">
-                <a:sym typeface="Wingdings" panose="05000000000000000000" pitchFamily="2" charset="2"/>
+                <a:solidFill>
+                  <a:srgbClr val="C00000"/>
+                </a:solidFill>
               </a:rPr>
-              <a:t> whenever in doubt of precedence!</a:t>
-            </a:r>
-            <a:endParaRPr lang="en-US" dirty="0"/>
+              <a:t>is not possible </a:t>
+            </a:r>
+            <a:r>
+              <a:rPr lang="en-US" dirty="0"/>
+              <a:t>(but is e.g. allowed in C)</a:t>
+            </a:r>
+            <a:endParaRPr lang="en-US" dirty="0">
+              <a:solidFill>
+                <a:srgbClr val="C00000"/>
+              </a:solidFill>
+            </a:endParaRPr>
           </a:p>
           <a:p>
             <a:pPr marL="0" indent="0" algn="ctr">
-              <a:spcBef>
-                <a:spcPts val="1800"/>
-              </a:spcBef>
+              <a:spcAft>
+                <a:spcPts val="1200"/>
+              </a:spcAft>
               <a:buNone/>
             </a:pPr>
-            <a:endParaRPr lang="en-US" dirty="0">
-              <a:sym typeface="Wingdings" panose="05000000000000000000" pitchFamily="2" charset="2"/>
-            </a:endParaRPr>
-          </a:p>
-        </p:txBody>
-      </p:sp>
-      <p:graphicFrame>
-        <p:nvGraphicFramePr>
-          <p:cNvPr id="4" name="Table 3"/>
-          <p:cNvGraphicFramePr>
-            <a:graphicFrameLocks noGrp="1"/>
-          </p:cNvGraphicFramePr>
-          <p:nvPr>
-            <p:extLst>
-              <p:ext uri="{D42A27DB-BD31-4B8C-83A1-F6EECF244321}">
-                <p14:modId xmlns:p14="http://schemas.microsoft.com/office/powerpoint/2010/main" val="3756868397"/>
-              </p:ext>
-            </p:extLst>
-          </p:nvPr>
-        </p:nvGraphicFramePr>
-        <p:xfrm>
-          <a:off x="9440883" y="190003"/>
-          <a:ext cx="2589786" cy="6533940"/>
-        </p:xfrm>
-        <a:graphic>
-          <a:graphicData uri="http://schemas.openxmlformats.org/drawingml/2006/table">
-            <a:tbl>
-              <a:tblPr/>
-              <a:tblGrid>
-                <a:gridCol w="2589786">
-                  <a:extLst>
-                    <a:ext uri="{9D8B030D-6E8A-4147-A177-3AD203B41FA5}">
-                      <a16:colId xmlns:a16="http://schemas.microsoft.com/office/drawing/2014/main" val="2486659109"/>
-                    </a:ext>
-                  </a:extLst>
-                </a:gridCol>
-              </a:tblGrid>
-              <a:tr h="324928">
-                <a:tc>
-                  <a:txBody>
-                    <a:bodyPr/>
-                    <a:lstStyle/>
-                    <a:p>
-                      <a:pPr algn="ctr"/>
-                      <a:r>
-                        <a:rPr lang="da-DK" sz="2000" u="none" dirty="0" err="1">
-                          <a:solidFill>
-                            <a:schemeClr val="bg1"/>
-                          </a:solidFill>
-                        </a:rPr>
-                        <a:t>Precedence</a:t>
-                      </a:r>
-                      <a:br>
-                        <a:rPr lang="da-DK" sz="2000" u="none" dirty="0">
-                          <a:solidFill>
-                            <a:schemeClr val="bg1"/>
-                          </a:solidFill>
-                        </a:rPr>
-                      </a:br>
-                      <a:r>
-                        <a:rPr lang="da-DK" sz="2000" u="none" baseline="0" dirty="0">
-                          <a:solidFill>
-                            <a:schemeClr val="bg1"/>
-                          </a:solidFill>
-                        </a:rPr>
-                        <a:t> (</a:t>
-                      </a:r>
-                      <a:r>
-                        <a:rPr lang="da-DK" sz="2000" u="none" baseline="0" dirty="0" err="1">
-                          <a:solidFill>
-                            <a:schemeClr val="bg1"/>
-                          </a:solidFill>
-                        </a:rPr>
-                        <a:t>low</a:t>
-                      </a:r>
-                      <a:r>
-                        <a:rPr lang="da-DK" sz="2000" u="none" baseline="0" dirty="0">
-                          <a:solidFill>
-                            <a:schemeClr val="bg1"/>
-                          </a:solidFill>
-                        </a:rPr>
-                        <a:t> to </a:t>
-                      </a:r>
-                      <a:r>
-                        <a:rPr lang="da-DK" sz="2000" u="none" baseline="0" dirty="0" err="1">
-                          <a:solidFill>
-                            <a:schemeClr val="bg1"/>
-                          </a:solidFill>
-                        </a:rPr>
-                        <a:t>high</a:t>
-                      </a:r>
-                      <a:r>
-                        <a:rPr lang="da-DK" sz="2000" u="none" baseline="0" dirty="0">
-                          <a:solidFill>
-                            <a:schemeClr val="bg1"/>
-                          </a:solidFill>
-                        </a:rPr>
-                        <a:t>)</a:t>
-                      </a:r>
-                      <a:endParaRPr lang="da-DK" sz="2000" u="none" dirty="0">
-                        <a:solidFill>
-                          <a:schemeClr val="bg1"/>
-                        </a:solidFill>
-                      </a:endParaRPr>
-                    </a:p>
-                  </a:txBody>
-                  <a:tcPr marL="80580" marR="80580" marT="40290" marB="40290" anchor="ctr">
-                    <a:lnL w="12700" cap="flat" cmpd="sng" algn="ctr">
-                      <a:solidFill>
-                        <a:schemeClr val="tx1"/>
-                      </a:solidFill>
-                      <a:prstDash val="solid"/>
-                      <a:round/>
-                      <a:headEnd type="none" w="med" len="med"/>
-                      <a:tailEnd type="none" w="med" len="med"/>
-                    </a:lnL>
-                    <a:lnR w="12700" cap="flat" cmpd="sng" algn="ctr">
-                      <a:solidFill>
-                        <a:schemeClr val="tx1"/>
-                      </a:solidFill>
-                      <a:prstDash val="solid"/>
-                      <a:round/>
-                      <a:headEnd type="none" w="med" len="med"/>
-                      <a:tailEnd type="none" w="med" len="med"/>
-                    </a:lnR>
-                    <a:lnT w="12700" cap="flat" cmpd="sng" algn="ctr">
-                      <a:solidFill>
-                        <a:schemeClr val="tx1"/>
-                      </a:solidFill>
-                      <a:prstDash val="solid"/>
-                      <a:round/>
-                      <a:headEnd type="none" w="med" len="med"/>
-                      <a:tailEnd type="none" w="med" len="med"/>
-                    </a:lnT>
-                    <a:lnB w="12700" cap="flat" cmpd="sng" algn="ctr">
-                      <a:solidFill>
-                        <a:schemeClr val="tx1"/>
-                      </a:solidFill>
-                      <a:prstDash val="solid"/>
-                      <a:round/>
-                      <a:headEnd type="none" w="med" len="med"/>
-                      <a:tailEnd type="none" w="med" len="med"/>
-                    </a:lnB>
-                    <a:solidFill>
-                      <a:srgbClr val="C00000"/>
-                    </a:solidFill>
-                  </a:tcPr>
-                </a:tc>
-                <a:extLst>
-                  <a:ext uri="{0D108BD9-81ED-4DB2-BD59-A6C34878D82A}">
-                    <a16:rowId xmlns:a16="http://schemas.microsoft.com/office/drawing/2014/main" val="3138802606"/>
-                  </a:ext>
-                </a:extLst>
-              </a:tr>
-              <a:tr h="324928">
-                <a:tc>
-                  <a:txBody>
-                    <a:bodyPr/>
-                    <a:lstStyle/>
-                    <a:p>
-                      <a:pPr algn="ctr"/>
-                      <a:r>
-                        <a:rPr lang="da-DK" sz="2000" u="none" dirty="0">
-                          <a:latin typeface="Courier New" panose="02070309020205020404" pitchFamily="49" charset="0"/>
-                          <a:cs typeface="Courier New" panose="02070309020205020404" pitchFamily="49" charset="0"/>
-                        </a:rPr>
-                        <a:t>or</a:t>
-                      </a:r>
-                    </a:p>
-                  </a:txBody>
-                  <a:tcPr marL="80580" marR="80580" marT="40290" marB="40290" anchor="ctr">
-                    <a:lnL w="12700" cap="flat" cmpd="sng" algn="ctr">
-                      <a:solidFill>
-                        <a:schemeClr val="tx1"/>
-                      </a:solidFill>
-                      <a:prstDash val="solid"/>
-                      <a:round/>
-                      <a:headEnd type="none" w="med" len="med"/>
-                      <a:tailEnd type="none" w="med" len="med"/>
-                    </a:lnL>
-                    <a:lnR w="12700" cap="flat" cmpd="sng" algn="ctr">
-                      <a:solidFill>
-                        <a:schemeClr val="tx1"/>
-                      </a:solidFill>
-                      <a:prstDash val="solid"/>
-                      <a:round/>
-                      <a:headEnd type="none" w="med" len="med"/>
-                      <a:tailEnd type="none" w="med" len="med"/>
-                    </a:lnR>
-                    <a:lnT w="12700" cap="flat" cmpd="sng" algn="ctr">
-                      <a:solidFill>
-                        <a:schemeClr val="tx1"/>
-                      </a:solidFill>
-                      <a:prstDash val="solid"/>
-                      <a:round/>
-                      <a:headEnd type="none" w="med" len="med"/>
-                      <a:tailEnd type="none" w="med" len="med"/>
-                    </a:lnT>
-                    <a:lnB w="12700" cap="flat" cmpd="sng" algn="ctr">
-                      <a:solidFill>
-                        <a:schemeClr val="tx1"/>
-                      </a:solidFill>
-                      <a:prstDash val="solid"/>
-                      <a:round/>
-                      <a:headEnd type="none" w="med" len="med"/>
-                      <a:tailEnd type="none" w="med" len="med"/>
-                    </a:lnB>
-                    <a:solidFill>
-                      <a:schemeClr val="accent5">
-                        <a:lumMod val="20000"/>
-                        <a:lumOff val="80000"/>
-                      </a:schemeClr>
-                    </a:solidFill>
-                  </a:tcPr>
-                </a:tc>
-                <a:extLst>
-                  <a:ext uri="{0D108BD9-81ED-4DB2-BD59-A6C34878D82A}">
-                    <a16:rowId xmlns:a16="http://schemas.microsoft.com/office/drawing/2014/main" val="564454404"/>
-                  </a:ext>
-                </a:extLst>
-              </a:tr>
-              <a:tr h="324928">
-                <a:tc>
-                  <a:txBody>
-                    <a:bodyPr/>
-                    <a:lstStyle/>
-                    <a:p>
-                      <a:pPr algn="ctr"/>
-                      <a:r>
-                        <a:rPr lang="da-DK" sz="2000" u="none" dirty="0">
-                          <a:latin typeface="Courier New" panose="02070309020205020404" pitchFamily="49" charset="0"/>
-                          <a:cs typeface="Courier New" panose="02070309020205020404" pitchFamily="49" charset="0"/>
-                        </a:rPr>
-                        <a:t>and</a:t>
-                      </a:r>
-                    </a:p>
-                  </a:txBody>
-                  <a:tcPr marL="80580" marR="80580" marT="40290" marB="40290" anchor="ctr">
-                    <a:lnL w="12700" cap="flat" cmpd="sng" algn="ctr">
-                      <a:solidFill>
-                        <a:schemeClr val="tx1"/>
-                      </a:solidFill>
-                      <a:prstDash val="solid"/>
-                      <a:round/>
-                      <a:headEnd type="none" w="med" len="med"/>
-                      <a:tailEnd type="none" w="med" len="med"/>
-                    </a:lnL>
-                    <a:lnR w="12700" cap="flat" cmpd="sng" algn="ctr">
-                      <a:solidFill>
-                        <a:schemeClr val="tx1"/>
-                      </a:solidFill>
-                      <a:prstDash val="solid"/>
-                      <a:round/>
-                      <a:headEnd type="none" w="med" len="med"/>
-                      <a:tailEnd type="none" w="med" len="med"/>
-                    </a:lnR>
-                    <a:lnT w="12700" cap="flat" cmpd="sng" algn="ctr">
-                      <a:solidFill>
-                        <a:schemeClr val="tx1"/>
-                      </a:solidFill>
-                      <a:prstDash val="solid"/>
-                      <a:round/>
-                      <a:headEnd type="none" w="med" len="med"/>
-                      <a:tailEnd type="none" w="med" len="med"/>
-                    </a:lnT>
-                    <a:lnB w="12700" cap="flat" cmpd="sng" algn="ctr">
-                      <a:solidFill>
-                        <a:schemeClr val="tx1"/>
-                      </a:solidFill>
-                      <a:prstDash val="solid"/>
-                      <a:round/>
-                      <a:headEnd type="none" w="med" len="med"/>
-                      <a:tailEnd type="none" w="med" len="med"/>
-                    </a:lnB>
-                    <a:solidFill>
-                      <a:schemeClr val="accent5">
-                        <a:lumMod val="20000"/>
-                        <a:lumOff val="80000"/>
-                      </a:schemeClr>
-                    </a:solidFill>
-                  </a:tcPr>
-                </a:tc>
-                <a:extLst>
-                  <a:ext uri="{0D108BD9-81ED-4DB2-BD59-A6C34878D82A}">
-                    <a16:rowId xmlns:a16="http://schemas.microsoft.com/office/drawing/2014/main" val="2863982840"/>
-                  </a:ext>
-                </a:extLst>
-              </a:tr>
-              <a:tr h="324928">
-                <a:tc>
-                  <a:txBody>
-                    <a:bodyPr/>
-                    <a:lstStyle/>
-                    <a:p>
-                      <a:pPr algn="ctr"/>
-                      <a:r>
-                        <a:rPr lang="da-DK" sz="2000" u="none" dirty="0">
-                          <a:latin typeface="Courier New" panose="02070309020205020404" pitchFamily="49" charset="0"/>
-                          <a:cs typeface="Courier New" panose="02070309020205020404" pitchFamily="49" charset="0"/>
-                        </a:rPr>
-                        <a:t>not </a:t>
-                      </a:r>
-                      <a:r>
-                        <a:rPr lang="da-DK" sz="2000" i="1" u="none" dirty="0">
-                          <a:latin typeface="Courier New" panose="02070309020205020404" pitchFamily="49" charset="0"/>
-                          <a:cs typeface="Courier New" panose="02070309020205020404" pitchFamily="49" charset="0"/>
-                        </a:rPr>
-                        <a:t>x</a:t>
-                      </a:r>
-                    </a:p>
-                  </a:txBody>
-                  <a:tcPr marL="80580" marR="80580" marT="40290" marB="40290" anchor="ctr">
-                    <a:lnL w="12700" cap="flat" cmpd="sng" algn="ctr">
-                      <a:solidFill>
-                        <a:schemeClr val="tx1"/>
-                      </a:solidFill>
-                      <a:prstDash val="solid"/>
-                      <a:round/>
-                      <a:headEnd type="none" w="med" len="med"/>
-                      <a:tailEnd type="none" w="med" len="med"/>
-                    </a:lnL>
-                    <a:lnR w="12700" cap="flat" cmpd="sng" algn="ctr">
-                      <a:solidFill>
-                        <a:schemeClr val="tx1"/>
-                      </a:solidFill>
-                      <a:prstDash val="solid"/>
-                      <a:round/>
-                      <a:headEnd type="none" w="med" len="med"/>
-                      <a:tailEnd type="none" w="med" len="med"/>
-                    </a:lnR>
-                    <a:lnT w="12700" cap="flat" cmpd="sng" algn="ctr">
-                      <a:solidFill>
-                        <a:schemeClr val="tx1"/>
-                      </a:solidFill>
-                      <a:prstDash val="solid"/>
-                      <a:round/>
-                      <a:headEnd type="none" w="med" len="med"/>
-                      <a:tailEnd type="none" w="med" len="med"/>
-                    </a:lnT>
-                    <a:lnB w="12700" cap="flat" cmpd="sng" algn="ctr">
-                      <a:solidFill>
-                        <a:schemeClr val="tx1"/>
-                      </a:solidFill>
-                      <a:prstDash val="solid"/>
-                      <a:round/>
-                      <a:headEnd type="none" w="med" len="med"/>
-                      <a:tailEnd type="none" w="med" len="med"/>
-                    </a:lnB>
-                    <a:solidFill>
-                      <a:schemeClr val="accent5">
-                        <a:lumMod val="20000"/>
-                        <a:lumOff val="80000"/>
-                      </a:schemeClr>
-                    </a:solidFill>
-                  </a:tcPr>
-                </a:tc>
-                <a:extLst>
-                  <a:ext uri="{0D108BD9-81ED-4DB2-BD59-A6C34878D82A}">
-                    <a16:rowId xmlns:a16="http://schemas.microsoft.com/office/drawing/2014/main" val="2243352647"/>
-                  </a:ext>
-                </a:extLst>
-              </a:tr>
-              <a:tr h="564945">
-                <a:tc>
-                  <a:txBody>
-                    <a:bodyPr/>
-                    <a:lstStyle/>
-                    <a:p>
-                      <a:pPr algn="ctr"/>
-                      <a:r>
-                        <a:rPr lang="en-US" sz="2000" u="none" dirty="0">
-                          <a:latin typeface="Courier New" panose="02070309020205020404" pitchFamily="49" charset="0"/>
-                          <a:cs typeface="Courier New" panose="02070309020205020404" pitchFamily="49" charset="0"/>
-                        </a:rPr>
-                        <a:t>in</a:t>
-                      </a:r>
-                      <a:r>
-                        <a:rPr lang="en-US" sz="2000" u="none" baseline="0" dirty="0">
-                          <a:latin typeface="Courier New" panose="02070309020205020404" pitchFamily="49" charset="0"/>
-                          <a:cs typeface="Courier New" panose="02070309020205020404" pitchFamily="49" charset="0"/>
-                        </a:rPr>
-                        <a:t>  </a:t>
-                      </a:r>
-                      <a:r>
-                        <a:rPr lang="en-US" sz="2000" u="none" dirty="0">
-                          <a:latin typeface="Courier New" panose="02070309020205020404" pitchFamily="49" charset="0"/>
-                          <a:cs typeface="Courier New" panose="02070309020205020404" pitchFamily="49" charset="0"/>
-                        </a:rPr>
-                        <a:t> not in</a:t>
-                      </a:r>
-                    </a:p>
-                    <a:p>
-                      <a:pPr algn="ctr"/>
-                      <a:r>
-                        <a:rPr lang="en-US" sz="2000" u="none" dirty="0">
-                          <a:latin typeface="Courier New" panose="02070309020205020404" pitchFamily="49" charset="0"/>
-                          <a:cs typeface="Courier New" panose="02070309020205020404" pitchFamily="49" charset="0"/>
-                        </a:rPr>
-                        <a:t>is   </a:t>
-                      </a:r>
-                      <a:r>
-                        <a:rPr lang="en-US" sz="2000" u="none" dirty="0" err="1">
-                          <a:latin typeface="Courier New" panose="02070309020205020404" pitchFamily="49" charset="0"/>
-                          <a:cs typeface="Courier New" panose="02070309020205020404" pitchFamily="49" charset="0"/>
-                        </a:rPr>
-                        <a:t>is</a:t>
-                      </a:r>
-                      <a:r>
-                        <a:rPr lang="en-US" sz="2000" u="none" dirty="0">
-                          <a:latin typeface="Courier New" panose="02070309020205020404" pitchFamily="49" charset="0"/>
-                          <a:cs typeface="Courier New" panose="02070309020205020404" pitchFamily="49" charset="0"/>
-                        </a:rPr>
-                        <a:t> not</a:t>
-                      </a:r>
-                    </a:p>
-                    <a:p>
-                      <a:pPr algn="ctr"/>
-                      <a:r>
-                        <a:rPr lang="en-US" sz="2000" u="none" dirty="0">
-                          <a:latin typeface="Courier New" panose="02070309020205020404" pitchFamily="49" charset="0"/>
-                          <a:cs typeface="Courier New" panose="02070309020205020404" pitchFamily="49" charset="0"/>
-                        </a:rPr>
-                        <a:t>==   &lt;   &lt;=</a:t>
-                      </a:r>
-                    </a:p>
-                    <a:p>
-                      <a:pPr algn="ctr"/>
-                      <a:r>
-                        <a:rPr lang="en-US" sz="2000" u="none" dirty="0">
-                          <a:latin typeface="Courier New" panose="02070309020205020404" pitchFamily="49" charset="0"/>
-                          <a:cs typeface="Courier New" panose="02070309020205020404" pitchFamily="49" charset="0"/>
-                        </a:rPr>
-                        <a:t>!=   &gt;</a:t>
-                      </a:r>
-                      <a:r>
-                        <a:rPr lang="en-US" sz="2000" u="none" baseline="0" dirty="0">
-                          <a:latin typeface="Courier New" panose="02070309020205020404" pitchFamily="49" charset="0"/>
-                          <a:cs typeface="Courier New" panose="02070309020205020404" pitchFamily="49" charset="0"/>
-                        </a:rPr>
-                        <a:t>  </a:t>
-                      </a:r>
-                      <a:r>
-                        <a:rPr lang="en-US" sz="2000" u="none" dirty="0">
-                          <a:latin typeface="Courier New" panose="02070309020205020404" pitchFamily="49" charset="0"/>
-                          <a:cs typeface="Courier New" panose="02070309020205020404" pitchFamily="49" charset="0"/>
-                        </a:rPr>
-                        <a:t> &gt;=</a:t>
-                      </a:r>
-                    </a:p>
-                  </a:txBody>
-                  <a:tcPr marL="80580" marR="80580" marT="40290" marB="40290" anchor="ctr">
-                    <a:lnL w="12700" cap="flat" cmpd="sng" algn="ctr">
-                      <a:solidFill>
-                        <a:schemeClr val="tx1"/>
-                      </a:solidFill>
-                      <a:prstDash val="solid"/>
-                      <a:round/>
-                      <a:headEnd type="none" w="med" len="med"/>
-                      <a:tailEnd type="none" w="med" len="med"/>
-                    </a:lnL>
-                    <a:lnR w="12700" cap="flat" cmpd="sng" algn="ctr">
-                      <a:solidFill>
-                        <a:schemeClr val="tx1"/>
-                      </a:solidFill>
-                      <a:prstDash val="solid"/>
-                      <a:round/>
-                      <a:headEnd type="none" w="med" len="med"/>
-                      <a:tailEnd type="none" w="med" len="med"/>
-                    </a:lnR>
-                    <a:lnT w="12700" cap="flat" cmpd="sng" algn="ctr">
-                      <a:solidFill>
-                        <a:schemeClr val="tx1"/>
-                      </a:solidFill>
-                      <a:prstDash val="solid"/>
-                      <a:round/>
-                      <a:headEnd type="none" w="med" len="med"/>
-                      <a:tailEnd type="none" w="med" len="med"/>
-                    </a:lnT>
-                    <a:lnB w="12700" cap="flat" cmpd="sng" algn="ctr">
-                      <a:solidFill>
-                        <a:schemeClr val="tx1"/>
-                      </a:solidFill>
-                      <a:prstDash val="solid"/>
-                      <a:round/>
-                      <a:headEnd type="none" w="med" len="med"/>
-                      <a:tailEnd type="none" w="med" len="med"/>
-                    </a:lnB>
-                    <a:solidFill>
-                      <a:schemeClr val="accent5">
-                        <a:lumMod val="20000"/>
-                        <a:lumOff val="80000"/>
-                      </a:schemeClr>
-                    </a:solidFill>
-                  </a:tcPr>
-                </a:tc>
-                <a:extLst>
-                  <a:ext uri="{0D108BD9-81ED-4DB2-BD59-A6C34878D82A}">
-                    <a16:rowId xmlns:a16="http://schemas.microsoft.com/office/drawing/2014/main" val="268387812"/>
-                  </a:ext>
-                </a:extLst>
-              </a:tr>
-              <a:tr h="324928">
-                <a:tc>
-                  <a:txBody>
-                    <a:bodyPr/>
-                    <a:lstStyle/>
-                    <a:p>
-                      <a:pPr algn="ctr"/>
-                      <a:r>
-                        <a:rPr lang="da-DK" sz="2000" u="none" dirty="0">
-                          <a:latin typeface="Courier New" panose="02070309020205020404" pitchFamily="49" charset="0"/>
-                          <a:cs typeface="Courier New" panose="02070309020205020404" pitchFamily="49" charset="0"/>
-                        </a:rPr>
-                        <a:t>|</a:t>
-                      </a:r>
-                    </a:p>
-                  </a:txBody>
-                  <a:tcPr marL="80580" marR="80580" marT="40290" marB="40290" anchor="ctr">
-                    <a:lnL w="12700" cap="flat" cmpd="sng" algn="ctr">
-                      <a:solidFill>
-                        <a:schemeClr val="tx1"/>
-                      </a:solidFill>
-                      <a:prstDash val="solid"/>
-                      <a:round/>
-                      <a:headEnd type="none" w="med" len="med"/>
-                      <a:tailEnd type="none" w="med" len="med"/>
-                    </a:lnL>
-                    <a:lnR w="12700" cap="flat" cmpd="sng" algn="ctr">
-                      <a:solidFill>
-                        <a:schemeClr val="tx1"/>
-                      </a:solidFill>
-                      <a:prstDash val="solid"/>
-                      <a:round/>
-                      <a:headEnd type="none" w="med" len="med"/>
-                      <a:tailEnd type="none" w="med" len="med"/>
-                    </a:lnR>
-                    <a:lnT w="12700" cap="flat" cmpd="sng" algn="ctr">
-                      <a:solidFill>
-                        <a:schemeClr val="tx1"/>
-                      </a:solidFill>
-                      <a:prstDash val="solid"/>
-                      <a:round/>
-                      <a:headEnd type="none" w="med" len="med"/>
-                      <a:tailEnd type="none" w="med" len="med"/>
-                    </a:lnT>
-                    <a:lnB w="12700" cap="flat" cmpd="sng" algn="ctr">
-                      <a:solidFill>
-                        <a:schemeClr val="tx1"/>
-                      </a:solidFill>
-                      <a:prstDash val="solid"/>
-                      <a:round/>
-                      <a:headEnd type="none" w="med" len="med"/>
-                      <a:tailEnd type="none" w="med" len="med"/>
-                    </a:lnB>
-                    <a:solidFill>
-                      <a:schemeClr val="accent5">
-                        <a:lumMod val="20000"/>
-                        <a:lumOff val="80000"/>
-                      </a:schemeClr>
-                    </a:solidFill>
-                  </a:tcPr>
-                </a:tc>
-                <a:extLst>
-                  <a:ext uri="{0D108BD9-81ED-4DB2-BD59-A6C34878D82A}">
-                    <a16:rowId xmlns:a16="http://schemas.microsoft.com/office/drawing/2014/main" val="2141160183"/>
-                  </a:ext>
-                </a:extLst>
-              </a:tr>
-              <a:tr h="324928">
-                <a:tc>
-                  <a:txBody>
-                    <a:bodyPr/>
-                    <a:lstStyle/>
-                    <a:p>
-                      <a:pPr algn="ctr"/>
-                      <a:r>
-                        <a:rPr lang="da-DK" sz="2000" u="none" dirty="0">
-                          <a:latin typeface="Courier New" panose="02070309020205020404" pitchFamily="49" charset="0"/>
-                          <a:cs typeface="Courier New" panose="02070309020205020404" pitchFamily="49" charset="0"/>
-                        </a:rPr>
-                        <a:t>^</a:t>
-                      </a:r>
-                    </a:p>
-                  </a:txBody>
-                  <a:tcPr marL="80580" marR="80580" marT="40290" marB="40290" anchor="ctr">
-                    <a:lnL w="12700" cap="flat" cmpd="sng" algn="ctr">
-                      <a:solidFill>
-                        <a:schemeClr val="tx1"/>
-                      </a:solidFill>
-                      <a:prstDash val="solid"/>
-                      <a:round/>
-                      <a:headEnd type="none" w="med" len="med"/>
-                      <a:tailEnd type="none" w="med" len="med"/>
-                    </a:lnL>
-                    <a:lnR w="12700" cap="flat" cmpd="sng" algn="ctr">
-                      <a:solidFill>
-                        <a:schemeClr val="tx1"/>
-                      </a:solidFill>
-                      <a:prstDash val="solid"/>
-                      <a:round/>
-                      <a:headEnd type="none" w="med" len="med"/>
-                      <a:tailEnd type="none" w="med" len="med"/>
-                    </a:lnR>
-                    <a:lnT w="12700" cap="flat" cmpd="sng" algn="ctr">
-                      <a:solidFill>
-                        <a:schemeClr val="tx1"/>
-                      </a:solidFill>
-                      <a:prstDash val="solid"/>
-                      <a:round/>
-                      <a:headEnd type="none" w="med" len="med"/>
-                      <a:tailEnd type="none" w="med" len="med"/>
-                    </a:lnT>
-                    <a:lnB w="12700" cap="flat" cmpd="sng" algn="ctr">
-                      <a:solidFill>
-                        <a:schemeClr val="tx1"/>
-                      </a:solidFill>
-                      <a:prstDash val="solid"/>
-                      <a:round/>
-                      <a:headEnd type="none" w="med" len="med"/>
-                      <a:tailEnd type="none" w="med" len="med"/>
-                    </a:lnB>
-                    <a:solidFill>
-                      <a:schemeClr val="accent5">
-                        <a:lumMod val="20000"/>
-                        <a:lumOff val="80000"/>
-                      </a:schemeClr>
-                    </a:solidFill>
-                  </a:tcPr>
-                </a:tc>
-                <a:extLst>
-                  <a:ext uri="{0D108BD9-81ED-4DB2-BD59-A6C34878D82A}">
-                    <a16:rowId xmlns:a16="http://schemas.microsoft.com/office/drawing/2014/main" val="751939433"/>
-                  </a:ext>
-                </a:extLst>
-              </a:tr>
-              <a:tr h="324928">
-                <a:tc>
-                  <a:txBody>
-                    <a:bodyPr/>
-                    <a:lstStyle/>
-                    <a:p>
-                      <a:pPr algn="ctr"/>
-                      <a:r>
-                        <a:rPr lang="da-DK" sz="2000" u="none" dirty="0">
-                          <a:latin typeface="Courier New" panose="02070309020205020404" pitchFamily="49" charset="0"/>
-                          <a:cs typeface="Courier New" panose="02070309020205020404" pitchFamily="49" charset="0"/>
-                        </a:rPr>
-                        <a:t>&amp;</a:t>
-                      </a:r>
-                    </a:p>
-                  </a:txBody>
-                  <a:tcPr marL="80580" marR="80580" marT="40290" marB="40290" anchor="ctr">
-                    <a:lnL w="12700" cap="flat" cmpd="sng" algn="ctr">
-                      <a:solidFill>
-                        <a:schemeClr val="tx1"/>
-                      </a:solidFill>
-                      <a:prstDash val="solid"/>
-                      <a:round/>
-                      <a:headEnd type="none" w="med" len="med"/>
-                      <a:tailEnd type="none" w="med" len="med"/>
-                    </a:lnL>
-                    <a:lnR w="12700" cap="flat" cmpd="sng" algn="ctr">
-                      <a:solidFill>
-                        <a:schemeClr val="tx1"/>
-                      </a:solidFill>
-                      <a:prstDash val="solid"/>
-                      <a:round/>
-                      <a:headEnd type="none" w="med" len="med"/>
-                      <a:tailEnd type="none" w="med" len="med"/>
-                    </a:lnR>
-                    <a:lnT w="12700" cap="flat" cmpd="sng" algn="ctr">
-                      <a:solidFill>
-                        <a:schemeClr val="tx1"/>
-                      </a:solidFill>
-                      <a:prstDash val="solid"/>
-                      <a:round/>
-                      <a:headEnd type="none" w="med" len="med"/>
-                      <a:tailEnd type="none" w="med" len="med"/>
-                    </a:lnT>
-                    <a:lnB w="12700" cap="flat" cmpd="sng" algn="ctr">
-                      <a:solidFill>
-                        <a:schemeClr val="tx1"/>
-                      </a:solidFill>
-                      <a:prstDash val="solid"/>
-                      <a:round/>
-                      <a:headEnd type="none" w="med" len="med"/>
-                      <a:tailEnd type="none" w="med" len="med"/>
-                    </a:lnB>
-                    <a:solidFill>
-                      <a:schemeClr val="accent5">
-                        <a:lumMod val="20000"/>
-                        <a:lumOff val="80000"/>
-                      </a:schemeClr>
-                    </a:solidFill>
-                  </a:tcPr>
-                </a:tc>
-                <a:extLst>
-                  <a:ext uri="{0D108BD9-81ED-4DB2-BD59-A6C34878D82A}">
-                    <a16:rowId xmlns:a16="http://schemas.microsoft.com/office/drawing/2014/main" val="3957012914"/>
-                  </a:ext>
-                </a:extLst>
-              </a:tr>
-              <a:tr h="324928">
-                <a:tc>
-                  <a:txBody>
-                    <a:bodyPr/>
-                    <a:lstStyle/>
-                    <a:p>
-                      <a:pPr algn="ctr"/>
-                      <a:r>
-                        <a:rPr lang="da-DK" sz="2000" u="none" dirty="0">
-                          <a:latin typeface="Courier New" panose="02070309020205020404" pitchFamily="49" charset="0"/>
-                          <a:cs typeface="Courier New" panose="02070309020205020404" pitchFamily="49" charset="0"/>
-                        </a:rPr>
-                        <a:t>&lt;&lt;</a:t>
-                      </a:r>
-                      <a:r>
-                        <a:rPr lang="da-DK" sz="2000" u="none" baseline="0" dirty="0">
-                          <a:latin typeface="Courier New" panose="02070309020205020404" pitchFamily="49" charset="0"/>
-                          <a:cs typeface="Courier New" panose="02070309020205020404" pitchFamily="49" charset="0"/>
-                        </a:rPr>
-                        <a:t>  </a:t>
-                      </a:r>
-                      <a:r>
-                        <a:rPr lang="da-DK" sz="2000" u="none" dirty="0">
-                          <a:latin typeface="Courier New" panose="02070309020205020404" pitchFamily="49" charset="0"/>
-                          <a:cs typeface="Courier New" panose="02070309020205020404" pitchFamily="49" charset="0"/>
-                        </a:rPr>
-                        <a:t> &gt;&gt;</a:t>
-                      </a:r>
-                    </a:p>
-                  </a:txBody>
-                  <a:tcPr marL="80580" marR="80580" marT="40290" marB="40290" anchor="ctr">
-                    <a:lnL w="12700" cap="flat" cmpd="sng" algn="ctr">
-                      <a:solidFill>
-                        <a:schemeClr val="tx1"/>
-                      </a:solidFill>
-                      <a:prstDash val="solid"/>
-                      <a:round/>
-                      <a:headEnd type="none" w="med" len="med"/>
-                      <a:tailEnd type="none" w="med" len="med"/>
-                    </a:lnL>
-                    <a:lnR w="12700" cap="flat" cmpd="sng" algn="ctr">
-                      <a:solidFill>
-                        <a:schemeClr val="tx1"/>
-                      </a:solidFill>
-                      <a:prstDash val="solid"/>
-                      <a:round/>
-                      <a:headEnd type="none" w="med" len="med"/>
-                      <a:tailEnd type="none" w="med" len="med"/>
-                    </a:lnR>
-                    <a:lnT w="12700" cap="flat" cmpd="sng" algn="ctr">
-                      <a:solidFill>
-                        <a:schemeClr val="tx1"/>
-                      </a:solidFill>
-                      <a:prstDash val="solid"/>
-                      <a:round/>
-                      <a:headEnd type="none" w="med" len="med"/>
-                      <a:tailEnd type="none" w="med" len="med"/>
-                    </a:lnT>
-                    <a:lnB w="12700" cap="flat" cmpd="sng" algn="ctr">
-                      <a:solidFill>
-                        <a:schemeClr val="tx1"/>
-                      </a:solidFill>
-                      <a:prstDash val="solid"/>
-                      <a:round/>
-                      <a:headEnd type="none" w="med" len="med"/>
-                      <a:tailEnd type="none" w="med" len="med"/>
-                    </a:lnB>
-                    <a:solidFill>
-                      <a:schemeClr val="accent5">
-                        <a:lumMod val="20000"/>
-                        <a:lumOff val="80000"/>
-                      </a:schemeClr>
-                    </a:solidFill>
-                  </a:tcPr>
-                </a:tc>
-                <a:extLst>
-                  <a:ext uri="{0D108BD9-81ED-4DB2-BD59-A6C34878D82A}">
-                    <a16:rowId xmlns:a16="http://schemas.microsoft.com/office/drawing/2014/main" val="672009882"/>
-                  </a:ext>
-                </a:extLst>
-              </a:tr>
-              <a:tr h="324928">
-                <a:tc>
-                  <a:txBody>
-                    <a:bodyPr/>
-                    <a:lstStyle/>
-                    <a:p>
-                      <a:pPr algn="ctr"/>
-                      <a:r>
-                        <a:rPr lang="da-DK" sz="2000" u="none" dirty="0">
-                          <a:latin typeface="Courier New" panose="02070309020205020404" pitchFamily="49" charset="0"/>
-                          <a:cs typeface="Courier New" panose="02070309020205020404" pitchFamily="49" charset="0"/>
-                        </a:rPr>
-                        <a:t>+</a:t>
-                      </a:r>
-                      <a:r>
-                        <a:rPr lang="da-DK" sz="2000" u="none" baseline="0" dirty="0">
-                          <a:latin typeface="Courier New" panose="02070309020205020404" pitchFamily="49" charset="0"/>
-                          <a:cs typeface="Courier New" panose="02070309020205020404" pitchFamily="49" charset="0"/>
-                        </a:rPr>
-                        <a:t>  </a:t>
-                      </a:r>
-                      <a:r>
-                        <a:rPr lang="da-DK" sz="2000" u="none" dirty="0">
-                          <a:latin typeface="Courier New" panose="02070309020205020404" pitchFamily="49" charset="0"/>
-                          <a:cs typeface="Courier New" panose="02070309020205020404" pitchFamily="49" charset="0"/>
-                        </a:rPr>
-                        <a:t> -</a:t>
-                      </a:r>
-                    </a:p>
-                  </a:txBody>
-                  <a:tcPr marL="80580" marR="80580" marT="40290" marB="40290" anchor="ctr">
-                    <a:lnL w="12700" cap="flat" cmpd="sng" algn="ctr">
-                      <a:solidFill>
-                        <a:schemeClr val="tx1"/>
-                      </a:solidFill>
-                      <a:prstDash val="solid"/>
-                      <a:round/>
-                      <a:headEnd type="none" w="med" len="med"/>
-                      <a:tailEnd type="none" w="med" len="med"/>
-                    </a:lnL>
-                    <a:lnR w="12700" cap="flat" cmpd="sng" algn="ctr">
-                      <a:solidFill>
-                        <a:schemeClr val="tx1"/>
-                      </a:solidFill>
-                      <a:prstDash val="solid"/>
-                      <a:round/>
-                      <a:headEnd type="none" w="med" len="med"/>
-                      <a:tailEnd type="none" w="med" len="med"/>
-                    </a:lnR>
-                    <a:lnT w="12700" cap="flat" cmpd="sng" algn="ctr">
-                      <a:solidFill>
-                        <a:schemeClr val="tx1"/>
-                      </a:solidFill>
-                      <a:prstDash val="solid"/>
-                      <a:round/>
-                      <a:headEnd type="none" w="med" len="med"/>
-                      <a:tailEnd type="none" w="med" len="med"/>
-                    </a:lnT>
-                    <a:lnB w="12700" cap="flat" cmpd="sng" algn="ctr">
-                      <a:solidFill>
-                        <a:schemeClr val="tx1"/>
-                      </a:solidFill>
-                      <a:prstDash val="solid"/>
-                      <a:round/>
-                      <a:headEnd type="none" w="med" len="med"/>
-                      <a:tailEnd type="none" w="med" len="med"/>
-                    </a:lnB>
-                    <a:solidFill>
-                      <a:schemeClr val="accent5">
-                        <a:lumMod val="20000"/>
-                        <a:lumOff val="80000"/>
-                      </a:schemeClr>
-                    </a:solidFill>
-                  </a:tcPr>
-                </a:tc>
-                <a:extLst>
-                  <a:ext uri="{0D108BD9-81ED-4DB2-BD59-A6C34878D82A}">
-                    <a16:rowId xmlns:a16="http://schemas.microsoft.com/office/drawing/2014/main" val="662020469"/>
-                  </a:ext>
-                </a:extLst>
-              </a:tr>
-              <a:tr h="564945">
-                <a:tc>
-                  <a:txBody>
-                    <a:bodyPr/>
-                    <a:lstStyle/>
-                    <a:p>
-                      <a:pPr algn="ctr"/>
-                      <a:r>
-                        <a:rPr lang="da-DK" sz="2000" u="none" dirty="0">
-                          <a:latin typeface="Courier New" panose="02070309020205020404" pitchFamily="49" charset="0"/>
-                          <a:cs typeface="Courier New" panose="02070309020205020404" pitchFamily="49" charset="0"/>
-                        </a:rPr>
-                        <a:t>*   @   </a:t>
-                      </a:r>
-                    </a:p>
-                    <a:p>
-                      <a:pPr algn="ctr"/>
-                      <a:r>
-                        <a:rPr lang="da-DK" sz="2000" u="none" dirty="0">
-                          <a:latin typeface="Courier New" panose="02070309020205020404" pitchFamily="49" charset="0"/>
-                          <a:cs typeface="Courier New" panose="02070309020205020404" pitchFamily="49" charset="0"/>
-                        </a:rPr>
-                        <a:t>/   //   %</a:t>
-                      </a:r>
-                    </a:p>
-                  </a:txBody>
-                  <a:tcPr marL="80580" marR="80580" marT="40290" marB="40290" anchor="ctr">
-                    <a:lnL w="12700" cap="flat" cmpd="sng" algn="ctr">
-                      <a:solidFill>
-                        <a:schemeClr val="tx1"/>
-                      </a:solidFill>
-                      <a:prstDash val="solid"/>
-                      <a:round/>
-                      <a:headEnd type="none" w="med" len="med"/>
-                      <a:tailEnd type="none" w="med" len="med"/>
-                    </a:lnL>
-                    <a:lnR w="12700" cap="flat" cmpd="sng" algn="ctr">
-                      <a:solidFill>
-                        <a:schemeClr val="tx1"/>
-                      </a:solidFill>
-                      <a:prstDash val="solid"/>
-                      <a:round/>
-                      <a:headEnd type="none" w="med" len="med"/>
-                      <a:tailEnd type="none" w="med" len="med"/>
-                    </a:lnR>
-                    <a:lnT w="12700" cap="flat" cmpd="sng" algn="ctr">
-                      <a:solidFill>
-                        <a:schemeClr val="tx1"/>
-                      </a:solidFill>
-                      <a:prstDash val="solid"/>
-                      <a:round/>
-                      <a:headEnd type="none" w="med" len="med"/>
-                      <a:tailEnd type="none" w="med" len="med"/>
-                    </a:lnT>
-                    <a:lnB w="12700" cap="flat" cmpd="sng" algn="ctr">
-                      <a:solidFill>
-                        <a:schemeClr val="tx1"/>
-                      </a:solidFill>
-                      <a:prstDash val="solid"/>
-                      <a:round/>
-                      <a:headEnd type="none" w="med" len="med"/>
-                      <a:tailEnd type="none" w="med" len="med"/>
-                    </a:lnB>
-                    <a:solidFill>
-                      <a:schemeClr val="accent5">
-                        <a:lumMod val="20000"/>
-                        <a:lumOff val="80000"/>
-                      </a:schemeClr>
-                    </a:solidFill>
-                  </a:tcPr>
-                </a:tc>
-                <a:extLst>
-                  <a:ext uri="{0D108BD9-81ED-4DB2-BD59-A6C34878D82A}">
-                    <a16:rowId xmlns:a16="http://schemas.microsoft.com/office/drawing/2014/main" val="2838861763"/>
-                  </a:ext>
-                </a:extLst>
-              </a:tr>
-              <a:tr h="0">
-                <a:tc>
-                  <a:txBody>
-                    <a:bodyPr/>
-                    <a:lstStyle/>
-                    <a:p>
-                      <a:pPr algn="ctr"/>
-                      <a:r>
-                        <a:rPr lang="da-DK" sz="2000" u="none" dirty="0">
-                          <a:latin typeface="Courier New" panose="02070309020205020404" pitchFamily="49" charset="0"/>
-                          <a:cs typeface="Courier New" panose="02070309020205020404" pitchFamily="49" charset="0"/>
-                        </a:rPr>
-                        <a:t>+</a:t>
-                      </a:r>
-                      <a:r>
-                        <a:rPr lang="da-DK" sz="2000" i="1" u="none" dirty="0">
-                          <a:latin typeface="Courier New" panose="02070309020205020404" pitchFamily="49" charset="0"/>
-                          <a:cs typeface="Courier New" panose="02070309020205020404" pitchFamily="49" charset="0"/>
-                        </a:rPr>
-                        <a:t>x</a:t>
-                      </a:r>
-                      <a:r>
-                        <a:rPr lang="da-DK" sz="2000" u="none" baseline="0" dirty="0">
-                          <a:latin typeface="Courier New" panose="02070309020205020404" pitchFamily="49" charset="0"/>
-                          <a:cs typeface="Courier New" panose="02070309020205020404" pitchFamily="49" charset="0"/>
-                        </a:rPr>
-                        <a:t>  </a:t>
-                      </a:r>
-                      <a:r>
-                        <a:rPr lang="da-DK" sz="2000" u="none" dirty="0">
-                          <a:latin typeface="Courier New" panose="02070309020205020404" pitchFamily="49" charset="0"/>
-                          <a:cs typeface="Courier New" panose="02070309020205020404" pitchFamily="49" charset="0"/>
-                        </a:rPr>
-                        <a:t> -</a:t>
-                      </a:r>
-                      <a:r>
-                        <a:rPr lang="da-DK" sz="2000" i="1" u="none" dirty="0">
-                          <a:latin typeface="Courier New" panose="02070309020205020404" pitchFamily="49" charset="0"/>
-                          <a:cs typeface="Courier New" panose="02070309020205020404" pitchFamily="49" charset="0"/>
-                        </a:rPr>
-                        <a:t>x</a:t>
-                      </a:r>
-                      <a:r>
-                        <a:rPr lang="da-DK" sz="2000" u="none" baseline="0" dirty="0">
-                          <a:latin typeface="Courier New" panose="02070309020205020404" pitchFamily="49" charset="0"/>
-                          <a:cs typeface="Courier New" panose="02070309020205020404" pitchFamily="49" charset="0"/>
-                        </a:rPr>
-                        <a:t>  </a:t>
-                      </a:r>
-                      <a:r>
-                        <a:rPr lang="da-DK" sz="2000" u="none" dirty="0">
-                          <a:latin typeface="Courier New" panose="02070309020205020404" pitchFamily="49" charset="0"/>
-                          <a:cs typeface="Courier New" panose="02070309020205020404" pitchFamily="49" charset="0"/>
-                        </a:rPr>
-                        <a:t> ~</a:t>
-                      </a:r>
-                      <a:r>
-                        <a:rPr lang="da-DK" sz="2000" i="1" u="none" dirty="0">
-                          <a:latin typeface="Courier New" panose="02070309020205020404" pitchFamily="49" charset="0"/>
-                          <a:cs typeface="Courier New" panose="02070309020205020404" pitchFamily="49" charset="0"/>
-                        </a:rPr>
-                        <a:t>x</a:t>
-                      </a:r>
-                    </a:p>
-                  </a:txBody>
-                  <a:tcPr marL="80580" marR="80580" marT="40290" marB="40290" anchor="ctr">
-                    <a:lnL w="12700" cap="flat" cmpd="sng" algn="ctr">
-                      <a:solidFill>
-                        <a:schemeClr val="tx1"/>
-                      </a:solidFill>
-                      <a:prstDash val="solid"/>
-                      <a:round/>
-                      <a:headEnd type="none" w="med" len="med"/>
-                      <a:tailEnd type="none" w="med" len="med"/>
-                    </a:lnL>
-                    <a:lnR w="12700" cap="flat" cmpd="sng" algn="ctr">
-                      <a:solidFill>
-                        <a:schemeClr val="tx1"/>
-                      </a:solidFill>
-                      <a:prstDash val="solid"/>
-                      <a:round/>
-                      <a:headEnd type="none" w="med" len="med"/>
-                      <a:tailEnd type="none" w="med" len="med"/>
-                    </a:lnR>
-                    <a:lnT w="12700" cap="flat" cmpd="sng" algn="ctr">
-                      <a:solidFill>
-                        <a:schemeClr val="tx1"/>
-                      </a:solidFill>
-                      <a:prstDash val="solid"/>
-                      <a:round/>
-                      <a:headEnd type="none" w="med" len="med"/>
-                      <a:tailEnd type="none" w="med" len="med"/>
-                    </a:lnT>
-                    <a:lnB w="12700" cap="flat" cmpd="sng" algn="ctr">
-                      <a:solidFill>
-                        <a:schemeClr val="tx1"/>
-                      </a:solidFill>
-                      <a:prstDash val="solid"/>
-                      <a:round/>
-                      <a:headEnd type="none" w="med" len="med"/>
-                      <a:tailEnd type="none" w="med" len="med"/>
-                    </a:lnB>
-                    <a:solidFill>
-                      <a:schemeClr val="accent5">
-                        <a:lumMod val="20000"/>
-                        <a:lumOff val="80000"/>
-                      </a:schemeClr>
-                    </a:solidFill>
-                  </a:tcPr>
-                </a:tc>
-                <a:extLst>
-                  <a:ext uri="{0D108BD9-81ED-4DB2-BD59-A6C34878D82A}">
-                    <a16:rowId xmlns:a16="http://schemas.microsoft.com/office/drawing/2014/main" val="1553472579"/>
-                  </a:ext>
-                </a:extLst>
-              </a:tr>
-              <a:tr h="324928">
-                <a:tc>
-                  <a:txBody>
-                    <a:bodyPr/>
-                    <a:lstStyle/>
-                    <a:p>
-                      <a:pPr algn="ctr"/>
-                      <a:r>
-                        <a:rPr lang="da-DK" sz="2000" u="none" dirty="0">
-                          <a:latin typeface="Courier New" panose="02070309020205020404" pitchFamily="49" charset="0"/>
-                          <a:cs typeface="Courier New" panose="02070309020205020404" pitchFamily="49" charset="0"/>
-                        </a:rPr>
-                        <a:t>**</a:t>
-                      </a:r>
-                    </a:p>
-                  </a:txBody>
-                  <a:tcPr marL="80580" marR="80580" marT="40290" marB="40290" anchor="ctr">
-                    <a:lnL w="12700" cap="flat" cmpd="sng" algn="ctr">
-                      <a:solidFill>
-                        <a:schemeClr val="tx1"/>
-                      </a:solidFill>
-                      <a:prstDash val="solid"/>
-                      <a:round/>
-                      <a:headEnd type="none" w="med" len="med"/>
-                      <a:tailEnd type="none" w="med" len="med"/>
-                    </a:lnL>
-                    <a:lnR w="12700" cap="flat" cmpd="sng" algn="ctr">
-                      <a:solidFill>
-                        <a:schemeClr val="tx1"/>
-                      </a:solidFill>
-                      <a:prstDash val="solid"/>
-                      <a:round/>
-                      <a:headEnd type="none" w="med" len="med"/>
-                      <a:tailEnd type="none" w="med" len="med"/>
-                    </a:lnR>
-                    <a:lnT w="12700" cap="flat" cmpd="sng" algn="ctr">
-                      <a:solidFill>
-                        <a:schemeClr val="tx1"/>
-                      </a:solidFill>
-                      <a:prstDash val="solid"/>
-                      <a:round/>
-                      <a:headEnd type="none" w="med" len="med"/>
-                      <a:tailEnd type="none" w="med" len="med"/>
-                    </a:lnT>
-                    <a:lnB w="12700" cap="flat" cmpd="sng" algn="ctr">
-                      <a:solidFill>
-                        <a:schemeClr val="tx1"/>
-                      </a:solidFill>
-                      <a:prstDash val="solid"/>
-                      <a:round/>
-                      <a:headEnd type="none" w="med" len="med"/>
-                      <a:tailEnd type="none" w="med" len="med"/>
-                    </a:lnB>
-                    <a:solidFill>
-                      <a:schemeClr val="accent5">
-                        <a:lumMod val="20000"/>
-                        <a:lumOff val="80000"/>
-                      </a:schemeClr>
-                    </a:solidFill>
-                  </a:tcPr>
-                </a:tc>
-                <a:extLst>
-                  <a:ext uri="{0D108BD9-81ED-4DB2-BD59-A6C34878D82A}">
-                    <a16:rowId xmlns:a16="http://schemas.microsoft.com/office/drawing/2014/main" val="1975563258"/>
-                  </a:ext>
-                </a:extLst>
-              </a:tr>
-            </a:tbl>
-          </a:graphicData>
-        </a:graphic>
-      </p:graphicFrame>
-      <p:sp>
-        <p:nvSpPr>
-          <p:cNvPr id="5" name="Rectangle 4"/>
-          <p:cNvSpPr/>
-          <p:nvPr/>
-        </p:nvSpPr>
-        <p:spPr>
-          <a:xfrm>
-            <a:off x="184332" y="6438395"/>
-            <a:ext cx="4579395" cy="369332"/>
-          </a:xfrm>
-          <a:prstGeom prst="rect">
-            <a:avLst/>
-          </a:prstGeom>
-        </p:spPr>
-        <p:txBody>
-          <a:bodyPr wrap="none">
-            <a:spAutoFit/>
-          </a:bodyPr>
-          <a:lstStyle/>
-          <a:p>
             <a:r>
               <a:rPr lang="en-US" dirty="0">
-                <a:hlinkClick r:id="rId3"/>
+                <a:solidFill>
+                  <a:srgbClr val="C00000"/>
+                </a:solidFill>
+                <a:latin typeface="Courier"/>
               </a:rPr>
-              <a:t>docs.python.org/3/reference/expressions.html</a:t>
-            </a:r>
+              <a:t>s[3] = "x"</a:t>
+            </a:r>
+          </a:p>
+          <a:p>
+            <a:pPr>
+              <a:spcAft>
+                <a:spcPts val="1200"/>
+              </a:spcAft>
+            </a:pPr>
+            <a:r>
+              <a:rPr lang="en-US" dirty="0"/>
+              <a:t>To replace the </a:t>
+            </a:r>
+            <a:r>
+              <a:rPr lang="en-US" dirty="0">
+                <a:latin typeface="Courier"/>
+              </a:rPr>
+              <a:t>"d"</a:t>
+            </a:r>
+            <a:r>
+              <a:rPr lang="en-US" dirty="0"/>
+              <a:t> with </a:t>
+            </a:r>
+            <a:r>
+              <a:rPr lang="en-US" dirty="0">
+                <a:latin typeface="Courier"/>
+              </a:rPr>
+              <a:t>"x"</a:t>
+            </a:r>
+            <a:r>
+              <a:rPr lang="en-US" dirty="0"/>
+              <a:t> in </a:t>
+            </a:r>
+            <a:r>
+              <a:rPr lang="en-US" dirty="0">
+                <a:latin typeface="Courier"/>
+              </a:rPr>
+              <a:t>s</a:t>
+            </a:r>
+            <a:r>
+              <a:rPr lang="en-US" dirty="0"/>
+              <a:t>, instead </a:t>
+            </a:r>
+            <a:r>
+              <a:rPr lang="en-US"/>
+              <a:t>create the new string</a:t>
+            </a:r>
+            <a:endParaRPr lang="en-US" dirty="0"/>
+          </a:p>
+          <a:p>
+            <a:pPr marL="0" indent="0" algn="ctr">
+              <a:spcAft>
+                <a:spcPts val="1200"/>
+              </a:spcAft>
+              <a:buNone/>
+            </a:pPr>
+            <a:r>
+              <a:rPr lang="en-US" dirty="0">
+                <a:latin typeface="Courier"/>
+              </a:rPr>
+              <a:t>s = s[:3] + "x" + s[4:]</a:t>
+            </a:r>
+            <a:br>
+              <a:rPr lang="en-US" dirty="0"/>
+            </a:br>
             <a:endParaRPr lang="en-US" dirty="0"/>
           </a:p>
         </p:txBody>
@@ -22574,7 +22685,7 @@
     </p:spTree>
     <p:extLst>
       <p:ext uri="{BB962C8B-B14F-4D97-AF65-F5344CB8AC3E}">
-        <p14:creationId xmlns:p14="http://schemas.microsoft.com/office/powerpoint/2010/main" val="3996596200"/>
+        <p14:creationId xmlns:p14="http://schemas.microsoft.com/office/powerpoint/2010/main" val="3203409752"/>
       </p:ext>
     </p:extLst>
   </p:cSld>
@@ -22618,6 +22729,1378 @@
           <a:p>
             <a:r>
               <a:rPr lang="en-US" dirty="0"/>
+              <a:t>Operators</a:t>
+            </a:r>
+            <a:br>
+              <a:rPr lang="en-US" dirty="0"/>
+            </a:br>
+            <a:r>
+              <a:rPr lang="en-US" dirty="0"/>
+              <a:t>Precedence rules &amp; Associativity</a:t>
+            </a:r>
+          </a:p>
+        </p:txBody>
+      </p:sp>
+      <p:sp>
+        <p:nvSpPr>
+          <p:cNvPr id="3" name="Content Placeholder 2"/>
+          <p:cNvSpPr>
+            <a:spLocks noGrp="1"/>
+          </p:cNvSpPr>
+          <p:nvPr>
+            <p:ph idx="1"/>
+          </p:nvPr>
+        </p:nvSpPr>
+        <p:spPr>
+          <a:xfrm>
+            <a:off x="838200" y="1791569"/>
+            <a:ext cx="8602683" cy="4831492"/>
+          </a:xfrm>
+        </p:spPr>
+        <p:txBody>
+          <a:bodyPr>
+            <a:normAutofit/>
+          </a:bodyPr>
+          <a:lstStyle/>
+          <a:p>
+            <a:pPr marL="0" indent="0">
+              <a:spcBef>
+                <a:spcPts val="1800"/>
+              </a:spcBef>
+              <a:buNone/>
+            </a:pPr>
+            <a:r>
+              <a:rPr lang="en-US" dirty="0"/>
+              <a:t>Example: * has higher precedence than +</a:t>
+            </a:r>
+          </a:p>
+          <a:p>
+            <a:pPr marL="0" indent="0" algn="ctr">
+              <a:spcBef>
+                <a:spcPts val="1800"/>
+              </a:spcBef>
+              <a:buNone/>
+            </a:pPr>
+            <a:r>
+              <a:rPr lang="en-US" dirty="0"/>
+              <a:t>2 + 3 * 4  </a:t>
+            </a:r>
+            <a:r>
+              <a:rPr lang="en-US" dirty="0">
+                <a:sym typeface="Wingdings" panose="05000000000000000000" pitchFamily="2" charset="2"/>
+              </a:rPr>
+              <a:t> ≡ </a:t>
+            </a:r>
+            <a:r>
+              <a:rPr lang="en-US" dirty="0"/>
+              <a:t>  2 + (3 * 4) </a:t>
+            </a:r>
+            <a:r>
+              <a:rPr lang="en-US" dirty="0">
+                <a:sym typeface="Wingdings" panose="05000000000000000000" pitchFamily="2" charset="2"/>
+              </a:rPr>
+              <a:t> 14    and  (2 + 3) * 4  20</a:t>
+            </a:r>
+          </a:p>
+          <a:p>
+            <a:pPr marL="0" indent="0">
+              <a:spcBef>
+                <a:spcPts val="1800"/>
+              </a:spcBef>
+              <a:buNone/>
+            </a:pPr>
+            <a:r>
+              <a:rPr lang="en-US" dirty="0">
+                <a:sym typeface="Wingdings" panose="05000000000000000000" pitchFamily="2" charset="2"/>
+              </a:rPr>
+              <a:t>All operators in same group are evaluated left-to-right</a:t>
+            </a:r>
+          </a:p>
+          <a:p>
+            <a:pPr marL="0" indent="0" algn="ctr">
+              <a:spcBef>
+                <a:spcPts val="1800"/>
+              </a:spcBef>
+              <a:buNone/>
+            </a:pPr>
+            <a:r>
+              <a:rPr lang="en-US" dirty="0">
+                <a:sym typeface="Wingdings" panose="05000000000000000000" pitchFamily="2" charset="2"/>
+              </a:rPr>
+              <a:t>2 + 3 - 4 - 5   ≡   ((2 + 3) - 4) - 5      -4</a:t>
+            </a:r>
+          </a:p>
+          <a:p>
+            <a:pPr marL="0" indent="0">
+              <a:spcBef>
+                <a:spcPts val="1800"/>
+              </a:spcBef>
+              <a:buNone/>
+            </a:pPr>
+            <a:r>
+              <a:rPr lang="en-US" dirty="0">
+                <a:sym typeface="Wingdings" panose="05000000000000000000" pitchFamily="2" charset="2"/>
+              </a:rPr>
+              <a:t>except for **, that is evaluated right-to-left</a:t>
+            </a:r>
+          </a:p>
+          <a:p>
+            <a:pPr marL="0" indent="0" algn="ctr">
+              <a:spcBef>
+                <a:spcPts val="1800"/>
+              </a:spcBef>
+              <a:buNone/>
+            </a:pPr>
+            <a:r>
+              <a:rPr lang="en-US" dirty="0">
+                <a:sym typeface="Wingdings" panose="05000000000000000000" pitchFamily="2" charset="2"/>
+              </a:rPr>
+              <a:t>2**2**3   ≡   2**(2**3)      256</a:t>
+            </a:r>
+          </a:p>
+          <a:p>
+            <a:pPr marL="0" indent="0">
+              <a:spcBef>
+                <a:spcPts val="1800"/>
+              </a:spcBef>
+              <a:buNone/>
+            </a:pPr>
+            <a:r>
+              <a:rPr lang="en-US" dirty="0">
+                <a:sym typeface="Wingdings" panose="05000000000000000000" pitchFamily="2" charset="2"/>
+              </a:rPr>
+              <a:t>Rule: Use </a:t>
+            </a:r>
+            <a:r>
+              <a:rPr lang="en-US" dirty="0">
+                <a:solidFill>
+                  <a:srgbClr val="C00000"/>
+                </a:solidFill>
+                <a:sym typeface="Wingdings" panose="05000000000000000000" pitchFamily="2" charset="2"/>
+              </a:rPr>
+              <a:t>parenthesis</a:t>
+            </a:r>
+            <a:r>
+              <a:rPr lang="en-US" dirty="0">
+                <a:sym typeface="Wingdings" panose="05000000000000000000" pitchFamily="2" charset="2"/>
+              </a:rPr>
+              <a:t> whenever in doubt of precedence!</a:t>
+            </a:r>
+            <a:endParaRPr lang="en-US" dirty="0"/>
+          </a:p>
+          <a:p>
+            <a:pPr marL="0" indent="0" algn="ctr">
+              <a:spcBef>
+                <a:spcPts val="1800"/>
+              </a:spcBef>
+              <a:buNone/>
+            </a:pPr>
+            <a:endParaRPr lang="en-US" dirty="0">
+              <a:sym typeface="Wingdings" panose="05000000000000000000" pitchFamily="2" charset="2"/>
+            </a:endParaRPr>
+          </a:p>
+        </p:txBody>
+      </p:sp>
+      <p:graphicFrame>
+        <p:nvGraphicFramePr>
+          <p:cNvPr id="4" name="Table 3"/>
+          <p:cNvGraphicFramePr>
+            <a:graphicFrameLocks noGrp="1"/>
+          </p:cNvGraphicFramePr>
+          <p:nvPr>
+            <p:extLst>
+              <p:ext uri="{D42A27DB-BD31-4B8C-83A1-F6EECF244321}">
+                <p14:modId xmlns:p14="http://schemas.microsoft.com/office/powerpoint/2010/main" val="3756868397"/>
+              </p:ext>
+            </p:extLst>
+          </p:nvPr>
+        </p:nvGraphicFramePr>
+        <p:xfrm>
+          <a:off x="9440883" y="190003"/>
+          <a:ext cx="2589786" cy="6533940"/>
+        </p:xfrm>
+        <a:graphic>
+          <a:graphicData uri="http://schemas.openxmlformats.org/drawingml/2006/table">
+            <a:tbl>
+              <a:tblPr/>
+              <a:tblGrid>
+                <a:gridCol w="2589786">
+                  <a:extLst>
+                    <a:ext uri="{9D8B030D-6E8A-4147-A177-3AD203B41FA5}">
+                      <a16:colId xmlns:a16="http://schemas.microsoft.com/office/drawing/2014/main" val="2486659109"/>
+                    </a:ext>
+                  </a:extLst>
+                </a:gridCol>
+              </a:tblGrid>
+              <a:tr h="324928">
+                <a:tc>
+                  <a:txBody>
+                    <a:bodyPr/>
+                    <a:lstStyle/>
+                    <a:p>
+                      <a:pPr algn="ctr"/>
+                      <a:r>
+                        <a:rPr lang="da-DK" sz="2000" u="none" dirty="0" err="1">
+                          <a:solidFill>
+                            <a:schemeClr val="bg1"/>
+                          </a:solidFill>
+                        </a:rPr>
+                        <a:t>Precedence</a:t>
+                      </a:r>
+                      <a:br>
+                        <a:rPr lang="da-DK" sz="2000" u="none" dirty="0">
+                          <a:solidFill>
+                            <a:schemeClr val="bg1"/>
+                          </a:solidFill>
+                        </a:rPr>
+                      </a:br>
+                      <a:r>
+                        <a:rPr lang="da-DK" sz="2000" u="none" baseline="0" dirty="0">
+                          <a:solidFill>
+                            <a:schemeClr val="bg1"/>
+                          </a:solidFill>
+                        </a:rPr>
+                        <a:t> (</a:t>
+                      </a:r>
+                      <a:r>
+                        <a:rPr lang="da-DK" sz="2000" u="none" baseline="0" dirty="0" err="1">
+                          <a:solidFill>
+                            <a:schemeClr val="bg1"/>
+                          </a:solidFill>
+                        </a:rPr>
+                        <a:t>low</a:t>
+                      </a:r>
+                      <a:r>
+                        <a:rPr lang="da-DK" sz="2000" u="none" baseline="0" dirty="0">
+                          <a:solidFill>
+                            <a:schemeClr val="bg1"/>
+                          </a:solidFill>
+                        </a:rPr>
+                        <a:t> to </a:t>
+                      </a:r>
+                      <a:r>
+                        <a:rPr lang="da-DK" sz="2000" u="none" baseline="0" dirty="0" err="1">
+                          <a:solidFill>
+                            <a:schemeClr val="bg1"/>
+                          </a:solidFill>
+                        </a:rPr>
+                        <a:t>high</a:t>
+                      </a:r>
+                      <a:r>
+                        <a:rPr lang="da-DK" sz="2000" u="none" baseline="0" dirty="0">
+                          <a:solidFill>
+                            <a:schemeClr val="bg1"/>
+                          </a:solidFill>
+                        </a:rPr>
+                        <a:t>)</a:t>
+                      </a:r>
+                      <a:endParaRPr lang="da-DK" sz="2000" u="none" dirty="0">
+                        <a:solidFill>
+                          <a:schemeClr val="bg1"/>
+                        </a:solidFill>
+                      </a:endParaRPr>
+                    </a:p>
+                  </a:txBody>
+                  <a:tcPr marL="80580" marR="80580" marT="40290" marB="40290" anchor="ctr">
+                    <a:lnL w="12700" cap="flat" cmpd="sng" algn="ctr">
+                      <a:solidFill>
+                        <a:schemeClr val="tx1"/>
+                      </a:solidFill>
+                      <a:prstDash val="solid"/>
+                      <a:round/>
+                      <a:headEnd type="none" w="med" len="med"/>
+                      <a:tailEnd type="none" w="med" len="med"/>
+                    </a:lnL>
+                    <a:lnR w="12700" cap="flat" cmpd="sng" algn="ctr">
+                      <a:solidFill>
+                        <a:schemeClr val="tx1"/>
+                      </a:solidFill>
+                      <a:prstDash val="solid"/>
+                      <a:round/>
+                      <a:headEnd type="none" w="med" len="med"/>
+                      <a:tailEnd type="none" w="med" len="med"/>
+                    </a:lnR>
+                    <a:lnT w="12700" cap="flat" cmpd="sng" algn="ctr">
+                      <a:solidFill>
+                        <a:schemeClr val="tx1"/>
+                      </a:solidFill>
+                      <a:prstDash val="solid"/>
+                      <a:round/>
+                      <a:headEnd type="none" w="med" len="med"/>
+                      <a:tailEnd type="none" w="med" len="med"/>
+                    </a:lnT>
+                    <a:lnB w="12700" cap="flat" cmpd="sng" algn="ctr">
+                      <a:solidFill>
+                        <a:schemeClr val="tx1"/>
+                      </a:solidFill>
+                      <a:prstDash val="solid"/>
+                      <a:round/>
+                      <a:headEnd type="none" w="med" len="med"/>
+                      <a:tailEnd type="none" w="med" len="med"/>
+                    </a:lnB>
+                    <a:solidFill>
+                      <a:srgbClr val="C00000"/>
+                    </a:solidFill>
+                  </a:tcPr>
+                </a:tc>
+                <a:extLst>
+                  <a:ext uri="{0D108BD9-81ED-4DB2-BD59-A6C34878D82A}">
+                    <a16:rowId xmlns:a16="http://schemas.microsoft.com/office/drawing/2014/main" val="3138802606"/>
+                  </a:ext>
+                </a:extLst>
+              </a:tr>
+              <a:tr h="324928">
+                <a:tc>
+                  <a:txBody>
+                    <a:bodyPr/>
+                    <a:lstStyle/>
+                    <a:p>
+                      <a:pPr algn="ctr"/>
+                      <a:r>
+                        <a:rPr lang="da-DK" sz="2000" u="none" dirty="0">
+                          <a:latin typeface="Courier New" panose="02070309020205020404" pitchFamily="49" charset="0"/>
+                          <a:cs typeface="Courier New" panose="02070309020205020404" pitchFamily="49" charset="0"/>
+                        </a:rPr>
+                        <a:t>or</a:t>
+                      </a:r>
+                    </a:p>
+                  </a:txBody>
+                  <a:tcPr marL="80580" marR="80580" marT="40290" marB="40290" anchor="ctr">
+                    <a:lnL w="12700" cap="flat" cmpd="sng" algn="ctr">
+                      <a:solidFill>
+                        <a:schemeClr val="tx1"/>
+                      </a:solidFill>
+                      <a:prstDash val="solid"/>
+                      <a:round/>
+                      <a:headEnd type="none" w="med" len="med"/>
+                      <a:tailEnd type="none" w="med" len="med"/>
+                    </a:lnL>
+                    <a:lnR w="12700" cap="flat" cmpd="sng" algn="ctr">
+                      <a:solidFill>
+                        <a:schemeClr val="tx1"/>
+                      </a:solidFill>
+                      <a:prstDash val="solid"/>
+                      <a:round/>
+                      <a:headEnd type="none" w="med" len="med"/>
+                      <a:tailEnd type="none" w="med" len="med"/>
+                    </a:lnR>
+                    <a:lnT w="12700" cap="flat" cmpd="sng" algn="ctr">
+                      <a:solidFill>
+                        <a:schemeClr val="tx1"/>
+                      </a:solidFill>
+                      <a:prstDash val="solid"/>
+                      <a:round/>
+                      <a:headEnd type="none" w="med" len="med"/>
+                      <a:tailEnd type="none" w="med" len="med"/>
+                    </a:lnT>
+                    <a:lnB w="12700" cap="flat" cmpd="sng" algn="ctr">
+                      <a:solidFill>
+                        <a:schemeClr val="tx1"/>
+                      </a:solidFill>
+                      <a:prstDash val="solid"/>
+                      <a:round/>
+                      <a:headEnd type="none" w="med" len="med"/>
+                      <a:tailEnd type="none" w="med" len="med"/>
+                    </a:lnB>
+                    <a:solidFill>
+                      <a:schemeClr val="accent5">
+                        <a:lumMod val="20000"/>
+                        <a:lumOff val="80000"/>
+                      </a:schemeClr>
+                    </a:solidFill>
+                  </a:tcPr>
+                </a:tc>
+                <a:extLst>
+                  <a:ext uri="{0D108BD9-81ED-4DB2-BD59-A6C34878D82A}">
+                    <a16:rowId xmlns:a16="http://schemas.microsoft.com/office/drawing/2014/main" val="564454404"/>
+                  </a:ext>
+                </a:extLst>
+              </a:tr>
+              <a:tr h="324928">
+                <a:tc>
+                  <a:txBody>
+                    <a:bodyPr/>
+                    <a:lstStyle/>
+                    <a:p>
+                      <a:pPr algn="ctr"/>
+                      <a:r>
+                        <a:rPr lang="da-DK" sz="2000" u="none" dirty="0">
+                          <a:latin typeface="Courier New" panose="02070309020205020404" pitchFamily="49" charset="0"/>
+                          <a:cs typeface="Courier New" panose="02070309020205020404" pitchFamily="49" charset="0"/>
+                        </a:rPr>
+                        <a:t>and</a:t>
+                      </a:r>
+                    </a:p>
+                  </a:txBody>
+                  <a:tcPr marL="80580" marR="80580" marT="40290" marB="40290" anchor="ctr">
+                    <a:lnL w="12700" cap="flat" cmpd="sng" algn="ctr">
+                      <a:solidFill>
+                        <a:schemeClr val="tx1"/>
+                      </a:solidFill>
+                      <a:prstDash val="solid"/>
+                      <a:round/>
+                      <a:headEnd type="none" w="med" len="med"/>
+                      <a:tailEnd type="none" w="med" len="med"/>
+                    </a:lnL>
+                    <a:lnR w="12700" cap="flat" cmpd="sng" algn="ctr">
+                      <a:solidFill>
+                        <a:schemeClr val="tx1"/>
+                      </a:solidFill>
+                      <a:prstDash val="solid"/>
+                      <a:round/>
+                      <a:headEnd type="none" w="med" len="med"/>
+                      <a:tailEnd type="none" w="med" len="med"/>
+                    </a:lnR>
+                    <a:lnT w="12700" cap="flat" cmpd="sng" algn="ctr">
+                      <a:solidFill>
+                        <a:schemeClr val="tx1"/>
+                      </a:solidFill>
+                      <a:prstDash val="solid"/>
+                      <a:round/>
+                      <a:headEnd type="none" w="med" len="med"/>
+                      <a:tailEnd type="none" w="med" len="med"/>
+                    </a:lnT>
+                    <a:lnB w="12700" cap="flat" cmpd="sng" algn="ctr">
+                      <a:solidFill>
+                        <a:schemeClr val="tx1"/>
+                      </a:solidFill>
+                      <a:prstDash val="solid"/>
+                      <a:round/>
+                      <a:headEnd type="none" w="med" len="med"/>
+                      <a:tailEnd type="none" w="med" len="med"/>
+                    </a:lnB>
+                    <a:solidFill>
+                      <a:schemeClr val="accent5">
+                        <a:lumMod val="20000"/>
+                        <a:lumOff val="80000"/>
+                      </a:schemeClr>
+                    </a:solidFill>
+                  </a:tcPr>
+                </a:tc>
+                <a:extLst>
+                  <a:ext uri="{0D108BD9-81ED-4DB2-BD59-A6C34878D82A}">
+                    <a16:rowId xmlns:a16="http://schemas.microsoft.com/office/drawing/2014/main" val="2863982840"/>
+                  </a:ext>
+                </a:extLst>
+              </a:tr>
+              <a:tr h="324928">
+                <a:tc>
+                  <a:txBody>
+                    <a:bodyPr/>
+                    <a:lstStyle/>
+                    <a:p>
+                      <a:pPr algn="ctr"/>
+                      <a:r>
+                        <a:rPr lang="da-DK" sz="2000" u="none" dirty="0">
+                          <a:latin typeface="Courier New" panose="02070309020205020404" pitchFamily="49" charset="0"/>
+                          <a:cs typeface="Courier New" panose="02070309020205020404" pitchFamily="49" charset="0"/>
+                        </a:rPr>
+                        <a:t>not </a:t>
+                      </a:r>
+                      <a:r>
+                        <a:rPr lang="da-DK" sz="2000" i="1" u="none" dirty="0">
+                          <a:latin typeface="Courier New" panose="02070309020205020404" pitchFamily="49" charset="0"/>
+                          <a:cs typeface="Courier New" panose="02070309020205020404" pitchFamily="49" charset="0"/>
+                        </a:rPr>
+                        <a:t>x</a:t>
+                      </a:r>
+                    </a:p>
+                  </a:txBody>
+                  <a:tcPr marL="80580" marR="80580" marT="40290" marB="40290" anchor="ctr">
+                    <a:lnL w="12700" cap="flat" cmpd="sng" algn="ctr">
+                      <a:solidFill>
+                        <a:schemeClr val="tx1"/>
+                      </a:solidFill>
+                      <a:prstDash val="solid"/>
+                      <a:round/>
+                      <a:headEnd type="none" w="med" len="med"/>
+                      <a:tailEnd type="none" w="med" len="med"/>
+                    </a:lnL>
+                    <a:lnR w="12700" cap="flat" cmpd="sng" algn="ctr">
+                      <a:solidFill>
+                        <a:schemeClr val="tx1"/>
+                      </a:solidFill>
+                      <a:prstDash val="solid"/>
+                      <a:round/>
+                      <a:headEnd type="none" w="med" len="med"/>
+                      <a:tailEnd type="none" w="med" len="med"/>
+                    </a:lnR>
+                    <a:lnT w="12700" cap="flat" cmpd="sng" algn="ctr">
+                      <a:solidFill>
+                        <a:schemeClr val="tx1"/>
+                      </a:solidFill>
+                      <a:prstDash val="solid"/>
+                      <a:round/>
+                      <a:headEnd type="none" w="med" len="med"/>
+                      <a:tailEnd type="none" w="med" len="med"/>
+                    </a:lnT>
+                    <a:lnB w="12700" cap="flat" cmpd="sng" algn="ctr">
+                      <a:solidFill>
+                        <a:schemeClr val="tx1"/>
+                      </a:solidFill>
+                      <a:prstDash val="solid"/>
+                      <a:round/>
+                      <a:headEnd type="none" w="med" len="med"/>
+                      <a:tailEnd type="none" w="med" len="med"/>
+                    </a:lnB>
+                    <a:solidFill>
+                      <a:schemeClr val="accent5">
+                        <a:lumMod val="20000"/>
+                        <a:lumOff val="80000"/>
+                      </a:schemeClr>
+                    </a:solidFill>
+                  </a:tcPr>
+                </a:tc>
+                <a:extLst>
+                  <a:ext uri="{0D108BD9-81ED-4DB2-BD59-A6C34878D82A}">
+                    <a16:rowId xmlns:a16="http://schemas.microsoft.com/office/drawing/2014/main" val="2243352647"/>
+                  </a:ext>
+                </a:extLst>
+              </a:tr>
+              <a:tr h="564945">
+                <a:tc>
+                  <a:txBody>
+                    <a:bodyPr/>
+                    <a:lstStyle/>
+                    <a:p>
+                      <a:pPr algn="ctr"/>
+                      <a:r>
+                        <a:rPr lang="en-US" sz="2000" u="none" dirty="0">
+                          <a:latin typeface="Courier New" panose="02070309020205020404" pitchFamily="49" charset="0"/>
+                          <a:cs typeface="Courier New" panose="02070309020205020404" pitchFamily="49" charset="0"/>
+                        </a:rPr>
+                        <a:t>in</a:t>
+                      </a:r>
+                      <a:r>
+                        <a:rPr lang="en-US" sz="2000" u="none" baseline="0" dirty="0">
+                          <a:latin typeface="Courier New" panose="02070309020205020404" pitchFamily="49" charset="0"/>
+                          <a:cs typeface="Courier New" panose="02070309020205020404" pitchFamily="49" charset="0"/>
+                        </a:rPr>
+                        <a:t>  </a:t>
+                      </a:r>
+                      <a:r>
+                        <a:rPr lang="en-US" sz="2000" u="none" dirty="0">
+                          <a:latin typeface="Courier New" panose="02070309020205020404" pitchFamily="49" charset="0"/>
+                          <a:cs typeface="Courier New" panose="02070309020205020404" pitchFamily="49" charset="0"/>
+                        </a:rPr>
+                        <a:t> not in</a:t>
+                      </a:r>
+                    </a:p>
+                    <a:p>
+                      <a:pPr algn="ctr"/>
+                      <a:r>
+                        <a:rPr lang="en-US" sz="2000" u="none" dirty="0">
+                          <a:latin typeface="Courier New" panose="02070309020205020404" pitchFamily="49" charset="0"/>
+                          <a:cs typeface="Courier New" panose="02070309020205020404" pitchFamily="49" charset="0"/>
+                        </a:rPr>
+                        <a:t>is   </a:t>
+                      </a:r>
+                      <a:r>
+                        <a:rPr lang="en-US" sz="2000" u="none" dirty="0" err="1">
+                          <a:latin typeface="Courier New" panose="02070309020205020404" pitchFamily="49" charset="0"/>
+                          <a:cs typeface="Courier New" panose="02070309020205020404" pitchFamily="49" charset="0"/>
+                        </a:rPr>
+                        <a:t>is</a:t>
+                      </a:r>
+                      <a:r>
+                        <a:rPr lang="en-US" sz="2000" u="none" dirty="0">
+                          <a:latin typeface="Courier New" panose="02070309020205020404" pitchFamily="49" charset="0"/>
+                          <a:cs typeface="Courier New" panose="02070309020205020404" pitchFamily="49" charset="0"/>
+                        </a:rPr>
+                        <a:t> not</a:t>
+                      </a:r>
+                    </a:p>
+                    <a:p>
+                      <a:pPr algn="ctr"/>
+                      <a:r>
+                        <a:rPr lang="en-US" sz="2000" u="none" dirty="0">
+                          <a:latin typeface="Courier New" panose="02070309020205020404" pitchFamily="49" charset="0"/>
+                          <a:cs typeface="Courier New" panose="02070309020205020404" pitchFamily="49" charset="0"/>
+                        </a:rPr>
+                        <a:t>==   &lt;   &lt;=</a:t>
+                      </a:r>
+                    </a:p>
+                    <a:p>
+                      <a:pPr algn="ctr"/>
+                      <a:r>
+                        <a:rPr lang="en-US" sz="2000" u="none" dirty="0">
+                          <a:latin typeface="Courier New" panose="02070309020205020404" pitchFamily="49" charset="0"/>
+                          <a:cs typeface="Courier New" panose="02070309020205020404" pitchFamily="49" charset="0"/>
+                        </a:rPr>
+                        <a:t>!=   &gt;</a:t>
+                      </a:r>
+                      <a:r>
+                        <a:rPr lang="en-US" sz="2000" u="none" baseline="0" dirty="0">
+                          <a:latin typeface="Courier New" panose="02070309020205020404" pitchFamily="49" charset="0"/>
+                          <a:cs typeface="Courier New" panose="02070309020205020404" pitchFamily="49" charset="0"/>
+                        </a:rPr>
+                        <a:t>  </a:t>
+                      </a:r>
+                      <a:r>
+                        <a:rPr lang="en-US" sz="2000" u="none" dirty="0">
+                          <a:latin typeface="Courier New" panose="02070309020205020404" pitchFamily="49" charset="0"/>
+                          <a:cs typeface="Courier New" panose="02070309020205020404" pitchFamily="49" charset="0"/>
+                        </a:rPr>
+                        <a:t> &gt;=</a:t>
+                      </a:r>
+                    </a:p>
+                  </a:txBody>
+                  <a:tcPr marL="80580" marR="80580" marT="40290" marB="40290" anchor="ctr">
+                    <a:lnL w="12700" cap="flat" cmpd="sng" algn="ctr">
+                      <a:solidFill>
+                        <a:schemeClr val="tx1"/>
+                      </a:solidFill>
+                      <a:prstDash val="solid"/>
+                      <a:round/>
+                      <a:headEnd type="none" w="med" len="med"/>
+                      <a:tailEnd type="none" w="med" len="med"/>
+                    </a:lnL>
+                    <a:lnR w="12700" cap="flat" cmpd="sng" algn="ctr">
+                      <a:solidFill>
+                        <a:schemeClr val="tx1"/>
+                      </a:solidFill>
+                      <a:prstDash val="solid"/>
+                      <a:round/>
+                      <a:headEnd type="none" w="med" len="med"/>
+                      <a:tailEnd type="none" w="med" len="med"/>
+                    </a:lnR>
+                    <a:lnT w="12700" cap="flat" cmpd="sng" algn="ctr">
+                      <a:solidFill>
+                        <a:schemeClr val="tx1"/>
+                      </a:solidFill>
+                      <a:prstDash val="solid"/>
+                      <a:round/>
+                      <a:headEnd type="none" w="med" len="med"/>
+                      <a:tailEnd type="none" w="med" len="med"/>
+                    </a:lnT>
+                    <a:lnB w="12700" cap="flat" cmpd="sng" algn="ctr">
+                      <a:solidFill>
+                        <a:schemeClr val="tx1"/>
+                      </a:solidFill>
+                      <a:prstDash val="solid"/>
+                      <a:round/>
+                      <a:headEnd type="none" w="med" len="med"/>
+                      <a:tailEnd type="none" w="med" len="med"/>
+                    </a:lnB>
+                    <a:solidFill>
+                      <a:schemeClr val="accent5">
+                        <a:lumMod val="20000"/>
+                        <a:lumOff val="80000"/>
+                      </a:schemeClr>
+                    </a:solidFill>
+                  </a:tcPr>
+                </a:tc>
+                <a:extLst>
+                  <a:ext uri="{0D108BD9-81ED-4DB2-BD59-A6C34878D82A}">
+                    <a16:rowId xmlns:a16="http://schemas.microsoft.com/office/drawing/2014/main" val="268387812"/>
+                  </a:ext>
+                </a:extLst>
+              </a:tr>
+              <a:tr h="324928">
+                <a:tc>
+                  <a:txBody>
+                    <a:bodyPr/>
+                    <a:lstStyle/>
+                    <a:p>
+                      <a:pPr algn="ctr"/>
+                      <a:r>
+                        <a:rPr lang="da-DK" sz="2000" u="none" dirty="0">
+                          <a:latin typeface="Courier New" panose="02070309020205020404" pitchFamily="49" charset="0"/>
+                          <a:cs typeface="Courier New" panose="02070309020205020404" pitchFamily="49" charset="0"/>
+                        </a:rPr>
+                        <a:t>|</a:t>
+                      </a:r>
+                    </a:p>
+                  </a:txBody>
+                  <a:tcPr marL="80580" marR="80580" marT="40290" marB="40290" anchor="ctr">
+                    <a:lnL w="12700" cap="flat" cmpd="sng" algn="ctr">
+                      <a:solidFill>
+                        <a:schemeClr val="tx1"/>
+                      </a:solidFill>
+                      <a:prstDash val="solid"/>
+                      <a:round/>
+                      <a:headEnd type="none" w="med" len="med"/>
+                      <a:tailEnd type="none" w="med" len="med"/>
+                    </a:lnL>
+                    <a:lnR w="12700" cap="flat" cmpd="sng" algn="ctr">
+                      <a:solidFill>
+                        <a:schemeClr val="tx1"/>
+                      </a:solidFill>
+                      <a:prstDash val="solid"/>
+                      <a:round/>
+                      <a:headEnd type="none" w="med" len="med"/>
+                      <a:tailEnd type="none" w="med" len="med"/>
+                    </a:lnR>
+                    <a:lnT w="12700" cap="flat" cmpd="sng" algn="ctr">
+                      <a:solidFill>
+                        <a:schemeClr val="tx1"/>
+                      </a:solidFill>
+                      <a:prstDash val="solid"/>
+                      <a:round/>
+                      <a:headEnd type="none" w="med" len="med"/>
+                      <a:tailEnd type="none" w="med" len="med"/>
+                    </a:lnT>
+                    <a:lnB w="12700" cap="flat" cmpd="sng" algn="ctr">
+                      <a:solidFill>
+                        <a:schemeClr val="tx1"/>
+                      </a:solidFill>
+                      <a:prstDash val="solid"/>
+                      <a:round/>
+                      <a:headEnd type="none" w="med" len="med"/>
+                      <a:tailEnd type="none" w="med" len="med"/>
+                    </a:lnB>
+                    <a:solidFill>
+                      <a:schemeClr val="accent5">
+                        <a:lumMod val="20000"/>
+                        <a:lumOff val="80000"/>
+                      </a:schemeClr>
+                    </a:solidFill>
+                  </a:tcPr>
+                </a:tc>
+                <a:extLst>
+                  <a:ext uri="{0D108BD9-81ED-4DB2-BD59-A6C34878D82A}">
+                    <a16:rowId xmlns:a16="http://schemas.microsoft.com/office/drawing/2014/main" val="2141160183"/>
+                  </a:ext>
+                </a:extLst>
+              </a:tr>
+              <a:tr h="324928">
+                <a:tc>
+                  <a:txBody>
+                    <a:bodyPr/>
+                    <a:lstStyle/>
+                    <a:p>
+                      <a:pPr algn="ctr"/>
+                      <a:r>
+                        <a:rPr lang="da-DK" sz="2000" u="none" dirty="0">
+                          <a:latin typeface="Courier New" panose="02070309020205020404" pitchFamily="49" charset="0"/>
+                          <a:cs typeface="Courier New" panose="02070309020205020404" pitchFamily="49" charset="0"/>
+                        </a:rPr>
+                        <a:t>^</a:t>
+                      </a:r>
+                    </a:p>
+                  </a:txBody>
+                  <a:tcPr marL="80580" marR="80580" marT="40290" marB="40290" anchor="ctr">
+                    <a:lnL w="12700" cap="flat" cmpd="sng" algn="ctr">
+                      <a:solidFill>
+                        <a:schemeClr val="tx1"/>
+                      </a:solidFill>
+                      <a:prstDash val="solid"/>
+                      <a:round/>
+                      <a:headEnd type="none" w="med" len="med"/>
+                      <a:tailEnd type="none" w="med" len="med"/>
+                    </a:lnL>
+                    <a:lnR w="12700" cap="flat" cmpd="sng" algn="ctr">
+                      <a:solidFill>
+                        <a:schemeClr val="tx1"/>
+                      </a:solidFill>
+                      <a:prstDash val="solid"/>
+                      <a:round/>
+                      <a:headEnd type="none" w="med" len="med"/>
+                      <a:tailEnd type="none" w="med" len="med"/>
+                    </a:lnR>
+                    <a:lnT w="12700" cap="flat" cmpd="sng" algn="ctr">
+                      <a:solidFill>
+                        <a:schemeClr val="tx1"/>
+                      </a:solidFill>
+                      <a:prstDash val="solid"/>
+                      <a:round/>
+                      <a:headEnd type="none" w="med" len="med"/>
+                      <a:tailEnd type="none" w="med" len="med"/>
+                    </a:lnT>
+                    <a:lnB w="12700" cap="flat" cmpd="sng" algn="ctr">
+                      <a:solidFill>
+                        <a:schemeClr val="tx1"/>
+                      </a:solidFill>
+                      <a:prstDash val="solid"/>
+                      <a:round/>
+                      <a:headEnd type="none" w="med" len="med"/>
+                      <a:tailEnd type="none" w="med" len="med"/>
+                    </a:lnB>
+                    <a:solidFill>
+                      <a:schemeClr val="accent5">
+                        <a:lumMod val="20000"/>
+                        <a:lumOff val="80000"/>
+                      </a:schemeClr>
+                    </a:solidFill>
+                  </a:tcPr>
+                </a:tc>
+                <a:extLst>
+                  <a:ext uri="{0D108BD9-81ED-4DB2-BD59-A6C34878D82A}">
+                    <a16:rowId xmlns:a16="http://schemas.microsoft.com/office/drawing/2014/main" val="751939433"/>
+                  </a:ext>
+                </a:extLst>
+              </a:tr>
+              <a:tr h="324928">
+                <a:tc>
+                  <a:txBody>
+                    <a:bodyPr/>
+                    <a:lstStyle/>
+                    <a:p>
+                      <a:pPr algn="ctr"/>
+                      <a:r>
+                        <a:rPr lang="da-DK" sz="2000" u="none" dirty="0">
+                          <a:latin typeface="Courier New" panose="02070309020205020404" pitchFamily="49" charset="0"/>
+                          <a:cs typeface="Courier New" panose="02070309020205020404" pitchFamily="49" charset="0"/>
+                        </a:rPr>
+                        <a:t>&amp;</a:t>
+                      </a:r>
+                    </a:p>
+                  </a:txBody>
+                  <a:tcPr marL="80580" marR="80580" marT="40290" marB="40290" anchor="ctr">
+                    <a:lnL w="12700" cap="flat" cmpd="sng" algn="ctr">
+                      <a:solidFill>
+                        <a:schemeClr val="tx1"/>
+                      </a:solidFill>
+                      <a:prstDash val="solid"/>
+                      <a:round/>
+                      <a:headEnd type="none" w="med" len="med"/>
+                      <a:tailEnd type="none" w="med" len="med"/>
+                    </a:lnL>
+                    <a:lnR w="12700" cap="flat" cmpd="sng" algn="ctr">
+                      <a:solidFill>
+                        <a:schemeClr val="tx1"/>
+                      </a:solidFill>
+                      <a:prstDash val="solid"/>
+                      <a:round/>
+                      <a:headEnd type="none" w="med" len="med"/>
+                      <a:tailEnd type="none" w="med" len="med"/>
+                    </a:lnR>
+                    <a:lnT w="12700" cap="flat" cmpd="sng" algn="ctr">
+                      <a:solidFill>
+                        <a:schemeClr val="tx1"/>
+                      </a:solidFill>
+                      <a:prstDash val="solid"/>
+                      <a:round/>
+                      <a:headEnd type="none" w="med" len="med"/>
+                      <a:tailEnd type="none" w="med" len="med"/>
+                    </a:lnT>
+                    <a:lnB w="12700" cap="flat" cmpd="sng" algn="ctr">
+                      <a:solidFill>
+                        <a:schemeClr val="tx1"/>
+                      </a:solidFill>
+                      <a:prstDash val="solid"/>
+                      <a:round/>
+                      <a:headEnd type="none" w="med" len="med"/>
+                      <a:tailEnd type="none" w="med" len="med"/>
+                    </a:lnB>
+                    <a:solidFill>
+                      <a:schemeClr val="accent5">
+                        <a:lumMod val="20000"/>
+                        <a:lumOff val="80000"/>
+                      </a:schemeClr>
+                    </a:solidFill>
+                  </a:tcPr>
+                </a:tc>
+                <a:extLst>
+                  <a:ext uri="{0D108BD9-81ED-4DB2-BD59-A6C34878D82A}">
+                    <a16:rowId xmlns:a16="http://schemas.microsoft.com/office/drawing/2014/main" val="3957012914"/>
+                  </a:ext>
+                </a:extLst>
+              </a:tr>
+              <a:tr h="324928">
+                <a:tc>
+                  <a:txBody>
+                    <a:bodyPr/>
+                    <a:lstStyle/>
+                    <a:p>
+                      <a:pPr algn="ctr"/>
+                      <a:r>
+                        <a:rPr lang="da-DK" sz="2000" u="none" dirty="0">
+                          <a:latin typeface="Courier New" panose="02070309020205020404" pitchFamily="49" charset="0"/>
+                          <a:cs typeface="Courier New" panose="02070309020205020404" pitchFamily="49" charset="0"/>
+                        </a:rPr>
+                        <a:t>&lt;&lt;</a:t>
+                      </a:r>
+                      <a:r>
+                        <a:rPr lang="da-DK" sz="2000" u="none" baseline="0" dirty="0">
+                          <a:latin typeface="Courier New" panose="02070309020205020404" pitchFamily="49" charset="0"/>
+                          <a:cs typeface="Courier New" panose="02070309020205020404" pitchFamily="49" charset="0"/>
+                        </a:rPr>
+                        <a:t>  </a:t>
+                      </a:r>
+                      <a:r>
+                        <a:rPr lang="da-DK" sz="2000" u="none" dirty="0">
+                          <a:latin typeface="Courier New" panose="02070309020205020404" pitchFamily="49" charset="0"/>
+                          <a:cs typeface="Courier New" panose="02070309020205020404" pitchFamily="49" charset="0"/>
+                        </a:rPr>
+                        <a:t> &gt;&gt;</a:t>
+                      </a:r>
+                    </a:p>
+                  </a:txBody>
+                  <a:tcPr marL="80580" marR="80580" marT="40290" marB="40290" anchor="ctr">
+                    <a:lnL w="12700" cap="flat" cmpd="sng" algn="ctr">
+                      <a:solidFill>
+                        <a:schemeClr val="tx1"/>
+                      </a:solidFill>
+                      <a:prstDash val="solid"/>
+                      <a:round/>
+                      <a:headEnd type="none" w="med" len="med"/>
+                      <a:tailEnd type="none" w="med" len="med"/>
+                    </a:lnL>
+                    <a:lnR w="12700" cap="flat" cmpd="sng" algn="ctr">
+                      <a:solidFill>
+                        <a:schemeClr val="tx1"/>
+                      </a:solidFill>
+                      <a:prstDash val="solid"/>
+                      <a:round/>
+                      <a:headEnd type="none" w="med" len="med"/>
+                      <a:tailEnd type="none" w="med" len="med"/>
+                    </a:lnR>
+                    <a:lnT w="12700" cap="flat" cmpd="sng" algn="ctr">
+                      <a:solidFill>
+                        <a:schemeClr val="tx1"/>
+                      </a:solidFill>
+                      <a:prstDash val="solid"/>
+                      <a:round/>
+                      <a:headEnd type="none" w="med" len="med"/>
+                      <a:tailEnd type="none" w="med" len="med"/>
+                    </a:lnT>
+                    <a:lnB w="12700" cap="flat" cmpd="sng" algn="ctr">
+                      <a:solidFill>
+                        <a:schemeClr val="tx1"/>
+                      </a:solidFill>
+                      <a:prstDash val="solid"/>
+                      <a:round/>
+                      <a:headEnd type="none" w="med" len="med"/>
+                      <a:tailEnd type="none" w="med" len="med"/>
+                    </a:lnB>
+                    <a:solidFill>
+                      <a:schemeClr val="accent5">
+                        <a:lumMod val="20000"/>
+                        <a:lumOff val="80000"/>
+                      </a:schemeClr>
+                    </a:solidFill>
+                  </a:tcPr>
+                </a:tc>
+                <a:extLst>
+                  <a:ext uri="{0D108BD9-81ED-4DB2-BD59-A6C34878D82A}">
+                    <a16:rowId xmlns:a16="http://schemas.microsoft.com/office/drawing/2014/main" val="672009882"/>
+                  </a:ext>
+                </a:extLst>
+              </a:tr>
+              <a:tr h="324928">
+                <a:tc>
+                  <a:txBody>
+                    <a:bodyPr/>
+                    <a:lstStyle/>
+                    <a:p>
+                      <a:pPr algn="ctr"/>
+                      <a:r>
+                        <a:rPr lang="da-DK" sz="2000" u="none" dirty="0">
+                          <a:latin typeface="Courier New" panose="02070309020205020404" pitchFamily="49" charset="0"/>
+                          <a:cs typeface="Courier New" panose="02070309020205020404" pitchFamily="49" charset="0"/>
+                        </a:rPr>
+                        <a:t>+</a:t>
+                      </a:r>
+                      <a:r>
+                        <a:rPr lang="da-DK" sz="2000" u="none" baseline="0" dirty="0">
+                          <a:latin typeface="Courier New" panose="02070309020205020404" pitchFamily="49" charset="0"/>
+                          <a:cs typeface="Courier New" panose="02070309020205020404" pitchFamily="49" charset="0"/>
+                        </a:rPr>
+                        <a:t>  </a:t>
+                      </a:r>
+                      <a:r>
+                        <a:rPr lang="da-DK" sz="2000" u="none" dirty="0">
+                          <a:latin typeface="Courier New" panose="02070309020205020404" pitchFamily="49" charset="0"/>
+                          <a:cs typeface="Courier New" panose="02070309020205020404" pitchFamily="49" charset="0"/>
+                        </a:rPr>
+                        <a:t> -</a:t>
+                      </a:r>
+                    </a:p>
+                  </a:txBody>
+                  <a:tcPr marL="80580" marR="80580" marT="40290" marB="40290" anchor="ctr">
+                    <a:lnL w="12700" cap="flat" cmpd="sng" algn="ctr">
+                      <a:solidFill>
+                        <a:schemeClr val="tx1"/>
+                      </a:solidFill>
+                      <a:prstDash val="solid"/>
+                      <a:round/>
+                      <a:headEnd type="none" w="med" len="med"/>
+                      <a:tailEnd type="none" w="med" len="med"/>
+                    </a:lnL>
+                    <a:lnR w="12700" cap="flat" cmpd="sng" algn="ctr">
+                      <a:solidFill>
+                        <a:schemeClr val="tx1"/>
+                      </a:solidFill>
+                      <a:prstDash val="solid"/>
+                      <a:round/>
+                      <a:headEnd type="none" w="med" len="med"/>
+                      <a:tailEnd type="none" w="med" len="med"/>
+                    </a:lnR>
+                    <a:lnT w="12700" cap="flat" cmpd="sng" algn="ctr">
+                      <a:solidFill>
+                        <a:schemeClr val="tx1"/>
+                      </a:solidFill>
+                      <a:prstDash val="solid"/>
+                      <a:round/>
+                      <a:headEnd type="none" w="med" len="med"/>
+                      <a:tailEnd type="none" w="med" len="med"/>
+                    </a:lnT>
+                    <a:lnB w="12700" cap="flat" cmpd="sng" algn="ctr">
+                      <a:solidFill>
+                        <a:schemeClr val="tx1"/>
+                      </a:solidFill>
+                      <a:prstDash val="solid"/>
+                      <a:round/>
+                      <a:headEnd type="none" w="med" len="med"/>
+                      <a:tailEnd type="none" w="med" len="med"/>
+                    </a:lnB>
+                    <a:solidFill>
+                      <a:schemeClr val="accent5">
+                        <a:lumMod val="20000"/>
+                        <a:lumOff val="80000"/>
+                      </a:schemeClr>
+                    </a:solidFill>
+                  </a:tcPr>
+                </a:tc>
+                <a:extLst>
+                  <a:ext uri="{0D108BD9-81ED-4DB2-BD59-A6C34878D82A}">
+                    <a16:rowId xmlns:a16="http://schemas.microsoft.com/office/drawing/2014/main" val="662020469"/>
+                  </a:ext>
+                </a:extLst>
+              </a:tr>
+              <a:tr h="564945">
+                <a:tc>
+                  <a:txBody>
+                    <a:bodyPr/>
+                    <a:lstStyle/>
+                    <a:p>
+                      <a:pPr algn="ctr"/>
+                      <a:r>
+                        <a:rPr lang="da-DK" sz="2000" u="none" dirty="0">
+                          <a:latin typeface="Courier New" panose="02070309020205020404" pitchFamily="49" charset="0"/>
+                          <a:cs typeface="Courier New" panose="02070309020205020404" pitchFamily="49" charset="0"/>
+                        </a:rPr>
+                        <a:t>*   @   </a:t>
+                      </a:r>
+                    </a:p>
+                    <a:p>
+                      <a:pPr algn="ctr"/>
+                      <a:r>
+                        <a:rPr lang="da-DK" sz="2000" u="none" dirty="0">
+                          <a:latin typeface="Courier New" panose="02070309020205020404" pitchFamily="49" charset="0"/>
+                          <a:cs typeface="Courier New" panose="02070309020205020404" pitchFamily="49" charset="0"/>
+                        </a:rPr>
+                        <a:t>/   //   %</a:t>
+                      </a:r>
+                    </a:p>
+                  </a:txBody>
+                  <a:tcPr marL="80580" marR="80580" marT="40290" marB="40290" anchor="ctr">
+                    <a:lnL w="12700" cap="flat" cmpd="sng" algn="ctr">
+                      <a:solidFill>
+                        <a:schemeClr val="tx1"/>
+                      </a:solidFill>
+                      <a:prstDash val="solid"/>
+                      <a:round/>
+                      <a:headEnd type="none" w="med" len="med"/>
+                      <a:tailEnd type="none" w="med" len="med"/>
+                    </a:lnL>
+                    <a:lnR w="12700" cap="flat" cmpd="sng" algn="ctr">
+                      <a:solidFill>
+                        <a:schemeClr val="tx1"/>
+                      </a:solidFill>
+                      <a:prstDash val="solid"/>
+                      <a:round/>
+                      <a:headEnd type="none" w="med" len="med"/>
+                      <a:tailEnd type="none" w="med" len="med"/>
+                    </a:lnR>
+                    <a:lnT w="12700" cap="flat" cmpd="sng" algn="ctr">
+                      <a:solidFill>
+                        <a:schemeClr val="tx1"/>
+                      </a:solidFill>
+                      <a:prstDash val="solid"/>
+                      <a:round/>
+                      <a:headEnd type="none" w="med" len="med"/>
+                      <a:tailEnd type="none" w="med" len="med"/>
+                    </a:lnT>
+                    <a:lnB w="12700" cap="flat" cmpd="sng" algn="ctr">
+                      <a:solidFill>
+                        <a:schemeClr val="tx1"/>
+                      </a:solidFill>
+                      <a:prstDash val="solid"/>
+                      <a:round/>
+                      <a:headEnd type="none" w="med" len="med"/>
+                      <a:tailEnd type="none" w="med" len="med"/>
+                    </a:lnB>
+                    <a:solidFill>
+                      <a:schemeClr val="accent5">
+                        <a:lumMod val="20000"/>
+                        <a:lumOff val="80000"/>
+                      </a:schemeClr>
+                    </a:solidFill>
+                  </a:tcPr>
+                </a:tc>
+                <a:extLst>
+                  <a:ext uri="{0D108BD9-81ED-4DB2-BD59-A6C34878D82A}">
+                    <a16:rowId xmlns:a16="http://schemas.microsoft.com/office/drawing/2014/main" val="2838861763"/>
+                  </a:ext>
+                </a:extLst>
+              </a:tr>
+              <a:tr h="0">
+                <a:tc>
+                  <a:txBody>
+                    <a:bodyPr/>
+                    <a:lstStyle/>
+                    <a:p>
+                      <a:pPr algn="ctr"/>
+                      <a:r>
+                        <a:rPr lang="da-DK" sz="2000" u="none" dirty="0">
+                          <a:latin typeface="Courier New" panose="02070309020205020404" pitchFamily="49" charset="0"/>
+                          <a:cs typeface="Courier New" panose="02070309020205020404" pitchFamily="49" charset="0"/>
+                        </a:rPr>
+                        <a:t>+</a:t>
+                      </a:r>
+                      <a:r>
+                        <a:rPr lang="da-DK" sz="2000" i="1" u="none" dirty="0">
+                          <a:latin typeface="Courier New" panose="02070309020205020404" pitchFamily="49" charset="0"/>
+                          <a:cs typeface="Courier New" panose="02070309020205020404" pitchFamily="49" charset="0"/>
+                        </a:rPr>
+                        <a:t>x</a:t>
+                      </a:r>
+                      <a:r>
+                        <a:rPr lang="da-DK" sz="2000" u="none" baseline="0" dirty="0">
+                          <a:latin typeface="Courier New" panose="02070309020205020404" pitchFamily="49" charset="0"/>
+                          <a:cs typeface="Courier New" panose="02070309020205020404" pitchFamily="49" charset="0"/>
+                        </a:rPr>
+                        <a:t>  </a:t>
+                      </a:r>
+                      <a:r>
+                        <a:rPr lang="da-DK" sz="2000" u="none" dirty="0">
+                          <a:latin typeface="Courier New" panose="02070309020205020404" pitchFamily="49" charset="0"/>
+                          <a:cs typeface="Courier New" panose="02070309020205020404" pitchFamily="49" charset="0"/>
+                        </a:rPr>
+                        <a:t> -</a:t>
+                      </a:r>
+                      <a:r>
+                        <a:rPr lang="da-DK" sz="2000" i="1" u="none" dirty="0">
+                          <a:latin typeface="Courier New" panose="02070309020205020404" pitchFamily="49" charset="0"/>
+                          <a:cs typeface="Courier New" panose="02070309020205020404" pitchFamily="49" charset="0"/>
+                        </a:rPr>
+                        <a:t>x</a:t>
+                      </a:r>
+                      <a:r>
+                        <a:rPr lang="da-DK" sz="2000" u="none" baseline="0" dirty="0">
+                          <a:latin typeface="Courier New" panose="02070309020205020404" pitchFamily="49" charset="0"/>
+                          <a:cs typeface="Courier New" panose="02070309020205020404" pitchFamily="49" charset="0"/>
+                        </a:rPr>
+                        <a:t>  </a:t>
+                      </a:r>
+                      <a:r>
+                        <a:rPr lang="da-DK" sz="2000" u="none" dirty="0">
+                          <a:latin typeface="Courier New" panose="02070309020205020404" pitchFamily="49" charset="0"/>
+                          <a:cs typeface="Courier New" panose="02070309020205020404" pitchFamily="49" charset="0"/>
+                        </a:rPr>
+                        <a:t> ~</a:t>
+                      </a:r>
+                      <a:r>
+                        <a:rPr lang="da-DK" sz="2000" i="1" u="none" dirty="0">
+                          <a:latin typeface="Courier New" panose="02070309020205020404" pitchFamily="49" charset="0"/>
+                          <a:cs typeface="Courier New" panose="02070309020205020404" pitchFamily="49" charset="0"/>
+                        </a:rPr>
+                        <a:t>x</a:t>
+                      </a:r>
+                    </a:p>
+                  </a:txBody>
+                  <a:tcPr marL="80580" marR="80580" marT="40290" marB="40290" anchor="ctr">
+                    <a:lnL w="12700" cap="flat" cmpd="sng" algn="ctr">
+                      <a:solidFill>
+                        <a:schemeClr val="tx1"/>
+                      </a:solidFill>
+                      <a:prstDash val="solid"/>
+                      <a:round/>
+                      <a:headEnd type="none" w="med" len="med"/>
+                      <a:tailEnd type="none" w="med" len="med"/>
+                    </a:lnL>
+                    <a:lnR w="12700" cap="flat" cmpd="sng" algn="ctr">
+                      <a:solidFill>
+                        <a:schemeClr val="tx1"/>
+                      </a:solidFill>
+                      <a:prstDash val="solid"/>
+                      <a:round/>
+                      <a:headEnd type="none" w="med" len="med"/>
+                      <a:tailEnd type="none" w="med" len="med"/>
+                    </a:lnR>
+                    <a:lnT w="12700" cap="flat" cmpd="sng" algn="ctr">
+                      <a:solidFill>
+                        <a:schemeClr val="tx1"/>
+                      </a:solidFill>
+                      <a:prstDash val="solid"/>
+                      <a:round/>
+                      <a:headEnd type="none" w="med" len="med"/>
+                      <a:tailEnd type="none" w="med" len="med"/>
+                    </a:lnT>
+                    <a:lnB w="12700" cap="flat" cmpd="sng" algn="ctr">
+                      <a:solidFill>
+                        <a:schemeClr val="tx1"/>
+                      </a:solidFill>
+                      <a:prstDash val="solid"/>
+                      <a:round/>
+                      <a:headEnd type="none" w="med" len="med"/>
+                      <a:tailEnd type="none" w="med" len="med"/>
+                    </a:lnB>
+                    <a:solidFill>
+                      <a:schemeClr val="accent5">
+                        <a:lumMod val="20000"/>
+                        <a:lumOff val="80000"/>
+                      </a:schemeClr>
+                    </a:solidFill>
+                  </a:tcPr>
+                </a:tc>
+                <a:extLst>
+                  <a:ext uri="{0D108BD9-81ED-4DB2-BD59-A6C34878D82A}">
+                    <a16:rowId xmlns:a16="http://schemas.microsoft.com/office/drawing/2014/main" val="1553472579"/>
+                  </a:ext>
+                </a:extLst>
+              </a:tr>
+              <a:tr h="324928">
+                <a:tc>
+                  <a:txBody>
+                    <a:bodyPr/>
+                    <a:lstStyle/>
+                    <a:p>
+                      <a:pPr algn="ctr"/>
+                      <a:r>
+                        <a:rPr lang="da-DK" sz="2000" u="none" dirty="0">
+                          <a:latin typeface="Courier New" panose="02070309020205020404" pitchFamily="49" charset="0"/>
+                          <a:cs typeface="Courier New" panose="02070309020205020404" pitchFamily="49" charset="0"/>
+                        </a:rPr>
+                        <a:t>**</a:t>
+                      </a:r>
+                    </a:p>
+                  </a:txBody>
+                  <a:tcPr marL="80580" marR="80580" marT="40290" marB="40290" anchor="ctr">
+                    <a:lnL w="12700" cap="flat" cmpd="sng" algn="ctr">
+                      <a:solidFill>
+                        <a:schemeClr val="tx1"/>
+                      </a:solidFill>
+                      <a:prstDash val="solid"/>
+                      <a:round/>
+                      <a:headEnd type="none" w="med" len="med"/>
+                      <a:tailEnd type="none" w="med" len="med"/>
+                    </a:lnL>
+                    <a:lnR w="12700" cap="flat" cmpd="sng" algn="ctr">
+                      <a:solidFill>
+                        <a:schemeClr val="tx1"/>
+                      </a:solidFill>
+                      <a:prstDash val="solid"/>
+                      <a:round/>
+                      <a:headEnd type="none" w="med" len="med"/>
+                      <a:tailEnd type="none" w="med" len="med"/>
+                    </a:lnR>
+                    <a:lnT w="12700" cap="flat" cmpd="sng" algn="ctr">
+                      <a:solidFill>
+                        <a:schemeClr val="tx1"/>
+                      </a:solidFill>
+                      <a:prstDash val="solid"/>
+                      <a:round/>
+                      <a:headEnd type="none" w="med" len="med"/>
+                      <a:tailEnd type="none" w="med" len="med"/>
+                    </a:lnT>
+                    <a:lnB w="12700" cap="flat" cmpd="sng" algn="ctr">
+                      <a:solidFill>
+                        <a:schemeClr val="tx1"/>
+                      </a:solidFill>
+                      <a:prstDash val="solid"/>
+                      <a:round/>
+                      <a:headEnd type="none" w="med" len="med"/>
+                      <a:tailEnd type="none" w="med" len="med"/>
+                    </a:lnB>
+                    <a:solidFill>
+                      <a:schemeClr val="accent5">
+                        <a:lumMod val="20000"/>
+                        <a:lumOff val="80000"/>
+                      </a:schemeClr>
+                    </a:solidFill>
+                  </a:tcPr>
+                </a:tc>
+                <a:extLst>
+                  <a:ext uri="{0D108BD9-81ED-4DB2-BD59-A6C34878D82A}">
+                    <a16:rowId xmlns:a16="http://schemas.microsoft.com/office/drawing/2014/main" val="1975563258"/>
+                  </a:ext>
+                </a:extLst>
+              </a:tr>
+            </a:tbl>
+          </a:graphicData>
+        </a:graphic>
+      </p:graphicFrame>
+      <p:sp>
+        <p:nvSpPr>
+          <p:cNvPr id="5" name="Rectangle 4"/>
+          <p:cNvSpPr/>
+          <p:nvPr/>
+        </p:nvSpPr>
+        <p:spPr>
+          <a:xfrm>
+            <a:off x="184332" y="6438395"/>
+            <a:ext cx="4579395" cy="369332"/>
+          </a:xfrm>
+          <a:prstGeom prst="rect">
+            <a:avLst/>
+          </a:prstGeom>
+        </p:spPr>
+        <p:txBody>
+          <a:bodyPr wrap="none">
+            <a:spAutoFit/>
+          </a:bodyPr>
+          <a:lstStyle/>
+          <a:p>
+            <a:r>
+              <a:rPr lang="en-US" dirty="0">
+                <a:hlinkClick r:id="rId3"/>
+              </a:rPr>
+              <a:t>docs.python.org/3/reference/expressions.html</a:t>
+            </a:r>
+            <a:endParaRPr lang="en-US" dirty="0"/>
+          </a:p>
+        </p:txBody>
+      </p:sp>
+    </p:spTree>
+    <p:extLst>
+      <p:ext uri="{BB962C8B-B14F-4D97-AF65-F5344CB8AC3E}">
+        <p14:creationId xmlns:p14="http://schemas.microsoft.com/office/powerpoint/2010/main" val="3996596200"/>
+      </p:ext>
+    </p:extLst>
+  </p:cSld>
+  <p:clrMapOvr>
+    <a:masterClrMapping/>
+  </p:clrMapOvr>
+</p:sld>
+</file>
+
+<file path=ppt/slides/slide25.xml><?xml version="1.0" encoding="utf-8"?>
+<p:sld xmlns:a="http://schemas.openxmlformats.org/drawingml/2006/main" xmlns:r="http://schemas.openxmlformats.org/officeDocument/2006/relationships" xmlns:p="http://schemas.openxmlformats.org/presentationml/2006/main">
+  <p:cSld>
+    <p:spTree>
+      <p:nvGrpSpPr>
+        <p:cNvPr id="1" name=""/>
+        <p:cNvGrpSpPr/>
+        <p:nvPr/>
+      </p:nvGrpSpPr>
+      <p:grpSpPr>
+        <a:xfrm>
+          <a:off x="0" y="0"/>
+          <a:ext cx="0" cy="0"/>
+          <a:chOff x="0" y="0"/>
+          <a:chExt cx="0" cy="0"/>
+        </a:xfrm>
+      </p:grpSpPr>
+      <p:sp>
+        <p:nvSpPr>
+          <p:cNvPr id="2" name="Title 1"/>
+          <p:cNvSpPr>
+            <a:spLocks noGrp="1"/>
+          </p:cNvSpPr>
+          <p:nvPr>
+            <p:ph type="title"/>
+          </p:nvPr>
+        </p:nvSpPr>
+        <p:spPr/>
+        <p:txBody>
+          <a:bodyPr/>
+          <a:lstStyle/>
+          <a:p>
+            <a:r>
+              <a:rPr lang="en-US" dirty="0"/>
               <a:t>Long expressions</a:t>
             </a:r>
           </a:p>
@@ -22984,7 +24467,7 @@
 </p:sld>
 </file>
 
-<file path=ppt/slides/slide25.xml><?xml version="1.0" encoding="utf-8"?>
+<file path=ppt/slides/slide26.xml><?xml version="1.0" encoding="utf-8"?>
 <p:sld xmlns:a="http://schemas.openxmlformats.org/drawingml/2006/main" xmlns:r="http://schemas.openxmlformats.org/officeDocument/2006/relationships" xmlns:p="http://schemas.openxmlformats.org/presentationml/2006/main">
   <p:cSld>
     <p:spTree>
@@ -23470,7 +24953,7 @@
 </p:sld>
 </file>
 
-<file path=ppt/slides/slide26.xml><?xml version="1.0" encoding="utf-8"?>
+<file path=ppt/slides/slide27.xml><?xml version="1.0" encoding="utf-8"?>
 <p:sld xmlns:a="http://schemas.openxmlformats.org/drawingml/2006/main" xmlns:r="http://schemas.openxmlformats.org/officeDocument/2006/relationships" xmlns:p="http://schemas.openxmlformats.org/presentationml/2006/main">
   <p:cSld>
     <p:spTree>

--- a/ipsa/slides/operations.pptx
+++ b/ipsa/slides/operations.pptx
@@ -277,12 +277,12 @@
   <pc:docChgLst>
     <pc:chgData name="Gerth Stølting Brodal" userId="04ef4784-6591-4f86-a140-f5c3b108582a" providerId="ADAL" clId="{8AE5BBAC-1693-454B-B98D-382185C4CDAF}"/>
     <pc:docChg chg="undo custSel addSld modSld">
-      <pc:chgData name="Gerth Stølting Brodal" userId="04ef4784-6591-4f86-a140-f5c3b108582a" providerId="ADAL" clId="{8AE5BBAC-1693-454B-B98D-382185C4CDAF}" dt="2023-02-04T18:40:27.777" v="298" actId="20577"/>
+      <pc:chgData name="Gerth Stølting Brodal" userId="04ef4784-6591-4f86-a140-f5c3b108582a" providerId="ADAL" clId="{8AE5BBAC-1693-454B-B98D-382185C4CDAF}" dt="2023-02-08T12:00:24.402" v="337" actId="20577"/>
       <pc:docMkLst>
         <pc:docMk/>
       </pc:docMkLst>
-      <pc:sldChg chg="modSp mod">
-        <pc:chgData name="Gerth Stølting Brodal" userId="04ef4784-6591-4f86-a140-f5c3b108582a" providerId="ADAL" clId="{8AE5BBAC-1693-454B-B98D-382185C4CDAF}" dt="2023-02-04T10:19:24.023" v="60" actId="6549"/>
+      <pc:sldChg chg="modSp mod modNotesTx">
+        <pc:chgData name="Gerth Stølting Brodal" userId="04ef4784-6591-4f86-a140-f5c3b108582a" providerId="ADAL" clId="{8AE5BBAC-1693-454B-B98D-382185C4CDAF}" dt="2023-02-08T12:00:24.402" v="337" actId="20577"/>
         <pc:sldMkLst>
           <pc:docMk/>
           <pc:sldMk cId="2761965666" sldId="363"/>
@@ -296,7 +296,7 @@
           </ac:spMkLst>
         </pc:spChg>
         <pc:graphicFrameChg chg="mod modGraphic">
-          <ac:chgData name="Gerth Stølting Brodal" userId="04ef4784-6591-4f86-a140-f5c3b108582a" providerId="ADAL" clId="{8AE5BBAC-1693-454B-B98D-382185C4CDAF}" dt="2023-02-04T10:16:45.177" v="58" actId="20577"/>
+          <ac:chgData name="Gerth Stølting Brodal" userId="04ef4784-6591-4f86-a140-f5c3b108582a" providerId="ADAL" clId="{8AE5BBAC-1693-454B-B98D-382185C4CDAF}" dt="2023-02-08T12:00:14.469" v="334" actId="207"/>
           <ac:graphicFrameMkLst>
             <pc:docMk/>
             <pc:sldMk cId="2761965666" sldId="363"/>
@@ -555,7 +555,7 @@
           <a:p>
             <a:fld id="{FB1A172F-81D4-4DC4-9113-1DBD56EC3646}" type="datetimeFigureOut">
               <a:rPr lang="en-US" smtClean="0"/>
-              <a:t>2/4/2023</a:t>
+              <a:t>2/8/2023</a:t>
             </a:fld>
             <a:endParaRPr lang="en-US"/>
           </a:p>
@@ -1633,7 +1633,15 @@
           <a:p>
             <a:r>
               <a:rPr lang="da-DK" dirty="0"/>
-              <a:t>f'et tal {1/3:.{decimaler}}'</a:t>
+              <a:t>f'et tal </a:t>
+            </a:r>
+            <a:r>
+              <a:rPr lang="da-DK"/>
+              <a:t>{1/3 = :.{</a:t>
+            </a:r>
+            <a:r>
+              <a:rPr lang="da-DK" dirty="0"/>
+              <a:t>decimaler}}'</a:t>
             </a:r>
           </a:p>
           <a:p>
@@ -2061,7 +2069,7 @@
           <a:p>
             <a:fld id="{0560A9CD-0304-4E0B-9E82-E7E0115DE05B}" type="datetimeFigureOut">
               <a:rPr lang="en-US" smtClean="0"/>
-              <a:t>2/4/2023</a:t>
+              <a:t>2/8/2023</a:t>
             </a:fld>
             <a:endParaRPr lang="en-US"/>
           </a:p>
@@ -2229,7 +2237,7 @@
           <a:p>
             <a:fld id="{0560A9CD-0304-4E0B-9E82-E7E0115DE05B}" type="datetimeFigureOut">
               <a:rPr lang="en-US" smtClean="0"/>
-              <a:t>2/4/2023</a:t>
+              <a:t>2/8/2023</a:t>
             </a:fld>
             <a:endParaRPr lang="en-US"/>
           </a:p>
@@ -2407,7 +2415,7 @@
           <a:p>
             <a:fld id="{0560A9CD-0304-4E0B-9E82-E7E0115DE05B}" type="datetimeFigureOut">
               <a:rPr lang="en-US" smtClean="0"/>
-              <a:t>2/4/2023</a:t>
+              <a:t>2/8/2023</a:t>
             </a:fld>
             <a:endParaRPr lang="en-US"/>
           </a:p>
@@ -2584,7 +2592,7 @@
           <a:p>
             <a:fld id="{0560A9CD-0304-4E0B-9E82-E7E0115DE05B}" type="datetimeFigureOut">
               <a:rPr lang="en-US" smtClean="0"/>
-              <a:t>2/4/2023</a:t>
+              <a:t>2/8/2023</a:t>
             </a:fld>
             <a:endParaRPr lang="en-US"/>
           </a:p>
@@ -2829,7 +2837,7 @@
           <a:p>
             <a:fld id="{0560A9CD-0304-4E0B-9E82-E7E0115DE05B}" type="datetimeFigureOut">
               <a:rPr lang="en-US" smtClean="0"/>
-              <a:t>2/4/2023</a:t>
+              <a:t>2/8/2023</a:t>
             </a:fld>
             <a:endParaRPr lang="en-US"/>
           </a:p>
@@ -3058,7 +3066,7 @@
           <a:p>
             <a:fld id="{0560A9CD-0304-4E0B-9E82-E7E0115DE05B}" type="datetimeFigureOut">
               <a:rPr lang="en-US" smtClean="0"/>
-              <a:t>2/4/2023</a:t>
+              <a:t>2/8/2023</a:t>
             </a:fld>
             <a:endParaRPr lang="en-US"/>
           </a:p>
@@ -3422,7 +3430,7 @@
           <a:p>
             <a:fld id="{0560A9CD-0304-4E0B-9E82-E7E0115DE05B}" type="datetimeFigureOut">
               <a:rPr lang="en-US" smtClean="0"/>
-              <a:t>2/4/2023</a:t>
+              <a:t>2/8/2023</a:t>
             </a:fld>
             <a:endParaRPr lang="en-US"/>
           </a:p>
@@ -3539,7 +3547,7 @@
           <a:p>
             <a:fld id="{0560A9CD-0304-4E0B-9E82-E7E0115DE05B}" type="datetimeFigureOut">
               <a:rPr lang="en-US" smtClean="0"/>
-              <a:t>2/4/2023</a:t>
+              <a:t>2/8/2023</a:t>
             </a:fld>
             <a:endParaRPr lang="en-US"/>
           </a:p>
@@ -3634,7 +3642,7 @@
           <a:p>
             <a:fld id="{0560A9CD-0304-4E0B-9E82-E7E0115DE05B}" type="datetimeFigureOut">
               <a:rPr lang="en-US" smtClean="0"/>
-              <a:t>2/4/2023</a:t>
+              <a:t>2/8/2023</a:t>
             </a:fld>
             <a:endParaRPr lang="en-US"/>
           </a:p>
@@ -3909,7 +3917,7 @@
           <a:p>
             <a:fld id="{0560A9CD-0304-4E0B-9E82-E7E0115DE05B}" type="datetimeFigureOut">
               <a:rPr lang="en-US" smtClean="0"/>
-              <a:t>2/4/2023</a:t>
+              <a:t>2/8/2023</a:t>
             </a:fld>
             <a:endParaRPr lang="en-US"/>
           </a:p>
@@ -4161,7 +4169,7 @@
           <a:p>
             <a:fld id="{0560A9CD-0304-4E0B-9E82-E7E0115DE05B}" type="datetimeFigureOut">
               <a:rPr lang="en-US" smtClean="0"/>
-              <a:t>2/4/2023</a:t>
+              <a:t>2/8/2023</a:t>
             </a:fld>
             <a:endParaRPr lang="en-US"/>
           </a:p>
@@ -4372,7 +4380,7 @@
           <a:p>
             <a:fld id="{0560A9CD-0304-4E0B-9E82-E7E0115DE05B}" type="datetimeFigureOut">
               <a:rPr lang="en-US" smtClean="0"/>
-              <a:t>2/4/2023</a:t>
+              <a:t>2/8/2023</a:t>
             </a:fld>
             <a:endParaRPr lang="en-US"/>
           </a:p>
@@ -13516,7 +13524,7 @@
           <p:nvPr>
             <p:extLst>
               <p:ext uri="{D42A27DB-BD31-4B8C-83A1-F6EECF244321}">
-                <p14:modId xmlns:p14="http://schemas.microsoft.com/office/powerpoint/2010/main" val="1249153106"/>
+                <p14:modId xmlns:p14="http://schemas.microsoft.com/office/powerpoint/2010/main" val="3122193394"/>
               </p:ext>
             </p:extLst>
           </p:nvPr>
@@ -13656,6 +13664,9 @@
                       </a:pPr>
                       <a:r>
                         <a:rPr lang="es-ES" sz="1600" b="1" baseline="0" dirty="0" err="1">
+                          <a:solidFill>
+                            <a:srgbClr val="C00000"/>
+                          </a:solidFill>
                           <a:latin typeface="Courier New" panose="02070309020205020404" pitchFamily="49" charset="0"/>
                           <a:cs typeface="Courier New" panose="02070309020205020404" pitchFamily="49" charset="0"/>
                         </a:rPr>
@@ -13790,7 +13801,7 @@
                           <a:latin typeface="Courier New" panose="02070309020205020404" pitchFamily="49" charset="0"/>
                           <a:cs typeface="Courier New" panose="02070309020205020404" pitchFamily="49" charset="0"/>
                         </a:rPr>
-                        <a:t>'c’</a:t>
+                        <a:t>'c'</a:t>
                       </a:r>
                       <a:endParaRPr lang="en-US" sz="1600" b="1" baseline="0" dirty="0">
                         <a:latin typeface="Courier New" panose="02070309020205020404" pitchFamily="49" charset="0"/>
@@ -13850,7 +13861,58 @@
                           <a:latin typeface="Courier New" panose="02070309020205020404" pitchFamily="49" charset="0"/>
                           <a:cs typeface="Courier New" panose="02070309020205020404" pitchFamily="49" charset="0"/>
                         </a:rPr>
-                        <a:t>"x = %s, y = %s" % (x, y)</a:t>
+                        <a:t>"x = </a:t>
+                      </a:r>
+                      <a:r>
+                        <a:rPr lang="es-ES" sz="1600" b="1" baseline="0" dirty="0">
+                          <a:solidFill>
+                            <a:srgbClr val="C00000"/>
+                          </a:solidFill>
+                          <a:latin typeface="Courier New" panose="02070309020205020404" pitchFamily="49" charset="0"/>
+                          <a:cs typeface="Courier New" panose="02070309020205020404" pitchFamily="49" charset="0"/>
+                        </a:rPr>
+                        <a:t>%s</a:t>
+                      </a:r>
+                      <a:r>
+                        <a:rPr lang="es-ES" sz="1600" b="1" baseline="0" dirty="0">
+                          <a:latin typeface="Courier New" panose="02070309020205020404" pitchFamily="49" charset="0"/>
+                          <a:cs typeface="Courier New" panose="02070309020205020404" pitchFamily="49" charset="0"/>
+                        </a:rPr>
+                        <a:t>, y = </a:t>
+                      </a:r>
+                      <a:r>
+                        <a:rPr lang="es-ES" sz="1600" b="1" baseline="0" dirty="0">
+                          <a:solidFill>
+                            <a:srgbClr val="C00000"/>
+                          </a:solidFill>
+                          <a:latin typeface="Courier New" panose="02070309020205020404" pitchFamily="49" charset="0"/>
+                          <a:cs typeface="Courier New" panose="02070309020205020404" pitchFamily="49" charset="0"/>
+                        </a:rPr>
+                        <a:t>%s</a:t>
+                      </a:r>
+                      <a:r>
+                        <a:rPr lang="es-ES" sz="1600" b="1" baseline="0" dirty="0">
+                          <a:latin typeface="Courier New" panose="02070309020205020404" pitchFamily="49" charset="0"/>
+                          <a:cs typeface="Courier New" panose="02070309020205020404" pitchFamily="49" charset="0"/>
+                        </a:rPr>
+                        <a:t>" </a:t>
+                      </a:r>
+                      <a:r>
+                        <a:rPr lang="es-ES" sz="1600" b="1" baseline="0" dirty="0">
+                          <a:solidFill>
+                            <a:srgbClr val="C00000"/>
+                          </a:solidFill>
+                          <a:latin typeface="Courier New" panose="02070309020205020404" pitchFamily="49" charset="0"/>
+                          <a:cs typeface="Courier New" panose="02070309020205020404" pitchFamily="49" charset="0"/>
+                        </a:rPr>
+                        <a:t>%</a:t>
+                      </a:r>
+                      <a:r>
+                        <a:rPr lang="es-ES" sz="1600" b="1" baseline="0" dirty="0">
+                          <a:latin typeface="Courier New" panose="02070309020205020404" pitchFamily="49" charset="0"/>
+                          <a:cs typeface="Courier New" panose="02070309020205020404" pitchFamily="49" charset="0"/>
+                        </a:rPr>
+                        <a:t> (x, y)</a:t>
                       </a:r>
                     </a:p>
                     <a:p>
@@ -13912,10 +13974,57 @@
                           <a:latin typeface="Courier New" panose="02070309020205020404" pitchFamily="49" charset="0"/>
                           <a:cs typeface="Courier New" panose="02070309020205020404" pitchFamily="49" charset="0"/>
                         </a:rPr>
-                        <a:t>"x = {}, y = {}".</a:t>
+                        <a:t>"x = </a:t>
+                      </a:r>
+                      <a:r>
+                        <a:rPr lang="es-ES" sz="1600" b="1" baseline="0" dirty="0">
+                          <a:solidFill>
+                            <a:srgbClr val="C00000"/>
+                          </a:solidFill>
+                          <a:latin typeface="Courier New" panose="02070309020205020404" pitchFamily="49" charset="0"/>
+                          <a:cs typeface="Courier New" panose="02070309020205020404" pitchFamily="49" charset="0"/>
+                        </a:rPr>
+                        <a:t>{}</a:t>
+                      </a:r>
+                      <a:r>
+                        <a:rPr lang="es-ES" sz="1600" b="1" baseline="0" dirty="0">
+                          <a:latin typeface="Courier New" panose="02070309020205020404" pitchFamily="49" charset="0"/>
+                          <a:cs typeface="Courier New" panose="02070309020205020404" pitchFamily="49" charset="0"/>
+                        </a:rPr>
+                        <a:t>, y = </a:t>
+                      </a:r>
+                      <a:r>
+                        <a:rPr lang="es-ES" sz="1600" b="1" baseline="0" dirty="0">
+                          <a:solidFill>
+                            <a:srgbClr val="C00000"/>
+                          </a:solidFill>
+                          <a:latin typeface="Courier New" panose="02070309020205020404" pitchFamily="49" charset="0"/>
+                          <a:cs typeface="Courier New" panose="02070309020205020404" pitchFamily="49" charset="0"/>
+                        </a:rPr>
+                        <a:t>{}</a:t>
+                      </a:r>
+                      <a:r>
+                        <a:rPr lang="es-ES" sz="1600" b="1" baseline="0" dirty="0">
+                          <a:latin typeface="Courier New" panose="02070309020205020404" pitchFamily="49" charset="0"/>
+                          <a:cs typeface="Courier New" panose="02070309020205020404" pitchFamily="49" charset="0"/>
+                        </a:rPr>
+                        <a:t>"</a:t>
+                      </a:r>
+                      <a:r>
+                        <a:rPr lang="es-ES" sz="1600" b="1" baseline="0" dirty="0">
+                          <a:solidFill>
+                            <a:srgbClr val="C00000"/>
+                          </a:solidFill>
+                          <a:latin typeface="Courier New" panose="02070309020205020404" pitchFamily="49" charset="0"/>
+                          <a:cs typeface="Courier New" panose="02070309020205020404" pitchFamily="49" charset="0"/>
+                        </a:rPr>
+                        <a:t>.</a:t>
                       </a:r>
                       <a:r>
                         <a:rPr lang="es-ES" sz="1600" b="1" baseline="0" dirty="0" err="1">
+                          <a:solidFill>
+                            <a:srgbClr val="C00000"/>
+                          </a:solidFill>
                           <a:latin typeface="Courier New" panose="02070309020205020404" pitchFamily="49" charset="0"/>
                           <a:cs typeface="Courier New" panose="02070309020205020404" pitchFamily="49" charset="0"/>
                         </a:rPr>
@@ -13995,10 +14104,57 @@
                           <a:latin typeface="Courier New" panose="02070309020205020404" pitchFamily="49" charset="0"/>
                           <a:cs typeface="Courier New" panose="02070309020205020404" pitchFamily="49" charset="0"/>
                         </a:rPr>
-                        <a:t>"x = {1}, y = {0}".</a:t>
+                        <a:t>"x = </a:t>
+                      </a:r>
+                      <a:r>
+                        <a:rPr lang="es-ES" sz="1600" b="1" baseline="0" dirty="0">
+                          <a:solidFill>
+                            <a:srgbClr val="C00000"/>
+                          </a:solidFill>
+                          <a:latin typeface="Courier New" panose="02070309020205020404" pitchFamily="49" charset="0"/>
+                          <a:cs typeface="Courier New" panose="02070309020205020404" pitchFamily="49" charset="0"/>
+                        </a:rPr>
+                        <a:t>{1}</a:t>
+                      </a:r>
+                      <a:r>
+                        <a:rPr lang="es-ES" sz="1600" b="1" baseline="0" dirty="0">
+                          <a:latin typeface="Courier New" panose="02070309020205020404" pitchFamily="49" charset="0"/>
+                          <a:cs typeface="Courier New" panose="02070309020205020404" pitchFamily="49" charset="0"/>
+                        </a:rPr>
+                        <a:t>, y = </a:t>
+                      </a:r>
+                      <a:r>
+                        <a:rPr lang="es-ES" sz="1600" b="1" baseline="0" dirty="0">
+                          <a:solidFill>
+                            <a:srgbClr val="C00000"/>
+                          </a:solidFill>
+                          <a:latin typeface="Courier New" panose="02070309020205020404" pitchFamily="49" charset="0"/>
+                          <a:cs typeface="Courier New" panose="02070309020205020404" pitchFamily="49" charset="0"/>
+                        </a:rPr>
+                        <a:t>{0}</a:t>
+                      </a:r>
+                      <a:r>
+                        <a:rPr lang="es-ES" sz="1600" b="1" baseline="0" dirty="0">
+                          <a:latin typeface="Courier New" panose="02070309020205020404" pitchFamily="49" charset="0"/>
+                          <a:cs typeface="Courier New" panose="02070309020205020404" pitchFamily="49" charset="0"/>
+                        </a:rPr>
+                        <a:t>"</a:t>
+                      </a:r>
+                      <a:r>
+                        <a:rPr lang="es-ES" sz="1600" b="1" baseline="0" dirty="0">
+                          <a:solidFill>
+                            <a:srgbClr val="C00000"/>
+                          </a:solidFill>
+                          <a:latin typeface="Courier New" panose="02070309020205020404" pitchFamily="49" charset="0"/>
+                          <a:cs typeface="Courier New" panose="02070309020205020404" pitchFamily="49" charset="0"/>
+                        </a:rPr>
+                        <a:t>.</a:t>
                       </a:r>
                       <a:r>
                         <a:rPr lang="es-ES" sz="1600" b="1" baseline="0" dirty="0" err="1">
+                          <a:solidFill>
+                            <a:srgbClr val="C00000"/>
+                          </a:solidFill>
                           <a:latin typeface="Courier New" panose="02070309020205020404" pitchFamily="49" charset="0"/>
                           <a:cs typeface="Courier New" panose="02070309020205020404" pitchFamily="49" charset="0"/>
                         </a:rPr>
@@ -14068,17 +14224,61 @@
                       </a:pPr>
                       <a:r>
                         <a:rPr lang="es-ES" sz="1600" b="1" baseline="0" dirty="0" err="1">
-                          <a:latin typeface="Courier New" panose="02070309020205020404" pitchFamily="49" charset="0"/>
-                          <a:cs typeface="Courier New" panose="02070309020205020404" pitchFamily="49" charset="0"/>
-                        </a:rPr>
-                        <a:t>f'x</a:t>
+                          <a:solidFill>
+                            <a:srgbClr val="C00000"/>
+                          </a:solidFill>
+                          <a:latin typeface="Courier New" panose="02070309020205020404" pitchFamily="49" charset="0"/>
+                          <a:cs typeface="Courier New" panose="02070309020205020404" pitchFamily="49" charset="0"/>
+                        </a:rPr>
+                        <a:t>f</a:t>
+                      </a:r>
+                      <a:r>
+                        <a:rPr lang="es-ES" sz="1600" b="1" baseline="0" dirty="0" err="1">
+                          <a:latin typeface="Courier New" panose="02070309020205020404" pitchFamily="49" charset="0"/>
+                          <a:cs typeface="Courier New" panose="02070309020205020404" pitchFamily="49" charset="0"/>
+                        </a:rPr>
+                        <a:t>'x</a:t>
                       </a:r>
                       <a:r>
                         <a:rPr lang="es-ES" sz="1600" b="1" baseline="0" dirty="0">
                           <a:latin typeface="Courier New" panose="02070309020205020404" pitchFamily="49" charset="0"/>
                           <a:cs typeface="Courier New" panose="02070309020205020404" pitchFamily="49" charset="0"/>
                         </a:rPr>
-                        <a:t> + y = {x + y}'</a:t>
+                        <a:t> + y = </a:t>
+                      </a:r>
+                      <a:r>
+                        <a:rPr lang="es-ES" sz="1600" b="1" baseline="0" dirty="0">
+                          <a:solidFill>
+                            <a:srgbClr val="C00000"/>
+                          </a:solidFill>
+                          <a:latin typeface="Courier New" panose="02070309020205020404" pitchFamily="49" charset="0"/>
+                          <a:cs typeface="Courier New" panose="02070309020205020404" pitchFamily="49" charset="0"/>
+                        </a:rPr>
+                        <a:t>{</a:t>
+                      </a:r>
+                      <a:r>
+                        <a:rPr lang="es-ES" sz="1600" b="1" baseline="0" dirty="0">
+                          <a:latin typeface="Courier New" panose="02070309020205020404" pitchFamily="49" charset="0"/>
+                          <a:cs typeface="Courier New" panose="02070309020205020404" pitchFamily="49" charset="0"/>
+                        </a:rPr>
+                        <a:t>x + y</a:t>
+                      </a:r>
+                      <a:r>
+                        <a:rPr lang="es-ES" sz="1600" b="1" baseline="0" dirty="0">
+                          <a:solidFill>
+                            <a:srgbClr val="C00000"/>
+                          </a:solidFill>
+                          <a:latin typeface="Courier New" panose="02070309020205020404" pitchFamily="49" charset="0"/>
+                          <a:cs typeface="Courier New" panose="02070309020205020404" pitchFamily="49" charset="0"/>
+                        </a:rPr>
+                        <a:t>}</a:t>
+                      </a:r>
+                      <a:r>
+                        <a:rPr lang="es-ES" sz="1600" b="1" baseline="0" dirty="0">
+                          <a:latin typeface="Courier New" panose="02070309020205020404" pitchFamily="49" charset="0"/>
+                          <a:cs typeface="Courier New" panose="02070309020205020404" pitchFamily="49" charset="0"/>
+                        </a:rPr>
+                        <a:t>'</a:t>
                       </a:r>
                       <a:endParaRPr lang="en-US" sz="1600" b="1" baseline="0" dirty="0">
                         <a:latin typeface="Courier New" panose="02070309020205020404" pitchFamily="49" charset="0"/>
@@ -14137,10 +14337,71 @@
                       </a:pPr>
                       <a:r>
                         <a:rPr lang="es-ES" sz="1600" b="1" baseline="0" dirty="0">
-                          <a:latin typeface="Courier New" panose="02070309020205020404" pitchFamily="49" charset="0"/>
-                          <a:cs typeface="Courier New" panose="02070309020205020404" pitchFamily="49" charset="0"/>
-                        </a:rPr>
-                        <a:t>f'{x + y = }'  </a:t>
+                          <a:solidFill>
+                            <a:srgbClr val="C00000"/>
+                          </a:solidFill>
+                          <a:latin typeface="Courier New" panose="02070309020205020404" pitchFamily="49" charset="0"/>
+                          <a:cs typeface="Courier New" panose="02070309020205020404" pitchFamily="49" charset="0"/>
+                        </a:rPr>
+                        <a:t>f</a:t>
+                      </a:r>
+                      <a:r>
+                        <a:rPr lang="es-ES" sz="1600" b="1" baseline="0" dirty="0">
+                          <a:latin typeface="Courier New" panose="02070309020205020404" pitchFamily="49" charset="0"/>
+                          <a:cs typeface="Courier New" panose="02070309020205020404" pitchFamily="49" charset="0"/>
+                        </a:rPr>
+                        <a:t>'</a:t>
+                      </a:r>
+                      <a:r>
+                        <a:rPr lang="es-ES" sz="1600" b="1" baseline="0" dirty="0">
+                          <a:solidFill>
+                            <a:srgbClr val="C00000"/>
+                          </a:solidFill>
+                          <a:latin typeface="Courier New" panose="02070309020205020404" pitchFamily="49" charset="0"/>
+                          <a:cs typeface="Courier New" panose="02070309020205020404" pitchFamily="49" charset="0"/>
+                        </a:rPr>
+                        <a:t>{</a:t>
+                      </a:r>
+                      <a:r>
+                        <a:rPr lang="es-ES" sz="1600" b="1" baseline="0" dirty="0">
+                          <a:latin typeface="Courier New" panose="02070309020205020404" pitchFamily="49" charset="0"/>
+                          <a:cs typeface="Courier New" panose="02070309020205020404" pitchFamily="49" charset="0"/>
+                        </a:rPr>
+                        <a:t>x + y </a:t>
+                      </a:r>
+                      <a:r>
+                        <a:rPr lang="es-ES" sz="1600" b="1" baseline="0" dirty="0">
+                          <a:solidFill>
+                            <a:srgbClr val="C00000"/>
+                          </a:solidFill>
+                          <a:latin typeface="Courier New" panose="02070309020205020404" pitchFamily="49" charset="0"/>
+                          <a:cs typeface="Courier New" panose="02070309020205020404" pitchFamily="49" charset="0"/>
+                        </a:rPr>
+                        <a:t>=</a:t>
+                      </a:r>
+                      <a:r>
+                        <a:rPr lang="es-ES" sz="1600" b="1" baseline="0" dirty="0">
+                          <a:latin typeface="Courier New" panose="02070309020205020404" pitchFamily="49" charset="0"/>
+                          <a:cs typeface="Courier New" panose="02070309020205020404" pitchFamily="49" charset="0"/>
+                        </a:rPr>
+                        <a:t> </a:t>
+                      </a:r>
+                      <a:r>
+                        <a:rPr lang="es-ES" sz="1600" b="1" baseline="0" dirty="0">
+                          <a:solidFill>
+                            <a:srgbClr val="C00000"/>
+                          </a:solidFill>
+                          <a:latin typeface="Courier New" panose="02070309020205020404" pitchFamily="49" charset="0"/>
+                          <a:cs typeface="Courier New" panose="02070309020205020404" pitchFamily="49" charset="0"/>
+                        </a:rPr>
+                        <a:t>}</a:t>
+                      </a:r>
+                      <a:r>
+                        <a:rPr lang="es-ES" sz="1600" b="1" baseline="0" dirty="0">
+                          <a:latin typeface="Courier New" panose="02070309020205020404" pitchFamily="49" charset="0"/>
+                          <a:cs typeface="Courier New" panose="02070309020205020404" pitchFamily="49" charset="0"/>
+                        </a:rPr>
+                        <a:t>'  </a:t>
                       </a:r>
                       <a:r>
                         <a:rPr lang="es-ES" sz="1600" b="1" baseline="0" dirty="0">
@@ -14205,10 +14466,88 @@
                       </a:pPr>
                       <a:r>
                         <a:rPr lang="es-ES" sz="1600" b="1" baseline="0" dirty="0">
-                          <a:latin typeface="Courier New" panose="02070309020205020404" pitchFamily="49" charset="0"/>
-                          <a:cs typeface="Courier New" panose="02070309020205020404" pitchFamily="49" charset="0"/>
-                        </a:rPr>
-                        <a:t>f'{x} / {y} = {x / y:.3}'</a:t>
+                          <a:solidFill>
+                            <a:srgbClr val="C00000"/>
+                          </a:solidFill>
+                          <a:latin typeface="Courier New" panose="02070309020205020404" pitchFamily="49" charset="0"/>
+                          <a:cs typeface="Courier New" panose="02070309020205020404" pitchFamily="49" charset="0"/>
+                        </a:rPr>
+                        <a:t>f</a:t>
+                      </a:r>
+                      <a:r>
+                        <a:rPr lang="es-ES" sz="1600" b="1" baseline="0" dirty="0">
+                          <a:latin typeface="Courier New" panose="02070309020205020404" pitchFamily="49" charset="0"/>
+                          <a:cs typeface="Courier New" panose="02070309020205020404" pitchFamily="49" charset="0"/>
+                        </a:rPr>
+                        <a:t>'</a:t>
+                      </a:r>
+                      <a:r>
+                        <a:rPr lang="es-ES" sz="1600" b="1" baseline="0" dirty="0">
+                          <a:solidFill>
+                            <a:srgbClr val="C00000"/>
+                          </a:solidFill>
+                          <a:latin typeface="Courier New" panose="02070309020205020404" pitchFamily="49" charset="0"/>
+                          <a:cs typeface="Courier New" panose="02070309020205020404" pitchFamily="49" charset="0"/>
+                        </a:rPr>
+                        <a:t>{</a:t>
+                      </a:r>
+                      <a:r>
+                        <a:rPr lang="es-ES" sz="1600" b="1" baseline="0" dirty="0">
+                          <a:latin typeface="Courier New" panose="02070309020205020404" pitchFamily="49" charset="0"/>
+                          <a:cs typeface="Courier New" panose="02070309020205020404" pitchFamily="49" charset="0"/>
+                        </a:rPr>
+                        <a:t>x</a:t>
+                      </a:r>
+                      <a:r>
+                        <a:rPr lang="es-ES" sz="1600" b="1" baseline="0" dirty="0">
+                          <a:solidFill>
+                            <a:srgbClr val="C00000"/>
+                          </a:solidFill>
+                          <a:latin typeface="Courier New" panose="02070309020205020404" pitchFamily="49" charset="0"/>
+                          <a:cs typeface="Courier New" panose="02070309020205020404" pitchFamily="49" charset="0"/>
+                        </a:rPr>
+                        <a:t>}</a:t>
+                      </a:r>
+                      <a:r>
+                        <a:rPr lang="es-ES" sz="1600" b="1" baseline="0" dirty="0">
+                          <a:latin typeface="Courier New" panose="02070309020205020404" pitchFamily="49" charset="0"/>
+                          <a:cs typeface="Courier New" panose="02070309020205020404" pitchFamily="49" charset="0"/>
+                        </a:rPr>
+                        <a:t> / </a:t>
+                      </a:r>
+                      <a:r>
+                        <a:rPr lang="es-ES" sz="1600" b="1" baseline="0" dirty="0">
+                          <a:solidFill>
+                            <a:srgbClr val="C00000"/>
+                          </a:solidFill>
+                          <a:latin typeface="Courier New" panose="02070309020205020404" pitchFamily="49" charset="0"/>
+                          <a:cs typeface="Courier New" panose="02070309020205020404" pitchFamily="49" charset="0"/>
+                        </a:rPr>
+                        <a:t>{</a:t>
+                      </a:r>
+                      <a:r>
+                        <a:rPr lang="es-ES" sz="1600" b="1" baseline="0" dirty="0">
+                          <a:latin typeface="Courier New" panose="02070309020205020404" pitchFamily="49" charset="0"/>
+                          <a:cs typeface="Courier New" panose="02070309020205020404" pitchFamily="49" charset="0"/>
+                        </a:rPr>
+                        <a:t>y</a:t>
+                      </a:r>
+                      <a:r>
+                        <a:rPr lang="es-ES" sz="1600" b="1" baseline="0" dirty="0">
+                          <a:solidFill>
+                            <a:srgbClr val="C00000"/>
+                          </a:solidFill>
+                          <a:latin typeface="Courier New" panose="02070309020205020404" pitchFamily="49" charset="0"/>
+                          <a:cs typeface="Courier New" panose="02070309020205020404" pitchFamily="49" charset="0"/>
+                        </a:rPr>
+                        <a:t>}</a:t>
+                      </a:r>
+                      <a:r>
+                        <a:rPr lang="es-ES" sz="1600" b="1" baseline="0" dirty="0">
+                          <a:latin typeface="Courier New" panose="02070309020205020404" pitchFamily="49" charset="0"/>
+                          <a:cs typeface="Courier New" panose="02070309020205020404" pitchFamily="49" charset="0"/>
+                        </a:rPr>
+                        <a:t> = {x / y:.3}'</a:t>
                       </a:r>
                       <a:endParaRPr lang="en-US" sz="1600" b="1" baseline="0" dirty="0">
                         <a:latin typeface="Courier New" panose="02070309020205020404" pitchFamily="49" charset="0"/>
@@ -14273,7 +14612,24 @@
                           <a:latin typeface="Courier New" panose="02070309020205020404" pitchFamily="49" charset="0"/>
                           <a:cs typeface="Courier New" panose="02070309020205020404" pitchFamily="49" charset="0"/>
                         </a:rPr>
-                        <a:t>" + "</a:t>
+                        <a:t>" </a:t>
+                      </a:r>
+                      <a:r>
+                        <a:rPr lang="es-ES" sz="1600" b="1" baseline="0" dirty="0">
+                          <a:solidFill>
+                            <a:srgbClr val="C00000"/>
+                          </a:solidFill>
+                          <a:latin typeface="Courier New" panose="02070309020205020404" pitchFamily="49" charset="0"/>
+                          <a:cs typeface="Courier New" panose="02070309020205020404" pitchFamily="49" charset="0"/>
+                        </a:rPr>
+                        <a:t>+</a:t>
+                      </a:r>
+                      <a:r>
+                        <a:rPr lang="es-ES" sz="1600" b="1" baseline="0" dirty="0">
+                          <a:latin typeface="Courier New" panose="02070309020205020404" pitchFamily="49" charset="0"/>
+                          <a:cs typeface="Courier New" panose="02070309020205020404" pitchFamily="49" charset="0"/>
+                        </a:rPr>
+                        <a:t> "</a:t>
                       </a:r>
                       <a:r>
                         <a:rPr lang="es-ES" sz="1600" b="1" baseline="0" dirty="0" err="1">
@@ -14352,7 +14708,24 @@
                           <a:latin typeface="Courier New" panose="02070309020205020404" pitchFamily="49" charset="0"/>
                           <a:cs typeface="Courier New" panose="02070309020205020404" pitchFamily="49" charset="0"/>
                         </a:rPr>
-                        <a:t>3 * "x--"</a:t>
+                        <a:t>3 </a:t>
+                      </a:r>
+                      <a:r>
+                        <a:rPr lang="es-ES" sz="1600" b="1" baseline="0" dirty="0">
+                          <a:solidFill>
+                            <a:srgbClr val="C00000"/>
+                          </a:solidFill>
+                          <a:latin typeface="Courier New" panose="02070309020205020404" pitchFamily="49" charset="0"/>
+                          <a:cs typeface="Courier New" panose="02070309020205020404" pitchFamily="49" charset="0"/>
+                        </a:rPr>
+                        <a:t>*</a:t>
+                      </a:r>
+                      <a:r>
+                        <a:rPr lang="es-ES" sz="1600" b="1" baseline="0" dirty="0">
+                          <a:latin typeface="Courier New" panose="02070309020205020404" pitchFamily="49" charset="0"/>
+                          <a:cs typeface="Courier New" panose="02070309020205020404" pitchFamily="49" charset="0"/>
+                        </a:rPr>
+                        <a:t> "x--"</a:t>
                       </a:r>
                       <a:endParaRPr lang="en-US" sz="1600" b="1" baseline="0" dirty="0">
                         <a:latin typeface="Courier New" panose="02070309020205020404" pitchFamily="49" charset="0"/>
@@ -14403,7 +14776,24 @@
                           <a:latin typeface="Courier New" panose="02070309020205020404" pitchFamily="49" charset="0"/>
                           <a:cs typeface="Courier New" panose="02070309020205020404" pitchFamily="49" charset="0"/>
                         </a:rPr>
-                        <a:t>0 * "</a:t>
+                        <a:t>0 </a:t>
+                      </a:r>
+                      <a:r>
+                        <a:rPr lang="es-ES" sz="1600" b="1" baseline="0" dirty="0">
+                          <a:solidFill>
+                            <a:srgbClr val="C00000"/>
+                          </a:solidFill>
+                          <a:latin typeface="Courier New" panose="02070309020205020404" pitchFamily="49" charset="0"/>
+                          <a:cs typeface="Courier New" panose="02070309020205020404" pitchFamily="49" charset="0"/>
+                        </a:rPr>
+                        <a:t>*</a:t>
+                      </a:r>
+                      <a:r>
+                        <a:rPr lang="es-ES" sz="1600" b="1" baseline="0" dirty="0">
+                          <a:latin typeface="Courier New" panose="02070309020205020404" pitchFamily="49" charset="0"/>
+                          <a:cs typeface="Courier New" panose="02070309020205020404" pitchFamily="49" charset="0"/>
+                        </a:rPr>
+                        <a:t> "</a:t>
                       </a:r>
                       <a:r>
                         <a:rPr lang="es-ES" sz="1600" b="1" baseline="0" dirty="0" err="1">

--- a/ipsa/slides/operations.pptx
+++ b/ipsa/slides/operations.pptx
@@ -5,7 +5,7 @@
     <p:sldMasterId id="2147483648" r:id="rId1"/>
   </p:sldMasterIdLst>
   <p:notesMasterIdLst>
-    <p:notesMasterId r:id="rId29"/>
+    <p:notesMasterId r:id="rId30"/>
   </p:notesMasterIdLst>
   <p:sldIdLst>
     <p:sldId id="345" r:id="rId2"/>
@@ -27,14 +27,15 @@
     <p:sldId id="438" r:id="rId18"/>
     <p:sldId id="286" r:id="rId19"/>
     <p:sldId id="363" r:id="rId20"/>
-    <p:sldId id="392" r:id="rId21"/>
-    <p:sldId id="445" r:id="rId22"/>
-    <p:sldId id="439" r:id="rId23"/>
-    <p:sldId id="440" r:id="rId24"/>
-    <p:sldId id="285" r:id="rId25"/>
-    <p:sldId id="444" r:id="rId26"/>
-    <p:sldId id="391" r:id="rId27"/>
-    <p:sldId id="443" r:id="rId28"/>
+    <p:sldId id="446" r:id="rId21"/>
+    <p:sldId id="392" r:id="rId22"/>
+    <p:sldId id="445" r:id="rId23"/>
+    <p:sldId id="439" r:id="rId24"/>
+    <p:sldId id="440" r:id="rId25"/>
+    <p:sldId id="285" r:id="rId26"/>
+    <p:sldId id="444" r:id="rId27"/>
+    <p:sldId id="391" r:id="rId28"/>
+    <p:sldId id="443" r:id="rId29"/>
   </p:sldIdLst>
   <p:sldSz cx="12192000" cy="6858000"/>
   <p:notesSz cx="6858000" cy="9144000"/>
@@ -144,7 +145,7 @@
 <file path=ppt/revisionInfo.xml><?xml version="1.0" encoding="utf-8"?>
 <p1510:revInfo xmlns:a="http://schemas.openxmlformats.org/drawingml/2006/main" xmlns:r="http://schemas.openxmlformats.org/officeDocument/2006/relationships" xmlns:p1510="http://schemas.microsoft.com/office/powerpoint/2015/10/main">
   <p1510:revLst>
-    <p1510:client id="{8AE5BBAC-1693-454B-B98D-382185C4CDAF}" v="32" dt="2023-02-04T11:05:44.194"/>
+    <p1510:client id="{56F465E5-64FD-4F2A-935D-395061FAD986}" v="67" dt="2024-02-04T19:35:03.751"/>
   </p1510:revLst>
 </p1510:revInfo>
 </file>
@@ -407,6 +408,115 @@
     </pc:docChg>
   </pc:docChgLst>
   <pc:docChgLst>
+    <pc:chgData name="Gerth Stølting Brodal" userId="04ef4784-6591-4f86-a140-f5c3b108582a" providerId="ADAL" clId="{56F465E5-64FD-4F2A-935D-395061FAD986}"/>
+    <pc:docChg chg="undo redo custSel addSld modSld">
+      <pc:chgData name="Gerth Stølting Brodal" userId="04ef4784-6591-4f86-a140-f5c3b108582a" providerId="ADAL" clId="{56F465E5-64FD-4F2A-935D-395061FAD986}" dt="2024-02-04T19:35:03.751" v="670" actId="20577"/>
+      <pc:docMkLst>
+        <pc:docMk/>
+      </pc:docMkLst>
+      <pc:sldChg chg="modSp mod modNotesTx">
+        <pc:chgData name="Gerth Stølting Brodal" userId="04ef4784-6591-4f86-a140-f5c3b108582a" providerId="ADAL" clId="{56F465E5-64FD-4F2A-935D-395061FAD986}" dt="2024-02-04T19:34:30.157" v="663" actId="313"/>
+        <pc:sldMkLst>
+          <pc:docMk/>
+          <pc:sldMk cId="2761965666" sldId="363"/>
+        </pc:sldMkLst>
+        <pc:spChg chg="mod">
+          <ac:chgData name="Gerth Stølting Brodal" userId="04ef4784-6591-4f86-a140-f5c3b108582a" providerId="ADAL" clId="{56F465E5-64FD-4F2A-935D-395061FAD986}" dt="2024-02-04T18:51:08.656" v="12" actId="6549"/>
+          <ac:spMkLst>
+            <pc:docMk/>
+            <pc:sldMk cId="2761965666" sldId="363"/>
+            <ac:spMk id="9" creationId="{00000000-0000-0000-0000-000000000000}"/>
+          </ac:spMkLst>
+        </pc:spChg>
+        <pc:graphicFrameChg chg="modGraphic">
+          <ac:chgData name="Gerth Stølting Brodal" userId="04ef4784-6591-4f86-a140-f5c3b108582a" providerId="ADAL" clId="{56F465E5-64FD-4F2A-935D-395061FAD986}" dt="2024-02-04T19:34:30.157" v="663" actId="313"/>
+          <ac:graphicFrameMkLst>
+            <pc:docMk/>
+            <pc:sldMk cId="2761965666" sldId="363"/>
+            <ac:graphicFrameMk id="8" creationId="{00000000-0000-0000-0000-000000000000}"/>
+          </ac:graphicFrameMkLst>
+        </pc:graphicFrameChg>
+      </pc:sldChg>
+      <pc:sldChg chg="modSp mod">
+        <pc:chgData name="Gerth Stølting Brodal" userId="04ef4784-6591-4f86-a140-f5c3b108582a" providerId="ADAL" clId="{56F465E5-64FD-4F2A-935D-395061FAD986}" dt="2024-02-04T18:47:10.141" v="10" actId="20577"/>
+        <pc:sldMkLst>
+          <pc:docMk/>
+          <pc:sldMk cId="3808754555" sldId="372"/>
+        </pc:sldMkLst>
+        <pc:spChg chg="mod">
+          <ac:chgData name="Gerth Stølting Brodal" userId="04ef4784-6591-4f86-a140-f5c3b108582a" providerId="ADAL" clId="{56F465E5-64FD-4F2A-935D-395061FAD986}" dt="2024-02-04T18:47:10.141" v="10" actId="20577"/>
+          <ac:spMkLst>
+            <pc:docMk/>
+            <pc:sldMk cId="3808754555" sldId="372"/>
+            <ac:spMk id="3" creationId="{00000000-0000-0000-0000-000000000000}"/>
+          </ac:spMkLst>
+        </pc:spChg>
+      </pc:sldChg>
+      <pc:sldChg chg="modSp mod">
+        <pc:chgData name="Gerth Stølting Brodal" userId="04ef4784-6591-4f86-a140-f5c3b108582a" providerId="ADAL" clId="{56F465E5-64FD-4F2A-935D-395061FAD986}" dt="2024-02-02T12:05:25.839" v="3" actId="6549"/>
+        <pc:sldMkLst>
+          <pc:docMk/>
+          <pc:sldMk cId="4003465609" sldId="445"/>
+        </pc:sldMkLst>
+        <pc:graphicFrameChg chg="modGraphic">
+          <ac:chgData name="Gerth Stølting Brodal" userId="04ef4784-6591-4f86-a140-f5c3b108582a" providerId="ADAL" clId="{56F465E5-64FD-4F2A-935D-395061FAD986}" dt="2024-02-02T12:05:25.839" v="3" actId="6549"/>
+          <ac:graphicFrameMkLst>
+            <pc:docMk/>
+            <pc:sldMk cId="4003465609" sldId="445"/>
+            <ac:graphicFrameMk id="6" creationId="{16A6ED07-F050-B0E1-8313-E3A78881EFE5}"/>
+          </ac:graphicFrameMkLst>
+        </pc:graphicFrameChg>
+      </pc:sldChg>
+      <pc:sldChg chg="addSp modSp new mod modAnim modNotesTx">
+        <pc:chgData name="Gerth Stølting Brodal" userId="04ef4784-6591-4f86-a140-f5c3b108582a" providerId="ADAL" clId="{56F465E5-64FD-4F2A-935D-395061FAD986}" dt="2024-02-04T19:35:03.751" v="670" actId="20577"/>
+        <pc:sldMkLst>
+          <pc:docMk/>
+          <pc:sldMk cId="4179547408" sldId="446"/>
+        </pc:sldMkLst>
+        <pc:spChg chg="mod">
+          <ac:chgData name="Gerth Stølting Brodal" userId="04ef4784-6591-4f86-a140-f5c3b108582a" providerId="ADAL" clId="{56F465E5-64FD-4F2A-935D-395061FAD986}" dt="2024-02-04T19:21:02.270" v="635" actId="20577"/>
+          <ac:spMkLst>
+            <pc:docMk/>
+            <pc:sldMk cId="4179547408" sldId="446"/>
+            <ac:spMk id="2" creationId="{19AE9108-3205-9EB6-BEF3-A32540F39AFC}"/>
+          </ac:spMkLst>
+        </pc:spChg>
+        <pc:spChg chg="mod">
+          <ac:chgData name="Gerth Stølting Brodal" userId="04ef4784-6591-4f86-a140-f5c3b108582a" providerId="ADAL" clId="{56F465E5-64FD-4F2A-935D-395061FAD986}" dt="2024-02-04T19:35:03.751" v="670" actId="20577"/>
+          <ac:spMkLst>
+            <pc:docMk/>
+            <pc:sldMk cId="4179547408" sldId="446"/>
+            <ac:spMk id="3" creationId="{B961D846-31C1-1F84-A347-4978C8C5E7FE}"/>
+          </ac:spMkLst>
+        </pc:spChg>
+        <pc:spChg chg="add mod">
+          <ac:chgData name="Gerth Stølting Brodal" userId="04ef4784-6591-4f86-a140-f5c3b108582a" providerId="ADAL" clId="{56F465E5-64FD-4F2A-935D-395061FAD986}" dt="2024-02-04T19:23:27.896" v="659" actId="1076"/>
+          <ac:spMkLst>
+            <pc:docMk/>
+            <pc:sldMk cId="4179547408" sldId="446"/>
+            <ac:spMk id="5" creationId="{DE1A517F-9AE3-9B0A-52FF-B625F2865B8B}"/>
+          </ac:spMkLst>
+        </pc:spChg>
+        <pc:graphicFrameChg chg="add mod modGraphic">
+          <ac:chgData name="Gerth Stølting Brodal" userId="04ef4784-6591-4f86-a140-f5c3b108582a" providerId="ADAL" clId="{56F465E5-64FD-4F2A-935D-395061FAD986}" dt="2024-02-04T19:23:27.896" v="659" actId="1076"/>
+          <ac:graphicFrameMkLst>
+            <pc:docMk/>
+            <pc:sldMk cId="4179547408" sldId="446"/>
+            <ac:graphicFrameMk id="4" creationId="{EE6745CC-789B-67DC-601B-568E63AF1905}"/>
+          </ac:graphicFrameMkLst>
+        </pc:graphicFrameChg>
+        <pc:picChg chg="add mod">
+          <ac:chgData name="Gerth Stølting Brodal" userId="04ef4784-6591-4f86-a140-f5c3b108582a" providerId="ADAL" clId="{56F465E5-64FD-4F2A-935D-395061FAD986}" dt="2024-02-04T19:21:53.829" v="642" actId="1076"/>
+          <ac:picMkLst>
+            <pc:docMk/>
+            <pc:sldMk cId="4179547408" sldId="446"/>
+            <ac:picMk id="6" creationId="{BC49D55E-DBEF-D87D-C77B-BA8A9E026885}"/>
+          </ac:picMkLst>
+        </pc:picChg>
+      </pc:sldChg>
+    </pc:docChg>
+  </pc:docChgLst>
+  <pc:docChgLst>
     <pc:chgData name="Gerth Stølting Brodal" userId="04ef4784-6591-4f86-a140-f5c3b108582a" providerId="ADAL" clId="{172B73B0-B8C1-4702-9D4D-C752051A4849}"/>
     <pc:docChg chg="custSel modSld">
       <pc:chgData name="Gerth Stølting Brodal" userId="04ef4784-6591-4f86-a140-f5c3b108582a" providerId="ADAL" clId="{172B73B0-B8C1-4702-9D4D-C752051A4849}" dt="2022-04-07T17:48:48.997" v="202" actId="20577"/>
@@ -555,7 +665,7 @@
           <a:p>
             <a:fld id="{FB1A172F-81D4-4DC4-9113-1DBD56EC3646}" type="datetimeFigureOut">
               <a:rPr lang="en-US" smtClean="0"/>
-              <a:t>2/8/2023</a:t>
+              <a:t>2/4/2024</a:t>
             </a:fld>
             <a:endParaRPr lang="en-US"/>
           </a:p>
@@ -984,6 +1094,132 @@
           <a:bodyPr/>
           <a:lstStyle/>
           <a:p>
+            <a:r>
+              <a:rPr lang="en-US" dirty="0"/>
+              <a:t>is,</a:t>
+            </a:r>
+            <a:r>
+              <a:rPr lang="en-US" baseline="0" dirty="0"/>
+              <a:t> is not ...</a:t>
+            </a:r>
+          </a:p>
+          <a:p>
+            <a:r>
+              <a:rPr lang="en-US" baseline="0" dirty="0"/>
+              <a:t>in, not in ... </a:t>
+            </a:r>
+            <a:endParaRPr lang="en-US" dirty="0"/>
+          </a:p>
+          <a:p>
+            <a:r>
+              <a:rPr lang="en-US" dirty="0"/>
+              <a:t>@ matrix multiplication (for</a:t>
+            </a:r>
+            <a:r>
+              <a:rPr lang="en-US" baseline="0" dirty="0"/>
+              <a:t> </a:t>
+            </a:r>
+            <a:r>
+              <a:rPr lang="en-US" baseline="0" dirty="0" err="1"/>
+              <a:t>numpy</a:t>
+            </a:r>
+            <a:r>
+              <a:rPr lang="en-US" baseline="0" dirty="0"/>
+              <a:t>)</a:t>
+            </a:r>
+            <a:endParaRPr lang="en-US" dirty="0"/>
+          </a:p>
+          <a:p>
+            <a:endParaRPr lang="en-US" dirty="0"/>
+          </a:p>
+          <a:p>
+            <a:r>
+              <a:rPr lang="en-US" dirty="0"/>
+              <a:t>https://docs.python.org/3/reference/expressions.html#summary</a:t>
+            </a:r>
+          </a:p>
+        </p:txBody>
+      </p:sp>
+      <p:sp>
+        <p:nvSpPr>
+          <p:cNvPr id="4" name="Slide Number Placeholder 3"/>
+          <p:cNvSpPr>
+            <a:spLocks noGrp="1"/>
+          </p:cNvSpPr>
+          <p:nvPr>
+            <p:ph type="sldNum" sz="quarter" idx="10"/>
+          </p:nvPr>
+        </p:nvSpPr>
+        <p:spPr/>
+        <p:txBody>
+          <a:bodyPr/>
+          <a:lstStyle/>
+          <a:p>
+            <a:fld id="{CD563DD8-32AB-41BE-B1C6-8EAC45222ACE}" type="slidenum">
+              <a:rPr lang="en-US" smtClean="0"/>
+              <a:t>25</a:t>
+            </a:fld>
+            <a:endParaRPr lang="en-US"/>
+          </a:p>
+        </p:txBody>
+      </p:sp>
+    </p:spTree>
+    <p:extLst>
+      <p:ext uri="{BB962C8B-B14F-4D97-AF65-F5344CB8AC3E}">
+        <p14:creationId xmlns:p14="http://schemas.microsoft.com/office/powerpoint/2010/main" val="1288328173"/>
+      </p:ext>
+    </p:extLst>
+  </p:cSld>
+  <p:clrMapOvr>
+    <a:masterClrMapping/>
+  </p:clrMapOvr>
+</p:notes>
+</file>
+
+<file path=ppt/notesSlides/notesSlide11.xml><?xml version="1.0" encoding="utf-8"?>
+<p:notes xmlns:a="http://schemas.openxmlformats.org/drawingml/2006/main" xmlns:r="http://schemas.openxmlformats.org/officeDocument/2006/relationships" xmlns:p="http://schemas.openxmlformats.org/presentationml/2006/main">
+  <p:cSld>
+    <p:spTree>
+      <p:nvGrpSpPr>
+        <p:cNvPr id="1" name=""/>
+        <p:cNvGrpSpPr/>
+        <p:nvPr/>
+      </p:nvGrpSpPr>
+      <p:grpSpPr>
+        <a:xfrm>
+          <a:off x="0" y="0"/>
+          <a:ext cx="0" cy="0"/>
+          <a:chOff x="0" y="0"/>
+          <a:chExt cx="0" cy="0"/>
+        </a:xfrm>
+      </p:grpSpPr>
+      <p:sp>
+        <p:nvSpPr>
+          <p:cNvPr id="2" name="Slide Image Placeholder 1"/>
+          <p:cNvSpPr>
+            <a:spLocks noGrp="1" noRot="1" noChangeAspect="1"/>
+          </p:cNvSpPr>
+          <p:nvPr>
+            <p:ph type="sldImg"/>
+          </p:nvPr>
+        </p:nvSpPr>
+        <p:spPr/>
+      </p:sp>
+      <p:sp>
+        <p:nvSpPr>
+          <p:cNvPr id="3" name="Notes Placeholder 2"/>
+          <p:cNvSpPr>
+            <a:spLocks noGrp="1"/>
+          </p:cNvSpPr>
+          <p:nvPr>
+            <p:ph type="body" idx="1"/>
+          </p:nvPr>
+        </p:nvSpPr>
+        <p:spPr/>
+        <p:txBody>
+          <a:bodyPr/>
+          <a:lstStyle/>
+          <a:p>
             <a:pPr marL="0" marR="0" lvl="0" indent="0" algn="l" defTabSz="914400" rtl="0" eaLnBrk="1" fontAlgn="auto" latinLnBrk="0" hangingPunct="1">
               <a:lnSpc>
                 <a:spcPct val="100000"/>
@@ -1053,7 +1289,7 @@
           <a:p>
             <a:fld id="{CD563DD8-32AB-41BE-B1C6-8EAC45222ACE}" type="slidenum">
               <a:rPr lang="en-US" smtClean="0"/>
-              <a:t>27</a:t>
+              <a:t>28</a:t>
             </a:fld>
             <a:endParaRPr lang="en-US"/>
           </a:p>
@@ -1633,16 +1869,57 @@
           <a:p>
             <a:r>
               <a:rPr lang="da-DK" dirty="0"/>
-              <a:t>f'et tal </a:t>
-            </a:r>
-            <a:r>
-              <a:rPr lang="da-DK"/>
-              <a:t>{1/3 = :.{</a:t>
-            </a:r>
+              <a:t>f'et tal {1/3 = :.{decimaler}}’</a:t>
+            </a:r>
+          </a:p>
+          <a:p>
             <a:r>
               <a:rPr lang="da-DK" dirty="0"/>
-              <a:t>decimaler}}'</a:t>
-            </a:r>
+              <a:t>.format </a:t>
+            </a:r>
+            <a:r>
+              <a:rPr lang="da-DK" dirty="0" err="1"/>
+              <a:t>useful</a:t>
+            </a:r>
+            <a:r>
+              <a:rPr lang="da-DK" dirty="0"/>
+              <a:t> </a:t>
+            </a:r>
+            <a:r>
+              <a:rPr lang="da-DK" dirty="0" err="1"/>
+              <a:t>when</a:t>
+            </a:r>
+            <a:r>
+              <a:rPr lang="da-DK" dirty="0"/>
+              <a:t> same </a:t>
+            </a:r>
+            <a:r>
+              <a:rPr lang="da-DK" dirty="0" err="1"/>
+              <a:t>value</a:t>
+            </a:r>
+            <a:r>
+              <a:rPr lang="da-DK" dirty="0"/>
+              <a:t> has to </a:t>
+            </a:r>
+            <a:r>
+              <a:rPr lang="da-DK" dirty="0" err="1"/>
+              <a:t>be</a:t>
+            </a:r>
+            <a:r>
+              <a:rPr lang="da-DK" dirty="0"/>
+              <a:t> </a:t>
+            </a:r>
+            <a:r>
+              <a:rPr lang="da-DK" dirty="0" err="1"/>
+              <a:t>inserted</a:t>
+            </a:r>
+            <a:r>
+              <a:rPr lang="da-DK" dirty="0"/>
+              <a:t> multiple times: '{1} {1} {0}'.format('abc', 42)</a:t>
+            </a:r>
+          </a:p>
+          <a:p>
+            <a:endParaRPr lang="da-DK" dirty="0"/>
           </a:p>
           <a:p>
             <a:endParaRPr lang="da-DK" dirty="0"/>
@@ -1729,44 +2006,43 @@
           <a:bodyPr/>
           <a:lstStyle/>
           <a:p>
-            <a:pPr marL="0" marR="0" lvl="0" indent="0" algn="l" defTabSz="914400" rtl="0" eaLnBrk="1" fontAlgn="auto" latinLnBrk="0" hangingPunct="1">
-              <a:lnSpc>
-                <a:spcPct val="100000"/>
-              </a:lnSpc>
-              <a:spcBef>
-                <a:spcPts val="0"/>
-              </a:spcBef>
-              <a:spcAft>
-                <a:spcPts val="0"/>
-              </a:spcAft>
-              <a:buClrTx/>
-              <a:buSzTx/>
-              <a:buFontTx/>
-              <a:buNone/>
-              <a:tabLst/>
-              <a:defRPr/>
-            </a:pPr>
-            <a:r>
-              <a:rPr lang="en-US" dirty="0">
-                <a:latin typeface="Courier"/>
-              </a:rPr>
-              <a:t>for i in range(256): print(i, "'" + </a:t>
-            </a:r>
-            <a:r>
-              <a:rPr lang="en-US" dirty="0" err="1">
-                <a:latin typeface="Courier"/>
-              </a:rPr>
-              <a:t>chr</a:t>
-            </a:r>
-            <a:r>
-              <a:rPr lang="en-US" dirty="0">
-                <a:latin typeface="Courier"/>
-              </a:rPr>
-              <a:t>(i) + "'")</a:t>
-            </a:r>
-          </a:p>
-          <a:p>
-            <a:endParaRPr lang="en-US" dirty="0"/>
+            <a:r>
+              <a:rPr lang="da-DK" dirty="0" err="1"/>
+              <a:t>Javascript</a:t>
+            </a:r>
+            <a:r>
+              <a:rPr lang="da-DK" dirty="0"/>
+              <a:t> </a:t>
+            </a:r>
+            <a:r>
+              <a:rPr lang="da-DK" dirty="0" err="1"/>
+              <a:t>example</a:t>
+            </a:r>
+            <a:r>
+              <a:rPr lang="da-DK" dirty="0"/>
+              <a:t>: Open Google Chrome + F12 + Console: ‘abc’ + 42</a:t>
+            </a:r>
+          </a:p>
+          <a:p>
+            <a:endParaRPr lang="da-DK" dirty="0"/>
+          </a:p>
+          <a:p>
+            <a:r>
+              <a:rPr lang="da-DK" dirty="0" err="1"/>
+              <a:t>document.body.style.background</a:t>
+            </a:r>
+            <a:r>
+              <a:rPr lang="da-DK" dirty="0"/>
+              <a:t> = '</a:t>
+            </a:r>
+            <a:r>
+              <a:rPr lang="da-DK" dirty="0" err="1"/>
+              <a:t>lightblue</a:t>
+            </a:r>
+            <a:r>
+              <a:rPr lang="da-DK" dirty="0"/>
+              <a:t>'</a:t>
+            </a:r>
           </a:p>
         </p:txBody>
       </p:sp>
@@ -1777,7 +2053,7 @@
             <a:spLocks noGrp="1"/>
           </p:cNvSpPr>
           <p:nvPr>
-            <p:ph type="sldNum" sz="quarter" idx="10"/>
+            <p:ph type="sldNum" sz="quarter" idx="5"/>
           </p:nvPr>
         </p:nvSpPr>
         <p:spPr/>
@@ -1796,7 +2072,7 @@
     </p:spTree>
     <p:extLst>
       <p:ext uri="{BB962C8B-B14F-4D97-AF65-F5344CB8AC3E}">
-        <p14:creationId xmlns:p14="http://schemas.microsoft.com/office/powerpoint/2010/main" val="2331057724"/>
+        <p14:creationId xmlns:p14="http://schemas.microsoft.com/office/powerpoint/2010/main" val="744337484"/>
       </p:ext>
     </p:extLst>
   </p:cSld>
@@ -1850,49 +2126,44 @@
           <a:bodyPr/>
           <a:lstStyle/>
           <a:p>
-            <a:r>
-              <a:rPr lang="en-US" dirty="0"/>
-              <a:t>is,</a:t>
-            </a:r>
-            <a:r>
-              <a:rPr lang="en-US" baseline="0" dirty="0"/>
-              <a:t> is not ...</a:t>
-            </a:r>
-          </a:p>
-          <a:p>
-            <a:r>
-              <a:rPr lang="en-US" baseline="0" dirty="0"/>
-              <a:t>in, not in ... </a:t>
-            </a:r>
+            <a:pPr marL="0" marR="0" lvl="0" indent="0" algn="l" defTabSz="914400" rtl="0" eaLnBrk="1" fontAlgn="auto" latinLnBrk="0" hangingPunct="1">
+              <a:lnSpc>
+                <a:spcPct val="100000"/>
+              </a:lnSpc>
+              <a:spcBef>
+                <a:spcPts val="0"/>
+              </a:spcBef>
+              <a:spcAft>
+                <a:spcPts val="0"/>
+              </a:spcAft>
+              <a:buClrTx/>
+              <a:buSzTx/>
+              <a:buFontTx/>
+              <a:buNone/>
+              <a:tabLst/>
+              <a:defRPr/>
+            </a:pPr>
+            <a:r>
+              <a:rPr lang="en-US" dirty="0">
+                <a:latin typeface="Courier"/>
+              </a:rPr>
+              <a:t>for i in range(256): print(i, "'" + </a:t>
+            </a:r>
+            <a:r>
+              <a:rPr lang="en-US" dirty="0" err="1">
+                <a:latin typeface="Courier"/>
+              </a:rPr>
+              <a:t>chr</a:t>
+            </a:r>
+            <a:r>
+              <a:rPr lang="en-US" dirty="0">
+                <a:latin typeface="Courier"/>
+              </a:rPr>
+              <a:t>(i) + "'")</a:t>
+            </a:r>
+          </a:p>
+          <a:p>
             <a:endParaRPr lang="en-US" dirty="0"/>
-          </a:p>
-          <a:p>
-            <a:r>
-              <a:rPr lang="en-US" dirty="0"/>
-              <a:t>@ matrix multiplication (for</a:t>
-            </a:r>
-            <a:r>
-              <a:rPr lang="en-US" baseline="0" dirty="0"/>
-              <a:t> </a:t>
-            </a:r>
-            <a:r>
-              <a:rPr lang="en-US" baseline="0" dirty="0" err="1"/>
-              <a:t>numpy</a:t>
-            </a:r>
-            <a:r>
-              <a:rPr lang="en-US" baseline="0" dirty="0"/>
-              <a:t>)</a:t>
-            </a:r>
-            <a:endParaRPr lang="en-US" dirty="0"/>
-          </a:p>
-          <a:p>
-            <a:endParaRPr lang="en-US" dirty="0"/>
-          </a:p>
-          <a:p>
-            <a:r>
-              <a:rPr lang="en-US" dirty="0"/>
-              <a:t>https://docs.python.org/3/reference/expressions.html#summary</a:t>
-            </a:r>
           </a:p>
         </p:txBody>
       </p:sp>
@@ -1913,7 +2184,7 @@
           <a:p>
             <a:fld id="{CD563DD8-32AB-41BE-B1C6-8EAC45222ACE}" type="slidenum">
               <a:rPr lang="en-US" smtClean="0"/>
-              <a:t>24</a:t>
+              <a:t>21</a:t>
             </a:fld>
             <a:endParaRPr lang="en-US"/>
           </a:p>
@@ -1922,7 +2193,7 @@
     </p:spTree>
     <p:extLst>
       <p:ext uri="{BB962C8B-B14F-4D97-AF65-F5344CB8AC3E}">
-        <p14:creationId xmlns:p14="http://schemas.microsoft.com/office/powerpoint/2010/main" val="1288328173"/>
+        <p14:creationId xmlns:p14="http://schemas.microsoft.com/office/powerpoint/2010/main" val="2331057724"/>
       </p:ext>
     </p:extLst>
   </p:cSld>
@@ -2069,7 +2340,7 @@
           <a:p>
             <a:fld id="{0560A9CD-0304-4E0B-9E82-E7E0115DE05B}" type="datetimeFigureOut">
               <a:rPr lang="en-US" smtClean="0"/>
-              <a:t>2/8/2023</a:t>
+              <a:t>2/4/2024</a:t>
             </a:fld>
             <a:endParaRPr lang="en-US"/>
           </a:p>
@@ -2237,7 +2508,7 @@
           <a:p>
             <a:fld id="{0560A9CD-0304-4E0B-9E82-E7E0115DE05B}" type="datetimeFigureOut">
               <a:rPr lang="en-US" smtClean="0"/>
-              <a:t>2/8/2023</a:t>
+              <a:t>2/4/2024</a:t>
             </a:fld>
             <a:endParaRPr lang="en-US"/>
           </a:p>
@@ -2415,7 +2686,7 @@
           <a:p>
             <a:fld id="{0560A9CD-0304-4E0B-9E82-E7E0115DE05B}" type="datetimeFigureOut">
               <a:rPr lang="en-US" smtClean="0"/>
-              <a:t>2/8/2023</a:t>
+              <a:t>2/4/2024</a:t>
             </a:fld>
             <a:endParaRPr lang="en-US"/>
           </a:p>
@@ -2592,7 +2863,7 @@
           <a:p>
             <a:fld id="{0560A9CD-0304-4E0B-9E82-E7E0115DE05B}" type="datetimeFigureOut">
               <a:rPr lang="en-US" smtClean="0"/>
-              <a:t>2/8/2023</a:t>
+              <a:t>2/4/2024</a:t>
             </a:fld>
             <a:endParaRPr lang="en-US"/>
           </a:p>
@@ -2837,7 +3108,7 @@
           <a:p>
             <a:fld id="{0560A9CD-0304-4E0B-9E82-E7E0115DE05B}" type="datetimeFigureOut">
               <a:rPr lang="en-US" smtClean="0"/>
-              <a:t>2/8/2023</a:t>
+              <a:t>2/4/2024</a:t>
             </a:fld>
             <a:endParaRPr lang="en-US"/>
           </a:p>
@@ -3066,7 +3337,7 @@
           <a:p>
             <a:fld id="{0560A9CD-0304-4E0B-9E82-E7E0115DE05B}" type="datetimeFigureOut">
               <a:rPr lang="en-US" smtClean="0"/>
-              <a:t>2/8/2023</a:t>
+              <a:t>2/4/2024</a:t>
             </a:fld>
             <a:endParaRPr lang="en-US"/>
           </a:p>
@@ -3430,7 +3701,7 @@
           <a:p>
             <a:fld id="{0560A9CD-0304-4E0B-9E82-E7E0115DE05B}" type="datetimeFigureOut">
               <a:rPr lang="en-US" smtClean="0"/>
-              <a:t>2/8/2023</a:t>
+              <a:t>2/4/2024</a:t>
             </a:fld>
             <a:endParaRPr lang="en-US"/>
           </a:p>
@@ -3547,7 +3818,7 @@
           <a:p>
             <a:fld id="{0560A9CD-0304-4E0B-9E82-E7E0115DE05B}" type="datetimeFigureOut">
               <a:rPr lang="en-US" smtClean="0"/>
-              <a:t>2/8/2023</a:t>
+              <a:t>2/4/2024</a:t>
             </a:fld>
             <a:endParaRPr lang="en-US"/>
           </a:p>
@@ -3642,7 +3913,7 @@
           <a:p>
             <a:fld id="{0560A9CD-0304-4E0B-9E82-E7E0115DE05B}" type="datetimeFigureOut">
               <a:rPr lang="en-US" smtClean="0"/>
-              <a:t>2/8/2023</a:t>
+              <a:t>2/4/2024</a:t>
             </a:fld>
             <a:endParaRPr lang="en-US"/>
           </a:p>
@@ -3917,7 +4188,7 @@
           <a:p>
             <a:fld id="{0560A9CD-0304-4E0B-9E82-E7E0115DE05B}" type="datetimeFigureOut">
               <a:rPr lang="en-US" smtClean="0"/>
-              <a:t>2/8/2023</a:t>
+              <a:t>2/4/2024</a:t>
             </a:fld>
             <a:endParaRPr lang="en-US"/>
           </a:p>
@@ -4169,7 +4440,7 @@
           <a:p>
             <a:fld id="{0560A9CD-0304-4E0B-9E82-E7E0115DE05B}" type="datetimeFigureOut">
               <a:rPr lang="en-US" smtClean="0"/>
-              <a:t>2/8/2023</a:t>
+              <a:t>2/4/2024</a:t>
             </a:fld>
             <a:endParaRPr lang="en-US"/>
           </a:p>
@@ -4380,7 +4651,7 @@
           <a:p>
             <a:fld id="{0560A9CD-0304-4E0B-9E82-E7E0115DE05B}" type="datetimeFigureOut">
               <a:rPr lang="en-US" smtClean="0"/>
-              <a:t>2/8/2023</a:t>
+              <a:t>2/4/2024</a:t>
             </a:fld>
             <a:endParaRPr lang="en-US"/>
           </a:p>
@@ -9049,14 +9320,11 @@
               </a:rPr>
               <a:t>	False, None, 0, 0.0, "", []</a:t>
             </a:r>
-            <a:r>
-              <a:rPr lang="en-US" sz="2000" dirty="0">
-                <a:solidFill>
-                  <a:srgbClr val="C00000"/>
-                </a:solidFill>
-              </a:rPr>
-              <a:t>, ...</a:t>
-            </a:r>
+            <a:endParaRPr lang="en-US" sz="2000" dirty="0">
+              <a:solidFill>
+                <a:srgbClr val="C00000"/>
+              </a:solidFill>
+            </a:endParaRPr>
           </a:p>
           <a:p>
             <a:pPr marL="457200" lvl="1" indent="0">
@@ -13524,7 +13792,7 @@
           <p:nvPr>
             <p:extLst>
               <p:ext uri="{D42A27DB-BD31-4B8C-83A1-F6EECF244321}">
-                <p14:modId xmlns:p14="http://schemas.microsoft.com/office/powerpoint/2010/main" val="3122193394"/>
+                <p14:modId xmlns:p14="http://schemas.microsoft.com/office/powerpoint/2010/main" val="613275363"/>
               </p:ext>
             </p:extLst>
           </p:nvPr>
@@ -13833,7 +14101,7 @@
                           <a:latin typeface="Courier New" panose="02070309020205020404" pitchFamily="49" charset="0"/>
                           <a:cs typeface="Courier New" panose="02070309020205020404" pitchFamily="49" charset="0"/>
                         </a:rPr>
-                        <a:t>X, y = 2, 3</a:t>
+                        <a:t>x, y = 2, 3</a:t>
                       </a:r>
                     </a:p>
                     <a:p>
@@ -14933,7 +15201,7 @@
             <a:pPr algn="ctr"/>
             <a:r>
               <a:rPr lang="en-US" dirty="0"/>
-              <a:t>% formatting (inherited from C’s sprint() function) was supposed to be on the way out - but is still going strong in Python 3.11</a:t>
+              <a:t>% formatting (inherited from C’s sprint() function) was supposed to be on the way out - but is still going strong in Python 3.12</a:t>
             </a:r>
           </a:p>
         </p:txBody>
@@ -15865,6 +16133,812 @@
       </p:grpSpPr>
       <p:sp>
         <p:nvSpPr>
+          <p:cNvPr id="2" name="Title 1">
+            <a:extLst>
+              <a:ext uri="{FF2B5EF4-FFF2-40B4-BE49-F238E27FC236}">
+                <a16:creationId xmlns:a16="http://schemas.microsoft.com/office/drawing/2014/main" id="{19AE9108-3205-9EB6-BEF3-A32540F39AFC}"/>
+              </a:ext>
+            </a:extLst>
+          </p:cNvPr>
+          <p:cNvSpPr>
+            <a:spLocks noGrp="1"/>
+          </p:cNvSpPr>
+          <p:nvPr>
+            <p:ph type="title"/>
+          </p:nvPr>
+        </p:nvSpPr>
+        <p:spPr/>
+        <p:txBody>
+          <a:bodyPr/>
+          <a:lstStyle/>
+          <a:p>
+            <a:r>
+              <a:rPr lang="da-DK" dirty="0"/>
+              <a:t>Python </a:t>
+            </a:r>
+            <a:r>
+              <a:rPr lang="da-DK" dirty="0" err="1"/>
+              <a:t>does</a:t>
+            </a:r>
+            <a:r>
+              <a:rPr lang="da-DK" dirty="0"/>
+              <a:t> not </a:t>
+            </a:r>
+            <a:r>
+              <a:rPr lang="da-DK" dirty="0" err="1"/>
+              <a:t>automatic</a:t>
+            </a:r>
+            <a:r>
+              <a:rPr lang="da-DK" dirty="0"/>
+              <a:t> </a:t>
+            </a:r>
+            <a:r>
+              <a:rPr lang="da-DK" dirty="0" err="1"/>
+              <a:t>convert</a:t>
+            </a:r>
+            <a:r>
+              <a:rPr lang="da-DK" dirty="0"/>
+              <a:t> to </a:t>
+            </a:r>
+            <a:r>
+              <a:rPr lang="da-DK" dirty="0" err="1"/>
+              <a:t>string</a:t>
+            </a:r>
+            <a:endParaRPr lang="da-DK" dirty="0"/>
+          </a:p>
+        </p:txBody>
+      </p:sp>
+      <p:sp>
+        <p:nvSpPr>
+          <p:cNvPr id="3" name="Content Placeholder 2">
+            <a:extLst>
+              <a:ext uri="{FF2B5EF4-FFF2-40B4-BE49-F238E27FC236}">
+                <a16:creationId xmlns:a16="http://schemas.microsoft.com/office/drawing/2014/main" id="{B961D846-31C1-1F84-A347-4978C8C5E7FE}"/>
+              </a:ext>
+            </a:extLst>
+          </p:cNvPr>
+          <p:cNvSpPr>
+            <a:spLocks noGrp="1"/>
+          </p:cNvSpPr>
+          <p:nvPr>
+            <p:ph idx="1"/>
+          </p:nvPr>
+        </p:nvSpPr>
+        <p:spPr>
+          <a:xfrm>
+            <a:off x="838200" y="1825625"/>
+            <a:ext cx="10515600" cy="4827936"/>
+          </a:xfrm>
+        </p:spPr>
+        <p:txBody>
+          <a:bodyPr>
+            <a:normAutofit/>
+          </a:bodyPr>
+          <a:lstStyle/>
+          <a:p>
+            <a:r>
+              <a:rPr lang="da-DK" dirty="0"/>
+              <a:t>A </a:t>
+            </a:r>
+            <a:r>
+              <a:rPr lang="da-DK" dirty="0" err="1">
+                <a:latin typeface="Courier"/>
+              </a:rPr>
+              <a:t>str</a:t>
+            </a:r>
+            <a:r>
+              <a:rPr lang="da-DK" dirty="0"/>
+              <a:t> </a:t>
+            </a:r>
+            <a:r>
+              <a:rPr lang="da-DK" dirty="0" err="1"/>
+              <a:t>can</a:t>
+            </a:r>
+            <a:r>
+              <a:rPr lang="da-DK" dirty="0"/>
+              <a:t> not </a:t>
+            </a:r>
+            <a:r>
+              <a:rPr lang="da-DK" dirty="0" err="1"/>
+              <a:t>be</a:t>
+            </a:r>
+            <a:r>
+              <a:rPr lang="da-DK" dirty="0"/>
+              <a:t> </a:t>
+            </a:r>
+            <a:r>
+              <a:rPr lang="da-DK" dirty="0" err="1"/>
+              <a:t>concatenated</a:t>
+            </a:r>
+            <a:r>
+              <a:rPr lang="da-DK" dirty="0"/>
+              <a:t> with an </a:t>
+            </a:r>
+            <a:r>
+              <a:rPr lang="da-DK" dirty="0" err="1">
+                <a:latin typeface="Courier"/>
+              </a:rPr>
+              <a:t>int</a:t>
+            </a:r>
+            <a:endParaRPr lang="da-DK" dirty="0">
+              <a:latin typeface="Courier"/>
+            </a:endParaRPr>
+          </a:p>
+          <a:p>
+            <a:r>
+              <a:rPr lang="da-DK" dirty="0"/>
+              <a:t>The </a:t>
+            </a:r>
+            <a:r>
+              <a:rPr lang="da-DK" dirty="0" err="1">
+                <a:latin typeface="Courier"/>
+              </a:rPr>
+              <a:t>int</a:t>
+            </a:r>
+            <a:r>
+              <a:rPr lang="da-DK" dirty="0"/>
+              <a:t> must </a:t>
+            </a:r>
+            <a:r>
+              <a:rPr lang="da-DK" dirty="0" err="1"/>
+              <a:t>first</a:t>
+            </a:r>
+            <a:r>
+              <a:rPr lang="da-DK" dirty="0"/>
+              <a:t> </a:t>
+            </a:r>
+            <a:r>
+              <a:rPr lang="da-DK" dirty="0" err="1"/>
+              <a:t>be</a:t>
+            </a:r>
+            <a:r>
+              <a:rPr lang="da-DK" dirty="0"/>
+              <a:t> </a:t>
+            </a:r>
+            <a:r>
+              <a:rPr lang="da-DK" dirty="0" err="1"/>
+              <a:t>converted</a:t>
+            </a:r>
+            <a:r>
+              <a:rPr lang="da-DK" dirty="0"/>
+              <a:t> to a </a:t>
+            </a:r>
+            <a:r>
+              <a:rPr lang="da-DK" dirty="0" err="1">
+                <a:latin typeface="Courier"/>
+              </a:rPr>
+              <a:t>str</a:t>
+            </a:r>
+            <a:r>
+              <a:rPr lang="da-DK" dirty="0"/>
+              <a:t> </a:t>
+            </a:r>
+            <a:r>
+              <a:rPr lang="da-DK" dirty="0" err="1"/>
+              <a:t>using</a:t>
+            </a:r>
+            <a:r>
+              <a:rPr lang="da-DK" dirty="0"/>
+              <a:t> </a:t>
+            </a:r>
+            <a:r>
+              <a:rPr lang="da-DK" dirty="0" err="1">
+                <a:latin typeface="Courier"/>
+              </a:rPr>
+              <a:t>str</a:t>
+            </a:r>
+            <a:r>
+              <a:rPr lang="da-DK" dirty="0">
+                <a:latin typeface="Courier"/>
+              </a:rPr>
+              <a:t>(</a:t>
+            </a:r>
+            <a:r>
+              <a:rPr lang="da-DK" i="1" dirty="0" err="1">
+                <a:latin typeface="Courier"/>
+              </a:rPr>
+              <a:t>int</a:t>
+            </a:r>
+            <a:r>
+              <a:rPr lang="da-DK" i="1" dirty="0">
+                <a:latin typeface="Courier"/>
+              </a:rPr>
+              <a:t> </a:t>
+            </a:r>
+            <a:r>
+              <a:rPr lang="da-DK" i="1" dirty="0" err="1">
+                <a:latin typeface="Courier"/>
+              </a:rPr>
+              <a:t>value</a:t>
+            </a:r>
+            <a:r>
+              <a:rPr lang="da-DK" dirty="0">
+                <a:latin typeface="Courier"/>
+              </a:rPr>
+              <a:t>)</a:t>
+            </a:r>
+          </a:p>
+          <a:p>
+            <a:endParaRPr lang="da-DK" dirty="0"/>
+          </a:p>
+          <a:p>
+            <a:endParaRPr lang="da-DK" dirty="0"/>
+          </a:p>
+          <a:p>
+            <a:endParaRPr lang="da-DK" dirty="0"/>
+          </a:p>
+          <a:p>
+            <a:endParaRPr lang="da-DK" dirty="0"/>
+          </a:p>
+          <a:p>
+            <a:r>
+              <a:rPr lang="da-DK" dirty="0"/>
+              <a:t>In </a:t>
+            </a:r>
+            <a:r>
+              <a:rPr lang="da-DK" dirty="0" err="1"/>
+              <a:t>some</a:t>
+            </a:r>
+            <a:r>
+              <a:rPr lang="da-DK" dirty="0"/>
+              <a:t> </a:t>
+            </a:r>
+            <a:r>
+              <a:rPr lang="da-DK" dirty="0" err="1"/>
+              <a:t>languages</a:t>
+            </a:r>
+            <a:r>
+              <a:rPr lang="da-DK" dirty="0"/>
+              <a:t>, like Java and </a:t>
+            </a:r>
+            <a:r>
+              <a:rPr lang="da-DK" dirty="0" err="1"/>
+              <a:t>Javascript</a:t>
+            </a:r>
+            <a:r>
+              <a:rPr lang="da-DK" dirty="0"/>
+              <a:t>, the </a:t>
+            </a:r>
+            <a:r>
+              <a:rPr lang="da-DK" dirty="0" err="1"/>
+              <a:t>conversion</a:t>
+            </a:r>
+            <a:r>
+              <a:rPr lang="da-DK" dirty="0"/>
+              <a:t> to </a:t>
+            </a:r>
+            <a:r>
+              <a:rPr lang="da-DK" dirty="0" err="1"/>
+              <a:t>string</a:t>
+            </a:r>
+            <a:r>
+              <a:rPr lang="da-DK" dirty="0"/>
+              <a:t> </a:t>
+            </a:r>
+            <a:r>
+              <a:rPr lang="da-DK" dirty="0" err="1"/>
+              <a:t>happens</a:t>
+            </a:r>
+            <a:r>
+              <a:rPr lang="da-DK" dirty="0"/>
+              <a:t> </a:t>
+            </a:r>
+            <a:r>
+              <a:rPr lang="da-DK" dirty="0" err="1"/>
+              <a:t>automatically</a:t>
+            </a:r>
+            <a:r>
+              <a:rPr lang="da-DK" dirty="0"/>
+              <a:t> (just a </a:t>
+            </a:r>
+            <a:r>
+              <a:rPr lang="da-DK" dirty="0" err="1"/>
+              <a:t>language</a:t>
+            </a:r>
+            <a:r>
+              <a:rPr lang="da-DK" dirty="0"/>
+              <a:t> design </a:t>
+            </a:r>
+            <a:r>
+              <a:rPr lang="da-DK" dirty="0" err="1"/>
+              <a:t>choice</a:t>
+            </a:r>
+            <a:r>
+              <a:rPr lang="da-DK" dirty="0"/>
+              <a:t>)</a:t>
+            </a:r>
+            <a:endParaRPr lang="da-DK" dirty="0">
+              <a:latin typeface="Courier"/>
+            </a:endParaRPr>
+          </a:p>
+        </p:txBody>
+      </p:sp>
+      <p:graphicFrame>
+        <p:nvGraphicFramePr>
+          <p:cNvPr id="4" name="Table 3">
+            <a:extLst>
+              <a:ext uri="{FF2B5EF4-FFF2-40B4-BE49-F238E27FC236}">
+                <a16:creationId xmlns:a16="http://schemas.microsoft.com/office/drawing/2014/main" id="{EE6745CC-789B-67DC-601B-568E63AF1905}"/>
+              </a:ext>
+            </a:extLst>
+          </p:cNvPr>
+          <p:cNvGraphicFramePr>
+            <a:graphicFrameLocks noGrp="1"/>
+          </p:cNvGraphicFramePr>
+          <p:nvPr>
+            <p:extLst>
+              <p:ext uri="{D42A27DB-BD31-4B8C-83A1-F6EECF244321}">
+                <p14:modId xmlns:p14="http://schemas.microsoft.com/office/powerpoint/2010/main" val="1662977430"/>
+              </p:ext>
+            </p:extLst>
+          </p:nvPr>
+        </p:nvGraphicFramePr>
+        <p:xfrm>
+          <a:off x="2491795" y="3123743"/>
+          <a:ext cx="7208409" cy="1429974"/>
+        </p:xfrm>
+        <a:graphic>
+          <a:graphicData uri="http://schemas.openxmlformats.org/drawingml/2006/table">
+            <a:tbl>
+              <a:tblPr firstRow="1" bandRow="1">
+                <a:tableStyleId>{5C22544A-7EE6-4342-B048-85BDC9FD1C3A}</a:tableStyleId>
+              </a:tblPr>
+              <a:tblGrid>
+                <a:gridCol w="7208409">
+                  <a:extLst>
+                    <a:ext uri="{9D8B030D-6E8A-4147-A177-3AD203B41FA5}">
+                      <a16:colId xmlns:a16="http://schemas.microsoft.com/office/drawing/2014/main" val="1873682825"/>
+                    </a:ext>
+                  </a:extLst>
+                </a:gridCol>
+              </a:tblGrid>
+              <a:tr h="286591">
+                <a:tc>
+                  <a:txBody>
+                    <a:bodyPr/>
+                    <a:lstStyle/>
+                    <a:p>
+                      <a:r>
+                        <a:rPr lang="da-DK" sz="1600" b="1" dirty="0" err="1">
+                          <a:latin typeface="Courier New" panose="02070309020205020404" pitchFamily="49" charset="0"/>
+                          <a:cs typeface="Courier New" panose="02070309020205020404" pitchFamily="49" charset="0"/>
+                        </a:rPr>
+                        <a:t>Python</a:t>
+                      </a:r>
+                      <a:r>
+                        <a:rPr lang="da-DK" sz="1600" b="1" dirty="0">
+                          <a:latin typeface="Courier New" panose="02070309020205020404" pitchFamily="49" charset="0"/>
+                          <a:cs typeface="Courier New" panose="02070309020205020404" pitchFamily="49" charset="0"/>
+                        </a:rPr>
+                        <a:t> </a:t>
+                      </a:r>
+                      <a:r>
+                        <a:rPr lang="da-DK" sz="1600" b="1" dirty="0" err="1">
+                          <a:latin typeface="Courier New" panose="02070309020205020404" pitchFamily="49" charset="0"/>
+                          <a:cs typeface="Courier New" panose="02070309020205020404" pitchFamily="49" charset="0"/>
+                        </a:rPr>
+                        <a:t>shell</a:t>
+                      </a:r>
+                      <a:endParaRPr lang="da-DK" sz="1600" b="1" dirty="0">
+                        <a:latin typeface="Courier New" panose="02070309020205020404" pitchFamily="49" charset="0"/>
+                        <a:cs typeface="Courier New" panose="02070309020205020404" pitchFamily="49" charset="0"/>
+                      </a:endParaRPr>
+                    </a:p>
+                  </a:txBody>
+                  <a:tcPr anchor="ctr">
+                    <a:lnL w="6350" cap="flat" cmpd="sng" algn="ctr">
+                      <a:solidFill>
+                        <a:schemeClr val="tx1"/>
+                      </a:solidFill>
+                      <a:prstDash val="solid"/>
+                      <a:round/>
+                      <a:headEnd type="none" w="med" len="med"/>
+                      <a:tailEnd type="none" w="med" len="med"/>
+                    </a:lnL>
+                    <a:lnR w="6350" cap="flat" cmpd="sng" algn="ctr">
+                      <a:solidFill>
+                        <a:schemeClr val="tx1"/>
+                      </a:solidFill>
+                      <a:prstDash val="solid"/>
+                      <a:round/>
+                      <a:headEnd type="none" w="med" len="med"/>
+                      <a:tailEnd type="none" w="med" len="med"/>
+                    </a:lnR>
+                    <a:lnT w="6350" cap="flat" cmpd="sng" algn="ctr">
+                      <a:solidFill>
+                        <a:schemeClr val="tx1"/>
+                      </a:solidFill>
+                      <a:prstDash val="solid"/>
+                      <a:round/>
+                      <a:headEnd type="none" w="med" len="med"/>
+                      <a:tailEnd type="none" w="med" len="med"/>
+                    </a:lnT>
+                    <a:lnB w="6350" cap="flat" cmpd="sng" algn="ctr">
+                      <a:solidFill>
+                        <a:schemeClr val="tx1"/>
+                      </a:solidFill>
+                      <a:prstDash val="solid"/>
+                      <a:round/>
+                      <a:headEnd type="none" w="med" len="med"/>
+                      <a:tailEnd type="none" w="med" len="med"/>
+                    </a:lnB>
+                    <a:lnTlToBr w="12700" cmpd="sng">
+                      <a:noFill/>
+                      <a:prstDash val="solid"/>
+                    </a:lnTlToBr>
+                    <a:lnBlToTr w="12700" cmpd="sng">
+                      <a:noFill/>
+                      <a:prstDash val="solid"/>
+                    </a:lnBlToTr>
+                    <a:solidFill>
+                      <a:srgbClr val="C00000"/>
+                    </a:solidFill>
+                  </a:tcPr>
+                </a:tc>
+                <a:extLst>
+                  <a:ext uri="{0D108BD9-81ED-4DB2-BD59-A6C34878D82A}">
+                    <a16:rowId xmlns:a16="http://schemas.microsoft.com/office/drawing/2014/main" val="3330819881"/>
+                  </a:ext>
+                </a:extLst>
+              </a:tr>
+              <a:tr h="1094694">
+                <a:tc>
+                  <a:txBody>
+                    <a:bodyPr/>
+                    <a:lstStyle/>
+                    <a:p>
+                      <a:pPr marL="266700" marR="0" lvl="0" indent="-266700" algn="l" defTabSz="914400" rtl="0" eaLnBrk="1" fontAlgn="auto" latinLnBrk="0" hangingPunct="1">
+                        <a:lnSpc>
+                          <a:spcPct val="100000"/>
+                        </a:lnSpc>
+                        <a:spcBef>
+                          <a:spcPts val="0"/>
+                        </a:spcBef>
+                        <a:spcAft>
+                          <a:spcPts val="0"/>
+                        </a:spcAft>
+                        <a:buClr>
+                          <a:srgbClr val="C00000"/>
+                        </a:buClr>
+                        <a:buSzPct val="100000"/>
+                        <a:buFont typeface="Courier New" panose="02070309020205020404" pitchFamily="49" charset="0"/>
+                        <a:buChar char="&gt;"/>
+                        <a:tabLst/>
+                        <a:defRPr/>
+                      </a:pPr>
+                      <a:r>
+                        <a:rPr lang="es-ES" sz="1600" b="1" baseline="0" dirty="0">
+                          <a:latin typeface="Courier New" panose="02070309020205020404" pitchFamily="49" charset="0"/>
+                          <a:cs typeface="Courier New" panose="02070309020205020404" pitchFamily="49" charset="0"/>
+                        </a:rPr>
+                        <a:t>'</a:t>
+                      </a:r>
+                      <a:r>
+                        <a:rPr lang="es-ES" sz="1600" b="1" baseline="0" dirty="0" err="1">
+                          <a:latin typeface="Courier New" panose="02070309020205020404" pitchFamily="49" charset="0"/>
+                          <a:cs typeface="Courier New" panose="02070309020205020404" pitchFamily="49" charset="0"/>
+                        </a:rPr>
+                        <a:t>abc</a:t>
+                      </a:r>
+                      <a:r>
+                        <a:rPr lang="es-ES" sz="1600" b="1" baseline="0" dirty="0">
+                          <a:latin typeface="Courier New" panose="02070309020205020404" pitchFamily="49" charset="0"/>
+                          <a:cs typeface="Courier New" panose="02070309020205020404" pitchFamily="49" charset="0"/>
+                        </a:rPr>
+                        <a:t>' + 42</a:t>
+                      </a:r>
+                      <a:endParaRPr lang="en-US" sz="1600" b="1" baseline="0" dirty="0">
+                        <a:latin typeface="Courier New" panose="02070309020205020404" pitchFamily="49" charset="0"/>
+                        <a:cs typeface="Courier New" panose="02070309020205020404" pitchFamily="49" charset="0"/>
+                      </a:endParaRPr>
+                    </a:p>
+                    <a:p>
+                      <a:pPr marL="266700" marR="0" lvl="0" indent="-266700" algn="l" defTabSz="914400" rtl="0" eaLnBrk="1" fontAlgn="auto" latinLnBrk="0" hangingPunct="1">
+                        <a:lnSpc>
+                          <a:spcPct val="100000"/>
+                        </a:lnSpc>
+                        <a:spcBef>
+                          <a:spcPts val="0"/>
+                        </a:spcBef>
+                        <a:spcAft>
+                          <a:spcPts val="0"/>
+                        </a:spcAft>
+                        <a:buClr>
+                          <a:schemeClr val="accent1">
+                            <a:lumMod val="50000"/>
+                          </a:schemeClr>
+                        </a:buClr>
+                        <a:buSzPct val="120000"/>
+                        <a:buFont typeface="Courier New" panose="02070309020205020404" pitchFamily="49" charset="0"/>
+                        <a:buChar char="|"/>
+                        <a:tabLst/>
+                        <a:defRPr/>
+                      </a:pPr>
+                      <a:r>
+                        <a:rPr lang="en-US" sz="1600" b="1" baseline="0" dirty="0" err="1">
+                          <a:latin typeface="Courier New" panose="02070309020205020404" pitchFamily="49" charset="0"/>
+                          <a:cs typeface="Courier New" panose="02070309020205020404" pitchFamily="49" charset="0"/>
+                        </a:rPr>
+                        <a:t>TypeError</a:t>
+                      </a:r>
+                      <a:r>
+                        <a:rPr lang="en-US" sz="1600" b="1" baseline="0" dirty="0">
+                          <a:latin typeface="Courier New" panose="02070309020205020404" pitchFamily="49" charset="0"/>
+                          <a:cs typeface="Courier New" panose="02070309020205020404" pitchFamily="49" charset="0"/>
+                        </a:rPr>
+                        <a:t>: can only concatenate str (not "int") to str</a:t>
+                      </a:r>
+                    </a:p>
+                    <a:p>
+                      <a:pPr marL="266700" marR="0" lvl="0" indent="-266700" algn="l" defTabSz="914400" rtl="0" eaLnBrk="1" fontAlgn="auto" latinLnBrk="0" hangingPunct="1">
+                        <a:lnSpc>
+                          <a:spcPct val="100000"/>
+                        </a:lnSpc>
+                        <a:spcBef>
+                          <a:spcPts val="0"/>
+                        </a:spcBef>
+                        <a:spcAft>
+                          <a:spcPts val="0"/>
+                        </a:spcAft>
+                        <a:buClr>
+                          <a:srgbClr val="C00000"/>
+                        </a:buClr>
+                        <a:buSzPct val="100000"/>
+                        <a:buFont typeface="Courier New" panose="02070309020205020404" pitchFamily="49" charset="0"/>
+                        <a:buChar char="&gt;"/>
+                        <a:tabLst/>
+                        <a:defRPr/>
+                      </a:pPr>
+                      <a:r>
+                        <a:rPr lang="en-US" sz="1600" b="1" baseline="0" dirty="0">
+                          <a:latin typeface="Courier New" panose="02070309020205020404" pitchFamily="49" charset="0"/>
+                          <a:cs typeface="Courier New" panose="02070309020205020404" pitchFamily="49" charset="0"/>
+                        </a:rPr>
+                        <a:t>'</a:t>
+                      </a:r>
+                      <a:r>
+                        <a:rPr lang="en-US" sz="1600" b="1" baseline="0" dirty="0" err="1">
+                          <a:latin typeface="Courier New" panose="02070309020205020404" pitchFamily="49" charset="0"/>
+                          <a:cs typeface="Courier New" panose="02070309020205020404" pitchFamily="49" charset="0"/>
+                        </a:rPr>
+                        <a:t>abc</a:t>
+                      </a:r>
+                      <a:r>
+                        <a:rPr lang="en-US" sz="1600" b="1" baseline="0" dirty="0">
+                          <a:latin typeface="Courier New" panose="02070309020205020404" pitchFamily="49" charset="0"/>
+                          <a:cs typeface="Courier New" panose="02070309020205020404" pitchFamily="49" charset="0"/>
+                        </a:rPr>
+                        <a:t>' + str(42)</a:t>
+                      </a:r>
+                    </a:p>
+                    <a:p>
+                      <a:pPr marL="266700" marR="0" lvl="0" indent="-266700" algn="l" defTabSz="914400" rtl="0" eaLnBrk="1" fontAlgn="auto" latinLnBrk="0" hangingPunct="1">
+                        <a:lnSpc>
+                          <a:spcPct val="100000"/>
+                        </a:lnSpc>
+                        <a:spcBef>
+                          <a:spcPts val="0"/>
+                        </a:spcBef>
+                        <a:spcAft>
+                          <a:spcPts val="0"/>
+                        </a:spcAft>
+                        <a:buClr>
+                          <a:schemeClr val="accent1">
+                            <a:lumMod val="50000"/>
+                          </a:schemeClr>
+                        </a:buClr>
+                        <a:buSzPct val="120000"/>
+                        <a:buFont typeface="Courier New" panose="02070309020205020404" pitchFamily="49" charset="0"/>
+                        <a:buChar char="|"/>
+                        <a:tabLst/>
+                        <a:defRPr/>
+                      </a:pPr>
+                      <a:r>
+                        <a:rPr lang="es-ES" sz="1600" b="1" baseline="0" dirty="0">
+                          <a:latin typeface="Courier New" panose="02070309020205020404" pitchFamily="49" charset="0"/>
+                          <a:cs typeface="Courier New" panose="02070309020205020404" pitchFamily="49" charset="0"/>
+                        </a:rPr>
+                        <a:t>'abc42'</a:t>
+                      </a:r>
+                    </a:p>
+                  </a:txBody>
+                  <a:tcPr>
+                    <a:lnL w="6350" cap="flat" cmpd="sng" algn="ctr">
+                      <a:solidFill>
+                        <a:schemeClr val="tx1"/>
+                      </a:solidFill>
+                      <a:prstDash val="solid"/>
+                      <a:round/>
+                      <a:headEnd type="none" w="med" len="med"/>
+                      <a:tailEnd type="none" w="med" len="med"/>
+                    </a:lnL>
+                    <a:lnR w="6350" cap="flat" cmpd="sng" algn="ctr">
+                      <a:solidFill>
+                        <a:schemeClr val="tx1"/>
+                      </a:solidFill>
+                      <a:prstDash val="solid"/>
+                      <a:round/>
+                      <a:headEnd type="none" w="med" len="med"/>
+                      <a:tailEnd type="none" w="med" len="med"/>
+                    </a:lnR>
+                    <a:lnT w="6350" cap="flat" cmpd="sng" algn="ctr">
+                      <a:solidFill>
+                        <a:schemeClr val="tx1"/>
+                      </a:solidFill>
+                      <a:prstDash val="solid"/>
+                      <a:round/>
+                      <a:headEnd type="none" w="med" len="med"/>
+                      <a:tailEnd type="none" w="med" len="med"/>
+                    </a:lnT>
+                    <a:lnB w="6350" cap="flat" cmpd="sng" algn="ctr">
+                      <a:solidFill>
+                        <a:schemeClr val="tx1"/>
+                      </a:solidFill>
+                      <a:prstDash val="solid"/>
+                      <a:round/>
+                      <a:headEnd type="none" w="med" len="med"/>
+                      <a:tailEnd type="none" w="med" len="med"/>
+                    </a:lnB>
+                    <a:lnTlToBr w="12700" cmpd="sng">
+                      <a:noFill/>
+                      <a:prstDash val="solid"/>
+                    </a:lnTlToBr>
+                    <a:lnBlToTr w="12700" cmpd="sng">
+                      <a:noFill/>
+                      <a:prstDash val="solid"/>
+                    </a:lnBlToTr>
+                    <a:solidFill>
+                      <a:schemeClr val="accent5">
+                        <a:lumMod val="20000"/>
+                        <a:lumOff val="80000"/>
+                      </a:schemeClr>
+                    </a:solidFill>
+                  </a:tcPr>
+                </a:tc>
+                <a:extLst>
+                  <a:ext uri="{0D108BD9-81ED-4DB2-BD59-A6C34878D82A}">
+                    <a16:rowId xmlns:a16="http://schemas.microsoft.com/office/drawing/2014/main" val="4112970457"/>
+                  </a:ext>
+                </a:extLst>
+              </a:tr>
+            </a:tbl>
+          </a:graphicData>
+        </a:graphic>
+      </p:graphicFrame>
+      <p:sp>
+        <p:nvSpPr>
+          <p:cNvPr id="5" name="Down Arrow 4">
+            <a:extLst>
+              <a:ext uri="{FF2B5EF4-FFF2-40B4-BE49-F238E27FC236}">
+                <a16:creationId xmlns:a16="http://schemas.microsoft.com/office/drawing/2014/main" id="{DE1A517F-9AE3-9B0A-52FF-B625F2865B8B}"/>
+              </a:ext>
+            </a:extLst>
+          </p:cNvPr>
+          <p:cNvSpPr/>
+          <p:nvPr/>
+        </p:nvSpPr>
+        <p:spPr>
+          <a:xfrm rot="16200000">
+            <a:off x="1326681" y="2864603"/>
+            <a:ext cx="888384" cy="1522717"/>
+          </a:xfrm>
+          <a:prstGeom prst="downArrow">
+            <a:avLst/>
+          </a:prstGeom>
+          <a:solidFill>
+            <a:srgbClr val="C00000"/>
+          </a:solidFill>
+          <a:ln>
+            <a:solidFill>
+              <a:schemeClr val="bg1"/>
+            </a:solidFill>
+          </a:ln>
+        </p:spPr>
+        <p:style>
+          <a:lnRef idx="2">
+            <a:schemeClr val="accent1">
+              <a:shade val="50000"/>
+            </a:schemeClr>
+          </a:lnRef>
+          <a:fillRef idx="1">
+            <a:schemeClr val="accent1"/>
+          </a:fillRef>
+          <a:effectRef idx="0">
+            <a:schemeClr val="accent1"/>
+          </a:effectRef>
+          <a:fontRef idx="minor">
+            <a:schemeClr val="lt1"/>
+          </a:fontRef>
+        </p:style>
+        <p:txBody>
+          <a:bodyPr vert="vert" rtlCol="0" anchor="ctr"/>
+          <a:lstStyle/>
+          <a:p>
+            <a:pPr algn="ctr">
+              <a:lnSpc>
+                <a:spcPts val="1200"/>
+              </a:lnSpc>
+            </a:pPr>
+            <a:r>
+              <a:rPr lang="en-US" sz="1400" dirty="0"/>
+              <a:t>works in Java and </a:t>
+            </a:r>
+            <a:r>
+              <a:rPr lang="en-US" sz="1400" dirty="0" err="1"/>
+              <a:t>Javascript</a:t>
+            </a:r>
+            <a:endParaRPr lang="en-US" sz="1400" dirty="0"/>
+          </a:p>
+        </p:txBody>
+      </p:sp>
+      <p:pic>
+        <p:nvPicPr>
+          <p:cNvPr id="6" name="Picture 5">
+            <a:extLst>
+              <a:ext uri="{FF2B5EF4-FFF2-40B4-BE49-F238E27FC236}">
+                <a16:creationId xmlns:a16="http://schemas.microsoft.com/office/drawing/2014/main" id="{BC49D55E-DBEF-D87D-C77B-BA8A9E026885}"/>
+              </a:ext>
+            </a:extLst>
+          </p:cNvPr>
+          <p:cNvPicPr>
+            <a:picLocks noChangeAspect="1"/>
+          </p:cNvPicPr>
+          <p:nvPr/>
+        </p:nvPicPr>
+        <p:blipFill>
+          <a:blip r:embed="rId3" cstate="print">
+            <a:extLst>
+              <a:ext uri="{28A0092B-C50C-407E-A947-70E740481C1C}">
+                <a14:useLocalDpi xmlns:a14="http://schemas.microsoft.com/office/drawing/2010/main" val="0"/>
+              </a:ext>
+            </a:extLst>
+          </a:blip>
+          <a:stretch>
+            <a:fillRect/>
+          </a:stretch>
+        </p:blipFill>
+        <p:spPr>
+          <a:xfrm>
+            <a:off x="10864584" y="694974"/>
+            <a:ext cx="799989" cy="665863"/>
+          </a:xfrm>
+          <a:prstGeom prst="rect">
+            <a:avLst/>
+          </a:prstGeom>
+        </p:spPr>
+      </p:pic>
+    </p:spTree>
+    <p:extLst>
+      <p:ext uri="{BB962C8B-B14F-4D97-AF65-F5344CB8AC3E}">
+        <p14:creationId xmlns:p14="http://schemas.microsoft.com/office/powerpoint/2010/main" val="4179547408"/>
+      </p:ext>
+    </p:extLst>
+  </p:cSld>
+  <p:clrMapOvr>
+    <a:masterClrMapping/>
+  </p:clrMapOvr>
+</p:sld>
+</file>
+
+<file path=ppt/slides/slide21.xml><?xml version="1.0" encoding="utf-8"?>
+<p:sld xmlns:a="http://schemas.openxmlformats.org/drawingml/2006/main" xmlns:r="http://schemas.openxmlformats.org/officeDocument/2006/relationships" xmlns:p="http://schemas.openxmlformats.org/presentationml/2006/main">
+  <p:cSld>
+    <p:spTree>
+      <p:nvGrpSpPr>
+        <p:cNvPr id="1" name=""/>
+        <p:cNvGrpSpPr/>
+        <p:nvPr/>
+      </p:nvGrpSpPr>
+      <p:grpSpPr>
+        <a:xfrm>
+          <a:off x="0" y="0"/>
+          <a:ext cx="0" cy="0"/>
+          <a:chOff x="0" y="0"/>
+          <a:chExt cx="0" cy="0"/>
+        </a:xfrm>
+      </p:grpSpPr>
+      <p:sp>
+        <p:nvSpPr>
           <p:cNvPr id="2" name="Title 1"/>
           <p:cNvSpPr>
             <a:spLocks noGrp="1"/>
@@ -16358,7 +17432,7 @@
 </p:sld>
 </file>
 
-<file path=ppt/slides/slide21.xml><?xml version="1.0" encoding="utf-8"?>
+<file path=ppt/slides/slide22.xml><?xml version="1.0" encoding="utf-8"?>
 <p:sld xmlns:a="http://schemas.openxmlformats.org/drawingml/2006/main" xmlns:r="http://schemas.openxmlformats.org/officeDocument/2006/relationships" xmlns:p="http://schemas.openxmlformats.org/presentationml/2006/main">
   <p:cSld>
     <p:spTree>
@@ -16390,7 +17464,7 @@
           <p:nvPr>
             <p:extLst>
               <p:ext uri="{D42A27DB-BD31-4B8C-83A1-F6EECF244321}">
-                <p14:modId xmlns:p14="http://schemas.microsoft.com/office/powerpoint/2010/main" val="4155152047"/>
+                <p14:modId xmlns:p14="http://schemas.microsoft.com/office/powerpoint/2010/main" val="2829510456"/>
               </p:ext>
             </p:extLst>
           </p:nvPr>
@@ -17118,8 +18192,19 @@
                           <a:latin typeface="Courier New" panose="02070309020205020404" pitchFamily="49" charset="0"/>
                           <a:cs typeface="Courier New" panose="02070309020205020404" pitchFamily="49" charset="0"/>
                         </a:rPr>
-                        <a:t> IS a string’</a:t>
-                      </a:r>
+                        <a:t> IS </a:t>
+                      </a:r>
+                      <a:r>
+                        <a:rPr lang="en-US" sz="1600" b="1" baseline="0">
+                          <a:latin typeface="Courier New" panose="02070309020205020404" pitchFamily="49" charset="0"/>
+                          <a:cs typeface="Courier New" panose="02070309020205020404" pitchFamily="49" charset="0"/>
+                        </a:rPr>
+                        <a:t>a string'</a:t>
+                      </a:r>
+                      <a:endParaRPr lang="en-US" sz="1600" b="1" baseline="0" dirty="0">
+                        <a:latin typeface="Courier New" panose="02070309020205020404" pitchFamily="49" charset="0"/>
+                        <a:cs typeface="Courier New" panose="02070309020205020404" pitchFamily="49" charset="0"/>
+                      </a:endParaRPr>
                     </a:p>
                     <a:p>
                       <a:pPr marL="266700" marR="0" lvl="0" indent="-266700" algn="l" defTabSz="914400" rtl="0" eaLnBrk="1" fontAlgn="auto" latinLnBrk="0" hangingPunct="1">
@@ -17625,7 +18710,7 @@
 </p:sld>
 </file>
 
-<file path=ppt/slides/slide22.xml><?xml version="1.0" encoding="utf-8"?>
+<file path=ppt/slides/slide23.xml><?xml version="1.0" encoding="utf-8"?>
 <p:sld xmlns:a="http://schemas.openxmlformats.org/drawingml/2006/main" xmlns:r="http://schemas.openxmlformats.org/officeDocument/2006/relationships" xmlns:p="http://schemas.openxmlformats.org/presentationml/2006/main">
   <p:cSld>
     <p:bg>
@@ -22835,256 +23920,6 @@
 </p:sld>
 </file>
 
-<file path=ppt/slides/slide23.xml><?xml version="1.0" encoding="utf-8"?>
-<p:sld xmlns:a="http://schemas.openxmlformats.org/drawingml/2006/main" xmlns:r="http://schemas.openxmlformats.org/officeDocument/2006/relationships" xmlns:p="http://schemas.openxmlformats.org/presentationml/2006/main">
-  <p:cSld>
-    <p:spTree>
-      <p:nvGrpSpPr>
-        <p:cNvPr id="1" name=""/>
-        <p:cNvGrpSpPr/>
-        <p:nvPr/>
-      </p:nvGrpSpPr>
-      <p:grpSpPr>
-        <a:xfrm>
-          <a:off x="0" y="0"/>
-          <a:ext cx="0" cy="0"/>
-          <a:chOff x="0" y="0"/>
-          <a:chExt cx="0" cy="0"/>
-        </a:xfrm>
-      </p:grpSpPr>
-      <p:sp>
-        <p:nvSpPr>
-          <p:cNvPr id="2" name="Title 1"/>
-          <p:cNvSpPr>
-            <a:spLocks noGrp="1"/>
-          </p:cNvSpPr>
-          <p:nvPr>
-            <p:ph type="title"/>
-          </p:nvPr>
-        </p:nvSpPr>
-        <p:spPr/>
-        <p:txBody>
-          <a:bodyPr/>
-          <a:lstStyle/>
-          <a:p>
-            <a:r>
-              <a:rPr lang="en-US" dirty="0"/>
-              <a:t>Strings are immutable</a:t>
-            </a:r>
-          </a:p>
-        </p:txBody>
-      </p:sp>
-      <p:sp>
-        <p:nvSpPr>
-          <p:cNvPr id="3" name="Content Placeholder 2"/>
-          <p:cNvSpPr>
-            <a:spLocks noGrp="1"/>
-          </p:cNvSpPr>
-          <p:nvPr>
-            <p:ph idx="1"/>
-          </p:nvPr>
-        </p:nvSpPr>
-        <p:spPr>
-          <a:xfrm>
-            <a:off x="861060" y="1825625"/>
-            <a:ext cx="11014710" cy="4351338"/>
-          </a:xfrm>
-        </p:spPr>
-        <p:txBody>
-          <a:bodyPr/>
-          <a:lstStyle/>
-          <a:p>
-            <a:pPr>
-              <a:spcAft>
-                <a:spcPts val="1200"/>
-              </a:spcAft>
-            </a:pPr>
-            <a:r>
-              <a:rPr lang="en-US" dirty="0"/>
-              <a:t>Strings are non-scalar, i.e. for </a:t>
-            </a:r>
-            <a:r>
-              <a:rPr lang="en-US" dirty="0">
-                <a:latin typeface="Courier"/>
-              </a:rPr>
-              <a:t>s = "</a:t>
-            </a:r>
-            <a:r>
-              <a:rPr lang="en-US" dirty="0" err="1">
-                <a:latin typeface="Courier"/>
-              </a:rPr>
-              <a:t>abcdef</a:t>
-            </a:r>
-            <a:r>
-              <a:rPr lang="en-US" dirty="0">
-                <a:latin typeface="Courier"/>
-              </a:rPr>
-              <a:t>"</a:t>
-            </a:r>
-            <a:r>
-              <a:rPr lang="en-US" dirty="0"/>
-              <a:t>, </a:t>
-            </a:r>
-            <a:r>
-              <a:rPr lang="en-US" dirty="0">
-                <a:latin typeface="Courier"/>
-              </a:rPr>
-              <a:t>s[3]</a:t>
-            </a:r>
-            <a:r>
-              <a:rPr lang="en-US" dirty="0"/>
-              <a:t> will return </a:t>
-            </a:r>
-            <a:r>
-              <a:rPr lang="en-US" dirty="0">
-                <a:latin typeface="Courier"/>
-              </a:rPr>
-              <a:t>"d"</a:t>
-            </a:r>
-          </a:p>
-          <a:p>
-            <a:pPr>
-              <a:spcAft>
-                <a:spcPts val="1200"/>
-              </a:spcAft>
-            </a:pPr>
-            <a:r>
-              <a:rPr lang="en-US" dirty="0"/>
-              <a:t>Strings are </a:t>
-            </a:r>
-            <a:r>
-              <a:rPr lang="en-US" dirty="0">
-                <a:solidFill>
-                  <a:srgbClr val="C00000"/>
-                </a:solidFill>
-              </a:rPr>
-              <a:t>immutable</a:t>
-            </a:r>
-            <a:r>
-              <a:rPr lang="en-US" dirty="0"/>
-              <a:t> and cannot be changed once created.</a:t>
-            </a:r>
-            <a:br>
-              <a:rPr lang="en-US" dirty="0"/>
-            </a:br>
-            <a:r>
-              <a:rPr lang="en-US" dirty="0"/>
-              <a:t>I.e. the following natural update </a:t>
-            </a:r>
-            <a:r>
-              <a:rPr lang="en-US" dirty="0">
-                <a:solidFill>
-                  <a:srgbClr val="C00000"/>
-                </a:solidFill>
-              </a:rPr>
-              <a:t>is not possible </a:t>
-            </a:r>
-            <a:r>
-              <a:rPr lang="en-US" dirty="0"/>
-              <a:t>(but is e.g. allowed in C)</a:t>
-            </a:r>
-            <a:endParaRPr lang="en-US" dirty="0">
-              <a:solidFill>
-                <a:srgbClr val="C00000"/>
-              </a:solidFill>
-            </a:endParaRPr>
-          </a:p>
-          <a:p>
-            <a:pPr marL="0" indent="0" algn="ctr">
-              <a:spcAft>
-                <a:spcPts val="1200"/>
-              </a:spcAft>
-              <a:buNone/>
-            </a:pPr>
-            <a:r>
-              <a:rPr lang="en-US" dirty="0">
-                <a:solidFill>
-                  <a:srgbClr val="C00000"/>
-                </a:solidFill>
-                <a:latin typeface="Courier"/>
-              </a:rPr>
-              <a:t>s[3] = "x"</a:t>
-            </a:r>
-          </a:p>
-          <a:p>
-            <a:pPr>
-              <a:spcAft>
-                <a:spcPts val="1200"/>
-              </a:spcAft>
-            </a:pPr>
-            <a:r>
-              <a:rPr lang="en-US" dirty="0"/>
-              <a:t>To replace the </a:t>
-            </a:r>
-            <a:r>
-              <a:rPr lang="en-US" dirty="0">
-                <a:latin typeface="Courier"/>
-              </a:rPr>
-              <a:t>"d"</a:t>
-            </a:r>
-            <a:r>
-              <a:rPr lang="en-US" dirty="0"/>
-              <a:t> with </a:t>
-            </a:r>
-            <a:r>
-              <a:rPr lang="en-US" dirty="0">
-                <a:latin typeface="Courier"/>
-              </a:rPr>
-              <a:t>"x"</a:t>
-            </a:r>
-            <a:r>
-              <a:rPr lang="en-US" dirty="0"/>
-              <a:t> in </a:t>
-            </a:r>
-            <a:r>
-              <a:rPr lang="en-US" dirty="0">
-                <a:latin typeface="Courier"/>
-              </a:rPr>
-              <a:t>s</a:t>
-            </a:r>
-            <a:r>
-              <a:rPr lang="en-US" dirty="0"/>
-              <a:t>, instead </a:t>
-            </a:r>
-            <a:r>
-              <a:rPr lang="en-US"/>
-              <a:t>create the new string</a:t>
-            </a:r>
-            <a:endParaRPr lang="en-US" dirty="0"/>
-          </a:p>
-          <a:p>
-            <a:pPr marL="0" indent="0" algn="ctr">
-              <a:spcAft>
-                <a:spcPts val="1200"/>
-              </a:spcAft>
-              <a:buNone/>
-            </a:pPr>
-            <a:r>
-              <a:rPr lang="en-US" dirty="0">
-                <a:latin typeface="Courier"/>
-              </a:rPr>
-              <a:t>s = s[:3] + "x" + s[4:]</a:t>
-            </a:r>
-            <a:br>
-              <a:rPr lang="en-US" dirty="0"/>
-            </a:br>
-            <a:endParaRPr lang="en-US" dirty="0"/>
-          </a:p>
-        </p:txBody>
-      </p:sp>
-    </p:spTree>
-    <p:extLst>
-      <p:ext uri="{BB962C8B-B14F-4D97-AF65-F5344CB8AC3E}">
-        <p14:creationId xmlns:p14="http://schemas.microsoft.com/office/powerpoint/2010/main" val="3203409752"/>
-      </p:ext>
-    </p:extLst>
-  </p:cSld>
-  <p:clrMapOvr>
-    <a:masterClrMapping/>
-  </p:clrMapOvr>
-</p:sld>
-</file>
-
 <file path=ppt/slides/slide24.xml><?xml version="1.0" encoding="utf-8"?>
 <p:sld xmlns:a="http://schemas.openxmlformats.org/drawingml/2006/main" xmlns:r="http://schemas.openxmlformats.org/officeDocument/2006/relationships" xmlns:p="http://schemas.openxmlformats.org/presentationml/2006/main">
   <p:cSld>
@@ -23119,14 +23954,7 @@
           <a:p>
             <a:r>
               <a:rPr lang="en-US" dirty="0"/>
-              <a:t>Operators</a:t>
-            </a:r>
-            <a:br>
-              <a:rPr lang="en-US" dirty="0"/>
-            </a:br>
-            <a:r>
-              <a:rPr lang="en-US" dirty="0"/>
-              <a:t>Precedence rules &amp; Associativity</a:t>
+              <a:t>Strings are immutable</a:t>
             </a:r>
           </a:p>
         </p:txBody>
@@ -23143,1303 +23971,188 @@
         </p:nvSpPr>
         <p:spPr>
           <a:xfrm>
-            <a:off x="838200" y="1791569"/>
-            <a:ext cx="8602683" cy="4831492"/>
+            <a:off x="861060" y="1825625"/>
+            <a:ext cx="11014710" cy="4351338"/>
           </a:xfrm>
         </p:spPr>
         <p:txBody>
-          <a:bodyPr>
-            <a:normAutofit/>
-          </a:bodyPr>
+          <a:bodyPr/>
           <a:lstStyle/>
           <a:p>
-            <a:pPr marL="0" indent="0">
-              <a:spcBef>
-                <a:spcPts val="1800"/>
-              </a:spcBef>
-              <a:buNone/>
+            <a:pPr>
+              <a:spcAft>
+                <a:spcPts val="1200"/>
+              </a:spcAft>
             </a:pPr>
             <a:r>
               <a:rPr lang="en-US" dirty="0"/>
-              <a:t>Example: * has higher precedence than +</a:t>
-            </a:r>
-          </a:p>
-          <a:p>
-            <a:pPr marL="0" indent="0" algn="ctr">
-              <a:spcBef>
-                <a:spcPts val="1800"/>
-              </a:spcBef>
-              <a:buNone/>
+              <a:t>Strings are non-scalar, i.e. for </a:t>
+            </a:r>
+            <a:r>
+              <a:rPr lang="en-US" dirty="0">
+                <a:latin typeface="Courier"/>
+              </a:rPr>
+              <a:t>s = "</a:t>
+            </a:r>
+            <a:r>
+              <a:rPr lang="en-US" dirty="0" err="1">
+                <a:latin typeface="Courier"/>
+              </a:rPr>
+              <a:t>abcdef</a:t>
+            </a:r>
+            <a:r>
+              <a:rPr lang="en-US" dirty="0">
+                <a:latin typeface="Courier"/>
+              </a:rPr>
+              <a:t>"</a:t>
+            </a:r>
+            <a:r>
+              <a:rPr lang="en-US" dirty="0"/>
+              <a:t>, </a:t>
+            </a:r>
+            <a:r>
+              <a:rPr lang="en-US" dirty="0">
+                <a:latin typeface="Courier"/>
+              </a:rPr>
+              <a:t>s[3]</a:t>
+            </a:r>
+            <a:r>
+              <a:rPr lang="en-US" dirty="0"/>
+              <a:t> will return </a:t>
+            </a:r>
+            <a:r>
+              <a:rPr lang="en-US" dirty="0">
+                <a:latin typeface="Courier"/>
+              </a:rPr>
+              <a:t>"d"</a:t>
+            </a:r>
+          </a:p>
+          <a:p>
+            <a:pPr>
+              <a:spcAft>
+                <a:spcPts val="1200"/>
+              </a:spcAft>
             </a:pPr>
             <a:r>
               <a:rPr lang="en-US" dirty="0"/>
-              <a:t>2 + 3 * 4  </a:t>
-            </a:r>
-            <a:r>
-              <a:rPr lang="en-US" dirty="0">
-                <a:sym typeface="Wingdings" panose="05000000000000000000" pitchFamily="2" charset="2"/>
-              </a:rPr>
-              <a:t> ≡ </a:t>
-            </a:r>
-            <a:r>
-              <a:rPr lang="en-US" dirty="0"/>
-              <a:t>  2 + (3 * 4) </a:t>
-            </a:r>
-            <a:r>
-              <a:rPr lang="en-US" dirty="0">
-                <a:sym typeface="Wingdings" panose="05000000000000000000" pitchFamily="2" charset="2"/>
-              </a:rPr>
-              <a:t> 14    and  (2 + 3) * 4  20</a:t>
-            </a:r>
-          </a:p>
-          <a:p>
-            <a:pPr marL="0" indent="0">
-              <a:spcBef>
-                <a:spcPts val="1800"/>
-              </a:spcBef>
-              <a:buNone/>
-            </a:pPr>
-            <a:r>
-              <a:rPr lang="en-US" dirty="0">
-                <a:sym typeface="Wingdings" panose="05000000000000000000" pitchFamily="2" charset="2"/>
-              </a:rPr>
-              <a:t>All operators in same group are evaluated left-to-right</a:t>
-            </a:r>
-          </a:p>
-          <a:p>
-            <a:pPr marL="0" indent="0" algn="ctr">
-              <a:spcBef>
-                <a:spcPts val="1800"/>
-              </a:spcBef>
-              <a:buNone/>
-            </a:pPr>
-            <a:r>
-              <a:rPr lang="en-US" dirty="0">
-                <a:sym typeface="Wingdings" panose="05000000000000000000" pitchFamily="2" charset="2"/>
-              </a:rPr>
-              <a:t>2 + 3 - 4 - 5   ≡   ((2 + 3) - 4) - 5      -4</a:t>
-            </a:r>
-          </a:p>
-          <a:p>
-            <a:pPr marL="0" indent="0">
-              <a:spcBef>
-                <a:spcPts val="1800"/>
-              </a:spcBef>
-              <a:buNone/>
-            </a:pPr>
-            <a:r>
-              <a:rPr lang="en-US" dirty="0">
-                <a:sym typeface="Wingdings" panose="05000000000000000000" pitchFamily="2" charset="2"/>
-              </a:rPr>
-              <a:t>except for **, that is evaluated right-to-left</a:t>
-            </a:r>
-          </a:p>
-          <a:p>
-            <a:pPr marL="0" indent="0" algn="ctr">
-              <a:spcBef>
-                <a:spcPts val="1800"/>
-              </a:spcBef>
-              <a:buNone/>
-            </a:pPr>
-            <a:r>
-              <a:rPr lang="en-US" dirty="0">
-                <a:sym typeface="Wingdings" panose="05000000000000000000" pitchFamily="2" charset="2"/>
-              </a:rPr>
-              <a:t>2**2**3   ≡   2**(2**3)      256</a:t>
-            </a:r>
-          </a:p>
-          <a:p>
-            <a:pPr marL="0" indent="0">
-              <a:spcBef>
-                <a:spcPts val="1800"/>
-              </a:spcBef>
-              <a:buNone/>
-            </a:pPr>
-            <a:r>
-              <a:rPr lang="en-US" dirty="0">
-                <a:sym typeface="Wingdings" panose="05000000000000000000" pitchFamily="2" charset="2"/>
-              </a:rPr>
-              <a:t>Rule: Use </a:t>
+              <a:t>Strings are </a:t>
             </a:r>
             <a:r>
               <a:rPr lang="en-US" dirty="0">
                 <a:solidFill>
                   <a:srgbClr val="C00000"/>
                 </a:solidFill>
-                <a:sym typeface="Wingdings" panose="05000000000000000000" pitchFamily="2" charset="2"/>
               </a:rPr>
-              <a:t>parenthesis</a:t>
+              <a:t>immutable</a:t>
+            </a:r>
+            <a:r>
+              <a:rPr lang="en-US" dirty="0"/>
+              <a:t> and cannot be changed once created.</a:t>
+            </a:r>
+            <a:br>
+              <a:rPr lang="en-US" dirty="0"/>
+            </a:br>
+            <a:r>
+              <a:rPr lang="en-US" dirty="0"/>
+              <a:t>I.e. the following natural update </a:t>
             </a:r>
             <a:r>
               <a:rPr lang="en-US" dirty="0">
-                <a:sym typeface="Wingdings" panose="05000000000000000000" pitchFamily="2" charset="2"/>
+                <a:solidFill>
+                  <a:srgbClr val="C00000"/>
+                </a:solidFill>
               </a:rPr>
-              <a:t> whenever in doubt of precedence!</a:t>
-            </a:r>
-            <a:endParaRPr lang="en-US" dirty="0"/>
+              <a:t>is not possible </a:t>
+            </a:r>
+            <a:r>
+              <a:rPr lang="en-US" dirty="0"/>
+              <a:t>(but is e.g. allowed in C)</a:t>
+            </a:r>
+            <a:endParaRPr lang="en-US" dirty="0">
+              <a:solidFill>
+                <a:srgbClr val="C00000"/>
+              </a:solidFill>
+            </a:endParaRPr>
           </a:p>
           <a:p>
             <a:pPr marL="0" indent="0" algn="ctr">
-              <a:spcBef>
-                <a:spcPts val="1800"/>
-              </a:spcBef>
+              <a:spcAft>
+                <a:spcPts val="1200"/>
+              </a:spcAft>
               <a:buNone/>
             </a:pPr>
-            <a:endParaRPr lang="en-US" dirty="0">
-              <a:sym typeface="Wingdings" panose="05000000000000000000" pitchFamily="2" charset="2"/>
-            </a:endParaRPr>
-          </a:p>
-        </p:txBody>
-      </p:sp>
-      <p:graphicFrame>
-        <p:nvGraphicFramePr>
-          <p:cNvPr id="4" name="Table 3"/>
-          <p:cNvGraphicFramePr>
-            <a:graphicFrameLocks noGrp="1"/>
-          </p:cNvGraphicFramePr>
-          <p:nvPr>
-            <p:extLst>
-              <p:ext uri="{D42A27DB-BD31-4B8C-83A1-F6EECF244321}">
-                <p14:modId xmlns:p14="http://schemas.microsoft.com/office/powerpoint/2010/main" val="3756868397"/>
-              </p:ext>
-            </p:extLst>
-          </p:nvPr>
-        </p:nvGraphicFramePr>
-        <p:xfrm>
-          <a:off x="9440883" y="190003"/>
-          <a:ext cx="2589786" cy="6533940"/>
-        </p:xfrm>
-        <a:graphic>
-          <a:graphicData uri="http://schemas.openxmlformats.org/drawingml/2006/table">
-            <a:tbl>
-              <a:tblPr/>
-              <a:tblGrid>
-                <a:gridCol w="2589786">
-                  <a:extLst>
-                    <a:ext uri="{9D8B030D-6E8A-4147-A177-3AD203B41FA5}">
-                      <a16:colId xmlns:a16="http://schemas.microsoft.com/office/drawing/2014/main" val="2486659109"/>
-                    </a:ext>
-                  </a:extLst>
-                </a:gridCol>
-              </a:tblGrid>
-              <a:tr h="324928">
-                <a:tc>
-                  <a:txBody>
-                    <a:bodyPr/>
-                    <a:lstStyle/>
-                    <a:p>
-                      <a:pPr algn="ctr"/>
-                      <a:r>
-                        <a:rPr lang="da-DK" sz="2000" u="none" dirty="0" err="1">
-                          <a:solidFill>
-                            <a:schemeClr val="bg1"/>
-                          </a:solidFill>
-                        </a:rPr>
-                        <a:t>Precedence</a:t>
-                      </a:r>
-                      <a:br>
-                        <a:rPr lang="da-DK" sz="2000" u="none" dirty="0">
-                          <a:solidFill>
-                            <a:schemeClr val="bg1"/>
-                          </a:solidFill>
-                        </a:rPr>
-                      </a:br>
-                      <a:r>
-                        <a:rPr lang="da-DK" sz="2000" u="none" baseline="0" dirty="0">
-                          <a:solidFill>
-                            <a:schemeClr val="bg1"/>
-                          </a:solidFill>
-                        </a:rPr>
-                        <a:t> (</a:t>
-                      </a:r>
-                      <a:r>
-                        <a:rPr lang="da-DK" sz="2000" u="none" baseline="0" dirty="0" err="1">
-                          <a:solidFill>
-                            <a:schemeClr val="bg1"/>
-                          </a:solidFill>
-                        </a:rPr>
-                        <a:t>low</a:t>
-                      </a:r>
-                      <a:r>
-                        <a:rPr lang="da-DK" sz="2000" u="none" baseline="0" dirty="0">
-                          <a:solidFill>
-                            <a:schemeClr val="bg1"/>
-                          </a:solidFill>
-                        </a:rPr>
-                        <a:t> to </a:t>
-                      </a:r>
-                      <a:r>
-                        <a:rPr lang="da-DK" sz="2000" u="none" baseline="0" dirty="0" err="1">
-                          <a:solidFill>
-                            <a:schemeClr val="bg1"/>
-                          </a:solidFill>
-                        </a:rPr>
-                        <a:t>high</a:t>
-                      </a:r>
-                      <a:r>
-                        <a:rPr lang="da-DK" sz="2000" u="none" baseline="0" dirty="0">
-                          <a:solidFill>
-                            <a:schemeClr val="bg1"/>
-                          </a:solidFill>
-                        </a:rPr>
-                        <a:t>)</a:t>
-                      </a:r>
-                      <a:endParaRPr lang="da-DK" sz="2000" u="none" dirty="0">
-                        <a:solidFill>
-                          <a:schemeClr val="bg1"/>
-                        </a:solidFill>
-                      </a:endParaRPr>
-                    </a:p>
-                  </a:txBody>
-                  <a:tcPr marL="80580" marR="80580" marT="40290" marB="40290" anchor="ctr">
-                    <a:lnL w="12700" cap="flat" cmpd="sng" algn="ctr">
-                      <a:solidFill>
-                        <a:schemeClr val="tx1"/>
-                      </a:solidFill>
-                      <a:prstDash val="solid"/>
-                      <a:round/>
-                      <a:headEnd type="none" w="med" len="med"/>
-                      <a:tailEnd type="none" w="med" len="med"/>
-                    </a:lnL>
-                    <a:lnR w="12700" cap="flat" cmpd="sng" algn="ctr">
-                      <a:solidFill>
-                        <a:schemeClr val="tx1"/>
-                      </a:solidFill>
-                      <a:prstDash val="solid"/>
-                      <a:round/>
-                      <a:headEnd type="none" w="med" len="med"/>
-                      <a:tailEnd type="none" w="med" len="med"/>
-                    </a:lnR>
-                    <a:lnT w="12700" cap="flat" cmpd="sng" algn="ctr">
-                      <a:solidFill>
-                        <a:schemeClr val="tx1"/>
-                      </a:solidFill>
-                      <a:prstDash val="solid"/>
-                      <a:round/>
-                      <a:headEnd type="none" w="med" len="med"/>
-                      <a:tailEnd type="none" w="med" len="med"/>
-                    </a:lnT>
-                    <a:lnB w="12700" cap="flat" cmpd="sng" algn="ctr">
-                      <a:solidFill>
-                        <a:schemeClr val="tx1"/>
-                      </a:solidFill>
-                      <a:prstDash val="solid"/>
-                      <a:round/>
-                      <a:headEnd type="none" w="med" len="med"/>
-                      <a:tailEnd type="none" w="med" len="med"/>
-                    </a:lnB>
-                    <a:solidFill>
-                      <a:srgbClr val="C00000"/>
-                    </a:solidFill>
-                  </a:tcPr>
-                </a:tc>
-                <a:extLst>
-                  <a:ext uri="{0D108BD9-81ED-4DB2-BD59-A6C34878D82A}">
-                    <a16:rowId xmlns:a16="http://schemas.microsoft.com/office/drawing/2014/main" val="3138802606"/>
-                  </a:ext>
-                </a:extLst>
-              </a:tr>
-              <a:tr h="324928">
-                <a:tc>
-                  <a:txBody>
-                    <a:bodyPr/>
-                    <a:lstStyle/>
-                    <a:p>
-                      <a:pPr algn="ctr"/>
-                      <a:r>
-                        <a:rPr lang="da-DK" sz="2000" u="none" dirty="0">
-                          <a:latin typeface="Courier New" panose="02070309020205020404" pitchFamily="49" charset="0"/>
-                          <a:cs typeface="Courier New" panose="02070309020205020404" pitchFamily="49" charset="0"/>
-                        </a:rPr>
-                        <a:t>or</a:t>
-                      </a:r>
-                    </a:p>
-                  </a:txBody>
-                  <a:tcPr marL="80580" marR="80580" marT="40290" marB="40290" anchor="ctr">
-                    <a:lnL w="12700" cap="flat" cmpd="sng" algn="ctr">
-                      <a:solidFill>
-                        <a:schemeClr val="tx1"/>
-                      </a:solidFill>
-                      <a:prstDash val="solid"/>
-                      <a:round/>
-                      <a:headEnd type="none" w="med" len="med"/>
-                      <a:tailEnd type="none" w="med" len="med"/>
-                    </a:lnL>
-                    <a:lnR w="12700" cap="flat" cmpd="sng" algn="ctr">
-                      <a:solidFill>
-                        <a:schemeClr val="tx1"/>
-                      </a:solidFill>
-                      <a:prstDash val="solid"/>
-                      <a:round/>
-                      <a:headEnd type="none" w="med" len="med"/>
-                      <a:tailEnd type="none" w="med" len="med"/>
-                    </a:lnR>
-                    <a:lnT w="12700" cap="flat" cmpd="sng" algn="ctr">
-                      <a:solidFill>
-                        <a:schemeClr val="tx1"/>
-                      </a:solidFill>
-                      <a:prstDash val="solid"/>
-                      <a:round/>
-                      <a:headEnd type="none" w="med" len="med"/>
-                      <a:tailEnd type="none" w="med" len="med"/>
-                    </a:lnT>
-                    <a:lnB w="12700" cap="flat" cmpd="sng" algn="ctr">
-                      <a:solidFill>
-                        <a:schemeClr val="tx1"/>
-                      </a:solidFill>
-                      <a:prstDash val="solid"/>
-                      <a:round/>
-                      <a:headEnd type="none" w="med" len="med"/>
-                      <a:tailEnd type="none" w="med" len="med"/>
-                    </a:lnB>
-                    <a:solidFill>
-                      <a:schemeClr val="accent5">
-                        <a:lumMod val="20000"/>
-                        <a:lumOff val="80000"/>
-                      </a:schemeClr>
-                    </a:solidFill>
-                  </a:tcPr>
-                </a:tc>
-                <a:extLst>
-                  <a:ext uri="{0D108BD9-81ED-4DB2-BD59-A6C34878D82A}">
-                    <a16:rowId xmlns:a16="http://schemas.microsoft.com/office/drawing/2014/main" val="564454404"/>
-                  </a:ext>
-                </a:extLst>
-              </a:tr>
-              <a:tr h="324928">
-                <a:tc>
-                  <a:txBody>
-                    <a:bodyPr/>
-                    <a:lstStyle/>
-                    <a:p>
-                      <a:pPr algn="ctr"/>
-                      <a:r>
-                        <a:rPr lang="da-DK" sz="2000" u="none" dirty="0">
-                          <a:latin typeface="Courier New" panose="02070309020205020404" pitchFamily="49" charset="0"/>
-                          <a:cs typeface="Courier New" panose="02070309020205020404" pitchFamily="49" charset="0"/>
-                        </a:rPr>
-                        <a:t>and</a:t>
-                      </a:r>
-                    </a:p>
-                  </a:txBody>
-                  <a:tcPr marL="80580" marR="80580" marT="40290" marB="40290" anchor="ctr">
-                    <a:lnL w="12700" cap="flat" cmpd="sng" algn="ctr">
-                      <a:solidFill>
-                        <a:schemeClr val="tx1"/>
-                      </a:solidFill>
-                      <a:prstDash val="solid"/>
-                      <a:round/>
-                      <a:headEnd type="none" w="med" len="med"/>
-                      <a:tailEnd type="none" w="med" len="med"/>
-                    </a:lnL>
-                    <a:lnR w="12700" cap="flat" cmpd="sng" algn="ctr">
-                      <a:solidFill>
-                        <a:schemeClr val="tx1"/>
-                      </a:solidFill>
-                      <a:prstDash val="solid"/>
-                      <a:round/>
-                      <a:headEnd type="none" w="med" len="med"/>
-                      <a:tailEnd type="none" w="med" len="med"/>
-                    </a:lnR>
-                    <a:lnT w="12700" cap="flat" cmpd="sng" algn="ctr">
-                      <a:solidFill>
-                        <a:schemeClr val="tx1"/>
-                      </a:solidFill>
-                      <a:prstDash val="solid"/>
-                      <a:round/>
-                      <a:headEnd type="none" w="med" len="med"/>
-                      <a:tailEnd type="none" w="med" len="med"/>
-                    </a:lnT>
-                    <a:lnB w="12700" cap="flat" cmpd="sng" algn="ctr">
-                      <a:solidFill>
-                        <a:schemeClr val="tx1"/>
-                      </a:solidFill>
-                      <a:prstDash val="solid"/>
-                      <a:round/>
-                      <a:headEnd type="none" w="med" len="med"/>
-                      <a:tailEnd type="none" w="med" len="med"/>
-                    </a:lnB>
-                    <a:solidFill>
-                      <a:schemeClr val="accent5">
-                        <a:lumMod val="20000"/>
-                        <a:lumOff val="80000"/>
-                      </a:schemeClr>
-                    </a:solidFill>
-                  </a:tcPr>
-                </a:tc>
-                <a:extLst>
-                  <a:ext uri="{0D108BD9-81ED-4DB2-BD59-A6C34878D82A}">
-                    <a16:rowId xmlns:a16="http://schemas.microsoft.com/office/drawing/2014/main" val="2863982840"/>
-                  </a:ext>
-                </a:extLst>
-              </a:tr>
-              <a:tr h="324928">
-                <a:tc>
-                  <a:txBody>
-                    <a:bodyPr/>
-                    <a:lstStyle/>
-                    <a:p>
-                      <a:pPr algn="ctr"/>
-                      <a:r>
-                        <a:rPr lang="da-DK" sz="2000" u="none" dirty="0">
-                          <a:latin typeface="Courier New" panose="02070309020205020404" pitchFamily="49" charset="0"/>
-                          <a:cs typeface="Courier New" panose="02070309020205020404" pitchFamily="49" charset="0"/>
-                        </a:rPr>
-                        <a:t>not </a:t>
-                      </a:r>
-                      <a:r>
-                        <a:rPr lang="da-DK" sz="2000" i="1" u="none" dirty="0">
-                          <a:latin typeface="Courier New" panose="02070309020205020404" pitchFamily="49" charset="0"/>
-                          <a:cs typeface="Courier New" panose="02070309020205020404" pitchFamily="49" charset="0"/>
-                        </a:rPr>
-                        <a:t>x</a:t>
-                      </a:r>
-                    </a:p>
-                  </a:txBody>
-                  <a:tcPr marL="80580" marR="80580" marT="40290" marB="40290" anchor="ctr">
-                    <a:lnL w="12700" cap="flat" cmpd="sng" algn="ctr">
-                      <a:solidFill>
-                        <a:schemeClr val="tx1"/>
-                      </a:solidFill>
-                      <a:prstDash val="solid"/>
-                      <a:round/>
-                      <a:headEnd type="none" w="med" len="med"/>
-                      <a:tailEnd type="none" w="med" len="med"/>
-                    </a:lnL>
-                    <a:lnR w="12700" cap="flat" cmpd="sng" algn="ctr">
-                      <a:solidFill>
-                        <a:schemeClr val="tx1"/>
-                      </a:solidFill>
-                      <a:prstDash val="solid"/>
-                      <a:round/>
-                      <a:headEnd type="none" w="med" len="med"/>
-                      <a:tailEnd type="none" w="med" len="med"/>
-                    </a:lnR>
-                    <a:lnT w="12700" cap="flat" cmpd="sng" algn="ctr">
-                      <a:solidFill>
-                        <a:schemeClr val="tx1"/>
-                      </a:solidFill>
-                      <a:prstDash val="solid"/>
-                      <a:round/>
-                      <a:headEnd type="none" w="med" len="med"/>
-                      <a:tailEnd type="none" w="med" len="med"/>
-                    </a:lnT>
-                    <a:lnB w="12700" cap="flat" cmpd="sng" algn="ctr">
-                      <a:solidFill>
-                        <a:schemeClr val="tx1"/>
-                      </a:solidFill>
-                      <a:prstDash val="solid"/>
-                      <a:round/>
-                      <a:headEnd type="none" w="med" len="med"/>
-                      <a:tailEnd type="none" w="med" len="med"/>
-                    </a:lnB>
-                    <a:solidFill>
-                      <a:schemeClr val="accent5">
-                        <a:lumMod val="20000"/>
-                        <a:lumOff val="80000"/>
-                      </a:schemeClr>
-                    </a:solidFill>
-                  </a:tcPr>
-                </a:tc>
-                <a:extLst>
-                  <a:ext uri="{0D108BD9-81ED-4DB2-BD59-A6C34878D82A}">
-                    <a16:rowId xmlns:a16="http://schemas.microsoft.com/office/drawing/2014/main" val="2243352647"/>
-                  </a:ext>
-                </a:extLst>
-              </a:tr>
-              <a:tr h="564945">
-                <a:tc>
-                  <a:txBody>
-                    <a:bodyPr/>
-                    <a:lstStyle/>
-                    <a:p>
-                      <a:pPr algn="ctr"/>
-                      <a:r>
-                        <a:rPr lang="en-US" sz="2000" u="none" dirty="0">
-                          <a:latin typeface="Courier New" panose="02070309020205020404" pitchFamily="49" charset="0"/>
-                          <a:cs typeface="Courier New" panose="02070309020205020404" pitchFamily="49" charset="0"/>
-                        </a:rPr>
-                        <a:t>in</a:t>
-                      </a:r>
-                      <a:r>
-                        <a:rPr lang="en-US" sz="2000" u="none" baseline="0" dirty="0">
-                          <a:latin typeface="Courier New" panose="02070309020205020404" pitchFamily="49" charset="0"/>
-                          <a:cs typeface="Courier New" panose="02070309020205020404" pitchFamily="49" charset="0"/>
-                        </a:rPr>
-                        <a:t>  </a:t>
-                      </a:r>
-                      <a:r>
-                        <a:rPr lang="en-US" sz="2000" u="none" dirty="0">
-                          <a:latin typeface="Courier New" panose="02070309020205020404" pitchFamily="49" charset="0"/>
-                          <a:cs typeface="Courier New" panose="02070309020205020404" pitchFamily="49" charset="0"/>
-                        </a:rPr>
-                        <a:t> not in</a:t>
-                      </a:r>
-                    </a:p>
-                    <a:p>
-                      <a:pPr algn="ctr"/>
-                      <a:r>
-                        <a:rPr lang="en-US" sz="2000" u="none" dirty="0">
-                          <a:latin typeface="Courier New" panose="02070309020205020404" pitchFamily="49" charset="0"/>
-                          <a:cs typeface="Courier New" panose="02070309020205020404" pitchFamily="49" charset="0"/>
-                        </a:rPr>
-                        <a:t>is   </a:t>
-                      </a:r>
-                      <a:r>
-                        <a:rPr lang="en-US" sz="2000" u="none" dirty="0" err="1">
-                          <a:latin typeface="Courier New" panose="02070309020205020404" pitchFamily="49" charset="0"/>
-                          <a:cs typeface="Courier New" panose="02070309020205020404" pitchFamily="49" charset="0"/>
-                        </a:rPr>
-                        <a:t>is</a:t>
-                      </a:r>
-                      <a:r>
-                        <a:rPr lang="en-US" sz="2000" u="none" dirty="0">
-                          <a:latin typeface="Courier New" panose="02070309020205020404" pitchFamily="49" charset="0"/>
-                          <a:cs typeface="Courier New" panose="02070309020205020404" pitchFamily="49" charset="0"/>
-                        </a:rPr>
-                        <a:t> not</a:t>
-                      </a:r>
-                    </a:p>
-                    <a:p>
-                      <a:pPr algn="ctr"/>
-                      <a:r>
-                        <a:rPr lang="en-US" sz="2000" u="none" dirty="0">
-                          <a:latin typeface="Courier New" panose="02070309020205020404" pitchFamily="49" charset="0"/>
-                          <a:cs typeface="Courier New" panose="02070309020205020404" pitchFamily="49" charset="0"/>
-                        </a:rPr>
-                        <a:t>==   &lt;   &lt;=</a:t>
-                      </a:r>
-                    </a:p>
-                    <a:p>
-                      <a:pPr algn="ctr"/>
-                      <a:r>
-                        <a:rPr lang="en-US" sz="2000" u="none" dirty="0">
-                          <a:latin typeface="Courier New" panose="02070309020205020404" pitchFamily="49" charset="0"/>
-                          <a:cs typeface="Courier New" panose="02070309020205020404" pitchFamily="49" charset="0"/>
-                        </a:rPr>
-                        <a:t>!=   &gt;</a:t>
-                      </a:r>
-                      <a:r>
-                        <a:rPr lang="en-US" sz="2000" u="none" baseline="0" dirty="0">
-                          <a:latin typeface="Courier New" panose="02070309020205020404" pitchFamily="49" charset="0"/>
-                          <a:cs typeface="Courier New" panose="02070309020205020404" pitchFamily="49" charset="0"/>
-                        </a:rPr>
-                        <a:t>  </a:t>
-                      </a:r>
-                      <a:r>
-                        <a:rPr lang="en-US" sz="2000" u="none" dirty="0">
-                          <a:latin typeface="Courier New" panose="02070309020205020404" pitchFamily="49" charset="0"/>
-                          <a:cs typeface="Courier New" panose="02070309020205020404" pitchFamily="49" charset="0"/>
-                        </a:rPr>
-                        <a:t> &gt;=</a:t>
-                      </a:r>
-                    </a:p>
-                  </a:txBody>
-                  <a:tcPr marL="80580" marR="80580" marT="40290" marB="40290" anchor="ctr">
-                    <a:lnL w="12700" cap="flat" cmpd="sng" algn="ctr">
-                      <a:solidFill>
-                        <a:schemeClr val="tx1"/>
-                      </a:solidFill>
-                      <a:prstDash val="solid"/>
-                      <a:round/>
-                      <a:headEnd type="none" w="med" len="med"/>
-                      <a:tailEnd type="none" w="med" len="med"/>
-                    </a:lnL>
-                    <a:lnR w="12700" cap="flat" cmpd="sng" algn="ctr">
-                      <a:solidFill>
-                        <a:schemeClr val="tx1"/>
-                      </a:solidFill>
-                      <a:prstDash val="solid"/>
-                      <a:round/>
-                      <a:headEnd type="none" w="med" len="med"/>
-                      <a:tailEnd type="none" w="med" len="med"/>
-                    </a:lnR>
-                    <a:lnT w="12700" cap="flat" cmpd="sng" algn="ctr">
-                      <a:solidFill>
-                        <a:schemeClr val="tx1"/>
-                      </a:solidFill>
-                      <a:prstDash val="solid"/>
-                      <a:round/>
-                      <a:headEnd type="none" w="med" len="med"/>
-                      <a:tailEnd type="none" w="med" len="med"/>
-                    </a:lnT>
-                    <a:lnB w="12700" cap="flat" cmpd="sng" algn="ctr">
-                      <a:solidFill>
-                        <a:schemeClr val="tx1"/>
-                      </a:solidFill>
-                      <a:prstDash val="solid"/>
-                      <a:round/>
-                      <a:headEnd type="none" w="med" len="med"/>
-                      <a:tailEnd type="none" w="med" len="med"/>
-                    </a:lnB>
-                    <a:solidFill>
-                      <a:schemeClr val="accent5">
-                        <a:lumMod val="20000"/>
-                        <a:lumOff val="80000"/>
-                      </a:schemeClr>
-                    </a:solidFill>
-                  </a:tcPr>
-                </a:tc>
-                <a:extLst>
-                  <a:ext uri="{0D108BD9-81ED-4DB2-BD59-A6C34878D82A}">
-                    <a16:rowId xmlns:a16="http://schemas.microsoft.com/office/drawing/2014/main" val="268387812"/>
-                  </a:ext>
-                </a:extLst>
-              </a:tr>
-              <a:tr h="324928">
-                <a:tc>
-                  <a:txBody>
-                    <a:bodyPr/>
-                    <a:lstStyle/>
-                    <a:p>
-                      <a:pPr algn="ctr"/>
-                      <a:r>
-                        <a:rPr lang="da-DK" sz="2000" u="none" dirty="0">
-                          <a:latin typeface="Courier New" panose="02070309020205020404" pitchFamily="49" charset="0"/>
-                          <a:cs typeface="Courier New" panose="02070309020205020404" pitchFamily="49" charset="0"/>
-                        </a:rPr>
-                        <a:t>|</a:t>
-                      </a:r>
-                    </a:p>
-                  </a:txBody>
-                  <a:tcPr marL="80580" marR="80580" marT="40290" marB="40290" anchor="ctr">
-                    <a:lnL w="12700" cap="flat" cmpd="sng" algn="ctr">
-                      <a:solidFill>
-                        <a:schemeClr val="tx1"/>
-                      </a:solidFill>
-                      <a:prstDash val="solid"/>
-                      <a:round/>
-                      <a:headEnd type="none" w="med" len="med"/>
-                      <a:tailEnd type="none" w="med" len="med"/>
-                    </a:lnL>
-                    <a:lnR w="12700" cap="flat" cmpd="sng" algn="ctr">
-                      <a:solidFill>
-                        <a:schemeClr val="tx1"/>
-                      </a:solidFill>
-                      <a:prstDash val="solid"/>
-                      <a:round/>
-                      <a:headEnd type="none" w="med" len="med"/>
-                      <a:tailEnd type="none" w="med" len="med"/>
-                    </a:lnR>
-                    <a:lnT w="12700" cap="flat" cmpd="sng" algn="ctr">
-                      <a:solidFill>
-                        <a:schemeClr val="tx1"/>
-                      </a:solidFill>
-                      <a:prstDash val="solid"/>
-                      <a:round/>
-                      <a:headEnd type="none" w="med" len="med"/>
-                      <a:tailEnd type="none" w="med" len="med"/>
-                    </a:lnT>
-                    <a:lnB w="12700" cap="flat" cmpd="sng" algn="ctr">
-                      <a:solidFill>
-                        <a:schemeClr val="tx1"/>
-                      </a:solidFill>
-                      <a:prstDash val="solid"/>
-                      <a:round/>
-                      <a:headEnd type="none" w="med" len="med"/>
-                      <a:tailEnd type="none" w="med" len="med"/>
-                    </a:lnB>
-                    <a:solidFill>
-                      <a:schemeClr val="accent5">
-                        <a:lumMod val="20000"/>
-                        <a:lumOff val="80000"/>
-                      </a:schemeClr>
-                    </a:solidFill>
-                  </a:tcPr>
-                </a:tc>
-                <a:extLst>
-                  <a:ext uri="{0D108BD9-81ED-4DB2-BD59-A6C34878D82A}">
-                    <a16:rowId xmlns:a16="http://schemas.microsoft.com/office/drawing/2014/main" val="2141160183"/>
-                  </a:ext>
-                </a:extLst>
-              </a:tr>
-              <a:tr h="324928">
-                <a:tc>
-                  <a:txBody>
-                    <a:bodyPr/>
-                    <a:lstStyle/>
-                    <a:p>
-                      <a:pPr algn="ctr"/>
-                      <a:r>
-                        <a:rPr lang="da-DK" sz="2000" u="none" dirty="0">
-                          <a:latin typeface="Courier New" panose="02070309020205020404" pitchFamily="49" charset="0"/>
-                          <a:cs typeface="Courier New" panose="02070309020205020404" pitchFamily="49" charset="0"/>
-                        </a:rPr>
-                        <a:t>^</a:t>
-                      </a:r>
-                    </a:p>
-                  </a:txBody>
-                  <a:tcPr marL="80580" marR="80580" marT="40290" marB="40290" anchor="ctr">
-                    <a:lnL w="12700" cap="flat" cmpd="sng" algn="ctr">
-                      <a:solidFill>
-                        <a:schemeClr val="tx1"/>
-                      </a:solidFill>
-                      <a:prstDash val="solid"/>
-                      <a:round/>
-                      <a:headEnd type="none" w="med" len="med"/>
-                      <a:tailEnd type="none" w="med" len="med"/>
-                    </a:lnL>
-                    <a:lnR w="12700" cap="flat" cmpd="sng" algn="ctr">
-                      <a:solidFill>
-                        <a:schemeClr val="tx1"/>
-                      </a:solidFill>
-                      <a:prstDash val="solid"/>
-                      <a:round/>
-                      <a:headEnd type="none" w="med" len="med"/>
-                      <a:tailEnd type="none" w="med" len="med"/>
-                    </a:lnR>
-                    <a:lnT w="12700" cap="flat" cmpd="sng" algn="ctr">
-                      <a:solidFill>
-                        <a:schemeClr val="tx1"/>
-                      </a:solidFill>
-                      <a:prstDash val="solid"/>
-                      <a:round/>
-                      <a:headEnd type="none" w="med" len="med"/>
-                      <a:tailEnd type="none" w="med" len="med"/>
-                    </a:lnT>
-                    <a:lnB w="12700" cap="flat" cmpd="sng" algn="ctr">
-                      <a:solidFill>
-                        <a:schemeClr val="tx1"/>
-                      </a:solidFill>
-                      <a:prstDash val="solid"/>
-                      <a:round/>
-                      <a:headEnd type="none" w="med" len="med"/>
-                      <a:tailEnd type="none" w="med" len="med"/>
-                    </a:lnB>
-                    <a:solidFill>
-                      <a:schemeClr val="accent5">
-                        <a:lumMod val="20000"/>
-                        <a:lumOff val="80000"/>
-                      </a:schemeClr>
-                    </a:solidFill>
-                  </a:tcPr>
-                </a:tc>
-                <a:extLst>
-                  <a:ext uri="{0D108BD9-81ED-4DB2-BD59-A6C34878D82A}">
-                    <a16:rowId xmlns:a16="http://schemas.microsoft.com/office/drawing/2014/main" val="751939433"/>
-                  </a:ext>
-                </a:extLst>
-              </a:tr>
-              <a:tr h="324928">
-                <a:tc>
-                  <a:txBody>
-                    <a:bodyPr/>
-                    <a:lstStyle/>
-                    <a:p>
-                      <a:pPr algn="ctr"/>
-                      <a:r>
-                        <a:rPr lang="da-DK" sz="2000" u="none" dirty="0">
-                          <a:latin typeface="Courier New" panose="02070309020205020404" pitchFamily="49" charset="0"/>
-                          <a:cs typeface="Courier New" panose="02070309020205020404" pitchFamily="49" charset="0"/>
-                        </a:rPr>
-                        <a:t>&amp;</a:t>
-                      </a:r>
-                    </a:p>
-                  </a:txBody>
-                  <a:tcPr marL="80580" marR="80580" marT="40290" marB="40290" anchor="ctr">
-                    <a:lnL w="12700" cap="flat" cmpd="sng" algn="ctr">
-                      <a:solidFill>
-                        <a:schemeClr val="tx1"/>
-                      </a:solidFill>
-                      <a:prstDash val="solid"/>
-                      <a:round/>
-                      <a:headEnd type="none" w="med" len="med"/>
-                      <a:tailEnd type="none" w="med" len="med"/>
-                    </a:lnL>
-                    <a:lnR w="12700" cap="flat" cmpd="sng" algn="ctr">
-                      <a:solidFill>
-                        <a:schemeClr val="tx1"/>
-                      </a:solidFill>
-                      <a:prstDash val="solid"/>
-                      <a:round/>
-                      <a:headEnd type="none" w="med" len="med"/>
-                      <a:tailEnd type="none" w="med" len="med"/>
-                    </a:lnR>
-                    <a:lnT w="12700" cap="flat" cmpd="sng" algn="ctr">
-                      <a:solidFill>
-                        <a:schemeClr val="tx1"/>
-                      </a:solidFill>
-                      <a:prstDash val="solid"/>
-                      <a:round/>
-                      <a:headEnd type="none" w="med" len="med"/>
-                      <a:tailEnd type="none" w="med" len="med"/>
-                    </a:lnT>
-                    <a:lnB w="12700" cap="flat" cmpd="sng" algn="ctr">
-                      <a:solidFill>
-                        <a:schemeClr val="tx1"/>
-                      </a:solidFill>
-                      <a:prstDash val="solid"/>
-                      <a:round/>
-                      <a:headEnd type="none" w="med" len="med"/>
-                      <a:tailEnd type="none" w="med" len="med"/>
-                    </a:lnB>
-                    <a:solidFill>
-                      <a:schemeClr val="accent5">
-                        <a:lumMod val="20000"/>
-                        <a:lumOff val="80000"/>
-                      </a:schemeClr>
-                    </a:solidFill>
-                  </a:tcPr>
-                </a:tc>
-                <a:extLst>
-                  <a:ext uri="{0D108BD9-81ED-4DB2-BD59-A6C34878D82A}">
-                    <a16:rowId xmlns:a16="http://schemas.microsoft.com/office/drawing/2014/main" val="3957012914"/>
-                  </a:ext>
-                </a:extLst>
-              </a:tr>
-              <a:tr h="324928">
-                <a:tc>
-                  <a:txBody>
-                    <a:bodyPr/>
-                    <a:lstStyle/>
-                    <a:p>
-                      <a:pPr algn="ctr"/>
-                      <a:r>
-                        <a:rPr lang="da-DK" sz="2000" u="none" dirty="0">
-                          <a:latin typeface="Courier New" panose="02070309020205020404" pitchFamily="49" charset="0"/>
-                          <a:cs typeface="Courier New" panose="02070309020205020404" pitchFamily="49" charset="0"/>
-                        </a:rPr>
-                        <a:t>&lt;&lt;</a:t>
-                      </a:r>
-                      <a:r>
-                        <a:rPr lang="da-DK" sz="2000" u="none" baseline="0" dirty="0">
-                          <a:latin typeface="Courier New" panose="02070309020205020404" pitchFamily="49" charset="0"/>
-                          <a:cs typeface="Courier New" panose="02070309020205020404" pitchFamily="49" charset="0"/>
-                        </a:rPr>
-                        <a:t>  </a:t>
-                      </a:r>
-                      <a:r>
-                        <a:rPr lang="da-DK" sz="2000" u="none" dirty="0">
-                          <a:latin typeface="Courier New" panose="02070309020205020404" pitchFamily="49" charset="0"/>
-                          <a:cs typeface="Courier New" panose="02070309020205020404" pitchFamily="49" charset="0"/>
-                        </a:rPr>
-                        <a:t> &gt;&gt;</a:t>
-                      </a:r>
-                    </a:p>
-                  </a:txBody>
-                  <a:tcPr marL="80580" marR="80580" marT="40290" marB="40290" anchor="ctr">
-                    <a:lnL w="12700" cap="flat" cmpd="sng" algn="ctr">
-                      <a:solidFill>
-                        <a:schemeClr val="tx1"/>
-                      </a:solidFill>
-                      <a:prstDash val="solid"/>
-                      <a:round/>
-                      <a:headEnd type="none" w="med" len="med"/>
-                      <a:tailEnd type="none" w="med" len="med"/>
-                    </a:lnL>
-                    <a:lnR w="12700" cap="flat" cmpd="sng" algn="ctr">
-                      <a:solidFill>
-                        <a:schemeClr val="tx1"/>
-                      </a:solidFill>
-                      <a:prstDash val="solid"/>
-                      <a:round/>
-                      <a:headEnd type="none" w="med" len="med"/>
-                      <a:tailEnd type="none" w="med" len="med"/>
-                    </a:lnR>
-                    <a:lnT w="12700" cap="flat" cmpd="sng" algn="ctr">
-                      <a:solidFill>
-                        <a:schemeClr val="tx1"/>
-                      </a:solidFill>
-                      <a:prstDash val="solid"/>
-                      <a:round/>
-                      <a:headEnd type="none" w="med" len="med"/>
-                      <a:tailEnd type="none" w="med" len="med"/>
-                    </a:lnT>
-                    <a:lnB w="12700" cap="flat" cmpd="sng" algn="ctr">
-                      <a:solidFill>
-                        <a:schemeClr val="tx1"/>
-                      </a:solidFill>
-                      <a:prstDash val="solid"/>
-                      <a:round/>
-                      <a:headEnd type="none" w="med" len="med"/>
-                      <a:tailEnd type="none" w="med" len="med"/>
-                    </a:lnB>
-                    <a:solidFill>
-                      <a:schemeClr val="accent5">
-                        <a:lumMod val="20000"/>
-                        <a:lumOff val="80000"/>
-                      </a:schemeClr>
-                    </a:solidFill>
-                  </a:tcPr>
-                </a:tc>
-                <a:extLst>
-                  <a:ext uri="{0D108BD9-81ED-4DB2-BD59-A6C34878D82A}">
-                    <a16:rowId xmlns:a16="http://schemas.microsoft.com/office/drawing/2014/main" val="672009882"/>
-                  </a:ext>
-                </a:extLst>
-              </a:tr>
-              <a:tr h="324928">
-                <a:tc>
-                  <a:txBody>
-                    <a:bodyPr/>
-                    <a:lstStyle/>
-                    <a:p>
-                      <a:pPr algn="ctr"/>
-                      <a:r>
-                        <a:rPr lang="da-DK" sz="2000" u="none" dirty="0">
-                          <a:latin typeface="Courier New" panose="02070309020205020404" pitchFamily="49" charset="0"/>
-                          <a:cs typeface="Courier New" panose="02070309020205020404" pitchFamily="49" charset="0"/>
-                        </a:rPr>
-                        <a:t>+</a:t>
-                      </a:r>
-                      <a:r>
-                        <a:rPr lang="da-DK" sz="2000" u="none" baseline="0" dirty="0">
-                          <a:latin typeface="Courier New" panose="02070309020205020404" pitchFamily="49" charset="0"/>
-                          <a:cs typeface="Courier New" panose="02070309020205020404" pitchFamily="49" charset="0"/>
-                        </a:rPr>
-                        <a:t>  </a:t>
-                      </a:r>
-                      <a:r>
-                        <a:rPr lang="da-DK" sz="2000" u="none" dirty="0">
-                          <a:latin typeface="Courier New" panose="02070309020205020404" pitchFamily="49" charset="0"/>
-                          <a:cs typeface="Courier New" panose="02070309020205020404" pitchFamily="49" charset="0"/>
-                        </a:rPr>
-                        <a:t> -</a:t>
-                      </a:r>
-                    </a:p>
-                  </a:txBody>
-                  <a:tcPr marL="80580" marR="80580" marT="40290" marB="40290" anchor="ctr">
-                    <a:lnL w="12700" cap="flat" cmpd="sng" algn="ctr">
-                      <a:solidFill>
-                        <a:schemeClr val="tx1"/>
-                      </a:solidFill>
-                      <a:prstDash val="solid"/>
-                      <a:round/>
-                      <a:headEnd type="none" w="med" len="med"/>
-                      <a:tailEnd type="none" w="med" len="med"/>
-                    </a:lnL>
-                    <a:lnR w="12700" cap="flat" cmpd="sng" algn="ctr">
-                      <a:solidFill>
-                        <a:schemeClr val="tx1"/>
-                      </a:solidFill>
-                      <a:prstDash val="solid"/>
-                      <a:round/>
-                      <a:headEnd type="none" w="med" len="med"/>
-                      <a:tailEnd type="none" w="med" len="med"/>
-                    </a:lnR>
-                    <a:lnT w="12700" cap="flat" cmpd="sng" algn="ctr">
-                      <a:solidFill>
-                        <a:schemeClr val="tx1"/>
-                      </a:solidFill>
-                      <a:prstDash val="solid"/>
-                      <a:round/>
-                      <a:headEnd type="none" w="med" len="med"/>
-                      <a:tailEnd type="none" w="med" len="med"/>
-                    </a:lnT>
-                    <a:lnB w="12700" cap="flat" cmpd="sng" algn="ctr">
-                      <a:solidFill>
-                        <a:schemeClr val="tx1"/>
-                      </a:solidFill>
-                      <a:prstDash val="solid"/>
-                      <a:round/>
-                      <a:headEnd type="none" w="med" len="med"/>
-                      <a:tailEnd type="none" w="med" len="med"/>
-                    </a:lnB>
-                    <a:solidFill>
-                      <a:schemeClr val="accent5">
-                        <a:lumMod val="20000"/>
-                        <a:lumOff val="80000"/>
-                      </a:schemeClr>
-                    </a:solidFill>
-                  </a:tcPr>
-                </a:tc>
-                <a:extLst>
-                  <a:ext uri="{0D108BD9-81ED-4DB2-BD59-A6C34878D82A}">
-                    <a16:rowId xmlns:a16="http://schemas.microsoft.com/office/drawing/2014/main" val="662020469"/>
-                  </a:ext>
-                </a:extLst>
-              </a:tr>
-              <a:tr h="564945">
-                <a:tc>
-                  <a:txBody>
-                    <a:bodyPr/>
-                    <a:lstStyle/>
-                    <a:p>
-                      <a:pPr algn="ctr"/>
-                      <a:r>
-                        <a:rPr lang="da-DK" sz="2000" u="none" dirty="0">
-                          <a:latin typeface="Courier New" panose="02070309020205020404" pitchFamily="49" charset="0"/>
-                          <a:cs typeface="Courier New" panose="02070309020205020404" pitchFamily="49" charset="0"/>
-                        </a:rPr>
-                        <a:t>*   @   </a:t>
-                      </a:r>
-                    </a:p>
-                    <a:p>
-                      <a:pPr algn="ctr"/>
-                      <a:r>
-                        <a:rPr lang="da-DK" sz="2000" u="none" dirty="0">
-                          <a:latin typeface="Courier New" panose="02070309020205020404" pitchFamily="49" charset="0"/>
-                          <a:cs typeface="Courier New" panose="02070309020205020404" pitchFamily="49" charset="0"/>
-                        </a:rPr>
-                        <a:t>/   //   %</a:t>
-                      </a:r>
-                    </a:p>
-                  </a:txBody>
-                  <a:tcPr marL="80580" marR="80580" marT="40290" marB="40290" anchor="ctr">
-                    <a:lnL w="12700" cap="flat" cmpd="sng" algn="ctr">
-                      <a:solidFill>
-                        <a:schemeClr val="tx1"/>
-                      </a:solidFill>
-                      <a:prstDash val="solid"/>
-                      <a:round/>
-                      <a:headEnd type="none" w="med" len="med"/>
-                      <a:tailEnd type="none" w="med" len="med"/>
-                    </a:lnL>
-                    <a:lnR w="12700" cap="flat" cmpd="sng" algn="ctr">
-                      <a:solidFill>
-                        <a:schemeClr val="tx1"/>
-                      </a:solidFill>
-                      <a:prstDash val="solid"/>
-                      <a:round/>
-                      <a:headEnd type="none" w="med" len="med"/>
-                      <a:tailEnd type="none" w="med" len="med"/>
-                    </a:lnR>
-                    <a:lnT w="12700" cap="flat" cmpd="sng" algn="ctr">
-                      <a:solidFill>
-                        <a:schemeClr val="tx1"/>
-                      </a:solidFill>
-                      <a:prstDash val="solid"/>
-                      <a:round/>
-                      <a:headEnd type="none" w="med" len="med"/>
-                      <a:tailEnd type="none" w="med" len="med"/>
-                    </a:lnT>
-                    <a:lnB w="12700" cap="flat" cmpd="sng" algn="ctr">
-                      <a:solidFill>
-                        <a:schemeClr val="tx1"/>
-                      </a:solidFill>
-                      <a:prstDash val="solid"/>
-                      <a:round/>
-                      <a:headEnd type="none" w="med" len="med"/>
-                      <a:tailEnd type="none" w="med" len="med"/>
-                    </a:lnB>
-                    <a:solidFill>
-                      <a:schemeClr val="accent5">
-                        <a:lumMod val="20000"/>
-                        <a:lumOff val="80000"/>
-                      </a:schemeClr>
-                    </a:solidFill>
-                  </a:tcPr>
-                </a:tc>
-                <a:extLst>
-                  <a:ext uri="{0D108BD9-81ED-4DB2-BD59-A6C34878D82A}">
-                    <a16:rowId xmlns:a16="http://schemas.microsoft.com/office/drawing/2014/main" val="2838861763"/>
-                  </a:ext>
-                </a:extLst>
-              </a:tr>
-              <a:tr h="0">
-                <a:tc>
-                  <a:txBody>
-                    <a:bodyPr/>
-                    <a:lstStyle/>
-                    <a:p>
-                      <a:pPr algn="ctr"/>
-                      <a:r>
-                        <a:rPr lang="da-DK" sz="2000" u="none" dirty="0">
-                          <a:latin typeface="Courier New" panose="02070309020205020404" pitchFamily="49" charset="0"/>
-                          <a:cs typeface="Courier New" panose="02070309020205020404" pitchFamily="49" charset="0"/>
-                        </a:rPr>
-                        <a:t>+</a:t>
-                      </a:r>
-                      <a:r>
-                        <a:rPr lang="da-DK" sz="2000" i="1" u="none" dirty="0">
-                          <a:latin typeface="Courier New" panose="02070309020205020404" pitchFamily="49" charset="0"/>
-                          <a:cs typeface="Courier New" panose="02070309020205020404" pitchFamily="49" charset="0"/>
-                        </a:rPr>
-                        <a:t>x</a:t>
-                      </a:r>
-                      <a:r>
-                        <a:rPr lang="da-DK" sz="2000" u="none" baseline="0" dirty="0">
-                          <a:latin typeface="Courier New" panose="02070309020205020404" pitchFamily="49" charset="0"/>
-                          <a:cs typeface="Courier New" panose="02070309020205020404" pitchFamily="49" charset="0"/>
-                        </a:rPr>
-                        <a:t>  </a:t>
-                      </a:r>
-                      <a:r>
-                        <a:rPr lang="da-DK" sz="2000" u="none" dirty="0">
-                          <a:latin typeface="Courier New" panose="02070309020205020404" pitchFamily="49" charset="0"/>
-                          <a:cs typeface="Courier New" panose="02070309020205020404" pitchFamily="49" charset="0"/>
-                        </a:rPr>
-                        <a:t> -</a:t>
-                      </a:r>
-                      <a:r>
-                        <a:rPr lang="da-DK" sz="2000" i="1" u="none" dirty="0">
-                          <a:latin typeface="Courier New" panose="02070309020205020404" pitchFamily="49" charset="0"/>
-                          <a:cs typeface="Courier New" panose="02070309020205020404" pitchFamily="49" charset="0"/>
-                        </a:rPr>
-                        <a:t>x</a:t>
-                      </a:r>
-                      <a:r>
-                        <a:rPr lang="da-DK" sz="2000" u="none" baseline="0" dirty="0">
-                          <a:latin typeface="Courier New" panose="02070309020205020404" pitchFamily="49" charset="0"/>
-                          <a:cs typeface="Courier New" panose="02070309020205020404" pitchFamily="49" charset="0"/>
-                        </a:rPr>
-                        <a:t>  </a:t>
-                      </a:r>
-                      <a:r>
-                        <a:rPr lang="da-DK" sz="2000" u="none" dirty="0">
-                          <a:latin typeface="Courier New" panose="02070309020205020404" pitchFamily="49" charset="0"/>
-                          <a:cs typeface="Courier New" panose="02070309020205020404" pitchFamily="49" charset="0"/>
-                        </a:rPr>
-                        <a:t> ~</a:t>
-                      </a:r>
-                      <a:r>
-                        <a:rPr lang="da-DK" sz="2000" i="1" u="none" dirty="0">
-                          <a:latin typeface="Courier New" panose="02070309020205020404" pitchFamily="49" charset="0"/>
-                          <a:cs typeface="Courier New" panose="02070309020205020404" pitchFamily="49" charset="0"/>
-                        </a:rPr>
-                        <a:t>x</a:t>
-                      </a:r>
-                    </a:p>
-                  </a:txBody>
-                  <a:tcPr marL="80580" marR="80580" marT="40290" marB="40290" anchor="ctr">
-                    <a:lnL w="12700" cap="flat" cmpd="sng" algn="ctr">
-                      <a:solidFill>
-                        <a:schemeClr val="tx1"/>
-                      </a:solidFill>
-                      <a:prstDash val="solid"/>
-                      <a:round/>
-                      <a:headEnd type="none" w="med" len="med"/>
-                      <a:tailEnd type="none" w="med" len="med"/>
-                    </a:lnL>
-                    <a:lnR w="12700" cap="flat" cmpd="sng" algn="ctr">
-                      <a:solidFill>
-                        <a:schemeClr val="tx1"/>
-                      </a:solidFill>
-                      <a:prstDash val="solid"/>
-                      <a:round/>
-                      <a:headEnd type="none" w="med" len="med"/>
-                      <a:tailEnd type="none" w="med" len="med"/>
-                    </a:lnR>
-                    <a:lnT w="12700" cap="flat" cmpd="sng" algn="ctr">
-                      <a:solidFill>
-                        <a:schemeClr val="tx1"/>
-                      </a:solidFill>
-                      <a:prstDash val="solid"/>
-                      <a:round/>
-                      <a:headEnd type="none" w="med" len="med"/>
-                      <a:tailEnd type="none" w="med" len="med"/>
-                    </a:lnT>
-                    <a:lnB w="12700" cap="flat" cmpd="sng" algn="ctr">
-                      <a:solidFill>
-                        <a:schemeClr val="tx1"/>
-                      </a:solidFill>
-                      <a:prstDash val="solid"/>
-                      <a:round/>
-                      <a:headEnd type="none" w="med" len="med"/>
-                      <a:tailEnd type="none" w="med" len="med"/>
-                    </a:lnB>
-                    <a:solidFill>
-                      <a:schemeClr val="accent5">
-                        <a:lumMod val="20000"/>
-                        <a:lumOff val="80000"/>
-                      </a:schemeClr>
-                    </a:solidFill>
-                  </a:tcPr>
-                </a:tc>
-                <a:extLst>
-                  <a:ext uri="{0D108BD9-81ED-4DB2-BD59-A6C34878D82A}">
-                    <a16:rowId xmlns:a16="http://schemas.microsoft.com/office/drawing/2014/main" val="1553472579"/>
-                  </a:ext>
-                </a:extLst>
-              </a:tr>
-              <a:tr h="324928">
-                <a:tc>
-                  <a:txBody>
-                    <a:bodyPr/>
-                    <a:lstStyle/>
-                    <a:p>
-                      <a:pPr algn="ctr"/>
-                      <a:r>
-                        <a:rPr lang="da-DK" sz="2000" u="none" dirty="0">
-                          <a:latin typeface="Courier New" panose="02070309020205020404" pitchFamily="49" charset="0"/>
-                          <a:cs typeface="Courier New" panose="02070309020205020404" pitchFamily="49" charset="0"/>
-                        </a:rPr>
-                        <a:t>**</a:t>
-                      </a:r>
-                    </a:p>
-                  </a:txBody>
-                  <a:tcPr marL="80580" marR="80580" marT="40290" marB="40290" anchor="ctr">
-                    <a:lnL w="12700" cap="flat" cmpd="sng" algn="ctr">
-                      <a:solidFill>
-                        <a:schemeClr val="tx1"/>
-                      </a:solidFill>
-                      <a:prstDash val="solid"/>
-                      <a:round/>
-                      <a:headEnd type="none" w="med" len="med"/>
-                      <a:tailEnd type="none" w="med" len="med"/>
-                    </a:lnL>
-                    <a:lnR w="12700" cap="flat" cmpd="sng" algn="ctr">
-                      <a:solidFill>
-                        <a:schemeClr val="tx1"/>
-                      </a:solidFill>
-                      <a:prstDash val="solid"/>
-                      <a:round/>
-                      <a:headEnd type="none" w="med" len="med"/>
-                      <a:tailEnd type="none" w="med" len="med"/>
-                    </a:lnR>
-                    <a:lnT w="12700" cap="flat" cmpd="sng" algn="ctr">
-                      <a:solidFill>
-                        <a:schemeClr val="tx1"/>
-                      </a:solidFill>
-                      <a:prstDash val="solid"/>
-                      <a:round/>
-                      <a:headEnd type="none" w="med" len="med"/>
-                      <a:tailEnd type="none" w="med" len="med"/>
-                    </a:lnT>
-                    <a:lnB w="12700" cap="flat" cmpd="sng" algn="ctr">
-                      <a:solidFill>
-                        <a:schemeClr val="tx1"/>
-                      </a:solidFill>
-                      <a:prstDash val="solid"/>
-                      <a:round/>
-                      <a:headEnd type="none" w="med" len="med"/>
-                      <a:tailEnd type="none" w="med" len="med"/>
-                    </a:lnB>
-                    <a:solidFill>
-                      <a:schemeClr val="accent5">
-                        <a:lumMod val="20000"/>
-                        <a:lumOff val="80000"/>
-                      </a:schemeClr>
-                    </a:solidFill>
-                  </a:tcPr>
-                </a:tc>
-                <a:extLst>
-                  <a:ext uri="{0D108BD9-81ED-4DB2-BD59-A6C34878D82A}">
-                    <a16:rowId xmlns:a16="http://schemas.microsoft.com/office/drawing/2014/main" val="1975563258"/>
-                  </a:ext>
-                </a:extLst>
-              </a:tr>
-            </a:tbl>
-          </a:graphicData>
-        </a:graphic>
-      </p:graphicFrame>
-      <p:sp>
-        <p:nvSpPr>
-          <p:cNvPr id="5" name="Rectangle 4"/>
-          <p:cNvSpPr/>
-          <p:nvPr/>
-        </p:nvSpPr>
-        <p:spPr>
-          <a:xfrm>
-            <a:off x="184332" y="6438395"/>
-            <a:ext cx="4579395" cy="369332"/>
-          </a:xfrm>
-          <a:prstGeom prst="rect">
-            <a:avLst/>
-          </a:prstGeom>
-        </p:spPr>
-        <p:txBody>
-          <a:bodyPr wrap="none">
-            <a:spAutoFit/>
-          </a:bodyPr>
-          <a:lstStyle/>
-          <a:p>
             <a:r>
               <a:rPr lang="en-US" dirty="0">
-                <a:hlinkClick r:id="rId3"/>
+                <a:solidFill>
+                  <a:srgbClr val="C00000"/>
+                </a:solidFill>
+                <a:latin typeface="Courier"/>
               </a:rPr>
-              <a:t>docs.python.org/3/reference/expressions.html</a:t>
-            </a:r>
+              <a:t>s[3] = "x"</a:t>
+            </a:r>
+          </a:p>
+          <a:p>
+            <a:pPr>
+              <a:spcAft>
+                <a:spcPts val="1200"/>
+              </a:spcAft>
+            </a:pPr>
+            <a:r>
+              <a:rPr lang="en-US" dirty="0"/>
+              <a:t>To replace the </a:t>
+            </a:r>
+            <a:r>
+              <a:rPr lang="en-US" dirty="0">
+                <a:latin typeface="Courier"/>
+              </a:rPr>
+              <a:t>"d"</a:t>
+            </a:r>
+            <a:r>
+              <a:rPr lang="en-US" dirty="0"/>
+              <a:t> with </a:t>
+            </a:r>
+            <a:r>
+              <a:rPr lang="en-US" dirty="0">
+                <a:latin typeface="Courier"/>
+              </a:rPr>
+              <a:t>"x"</a:t>
+            </a:r>
+            <a:r>
+              <a:rPr lang="en-US" dirty="0"/>
+              <a:t> in </a:t>
+            </a:r>
+            <a:r>
+              <a:rPr lang="en-US" dirty="0">
+                <a:latin typeface="Courier"/>
+              </a:rPr>
+              <a:t>s</a:t>
+            </a:r>
+            <a:r>
+              <a:rPr lang="en-US" dirty="0"/>
+              <a:t>, instead </a:t>
+            </a:r>
+            <a:r>
+              <a:rPr lang="en-US"/>
+              <a:t>create the new string</a:t>
+            </a:r>
+            <a:endParaRPr lang="en-US" dirty="0"/>
+          </a:p>
+          <a:p>
+            <a:pPr marL="0" indent="0" algn="ctr">
+              <a:spcAft>
+                <a:spcPts val="1200"/>
+              </a:spcAft>
+              <a:buNone/>
+            </a:pPr>
+            <a:r>
+              <a:rPr lang="en-US" dirty="0">
+                <a:latin typeface="Courier"/>
+              </a:rPr>
+              <a:t>s = s[:3] + "x" + s[4:]</a:t>
+            </a:r>
+            <a:br>
+              <a:rPr lang="en-US" dirty="0"/>
+            </a:br>
             <a:endParaRPr lang="en-US" dirty="0"/>
           </a:p>
         </p:txBody>
@@ -24447,7 +24160,7 @@
     </p:spTree>
     <p:extLst>
       <p:ext uri="{BB962C8B-B14F-4D97-AF65-F5344CB8AC3E}">
-        <p14:creationId xmlns:p14="http://schemas.microsoft.com/office/powerpoint/2010/main" val="3996596200"/>
+        <p14:creationId xmlns:p14="http://schemas.microsoft.com/office/powerpoint/2010/main" val="3203409752"/>
       </p:ext>
     </p:extLst>
   </p:cSld>
@@ -24491,6 +24204,1378 @@
           <a:p>
             <a:r>
               <a:rPr lang="en-US" dirty="0"/>
+              <a:t>Operators</a:t>
+            </a:r>
+            <a:br>
+              <a:rPr lang="en-US" dirty="0"/>
+            </a:br>
+            <a:r>
+              <a:rPr lang="en-US" dirty="0"/>
+              <a:t>Precedence rules &amp; Associativity</a:t>
+            </a:r>
+          </a:p>
+        </p:txBody>
+      </p:sp>
+      <p:sp>
+        <p:nvSpPr>
+          <p:cNvPr id="3" name="Content Placeholder 2"/>
+          <p:cNvSpPr>
+            <a:spLocks noGrp="1"/>
+          </p:cNvSpPr>
+          <p:nvPr>
+            <p:ph idx="1"/>
+          </p:nvPr>
+        </p:nvSpPr>
+        <p:spPr>
+          <a:xfrm>
+            <a:off x="838200" y="1791569"/>
+            <a:ext cx="8602683" cy="4831492"/>
+          </a:xfrm>
+        </p:spPr>
+        <p:txBody>
+          <a:bodyPr>
+            <a:normAutofit/>
+          </a:bodyPr>
+          <a:lstStyle/>
+          <a:p>
+            <a:pPr marL="0" indent="0">
+              <a:spcBef>
+                <a:spcPts val="1800"/>
+              </a:spcBef>
+              <a:buNone/>
+            </a:pPr>
+            <a:r>
+              <a:rPr lang="en-US" dirty="0"/>
+              <a:t>Example: * has higher precedence than +</a:t>
+            </a:r>
+          </a:p>
+          <a:p>
+            <a:pPr marL="0" indent="0" algn="ctr">
+              <a:spcBef>
+                <a:spcPts val="1800"/>
+              </a:spcBef>
+              <a:buNone/>
+            </a:pPr>
+            <a:r>
+              <a:rPr lang="en-US" dirty="0"/>
+              <a:t>2 + 3 * 4  </a:t>
+            </a:r>
+            <a:r>
+              <a:rPr lang="en-US" dirty="0">
+                <a:sym typeface="Wingdings" panose="05000000000000000000" pitchFamily="2" charset="2"/>
+              </a:rPr>
+              <a:t> ≡ </a:t>
+            </a:r>
+            <a:r>
+              <a:rPr lang="en-US" dirty="0"/>
+              <a:t>  2 + (3 * 4) </a:t>
+            </a:r>
+            <a:r>
+              <a:rPr lang="en-US" dirty="0">
+                <a:sym typeface="Wingdings" panose="05000000000000000000" pitchFamily="2" charset="2"/>
+              </a:rPr>
+              <a:t> 14    and  (2 + 3) * 4  20</a:t>
+            </a:r>
+          </a:p>
+          <a:p>
+            <a:pPr marL="0" indent="0">
+              <a:spcBef>
+                <a:spcPts val="1800"/>
+              </a:spcBef>
+              <a:buNone/>
+            </a:pPr>
+            <a:r>
+              <a:rPr lang="en-US" dirty="0">
+                <a:sym typeface="Wingdings" panose="05000000000000000000" pitchFamily="2" charset="2"/>
+              </a:rPr>
+              <a:t>All operators in same group are evaluated left-to-right</a:t>
+            </a:r>
+          </a:p>
+          <a:p>
+            <a:pPr marL="0" indent="0" algn="ctr">
+              <a:spcBef>
+                <a:spcPts val="1800"/>
+              </a:spcBef>
+              <a:buNone/>
+            </a:pPr>
+            <a:r>
+              <a:rPr lang="en-US" dirty="0">
+                <a:sym typeface="Wingdings" panose="05000000000000000000" pitchFamily="2" charset="2"/>
+              </a:rPr>
+              <a:t>2 + 3 - 4 - 5   ≡   ((2 + 3) - 4) - 5      -4</a:t>
+            </a:r>
+          </a:p>
+          <a:p>
+            <a:pPr marL="0" indent="0">
+              <a:spcBef>
+                <a:spcPts val="1800"/>
+              </a:spcBef>
+              <a:buNone/>
+            </a:pPr>
+            <a:r>
+              <a:rPr lang="en-US" dirty="0">
+                <a:sym typeface="Wingdings" panose="05000000000000000000" pitchFamily="2" charset="2"/>
+              </a:rPr>
+              <a:t>except for **, that is evaluated right-to-left</a:t>
+            </a:r>
+          </a:p>
+          <a:p>
+            <a:pPr marL="0" indent="0" algn="ctr">
+              <a:spcBef>
+                <a:spcPts val="1800"/>
+              </a:spcBef>
+              <a:buNone/>
+            </a:pPr>
+            <a:r>
+              <a:rPr lang="en-US" dirty="0">
+                <a:sym typeface="Wingdings" panose="05000000000000000000" pitchFamily="2" charset="2"/>
+              </a:rPr>
+              <a:t>2**2**3   ≡   2**(2**3)      256</a:t>
+            </a:r>
+          </a:p>
+          <a:p>
+            <a:pPr marL="0" indent="0">
+              <a:spcBef>
+                <a:spcPts val="1800"/>
+              </a:spcBef>
+              <a:buNone/>
+            </a:pPr>
+            <a:r>
+              <a:rPr lang="en-US" dirty="0">
+                <a:sym typeface="Wingdings" panose="05000000000000000000" pitchFamily="2" charset="2"/>
+              </a:rPr>
+              <a:t>Rule: Use </a:t>
+            </a:r>
+            <a:r>
+              <a:rPr lang="en-US" dirty="0">
+                <a:solidFill>
+                  <a:srgbClr val="C00000"/>
+                </a:solidFill>
+                <a:sym typeface="Wingdings" panose="05000000000000000000" pitchFamily="2" charset="2"/>
+              </a:rPr>
+              <a:t>parenthesis</a:t>
+            </a:r>
+            <a:r>
+              <a:rPr lang="en-US" dirty="0">
+                <a:sym typeface="Wingdings" panose="05000000000000000000" pitchFamily="2" charset="2"/>
+              </a:rPr>
+              <a:t> whenever in doubt of precedence!</a:t>
+            </a:r>
+            <a:endParaRPr lang="en-US" dirty="0"/>
+          </a:p>
+          <a:p>
+            <a:pPr marL="0" indent="0" algn="ctr">
+              <a:spcBef>
+                <a:spcPts val="1800"/>
+              </a:spcBef>
+              <a:buNone/>
+            </a:pPr>
+            <a:endParaRPr lang="en-US" dirty="0">
+              <a:sym typeface="Wingdings" panose="05000000000000000000" pitchFamily="2" charset="2"/>
+            </a:endParaRPr>
+          </a:p>
+        </p:txBody>
+      </p:sp>
+      <p:graphicFrame>
+        <p:nvGraphicFramePr>
+          <p:cNvPr id="4" name="Table 3"/>
+          <p:cNvGraphicFramePr>
+            <a:graphicFrameLocks noGrp="1"/>
+          </p:cNvGraphicFramePr>
+          <p:nvPr>
+            <p:extLst>
+              <p:ext uri="{D42A27DB-BD31-4B8C-83A1-F6EECF244321}">
+                <p14:modId xmlns:p14="http://schemas.microsoft.com/office/powerpoint/2010/main" val="3756868397"/>
+              </p:ext>
+            </p:extLst>
+          </p:nvPr>
+        </p:nvGraphicFramePr>
+        <p:xfrm>
+          <a:off x="9440883" y="190003"/>
+          <a:ext cx="2589786" cy="6533940"/>
+        </p:xfrm>
+        <a:graphic>
+          <a:graphicData uri="http://schemas.openxmlformats.org/drawingml/2006/table">
+            <a:tbl>
+              <a:tblPr/>
+              <a:tblGrid>
+                <a:gridCol w="2589786">
+                  <a:extLst>
+                    <a:ext uri="{9D8B030D-6E8A-4147-A177-3AD203B41FA5}">
+                      <a16:colId xmlns:a16="http://schemas.microsoft.com/office/drawing/2014/main" val="2486659109"/>
+                    </a:ext>
+                  </a:extLst>
+                </a:gridCol>
+              </a:tblGrid>
+              <a:tr h="324928">
+                <a:tc>
+                  <a:txBody>
+                    <a:bodyPr/>
+                    <a:lstStyle/>
+                    <a:p>
+                      <a:pPr algn="ctr"/>
+                      <a:r>
+                        <a:rPr lang="da-DK" sz="2000" u="none" dirty="0" err="1">
+                          <a:solidFill>
+                            <a:schemeClr val="bg1"/>
+                          </a:solidFill>
+                        </a:rPr>
+                        <a:t>Precedence</a:t>
+                      </a:r>
+                      <a:br>
+                        <a:rPr lang="da-DK" sz="2000" u="none" dirty="0">
+                          <a:solidFill>
+                            <a:schemeClr val="bg1"/>
+                          </a:solidFill>
+                        </a:rPr>
+                      </a:br>
+                      <a:r>
+                        <a:rPr lang="da-DK" sz="2000" u="none" baseline="0" dirty="0">
+                          <a:solidFill>
+                            <a:schemeClr val="bg1"/>
+                          </a:solidFill>
+                        </a:rPr>
+                        <a:t> (</a:t>
+                      </a:r>
+                      <a:r>
+                        <a:rPr lang="da-DK" sz="2000" u="none" baseline="0" dirty="0" err="1">
+                          <a:solidFill>
+                            <a:schemeClr val="bg1"/>
+                          </a:solidFill>
+                        </a:rPr>
+                        <a:t>low</a:t>
+                      </a:r>
+                      <a:r>
+                        <a:rPr lang="da-DK" sz="2000" u="none" baseline="0" dirty="0">
+                          <a:solidFill>
+                            <a:schemeClr val="bg1"/>
+                          </a:solidFill>
+                        </a:rPr>
+                        <a:t> to </a:t>
+                      </a:r>
+                      <a:r>
+                        <a:rPr lang="da-DK" sz="2000" u="none" baseline="0" dirty="0" err="1">
+                          <a:solidFill>
+                            <a:schemeClr val="bg1"/>
+                          </a:solidFill>
+                        </a:rPr>
+                        <a:t>high</a:t>
+                      </a:r>
+                      <a:r>
+                        <a:rPr lang="da-DK" sz="2000" u="none" baseline="0" dirty="0">
+                          <a:solidFill>
+                            <a:schemeClr val="bg1"/>
+                          </a:solidFill>
+                        </a:rPr>
+                        <a:t>)</a:t>
+                      </a:r>
+                      <a:endParaRPr lang="da-DK" sz="2000" u="none" dirty="0">
+                        <a:solidFill>
+                          <a:schemeClr val="bg1"/>
+                        </a:solidFill>
+                      </a:endParaRPr>
+                    </a:p>
+                  </a:txBody>
+                  <a:tcPr marL="80580" marR="80580" marT="40290" marB="40290" anchor="ctr">
+                    <a:lnL w="12700" cap="flat" cmpd="sng" algn="ctr">
+                      <a:solidFill>
+                        <a:schemeClr val="tx1"/>
+                      </a:solidFill>
+                      <a:prstDash val="solid"/>
+                      <a:round/>
+                      <a:headEnd type="none" w="med" len="med"/>
+                      <a:tailEnd type="none" w="med" len="med"/>
+                    </a:lnL>
+                    <a:lnR w="12700" cap="flat" cmpd="sng" algn="ctr">
+                      <a:solidFill>
+                        <a:schemeClr val="tx1"/>
+                      </a:solidFill>
+                      <a:prstDash val="solid"/>
+                      <a:round/>
+                      <a:headEnd type="none" w="med" len="med"/>
+                      <a:tailEnd type="none" w="med" len="med"/>
+                    </a:lnR>
+                    <a:lnT w="12700" cap="flat" cmpd="sng" algn="ctr">
+                      <a:solidFill>
+                        <a:schemeClr val="tx1"/>
+                      </a:solidFill>
+                      <a:prstDash val="solid"/>
+                      <a:round/>
+                      <a:headEnd type="none" w="med" len="med"/>
+                      <a:tailEnd type="none" w="med" len="med"/>
+                    </a:lnT>
+                    <a:lnB w="12700" cap="flat" cmpd="sng" algn="ctr">
+                      <a:solidFill>
+                        <a:schemeClr val="tx1"/>
+                      </a:solidFill>
+                      <a:prstDash val="solid"/>
+                      <a:round/>
+                      <a:headEnd type="none" w="med" len="med"/>
+                      <a:tailEnd type="none" w="med" len="med"/>
+                    </a:lnB>
+                    <a:solidFill>
+                      <a:srgbClr val="C00000"/>
+                    </a:solidFill>
+                  </a:tcPr>
+                </a:tc>
+                <a:extLst>
+                  <a:ext uri="{0D108BD9-81ED-4DB2-BD59-A6C34878D82A}">
+                    <a16:rowId xmlns:a16="http://schemas.microsoft.com/office/drawing/2014/main" val="3138802606"/>
+                  </a:ext>
+                </a:extLst>
+              </a:tr>
+              <a:tr h="324928">
+                <a:tc>
+                  <a:txBody>
+                    <a:bodyPr/>
+                    <a:lstStyle/>
+                    <a:p>
+                      <a:pPr algn="ctr"/>
+                      <a:r>
+                        <a:rPr lang="da-DK" sz="2000" u="none" dirty="0">
+                          <a:latin typeface="Courier New" panose="02070309020205020404" pitchFamily="49" charset="0"/>
+                          <a:cs typeface="Courier New" panose="02070309020205020404" pitchFamily="49" charset="0"/>
+                        </a:rPr>
+                        <a:t>or</a:t>
+                      </a:r>
+                    </a:p>
+                  </a:txBody>
+                  <a:tcPr marL="80580" marR="80580" marT="40290" marB="40290" anchor="ctr">
+                    <a:lnL w="12700" cap="flat" cmpd="sng" algn="ctr">
+                      <a:solidFill>
+                        <a:schemeClr val="tx1"/>
+                      </a:solidFill>
+                      <a:prstDash val="solid"/>
+                      <a:round/>
+                      <a:headEnd type="none" w="med" len="med"/>
+                      <a:tailEnd type="none" w="med" len="med"/>
+                    </a:lnL>
+                    <a:lnR w="12700" cap="flat" cmpd="sng" algn="ctr">
+                      <a:solidFill>
+                        <a:schemeClr val="tx1"/>
+                      </a:solidFill>
+                      <a:prstDash val="solid"/>
+                      <a:round/>
+                      <a:headEnd type="none" w="med" len="med"/>
+                      <a:tailEnd type="none" w="med" len="med"/>
+                    </a:lnR>
+                    <a:lnT w="12700" cap="flat" cmpd="sng" algn="ctr">
+                      <a:solidFill>
+                        <a:schemeClr val="tx1"/>
+                      </a:solidFill>
+                      <a:prstDash val="solid"/>
+                      <a:round/>
+                      <a:headEnd type="none" w="med" len="med"/>
+                      <a:tailEnd type="none" w="med" len="med"/>
+                    </a:lnT>
+                    <a:lnB w="12700" cap="flat" cmpd="sng" algn="ctr">
+                      <a:solidFill>
+                        <a:schemeClr val="tx1"/>
+                      </a:solidFill>
+                      <a:prstDash val="solid"/>
+                      <a:round/>
+                      <a:headEnd type="none" w="med" len="med"/>
+                      <a:tailEnd type="none" w="med" len="med"/>
+                    </a:lnB>
+                    <a:solidFill>
+                      <a:schemeClr val="accent5">
+                        <a:lumMod val="20000"/>
+                        <a:lumOff val="80000"/>
+                      </a:schemeClr>
+                    </a:solidFill>
+                  </a:tcPr>
+                </a:tc>
+                <a:extLst>
+                  <a:ext uri="{0D108BD9-81ED-4DB2-BD59-A6C34878D82A}">
+                    <a16:rowId xmlns:a16="http://schemas.microsoft.com/office/drawing/2014/main" val="564454404"/>
+                  </a:ext>
+                </a:extLst>
+              </a:tr>
+              <a:tr h="324928">
+                <a:tc>
+                  <a:txBody>
+                    <a:bodyPr/>
+                    <a:lstStyle/>
+                    <a:p>
+                      <a:pPr algn="ctr"/>
+                      <a:r>
+                        <a:rPr lang="da-DK" sz="2000" u="none" dirty="0">
+                          <a:latin typeface="Courier New" panose="02070309020205020404" pitchFamily="49" charset="0"/>
+                          <a:cs typeface="Courier New" panose="02070309020205020404" pitchFamily="49" charset="0"/>
+                        </a:rPr>
+                        <a:t>and</a:t>
+                      </a:r>
+                    </a:p>
+                  </a:txBody>
+                  <a:tcPr marL="80580" marR="80580" marT="40290" marB="40290" anchor="ctr">
+                    <a:lnL w="12700" cap="flat" cmpd="sng" algn="ctr">
+                      <a:solidFill>
+                        <a:schemeClr val="tx1"/>
+                      </a:solidFill>
+                      <a:prstDash val="solid"/>
+                      <a:round/>
+                      <a:headEnd type="none" w="med" len="med"/>
+                      <a:tailEnd type="none" w="med" len="med"/>
+                    </a:lnL>
+                    <a:lnR w="12700" cap="flat" cmpd="sng" algn="ctr">
+                      <a:solidFill>
+                        <a:schemeClr val="tx1"/>
+                      </a:solidFill>
+                      <a:prstDash val="solid"/>
+                      <a:round/>
+                      <a:headEnd type="none" w="med" len="med"/>
+                      <a:tailEnd type="none" w="med" len="med"/>
+                    </a:lnR>
+                    <a:lnT w="12700" cap="flat" cmpd="sng" algn="ctr">
+                      <a:solidFill>
+                        <a:schemeClr val="tx1"/>
+                      </a:solidFill>
+                      <a:prstDash val="solid"/>
+                      <a:round/>
+                      <a:headEnd type="none" w="med" len="med"/>
+                      <a:tailEnd type="none" w="med" len="med"/>
+                    </a:lnT>
+                    <a:lnB w="12700" cap="flat" cmpd="sng" algn="ctr">
+                      <a:solidFill>
+                        <a:schemeClr val="tx1"/>
+                      </a:solidFill>
+                      <a:prstDash val="solid"/>
+                      <a:round/>
+                      <a:headEnd type="none" w="med" len="med"/>
+                      <a:tailEnd type="none" w="med" len="med"/>
+                    </a:lnB>
+                    <a:solidFill>
+                      <a:schemeClr val="accent5">
+                        <a:lumMod val="20000"/>
+                        <a:lumOff val="80000"/>
+                      </a:schemeClr>
+                    </a:solidFill>
+                  </a:tcPr>
+                </a:tc>
+                <a:extLst>
+                  <a:ext uri="{0D108BD9-81ED-4DB2-BD59-A6C34878D82A}">
+                    <a16:rowId xmlns:a16="http://schemas.microsoft.com/office/drawing/2014/main" val="2863982840"/>
+                  </a:ext>
+                </a:extLst>
+              </a:tr>
+              <a:tr h="324928">
+                <a:tc>
+                  <a:txBody>
+                    <a:bodyPr/>
+                    <a:lstStyle/>
+                    <a:p>
+                      <a:pPr algn="ctr"/>
+                      <a:r>
+                        <a:rPr lang="da-DK" sz="2000" u="none" dirty="0">
+                          <a:latin typeface="Courier New" panose="02070309020205020404" pitchFamily="49" charset="0"/>
+                          <a:cs typeface="Courier New" panose="02070309020205020404" pitchFamily="49" charset="0"/>
+                        </a:rPr>
+                        <a:t>not </a:t>
+                      </a:r>
+                      <a:r>
+                        <a:rPr lang="da-DK" sz="2000" i="1" u="none" dirty="0">
+                          <a:latin typeface="Courier New" panose="02070309020205020404" pitchFamily="49" charset="0"/>
+                          <a:cs typeface="Courier New" panose="02070309020205020404" pitchFamily="49" charset="0"/>
+                        </a:rPr>
+                        <a:t>x</a:t>
+                      </a:r>
+                    </a:p>
+                  </a:txBody>
+                  <a:tcPr marL="80580" marR="80580" marT="40290" marB="40290" anchor="ctr">
+                    <a:lnL w="12700" cap="flat" cmpd="sng" algn="ctr">
+                      <a:solidFill>
+                        <a:schemeClr val="tx1"/>
+                      </a:solidFill>
+                      <a:prstDash val="solid"/>
+                      <a:round/>
+                      <a:headEnd type="none" w="med" len="med"/>
+                      <a:tailEnd type="none" w="med" len="med"/>
+                    </a:lnL>
+                    <a:lnR w="12700" cap="flat" cmpd="sng" algn="ctr">
+                      <a:solidFill>
+                        <a:schemeClr val="tx1"/>
+                      </a:solidFill>
+                      <a:prstDash val="solid"/>
+                      <a:round/>
+                      <a:headEnd type="none" w="med" len="med"/>
+                      <a:tailEnd type="none" w="med" len="med"/>
+                    </a:lnR>
+                    <a:lnT w="12700" cap="flat" cmpd="sng" algn="ctr">
+                      <a:solidFill>
+                        <a:schemeClr val="tx1"/>
+                      </a:solidFill>
+                      <a:prstDash val="solid"/>
+                      <a:round/>
+                      <a:headEnd type="none" w="med" len="med"/>
+                      <a:tailEnd type="none" w="med" len="med"/>
+                    </a:lnT>
+                    <a:lnB w="12700" cap="flat" cmpd="sng" algn="ctr">
+                      <a:solidFill>
+                        <a:schemeClr val="tx1"/>
+                      </a:solidFill>
+                      <a:prstDash val="solid"/>
+                      <a:round/>
+                      <a:headEnd type="none" w="med" len="med"/>
+                      <a:tailEnd type="none" w="med" len="med"/>
+                    </a:lnB>
+                    <a:solidFill>
+                      <a:schemeClr val="accent5">
+                        <a:lumMod val="20000"/>
+                        <a:lumOff val="80000"/>
+                      </a:schemeClr>
+                    </a:solidFill>
+                  </a:tcPr>
+                </a:tc>
+                <a:extLst>
+                  <a:ext uri="{0D108BD9-81ED-4DB2-BD59-A6C34878D82A}">
+                    <a16:rowId xmlns:a16="http://schemas.microsoft.com/office/drawing/2014/main" val="2243352647"/>
+                  </a:ext>
+                </a:extLst>
+              </a:tr>
+              <a:tr h="564945">
+                <a:tc>
+                  <a:txBody>
+                    <a:bodyPr/>
+                    <a:lstStyle/>
+                    <a:p>
+                      <a:pPr algn="ctr"/>
+                      <a:r>
+                        <a:rPr lang="en-US" sz="2000" u="none" dirty="0">
+                          <a:latin typeface="Courier New" panose="02070309020205020404" pitchFamily="49" charset="0"/>
+                          <a:cs typeface="Courier New" panose="02070309020205020404" pitchFamily="49" charset="0"/>
+                        </a:rPr>
+                        <a:t>in</a:t>
+                      </a:r>
+                      <a:r>
+                        <a:rPr lang="en-US" sz="2000" u="none" baseline="0" dirty="0">
+                          <a:latin typeface="Courier New" panose="02070309020205020404" pitchFamily="49" charset="0"/>
+                          <a:cs typeface="Courier New" panose="02070309020205020404" pitchFamily="49" charset="0"/>
+                        </a:rPr>
+                        <a:t>  </a:t>
+                      </a:r>
+                      <a:r>
+                        <a:rPr lang="en-US" sz="2000" u="none" dirty="0">
+                          <a:latin typeface="Courier New" panose="02070309020205020404" pitchFamily="49" charset="0"/>
+                          <a:cs typeface="Courier New" panose="02070309020205020404" pitchFamily="49" charset="0"/>
+                        </a:rPr>
+                        <a:t> not in</a:t>
+                      </a:r>
+                    </a:p>
+                    <a:p>
+                      <a:pPr algn="ctr"/>
+                      <a:r>
+                        <a:rPr lang="en-US" sz="2000" u="none" dirty="0">
+                          <a:latin typeface="Courier New" panose="02070309020205020404" pitchFamily="49" charset="0"/>
+                          <a:cs typeface="Courier New" panose="02070309020205020404" pitchFamily="49" charset="0"/>
+                        </a:rPr>
+                        <a:t>is   </a:t>
+                      </a:r>
+                      <a:r>
+                        <a:rPr lang="en-US" sz="2000" u="none" dirty="0" err="1">
+                          <a:latin typeface="Courier New" panose="02070309020205020404" pitchFamily="49" charset="0"/>
+                          <a:cs typeface="Courier New" panose="02070309020205020404" pitchFamily="49" charset="0"/>
+                        </a:rPr>
+                        <a:t>is</a:t>
+                      </a:r>
+                      <a:r>
+                        <a:rPr lang="en-US" sz="2000" u="none" dirty="0">
+                          <a:latin typeface="Courier New" panose="02070309020205020404" pitchFamily="49" charset="0"/>
+                          <a:cs typeface="Courier New" panose="02070309020205020404" pitchFamily="49" charset="0"/>
+                        </a:rPr>
+                        <a:t> not</a:t>
+                      </a:r>
+                    </a:p>
+                    <a:p>
+                      <a:pPr algn="ctr"/>
+                      <a:r>
+                        <a:rPr lang="en-US" sz="2000" u="none" dirty="0">
+                          <a:latin typeface="Courier New" panose="02070309020205020404" pitchFamily="49" charset="0"/>
+                          <a:cs typeface="Courier New" panose="02070309020205020404" pitchFamily="49" charset="0"/>
+                        </a:rPr>
+                        <a:t>==   &lt;   &lt;=</a:t>
+                      </a:r>
+                    </a:p>
+                    <a:p>
+                      <a:pPr algn="ctr"/>
+                      <a:r>
+                        <a:rPr lang="en-US" sz="2000" u="none" dirty="0">
+                          <a:latin typeface="Courier New" panose="02070309020205020404" pitchFamily="49" charset="0"/>
+                          <a:cs typeface="Courier New" panose="02070309020205020404" pitchFamily="49" charset="0"/>
+                        </a:rPr>
+                        <a:t>!=   &gt;</a:t>
+                      </a:r>
+                      <a:r>
+                        <a:rPr lang="en-US" sz="2000" u="none" baseline="0" dirty="0">
+                          <a:latin typeface="Courier New" panose="02070309020205020404" pitchFamily="49" charset="0"/>
+                          <a:cs typeface="Courier New" panose="02070309020205020404" pitchFamily="49" charset="0"/>
+                        </a:rPr>
+                        <a:t>  </a:t>
+                      </a:r>
+                      <a:r>
+                        <a:rPr lang="en-US" sz="2000" u="none" dirty="0">
+                          <a:latin typeface="Courier New" panose="02070309020205020404" pitchFamily="49" charset="0"/>
+                          <a:cs typeface="Courier New" panose="02070309020205020404" pitchFamily="49" charset="0"/>
+                        </a:rPr>
+                        <a:t> &gt;=</a:t>
+                      </a:r>
+                    </a:p>
+                  </a:txBody>
+                  <a:tcPr marL="80580" marR="80580" marT="40290" marB="40290" anchor="ctr">
+                    <a:lnL w="12700" cap="flat" cmpd="sng" algn="ctr">
+                      <a:solidFill>
+                        <a:schemeClr val="tx1"/>
+                      </a:solidFill>
+                      <a:prstDash val="solid"/>
+                      <a:round/>
+                      <a:headEnd type="none" w="med" len="med"/>
+                      <a:tailEnd type="none" w="med" len="med"/>
+                    </a:lnL>
+                    <a:lnR w="12700" cap="flat" cmpd="sng" algn="ctr">
+                      <a:solidFill>
+                        <a:schemeClr val="tx1"/>
+                      </a:solidFill>
+                      <a:prstDash val="solid"/>
+                      <a:round/>
+                      <a:headEnd type="none" w="med" len="med"/>
+                      <a:tailEnd type="none" w="med" len="med"/>
+                    </a:lnR>
+                    <a:lnT w="12700" cap="flat" cmpd="sng" algn="ctr">
+                      <a:solidFill>
+                        <a:schemeClr val="tx1"/>
+                      </a:solidFill>
+                      <a:prstDash val="solid"/>
+                      <a:round/>
+                      <a:headEnd type="none" w="med" len="med"/>
+                      <a:tailEnd type="none" w="med" len="med"/>
+                    </a:lnT>
+                    <a:lnB w="12700" cap="flat" cmpd="sng" algn="ctr">
+                      <a:solidFill>
+                        <a:schemeClr val="tx1"/>
+                      </a:solidFill>
+                      <a:prstDash val="solid"/>
+                      <a:round/>
+                      <a:headEnd type="none" w="med" len="med"/>
+                      <a:tailEnd type="none" w="med" len="med"/>
+                    </a:lnB>
+                    <a:solidFill>
+                      <a:schemeClr val="accent5">
+                        <a:lumMod val="20000"/>
+                        <a:lumOff val="80000"/>
+                      </a:schemeClr>
+                    </a:solidFill>
+                  </a:tcPr>
+                </a:tc>
+                <a:extLst>
+                  <a:ext uri="{0D108BD9-81ED-4DB2-BD59-A6C34878D82A}">
+                    <a16:rowId xmlns:a16="http://schemas.microsoft.com/office/drawing/2014/main" val="268387812"/>
+                  </a:ext>
+                </a:extLst>
+              </a:tr>
+              <a:tr h="324928">
+                <a:tc>
+                  <a:txBody>
+                    <a:bodyPr/>
+                    <a:lstStyle/>
+                    <a:p>
+                      <a:pPr algn="ctr"/>
+                      <a:r>
+                        <a:rPr lang="da-DK" sz="2000" u="none" dirty="0">
+                          <a:latin typeface="Courier New" panose="02070309020205020404" pitchFamily="49" charset="0"/>
+                          <a:cs typeface="Courier New" panose="02070309020205020404" pitchFamily="49" charset="0"/>
+                        </a:rPr>
+                        <a:t>|</a:t>
+                      </a:r>
+                    </a:p>
+                  </a:txBody>
+                  <a:tcPr marL="80580" marR="80580" marT="40290" marB="40290" anchor="ctr">
+                    <a:lnL w="12700" cap="flat" cmpd="sng" algn="ctr">
+                      <a:solidFill>
+                        <a:schemeClr val="tx1"/>
+                      </a:solidFill>
+                      <a:prstDash val="solid"/>
+                      <a:round/>
+                      <a:headEnd type="none" w="med" len="med"/>
+                      <a:tailEnd type="none" w="med" len="med"/>
+                    </a:lnL>
+                    <a:lnR w="12700" cap="flat" cmpd="sng" algn="ctr">
+                      <a:solidFill>
+                        <a:schemeClr val="tx1"/>
+                      </a:solidFill>
+                      <a:prstDash val="solid"/>
+                      <a:round/>
+                      <a:headEnd type="none" w="med" len="med"/>
+                      <a:tailEnd type="none" w="med" len="med"/>
+                    </a:lnR>
+                    <a:lnT w="12700" cap="flat" cmpd="sng" algn="ctr">
+                      <a:solidFill>
+                        <a:schemeClr val="tx1"/>
+                      </a:solidFill>
+                      <a:prstDash val="solid"/>
+                      <a:round/>
+                      <a:headEnd type="none" w="med" len="med"/>
+                      <a:tailEnd type="none" w="med" len="med"/>
+                    </a:lnT>
+                    <a:lnB w="12700" cap="flat" cmpd="sng" algn="ctr">
+                      <a:solidFill>
+                        <a:schemeClr val="tx1"/>
+                      </a:solidFill>
+                      <a:prstDash val="solid"/>
+                      <a:round/>
+                      <a:headEnd type="none" w="med" len="med"/>
+                      <a:tailEnd type="none" w="med" len="med"/>
+                    </a:lnB>
+                    <a:solidFill>
+                      <a:schemeClr val="accent5">
+                        <a:lumMod val="20000"/>
+                        <a:lumOff val="80000"/>
+                      </a:schemeClr>
+                    </a:solidFill>
+                  </a:tcPr>
+                </a:tc>
+                <a:extLst>
+                  <a:ext uri="{0D108BD9-81ED-4DB2-BD59-A6C34878D82A}">
+                    <a16:rowId xmlns:a16="http://schemas.microsoft.com/office/drawing/2014/main" val="2141160183"/>
+                  </a:ext>
+                </a:extLst>
+              </a:tr>
+              <a:tr h="324928">
+                <a:tc>
+                  <a:txBody>
+                    <a:bodyPr/>
+                    <a:lstStyle/>
+                    <a:p>
+                      <a:pPr algn="ctr"/>
+                      <a:r>
+                        <a:rPr lang="da-DK" sz="2000" u="none" dirty="0">
+                          <a:latin typeface="Courier New" panose="02070309020205020404" pitchFamily="49" charset="0"/>
+                          <a:cs typeface="Courier New" panose="02070309020205020404" pitchFamily="49" charset="0"/>
+                        </a:rPr>
+                        <a:t>^</a:t>
+                      </a:r>
+                    </a:p>
+                  </a:txBody>
+                  <a:tcPr marL="80580" marR="80580" marT="40290" marB="40290" anchor="ctr">
+                    <a:lnL w="12700" cap="flat" cmpd="sng" algn="ctr">
+                      <a:solidFill>
+                        <a:schemeClr val="tx1"/>
+                      </a:solidFill>
+                      <a:prstDash val="solid"/>
+                      <a:round/>
+                      <a:headEnd type="none" w="med" len="med"/>
+                      <a:tailEnd type="none" w="med" len="med"/>
+                    </a:lnL>
+                    <a:lnR w="12700" cap="flat" cmpd="sng" algn="ctr">
+                      <a:solidFill>
+                        <a:schemeClr val="tx1"/>
+                      </a:solidFill>
+                      <a:prstDash val="solid"/>
+                      <a:round/>
+                      <a:headEnd type="none" w="med" len="med"/>
+                      <a:tailEnd type="none" w="med" len="med"/>
+                    </a:lnR>
+                    <a:lnT w="12700" cap="flat" cmpd="sng" algn="ctr">
+                      <a:solidFill>
+                        <a:schemeClr val="tx1"/>
+                      </a:solidFill>
+                      <a:prstDash val="solid"/>
+                      <a:round/>
+                      <a:headEnd type="none" w="med" len="med"/>
+                      <a:tailEnd type="none" w="med" len="med"/>
+                    </a:lnT>
+                    <a:lnB w="12700" cap="flat" cmpd="sng" algn="ctr">
+                      <a:solidFill>
+                        <a:schemeClr val="tx1"/>
+                      </a:solidFill>
+                      <a:prstDash val="solid"/>
+                      <a:round/>
+                      <a:headEnd type="none" w="med" len="med"/>
+                      <a:tailEnd type="none" w="med" len="med"/>
+                    </a:lnB>
+                    <a:solidFill>
+                      <a:schemeClr val="accent5">
+                        <a:lumMod val="20000"/>
+                        <a:lumOff val="80000"/>
+                      </a:schemeClr>
+                    </a:solidFill>
+                  </a:tcPr>
+                </a:tc>
+                <a:extLst>
+                  <a:ext uri="{0D108BD9-81ED-4DB2-BD59-A6C34878D82A}">
+                    <a16:rowId xmlns:a16="http://schemas.microsoft.com/office/drawing/2014/main" val="751939433"/>
+                  </a:ext>
+                </a:extLst>
+              </a:tr>
+              <a:tr h="324928">
+                <a:tc>
+                  <a:txBody>
+                    <a:bodyPr/>
+                    <a:lstStyle/>
+                    <a:p>
+                      <a:pPr algn="ctr"/>
+                      <a:r>
+                        <a:rPr lang="da-DK" sz="2000" u="none" dirty="0">
+                          <a:latin typeface="Courier New" panose="02070309020205020404" pitchFamily="49" charset="0"/>
+                          <a:cs typeface="Courier New" panose="02070309020205020404" pitchFamily="49" charset="0"/>
+                        </a:rPr>
+                        <a:t>&amp;</a:t>
+                      </a:r>
+                    </a:p>
+                  </a:txBody>
+                  <a:tcPr marL="80580" marR="80580" marT="40290" marB="40290" anchor="ctr">
+                    <a:lnL w="12700" cap="flat" cmpd="sng" algn="ctr">
+                      <a:solidFill>
+                        <a:schemeClr val="tx1"/>
+                      </a:solidFill>
+                      <a:prstDash val="solid"/>
+                      <a:round/>
+                      <a:headEnd type="none" w="med" len="med"/>
+                      <a:tailEnd type="none" w="med" len="med"/>
+                    </a:lnL>
+                    <a:lnR w="12700" cap="flat" cmpd="sng" algn="ctr">
+                      <a:solidFill>
+                        <a:schemeClr val="tx1"/>
+                      </a:solidFill>
+                      <a:prstDash val="solid"/>
+                      <a:round/>
+                      <a:headEnd type="none" w="med" len="med"/>
+                      <a:tailEnd type="none" w="med" len="med"/>
+                    </a:lnR>
+                    <a:lnT w="12700" cap="flat" cmpd="sng" algn="ctr">
+                      <a:solidFill>
+                        <a:schemeClr val="tx1"/>
+                      </a:solidFill>
+                      <a:prstDash val="solid"/>
+                      <a:round/>
+                      <a:headEnd type="none" w="med" len="med"/>
+                      <a:tailEnd type="none" w="med" len="med"/>
+                    </a:lnT>
+                    <a:lnB w="12700" cap="flat" cmpd="sng" algn="ctr">
+                      <a:solidFill>
+                        <a:schemeClr val="tx1"/>
+                      </a:solidFill>
+                      <a:prstDash val="solid"/>
+                      <a:round/>
+                      <a:headEnd type="none" w="med" len="med"/>
+                      <a:tailEnd type="none" w="med" len="med"/>
+                    </a:lnB>
+                    <a:solidFill>
+                      <a:schemeClr val="accent5">
+                        <a:lumMod val="20000"/>
+                        <a:lumOff val="80000"/>
+                      </a:schemeClr>
+                    </a:solidFill>
+                  </a:tcPr>
+                </a:tc>
+                <a:extLst>
+                  <a:ext uri="{0D108BD9-81ED-4DB2-BD59-A6C34878D82A}">
+                    <a16:rowId xmlns:a16="http://schemas.microsoft.com/office/drawing/2014/main" val="3957012914"/>
+                  </a:ext>
+                </a:extLst>
+              </a:tr>
+              <a:tr h="324928">
+                <a:tc>
+                  <a:txBody>
+                    <a:bodyPr/>
+                    <a:lstStyle/>
+                    <a:p>
+                      <a:pPr algn="ctr"/>
+                      <a:r>
+                        <a:rPr lang="da-DK" sz="2000" u="none" dirty="0">
+                          <a:latin typeface="Courier New" panose="02070309020205020404" pitchFamily="49" charset="0"/>
+                          <a:cs typeface="Courier New" panose="02070309020205020404" pitchFamily="49" charset="0"/>
+                        </a:rPr>
+                        <a:t>&lt;&lt;</a:t>
+                      </a:r>
+                      <a:r>
+                        <a:rPr lang="da-DK" sz="2000" u="none" baseline="0" dirty="0">
+                          <a:latin typeface="Courier New" panose="02070309020205020404" pitchFamily="49" charset="0"/>
+                          <a:cs typeface="Courier New" panose="02070309020205020404" pitchFamily="49" charset="0"/>
+                        </a:rPr>
+                        <a:t>  </a:t>
+                      </a:r>
+                      <a:r>
+                        <a:rPr lang="da-DK" sz="2000" u="none" dirty="0">
+                          <a:latin typeface="Courier New" panose="02070309020205020404" pitchFamily="49" charset="0"/>
+                          <a:cs typeface="Courier New" panose="02070309020205020404" pitchFamily="49" charset="0"/>
+                        </a:rPr>
+                        <a:t> &gt;&gt;</a:t>
+                      </a:r>
+                    </a:p>
+                  </a:txBody>
+                  <a:tcPr marL="80580" marR="80580" marT="40290" marB="40290" anchor="ctr">
+                    <a:lnL w="12700" cap="flat" cmpd="sng" algn="ctr">
+                      <a:solidFill>
+                        <a:schemeClr val="tx1"/>
+                      </a:solidFill>
+                      <a:prstDash val="solid"/>
+                      <a:round/>
+                      <a:headEnd type="none" w="med" len="med"/>
+                      <a:tailEnd type="none" w="med" len="med"/>
+                    </a:lnL>
+                    <a:lnR w="12700" cap="flat" cmpd="sng" algn="ctr">
+                      <a:solidFill>
+                        <a:schemeClr val="tx1"/>
+                      </a:solidFill>
+                      <a:prstDash val="solid"/>
+                      <a:round/>
+                      <a:headEnd type="none" w="med" len="med"/>
+                      <a:tailEnd type="none" w="med" len="med"/>
+                    </a:lnR>
+                    <a:lnT w="12700" cap="flat" cmpd="sng" algn="ctr">
+                      <a:solidFill>
+                        <a:schemeClr val="tx1"/>
+                      </a:solidFill>
+                      <a:prstDash val="solid"/>
+                      <a:round/>
+                      <a:headEnd type="none" w="med" len="med"/>
+                      <a:tailEnd type="none" w="med" len="med"/>
+                    </a:lnT>
+                    <a:lnB w="12700" cap="flat" cmpd="sng" algn="ctr">
+                      <a:solidFill>
+                        <a:schemeClr val="tx1"/>
+                      </a:solidFill>
+                      <a:prstDash val="solid"/>
+                      <a:round/>
+                      <a:headEnd type="none" w="med" len="med"/>
+                      <a:tailEnd type="none" w="med" len="med"/>
+                    </a:lnB>
+                    <a:solidFill>
+                      <a:schemeClr val="accent5">
+                        <a:lumMod val="20000"/>
+                        <a:lumOff val="80000"/>
+                      </a:schemeClr>
+                    </a:solidFill>
+                  </a:tcPr>
+                </a:tc>
+                <a:extLst>
+                  <a:ext uri="{0D108BD9-81ED-4DB2-BD59-A6C34878D82A}">
+                    <a16:rowId xmlns:a16="http://schemas.microsoft.com/office/drawing/2014/main" val="672009882"/>
+                  </a:ext>
+                </a:extLst>
+              </a:tr>
+              <a:tr h="324928">
+                <a:tc>
+                  <a:txBody>
+                    <a:bodyPr/>
+                    <a:lstStyle/>
+                    <a:p>
+                      <a:pPr algn="ctr"/>
+                      <a:r>
+                        <a:rPr lang="da-DK" sz="2000" u="none" dirty="0">
+                          <a:latin typeface="Courier New" panose="02070309020205020404" pitchFamily="49" charset="0"/>
+                          <a:cs typeface="Courier New" panose="02070309020205020404" pitchFamily="49" charset="0"/>
+                        </a:rPr>
+                        <a:t>+</a:t>
+                      </a:r>
+                      <a:r>
+                        <a:rPr lang="da-DK" sz="2000" u="none" baseline="0" dirty="0">
+                          <a:latin typeface="Courier New" panose="02070309020205020404" pitchFamily="49" charset="0"/>
+                          <a:cs typeface="Courier New" panose="02070309020205020404" pitchFamily="49" charset="0"/>
+                        </a:rPr>
+                        <a:t>  </a:t>
+                      </a:r>
+                      <a:r>
+                        <a:rPr lang="da-DK" sz="2000" u="none" dirty="0">
+                          <a:latin typeface="Courier New" panose="02070309020205020404" pitchFamily="49" charset="0"/>
+                          <a:cs typeface="Courier New" panose="02070309020205020404" pitchFamily="49" charset="0"/>
+                        </a:rPr>
+                        <a:t> -</a:t>
+                      </a:r>
+                    </a:p>
+                  </a:txBody>
+                  <a:tcPr marL="80580" marR="80580" marT="40290" marB="40290" anchor="ctr">
+                    <a:lnL w="12700" cap="flat" cmpd="sng" algn="ctr">
+                      <a:solidFill>
+                        <a:schemeClr val="tx1"/>
+                      </a:solidFill>
+                      <a:prstDash val="solid"/>
+                      <a:round/>
+                      <a:headEnd type="none" w="med" len="med"/>
+                      <a:tailEnd type="none" w="med" len="med"/>
+                    </a:lnL>
+                    <a:lnR w="12700" cap="flat" cmpd="sng" algn="ctr">
+                      <a:solidFill>
+                        <a:schemeClr val="tx1"/>
+                      </a:solidFill>
+                      <a:prstDash val="solid"/>
+                      <a:round/>
+                      <a:headEnd type="none" w="med" len="med"/>
+                      <a:tailEnd type="none" w="med" len="med"/>
+                    </a:lnR>
+                    <a:lnT w="12700" cap="flat" cmpd="sng" algn="ctr">
+                      <a:solidFill>
+                        <a:schemeClr val="tx1"/>
+                      </a:solidFill>
+                      <a:prstDash val="solid"/>
+                      <a:round/>
+                      <a:headEnd type="none" w="med" len="med"/>
+                      <a:tailEnd type="none" w="med" len="med"/>
+                    </a:lnT>
+                    <a:lnB w="12700" cap="flat" cmpd="sng" algn="ctr">
+                      <a:solidFill>
+                        <a:schemeClr val="tx1"/>
+                      </a:solidFill>
+                      <a:prstDash val="solid"/>
+                      <a:round/>
+                      <a:headEnd type="none" w="med" len="med"/>
+                      <a:tailEnd type="none" w="med" len="med"/>
+                    </a:lnB>
+                    <a:solidFill>
+                      <a:schemeClr val="accent5">
+                        <a:lumMod val="20000"/>
+                        <a:lumOff val="80000"/>
+                      </a:schemeClr>
+                    </a:solidFill>
+                  </a:tcPr>
+                </a:tc>
+                <a:extLst>
+                  <a:ext uri="{0D108BD9-81ED-4DB2-BD59-A6C34878D82A}">
+                    <a16:rowId xmlns:a16="http://schemas.microsoft.com/office/drawing/2014/main" val="662020469"/>
+                  </a:ext>
+                </a:extLst>
+              </a:tr>
+              <a:tr h="564945">
+                <a:tc>
+                  <a:txBody>
+                    <a:bodyPr/>
+                    <a:lstStyle/>
+                    <a:p>
+                      <a:pPr algn="ctr"/>
+                      <a:r>
+                        <a:rPr lang="da-DK" sz="2000" u="none" dirty="0">
+                          <a:latin typeface="Courier New" panose="02070309020205020404" pitchFamily="49" charset="0"/>
+                          <a:cs typeface="Courier New" panose="02070309020205020404" pitchFamily="49" charset="0"/>
+                        </a:rPr>
+                        <a:t>*   @   </a:t>
+                      </a:r>
+                    </a:p>
+                    <a:p>
+                      <a:pPr algn="ctr"/>
+                      <a:r>
+                        <a:rPr lang="da-DK" sz="2000" u="none" dirty="0">
+                          <a:latin typeface="Courier New" panose="02070309020205020404" pitchFamily="49" charset="0"/>
+                          <a:cs typeface="Courier New" panose="02070309020205020404" pitchFamily="49" charset="0"/>
+                        </a:rPr>
+                        <a:t>/   //   %</a:t>
+                      </a:r>
+                    </a:p>
+                  </a:txBody>
+                  <a:tcPr marL="80580" marR="80580" marT="40290" marB="40290" anchor="ctr">
+                    <a:lnL w="12700" cap="flat" cmpd="sng" algn="ctr">
+                      <a:solidFill>
+                        <a:schemeClr val="tx1"/>
+                      </a:solidFill>
+                      <a:prstDash val="solid"/>
+                      <a:round/>
+                      <a:headEnd type="none" w="med" len="med"/>
+                      <a:tailEnd type="none" w="med" len="med"/>
+                    </a:lnL>
+                    <a:lnR w="12700" cap="flat" cmpd="sng" algn="ctr">
+                      <a:solidFill>
+                        <a:schemeClr val="tx1"/>
+                      </a:solidFill>
+                      <a:prstDash val="solid"/>
+                      <a:round/>
+                      <a:headEnd type="none" w="med" len="med"/>
+                      <a:tailEnd type="none" w="med" len="med"/>
+                    </a:lnR>
+                    <a:lnT w="12700" cap="flat" cmpd="sng" algn="ctr">
+                      <a:solidFill>
+                        <a:schemeClr val="tx1"/>
+                      </a:solidFill>
+                      <a:prstDash val="solid"/>
+                      <a:round/>
+                      <a:headEnd type="none" w="med" len="med"/>
+                      <a:tailEnd type="none" w="med" len="med"/>
+                    </a:lnT>
+                    <a:lnB w="12700" cap="flat" cmpd="sng" algn="ctr">
+                      <a:solidFill>
+                        <a:schemeClr val="tx1"/>
+                      </a:solidFill>
+                      <a:prstDash val="solid"/>
+                      <a:round/>
+                      <a:headEnd type="none" w="med" len="med"/>
+                      <a:tailEnd type="none" w="med" len="med"/>
+                    </a:lnB>
+                    <a:solidFill>
+                      <a:schemeClr val="accent5">
+                        <a:lumMod val="20000"/>
+                        <a:lumOff val="80000"/>
+                      </a:schemeClr>
+                    </a:solidFill>
+                  </a:tcPr>
+                </a:tc>
+                <a:extLst>
+                  <a:ext uri="{0D108BD9-81ED-4DB2-BD59-A6C34878D82A}">
+                    <a16:rowId xmlns:a16="http://schemas.microsoft.com/office/drawing/2014/main" val="2838861763"/>
+                  </a:ext>
+                </a:extLst>
+              </a:tr>
+              <a:tr h="0">
+                <a:tc>
+                  <a:txBody>
+                    <a:bodyPr/>
+                    <a:lstStyle/>
+                    <a:p>
+                      <a:pPr algn="ctr"/>
+                      <a:r>
+                        <a:rPr lang="da-DK" sz="2000" u="none" dirty="0">
+                          <a:latin typeface="Courier New" panose="02070309020205020404" pitchFamily="49" charset="0"/>
+                          <a:cs typeface="Courier New" panose="02070309020205020404" pitchFamily="49" charset="0"/>
+                        </a:rPr>
+                        <a:t>+</a:t>
+                      </a:r>
+                      <a:r>
+                        <a:rPr lang="da-DK" sz="2000" i="1" u="none" dirty="0">
+                          <a:latin typeface="Courier New" panose="02070309020205020404" pitchFamily="49" charset="0"/>
+                          <a:cs typeface="Courier New" panose="02070309020205020404" pitchFamily="49" charset="0"/>
+                        </a:rPr>
+                        <a:t>x</a:t>
+                      </a:r>
+                      <a:r>
+                        <a:rPr lang="da-DK" sz="2000" u="none" baseline="0" dirty="0">
+                          <a:latin typeface="Courier New" panose="02070309020205020404" pitchFamily="49" charset="0"/>
+                          <a:cs typeface="Courier New" panose="02070309020205020404" pitchFamily="49" charset="0"/>
+                        </a:rPr>
+                        <a:t>  </a:t>
+                      </a:r>
+                      <a:r>
+                        <a:rPr lang="da-DK" sz="2000" u="none" dirty="0">
+                          <a:latin typeface="Courier New" panose="02070309020205020404" pitchFamily="49" charset="0"/>
+                          <a:cs typeface="Courier New" panose="02070309020205020404" pitchFamily="49" charset="0"/>
+                        </a:rPr>
+                        <a:t> -</a:t>
+                      </a:r>
+                      <a:r>
+                        <a:rPr lang="da-DK" sz="2000" i="1" u="none" dirty="0">
+                          <a:latin typeface="Courier New" panose="02070309020205020404" pitchFamily="49" charset="0"/>
+                          <a:cs typeface="Courier New" panose="02070309020205020404" pitchFamily="49" charset="0"/>
+                        </a:rPr>
+                        <a:t>x</a:t>
+                      </a:r>
+                      <a:r>
+                        <a:rPr lang="da-DK" sz="2000" u="none" baseline="0" dirty="0">
+                          <a:latin typeface="Courier New" panose="02070309020205020404" pitchFamily="49" charset="0"/>
+                          <a:cs typeface="Courier New" panose="02070309020205020404" pitchFamily="49" charset="0"/>
+                        </a:rPr>
+                        <a:t>  </a:t>
+                      </a:r>
+                      <a:r>
+                        <a:rPr lang="da-DK" sz="2000" u="none" dirty="0">
+                          <a:latin typeface="Courier New" panose="02070309020205020404" pitchFamily="49" charset="0"/>
+                          <a:cs typeface="Courier New" panose="02070309020205020404" pitchFamily="49" charset="0"/>
+                        </a:rPr>
+                        <a:t> ~</a:t>
+                      </a:r>
+                      <a:r>
+                        <a:rPr lang="da-DK" sz="2000" i="1" u="none" dirty="0">
+                          <a:latin typeface="Courier New" panose="02070309020205020404" pitchFamily="49" charset="0"/>
+                          <a:cs typeface="Courier New" panose="02070309020205020404" pitchFamily="49" charset="0"/>
+                        </a:rPr>
+                        <a:t>x</a:t>
+                      </a:r>
+                    </a:p>
+                  </a:txBody>
+                  <a:tcPr marL="80580" marR="80580" marT="40290" marB="40290" anchor="ctr">
+                    <a:lnL w="12700" cap="flat" cmpd="sng" algn="ctr">
+                      <a:solidFill>
+                        <a:schemeClr val="tx1"/>
+                      </a:solidFill>
+                      <a:prstDash val="solid"/>
+                      <a:round/>
+                      <a:headEnd type="none" w="med" len="med"/>
+                      <a:tailEnd type="none" w="med" len="med"/>
+                    </a:lnL>
+                    <a:lnR w="12700" cap="flat" cmpd="sng" algn="ctr">
+                      <a:solidFill>
+                        <a:schemeClr val="tx1"/>
+                      </a:solidFill>
+                      <a:prstDash val="solid"/>
+                      <a:round/>
+                      <a:headEnd type="none" w="med" len="med"/>
+                      <a:tailEnd type="none" w="med" len="med"/>
+                    </a:lnR>
+                    <a:lnT w="12700" cap="flat" cmpd="sng" algn="ctr">
+                      <a:solidFill>
+                        <a:schemeClr val="tx1"/>
+                      </a:solidFill>
+                      <a:prstDash val="solid"/>
+                      <a:round/>
+                      <a:headEnd type="none" w="med" len="med"/>
+                      <a:tailEnd type="none" w="med" len="med"/>
+                    </a:lnT>
+                    <a:lnB w="12700" cap="flat" cmpd="sng" algn="ctr">
+                      <a:solidFill>
+                        <a:schemeClr val="tx1"/>
+                      </a:solidFill>
+                      <a:prstDash val="solid"/>
+                      <a:round/>
+                      <a:headEnd type="none" w="med" len="med"/>
+                      <a:tailEnd type="none" w="med" len="med"/>
+                    </a:lnB>
+                    <a:solidFill>
+                      <a:schemeClr val="accent5">
+                        <a:lumMod val="20000"/>
+                        <a:lumOff val="80000"/>
+                      </a:schemeClr>
+                    </a:solidFill>
+                  </a:tcPr>
+                </a:tc>
+                <a:extLst>
+                  <a:ext uri="{0D108BD9-81ED-4DB2-BD59-A6C34878D82A}">
+                    <a16:rowId xmlns:a16="http://schemas.microsoft.com/office/drawing/2014/main" val="1553472579"/>
+                  </a:ext>
+                </a:extLst>
+              </a:tr>
+              <a:tr h="324928">
+                <a:tc>
+                  <a:txBody>
+                    <a:bodyPr/>
+                    <a:lstStyle/>
+                    <a:p>
+                      <a:pPr algn="ctr"/>
+                      <a:r>
+                        <a:rPr lang="da-DK" sz="2000" u="none" dirty="0">
+                          <a:latin typeface="Courier New" panose="02070309020205020404" pitchFamily="49" charset="0"/>
+                          <a:cs typeface="Courier New" panose="02070309020205020404" pitchFamily="49" charset="0"/>
+                        </a:rPr>
+                        <a:t>**</a:t>
+                      </a:r>
+                    </a:p>
+                  </a:txBody>
+                  <a:tcPr marL="80580" marR="80580" marT="40290" marB="40290" anchor="ctr">
+                    <a:lnL w="12700" cap="flat" cmpd="sng" algn="ctr">
+                      <a:solidFill>
+                        <a:schemeClr val="tx1"/>
+                      </a:solidFill>
+                      <a:prstDash val="solid"/>
+                      <a:round/>
+                      <a:headEnd type="none" w="med" len="med"/>
+                      <a:tailEnd type="none" w="med" len="med"/>
+                    </a:lnL>
+                    <a:lnR w="12700" cap="flat" cmpd="sng" algn="ctr">
+                      <a:solidFill>
+                        <a:schemeClr val="tx1"/>
+                      </a:solidFill>
+                      <a:prstDash val="solid"/>
+                      <a:round/>
+                      <a:headEnd type="none" w="med" len="med"/>
+                      <a:tailEnd type="none" w="med" len="med"/>
+                    </a:lnR>
+                    <a:lnT w="12700" cap="flat" cmpd="sng" algn="ctr">
+                      <a:solidFill>
+                        <a:schemeClr val="tx1"/>
+                      </a:solidFill>
+                      <a:prstDash val="solid"/>
+                      <a:round/>
+                      <a:headEnd type="none" w="med" len="med"/>
+                      <a:tailEnd type="none" w="med" len="med"/>
+                    </a:lnT>
+                    <a:lnB w="12700" cap="flat" cmpd="sng" algn="ctr">
+                      <a:solidFill>
+                        <a:schemeClr val="tx1"/>
+                      </a:solidFill>
+                      <a:prstDash val="solid"/>
+                      <a:round/>
+                      <a:headEnd type="none" w="med" len="med"/>
+                      <a:tailEnd type="none" w="med" len="med"/>
+                    </a:lnB>
+                    <a:solidFill>
+                      <a:schemeClr val="accent5">
+                        <a:lumMod val="20000"/>
+                        <a:lumOff val="80000"/>
+                      </a:schemeClr>
+                    </a:solidFill>
+                  </a:tcPr>
+                </a:tc>
+                <a:extLst>
+                  <a:ext uri="{0D108BD9-81ED-4DB2-BD59-A6C34878D82A}">
+                    <a16:rowId xmlns:a16="http://schemas.microsoft.com/office/drawing/2014/main" val="1975563258"/>
+                  </a:ext>
+                </a:extLst>
+              </a:tr>
+            </a:tbl>
+          </a:graphicData>
+        </a:graphic>
+      </p:graphicFrame>
+      <p:sp>
+        <p:nvSpPr>
+          <p:cNvPr id="5" name="Rectangle 4"/>
+          <p:cNvSpPr/>
+          <p:nvPr/>
+        </p:nvSpPr>
+        <p:spPr>
+          <a:xfrm>
+            <a:off x="184332" y="6438395"/>
+            <a:ext cx="4579395" cy="369332"/>
+          </a:xfrm>
+          <a:prstGeom prst="rect">
+            <a:avLst/>
+          </a:prstGeom>
+        </p:spPr>
+        <p:txBody>
+          <a:bodyPr wrap="none">
+            <a:spAutoFit/>
+          </a:bodyPr>
+          <a:lstStyle/>
+          <a:p>
+            <a:r>
+              <a:rPr lang="en-US" dirty="0">
+                <a:hlinkClick r:id="rId3"/>
+              </a:rPr>
+              <a:t>docs.python.org/3/reference/expressions.html</a:t>
+            </a:r>
+            <a:endParaRPr lang="en-US" dirty="0"/>
+          </a:p>
+        </p:txBody>
+      </p:sp>
+    </p:spTree>
+    <p:extLst>
+      <p:ext uri="{BB962C8B-B14F-4D97-AF65-F5344CB8AC3E}">
+        <p14:creationId xmlns:p14="http://schemas.microsoft.com/office/powerpoint/2010/main" val="3996596200"/>
+      </p:ext>
+    </p:extLst>
+  </p:cSld>
+  <p:clrMapOvr>
+    <a:masterClrMapping/>
+  </p:clrMapOvr>
+</p:sld>
+</file>
+
+<file path=ppt/slides/slide26.xml><?xml version="1.0" encoding="utf-8"?>
+<p:sld xmlns:a="http://schemas.openxmlformats.org/drawingml/2006/main" xmlns:r="http://schemas.openxmlformats.org/officeDocument/2006/relationships" xmlns:p="http://schemas.openxmlformats.org/presentationml/2006/main">
+  <p:cSld>
+    <p:spTree>
+      <p:nvGrpSpPr>
+        <p:cNvPr id="1" name=""/>
+        <p:cNvGrpSpPr/>
+        <p:nvPr/>
+      </p:nvGrpSpPr>
+      <p:grpSpPr>
+        <a:xfrm>
+          <a:off x="0" y="0"/>
+          <a:ext cx="0" cy="0"/>
+          <a:chOff x="0" y="0"/>
+          <a:chExt cx="0" cy="0"/>
+        </a:xfrm>
+      </p:grpSpPr>
+      <p:sp>
+        <p:nvSpPr>
+          <p:cNvPr id="2" name="Title 1"/>
+          <p:cNvSpPr>
+            <a:spLocks noGrp="1"/>
+          </p:cNvSpPr>
+          <p:nvPr>
+            <p:ph type="title"/>
+          </p:nvPr>
+        </p:nvSpPr>
+        <p:spPr/>
+        <p:txBody>
+          <a:bodyPr/>
+          <a:lstStyle/>
+          <a:p>
+            <a:r>
+              <a:rPr lang="en-US" dirty="0"/>
               <a:t>Long expressions</a:t>
             </a:r>
           </a:p>
@@ -24857,7 +25942,7 @@
 </p:sld>
 </file>
 
-<file path=ppt/slides/slide26.xml><?xml version="1.0" encoding="utf-8"?>
+<file path=ppt/slides/slide27.xml><?xml version="1.0" encoding="utf-8"?>
 <p:sld xmlns:a="http://schemas.openxmlformats.org/drawingml/2006/main" xmlns:r="http://schemas.openxmlformats.org/officeDocument/2006/relationships" xmlns:p="http://schemas.openxmlformats.org/presentationml/2006/main">
   <p:cSld>
     <p:spTree>
@@ -25343,7 +26428,7 @@
 </p:sld>
 </file>
 
-<file path=ppt/slides/slide27.xml><?xml version="1.0" encoding="utf-8"?>
+<file path=ppt/slides/slide28.xml><?xml version="1.0" encoding="utf-8"?>
 <p:sld xmlns:a="http://schemas.openxmlformats.org/drawingml/2006/main" xmlns:r="http://schemas.openxmlformats.org/officeDocument/2006/relationships" xmlns:p="http://schemas.openxmlformats.org/presentationml/2006/main">
   <p:cSld>
     <p:spTree>

--- a/ipsa/slides/operations.pptx
+++ b/ipsa/slides/operations.pptx
@@ -145,7 +145,7 @@
 <file path=ppt/revisionInfo.xml><?xml version="1.0" encoding="utf-8"?>
 <p1510:revInfo xmlns:a="http://schemas.openxmlformats.org/drawingml/2006/main" xmlns:r="http://schemas.openxmlformats.org/officeDocument/2006/relationships" xmlns:p1510="http://schemas.microsoft.com/office/powerpoint/2015/10/main">
   <p1510:revLst>
-    <p1510:client id="{56F465E5-64FD-4F2A-935D-395061FAD986}" v="67" dt="2024-02-04T19:35:03.751"/>
+    <p1510:client id="{56F465E5-64FD-4F2A-935D-395061FAD986}" v="71" dt="2024-02-06T21:28:40.616"/>
   </p1510:revLst>
 </p1510:revInfo>
 </file>
@@ -410,7 +410,7 @@
   <pc:docChgLst>
     <pc:chgData name="Gerth Stølting Brodal" userId="04ef4784-6591-4f86-a140-f5c3b108582a" providerId="ADAL" clId="{56F465E5-64FD-4F2A-935D-395061FAD986}"/>
     <pc:docChg chg="undo redo custSel addSld modSld">
-      <pc:chgData name="Gerth Stølting Brodal" userId="04ef4784-6591-4f86-a140-f5c3b108582a" providerId="ADAL" clId="{56F465E5-64FD-4F2A-935D-395061FAD986}" dt="2024-02-04T19:35:03.751" v="670" actId="20577"/>
+      <pc:chgData name="Gerth Stølting Brodal" userId="04ef4784-6591-4f86-a140-f5c3b108582a" providerId="ADAL" clId="{56F465E5-64FD-4F2A-935D-395061FAD986}" dt="2024-02-06T21:48:22.360" v="927" actId="20577"/>
       <pc:docMkLst>
         <pc:docMk/>
       </pc:docMkLst>
@@ -437,8 +437,15 @@
           </ac:graphicFrameMkLst>
         </pc:graphicFrameChg>
       </pc:sldChg>
-      <pc:sldChg chg="modSp mod">
-        <pc:chgData name="Gerth Stølting Brodal" userId="04ef4784-6591-4f86-a140-f5c3b108582a" providerId="ADAL" clId="{56F465E5-64FD-4F2A-935D-395061FAD986}" dt="2024-02-04T18:47:10.141" v="10" actId="20577"/>
+      <pc:sldChg chg="modAnim">
+        <pc:chgData name="Gerth Stølting Brodal" userId="04ef4784-6591-4f86-a140-f5c3b108582a" providerId="ADAL" clId="{56F465E5-64FD-4F2A-935D-395061FAD986}" dt="2024-02-05T08:52:43.318" v="802"/>
+        <pc:sldMkLst>
+          <pc:docMk/>
+          <pc:sldMk cId="1790444143" sldId="368"/>
+        </pc:sldMkLst>
+      </pc:sldChg>
+      <pc:sldChg chg="modSp mod modNotesTx">
+        <pc:chgData name="Gerth Stølting Brodal" userId="04ef4784-6591-4f86-a140-f5c3b108582a" providerId="ADAL" clId="{56F465E5-64FD-4F2A-935D-395061FAD986}" dt="2024-02-06T21:48:22.360" v="927" actId="20577"/>
         <pc:sldMkLst>
           <pc:docMk/>
           <pc:sldMk cId="3808754555" sldId="372"/>
@@ -451,6 +458,29 @@
             <ac:spMk id="3" creationId="{00000000-0000-0000-0000-000000000000}"/>
           </ac:spMkLst>
         </pc:spChg>
+      </pc:sldChg>
+      <pc:sldChg chg="modSp mod">
+        <pc:chgData name="Gerth Stølting Brodal" userId="04ef4784-6591-4f86-a140-f5c3b108582a" providerId="ADAL" clId="{56F465E5-64FD-4F2A-935D-395061FAD986}" dt="2024-02-06T21:32:56.506" v="815" actId="1036"/>
+        <pc:sldMkLst>
+          <pc:docMk/>
+          <pc:sldMk cId="506142668" sldId="437"/>
+        </pc:sldMkLst>
+        <pc:spChg chg="mod">
+          <ac:chgData name="Gerth Stølting Brodal" userId="04ef4784-6591-4f86-a140-f5c3b108582a" providerId="ADAL" clId="{56F465E5-64FD-4F2A-935D-395061FAD986}" dt="2024-02-06T21:20:47.245" v="805" actId="20577"/>
+          <ac:spMkLst>
+            <pc:docMk/>
+            <pc:sldMk cId="506142668" sldId="437"/>
+            <ac:spMk id="7" creationId="{00000000-0000-0000-0000-000000000000}"/>
+          </ac:spMkLst>
+        </pc:spChg>
+        <pc:graphicFrameChg chg="mod">
+          <ac:chgData name="Gerth Stølting Brodal" userId="04ef4784-6591-4f86-a140-f5c3b108582a" providerId="ADAL" clId="{56F465E5-64FD-4F2A-935D-395061FAD986}" dt="2024-02-06T21:32:56.506" v="815" actId="1036"/>
+          <ac:graphicFrameMkLst>
+            <pc:docMk/>
+            <pc:sldMk cId="506142668" sldId="437"/>
+            <ac:graphicFrameMk id="5" creationId="{00000000-0000-0000-0000-000000000000}"/>
+          </ac:graphicFrameMkLst>
+        </pc:graphicFrameChg>
       </pc:sldChg>
       <pc:sldChg chg="modSp mod">
         <pc:chgData name="Gerth Stølting Brodal" userId="04ef4784-6591-4f86-a140-f5c3b108582a" providerId="ADAL" clId="{56F465E5-64FD-4F2A-935D-395061FAD986}" dt="2024-02-02T12:05:25.839" v="3" actId="6549"/>
@@ -468,7 +498,7 @@
         </pc:graphicFrameChg>
       </pc:sldChg>
       <pc:sldChg chg="addSp modSp new mod modAnim modNotesTx">
-        <pc:chgData name="Gerth Stølting Brodal" userId="04ef4784-6591-4f86-a140-f5c3b108582a" providerId="ADAL" clId="{56F465E5-64FD-4F2A-935D-395061FAD986}" dt="2024-02-04T19:35:03.751" v="670" actId="20577"/>
+        <pc:chgData name="Gerth Stølting Brodal" userId="04ef4784-6591-4f86-a140-f5c3b108582a" providerId="ADAL" clId="{56F465E5-64FD-4F2A-935D-395061FAD986}" dt="2024-02-05T07:11:28.719" v="801" actId="313"/>
         <pc:sldMkLst>
           <pc:docMk/>
           <pc:sldMk cId="4179547408" sldId="446"/>
@@ -665,7 +695,7 @@
           <a:p>
             <a:fld id="{FB1A172F-81D4-4DC4-9113-1DBD56EC3646}" type="datetimeFigureOut">
               <a:rPr lang="en-US" smtClean="0"/>
-              <a:t>2/4/2024</a:t>
+              <a:t>2/6/2024</a:t>
             </a:fld>
             <a:endParaRPr lang="en-US"/>
           </a:p>
@@ -1095,48 +1125,735 @@
           <a:lstStyle/>
           <a:p>
             <a:r>
-              <a:rPr lang="en-US" dirty="0"/>
-              <a:t>is,</a:t>
-            </a:r>
-            <a:r>
-              <a:rPr lang="en-US" baseline="0" dirty="0"/>
-              <a:t> is not ...</a:t>
-            </a:r>
-          </a:p>
-          <a:p>
-            <a:r>
-              <a:rPr lang="en-US" baseline="0" dirty="0"/>
-              <a:t>in, not in ... </a:t>
-            </a:r>
+              <a:rPr lang="da-DK" dirty="0" err="1"/>
+              <a:t>Javascript</a:t>
+            </a:r>
+            <a:r>
+              <a:rPr lang="da-DK" dirty="0"/>
+              <a:t> </a:t>
+            </a:r>
+            <a:r>
+              <a:rPr lang="da-DK" dirty="0" err="1"/>
+              <a:t>example</a:t>
+            </a:r>
+            <a:r>
+              <a:rPr lang="da-DK" dirty="0"/>
+              <a:t>: Open Google Chrome + F12 + Console: ‘abc’ + 42</a:t>
+            </a:r>
+          </a:p>
+          <a:p>
+            <a:endParaRPr lang="da-DK" dirty="0"/>
+          </a:p>
+          <a:p>
+            <a:r>
+              <a:rPr lang="da-DK" dirty="0" err="1"/>
+              <a:t>document.body.style.background</a:t>
+            </a:r>
+            <a:r>
+              <a:rPr lang="da-DK" dirty="0"/>
+              <a:t> = '</a:t>
+            </a:r>
+            <a:r>
+              <a:rPr lang="da-DK" dirty="0" err="1"/>
+              <a:t>lightblue</a:t>
+            </a:r>
+            <a:r>
+              <a:rPr lang="da-DK" dirty="0"/>
+              <a:t>’  // </a:t>
+            </a:r>
+            <a:r>
+              <a:rPr lang="da-DK" dirty="0" err="1"/>
+              <a:t>background</a:t>
+            </a:r>
+            <a:r>
+              <a:rPr lang="da-DK" dirty="0"/>
+              <a:t> </a:t>
+            </a:r>
+            <a:r>
+              <a:rPr lang="da-DK" dirty="0" err="1"/>
+              <a:t>color</a:t>
+            </a:r>
+            <a:endParaRPr lang="da-DK" dirty="0"/>
+          </a:p>
+          <a:p>
+            <a:r>
+              <a:rPr lang="da-DK" dirty="0" err="1"/>
+              <a:t>document.body.style.color</a:t>
+            </a:r>
+            <a:r>
+              <a:rPr lang="da-DK" dirty="0"/>
+              <a:t>  // </a:t>
+            </a:r>
+            <a:r>
+              <a:rPr lang="da-DK" dirty="0" err="1"/>
+              <a:t>text</a:t>
+            </a:r>
+            <a:r>
+              <a:rPr lang="da-DK" dirty="0"/>
+              <a:t> </a:t>
+            </a:r>
+            <a:r>
+              <a:rPr lang="da-DK" dirty="0" err="1"/>
+              <a:t>color</a:t>
+            </a:r>
+            <a:endParaRPr lang="da-DK" dirty="0"/>
+          </a:p>
+          <a:p>
+            <a:endParaRPr lang="da-DK" dirty="0"/>
+          </a:p>
+          <a:p>
+            <a:r>
+              <a:rPr lang="da-DK" dirty="0" err="1">
+                <a:latin typeface="Courier"/>
+                <a:cs typeface="Courier New" panose="02070309020205020404" pitchFamily="49" charset="0"/>
+              </a:rPr>
+              <a:t>javascript</a:t>
+            </a:r>
+            <a:r>
+              <a:rPr lang="da-DK" dirty="0">
+                <a:latin typeface="Courier"/>
+                <a:cs typeface="Courier New" panose="02070309020205020404" pitchFamily="49" charset="0"/>
+              </a:rPr>
+              <a:t>:{</a:t>
+            </a:r>
+          </a:p>
+          <a:p>
+            <a:r>
+              <a:rPr lang="da-DK" dirty="0">
+                <a:latin typeface="Courier"/>
+                <a:cs typeface="Courier New" panose="02070309020205020404" pitchFamily="49" charset="0"/>
+              </a:rPr>
+              <a:t>  /* </a:t>
+            </a:r>
+            <a:r>
+              <a:rPr lang="da-DK" dirty="0" err="1">
+                <a:latin typeface="Courier"/>
+                <a:cs typeface="Courier New" panose="02070309020205020404" pitchFamily="49" charset="0"/>
+              </a:rPr>
+              <a:t>Bookmarklet</a:t>
+            </a:r>
+            <a:r>
+              <a:rPr lang="da-DK" dirty="0">
+                <a:latin typeface="Courier"/>
+                <a:cs typeface="Courier New" panose="02070309020205020404" pitchFamily="49" charset="0"/>
+              </a:rPr>
+              <a:t> to </a:t>
+            </a:r>
+            <a:r>
+              <a:rPr lang="da-DK" dirty="0" err="1">
+                <a:latin typeface="Courier"/>
+                <a:cs typeface="Courier New" panose="02070309020205020404" pitchFamily="49" charset="0"/>
+              </a:rPr>
+              <a:t>recolor</a:t>
+            </a:r>
+            <a:r>
+              <a:rPr lang="da-DK" dirty="0">
+                <a:latin typeface="Courier"/>
+                <a:cs typeface="Courier New" panose="02070309020205020404" pitchFamily="49" charset="0"/>
+              </a:rPr>
+              <a:t> all </a:t>
+            </a:r>
+            <a:r>
+              <a:rPr lang="da-DK" dirty="0" err="1">
+                <a:latin typeface="Courier"/>
+                <a:cs typeface="Courier New" panose="02070309020205020404" pitchFamily="49" charset="0"/>
+              </a:rPr>
+              <a:t>text</a:t>
+            </a:r>
+            <a:r>
+              <a:rPr lang="da-DK" dirty="0">
+                <a:latin typeface="Courier"/>
+                <a:cs typeface="Courier New" panose="02070309020205020404" pitchFamily="49" charset="0"/>
+              </a:rPr>
+              <a:t> on a page to </a:t>
+            </a:r>
+            <a:r>
+              <a:rPr lang="da-DK" dirty="0" err="1">
+                <a:latin typeface="Courier"/>
+                <a:cs typeface="Courier New" panose="02070309020205020404" pitchFamily="49" charset="0"/>
+              </a:rPr>
+              <a:t>your</a:t>
+            </a:r>
+            <a:r>
+              <a:rPr lang="da-DK" dirty="0">
+                <a:latin typeface="Courier"/>
+                <a:cs typeface="Courier New" panose="02070309020205020404" pitchFamily="49" charset="0"/>
+              </a:rPr>
+              <a:t> </a:t>
+            </a:r>
+            <a:r>
+              <a:rPr lang="da-DK" dirty="0" err="1">
+                <a:latin typeface="Courier"/>
+                <a:cs typeface="Courier New" panose="02070309020205020404" pitchFamily="49" charset="0"/>
+              </a:rPr>
+              <a:t>favorite</a:t>
+            </a:r>
+            <a:r>
+              <a:rPr lang="da-DK" dirty="0">
+                <a:latin typeface="Courier"/>
+                <a:cs typeface="Courier New" panose="02070309020205020404" pitchFamily="49" charset="0"/>
+              </a:rPr>
+              <a:t> </a:t>
+            </a:r>
+            <a:r>
+              <a:rPr lang="da-DK" dirty="0" err="1">
+                <a:latin typeface="Courier"/>
+                <a:cs typeface="Courier New" panose="02070309020205020404" pitchFamily="49" charset="0"/>
+              </a:rPr>
+              <a:t>color</a:t>
+            </a:r>
+            <a:r>
+              <a:rPr lang="da-DK" dirty="0">
+                <a:latin typeface="Courier"/>
+                <a:cs typeface="Courier New" panose="02070309020205020404" pitchFamily="49" charset="0"/>
+              </a:rPr>
+              <a:t>. */</a:t>
+            </a:r>
+          </a:p>
+          <a:p>
+            <a:r>
+              <a:rPr lang="da-DK" dirty="0">
+                <a:latin typeface="Courier"/>
+                <a:cs typeface="Courier New" panose="02070309020205020404" pitchFamily="49" charset="0"/>
+              </a:rPr>
+              <a:t>  </a:t>
+            </a:r>
+            <a:r>
+              <a:rPr lang="da-DK" dirty="0" err="1">
+                <a:latin typeface="Courier"/>
+                <a:cs typeface="Courier New" panose="02070309020205020404" pitchFamily="49" charset="0"/>
+              </a:rPr>
+              <a:t>favorite_color</a:t>
+            </a:r>
+            <a:r>
+              <a:rPr lang="da-DK" dirty="0">
+                <a:latin typeface="Courier"/>
+                <a:cs typeface="Courier New" panose="02070309020205020404" pitchFamily="49" charset="0"/>
+              </a:rPr>
+              <a:t> = "red";</a:t>
+            </a:r>
+          </a:p>
+          <a:p>
+            <a:r>
+              <a:rPr lang="da-DK" dirty="0">
+                <a:latin typeface="Courier"/>
+                <a:cs typeface="Courier New" panose="02070309020205020404" pitchFamily="49" charset="0"/>
+              </a:rPr>
+              <a:t>  </a:t>
+            </a:r>
+            <a:r>
+              <a:rPr lang="da-DK" dirty="0" err="1">
+                <a:latin typeface="Courier"/>
+                <a:cs typeface="Courier New" panose="02070309020205020404" pitchFamily="49" charset="0"/>
+              </a:rPr>
+              <a:t>function</a:t>
+            </a:r>
+            <a:r>
+              <a:rPr lang="da-DK" dirty="0">
+                <a:latin typeface="Courier"/>
+                <a:cs typeface="Courier New" panose="02070309020205020404" pitchFamily="49" charset="0"/>
+              </a:rPr>
+              <a:t> </a:t>
+            </a:r>
+            <a:r>
+              <a:rPr lang="da-DK" dirty="0" err="1">
+                <a:latin typeface="Courier"/>
+                <a:cs typeface="Courier New" panose="02070309020205020404" pitchFamily="49" charset="0"/>
+              </a:rPr>
+              <a:t>recolor</a:t>
+            </a:r>
+            <a:r>
+              <a:rPr lang="da-DK" dirty="0">
+                <a:latin typeface="Courier"/>
+                <a:cs typeface="Courier New" panose="02070309020205020404" pitchFamily="49" charset="0"/>
+              </a:rPr>
+              <a:t>(doc) { </a:t>
+            </a:r>
+          </a:p>
+          <a:p>
+            <a:r>
+              <a:rPr lang="da-DK" dirty="0">
+                <a:latin typeface="Courier"/>
+                <a:cs typeface="Courier New" panose="02070309020205020404" pitchFamily="49" charset="0"/>
+              </a:rPr>
+              <a:t>    for (</a:t>
+            </a:r>
+            <a:r>
+              <a:rPr lang="da-DK" dirty="0" err="1">
+                <a:latin typeface="Courier"/>
+                <a:cs typeface="Courier New" panose="02070309020205020404" pitchFamily="49" charset="0"/>
+              </a:rPr>
+              <a:t>const</a:t>
+            </a:r>
+            <a:r>
+              <a:rPr lang="da-DK" dirty="0">
+                <a:latin typeface="Courier"/>
+                <a:cs typeface="Courier New" panose="02070309020205020404" pitchFamily="49" charset="0"/>
+              </a:rPr>
+              <a:t> e of </a:t>
+            </a:r>
+            <a:r>
+              <a:rPr lang="da-DK" dirty="0" err="1">
+                <a:latin typeface="Courier"/>
+                <a:cs typeface="Courier New" panose="02070309020205020404" pitchFamily="49" charset="0"/>
+              </a:rPr>
+              <a:t>doc.querySelectorAll</a:t>
+            </a:r>
+            <a:r>
+              <a:rPr lang="da-DK" dirty="0">
+                <a:latin typeface="Courier"/>
+                <a:cs typeface="Courier New" panose="02070309020205020404" pitchFamily="49" charset="0"/>
+              </a:rPr>
+              <a:t>("*")) {</a:t>
+            </a:r>
+          </a:p>
+          <a:p>
+            <a:r>
+              <a:rPr lang="da-DK" dirty="0">
+                <a:latin typeface="Courier"/>
+                <a:cs typeface="Courier New" panose="02070309020205020404" pitchFamily="49" charset="0"/>
+              </a:rPr>
+              <a:t>      </a:t>
+            </a:r>
+            <a:r>
+              <a:rPr lang="da-DK" dirty="0" err="1">
+                <a:latin typeface="Courier"/>
+                <a:cs typeface="Courier New" panose="02070309020205020404" pitchFamily="49" charset="0"/>
+              </a:rPr>
+              <a:t>e.style.setProperty</a:t>
+            </a:r>
+            <a:r>
+              <a:rPr lang="da-DK" dirty="0">
+                <a:latin typeface="Courier"/>
+                <a:cs typeface="Courier New" panose="02070309020205020404" pitchFamily="49" charset="0"/>
+              </a:rPr>
+              <a:t>("</a:t>
+            </a:r>
+            <a:r>
+              <a:rPr lang="da-DK" dirty="0" err="1">
+                <a:latin typeface="Courier"/>
+                <a:cs typeface="Courier New" panose="02070309020205020404" pitchFamily="49" charset="0"/>
+              </a:rPr>
+              <a:t>color</a:t>
+            </a:r>
+            <a:r>
+              <a:rPr lang="da-DK" dirty="0">
+                <a:latin typeface="Courier"/>
+                <a:cs typeface="Courier New" panose="02070309020205020404" pitchFamily="49" charset="0"/>
+              </a:rPr>
+              <a:t>", "</a:t>
+            </a:r>
+            <a:r>
+              <a:rPr lang="da-DK" dirty="0" err="1">
+                <a:latin typeface="Courier"/>
+                <a:cs typeface="Courier New" panose="02070309020205020404" pitchFamily="49" charset="0"/>
+              </a:rPr>
+              <a:t>white</a:t>
+            </a:r>
+            <a:r>
+              <a:rPr lang="da-DK" dirty="0">
+                <a:latin typeface="Courier"/>
+                <a:cs typeface="Courier New" panose="02070309020205020404" pitchFamily="49" charset="0"/>
+              </a:rPr>
+              <a:t>", "</a:t>
+            </a:r>
+            <a:r>
+              <a:rPr lang="da-DK" dirty="0" err="1">
+                <a:latin typeface="Courier"/>
+                <a:cs typeface="Courier New" panose="02070309020205020404" pitchFamily="49" charset="0"/>
+              </a:rPr>
+              <a:t>important</a:t>
+            </a:r>
+            <a:r>
+              <a:rPr lang="da-DK" dirty="0">
+                <a:latin typeface="Courier"/>
+                <a:cs typeface="Courier New" panose="02070309020205020404" pitchFamily="49" charset="0"/>
+              </a:rPr>
+              <a:t>");</a:t>
+            </a:r>
+          </a:p>
+          <a:p>
+            <a:r>
+              <a:rPr lang="da-DK" dirty="0">
+                <a:latin typeface="Courier"/>
+                <a:cs typeface="Courier New" panose="02070309020205020404" pitchFamily="49" charset="0"/>
+              </a:rPr>
+              <a:t>      </a:t>
+            </a:r>
+            <a:r>
+              <a:rPr lang="da-DK" dirty="0" err="1">
+                <a:latin typeface="Courier"/>
+                <a:cs typeface="Courier New" panose="02070309020205020404" pitchFamily="49" charset="0"/>
+              </a:rPr>
+              <a:t>e.style.setProperty</a:t>
+            </a:r>
+            <a:r>
+              <a:rPr lang="da-DK" dirty="0">
+                <a:latin typeface="Courier"/>
+                <a:cs typeface="Courier New" panose="02070309020205020404" pitchFamily="49" charset="0"/>
+              </a:rPr>
+              <a:t>("</a:t>
+            </a:r>
+            <a:r>
+              <a:rPr lang="da-DK" dirty="0" err="1">
+                <a:latin typeface="Courier"/>
+                <a:cs typeface="Courier New" panose="02070309020205020404" pitchFamily="49" charset="0"/>
+              </a:rPr>
+              <a:t>background</a:t>
+            </a:r>
+            <a:r>
+              <a:rPr lang="da-DK" dirty="0">
+                <a:latin typeface="Courier"/>
+                <a:cs typeface="Courier New" panose="02070309020205020404" pitchFamily="49" charset="0"/>
+              </a:rPr>
+              <a:t>", "</a:t>
+            </a:r>
+            <a:r>
+              <a:rPr lang="da-DK" dirty="0" err="1">
+                <a:latin typeface="Courier"/>
+                <a:cs typeface="Courier New" panose="02070309020205020404" pitchFamily="49" charset="0"/>
+              </a:rPr>
+              <a:t>black</a:t>
+            </a:r>
+            <a:r>
+              <a:rPr lang="da-DK" dirty="0">
+                <a:latin typeface="Courier"/>
+                <a:cs typeface="Courier New" panose="02070309020205020404" pitchFamily="49" charset="0"/>
+              </a:rPr>
+              <a:t>", "</a:t>
+            </a:r>
+            <a:r>
+              <a:rPr lang="da-DK" dirty="0" err="1">
+                <a:latin typeface="Courier"/>
+                <a:cs typeface="Courier New" panose="02070309020205020404" pitchFamily="49" charset="0"/>
+              </a:rPr>
+              <a:t>important</a:t>
+            </a:r>
+            <a:r>
+              <a:rPr lang="da-DK" dirty="0">
+                <a:latin typeface="Courier"/>
+                <a:cs typeface="Courier New" panose="02070309020205020404" pitchFamily="49" charset="0"/>
+              </a:rPr>
+              <a:t>");</a:t>
+            </a:r>
+          </a:p>
+          <a:p>
+            <a:r>
+              <a:rPr lang="da-DK" dirty="0">
+                <a:latin typeface="Courier"/>
+                <a:cs typeface="Courier New" panose="02070309020205020404" pitchFamily="49" charset="0"/>
+              </a:rPr>
+              <a:t>      </a:t>
+            </a:r>
+            <a:r>
+              <a:rPr lang="da-DK" dirty="0" err="1">
+                <a:latin typeface="Courier"/>
+                <a:cs typeface="Courier New" panose="02070309020205020404" pitchFamily="49" charset="0"/>
+              </a:rPr>
+              <a:t>if</a:t>
+            </a:r>
+            <a:r>
+              <a:rPr lang="da-DK" dirty="0">
+                <a:latin typeface="Courier"/>
+                <a:cs typeface="Courier New" panose="02070309020205020404" pitchFamily="49" charset="0"/>
+              </a:rPr>
+              <a:t> (</a:t>
+            </a:r>
+            <a:r>
+              <a:rPr lang="da-DK" dirty="0" err="1">
+                <a:latin typeface="Courier"/>
+                <a:cs typeface="Courier New" panose="02070309020205020404" pitchFamily="49" charset="0"/>
+              </a:rPr>
+              <a:t>e.shadowRoot</a:t>
+            </a:r>
+            <a:r>
+              <a:rPr lang="da-DK" dirty="0">
+                <a:latin typeface="Courier"/>
+                <a:cs typeface="Courier New" panose="02070309020205020404" pitchFamily="49" charset="0"/>
+              </a:rPr>
+              <a:t>) </a:t>
+            </a:r>
+            <a:r>
+              <a:rPr lang="da-DK" dirty="0" err="1">
+                <a:latin typeface="Courier"/>
+                <a:cs typeface="Courier New" panose="02070309020205020404" pitchFamily="49" charset="0"/>
+              </a:rPr>
+              <a:t>recolor</a:t>
+            </a:r>
+            <a:r>
+              <a:rPr lang="da-DK" dirty="0">
+                <a:latin typeface="Courier"/>
+                <a:cs typeface="Courier New" panose="02070309020205020404" pitchFamily="49" charset="0"/>
+              </a:rPr>
+              <a:t>(</a:t>
+            </a:r>
+            <a:r>
+              <a:rPr lang="da-DK" dirty="0" err="1">
+                <a:latin typeface="Courier"/>
+                <a:cs typeface="Courier New" panose="02070309020205020404" pitchFamily="49" charset="0"/>
+              </a:rPr>
+              <a:t>e.shadowRoot</a:t>
+            </a:r>
+            <a:r>
+              <a:rPr lang="da-DK" dirty="0">
+                <a:latin typeface="Courier"/>
+                <a:cs typeface="Courier New" panose="02070309020205020404" pitchFamily="49" charset="0"/>
+              </a:rPr>
+              <a:t>);</a:t>
+            </a:r>
+          </a:p>
+          <a:p>
+            <a:r>
+              <a:rPr lang="da-DK" dirty="0">
+                <a:latin typeface="Courier"/>
+                <a:cs typeface="Courier New" panose="02070309020205020404" pitchFamily="49" charset="0"/>
+              </a:rPr>
+              <a:t>      </a:t>
+            </a:r>
+            <a:r>
+              <a:rPr lang="da-DK" dirty="0" err="1">
+                <a:latin typeface="Courier"/>
+                <a:cs typeface="Courier New" panose="02070309020205020404" pitchFamily="49" charset="0"/>
+              </a:rPr>
+              <a:t>if</a:t>
+            </a:r>
+            <a:r>
+              <a:rPr lang="da-DK" dirty="0">
+                <a:latin typeface="Courier"/>
+                <a:cs typeface="Courier New" panose="02070309020205020404" pitchFamily="49" charset="0"/>
+              </a:rPr>
+              <a:t> (</a:t>
+            </a:r>
+            <a:r>
+              <a:rPr lang="da-DK" dirty="0" err="1">
+                <a:latin typeface="Courier"/>
+                <a:cs typeface="Courier New" panose="02070309020205020404" pitchFamily="49" charset="0"/>
+              </a:rPr>
+              <a:t>e.nodeName</a:t>
+            </a:r>
+            <a:r>
+              <a:rPr lang="da-DK" dirty="0">
+                <a:latin typeface="Courier"/>
+                <a:cs typeface="Courier New" panose="02070309020205020404" pitchFamily="49" charset="0"/>
+              </a:rPr>
+              <a:t> == "IFRAME") </a:t>
+            </a:r>
+            <a:r>
+              <a:rPr lang="da-DK" dirty="0" err="1">
+                <a:latin typeface="Courier"/>
+                <a:cs typeface="Courier New" panose="02070309020205020404" pitchFamily="49" charset="0"/>
+              </a:rPr>
+              <a:t>recolor</a:t>
+            </a:r>
+            <a:r>
+              <a:rPr lang="da-DK" dirty="0">
+                <a:latin typeface="Courier"/>
+                <a:cs typeface="Courier New" panose="02070309020205020404" pitchFamily="49" charset="0"/>
+              </a:rPr>
+              <a:t>(</a:t>
+            </a:r>
+            <a:r>
+              <a:rPr lang="da-DK" dirty="0" err="1">
+                <a:latin typeface="Courier"/>
+                <a:cs typeface="Courier New" panose="02070309020205020404" pitchFamily="49" charset="0"/>
+              </a:rPr>
+              <a:t>e.contentWindow.document</a:t>
+            </a:r>
+            <a:r>
+              <a:rPr lang="da-DK" dirty="0">
+                <a:latin typeface="Courier"/>
+                <a:cs typeface="Courier New" panose="02070309020205020404" pitchFamily="49" charset="0"/>
+              </a:rPr>
+              <a:t>);</a:t>
+            </a:r>
+          </a:p>
+          <a:p>
+            <a:r>
+              <a:rPr lang="da-DK" dirty="0">
+                <a:latin typeface="Courier"/>
+                <a:cs typeface="Courier New" panose="02070309020205020404" pitchFamily="49" charset="0"/>
+              </a:rPr>
+              <a:t>    };</a:t>
+            </a:r>
+          </a:p>
+          <a:p>
+            <a:r>
+              <a:rPr lang="da-DK" dirty="0">
+                <a:latin typeface="Courier"/>
+                <a:cs typeface="Courier New" panose="02070309020205020404" pitchFamily="49" charset="0"/>
+              </a:rPr>
+              <a:t>  };</a:t>
+            </a:r>
+          </a:p>
+          <a:p>
+            <a:r>
+              <a:rPr lang="da-DK" dirty="0">
+                <a:latin typeface="Courier"/>
+                <a:cs typeface="Courier New" panose="02070309020205020404" pitchFamily="49" charset="0"/>
+              </a:rPr>
+              <a:t>  </a:t>
+            </a:r>
+            <a:r>
+              <a:rPr lang="da-DK" dirty="0" err="1">
+                <a:latin typeface="Courier"/>
+                <a:cs typeface="Courier New" panose="02070309020205020404" pitchFamily="49" charset="0"/>
+              </a:rPr>
+              <a:t>recolor</a:t>
+            </a:r>
+            <a:r>
+              <a:rPr lang="da-DK" dirty="0">
+                <a:latin typeface="Courier"/>
+                <a:cs typeface="Courier New" panose="02070309020205020404" pitchFamily="49" charset="0"/>
+              </a:rPr>
+              <a:t>(</a:t>
+            </a:r>
+            <a:r>
+              <a:rPr lang="da-DK" dirty="0" err="1">
+                <a:latin typeface="Courier"/>
+                <a:cs typeface="Courier New" panose="02070309020205020404" pitchFamily="49" charset="0"/>
+              </a:rPr>
+              <a:t>window.document</a:t>
+            </a:r>
+            <a:r>
+              <a:rPr lang="da-DK" dirty="0">
+                <a:latin typeface="Courier"/>
+                <a:cs typeface="Courier New" panose="02070309020205020404" pitchFamily="49" charset="0"/>
+              </a:rPr>
+              <a:t>);</a:t>
+            </a:r>
+          </a:p>
+          <a:p>
+            <a:r>
+              <a:rPr lang="da-DK" dirty="0">
+                <a:latin typeface="Courier"/>
+                <a:cs typeface="Courier New" panose="02070309020205020404" pitchFamily="49" charset="0"/>
+              </a:rPr>
+              <a:t>}</a:t>
+            </a:r>
+          </a:p>
+          <a:p>
+            <a:endParaRPr lang="da-DK" dirty="0"/>
+          </a:p>
+        </p:txBody>
+      </p:sp>
+      <p:sp>
+        <p:nvSpPr>
+          <p:cNvPr id="4" name="Slide Number Placeholder 3"/>
+          <p:cNvSpPr>
+            <a:spLocks noGrp="1"/>
+          </p:cNvSpPr>
+          <p:nvPr>
+            <p:ph type="sldNum" sz="quarter" idx="5"/>
+          </p:nvPr>
+        </p:nvSpPr>
+        <p:spPr/>
+        <p:txBody>
+          <a:bodyPr/>
+          <a:lstStyle/>
+          <a:p>
+            <a:fld id="{CD563DD8-32AB-41BE-B1C6-8EAC45222ACE}" type="slidenum">
+              <a:rPr lang="en-US" smtClean="0"/>
+              <a:t>20</a:t>
+            </a:fld>
+            <a:endParaRPr lang="en-US"/>
+          </a:p>
+        </p:txBody>
+      </p:sp>
+    </p:spTree>
+    <p:extLst>
+      <p:ext uri="{BB962C8B-B14F-4D97-AF65-F5344CB8AC3E}">
+        <p14:creationId xmlns:p14="http://schemas.microsoft.com/office/powerpoint/2010/main" val="744337484"/>
+      </p:ext>
+    </p:extLst>
+  </p:cSld>
+  <p:clrMapOvr>
+    <a:masterClrMapping/>
+  </p:clrMapOvr>
+</p:notes>
+</file>
+
+<file path=ppt/notesSlides/notesSlide11.xml><?xml version="1.0" encoding="utf-8"?>
+<p:notes xmlns:a="http://schemas.openxmlformats.org/drawingml/2006/main" xmlns:r="http://schemas.openxmlformats.org/officeDocument/2006/relationships" xmlns:p="http://schemas.openxmlformats.org/presentationml/2006/main">
+  <p:cSld>
+    <p:spTree>
+      <p:nvGrpSpPr>
+        <p:cNvPr id="1" name=""/>
+        <p:cNvGrpSpPr/>
+        <p:nvPr/>
+      </p:nvGrpSpPr>
+      <p:grpSpPr>
+        <a:xfrm>
+          <a:off x="0" y="0"/>
+          <a:ext cx="0" cy="0"/>
+          <a:chOff x="0" y="0"/>
+          <a:chExt cx="0" cy="0"/>
+        </a:xfrm>
+      </p:grpSpPr>
+      <p:sp>
+        <p:nvSpPr>
+          <p:cNvPr id="2" name="Slide Image Placeholder 1"/>
+          <p:cNvSpPr>
+            <a:spLocks noGrp="1" noRot="1" noChangeAspect="1"/>
+          </p:cNvSpPr>
+          <p:nvPr>
+            <p:ph type="sldImg"/>
+          </p:nvPr>
+        </p:nvSpPr>
+        <p:spPr/>
+      </p:sp>
+      <p:sp>
+        <p:nvSpPr>
+          <p:cNvPr id="3" name="Notes Placeholder 2"/>
+          <p:cNvSpPr>
+            <a:spLocks noGrp="1"/>
+          </p:cNvSpPr>
+          <p:nvPr>
+            <p:ph type="body" idx="1"/>
+          </p:nvPr>
+        </p:nvSpPr>
+        <p:spPr/>
+        <p:txBody>
+          <a:bodyPr/>
+          <a:lstStyle/>
+          <a:p>
+            <a:pPr marL="0" marR="0" lvl="0" indent="0" algn="l" defTabSz="914400" rtl="0" eaLnBrk="1" fontAlgn="auto" latinLnBrk="0" hangingPunct="1">
+              <a:lnSpc>
+                <a:spcPct val="100000"/>
+              </a:lnSpc>
+              <a:spcBef>
+                <a:spcPts val="0"/>
+              </a:spcBef>
+              <a:spcAft>
+                <a:spcPts val="0"/>
+              </a:spcAft>
+              <a:buClrTx/>
+              <a:buSzTx/>
+              <a:buFontTx/>
+              <a:buNone/>
+              <a:tabLst/>
+              <a:defRPr/>
+            </a:pPr>
+            <a:r>
+              <a:rPr lang="en-US" dirty="0">
+                <a:latin typeface="Courier"/>
+              </a:rPr>
+              <a:t>for i in range(256): print(i, "'" + </a:t>
+            </a:r>
+            <a:r>
+              <a:rPr lang="en-US" dirty="0" err="1">
+                <a:latin typeface="Courier"/>
+              </a:rPr>
+              <a:t>chr</a:t>
+            </a:r>
+            <a:r>
+              <a:rPr lang="en-US" dirty="0">
+                <a:latin typeface="Courier"/>
+              </a:rPr>
+              <a:t>(i) + "'")</a:t>
+            </a:r>
+          </a:p>
+          <a:p>
             <a:endParaRPr lang="en-US" dirty="0"/>
-          </a:p>
-          <a:p>
-            <a:r>
-              <a:rPr lang="en-US" dirty="0"/>
-              <a:t>@ matrix multiplication (for</a:t>
-            </a:r>
-            <a:r>
-              <a:rPr lang="en-US" baseline="0" dirty="0"/>
-              <a:t> </a:t>
-            </a:r>
-            <a:r>
-              <a:rPr lang="en-US" baseline="0" dirty="0" err="1"/>
-              <a:t>numpy</a:t>
-            </a:r>
-            <a:r>
-              <a:rPr lang="en-US" baseline="0" dirty="0"/>
-              <a:t>)</a:t>
-            </a:r>
-            <a:endParaRPr lang="en-US" dirty="0"/>
-          </a:p>
-          <a:p>
-            <a:endParaRPr lang="en-US" dirty="0"/>
-          </a:p>
-          <a:p>
-            <a:r>
-              <a:rPr lang="en-US" dirty="0"/>
-              <a:t>https://docs.python.org/3/reference/expressions.html#summary</a:t>
-            </a:r>
           </a:p>
         </p:txBody>
       </p:sp>
@@ -1157,6 +1874,132 @@
           <a:p>
             <a:fld id="{CD563DD8-32AB-41BE-B1C6-8EAC45222ACE}" type="slidenum">
               <a:rPr lang="en-US" smtClean="0"/>
+              <a:t>21</a:t>
+            </a:fld>
+            <a:endParaRPr lang="en-US"/>
+          </a:p>
+        </p:txBody>
+      </p:sp>
+    </p:spTree>
+    <p:extLst>
+      <p:ext uri="{BB962C8B-B14F-4D97-AF65-F5344CB8AC3E}">
+        <p14:creationId xmlns:p14="http://schemas.microsoft.com/office/powerpoint/2010/main" val="2331057724"/>
+      </p:ext>
+    </p:extLst>
+  </p:cSld>
+  <p:clrMapOvr>
+    <a:masterClrMapping/>
+  </p:clrMapOvr>
+</p:notes>
+</file>
+
+<file path=ppt/notesSlides/notesSlide12.xml><?xml version="1.0" encoding="utf-8"?>
+<p:notes xmlns:a="http://schemas.openxmlformats.org/drawingml/2006/main" xmlns:r="http://schemas.openxmlformats.org/officeDocument/2006/relationships" xmlns:p="http://schemas.openxmlformats.org/presentationml/2006/main">
+  <p:cSld>
+    <p:spTree>
+      <p:nvGrpSpPr>
+        <p:cNvPr id="1" name=""/>
+        <p:cNvGrpSpPr/>
+        <p:nvPr/>
+      </p:nvGrpSpPr>
+      <p:grpSpPr>
+        <a:xfrm>
+          <a:off x="0" y="0"/>
+          <a:ext cx="0" cy="0"/>
+          <a:chOff x="0" y="0"/>
+          <a:chExt cx="0" cy="0"/>
+        </a:xfrm>
+      </p:grpSpPr>
+      <p:sp>
+        <p:nvSpPr>
+          <p:cNvPr id="2" name="Slide Image Placeholder 1"/>
+          <p:cNvSpPr>
+            <a:spLocks noGrp="1" noRot="1" noChangeAspect="1"/>
+          </p:cNvSpPr>
+          <p:nvPr>
+            <p:ph type="sldImg"/>
+          </p:nvPr>
+        </p:nvSpPr>
+        <p:spPr/>
+      </p:sp>
+      <p:sp>
+        <p:nvSpPr>
+          <p:cNvPr id="3" name="Notes Placeholder 2"/>
+          <p:cNvSpPr>
+            <a:spLocks noGrp="1"/>
+          </p:cNvSpPr>
+          <p:nvPr>
+            <p:ph type="body" idx="1"/>
+          </p:nvPr>
+        </p:nvSpPr>
+        <p:spPr/>
+        <p:txBody>
+          <a:bodyPr/>
+          <a:lstStyle/>
+          <a:p>
+            <a:r>
+              <a:rPr lang="en-US" dirty="0"/>
+              <a:t>is,</a:t>
+            </a:r>
+            <a:r>
+              <a:rPr lang="en-US" baseline="0" dirty="0"/>
+              <a:t> is not ...</a:t>
+            </a:r>
+          </a:p>
+          <a:p>
+            <a:r>
+              <a:rPr lang="en-US" baseline="0" dirty="0"/>
+              <a:t>in, not in ... </a:t>
+            </a:r>
+            <a:endParaRPr lang="en-US" dirty="0"/>
+          </a:p>
+          <a:p>
+            <a:r>
+              <a:rPr lang="en-US" dirty="0"/>
+              <a:t>@ matrix multiplication (for</a:t>
+            </a:r>
+            <a:r>
+              <a:rPr lang="en-US" baseline="0" dirty="0"/>
+              <a:t> </a:t>
+            </a:r>
+            <a:r>
+              <a:rPr lang="en-US" baseline="0" dirty="0" err="1"/>
+              <a:t>numpy</a:t>
+            </a:r>
+            <a:r>
+              <a:rPr lang="en-US" baseline="0" dirty="0"/>
+              <a:t>)</a:t>
+            </a:r>
+            <a:endParaRPr lang="en-US" dirty="0"/>
+          </a:p>
+          <a:p>
+            <a:endParaRPr lang="en-US" dirty="0"/>
+          </a:p>
+          <a:p>
+            <a:r>
+              <a:rPr lang="en-US" dirty="0"/>
+              <a:t>https://docs.python.org/3/reference/expressions.html#summary</a:t>
+            </a:r>
+          </a:p>
+        </p:txBody>
+      </p:sp>
+      <p:sp>
+        <p:nvSpPr>
+          <p:cNvPr id="4" name="Slide Number Placeholder 3"/>
+          <p:cNvSpPr>
+            <a:spLocks noGrp="1"/>
+          </p:cNvSpPr>
+          <p:nvPr>
+            <p:ph type="sldNum" sz="quarter" idx="10"/>
+          </p:nvPr>
+        </p:nvSpPr>
+        <p:spPr/>
+        <p:txBody>
+          <a:bodyPr/>
+          <a:lstStyle/>
+          <a:p>
+            <a:fld id="{CD563DD8-32AB-41BE-B1C6-8EAC45222ACE}" type="slidenum">
+              <a:rPr lang="en-US" smtClean="0"/>
               <a:t>25</a:t>
             </a:fld>
             <a:endParaRPr lang="en-US"/>
@@ -1176,7 +2019,7 @@
 </p:notes>
 </file>
 
-<file path=ppt/notesSlides/notesSlide11.xml><?xml version="1.0" encoding="utf-8"?>
+<file path=ppt/notesSlides/notesSlide13.xml><?xml version="1.0" encoding="utf-8"?>
 <p:notes xmlns:a="http://schemas.openxmlformats.org/drawingml/2006/main" xmlns:r="http://schemas.openxmlformats.org/officeDocument/2006/relationships" xmlns:p="http://schemas.openxmlformats.org/presentationml/2006/main">
   <p:cSld>
     <p:spTree>
@@ -1593,15 +2436,7 @@
           <a:bodyPr/>
           <a:lstStyle/>
           <a:p>
-            <a:r>
-              <a:rPr lang="en-US" dirty="0"/>
-              <a:t>-3//2 vs –(3//2)  (the first equals</a:t>
-            </a:r>
-            <a:r>
-              <a:rPr lang="en-US" baseline="0" dirty="0"/>
-              <a:t> (-3)//2 = -2, whereas –(3//2) = -(1) )=-1)</a:t>
-            </a:r>
-            <a:endParaRPr lang="en-US" dirty="0"/>
+            <a:endParaRPr lang="da-DK" dirty="0"/>
           </a:p>
         </p:txBody>
       </p:sp>
@@ -1612,7 +2447,7 @@
             <a:spLocks noGrp="1"/>
           </p:cNvSpPr>
           <p:nvPr>
-            <p:ph type="sldNum" sz="quarter" idx="10"/>
+            <p:ph type="sldNum" sz="quarter" idx="5"/>
           </p:nvPr>
         </p:nvSpPr>
         <p:spPr/>
@@ -1622,7 +2457,7 @@
           <a:p>
             <a:fld id="{CD563DD8-32AB-41BE-B1C6-8EAC45222ACE}" type="slidenum">
               <a:rPr lang="en-US" smtClean="0"/>
-              <a:t>11</a:t>
+              <a:t>10</a:t>
             </a:fld>
             <a:endParaRPr lang="en-US"/>
           </a:p>
@@ -1631,7 +2466,7 @@
     </p:spTree>
     <p:extLst>
       <p:ext uri="{BB962C8B-B14F-4D97-AF65-F5344CB8AC3E}">
-        <p14:creationId xmlns:p14="http://schemas.microsoft.com/office/powerpoint/2010/main" val="1649897377"/>
+        <p14:creationId xmlns:p14="http://schemas.microsoft.com/office/powerpoint/2010/main" val="3973946187"/>
       </p:ext>
     </p:extLst>
   </p:cSld>
@@ -1687,11 +2522,11 @@
           <a:p>
             <a:r>
               <a:rPr lang="en-US" dirty="0"/>
-              <a:t>Nice thing about Python “if</a:t>
+              <a:t>-3//2 vs –(3//2)  (the first equals</a:t>
             </a:r>
             <a:r>
               <a:rPr lang="en-US" baseline="0" dirty="0"/>
-              <a:t> x=3:” will give a syntax error, opposed to other languages... like C, C++ &lt;&lt; java???&gt;&gt;</a:t>
+              <a:t> (-3)//2 = -2, whereas –(3//2) = -(1) )=-1)</a:t>
             </a:r>
             <a:endParaRPr lang="en-US" dirty="0"/>
           </a:p>
@@ -1714,7 +2549,7 @@
           <a:p>
             <a:fld id="{CD563DD8-32AB-41BE-B1C6-8EAC45222ACE}" type="slidenum">
               <a:rPr lang="en-US" smtClean="0"/>
-              <a:t>15</a:t>
+              <a:t>11</a:t>
             </a:fld>
             <a:endParaRPr lang="en-US"/>
           </a:p>
@@ -1723,7 +2558,7 @@
     </p:spTree>
     <p:extLst>
       <p:ext uri="{BB962C8B-B14F-4D97-AF65-F5344CB8AC3E}">
-        <p14:creationId xmlns:p14="http://schemas.microsoft.com/office/powerpoint/2010/main" val="3700905384"/>
+        <p14:creationId xmlns:p14="http://schemas.microsoft.com/office/powerpoint/2010/main" val="1649897377"/>
       </p:ext>
     </p:extLst>
   </p:cSld>
@@ -1777,7 +2612,50 @@
           <a:bodyPr/>
           <a:lstStyle/>
           <a:p>
+            <a:r>
+              <a:rPr lang="en-US" dirty="0"/>
+              <a:t>More meaningful example, assume L is </a:t>
+            </a:r>
+            <a:r>
+              <a:rPr lang="en-US"/>
+              <a:t>a list:</a:t>
+            </a:r>
             <a:endParaRPr lang="en-US" dirty="0"/>
+          </a:p>
+          <a:p>
+            <a:endParaRPr lang="en-US" dirty="0"/>
+          </a:p>
+          <a:p>
+            <a:r>
+              <a:rPr lang="en-US" dirty="0"/>
+              <a:t>if </a:t>
+            </a:r>
+            <a:r>
+              <a:rPr lang="en-US" dirty="0" err="1"/>
+              <a:t>len</a:t>
+            </a:r>
+            <a:r>
+              <a:rPr lang="en-US" dirty="0"/>
+              <a:t>(L) &gt; 0 and L[0] != 0:  L[0] -= 1</a:t>
+            </a:r>
+          </a:p>
+          <a:p>
+            <a:r>
+              <a:rPr lang="en-US" dirty="0"/>
+              <a:t>=&gt;</a:t>
+            </a:r>
+          </a:p>
+          <a:p>
+            <a:r>
+              <a:rPr lang="en-US" dirty="0"/>
+              <a:t>If L and L[0]: L[0] -= 1</a:t>
+            </a:r>
+          </a:p>
+          <a:p>
+            <a:endParaRPr lang="da-DK" dirty="0"/>
+          </a:p>
+          <a:p>
+            <a:endParaRPr lang="da-DK" dirty="0"/>
           </a:p>
         </p:txBody>
       </p:sp>
@@ -1788,7 +2666,7 @@
             <a:spLocks noGrp="1"/>
           </p:cNvSpPr>
           <p:nvPr>
-            <p:ph type="sldNum" sz="quarter" idx="10"/>
+            <p:ph type="sldNum" sz="quarter" idx="5"/>
           </p:nvPr>
         </p:nvSpPr>
         <p:spPr/>
@@ -1798,7 +2676,7 @@
           <a:p>
             <a:fld id="{CD563DD8-32AB-41BE-B1C6-8EAC45222ACE}" type="slidenum">
               <a:rPr lang="en-US" smtClean="0"/>
-              <a:t>16</a:t>
+              <a:t>13</a:t>
             </a:fld>
             <a:endParaRPr lang="en-US"/>
           </a:p>
@@ -1807,7 +2685,7 @@
     </p:spTree>
     <p:extLst>
       <p:ext uri="{BB962C8B-B14F-4D97-AF65-F5344CB8AC3E}">
-        <p14:creationId xmlns:p14="http://schemas.microsoft.com/office/powerpoint/2010/main" val="1264082981"/>
+        <p14:creationId xmlns:p14="http://schemas.microsoft.com/office/powerpoint/2010/main" val="1004196439"/>
       </p:ext>
     </p:extLst>
   </p:cSld>
@@ -1862,67 +2740,14 @@
           <a:lstStyle/>
           <a:p>
             <a:r>
-              <a:rPr lang="da-DK" dirty="0"/>
-              <a:t>decimaler = 5</a:t>
-            </a:r>
-          </a:p>
-          <a:p>
-            <a:r>
-              <a:rPr lang="da-DK" dirty="0"/>
-              <a:t>f'et tal {1/3 = :.{decimaler}}’</a:t>
-            </a:r>
-          </a:p>
-          <a:p>
-            <a:r>
-              <a:rPr lang="da-DK" dirty="0"/>
-              <a:t>.format </a:t>
-            </a:r>
-            <a:r>
-              <a:rPr lang="da-DK" dirty="0" err="1"/>
-              <a:t>useful</a:t>
-            </a:r>
-            <a:r>
-              <a:rPr lang="da-DK" dirty="0"/>
-              <a:t> </a:t>
-            </a:r>
-            <a:r>
-              <a:rPr lang="da-DK" dirty="0" err="1"/>
-              <a:t>when</a:t>
-            </a:r>
-            <a:r>
-              <a:rPr lang="da-DK" dirty="0"/>
-              <a:t> same </a:t>
-            </a:r>
-            <a:r>
-              <a:rPr lang="da-DK" dirty="0" err="1"/>
-              <a:t>value</a:t>
-            </a:r>
-            <a:r>
-              <a:rPr lang="da-DK" dirty="0"/>
-              <a:t> has to </a:t>
-            </a:r>
-            <a:r>
-              <a:rPr lang="da-DK" dirty="0" err="1"/>
-              <a:t>be</a:t>
-            </a:r>
-            <a:r>
-              <a:rPr lang="da-DK" dirty="0"/>
-              <a:t> </a:t>
-            </a:r>
-            <a:r>
-              <a:rPr lang="da-DK" dirty="0" err="1"/>
-              <a:t>inserted</a:t>
-            </a:r>
-            <a:r>
-              <a:rPr lang="da-DK" dirty="0"/>
-              <a:t> multiple times: '{1} {1} {0}'.format('abc', 42)</a:t>
-            </a:r>
-          </a:p>
-          <a:p>
-            <a:endParaRPr lang="da-DK" dirty="0"/>
-          </a:p>
-          <a:p>
-            <a:endParaRPr lang="da-DK" dirty="0"/>
+              <a:rPr lang="en-US" dirty="0"/>
+              <a:t>Nice thing about Python “if</a:t>
+            </a:r>
+            <a:r>
+              <a:rPr lang="en-US" baseline="0" dirty="0"/>
+              <a:t> x=3:” will give a syntax error, opposed to other languages... like C, C++ &lt;&lt; java???&gt;&gt;</a:t>
+            </a:r>
+            <a:endParaRPr lang="en-US" dirty="0"/>
           </a:p>
         </p:txBody>
       </p:sp>
@@ -1933,7 +2758,7 @@
             <a:spLocks noGrp="1"/>
           </p:cNvSpPr>
           <p:nvPr>
-            <p:ph type="sldNum" sz="quarter" idx="5"/>
+            <p:ph type="sldNum" sz="quarter" idx="10"/>
           </p:nvPr>
         </p:nvSpPr>
         <p:spPr/>
@@ -1943,7 +2768,7 @@
           <a:p>
             <a:fld id="{CD563DD8-32AB-41BE-B1C6-8EAC45222ACE}" type="slidenum">
               <a:rPr lang="en-US" smtClean="0"/>
-              <a:t>19</a:t>
+              <a:t>15</a:t>
             </a:fld>
             <a:endParaRPr lang="en-US"/>
           </a:p>
@@ -1952,7 +2777,7 @@
     </p:spTree>
     <p:extLst>
       <p:ext uri="{BB962C8B-B14F-4D97-AF65-F5344CB8AC3E}">
-        <p14:creationId xmlns:p14="http://schemas.microsoft.com/office/powerpoint/2010/main" val="873223376"/>
+        <p14:creationId xmlns:p14="http://schemas.microsoft.com/office/powerpoint/2010/main" val="3700905384"/>
       </p:ext>
     </p:extLst>
   </p:cSld>
@@ -2006,43 +2831,7 @@
           <a:bodyPr/>
           <a:lstStyle/>
           <a:p>
-            <a:r>
-              <a:rPr lang="da-DK" dirty="0" err="1"/>
-              <a:t>Javascript</a:t>
-            </a:r>
-            <a:r>
-              <a:rPr lang="da-DK" dirty="0"/>
-              <a:t> </a:t>
-            </a:r>
-            <a:r>
-              <a:rPr lang="da-DK" dirty="0" err="1"/>
-              <a:t>example</a:t>
-            </a:r>
-            <a:r>
-              <a:rPr lang="da-DK" dirty="0"/>
-              <a:t>: Open Google Chrome + F12 + Console: ‘abc’ + 42</a:t>
-            </a:r>
-          </a:p>
-          <a:p>
-            <a:endParaRPr lang="da-DK" dirty="0"/>
-          </a:p>
-          <a:p>
-            <a:r>
-              <a:rPr lang="da-DK" dirty="0" err="1"/>
-              <a:t>document.body.style.background</a:t>
-            </a:r>
-            <a:r>
-              <a:rPr lang="da-DK" dirty="0"/>
-              <a:t> = '</a:t>
-            </a:r>
-            <a:r>
-              <a:rPr lang="da-DK" dirty="0" err="1"/>
-              <a:t>lightblue</a:t>
-            </a:r>
-            <a:r>
-              <a:rPr lang="da-DK" dirty="0"/>
-              <a:t>'</a:t>
-            </a:r>
+            <a:endParaRPr lang="en-US" dirty="0"/>
           </a:p>
         </p:txBody>
       </p:sp>
@@ -2053,7 +2842,7 @@
             <a:spLocks noGrp="1"/>
           </p:cNvSpPr>
           <p:nvPr>
-            <p:ph type="sldNum" sz="quarter" idx="5"/>
+            <p:ph type="sldNum" sz="quarter" idx="10"/>
           </p:nvPr>
         </p:nvSpPr>
         <p:spPr/>
@@ -2063,7 +2852,7 @@
           <a:p>
             <a:fld id="{CD563DD8-32AB-41BE-B1C6-8EAC45222ACE}" type="slidenum">
               <a:rPr lang="en-US" smtClean="0"/>
-              <a:t>20</a:t>
+              <a:t>16</a:t>
             </a:fld>
             <a:endParaRPr lang="en-US"/>
           </a:p>
@@ -2072,7 +2861,7 @@
     </p:spTree>
     <p:extLst>
       <p:ext uri="{BB962C8B-B14F-4D97-AF65-F5344CB8AC3E}">
-        <p14:creationId xmlns:p14="http://schemas.microsoft.com/office/powerpoint/2010/main" val="744337484"/>
+        <p14:creationId xmlns:p14="http://schemas.microsoft.com/office/powerpoint/2010/main" val="1264082981"/>
       </p:ext>
     </p:extLst>
   </p:cSld>
@@ -2126,44 +2915,68 @@
           <a:bodyPr/>
           <a:lstStyle/>
           <a:p>
-            <a:pPr marL="0" marR="0" lvl="0" indent="0" algn="l" defTabSz="914400" rtl="0" eaLnBrk="1" fontAlgn="auto" latinLnBrk="0" hangingPunct="1">
-              <a:lnSpc>
-                <a:spcPct val="100000"/>
-              </a:lnSpc>
-              <a:spcBef>
-                <a:spcPts val="0"/>
-              </a:spcBef>
-              <a:spcAft>
-                <a:spcPts val="0"/>
-              </a:spcAft>
-              <a:buClrTx/>
-              <a:buSzTx/>
-              <a:buFontTx/>
-              <a:buNone/>
-              <a:tabLst/>
-              <a:defRPr/>
-            </a:pPr>
-            <a:r>
-              <a:rPr lang="en-US" dirty="0">
-                <a:latin typeface="Courier"/>
-              </a:rPr>
-              <a:t>for i in range(256): print(i, "'" + </a:t>
-            </a:r>
-            <a:r>
-              <a:rPr lang="en-US" dirty="0" err="1">
-                <a:latin typeface="Courier"/>
-              </a:rPr>
-              <a:t>chr</a:t>
-            </a:r>
-            <a:r>
-              <a:rPr lang="en-US" dirty="0">
-                <a:latin typeface="Courier"/>
-              </a:rPr>
-              <a:t>(i) + "'")</a:t>
-            </a:r>
-          </a:p>
-          <a:p>
-            <a:endParaRPr lang="en-US" dirty="0"/>
+            <a:r>
+              <a:rPr lang="da-DK" dirty="0"/>
+              <a:t>decimaler = 5</a:t>
+            </a:r>
+          </a:p>
+          <a:p>
+            <a:r>
+              <a:rPr lang="da-DK" dirty="0"/>
+              <a:t>f'et tal {1/3 = :.{decimaler}}’</a:t>
+            </a:r>
+          </a:p>
+          <a:p>
+            <a:r>
+              <a:rPr lang="da-DK" dirty="0"/>
+              <a:t>.format </a:t>
+            </a:r>
+            <a:r>
+              <a:rPr lang="da-DK" dirty="0" err="1"/>
+              <a:t>useful</a:t>
+            </a:r>
+            <a:r>
+              <a:rPr lang="da-DK" dirty="0"/>
+              <a:t> </a:t>
+            </a:r>
+            <a:r>
+              <a:rPr lang="da-DK" dirty="0" err="1"/>
+              <a:t>when</a:t>
+            </a:r>
+            <a:r>
+              <a:rPr lang="da-DK" dirty="0"/>
+              <a:t> same </a:t>
+            </a:r>
+            <a:r>
+              <a:rPr lang="da-DK" dirty="0" err="1"/>
+              <a:t>value</a:t>
+            </a:r>
+            <a:r>
+              <a:rPr lang="da-DK" dirty="0"/>
+              <a:t> has to </a:t>
+            </a:r>
+            <a:r>
+              <a:rPr lang="da-DK" dirty="0" err="1"/>
+              <a:t>be</a:t>
+            </a:r>
+            <a:r>
+              <a:rPr lang="da-DK" dirty="0"/>
+              <a:t> </a:t>
+            </a:r>
+            <a:r>
+              <a:rPr lang="da-DK" dirty="0" err="1"/>
+              <a:t>inserted</a:t>
+            </a:r>
+            <a:r>
+              <a:rPr lang="da-DK" dirty="0"/>
+              <a:t> multiple times: '{1} {1} {0}'.format('abc', 42)</a:t>
+            </a:r>
+          </a:p>
+          <a:p>
+            <a:endParaRPr lang="da-DK" dirty="0"/>
+          </a:p>
+          <a:p>
+            <a:endParaRPr lang="da-DK" dirty="0"/>
           </a:p>
         </p:txBody>
       </p:sp>
@@ -2174,7 +2987,7 @@
             <a:spLocks noGrp="1"/>
           </p:cNvSpPr>
           <p:nvPr>
-            <p:ph type="sldNum" sz="quarter" idx="10"/>
+            <p:ph type="sldNum" sz="quarter" idx="5"/>
           </p:nvPr>
         </p:nvSpPr>
         <p:spPr/>
@@ -2184,7 +2997,7 @@
           <a:p>
             <a:fld id="{CD563DD8-32AB-41BE-B1C6-8EAC45222ACE}" type="slidenum">
               <a:rPr lang="en-US" smtClean="0"/>
-              <a:t>21</a:t>
+              <a:t>19</a:t>
             </a:fld>
             <a:endParaRPr lang="en-US"/>
           </a:p>
@@ -2193,7 +3006,7 @@
     </p:spTree>
     <p:extLst>
       <p:ext uri="{BB962C8B-B14F-4D97-AF65-F5344CB8AC3E}">
-        <p14:creationId xmlns:p14="http://schemas.microsoft.com/office/powerpoint/2010/main" val="2331057724"/>
+        <p14:creationId xmlns:p14="http://schemas.microsoft.com/office/powerpoint/2010/main" val="873223376"/>
       </p:ext>
     </p:extLst>
   </p:cSld>
@@ -2340,7 +3153,7 @@
           <a:p>
             <a:fld id="{0560A9CD-0304-4E0B-9E82-E7E0115DE05B}" type="datetimeFigureOut">
               <a:rPr lang="en-US" smtClean="0"/>
-              <a:t>2/4/2024</a:t>
+              <a:t>2/6/2024</a:t>
             </a:fld>
             <a:endParaRPr lang="en-US"/>
           </a:p>
@@ -2508,7 +3321,7 @@
           <a:p>
             <a:fld id="{0560A9CD-0304-4E0B-9E82-E7E0115DE05B}" type="datetimeFigureOut">
               <a:rPr lang="en-US" smtClean="0"/>
-              <a:t>2/4/2024</a:t>
+              <a:t>2/6/2024</a:t>
             </a:fld>
             <a:endParaRPr lang="en-US"/>
           </a:p>
@@ -2686,7 +3499,7 @@
           <a:p>
             <a:fld id="{0560A9CD-0304-4E0B-9E82-E7E0115DE05B}" type="datetimeFigureOut">
               <a:rPr lang="en-US" smtClean="0"/>
-              <a:t>2/4/2024</a:t>
+              <a:t>2/6/2024</a:t>
             </a:fld>
             <a:endParaRPr lang="en-US"/>
           </a:p>
@@ -2863,7 +3676,7 @@
           <a:p>
             <a:fld id="{0560A9CD-0304-4E0B-9E82-E7E0115DE05B}" type="datetimeFigureOut">
               <a:rPr lang="en-US" smtClean="0"/>
-              <a:t>2/4/2024</a:t>
+              <a:t>2/6/2024</a:t>
             </a:fld>
             <a:endParaRPr lang="en-US"/>
           </a:p>
@@ -3108,7 +3921,7 @@
           <a:p>
             <a:fld id="{0560A9CD-0304-4E0B-9E82-E7E0115DE05B}" type="datetimeFigureOut">
               <a:rPr lang="en-US" smtClean="0"/>
-              <a:t>2/4/2024</a:t>
+              <a:t>2/6/2024</a:t>
             </a:fld>
             <a:endParaRPr lang="en-US"/>
           </a:p>
@@ -3337,7 +4150,7 @@
           <a:p>
             <a:fld id="{0560A9CD-0304-4E0B-9E82-E7E0115DE05B}" type="datetimeFigureOut">
               <a:rPr lang="en-US" smtClean="0"/>
-              <a:t>2/4/2024</a:t>
+              <a:t>2/6/2024</a:t>
             </a:fld>
             <a:endParaRPr lang="en-US"/>
           </a:p>
@@ -3701,7 +4514,7 @@
           <a:p>
             <a:fld id="{0560A9CD-0304-4E0B-9E82-E7E0115DE05B}" type="datetimeFigureOut">
               <a:rPr lang="en-US" smtClean="0"/>
-              <a:t>2/4/2024</a:t>
+              <a:t>2/6/2024</a:t>
             </a:fld>
             <a:endParaRPr lang="en-US"/>
           </a:p>
@@ -3818,7 +4631,7 @@
           <a:p>
             <a:fld id="{0560A9CD-0304-4E0B-9E82-E7E0115DE05B}" type="datetimeFigureOut">
               <a:rPr lang="en-US" smtClean="0"/>
-              <a:t>2/4/2024</a:t>
+              <a:t>2/6/2024</a:t>
             </a:fld>
             <a:endParaRPr lang="en-US"/>
           </a:p>
@@ -3913,7 +4726,7 @@
           <a:p>
             <a:fld id="{0560A9CD-0304-4E0B-9E82-E7E0115DE05B}" type="datetimeFigureOut">
               <a:rPr lang="en-US" smtClean="0"/>
-              <a:t>2/4/2024</a:t>
+              <a:t>2/6/2024</a:t>
             </a:fld>
             <a:endParaRPr lang="en-US"/>
           </a:p>
@@ -4188,7 +5001,7 @@
           <a:p>
             <a:fld id="{0560A9CD-0304-4E0B-9E82-E7E0115DE05B}" type="datetimeFigureOut">
               <a:rPr lang="en-US" smtClean="0"/>
-              <a:t>2/4/2024</a:t>
+              <a:t>2/6/2024</a:t>
             </a:fld>
             <a:endParaRPr lang="en-US"/>
           </a:p>
@@ -4440,7 +5253,7 @@
           <a:p>
             <a:fld id="{0560A9CD-0304-4E0B-9E82-E7E0115DE05B}" type="datetimeFigureOut">
               <a:rPr lang="en-US" smtClean="0"/>
-              <a:t>2/4/2024</a:t>
+              <a:t>2/6/2024</a:t>
             </a:fld>
             <a:endParaRPr lang="en-US"/>
           </a:p>
@@ -4651,7 +5464,7 @@
           <a:p>
             <a:fld id="{0560A9CD-0304-4E0B-9E82-E7E0115DE05B}" type="datetimeFigureOut">
               <a:rPr lang="en-US" smtClean="0"/>
-              <a:t>2/4/2024</a:t>
+              <a:t>2/6/2024</a:t>
             </a:fld>
             <a:endParaRPr lang="en-US"/>
           </a:p>
@@ -5171,13 +5984,13 @@
           <p:nvPr>
             <p:extLst>
               <p:ext uri="{D42A27DB-BD31-4B8C-83A1-F6EECF244321}">
-                <p14:modId xmlns:p14="http://schemas.microsoft.com/office/powerpoint/2010/main" val="1043248514"/>
+                <p14:modId xmlns:p14="http://schemas.microsoft.com/office/powerpoint/2010/main" val="3827532895"/>
               </p:ext>
             </p:extLst>
           </p:nvPr>
         </p:nvGraphicFramePr>
         <p:xfrm>
-          <a:off x="2213409" y="365959"/>
+          <a:off x="2213409" y="526379"/>
           <a:ext cx="7570671" cy="5745420"/>
         </p:xfrm>
         <a:graphic>
@@ -5823,7 +6636,7 @@
         <p:spPr>
           <a:xfrm>
             <a:off x="8110121" y="6341864"/>
-            <a:ext cx="3927037" cy="369332"/>
+            <a:ext cx="4044056" cy="369332"/>
           </a:xfrm>
           <a:prstGeom prst="rect">
             <a:avLst/>
@@ -5836,9 +6649,12 @@
           <a:lstStyle/>
           <a:p>
             <a:r>
-              <a:rPr lang="en-US" dirty="0"/>
-              <a:t>docs.python.org/3.6/library/timeit.html</a:t>
-            </a:r>
+              <a:rPr lang="en-US" dirty="0">
+                <a:hlinkClick r:id="rId3"/>
+              </a:rPr>
+              <a:t>docs.python.org/3.12/library/timeit.html</a:t>
+            </a:r>
+            <a:endParaRPr lang="en-US" dirty="0"/>
           </a:p>
         </p:txBody>
       </p:sp>
@@ -9345,7 +10161,7 @@
             </a:r>
             <a:r>
               <a:rPr lang="en-US" sz="2400" dirty="0">
-                <a:hlinkClick r:id="rId2"/>
+                <a:hlinkClick r:id="rId3"/>
               </a:rPr>
               <a:t>True Value Testing</a:t>
             </a:r>
@@ -16001,11 +16817,7 @@
                                           </p:stCondLst>
                                         </p:cTn>
                                         <p:tgtEl>
-                                          <p:spTgt spid="3">
-                                            <p:txEl>
-                                              <p:pRg st="6" end="6"/>
-                                            </p:txEl>
-                                          </p:spTgt>
+                                          <p:spTgt spid="4"/>
                                         </p:tgtEl>
                                         <p:attrNameLst>
                                           <p:attrName>style.visibility</p:attrName>
@@ -16019,11 +16831,7 @@
                                       <p:cBhvr>
                                         <p:cTn id="12" dur="500"/>
                                         <p:tgtEl>
-                                          <p:spTgt spid="3">
-                                            <p:txEl>
-                                              <p:pRg st="6" end="6"/>
-                                            </p:txEl>
-                                          </p:spTgt>
+                                          <p:spTgt spid="4"/>
                                         </p:tgtEl>
                                       </p:cBhvr>
                                     </p:animEffect>
@@ -16062,7 +16870,11 @@
                                           </p:stCondLst>
                                         </p:cTn>
                                         <p:tgtEl>
-                                          <p:spTgt spid="4"/>
+                                          <p:spTgt spid="3">
+                                            <p:txEl>
+                                              <p:pRg st="6" end="6"/>
+                                            </p:txEl>
+                                          </p:spTgt>
                                         </p:tgtEl>
                                         <p:attrNameLst>
                                           <p:attrName>style.visibility</p:attrName>
@@ -16076,7 +16888,11 @@
                                       <p:cBhvr>
                                         <p:cTn id="17" dur="500"/>
                                         <p:tgtEl>
-                                          <p:spTgt spid="4"/>
+                                          <p:spTgt spid="3">
+                                            <p:txEl>
+                                              <p:pRg st="6" end="6"/>
+                                            </p:txEl>
+                                          </p:spTgt>
                                         </p:tgtEl>
                                       </p:cBhvr>
                                     </p:animEffect>

--- a/ipsa/slides/operations.pptx
+++ b/ipsa/slides/operations.pptx
@@ -410,10 +410,33 @@
   <pc:docChgLst>
     <pc:chgData name="Gerth Stølting Brodal" userId="04ef4784-6591-4f86-a140-f5c3b108582a" providerId="ADAL" clId="{56F465E5-64FD-4F2A-935D-395061FAD986}"/>
     <pc:docChg chg="undo redo custSel addSld modSld">
-      <pc:chgData name="Gerth Stølting Brodal" userId="04ef4784-6591-4f86-a140-f5c3b108582a" providerId="ADAL" clId="{56F465E5-64FD-4F2A-935D-395061FAD986}" dt="2024-02-06T21:48:22.360" v="927" actId="20577"/>
+      <pc:chgData name="Gerth Stølting Brodal" userId="04ef4784-6591-4f86-a140-f5c3b108582a" providerId="ADAL" clId="{56F465E5-64FD-4F2A-935D-395061FAD986}" dt="2024-02-07T10:16:20.656" v="964" actId="207"/>
       <pc:docMkLst>
         <pc:docMk/>
       </pc:docMkLst>
+      <pc:sldChg chg="modSp mod">
+        <pc:chgData name="Gerth Stølting Brodal" userId="04ef4784-6591-4f86-a140-f5c3b108582a" providerId="ADAL" clId="{56F465E5-64FD-4F2A-935D-395061FAD986}" dt="2024-02-07T10:16:20.656" v="964" actId="207"/>
+        <pc:sldMkLst>
+          <pc:docMk/>
+          <pc:sldMk cId="3650692602" sldId="286"/>
+        </pc:sldMkLst>
+        <pc:spChg chg="mod">
+          <ac:chgData name="Gerth Stølting Brodal" userId="04ef4784-6591-4f86-a140-f5c3b108582a" providerId="ADAL" clId="{56F465E5-64FD-4F2A-935D-395061FAD986}" dt="2024-02-07T10:16:20.656" v="964" actId="207"/>
+          <ac:spMkLst>
+            <pc:docMk/>
+            <pc:sldMk cId="3650692602" sldId="286"/>
+            <ac:spMk id="2" creationId="{00000000-0000-0000-0000-000000000000}"/>
+          </ac:spMkLst>
+        </pc:spChg>
+        <pc:spChg chg="mod">
+          <ac:chgData name="Gerth Stølting Brodal" userId="04ef4784-6591-4f86-a140-f5c3b108582a" providerId="ADAL" clId="{56F465E5-64FD-4F2A-935D-395061FAD986}" dt="2024-02-07T08:53:39.154" v="957" actId="20577"/>
+          <ac:spMkLst>
+            <pc:docMk/>
+            <pc:sldMk cId="3650692602" sldId="286"/>
+            <ac:spMk id="3" creationId="{00000000-0000-0000-0000-000000000000}"/>
+          </ac:spMkLst>
+        </pc:spChg>
+      </pc:sldChg>
       <pc:sldChg chg="modSp mod modNotesTx">
         <pc:chgData name="Gerth Stølting Brodal" userId="04ef4784-6591-4f86-a140-f5c3b108582a" providerId="ADAL" clId="{56F465E5-64FD-4F2A-935D-395061FAD986}" dt="2024-02-04T19:34:30.157" v="663" actId="313"/>
         <pc:sldMkLst>
@@ -695,7 +718,7 @@
           <a:p>
             <a:fld id="{FB1A172F-81D4-4DC4-9113-1DBD56EC3646}" type="datetimeFigureOut">
               <a:rPr lang="en-US" smtClean="0"/>
-              <a:t>2/6/2024</a:t>
+              <a:t>2/7/2024</a:t>
             </a:fld>
             <a:endParaRPr lang="en-US"/>
           </a:p>
@@ -1125,8 +1148,24 @@
           <a:lstStyle/>
           <a:p>
             <a:r>
+              <a:rPr lang="da-DK" dirty="0"/>
+              <a:t>decimaler = 5</a:t>
+            </a:r>
+          </a:p>
+          <a:p>
+            <a:r>
+              <a:rPr lang="da-DK" dirty="0"/>
+              <a:t>f'et tal {1/3 = :.{decimaler}}’</a:t>
+            </a:r>
+          </a:p>
+          <a:p>
+            <a:r>
+              <a:rPr lang="da-DK" dirty="0"/>
+              <a:t>.format </a:t>
+            </a:r>
+            <a:r>
               <a:rPr lang="da-DK" dirty="0" err="1"/>
-              <a:t>Javascript</a:t>
+              <a:t>useful</a:t>
             </a:r>
             <a:r>
               <a:rPr lang="da-DK" dirty="0"/>
@@ -1134,36 +1173,23 @@
             </a:r>
             <a:r>
               <a:rPr lang="da-DK" dirty="0" err="1"/>
-              <a:t>example</a:t>
+              <a:t>when</a:t>
             </a:r>
             <a:r>
               <a:rPr lang="da-DK" dirty="0"/>
-              <a:t>: Open Google Chrome + F12 + Console: ‘abc’ + 42</a:t>
-            </a:r>
-          </a:p>
-          <a:p>
-            <a:endParaRPr lang="da-DK" dirty="0"/>
-          </a:p>
-          <a:p>
+              <a:t> same </a:t>
+            </a:r>
             <a:r>
               <a:rPr lang="da-DK" dirty="0" err="1"/>
-              <a:t>document.body.style.background</a:t>
+              <a:t>value</a:t>
             </a:r>
             <a:r>
               <a:rPr lang="da-DK" dirty="0"/>
-              <a:t> = '</a:t>
+              <a:t> has to </a:t>
             </a:r>
             <a:r>
               <a:rPr lang="da-DK" dirty="0" err="1"/>
-              <a:t>lightblue</a:t>
-            </a:r>
-            <a:r>
-              <a:rPr lang="da-DK" dirty="0"/>
-              <a:t>’  // </a:t>
-            </a:r>
-            <a:r>
-              <a:rPr lang="da-DK" dirty="0" err="1"/>
-              <a:t>background</a:t>
+              <a:t>be</a:t>
             </a:r>
             <a:r>
               <a:rPr lang="da-DK" dirty="0"/>
@@ -1171,565 +1197,15 @@
             </a:r>
             <a:r>
               <a:rPr lang="da-DK" dirty="0" err="1"/>
-              <a:t>color</a:t>
-            </a:r>
+              <a:t>inserted</a:t>
+            </a:r>
+            <a:r>
+              <a:rPr lang="da-DK" dirty="0"/>
+              <a:t> multiple times: '{1} {1} {0}'.format('abc', 42)</a:t>
+            </a:r>
+          </a:p>
+          <a:p>
             <a:endParaRPr lang="da-DK" dirty="0"/>
-          </a:p>
-          <a:p>
-            <a:r>
-              <a:rPr lang="da-DK" dirty="0" err="1"/>
-              <a:t>document.body.style.color</a:t>
-            </a:r>
-            <a:r>
-              <a:rPr lang="da-DK" dirty="0"/>
-              <a:t>  // </a:t>
-            </a:r>
-            <a:r>
-              <a:rPr lang="da-DK" dirty="0" err="1"/>
-              <a:t>text</a:t>
-            </a:r>
-            <a:r>
-              <a:rPr lang="da-DK" dirty="0"/>
-              <a:t> </a:t>
-            </a:r>
-            <a:r>
-              <a:rPr lang="da-DK" dirty="0" err="1"/>
-              <a:t>color</a:t>
-            </a:r>
-            <a:endParaRPr lang="da-DK" dirty="0"/>
-          </a:p>
-          <a:p>
-            <a:endParaRPr lang="da-DK" dirty="0"/>
-          </a:p>
-          <a:p>
-            <a:r>
-              <a:rPr lang="da-DK" dirty="0" err="1">
-                <a:latin typeface="Courier"/>
-                <a:cs typeface="Courier New" panose="02070309020205020404" pitchFamily="49" charset="0"/>
-              </a:rPr>
-              <a:t>javascript</a:t>
-            </a:r>
-            <a:r>
-              <a:rPr lang="da-DK" dirty="0">
-                <a:latin typeface="Courier"/>
-                <a:cs typeface="Courier New" panose="02070309020205020404" pitchFamily="49" charset="0"/>
-              </a:rPr>
-              <a:t>:{</a:t>
-            </a:r>
-          </a:p>
-          <a:p>
-            <a:r>
-              <a:rPr lang="da-DK" dirty="0">
-                <a:latin typeface="Courier"/>
-                <a:cs typeface="Courier New" panose="02070309020205020404" pitchFamily="49" charset="0"/>
-              </a:rPr>
-              <a:t>  /* </a:t>
-            </a:r>
-            <a:r>
-              <a:rPr lang="da-DK" dirty="0" err="1">
-                <a:latin typeface="Courier"/>
-                <a:cs typeface="Courier New" panose="02070309020205020404" pitchFamily="49" charset="0"/>
-              </a:rPr>
-              <a:t>Bookmarklet</a:t>
-            </a:r>
-            <a:r>
-              <a:rPr lang="da-DK" dirty="0">
-                <a:latin typeface="Courier"/>
-                <a:cs typeface="Courier New" panose="02070309020205020404" pitchFamily="49" charset="0"/>
-              </a:rPr>
-              <a:t> to </a:t>
-            </a:r>
-            <a:r>
-              <a:rPr lang="da-DK" dirty="0" err="1">
-                <a:latin typeface="Courier"/>
-                <a:cs typeface="Courier New" panose="02070309020205020404" pitchFamily="49" charset="0"/>
-              </a:rPr>
-              <a:t>recolor</a:t>
-            </a:r>
-            <a:r>
-              <a:rPr lang="da-DK" dirty="0">
-                <a:latin typeface="Courier"/>
-                <a:cs typeface="Courier New" panose="02070309020205020404" pitchFamily="49" charset="0"/>
-              </a:rPr>
-              <a:t> all </a:t>
-            </a:r>
-            <a:r>
-              <a:rPr lang="da-DK" dirty="0" err="1">
-                <a:latin typeface="Courier"/>
-                <a:cs typeface="Courier New" panose="02070309020205020404" pitchFamily="49" charset="0"/>
-              </a:rPr>
-              <a:t>text</a:t>
-            </a:r>
-            <a:r>
-              <a:rPr lang="da-DK" dirty="0">
-                <a:latin typeface="Courier"/>
-                <a:cs typeface="Courier New" panose="02070309020205020404" pitchFamily="49" charset="0"/>
-              </a:rPr>
-              <a:t> on a page to </a:t>
-            </a:r>
-            <a:r>
-              <a:rPr lang="da-DK" dirty="0" err="1">
-                <a:latin typeface="Courier"/>
-                <a:cs typeface="Courier New" panose="02070309020205020404" pitchFamily="49" charset="0"/>
-              </a:rPr>
-              <a:t>your</a:t>
-            </a:r>
-            <a:r>
-              <a:rPr lang="da-DK" dirty="0">
-                <a:latin typeface="Courier"/>
-                <a:cs typeface="Courier New" panose="02070309020205020404" pitchFamily="49" charset="0"/>
-              </a:rPr>
-              <a:t> </a:t>
-            </a:r>
-            <a:r>
-              <a:rPr lang="da-DK" dirty="0" err="1">
-                <a:latin typeface="Courier"/>
-                <a:cs typeface="Courier New" panose="02070309020205020404" pitchFamily="49" charset="0"/>
-              </a:rPr>
-              <a:t>favorite</a:t>
-            </a:r>
-            <a:r>
-              <a:rPr lang="da-DK" dirty="0">
-                <a:latin typeface="Courier"/>
-                <a:cs typeface="Courier New" panose="02070309020205020404" pitchFamily="49" charset="0"/>
-              </a:rPr>
-              <a:t> </a:t>
-            </a:r>
-            <a:r>
-              <a:rPr lang="da-DK" dirty="0" err="1">
-                <a:latin typeface="Courier"/>
-                <a:cs typeface="Courier New" panose="02070309020205020404" pitchFamily="49" charset="0"/>
-              </a:rPr>
-              <a:t>color</a:t>
-            </a:r>
-            <a:r>
-              <a:rPr lang="da-DK" dirty="0">
-                <a:latin typeface="Courier"/>
-                <a:cs typeface="Courier New" panose="02070309020205020404" pitchFamily="49" charset="0"/>
-              </a:rPr>
-              <a:t>. */</a:t>
-            </a:r>
-          </a:p>
-          <a:p>
-            <a:r>
-              <a:rPr lang="da-DK" dirty="0">
-                <a:latin typeface="Courier"/>
-                <a:cs typeface="Courier New" panose="02070309020205020404" pitchFamily="49" charset="0"/>
-              </a:rPr>
-              <a:t>  </a:t>
-            </a:r>
-            <a:r>
-              <a:rPr lang="da-DK" dirty="0" err="1">
-                <a:latin typeface="Courier"/>
-                <a:cs typeface="Courier New" panose="02070309020205020404" pitchFamily="49" charset="0"/>
-              </a:rPr>
-              <a:t>favorite_color</a:t>
-            </a:r>
-            <a:r>
-              <a:rPr lang="da-DK" dirty="0">
-                <a:latin typeface="Courier"/>
-                <a:cs typeface="Courier New" panose="02070309020205020404" pitchFamily="49" charset="0"/>
-              </a:rPr>
-              <a:t> = "red";</a:t>
-            </a:r>
-          </a:p>
-          <a:p>
-            <a:r>
-              <a:rPr lang="da-DK" dirty="0">
-                <a:latin typeface="Courier"/>
-                <a:cs typeface="Courier New" panose="02070309020205020404" pitchFamily="49" charset="0"/>
-              </a:rPr>
-              <a:t>  </a:t>
-            </a:r>
-            <a:r>
-              <a:rPr lang="da-DK" dirty="0" err="1">
-                <a:latin typeface="Courier"/>
-                <a:cs typeface="Courier New" panose="02070309020205020404" pitchFamily="49" charset="0"/>
-              </a:rPr>
-              <a:t>function</a:t>
-            </a:r>
-            <a:r>
-              <a:rPr lang="da-DK" dirty="0">
-                <a:latin typeface="Courier"/>
-                <a:cs typeface="Courier New" panose="02070309020205020404" pitchFamily="49" charset="0"/>
-              </a:rPr>
-              <a:t> </a:t>
-            </a:r>
-            <a:r>
-              <a:rPr lang="da-DK" dirty="0" err="1">
-                <a:latin typeface="Courier"/>
-                <a:cs typeface="Courier New" panose="02070309020205020404" pitchFamily="49" charset="0"/>
-              </a:rPr>
-              <a:t>recolor</a:t>
-            </a:r>
-            <a:r>
-              <a:rPr lang="da-DK" dirty="0">
-                <a:latin typeface="Courier"/>
-                <a:cs typeface="Courier New" panose="02070309020205020404" pitchFamily="49" charset="0"/>
-              </a:rPr>
-              <a:t>(doc) { </a:t>
-            </a:r>
-          </a:p>
-          <a:p>
-            <a:r>
-              <a:rPr lang="da-DK" dirty="0">
-                <a:latin typeface="Courier"/>
-                <a:cs typeface="Courier New" panose="02070309020205020404" pitchFamily="49" charset="0"/>
-              </a:rPr>
-              <a:t>    for (</a:t>
-            </a:r>
-            <a:r>
-              <a:rPr lang="da-DK" dirty="0" err="1">
-                <a:latin typeface="Courier"/>
-                <a:cs typeface="Courier New" panose="02070309020205020404" pitchFamily="49" charset="0"/>
-              </a:rPr>
-              <a:t>const</a:t>
-            </a:r>
-            <a:r>
-              <a:rPr lang="da-DK" dirty="0">
-                <a:latin typeface="Courier"/>
-                <a:cs typeface="Courier New" panose="02070309020205020404" pitchFamily="49" charset="0"/>
-              </a:rPr>
-              <a:t> e of </a:t>
-            </a:r>
-            <a:r>
-              <a:rPr lang="da-DK" dirty="0" err="1">
-                <a:latin typeface="Courier"/>
-                <a:cs typeface="Courier New" panose="02070309020205020404" pitchFamily="49" charset="0"/>
-              </a:rPr>
-              <a:t>doc.querySelectorAll</a:t>
-            </a:r>
-            <a:r>
-              <a:rPr lang="da-DK" dirty="0">
-                <a:latin typeface="Courier"/>
-                <a:cs typeface="Courier New" panose="02070309020205020404" pitchFamily="49" charset="0"/>
-              </a:rPr>
-              <a:t>("*")) {</a:t>
-            </a:r>
-          </a:p>
-          <a:p>
-            <a:r>
-              <a:rPr lang="da-DK" dirty="0">
-                <a:latin typeface="Courier"/>
-                <a:cs typeface="Courier New" panose="02070309020205020404" pitchFamily="49" charset="0"/>
-              </a:rPr>
-              <a:t>      </a:t>
-            </a:r>
-            <a:r>
-              <a:rPr lang="da-DK" dirty="0" err="1">
-                <a:latin typeface="Courier"/>
-                <a:cs typeface="Courier New" panose="02070309020205020404" pitchFamily="49" charset="0"/>
-              </a:rPr>
-              <a:t>e.style.setProperty</a:t>
-            </a:r>
-            <a:r>
-              <a:rPr lang="da-DK" dirty="0">
-                <a:latin typeface="Courier"/>
-                <a:cs typeface="Courier New" panose="02070309020205020404" pitchFamily="49" charset="0"/>
-              </a:rPr>
-              <a:t>("</a:t>
-            </a:r>
-            <a:r>
-              <a:rPr lang="da-DK" dirty="0" err="1">
-                <a:latin typeface="Courier"/>
-                <a:cs typeface="Courier New" panose="02070309020205020404" pitchFamily="49" charset="0"/>
-              </a:rPr>
-              <a:t>color</a:t>
-            </a:r>
-            <a:r>
-              <a:rPr lang="da-DK" dirty="0">
-                <a:latin typeface="Courier"/>
-                <a:cs typeface="Courier New" panose="02070309020205020404" pitchFamily="49" charset="0"/>
-              </a:rPr>
-              <a:t>", "</a:t>
-            </a:r>
-            <a:r>
-              <a:rPr lang="da-DK" dirty="0" err="1">
-                <a:latin typeface="Courier"/>
-                <a:cs typeface="Courier New" panose="02070309020205020404" pitchFamily="49" charset="0"/>
-              </a:rPr>
-              <a:t>white</a:t>
-            </a:r>
-            <a:r>
-              <a:rPr lang="da-DK" dirty="0">
-                <a:latin typeface="Courier"/>
-                <a:cs typeface="Courier New" panose="02070309020205020404" pitchFamily="49" charset="0"/>
-              </a:rPr>
-              <a:t>", "</a:t>
-            </a:r>
-            <a:r>
-              <a:rPr lang="da-DK" dirty="0" err="1">
-                <a:latin typeface="Courier"/>
-                <a:cs typeface="Courier New" panose="02070309020205020404" pitchFamily="49" charset="0"/>
-              </a:rPr>
-              <a:t>important</a:t>
-            </a:r>
-            <a:r>
-              <a:rPr lang="da-DK" dirty="0">
-                <a:latin typeface="Courier"/>
-                <a:cs typeface="Courier New" panose="02070309020205020404" pitchFamily="49" charset="0"/>
-              </a:rPr>
-              <a:t>");</a:t>
-            </a:r>
-          </a:p>
-          <a:p>
-            <a:r>
-              <a:rPr lang="da-DK" dirty="0">
-                <a:latin typeface="Courier"/>
-                <a:cs typeface="Courier New" panose="02070309020205020404" pitchFamily="49" charset="0"/>
-              </a:rPr>
-              <a:t>      </a:t>
-            </a:r>
-            <a:r>
-              <a:rPr lang="da-DK" dirty="0" err="1">
-                <a:latin typeface="Courier"/>
-                <a:cs typeface="Courier New" panose="02070309020205020404" pitchFamily="49" charset="0"/>
-              </a:rPr>
-              <a:t>e.style.setProperty</a:t>
-            </a:r>
-            <a:r>
-              <a:rPr lang="da-DK" dirty="0">
-                <a:latin typeface="Courier"/>
-                <a:cs typeface="Courier New" panose="02070309020205020404" pitchFamily="49" charset="0"/>
-              </a:rPr>
-              <a:t>("</a:t>
-            </a:r>
-            <a:r>
-              <a:rPr lang="da-DK" dirty="0" err="1">
-                <a:latin typeface="Courier"/>
-                <a:cs typeface="Courier New" panose="02070309020205020404" pitchFamily="49" charset="0"/>
-              </a:rPr>
-              <a:t>background</a:t>
-            </a:r>
-            <a:r>
-              <a:rPr lang="da-DK" dirty="0">
-                <a:latin typeface="Courier"/>
-                <a:cs typeface="Courier New" panose="02070309020205020404" pitchFamily="49" charset="0"/>
-              </a:rPr>
-              <a:t>", "</a:t>
-            </a:r>
-            <a:r>
-              <a:rPr lang="da-DK" dirty="0" err="1">
-                <a:latin typeface="Courier"/>
-                <a:cs typeface="Courier New" panose="02070309020205020404" pitchFamily="49" charset="0"/>
-              </a:rPr>
-              <a:t>black</a:t>
-            </a:r>
-            <a:r>
-              <a:rPr lang="da-DK" dirty="0">
-                <a:latin typeface="Courier"/>
-                <a:cs typeface="Courier New" panose="02070309020205020404" pitchFamily="49" charset="0"/>
-              </a:rPr>
-              <a:t>", "</a:t>
-            </a:r>
-            <a:r>
-              <a:rPr lang="da-DK" dirty="0" err="1">
-                <a:latin typeface="Courier"/>
-                <a:cs typeface="Courier New" panose="02070309020205020404" pitchFamily="49" charset="0"/>
-              </a:rPr>
-              <a:t>important</a:t>
-            </a:r>
-            <a:r>
-              <a:rPr lang="da-DK" dirty="0">
-                <a:latin typeface="Courier"/>
-                <a:cs typeface="Courier New" panose="02070309020205020404" pitchFamily="49" charset="0"/>
-              </a:rPr>
-              <a:t>");</a:t>
-            </a:r>
-          </a:p>
-          <a:p>
-            <a:r>
-              <a:rPr lang="da-DK" dirty="0">
-                <a:latin typeface="Courier"/>
-                <a:cs typeface="Courier New" panose="02070309020205020404" pitchFamily="49" charset="0"/>
-              </a:rPr>
-              <a:t>      </a:t>
-            </a:r>
-            <a:r>
-              <a:rPr lang="da-DK" dirty="0" err="1">
-                <a:latin typeface="Courier"/>
-                <a:cs typeface="Courier New" panose="02070309020205020404" pitchFamily="49" charset="0"/>
-              </a:rPr>
-              <a:t>if</a:t>
-            </a:r>
-            <a:r>
-              <a:rPr lang="da-DK" dirty="0">
-                <a:latin typeface="Courier"/>
-                <a:cs typeface="Courier New" panose="02070309020205020404" pitchFamily="49" charset="0"/>
-              </a:rPr>
-              <a:t> (</a:t>
-            </a:r>
-            <a:r>
-              <a:rPr lang="da-DK" dirty="0" err="1">
-                <a:latin typeface="Courier"/>
-                <a:cs typeface="Courier New" panose="02070309020205020404" pitchFamily="49" charset="0"/>
-              </a:rPr>
-              <a:t>e.shadowRoot</a:t>
-            </a:r>
-            <a:r>
-              <a:rPr lang="da-DK" dirty="0">
-                <a:latin typeface="Courier"/>
-                <a:cs typeface="Courier New" panose="02070309020205020404" pitchFamily="49" charset="0"/>
-              </a:rPr>
-              <a:t>) </a:t>
-            </a:r>
-            <a:r>
-              <a:rPr lang="da-DK" dirty="0" err="1">
-                <a:latin typeface="Courier"/>
-                <a:cs typeface="Courier New" panose="02070309020205020404" pitchFamily="49" charset="0"/>
-              </a:rPr>
-              <a:t>recolor</a:t>
-            </a:r>
-            <a:r>
-              <a:rPr lang="da-DK" dirty="0">
-                <a:latin typeface="Courier"/>
-                <a:cs typeface="Courier New" panose="02070309020205020404" pitchFamily="49" charset="0"/>
-              </a:rPr>
-              <a:t>(</a:t>
-            </a:r>
-            <a:r>
-              <a:rPr lang="da-DK" dirty="0" err="1">
-                <a:latin typeface="Courier"/>
-                <a:cs typeface="Courier New" panose="02070309020205020404" pitchFamily="49" charset="0"/>
-              </a:rPr>
-              <a:t>e.shadowRoot</a:t>
-            </a:r>
-            <a:r>
-              <a:rPr lang="da-DK" dirty="0">
-                <a:latin typeface="Courier"/>
-                <a:cs typeface="Courier New" panose="02070309020205020404" pitchFamily="49" charset="0"/>
-              </a:rPr>
-              <a:t>);</a:t>
-            </a:r>
-          </a:p>
-          <a:p>
-            <a:r>
-              <a:rPr lang="da-DK" dirty="0">
-                <a:latin typeface="Courier"/>
-                <a:cs typeface="Courier New" panose="02070309020205020404" pitchFamily="49" charset="0"/>
-              </a:rPr>
-              <a:t>      </a:t>
-            </a:r>
-            <a:r>
-              <a:rPr lang="da-DK" dirty="0" err="1">
-                <a:latin typeface="Courier"/>
-                <a:cs typeface="Courier New" panose="02070309020205020404" pitchFamily="49" charset="0"/>
-              </a:rPr>
-              <a:t>if</a:t>
-            </a:r>
-            <a:r>
-              <a:rPr lang="da-DK" dirty="0">
-                <a:latin typeface="Courier"/>
-                <a:cs typeface="Courier New" panose="02070309020205020404" pitchFamily="49" charset="0"/>
-              </a:rPr>
-              <a:t> (</a:t>
-            </a:r>
-            <a:r>
-              <a:rPr lang="da-DK" dirty="0" err="1">
-                <a:latin typeface="Courier"/>
-                <a:cs typeface="Courier New" panose="02070309020205020404" pitchFamily="49" charset="0"/>
-              </a:rPr>
-              <a:t>e.nodeName</a:t>
-            </a:r>
-            <a:r>
-              <a:rPr lang="da-DK" dirty="0">
-                <a:latin typeface="Courier"/>
-                <a:cs typeface="Courier New" panose="02070309020205020404" pitchFamily="49" charset="0"/>
-              </a:rPr>
-              <a:t> == "IFRAME") </a:t>
-            </a:r>
-            <a:r>
-              <a:rPr lang="da-DK" dirty="0" err="1">
-                <a:latin typeface="Courier"/>
-                <a:cs typeface="Courier New" panose="02070309020205020404" pitchFamily="49" charset="0"/>
-              </a:rPr>
-              <a:t>recolor</a:t>
-            </a:r>
-            <a:r>
-              <a:rPr lang="da-DK" dirty="0">
-                <a:latin typeface="Courier"/>
-                <a:cs typeface="Courier New" panose="02070309020205020404" pitchFamily="49" charset="0"/>
-              </a:rPr>
-              <a:t>(</a:t>
-            </a:r>
-            <a:r>
-              <a:rPr lang="da-DK" dirty="0" err="1">
-                <a:latin typeface="Courier"/>
-                <a:cs typeface="Courier New" panose="02070309020205020404" pitchFamily="49" charset="0"/>
-              </a:rPr>
-              <a:t>e.contentWindow.document</a:t>
-            </a:r>
-            <a:r>
-              <a:rPr lang="da-DK" dirty="0">
-                <a:latin typeface="Courier"/>
-                <a:cs typeface="Courier New" panose="02070309020205020404" pitchFamily="49" charset="0"/>
-              </a:rPr>
-              <a:t>);</a:t>
-            </a:r>
-          </a:p>
-          <a:p>
-            <a:r>
-              <a:rPr lang="da-DK" dirty="0">
-                <a:latin typeface="Courier"/>
-                <a:cs typeface="Courier New" panose="02070309020205020404" pitchFamily="49" charset="0"/>
-              </a:rPr>
-              <a:t>    };</a:t>
-            </a:r>
-          </a:p>
-          <a:p>
-            <a:r>
-              <a:rPr lang="da-DK" dirty="0">
-                <a:latin typeface="Courier"/>
-                <a:cs typeface="Courier New" panose="02070309020205020404" pitchFamily="49" charset="0"/>
-              </a:rPr>
-              <a:t>  };</a:t>
-            </a:r>
-          </a:p>
-          <a:p>
-            <a:r>
-              <a:rPr lang="da-DK" dirty="0">
-                <a:latin typeface="Courier"/>
-                <a:cs typeface="Courier New" panose="02070309020205020404" pitchFamily="49" charset="0"/>
-              </a:rPr>
-              <a:t>  </a:t>
-            </a:r>
-            <a:r>
-              <a:rPr lang="da-DK" dirty="0" err="1">
-                <a:latin typeface="Courier"/>
-                <a:cs typeface="Courier New" panose="02070309020205020404" pitchFamily="49" charset="0"/>
-              </a:rPr>
-              <a:t>recolor</a:t>
-            </a:r>
-            <a:r>
-              <a:rPr lang="da-DK" dirty="0">
-                <a:latin typeface="Courier"/>
-                <a:cs typeface="Courier New" panose="02070309020205020404" pitchFamily="49" charset="0"/>
-              </a:rPr>
-              <a:t>(</a:t>
-            </a:r>
-            <a:r>
-              <a:rPr lang="da-DK" dirty="0" err="1">
-                <a:latin typeface="Courier"/>
-                <a:cs typeface="Courier New" panose="02070309020205020404" pitchFamily="49" charset="0"/>
-              </a:rPr>
-              <a:t>window.document</a:t>
-            </a:r>
-            <a:r>
-              <a:rPr lang="da-DK" dirty="0">
-                <a:latin typeface="Courier"/>
-                <a:cs typeface="Courier New" panose="02070309020205020404" pitchFamily="49" charset="0"/>
-              </a:rPr>
-              <a:t>);</a:t>
-            </a:r>
-          </a:p>
-          <a:p>
-            <a:r>
-              <a:rPr lang="da-DK" dirty="0">
-                <a:latin typeface="Courier"/>
-                <a:cs typeface="Courier New" panose="02070309020205020404" pitchFamily="49" charset="0"/>
-              </a:rPr>
-              <a:t>}</a:t>
-            </a:r>
           </a:p>
           <a:p>
             <a:endParaRPr lang="da-DK" dirty="0"/>
@@ -1753,7 +1229,7 @@
           <a:p>
             <a:fld id="{CD563DD8-32AB-41BE-B1C6-8EAC45222ACE}" type="slidenum">
               <a:rPr lang="en-US" smtClean="0"/>
-              <a:t>20</a:t>
+              <a:t>19</a:t>
             </a:fld>
             <a:endParaRPr lang="en-US"/>
           </a:p>
@@ -1762,7 +1238,7 @@
     </p:spTree>
     <p:extLst>
       <p:ext uri="{BB962C8B-B14F-4D97-AF65-F5344CB8AC3E}">
-        <p14:creationId xmlns:p14="http://schemas.microsoft.com/office/powerpoint/2010/main" val="744337484"/>
+        <p14:creationId xmlns:p14="http://schemas.microsoft.com/office/powerpoint/2010/main" val="873223376"/>
       </p:ext>
     </p:extLst>
   </p:cSld>
@@ -1816,44 +1292,615 @@
           <a:bodyPr/>
           <a:lstStyle/>
           <a:p>
-            <a:pPr marL="0" marR="0" lvl="0" indent="0" algn="l" defTabSz="914400" rtl="0" eaLnBrk="1" fontAlgn="auto" latinLnBrk="0" hangingPunct="1">
-              <a:lnSpc>
-                <a:spcPct val="100000"/>
-              </a:lnSpc>
-              <a:spcBef>
-                <a:spcPts val="0"/>
-              </a:spcBef>
-              <a:spcAft>
-                <a:spcPts val="0"/>
-              </a:spcAft>
-              <a:buClrTx/>
-              <a:buSzTx/>
-              <a:buFontTx/>
-              <a:buNone/>
-              <a:tabLst/>
-              <a:defRPr/>
-            </a:pPr>
-            <a:r>
-              <a:rPr lang="en-US" dirty="0">
+            <a:r>
+              <a:rPr lang="da-DK" dirty="0" err="1"/>
+              <a:t>Javascript</a:t>
+            </a:r>
+            <a:r>
+              <a:rPr lang="da-DK" dirty="0"/>
+              <a:t> </a:t>
+            </a:r>
+            <a:r>
+              <a:rPr lang="da-DK" dirty="0" err="1"/>
+              <a:t>example</a:t>
+            </a:r>
+            <a:r>
+              <a:rPr lang="da-DK" dirty="0"/>
+              <a:t>: Open Google Chrome + F12 + Console: ‘abc’ + 42</a:t>
+            </a:r>
+          </a:p>
+          <a:p>
+            <a:endParaRPr lang="da-DK" dirty="0"/>
+          </a:p>
+          <a:p>
+            <a:r>
+              <a:rPr lang="da-DK" dirty="0" err="1"/>
+              <a:t>document.body.style.background</a:t>
+            </a:r>
+            <a:r>
+              <a:rPr lang="da-DK" dirty="0"/>
+              <a:t> = '</a:t>
+            </a:r>
+            <a:r>
+              <a:rPr lang="da-DK" dirty="0" err="1"/>
+              <a:t>lightblue</a:t>
+            </a:r>
+            <a:r>
+              <a:rPr lang="da-DK" dirty="0"/>
+              <a:t>’  // </a:t>
+            </a:r>
+            <a:r>
+              <a:rPr lang="da-DK" dirty="0" err="1"/>
+              <a:t>background</a:t>
+            </a:r>
+            <a:r>
+              <a:rPr lang="da-DK" dirty="0"/>
+              <a:t> </a:t>
+            </a:r>
+            <a:r>
+              <a:rPr lang="da-DK" dirty="0" err="1"/>
+              <a:t>color</a:t>
+            </a:r>
+            <a:endParaRPr lang="da-DK" dirty="0"/>
+          </a:p>
+          <a:p>
+            <a:r>
+              <a:rPr lang="da-DK" dirty="0" err="1"/>
+              <a:t>document.body.style.color</a:t>
+            </a:r>
+            <a:r>
+              <a:rPr lang="da-DK" dirty="0"/>
+              <a:t>  // </a:t>
+            </a:r>
+            <a:r>
+              <a:rPr lang="da-DK" dirty="0" err="1"/>
+              <a:t>text</a:t>
+            </a:r>
+            <a:r>
+              <a:rPr lang="da-DK" dirty="0"/>
+              <a:t> </a:t>
+            </a:r>
+            <a:r>
+              <a:rPr lang="da-DK" dirty="0" err="1"/>
+              <a:t>color</a:t>
+            </a:r>
+            <a:endParaRPr lang="da-DK" dirty="0"/>
+          </a:p>
+          <a:p>
+            <a:endParaRPr lang="da-DK" dirty="0"/>
+          </a:p>
+          <a:p>
+            <a:r>
+              <a:rPr lang="da-DK" dirty="0" err="1">
                 <a:latin typeface="Courier"/>
-              </a:rPr>
-              <a:t>for i in range(256): print(i, "'" + </a:t>
-            </a:r>
-            <a:r>
-              <a:rPr lang="en-US" dirty="0" err="1">
+                <a:cs typeface="Courier New" panose="02070309020205020404" pitchFamily="49" charset="0"/>
+              </a:rPr>
+              <a:t>javascript</a:t>
+            </a:r>
+            <a:r>
+              <a:rPr lang="da-DK" dirty="0">
                 <a:latin typeface="Courier"/>
-              </a:rPr>
-              <a:t>chr</a:t>
-            </a:r>
-            <a:r>
-              <a:rPr lang="en-US" dirty="0">
+                <a:cs typeface="Courier New" panose="02070309020205020404" pitchFamily="49" charset="0"/>
+              </a:rPr>
+              <a:t>:{</a:t>
+            </a:r>
+          </a:p>
+          <a:p>
+            <a:r>
+              <a:rPr lang="da-DK" dirty="0">
                 <a:latin typeface="Courier"/>
-              </a:rPr>
-              <a:t>(i) + "'")</a:t>
-            </a:r>
-          </a:p>
-          <a:p>
-            <a:endParaRPr lang="en-US" dirty="0"/>
+                <a:cs typeface="Courier New" panose="02070309020205020404" pitchFamily="49" charset="0"/>
+              </a:rPr>
+              <a:t>  /* </a:t>
+            </a:r>
+            <a:r>
+              <a:rPr lang="da-DK" dirty="0" err="1">
+                <a:latin typeface="Courier"/>
+                <a:cs typeface="Courier New" panose="02070309020205020404" pitchFamily="49" charset="0"/>
+              </a:rPr>
+              <a:t>Bookmarklet</a:t>
+            </a:r>
+            <a:r>
+              <a:rPr lang="da-DK" dirty="0">
+                <a:latin typeface="Courier"/>
+                <a:cs typeface="Courier New" panose="02070309020205020404" pitchFamily="49" charset="0"/>
+              </a:rPr>
+              <a:t> to </a:t>
+            </a:r>
+            <a:r>
+              <a:rPr lang="da-DK" dirty="0" err="1">
+                <a:latin typeface="Courier"/>
+                <a:cs typeface="Courier New" panose="02070309020205020404" pitchFamily="49" charset="0"/>
+              </a:rPr>
+              <a:t>recolor</a:t>
+            </a:r>
+            <a:r>
+              <a:rPr lang="da-DK" dirty="0">
+                <a:latin typeface="Courier"/>
+                <a:cs typeface="Courier New" panose="02070309020205020404" pitchFamily="49" charset="0"/>
+              </a:rPr>
+              <a:t> all </a:t>
+            </a:r>
+            <a:r>
+              <a:rPr lang="da-DK" dirty="0" err="1">
+                <a:latin typeface="Courier"/>
+                <a:cs typeface="Courier New" panose="02070309020205020404" pitchFamily="49" charset="0"/>
+              </a:rPr>
+              <a:t>text</a:t>
+            </a:r>
+            <a:r>
+              <a:rPr lang="da-DK" dirty="0">
+                <a:latin typeface="Courier"/>
+                <a:cs typeface="Courier New" panose="02070309020205020404" pitchFamily="49" charset="0"/>
+              </a:rPr>
+              <a:t> on a page to </a:t>
+            </a:r>
+            <a:r>
+              <a:rPr lang="da-DK" dirty="0" err="1">
+                <a:latin typeface="Courier"/>
+                <a:cs typeface="Courier New" panose="02070309020205020404" pitchFamily="49" charset="0"/>
+              </a:rPr>
+              <a:t>your</a:t>
+            </a:r>
+            <a:r>
+              <a:rPr lang="da-DK" dirty="0">
+                <a:latin typeface="Courier"/>
+                <a:cs typeface="Courier New" panose="02070309020205020404" pitchFamily="49" charset="0"/>
+              </a:rPr>
+              <a:t> </a:t>
+            </a:r>
+            <a:r>
+              <a:rPr lang="da-DK" dirty="0" err="1">
+                <a:latin typeface="Courier"/>
+                <a:cs typeface="Courier New" panose="02070309020205020404" pitchFamily="49" charset="0"/>
+              </a:rPr>
+              <a:t>favorite</a:t>
+            </a:r>
+            <a:r>
+              <a:rPr lang="da-DK" dirty="0">
+                <a:latin typeface="Courier"/>
+                <a:cs typeface="Courier New" panose="02070309020205020404" pitchFamily="49" charset="0"/>
+              </a:rPr>
+              <a:t> </a:t>
+            </a:r>
+            <a:r>
+              <a:rPr lang="da-DK" dirty="0" err="1">
+                <a:latin typeface="Courier"/>
+                <a:cs typeface="Courier New" panose="02070309020205020404" pitchFamily="49" charset="0"/>
+              </a:rPr>
+              <a:t>color</a:t>
+            </a:r>
+            <a:r>
+              <a:rPr lang="da-DK" dirty="0">
+                <a:latin typeface="Courier"/>
+                <a:cs typeface="Courier New" panose="02070309020205020404" pitchFamily="49" charset="0"/>
+              </a:rPr>
+              <a:t>. */</a:t>
+            </a:r>
+          </a:p>
+          <a:p>
+            <a:r>
+              <a:rPr lang="da-DK" dirty="0">
+                <a:latin typeface="Courier"/>
+                <a:cs typeface="Courier New" panose="02070309020205020404" pitchFamily="49" charset="0"/>
+              </a:rPr>
+              <a:t>  </a:t>
+            </a:r>
+            <a:r>
+              <a:rPr lang="da-DK" dirty="0" err="1">
+                <a:latin typeface="Courier"/>
+                <a:cs typeface="Courier New" panose="02070309020205020404" pitchFamily="49" charset="0"/>
+              </a:rPr>
+              <a:t>favorite_color</a:t>
+            </a:r>
+            <a:r>
+              <a:rPr lang="da-DK" dirty="0">
+                <a:latin typeface="Courier"/>
+                <a:cs typeface="Courier New" panose="02070309020205020404" pitchFamily="49" charset="0"/>
+              </a:rPr>
+              <a:t> = "red";</a:t>
+            </a:r>
+          </a:p>
+          <a:p>
+            <a:r>
+              <a:rPr lang="da-DK" dirty="0">
+                <a:latin typeface="Courier"/>
+                <a:cs typeface="Courier New" panose="02070309020205020404" pitchFamily="49" charset="0"/>
+              </a:rPr>
+              <a:t>  </a:t>
+            </a:r>
+            <a:r>
+              <a:rPr lang="da-DK" dirty="0" err="1">
+                <a:latin typeface="Courier"/>
+                <a:cs typeface="Courier New" panose="02070309020205020404" pitchFamily="49" charset="0"/>
+              </a:rPr>
+              <a:t>function</a:t>
+            </a:r>
+            <a:r>
+              <a:rPr lang="da-DK" dirty="0">
+                <a:latin typeface="Courier"/>
+                <a:cs typeface="Courier New" panose="02070309020205020404" pitchFamily="49" charset="0"/>
+              </a:rPr>
+              <a:t> </a:t>
+            </a:r>
+            <a:r>
+              <a:rPr lang="da-DK" dirty="0" err="1">
+                <a:latin typeface="Courier"/>
+                <a:cs typeface="Courier New" panose="02070309020205020404" pitchFamily="49" charset="0"/>
+              </a:rPr>
+              <a:t>recolor</a:t>
+            </a:r>
+            <a:r>
+              <a:rPr lang="da-DK" dirty="0">
+                <a:latin typeface="Courier"/>
+                <a:cs typeface="Courier New" panose="02070309020205020404" pitchFamily="49" charset="0"/>
+              </a:rPr>
+              <a:t>(doc) { </a:t>
+            </a:r>
+          </a:p>
+          <a:p>
+            <a:r>
+              <a:rPr lang="da-DK" dirty="0">
+                <a:latin typeface="Courier"/>
+                <a:cs typeface="Courier New" panose="02070309020205020404" pitchFamily="49" charset="0"/>
+              </a:rPr>
+              <a:t>    for (</a:t>
+            </a:r>
+            <a:r>
+              <a:rPr lang="da-DK" dirty="0" err="1">
+                <a:latin typeface="Courier"/>
+                <a:cs typeface="Courier New" panose="02070309020205020404" pitchFamily="49" charset="0"/>
+              </a:rPr>
+              <a:t>const</a:t>
+            </a:r>
+            <a:r>
+              <a:rPr lang="da-DK" dirty="0">
+                <a:latin typeface="Courier"/>
+                <a:cs typeface="Courier New" panose="02070309020205020404" pitchFamily="49" charset="0"/>
+              </a:rPr>
+              <a:t> e of </a:t>
+            </a:r>
+            <a:r>
+              <a:rPr lang="da-DK" dirty="0" err="1">
+                <a:latin typeface="Courier"/>
+                <a:cs typeface="Courier New" panose="02070309020205020404" pitchFamily="49" charset="0"/>
+              </a:rPr>
+              <a:t>doc.querySelectorAll</a:t>
+            </a:r>
+            <a:r>
+              <a:rPr lang="da-DK" dirty="0">
+                <a:latin typeface="Courier"/>
+                <a:cs typeface="Courier New" panose="02070309020205020404" pitchFamily="49" charset="0"/>
+              </a:rPr>
+              <a:t>("*")) {</a:t>
+            </a:r>
+          </a:p>
+          <a:p>
+            <a:r>
+              <a:rPr lang="da-DK" dirty="0">
+                <a:latin typeface="Courier"/>
+                <a:cs typeface="Courier New" panose="02070309020205020404" pitchFamily="49" charset="0"/>
+              </a:rPr>
+              <a:t>      </a:t>
+            </a:r>
+            <a:r>
+              <a:rPr lang="da-DK" dirty="0" err="1">
+                <a:latin typeface="Courier"/>
+                <a:cs typeface="Courier New" panose="02070309020205020404" pitchFamily="49" charset="0"/>
+              </a:rPr>
+              <a:t>e.style.setProperty</a:t>
+            </a:r>
+            <a:r>
+              <a:rPr lang="da-DK" dirty="0">
+                <a:latin typeface="Courier"/>
+                <a:cs typeface="Courier New" panose="02070309020205020404" pitchFamily="49" charset="0"/>
+              </a:rPr>
+              <a:t>("</a:t>
+            </a:r>
+            <a:r>
+              <a:rPr lang="da-DK" dirty="0" err="1">
+                <a:latin typeface="Courier"/>
+                <a:cs typeface="Courier New" panose="02070309020205020404" pitchFamily="49" charset="0"/>
+              </a:rPr>
+              <a:t>color</a:t>
+            </a:r>
+            <a:r>
+              <a:rPr lang="da-DK" dirty="0">
+                <a:latin typeface="Courier"/>
+                <a:cs typeface="Courier New" panose="02070309020205020404" pitchFamily="49" charset="0"/>
+              </a:rPr>
+              <a:t>", "</a:t>
+            </a:r>
+            <a:r>
+              <a:rPr lang="da-DK" dirty="0" err="1">
+                <a:latin typeface="Courier"/>
+                <a:cs typeface="Courier New" panose="02070309020205020404" pitchFamily="49" charset="0"/>
+              </a:rPr>
+              <a:t>white</a:t>
+            </a:r>
+            <a:r>
+              <a:rPr lang="da-DK" dirty="0">
+                <a:latin typeface="Courier"/>
+                <a:cs typeface="Courier New" panose="02070309020205020404" pitchFamily="49" charset="0"/>
+              </a:rPr>
+              <a:t>", "</a:t>
+            </a:r>
+            <a:r>
+              <a:rPr lang="da-DK" dirty="0" err="1">
+                <a:latin typeface="Courier"/>
+                <a:cs typeface="Courier New" panose="02070309020205020404" pitchFamily="49" charset="0"/>
+              </a:rPr>
+              <a:t>important</a:t>
+            </a:r>
+            <a:r>
+              <a:rPr lang="da-DK" dirty="0">
+                <a:latin typeface="Courier"/>
+                <a:cs typeface="Courier New" panose="02070309020205020404" pitchFamily="49" charset="0"/>
+              </a:rPr>
+              <a:t>");</a:t>
+            </a:r>
+          </a:p>
+          <a:p>
+            <a:r>
+              <a:rPr lang="da-DK" dirty="0">
+                <a:latin typeface="Courier"/>
+                <a:cs typeface="Courier New" panose="02070309020205020404" pitchFamily="49" charset="0"/>
+              </a:rPr>
+              <a:t>      </a:t>
+            </a:r>
+            <a:r>
+              <a:rPr lang="da-DK" dirty="0" err="1">
+                <a:latin typeface="Courier"/>
+                <a:cs typeface="Courier New" panose="02070309020205020404" pitchFamily="49" charset="0"/>
+              </a:rPr>
+              <a:t>e.style.setProperty</a:t>
+            </a:r>
+            <a:r>
+              <a:rPr lang="da-DK" dirty="0">
+                <a:latin typeface="Courier"/>
+                <a:cs typeface="Courier New" panose="02070309020205020404" pitchFamily="49" charset="0"/>
+              </a:rPr>
+              <a:t>("</a:t>
+            </a:r>
+            <a:r>
+              <a:rPr lang="da-DK" dirty="0" err="1">
+                <a:latin typeface="Courier"/>
+                <a:cs typeface="Courier New" panose="02070309020205020404" pitchFamily="49" charset="0"/>
+              </a:rPr>
+              <a:t>background</a:t>
+            </a:r>
+            <a:r>
+              <a:rPr lang="da-DK" dirty="0">
+                <a:latin typeface="Courier"/>
+                <a:cs typeface="Courier New" panose="02070309020205020404" pitchFamily="49" charset="0"/>
+              </a:rPr>
+              <a:t>", "</a:t>
+            </a:r>
+            <a:r>
+              <a:rPr lang="da-DK" dirty="0" err="1">
+                <a:latin typeface="Courier"/>
+                <a:cs typeface="Courier New" panose="02070309020205020404" pitchFamily="49" charset="0"/>
+              </a:rPr>
+              <a:t>black</a:t>
+            </a:r>
+            <a:r>
+              <a:rPr lang="da-DK" dirty="0">
+                <a:latin typeface="Courier"/>
+                <a:cs typeface="Courier New" panose="02070309020205020404" pitchFamily="49" charset="0"/>
+              </a:rPr>
+              <a:t>", "</a:t>
+            </a:r>
+            <a:r>
+              <a:rPr lang="da-DK" dirty="0" err="1">
+                <a:latin typeface="Courier"/>
+                <a:cs typeface="Courier New" panose="02070309020205020404" pitchFamily="49" charset="0"/>
+              </a:rPr>
+              <a:t>important</a:t>
+            </a:r>
+            <a:r>
+              <a:rPr lang="da-DK" dirty="0">
+                <a:latin typeface="Courier"/>
+                <a:cs typeface="Courier New" panose="02070309020205020404" pitchFamily="49" charset="0"/>
+              </a:rPr>
+              <a:t>");</a:t>
+            </a:r>
+          </a:p>
+          <a:p>
+            <a:r>
+              <a:rPr lang="da-DK" dirty="0">
+                <a:latin typeface="Courier"/>
+                <a:cs typeface="Courier New" panose="02070309020205020404" pitchFamily="49" charset="0"/>
+              </a:rPr>
+              <a:t>      </a:t>
+            </a:r>
+            <a:r>
+              <a:rPr lang="da-DK" dirty="0" err="1">
+                <a:latin typeface="Courier"/>
+                <a:cs typeface="Courier New" panose="02070309020205020404" pitchFamily="49" charset="0"/>
+              </a:rPr>
+              <a:t>if</a:t>
+            </a:r>
+            <a:r>
+              <a:rPr lang="da-DK" dirty="0">
+                <a:latin typeface="Courier"/>
+                <a:cs typeface="Courier New" panose="02070309020205020404" pitchFamily="49" charset="0"/>
+              </a:rPr>
+              <a:t> (</a:t>
+            </a:r>
+            <a:r>
+              <a:rPr lang="da-DK" dirty="0" err="1">
+                <a:latin typeface="Courier"/>
+                <a:cs typeface="Courier New" panose="02070309020205020404" pitchFamily="49" charset="0"/>
+              </a:rPr>
+              <a:t>e.shadowRoot</a:t>
+            </a:r>
+            <a:r>
+              <a:rPr lang="da-DK" dirty="0">
+                <a:latin typeface="Courier"/>
+                <a:cs typeface="Courier New" panose="02070309020205020404" pitchFamily="49" charset="0"/>
+              </a:rPr>
+              <a:t>) </a:t>
+            </a:r>
+            <a:r>
+              <a:rPr lang="da-DK" dirty="0" err="1">
+                <a:latin typeface="Courier"/>
+                <a:cs typeface="Courier New" panose="02070309020205020404" pitchFamily="49" charset="0"/>
+              </a:rPr>
+              <a:t>recolor</a:t>
+            </a:r>
+            <a:r>
+              <a:rPr lang="da-DK" dirty="0">
+                <a:latin typeface="Courier"/>
+                <a:cs typeface="Courier New" panose="02070309020205020404" pitchFamily="49" charset="0"/>
+              </a:rPr>
+              <a:t>(</a:t>
+            </a:r>
+            <a:r>
+              <a:rPr lang="da-DK" dirty="0" err="1">
+                <a:latin typeface="Courier"/>
+                <a:cs typeface="Courier New" panose="02070309020205020404" pitchFamily="49" charset="0"/>
+              </a:rPr>
+              <a:t>e.shadowRoot</a:t>
+            </a:r>
+            <a:r>
+              <a:rPr lang="da-DK" dirty="0">
+                <a:latin typeface="Courier"/>
+                <a:cs typeface="Courier New" panose="02070309020205020404" pitchFamily="49" charset="0"/>
+              </a:rPr>
+              <a:t>);</a:t>
+            </a:r>
+          </a:p>
+          <a:p>
+            <a:r>
+              <a:rPr lang="da-DK" dirty="0">
+                <a:latin typeface="Courier"/>
+                <a:cs typeface="Courier New" panose="02070309020205020404" pitchFamily="49" charset="0"/>
+              </a:rPr>
+              <a:t>      </a:t>
+            </a:r>
+            <a:r>
+              <a:rPr lang="da-DK" dirty="0" err="1">
+                <a:latin typeface="Courier"/>
+                <a:cs typeface="Courier New" panose="02070309020205020404" pitchFamily="49" charset="0"/>
+              </a:rPr>
+              <a:t>if</a:t>
+            </a:r>
+            <a:r>
+              <a:rPr lang="da-DK" dirty="0">
+                <a:latin typeface="Courier"/>
+                <a:cs typeface="Courier New" panose="02070309020205020404" pitchFamily="49" charset="0"/>
+              </a:rPr>
+              <a:t> (</a:t>
+            </a:r>
+            <a:r>
+              <a:rPr lang="da-DK" dirty="0" err="1">
+                <a:latin typeface="Courier"/>
+                <a:cs typeface="Courier New" panose="02070309020205020404" pitchFamily="49" charset="0"/>
+              </a:rPr>
+              <a:t>e.nodeName</a:t>
+            </a:r>
+            <a:r>
+              <a:rPr lang="da-DK" dirty="0">
+                <a:latin typeface="Courier"/>
+                <a:cs typeface="Courier New" panose="02070309020205020404" pitchFamily="49" charset="0"/>
+              </a:rPr>
+              <a:t> == "IFRAME") </a:t>
+            </a:r>
+            <a:r>
+              <a:rPr lang="da-DK" dirty="0" err="1">
+                <a:latin typeface="Courier"/>
+                <a:cs typeface="Courier New" panose="02070309020205020404" pitchFamily="49" charset="0"/>
+              </a:rPr>
+              <a:t>recolor</a:t>
+            </a:r>
+            <a:r>
+              <a:rPr lang="da-DK" dirty="0">
+                <a:latin typeface="Courier"/>
+                <a:cs typeface="Courier New" panose="02070309020205020404" pitchFamily="49" charset="0"/>
+              </a:rPr>
+              <a:t>(</a:t>
+            </a:r>
+            <a:r>
+              <a:rPr lang="da-DK" dirty="0" err="1">
+                <a:latin typeface="Courier"/>
+                <a:cs typeface="Courier New" panose="02070309020205020404" pitchFamily="49" charset="0"/>
+              </a:rPr>
+              <a:t>e.contentWindow.document</a:t>
+            </a:r>
+            <a:r>
+              <a:rPr lang="da-DK" dirty="0">
+                <a:latin typeface="Courier"/>
+                <a:cs typeface="Courier New" panose="02070309020205020404" pitchFamily="49" charset="0"/>
+              </a:rPr>
+              <a:t>);</a:t>
+            </a:r>
+          </a:p>
+          <a:p>
+            <a:r>
+              <a:rPr lang="da-DK" dirty="0">
+                <a:latin typeface="Courier"/>
+                <a:cs typeface="Courier New" panose="02070309020205020404" pitchFamily="49" charset="0"/>
+              </a:rPr>
+              <a:t>    };</a:t>
+            </a:r>
+          </a:p>
+          <a:p>
+            <a:r>
+              <a:rPr lang="da-DK" dirty="0">
+                <a:latin typeface="Courier"/>
+                <a:cs typeface="Courier New" panose="02070309020205020404" pitchFamily="49" charset="0"/>
+              </a:rPr>
+              <a:t>  };</a:t>
+            </a:r>
+          </a:p>
+          <a:p>
+            <a:r>
+              <a:rPr lang="da-DK" dirty="0">
+                <a:latin typeface="Courier"/>
+                <a:cs typeface="Courier New" panose="02070309020205020404" pitchFamily="49" charset="0"/>
+              </a:rPr>
+              <a:t>  </a:t>
+            </a:r>
+            <a:r>
+              <a:rPr lang="da-DK" dirty="0" err="1">
+                <a:latin typeface="Courier"/>
+                <a:cs typeface="Courier New" panose="02070309020205020404" pitchFamily="49" charset="0"/>
+              </a:rPr>
+              <a:t>recolor</a:t>
+            </a:r>
+            <a:r>
+              <a:rPr lang="da-DK" dirty="0">
+                <a:latin typeface="Courier"/>
+                <a:cs typeface="Courier New" panose="02070309020205020404" pitchFamily="49" charset="0"/>
+              </a:rPr>
+              <a:t>(</a:t>
+            </a:r>
+            <a:r>
+              <a:rPr lang="da-DK" dirty="0" err="1">
+                <a:latin typeface="Courier"/>
+                <a:cs typeface="Courier New" panose="02070309020205020404" pitchFamily="49" charset="0"/>
+              </a:rPr>
+              <a:t>window.document</a:t>
+            </a:r>
+            <a:r>
+              <a:rPr lang="da-DK" dirty="0">
+                <a:latin typeface="Courier"/>
+                <a:cs typeface="Courier New" panose="02070309020205020404" pitchFamily="49" charset="0"/>
+              </a:rPr>
+              <a:t>);</a:t>
+            </a:r>
+          </a:p>
+          <a:p>
+            <a:r>
+              <a:rPr lang="da-DK" dirty="0">
+                <a:latin typeface="Courier"/>
+                <a:cs typeface="Courier New" panose="02070309020205020404" pitchFamily="49" charset="0"/>
+              </a:rPr>
+              <a:t>}</a:t>
+            </a:r>
+          </a:p>
+          <a:p>
+            <a:endParaRPr lang="da-DK" dirty="0"/>
           </a:p>
         </p:txBody>
       </p:sp>
@@ -1864,7 +1911,7 @@
             <a:spLocks noGrp="1"/>
           </p:cNvSpPr>
           <p:nvPr>
-            <p:ph type="sldNum" sz="quarter" idx="10"/>
+            <p:ph type="sldNum" sz="quarter" idx="5"/>
           </p:nvPr>
         </p:nvSpPr>
         <p:spPr/>
@@ -1874,7 +1921,7 @@
           <a:p>
             <a:fld id="{CD563DD8-32AB-41BE-B1C6-8EAC45222ACE}" type="slidenum">
               <a:rPr lang="en-US" smtClean="0"/>
-              <a:t>21</a:t>
+              <a:t>20</a:t>
             </a:fld>
             <a:endParaRPr lang="en-US"/>
           </a:p>
@@ -1883,7 +1930,7 @@
     </p:spTree>
     <p:extLst>
       <p:ext uri="{BB962C8B-B14F-4D97-AF65-F5344CB8AC3E}">
-        <p14:creationId xmlns:p14="http://schemas.microsoft.com/office/powerpoint/2010/main" val="2331057724"/>
+        <p14:creationId xmlns:p14="http://schemas.microsoft.com/office/powerpoint/2010/main" val="744337484"/>
       </p:ext>
     </p:extLst>
   </p:cSld>
@@ -1937,49 +1984,44 @@
           <a:bodyPr/>
           <a:lstStyle/>
           <a:p>
-            <a:r>
-              <a:rPr lang="en-US" dirty="0"/>
-              <a:t>is,</a:t>
-            </a:r>
-            <a:r>
-              <a:rPr lang="en-US" baseline="0" dirty="0"/>
-              <a:t> is not ...</a:t>
-            </a:r>
-          </a:p>
-          <a:p>
-            <a:r>
-              <a:rPr lang="en-US" baseline="0" dirty="0"/>
-              <a:t>in, not in ... </a:t>
-            </a:r>
+            <a:pPr marL="0" marR="0" lvl="0" indent="0" algn="l" defTabSz="914400" rtl="0" eaLnBrk="1" fontAlgn="auto" latinLnBrk="0" hangingPunct="1">
+              <a:lnSpc>
+                <a:spcPct val="100000"/>
+              </a:lnSpc>
+              <a:spcBef>
+                <a:spcPts val="0"/>
+              </a:spcBef>
+              <a:spcAft>
+                <a:spcPts val="0"/>
+              </a:spcAft>
+              <a:buClrTx/>
+              <a:buSzTx/>
+              <a:buFontTx/>
+              <a:buNone/>
+              <a:tabLst/>
+              <a:defRPr/>
+            </a:pPr>
+            <a:r>
+              <a:rPr lang="en-US" dirty="0">
+                <a:latin typeface="Courier"/>
+              </a:rPr>
+              <a:t>for i in range(256): print(i, "'" + </a:t>
+            </a:r>
+            <a:r>
+              <a:rPr lang="en-US" dirty="0" err="1">
+                <a:latin typeface="Courier"/>
+              </a:rPr>
+              <a:t>chr</a:t>
+            </a:r>
+            <a:r>
+              <a:rPr lang="en-US" dirty="0">
+                <a:latin typeface="Courier"/>
+              </a:rPr>
+              <a:t>(i) + "'")</a:t>
+            </a:r>
+          </a:p>
+          <a:p>
             <a:endParaRPr lang="en-US" dirty="0"/>
-          </a:p>
-          <a:p>
-            <a:r>
-              <a:rPr lang="en-US" dirty="0"/>
-              <a:t>@ matrix multiplication (for</a:t>
-            </a:r>
-            <a:r>
-              <a:rPr lang="en-US" baseline="0" dirty="0"/>
-              <a:t> </a:t>
-            </a:r>
-            <a:r>
-              <a:rPr lang="en-US" baseline="0" dirty="0" err="1"/>
-              <a:t>numpy</a:t>
-            </a:r>
-            <a:r>
-              <a:rPr lang="en-US" baseline="0" dirty="0"/>
-              <a:t>)</a:t>
-            </a:r>
-            <a:endParaRPr lang="en-US" dirty="0"/>
-          </a:p>
-          <a:p>
-            <a:endParaRPr lang="en-US" dirty="0"/>
-          </a:p>
-          <a:p>
-            <a:r>
-              <a:rPr lang="en-US" dirty="0"/>
-              <a:t>https://docs.python.org/3/reference/expressions.html#summary</a:t>
-            </a:r>
           </a:p>
         </p:txBody>
       </p:sp>
@@ -2000,6 +2042,132 @@
           <a:p>
             <a:fld id="{CD563DD8-32AB-41BE-B1C6-8EAC45222ACE}" type="slidenum">
               <a:rPr lang="en-US" smtClean="0"/>
+              <a:t>21</a:t>
+            </a:fld>
+            <a:endParaRPr lang="en-US"/>
+          </a:p>
+        </p:txBody>
+      </p:sp>
+    </p:spTree>
+    <p:extLst>
+      <p:ext uri="{BB962C8B-B14F-4D97-AF65-F5344CB8AC3E}">
+        <p14:creationId xmlns:p14="http://schemas.microsoft.com/office/powerpoint/2010/main" val="2331057724"/>
+      </p:ext>
+    </p:extLst>
+  </p:cSld>
+  <p:clrMapOvr>
+    <a:masterClrMapping/>
+  </p:clrMapOvr>
+</p:notes>
+</file>
+
+<file path=ppt/notesSlides/notesSlide13.xml><?xml version="1.0" encoding="utf-8"?>
+<p:notes xmlns:a="http://schemas.openxmlformats.org/drawingml/2006/main" xmlns:r="http://schemas.openxmlformats.org/officeDocument/2006/relationships" xmlns:p="http://schemas.openxmlformats.org/presentationml/2006/main">
+  <p:cSld>
+    <p:spTree>
+      <p:nvGrpSpPr>
+        <p:cNvPr id="1" name=""/>
+        <p:cNvGrpSpPr/>
+        <p:nvPr/>
+      </p:nvGrpSpPr>
+      <p:grpSpPr>
+        <a:xfrm>
+          <a:off x="0" y="0"/>
+          <a:ext cx="0" cy="0"/>
+          <a:chOff x="0" y="0"/>
+          <a:chExt cx="0" cy="0"/>
+        </a:xfrm>
+      </p:grpSpPr>
+      <p:sp>
+        <p:nvSpPr>
+          <p:cNvPr id="2" name="Slide Image Placeholder 1"/>
+          <p:cNvSpPr>
+            <a:spLocks noGrp="1" noRot="1" noChangeAspect="1"/>
+          </p:cNvSpPr>
+          <p:nvPr>
+            <p:ph type="sldImg"/>
+          </p:nvPr>
+        </p:nvSpPr>
+        <p:spPr/>
+      </p:sp>
+      <p:sp>
+        <p:nvSpPr>
+          <p:cNvPr id="3" name="Notes Placeholder 2"/>
+          <p:cNvSpPr>
+            <a:spLocks noGrp="1"/>
+          </p:cNvSpPr>
+          <p:nvPr>
+            <p:ph type="body" idx="1"/>
+          </p:nvPr>
+        </p:nvSpPr>
+        <p:spPr/>
+        <p:txBody>
+          <a:bodyPr/>
+          <a:lstStyle/>
+          <a:p>
+            <a:r>
+              <a:rPr lang="en-US" dirty="0"/>
+              <a:t>is,</a:t>
+            </a:r>
+            <a:r>
+              <a:rPr lang="en-US" baseline="0" dirty="0"/>
+              <a:t> is not ...</a:t>
+            </a:r>
+          </a:p>
+          <a:p>
+            <a:r>
+              <a:rPr lang="en-US" baseline="0" dirty="0"/>
+              <a:t>in, not in ... </a:t>
+            </a:r>
+            <a:endParaRPr lang="en-US" dirty="0"/>
+          </a:p>
+          <a:p>
+            <a:r>
+              <a:rPr lang="en-US" dirty="0"/>
+              <a:t>@ matrix multiplication (for</a:t>
+            </a:r>
+            <a:r>
+              <a:rPr lang="en-US" baseline="0" dirty="0"/>
+              <a:t> </a:t>
+            </a:r>
+            <a:r>
+              <a:rPr lang="en-US" baseline="0" dirty="0" err="1"/>
+              <a:t>numpy</a:t>
+            </a:r>
+            <a:r>
+              <a:rPr lang="en-US" baseline="0" dirty="0"/>
+              <a:t>)</a:t>
+            </a:r>
+            <a:endParaRPr lang="en-US" dirty="0"/>
+          </a:p>
+          <a:p>
+            <a:endParaRPr lang="en-US" dirty="0"/>
+          </a:p>
+          <a:p>
+            <a:r>
+              <a:rPr lang="en-US" dirty="0"/>
+              <a:t>https://docs.python.org/3/reference/expressions.html#summary</a:t>
+            </a:r>
+          </a:p>
+        </p:txBody>
+      </p:sp>
+      <p:sp>
+        <p:nvSpPr>
+          <p:cNvPr id="4" name="Slide Number Placeholder 3"/>
+          <p:cNvSpPr>
+            <a:spLocks noGrp="1"/>
+          </p:cNvSpPr>
+          <p:nvPr>
+            <p:ph type="sldNum" sz="quarter" idx="10"/>
+          </p:nvPr>
+        </p:nvSpPr>
+        <p:spPr/>
+        <p:txBody>
+          <a:bodyPr/>
+          <a:lstStyle/>
+          <a:p>
+            <a:fld id="{CD563DD8-32AB-41BE-B1C6-8EAC45222ACE}" type="slidenum">
+              <a:rPr lang="en-US" smtClean="0"/>
               <a:t>25</a:t>
             </a:fld>
             <a:endParaRPr lang="en-US"/>
@@ -2019,7 +2187,7 @@
 </p:notes>
 </file>
 
-<file path=ppt/notesSlides/notesSlide13.xml><?xml version="1.0" encoding="utf-8"?>
+<file path=ppt/notesSlides/notesSlide14.xml><?xml version="1.0" encoding="utf-8"?>
 <p:notes xmlns:a="http://schemas.openxmlformats.org/drawingml/2006/main" xmlns:r="http://schemas.openxmlformats.org/officeDocument/2006/relationships" xmlns:p="http://schemas.openxmlformats.org/presentationml/2006/main">
   <p:cSld>
     <p:spTree>
@@ -2915,67 +3083,6 @@
           <a:bodyPr/>
           <a:lstStyle/>
           <a:p>
-            <a:r>
-              <a:rPr lang="da-DK" dirty="0"/>
-              <a:t>decimaler = 5</a:t>
-            </a:r>
-          </a:p>
-          <a:p>
-            <a:r>
-              <a:rPr lang="da-DK" dirty="0"/>
-              <a:t>f'et tal {1/3 = :.{decimaler}}’</a:t>
-            </a:r>
-          </a:p>
-          <a:p>
-            <a:r>
-              <a:rPr lang="da-DK" dirty="0"/>
-              <a:t>.format </a:t>
-            </a:r>
-            <a:r>
-              <a:rPr lang="da-DK" dirty="0" err="1"/>
-              <a:t>useful</a:t>
-            </a:r>
-            <a:r>
-              <a:rPr lang="da-DK" dirty="0"/>
-              <a:t> </a:t>
-            </a:r>
-            <a:r>
-              <a:rPr lang="da-DK" dirty="0" err="1"/>
-              <a:t>when</a:t>
-            </a:r>
-            <a:r>
-              <a:rPr lang="da-DK" dirty="0"/>
-              <a:t> same </a:t>
-            </a:r>
-            <a:r>
-              <a:rPr lang="da-DK" dirty="0" err="1"/>
-              <a:t>value</a:t>
-            </a:r>
-            <a:r>
-              <a:rPr lang="da-DK" dirty="0"/>
-              <a:t> has to </a:t>
-            </a:r>
-            <a:r>
-              <a:rPr lang="da-DK" dirty="0" err="1"/>
-              <a:t>be</a:t>
-            </a:r>
-            <a:r>
-              <a:rPr lang="da-DK" dirty="0"/>
-              <a:t> </a:t>
-            </a:r>
-            <a:r>
-              <a:rPr lang="da-DK" dirty="0" err="1"/>
-              <a:t>inserted</a:t>
-            </a:r>
-            <a:r>
-              <a:rPr lang="da-DK" dirty="0"/>
-              <a:t> multiple times: '{1} {1} {0}'.format('abc', 42)</a:t>
-            </a:r>
-          </a:p>
-          <a:p>
-            <a:endParaRPr lang="da-DK" dirty="0"/>
-          </a:p>
-          <a:p>
             <a:endParaRPr lang="da-DK" dirty="0"/>
           </a:p>
         </p:txBody>
@@ -2997,7 +3104,7 @@
           <a:p>
             <a:fld id="{CD563DD8-32AB-41BE-B1C6-8EAC45222ACE}" type="slidenum">
               <a:rPr lang="en-US" smtClean="0"/>
-              <a:t>19</a:t>
+              <a:t>18</a:t>
             </a:fld>
             <a:endParaRPr lang="en-US"/>
           </a:p>
@@ -3006,7 +3113,7 @@
     </p:spTree>
     <p:extLst>
       <p:ext uri="{BB962C8B-B14F-4D97-AF65-F5344CB8AC3E}">
-        <p14:creationId xmlns:p14="http://schemas.microsoft.com/office/powerpoint/2010/main" val="873223376"/>
+        <p14:creationId xmlns:p14="http://schemas.microsoft.com/office/powerpoint/2010/main" val="1245558868"/>
       </p:ext>
     </p:extLst>
   </p:cSld>
@@ -3153,7 +3260,7 @@
           <a:p>
             <a:fld id="{0560A9CD-0304-4E0B-9E82-E7E0115DE05B}" type="datetimeFigureOut">
               <a:rPr lang="en-US" smtClean="0"/>
-              <a:t>2/6/2024</a:t>
+              <a:t>2/7/2024</a:t>
             </a:fld>
             <a:endParaRPr lang="en-US"/>
           </a:p>
@@ -3321,7 +3428,7 @@
           <a:p>
             <a:fld id="{0560A9CD-0304-4E0B-9E82-E7E0115DE05B}" type="datetimeFigureOut">
               <a:rPr lang="en-US" smtClean="0"/>
-              <a:t>2/6/2024</a:t>
+              <a:t>2/7/2024</a:t>
             </a:fld>
             <a:endParaRPr lang="en-US"/>
           </a:p>
@@ -3499,7 +3606,7 @@
           <a:p>
             <a:fld id="{0560A9CD-0304-4E0B-9E82-E7E0115DE05B}" type="datetimeFigureOut">
               <a:rPr lang="en-US" smtClean="0"/>
-              <a:t>2/6/2024</a:t>
+              <a:t>2/7/2024</a:t>
             </a:fld>
             <a:endParaRPr lang="en-US"/>
           </a:p>
@@ -3676,7 +3783,7 @@
           <a:p>
             <a:fld id="{0560A9CD-0304-4E0B-9E82-E7E0115DE05B}" type="datetimeFigureOut">
               <a:rPr lang="en-US" smtClean="0"/>
-              <a:t>2/6/2024</a:t>
+              <a:t>2/7/2024</a:t>
             </a:fld>
             <a:endParaRPr lang="en-US"/>
           </a:p>
@@ -3921,7 +4028,7 @@
           <a:p>
             <a:fld id="{0560A9CD-0304-4E0B-9E82-E7E0115DE05B}" type="datetimeFigureOut">
               <a:rPr lang="en-US" smtClean="0"/>
-              <a:t>2/6/2024</a:t>
+              <a:t>2/7/2024</a:t>
             </a:fld>
             <a:endParaRPr lang="en-US"/>
           </a:p>
@@ -4150,7 +4257,7 @@
           <a:p>
             <a:fld id="{0560A9CD-0304-4E0B-9E82-E7E0115DE05B}" type="datetimeFigureOut">
               <a:rPr lang="en-US" smtClean="0"/>
-              <a:t>2/6/2024</a:t>
+              <a:t>2/7/2024</a:t>
             </a:fld>
             <a:endParaRPr lang="en-US"/>
           </a:p>
@@ -4514,7 +4621,7 @@
           <a:p>
             <a:fld id="{0560A9CD-0304-4E0B-9E82-E7E0115DE05B}" type="datetimeFigureOut">
               <a:rPr lang="en-US" smtClean="0"/>
-              <a:t>2/6/2024</a:t>
+              <a:t>2/7/2024</a:t>
             </a:fld>
             <a:endParaRPr lang="en-US"/>
           </a:p>
@@ -4631,7 +4738,7 @@
           <a:p>
             <a:fld id="{0560A9CD-0304-4E0B-9E82-E7E0115DE05B}" type="datetimeFigureOut">
               <a:rPr lang="en-US" smtClean="0"/>
-              <a:t>2/6/2024</a:t>
+              <a:t>2/7/2024</a:t>
             </a:fld>
             <a:endParaRPr lang="en-US"/>
           </a:p>
@@ -4726,7 +4833,7 @@
           <a:p>
             <a:fld id="{0560A9CD-0304-4E0B-9E82-E7E0115DE05B}" type="datetimeFigureOut">
               <a:rPr lang="en-US" smtClean="0"/>
-              <a:t>2/6/2024</a:t>
+              <a:t>2/7/2024</a:t>
             </a:fld>
             <a:endParaRPr lang="en-US"/>
           </a:p>
@@ -5001,7 +5108,7 @@
           <a:p>
             <a:fld id="{0560A9CD-0304-4E0B-9E82-E7E0115DE05B}" type="datetimeFigureOut">
               <a:rPr lang="en-US" smtClean="0"/>
-              <a:t>2/6/2024</a:t>
+              <a:t>2/7/2024</a:t>
             </a:fld>
             <a:endParaRPr lang="en-US"/>
           </a:p>
@@ -5253,7 +5360,7 @@
           <a:p>
             <a:fld id="{0560A9CD-0304-4E0B-9E82-E7E0115DE05B}" type="datetimeFigureOut">
               <a:rPr lang="en-US" smtClean="0"/>
-              <a:t>2/6/2024</a:t>
+              <a:t>2/7/2024</a:t>
             </a:fld>
             <a:endParaRPr lang="en-US"/>
           </a:p>
@@ -5464,7 +5571,7 @@
           <a:p>
             <a:fld id="{0560A9CD-0304-4E0B-9E82-E7E0115DE05B}" type="datetimeFigureOut">
               <a:rPr lang="en-US" smtClean="0"/>
-              <a:t>2/6/2024</a:t>
+              <a:t>2/7/2024</a:t>
             </a:fld>
             <a:endParaRPr lang="en-US"/>
           </a:p>
@@ -13664,7 +13771,11 @@
           <a:lstStyle/>
           <a:p>
             <a:r>
-              <a:rPr lang="en-US" dirty="0"/>
+              <a:rPr lang="en-US" dirty="0">
+                <a:solidFill>
+                  <a:srgbClr val="FF0000"/>
+                </a:solidFill>
+              </a:rPr>
               <a:t>Binary numbers and operations</a:t>
             </a:r>
           </a:p>
@@ -13706,8 +13817,33 @@
             </a:r>
             <a:r>
               <a:rPr lang="en-US" baseline="-25000" dirty="0"/>
-              <a:t>10</a:t>
-            </a:r>
+              <a:t>10 </a:t>
+            </a:r>
+            <a:r>
+              <a:rPr lang="en-US" dirty="0"/>
+              <a:t>= 2</a:t>
+            </a:r>
+            <a:r>
+              <a:rPr lang="en-US" baseline="30000" dirty="0"/>
+              <a:t>1</a:t>
+            </a:r>
+            <a:r>
+              <a:rPr lang="en-US" dirty="0"/>
+              <a:t> + 2</a:t>
+            </a:r>
+            <a:r>
+              <a:rPr lang="en-US" baseline="30000" dirty="0"/>
+              <a:t>3</a:t>
+            </a:r>
+            <a:r>
+              <a:rPr lang="en-US" dirty="0"/>
+              <a:t> +2</a:t>
+            </a:r>
+            <a:r>
+              <a:rPr lang="en-US" baseline="30000" dirty="0"/>
+              <a:t>5</a:t>
+            </a:r>
+            <a:endParaRPr lang="en-US" baseline="-25000" dirty="0"/>
           </a:p>
           <a:p>
             <a:endParaRPr lang="en-US" dirty="0"/>
@@ -13786,42 +13922,28 @@
           </a:p>
           <a:p>
             <a:r>
-              <a:rPr lang="en-US" dirty="0" err="1">
+              <a:rPr lang="en-US" dirty="0">
                 <a:latin typeface="Courier"/>
               </a:rPr>
               <a:t>i</a:t>
-            </a:r>
-            <a:r>
-              <a:rPr lang="en-US" dirty="0" err="1">
-                <a:latin typeface="Courier"/>
-                <a:cs typeface="Courier New" panose="02070309020205020404" pitchFamily="49" charset="0"/>
-              </a:rPr>
-              <a:t>nt</a:t>
             </a:r>
             <a:r>
               <a:rPr lang="en-US" dirty="0">
                 <a:latin typeface="Courier"/>
                 <a:cs typeface="Courier New" panose="02070309020205020404" pitchFamily="49" charset="0"/>
               </a:rPr>
-              <a:t>(x,2)</a:t>
+              <a:t>nt(x, 2)</a:t>
             </a:r>
             <a:r>
               <a:rPr lang="en-US" dirty="0"/>
               <a:t> converts binary string value to integer: </a:t>
-            </a:r>
-            <a:r>
-              <a:rPr lang="en-US" dirty="0" err="1">
-                <a:latin typeface="Courier New" panose="02070309020205020404" pitchFamily="49" charset="0"/>
-                <a:cs typeface="Courier New" panose="02070309020205020404" pitchFamily="49" charset="0"/>
-              </a:rPr>
-              <a:t>int</a:t>
             </a:r>
             <a:r>
               <a:rPr lang="en-US" dirty="0">
                 <a:latin typeface="Courier New" panose="02070309020205020404" pitchFamily="49" charset="0"/>
                 <a:cs typeface="Courier New" panose="02070309020205020404" pitchFamily="49" charset="0"/>
               </a:rPr>
-              <a:t>("0b110001",2)</a:t>
+              <a:t>int("0b110001", 2)</a:t>
             </a:r>
             <a:r>
               <a:rPr lang="en-US" dirty="0"/>

--- a/ipsa/slides/operations.pptx
+++ b/ipsa/slides/operations.pptx
@@ -145,7 +145,7 @@
 <file path=ppt/revisionInfo.xml><?xml version="1.0" encoding="utf-8"?>
 <p1510:revInfo xmlns:a="http://schemas.openxmlformats.org/drawingml/2006/main" xmlns:r="http://schemas.openxmlformats.org/officeDocument/2006/relationships" xmlns:p1510="http://schemas.microsoft.com/office/powerpoint/2015/10/main">
   <p1510:revLst>
-    <p1510:client id="{56F465E5-64FD-4F2A-935D-395061FAD986}" v="71" dt="2024-02-06T21:28:40.616"/>
+    <p1510:client id="{18AD147D-C19E-45B1-BB58-118ED9AE6721}" v="5" dt="2025-02-05T08:42:25.134"/>
   </p1510:revLst>
 </p1510:revInfo>
 </file>
@@ -165,22 +165,6 @@
           <pc:docMk/>
           <pc:sldMk cId="2761965666" sldId="363"/>
         </pc:sldMkLst>
-        <pc:spChg chg="mod">
-          <ac:chgData name="Gerth Stølting Brodal" userId="04ef4784-6591-4f86-a140-f5c3b108582a" providerId="ADAL" clId="{AB7A936E-A0DB-4C0B-8A6D-4E445E169682}" dt="2022-02-06T11:17:39.984" v="85" actId="20577"/>
-          <ac:spMkLst>
-            <pc:docMk/>
-            <pc:sldMk cId="2761965666" sldId="363"/>
-            <ac:spMk id="9" creationId="{00000000-0000-0000-0000-000000000000}"/>
-          </ac:spMkLst>
-        </pc:spChg>
-        <pc:graphicFrameChg chg="modGraphic">
-          <ac:chgData name="Gerth Stølting Brodal" userId="04ef4784-6591-4f86-a140-f5c3b108582a" providerId="ADAL" clId="{AB7A936E-A0DB-4C0B-8A6D-4E445E169682}" dt="2022-02-06T11:15:56.100" v="82" actId="20577"/>
-          <ac:graphicFrameMkLst>
-            <pc:docMk/>
-            <pc:sldMk cId="2761965666" sldId="363"/>
-            <ac:graphicFrameMk id="8" creationId="{00000000-0000-0000-0000-000000000000}"/>
-          </ac:graphicFrameMkLst>
-        </pc:graphicFrameChg>
       </pc:sldChg>
       <pc:sldChg chg="modSp mod">
         <pc:chgData name="Gerth Stølting Brodal" userId="04ef4784-6591-4f86-a140-f5c3b108582a" providerId="ADAL" clId="{AB7A936E-A0DB-4C0B-8A6D-4E445E169682}" dt="2022-02-06T10:48:08.731" v="66" actId="27636"/>
@@ -188,14 +172,6 @@
           <pc:docMk/>
           <pc:sldMk cId="1790444143" sldId="368"/>
         </pc:sldMkLst>
-        <pc:spChg chg="mod">
-          <ac:chgData name="Gerth Stølting Brodal" userId="04ef4784-6591-4f86-a140-f5c3b108582a" providerId="ADAL" clId="{AB7A936E-A0DB-4C0B-8A6D-4E445E169682}" dt="2022-02-06T10:48:08.731" v="66" actId="27636"/>
-          <ac:spMkLst>
-            <pc:docMk/>
-            <pc:sldMk cId="1790444143" sldId="368"/>
-            <ac:spMk id="3" creationId="{00000000-0000-0000-0000-000000000000}"/>
-          </ac:spMkLst>
-        </pc:spChg>
       </pc:sldChg>
       <pc:sldChg chg="modSp mod">
         <pc:chgData name="Gerth Stølting Brodal" userId="04ef4784-6591-4f86-a140-f5c3b108582a" providerId="ADAL" clId="{AB7A936E-A0DB-4C0B-8A6D-4E445E169682}" dt="2022-02-06T10:37:59.536" v="61" actId="20577"/>
@@ -203,22 +179,6 @@
           <pc:docMk/>
           <pc:sldMk cId="1070074289" sldId="389"/>
         </pc:sldMkLst>
-        <pc:spChg chg="mod">
-          <ac:chgData name="Gerth Stølting Brodal" userId="04ef4784-6591-4f86-a140-f5c3b108582a" providerId="ADAL" clId="{AB7A936E-A0DB-4C0B-8A6D-4E445E169682}" dt="2022-02-06T10:37:59.536" v="61" actId="20577"/>
-          <ac:spMkLst>
-            <pc:docMk/>
-            <pc:sldMk cId="1070074289" sldId="389"/>
-            <ac:spMk id="2" creationId="{00000000-0000-0000-0000-000000000000}"/>
-          </ac:spMkLst>
-        </pc:spChg>
-        <pc:picChg chg="mod">
-          <ac:chgData name="Gerth Stølting Brodal" userId="04ef4784-6591-4f86-a140-f5c3b108582a" providerId="ADAL" clId="{AB7A936E-A0DB-4C0B-8A6D-4E445E169682}" dt="2022-02-06T10:30:59.343" v="0" actId="1036"/>
-          <ac:picMkLst>
-            <pc:docMk/>
-            <pc:sldMk cId="1070074289" sldId="389"/>
-            <ac:picMk id="4" creationId="{00000000-0000-0000-0000-000000000000}"/>
-          </ac:picMkLst>
-        </pc:picChg>
       </pc:sldChg>
       <pc:sldChg chg="modSp mod">
         <pc:chgData name="Gerth Stølting Brodal" userId="04ef4784-6591-4f86-a140-f5c3b108582a" providerId="ADAL" clId="{AB7A936E-A0DB-4C0B-8A6D-4E445E169682}" dt="2022-02-06T10:37:43.943" v="57" actId="20577"/>
@@ -226,14 +186,6 @@
           <pc:docMk/>
           <pc:sldMk cId="559559046" sldId="390"/>
         </pc:sldMkLst>
-        <pc:graphicFrameChg chg="modGraphic">
-          <ac:chgData name="Gerth Stølting Brodal" userId="04ef4784-6591-4f86-a140-f5c3b108582a" providerId="ADAL" clId="{AB7A936E-A0DB-4C0B-8A6D-4E445E169682}" dt="2022-02-06T10:37:43.943" v="57" actId="20577"/>
-          <ac:graphicFrameMkLst>
-            <pc:docMk/>
-            <pc:sldMk cId="559559046" sldId="390"/>
-            <ac:graphicFrameMk id="4" creationId="{00000000-0000-0000-0000-000000000000}"/>
-          </ac:graphicFrameMkLst>
-        </pc:graphicFrameChg>
       </pc:sldChg>
       <pc:sldChg chg="modSp mod">
         <pc:chgData name="Gerth Stølting Brodal" userId="04ef4784-6591-4f86-a140-f5c3b108582a" providerId="ADAL" clId="{AB7A936E-A0DB-4C0B-8A6D-4E445E169682}" dt="2022-02-06T10:45:24.300" v="63" actId="20577"/>
@@ -241,14 +193,6 @@
           <pc:docMk/>
           <pc:sldMk cId="3881833183" sldId="442"/>
         </pc:sldMkLst>
-        <pc:graphicFrameChg chg="modGraphic">
-          <ac:chgData name="Gerth Stølting Brodal" userId="04ef4784-6591-4f86-a140-f5c3b108582a" providerId="ADAL" clId="{AB7A936E-A0DB-4C0B-8A6D-4E445E169682}" dt="2022-02-06T10:45:24.300" v="63" actId="20577"/>
-          <ac:graphicFrameMkLst>
-            <pc:docMk/>
-            <pc:sldMk cId="3881833183" sldId="442"/>
-            <ac:graphicFrameMk id="4" creationId="{00000000-0000-0000-0000-000000000000}"/>
-          </ac:graphicFrameMkLst>
-        </pc:graphicFrameChg>
       </pc:sldChg>
       <pc:sldChg chg="addSp modSp new del mod">
         <pc:chgData name="Gerth Stølting Brodal" userId="04ef4784-6591-4f86-a140-f5c3b108582a" providerId="ADAL" clId="{AB7A936E-A0DB-4C0B-8A6D-4E445E169682}" dt="2022-02-06T10:51:04.363" v="81" actId="47"/>
@@ -256,22 +200,6 @@
           <pc:docMk/>
           <pc:sldMk cId="696969108" sldId="445"/>
         </pc:sldMkLst>
-        <pc:spChg chg="mod">
-          <ac:chgData name="Gerth Stølting Brodal" userId="04ef4784-6591-4f86-a140-f5c3b108582a" providerId="ADAL" clId="{AB7A936E-A0DB-4C0B-8A6D-4E445E169682}" dt="2022-02-06T10:48:21.280" v="79"/>
-          <ac:spMkLst>
-            <pc:docMk/>
-            <pc:sldMk cId="696969108" sldId="445"/>
-            <ac:spMk id="2" creationId="{C3ED9AFB-4234-4200-A269-D0361EAA4999}"/>
-          </ac:spMkLst>
-        </pc:spChg>
-        <pc:graphicFrameChg chg="add mod">
-          <ac:chgData name="Gerth Stølting Brodal" userId="04ef4784-6591-4f86-a140-f5c3b108582a" providerId="ADAL" clId="{AB7A936E-A0DB-4C0B-8A6D-4E445E169682}" dt="2022-02-06T10:50:56.344" v="80" actId="1076"/>
-          <ac:graphicFrameMkLst>
-            <pc:docMk/>
-            <pc:sldMk cId="696969108" sldId="445"/>
-            <ac:graphicFrameMk id="4" creationId="{C9BCFD94-BAE4-4EA7-8F64-39408653EB8B}"/>
-          </ac:graphicFrameMkLst>
-        </pc:graphicFrameChg>
       </pc:sldChg>
     </pc:docChg>
   </pc:docChgLst>
@@ -288,22 +216,6 @@
           <pc:docMk/>
           <pc:sldMk cId="2761965666" sldId="363"/>
         </pc:sldMkLst>
-        <pc:spChg chg="mod">
-          <ac:chgData name="Gerth Stølting Brodal" userId="04ef4784-6591-4f86-a140-f5c3b108582a" providerId="ADAL" clId="{8AE5BBAC-1693-454B-B98D-382185C4CDAF}" dt="2023-02-04T10:19:24.023" v="60" actId="6549"/>
-          <ac:spMkLst>
-            <pc:docMk/>
-            <pc:sldMk cId="2761965666" sldId="363"/>
-            <ac:spMk id="9" creationId="{00000000-0000-0000-0000-000000000000}"/>
-          </ac:spMkLst>
-        </pc:spChg>
-        <pc:graphicFrameChg chg="mod modGraphic">
-          <ac:chgData name="Gerth Stølting Brodal" userId="04ef4784-6591-4f86-a140-f5c3b108582a" providerId="ADAL" clId="{8AE5BBAC-1693-454B-B98D-382185C4CDAF}" dt="2023-02-08T12:00:14.469" v="334" actId="207"/>
-          <ac:graphicFrameMkLst>
-            <pc:docMk/>
-            <pc:sldMk cId="2761965666" sldId="363"/>
-            <ac:graphicFrameMk id="8" creationId="{00000000-0000-0000-0000-000000000000}"/>
-          </ac:graphicFrameMkLst>
-        </pc:graphicFrameChg>
       </pc:sldChg>
       <pc:sldChg chg="modSp mod">
         <pc:chgData name="Gerth Stølting Brodal" userId="04ef4784-6591-4f86-a140-f5c3b108582a" providerId="ADAL" clId="{8AE5BBAC-1693-454B-B98D-382185C4CDAF}" dt="2023-02-04T10:05:52.349" v="26" actId="20577"/>
@@ -311,14 +223,6 @@
           <pc:docMk/>
           <pc:sldMk cId="3808754555" sldId="372"/>
         </pc:sldMkLst>
-        <pc:spChg chg="mod">
-          <ac:chgData name="Gerth Stølting Brodal" userId="04ef4784-6591-4f86-a140-f5c3b108582a" providerId="ADAL" clId="{8AE5BBAC-1693-454B-B98D-382185C4CDAF}" dt="2023-02-04T10:05:52.349" v="26" actId="20577"/>
-          <ac:spMkLst>
-            <pc:docMk/>
-            <pc:sldMk cId="3808754555" sldId="372"/>
-            <ac:spMk id="3" creationId="{00000000-0000-0000-0000-000000000000}"/>
-          </ac:spMkLst>
-        </pc:spChg>
       </pc:sldChg>
       <pc:sldChg chg="modSp mod">
         <pc:chgData name="Gerth Stølting Brodal" userId="04ef4784-6591-4f86-a140-f5c3b108582a" providerId="ADAL" clId="{8AE5BBAC-1693-454B-B98D-382185C4CDAF}" dt="2023-02-04T18:40:27.777" v="298" actId="20577"/>
@@ -326,14 +230,6 @@
           <pc:docMk/>
           <pc:sldMk cId="3203409752" sldId="440"/>
         </pc:sldMkLst>
-        <pc:spChg chg="mod">
-          <ac:chgData name="Gerth Stølting Brodal" userId="04ef4784-6591-4f86-a140-f5c3b108582a" providerId="ADAL" clId="{8AE5BBAC-1693-454B-B98D-382185C4CDAF}" dt="2023-02-04T18:40:27.777" v="298" actId="20577"/>
-          <ac:spMkLst>
-            <pc:docMk/>
-            <pc:sldMk cId="3203409752" sldId="440"/>
-            <ac:spMk id="3" creationId="{00000000-0000-0000-0000-000000000000}"/>
-          </ac:spMkLst>
-        </pc:spChg>
       </pc:sldChg>
       <pc:sldChg chg="modSp mod">
         <pc:chgData name="Gerth Stølting Brodal" userId="04ef4784-6591-4f86-a140-f5c3b108582a" providerId="ADAL" clId="{8AE5BBAC-1693-454B-B98D-382185C4CDAF}" dt="2023-02-04T10:01:15.975" v="2" actId="114"/>
@@ -341,14 +237,6 @@
           <pc:docMk/>
           <pc:sldMk cId="1725506798" sldId="441"/>
         </pc:sldMkLst>
-        <pc:spChg chg="mod">
-          <ac:chgData name="Gerth Stølting Brodal" userId="04ef4784-6591-4f86-a140-f5c3b108582a" providerId="ADAL" clId="{8AE5BBAC-1693-454B-B98D-382185C4CDAF}" dt="2023-02-04T10:01:15.975" v="2" actId="114"/>
-          <ac:spMkLst>
-            <pc:docMk/>
-            <pc:sldMk cId="1725506798" sldId="441"/>
-            <ac:spMk id="13" creationId="{00000000-0000-0000-0000-000000000000}"/>
-          </ac:spMkLst>
-        </pc:spChg>
       </pc:sldChg>
       <pc:sldChg chg="addSp delSp modSp new mod">
         <pc:chgData name="Gerth Stølting Brodal" userId="04ef4784-6591-4f86-a140-f5c3b108582a" providerId="ADAL" clId="{8AE5BBAC-1693-454B-B98D-382185C4CDAF}" dt="2023-02-04T11:05:55.829" v="270" actId="313"/>
@@ -356,54 +244,82 @@
           <pc:docMk/>
           <pc:sldMk cId="4003465609" sldId="445"/>
         </pc:sldMkLst>
-        <pc:spChg chg="del">
-          <ac:chgData name="Gerth Stølting Brodal" userId="04ef4784-6591-4f86-a140-f5c3b108582a" providerId="ADAL" clId="{8AE5BBAC-1693-454B-B98D-382185C4CDAF}" dt="2023-02-04T10:41:23.626" v="65" actId="478"/>
+      </pc:sldChg>
+    </pc:docChg>
+  </pc:docChgLst>
+  <pc:docChgLst>
+    <pc:chgData name="Gerth Stølting Brodal" userId="04ef4784-6591-4f86-a140-f5c3b108582a" providerId="ADAL" clId="{18AD147D-C19E-45B1-BB58-118ED9AE6721}"/>
+    <pc:docChg chg="undo custSel modSld">
+      <pc:chgData name="Gerth Stølting Brodal" userId="04ef4784-6591-4f86-a140-f5c3b108582a" providerId="ADAL" clId="{18AD147D-C19E-45B1-BB58-118ED9AE6721}" dt="2025-02-05T08:42:25.134" v="116" actId="20577"/>
+      <pc:docMkLst>
+        <pc:docMk/>
+      </pc:docMkLst>
+      <pc:sldChg chg="modSp mod">
+        <pc:chgData name="Gerth Stølting Brodal" userId="04ef4784-6591-4f86-a140-f5c3b108582a" providerId="ADAL" clId="{18AD147D-C19E-45B1-BB58-118ED9AE6721}" dt="2025-02-05T07:32:08.157" v="26" actId="27636"/>
+        <pc:sldMkLst>
+          <pc:docMk/>
+          <pc:sldMk cId="2108377336" sldId="281"/>
+        </pc:sldMkLst>
+        <pc:spChg chg="mod">
+          <ac:chgData name="Gerth Stølting Brodal" userId="04ef4784-6591-4f86-a140-f5c3b108582a" providerId="ADAL" clId="{18AD147D-C19E-45B1-BB58-118ED9AE6721}" dt="2025-02-05T07:32:08.157" v="26" actId="27636"/>
           <ac:spMkLst>
             <pc:docMk/>
-            <pc:sldMk cId="4003465609" sldId="445"/>
-            <ac:spMk id="2" creationId="{1F3B8727-630E-1603-CC7D-BB070123E7C5}"/>
+            <pc:sldMk cId="2108377336" sldId="281"/>
+            <ac:spMk id="3" creationId="{00000000-0000-0000-0000-000000000000}"/>
           </ac:spMkLst>
         </pc:spChg>
-        <pc:spChg chg="del">
-          <ac:chgData name="Gerth Stølting Brodal" userId="04ef4784-6591-4f86-a140-f5c3b108582a" providerId="ADAL" clId="{8AE5BBAC-1693-454B-B98D-382185C4CDAF}" dt="2023-02-04T10:41:23.626" v="65" actId="478"/>
+      </pc:sldChg>
+      <pc:sldChg chg="modSp">
+        <pc:chgData name="Gerth Stølting Brodal" userId="04ef4784-6591-4f86-a140-f5c3b108582a" providerId="ADAL" clId="{18AD147D-C19E-45B1-BB58-118ED9AE6721}" dt="2025-02-05T08:42:25.134" v="116" actId="20577"/>
+        <pc:sldMkLst>
+          <pc:docMk/>
+          <pc:sldMk cId="2761965666" sldId="363"/>
+        </pc:sldMkLst>
+        <pc:spChg chg="mod">
+          <ac:chgData name="Gerth Stølting Brodal" userId="04ef4784-6591-4f86-a140-f5c3b108582a" providerId="ADAL" clId="{18AD147D-C19E-45B1-BB58-118ED9AE6721}" dt="2025-02-05T08:42:25.134" v="116" actId="20577"/>
           <ac:spMkLst>
             <pc:docMk/>
-            <pc:sldMk cId="4003465609" sldId="445"/>
-            <ac:spMk id="3" creationId="{A7FFB86F-0275-1B7B-149F-1615512E4602}"/>
+            <pc:sldMk cId="2761965666" sldId="363"/>
+            <ac:spMk id="9" creationId="{00000000-0000-0000-0000-000000000000}"/>
           </ac:spMkLst>
         </pc:spChg>
-        <pc:spChg chg="add del">
-          <ac:chgData name="Gerth Stølting Brodal" userId="04ef4784-6591-4f86-a140-f5c3b108582a" providerId="ADAL" clId="{8AE5BBAC-1693-454B-B98D-382185C4CDAF}" dt="2023-02-04T10:41:14.502" v="63" actId="22"/>
+      </pc:sldChg>
+      <pc:sldChg chg="modNotesTx">
+        <pc:chgData name="Gerth Stølting Brodal" userId="04ef4784-6591-4f86-a140-f5c3b108582a" providerId="ADAL" clId="{18AD147D-C19E-45B1-BB58-118ED9AE6721}" dt="2025-02-05T08:28:31.061" v="114" actId="20577"/>
+        <pc:sldMkLst>
+          <pc:docMk/>
+          <pc:sldMk cId="3808754555" sldId="372"/>
+        </pc:sldMkLst>
+      </pc:sldChg>
+      <pc:sldChg chg="modSp mod">
+        <pc:chgData name="Gerth Stølting Brodal" userId="04ef4784-6591-4f86-a140-f5c3b108582a" providerId="ADAL" clId="{18AD147D-C19E-45B1-BB58-118ED9AE6721}" dt="2025-02-05T08:12:41.070" v="68" actId="313"/>
+        <pc:sldMkLst>
+          <pc:docMk/>
+          <pc:sldMk cId="506142668" sldId="437"/>
+        </pc:sldMkLst>
+        <pc:graphicFrameChg chg="modGraphic">
+          <ac:chgData name="Gerth Stølting Brodal" userId="04ef4784-6591-4f86-a140-f5c3b108582a" providerId="ADAL" clId="{18AD147D-C19E-45B1-BB58-118ED9AE6721}" dt="2025-02-05T08:12:41.070" v="68" actId="313"/>
+          <ac:graphicFrameMkLst>
+            <pc:docMk/>
+            <pc:sldMk cId="506142668" sldId="437"/>
+            <ac:graphicFrameMk id="5" creationId="{00000000-0000-0000-0000-000000000000}"/>
+          </ac:graphicFrameMkLst>
+        </pc:graphicFrameChg>
+      </pc:sldChg>
+      <pc:sldChg chg="modSp mod">
+        <pc:chgData name="Gerth Stølting Brodal" userId="04ef4784-6591-4f86-a140-f5c3b108582a" providerId="ADAL" clId="{18AD147D-C19E-45B1-BB58-118ED9AE6721}" dt="2025-02-05T08:14:55.420" v="71"/>
+        <pc:sldMkLst>
+          <pc:docMk/>
+          <pc:sldMk cId="1725506798" sldId="441"/>
+        </pc:sldMkLst>
+        <pc:spChg chg="mod">
+          <ac:chgData name="Gerth Stølting Brodal" userId="04ef4784-6591-4f86-a140-f5c3b108582a" providerId="ADAL" clId="{18AD147D-C19E-45B1-BB58-118ED9AE6721}" dt="2025-02-05T08:14:55.420" v="71"/>
           <ac:spMkLst>
             <pc:docMk/>
-            <pc:sldMk cId="4003465609" sldId="445"/>
-            <ac:spMk id="5" creationId="{32D1559D-573A-8D54-439E-08FDB47F51CD}"/>
+            <pc:sldMk cId="1725506798" sldId="441"/>
+            <ac:spMk id="13" creationId="{00000000-0000-0000-0000-000000000000}"/>
           </ac:spMkLst>
         </pc:spChg>
-        <pc:spChg chg="add del">
-          <ac:chgData name="Gerth Stølting Brodal" userId="04ef4784-6591-4f86-a140-f5c3b108582a" providerId="ADAL" clId="{8AE5BBAC-1693-454B-B98D-382185C4CDAF}" dt="2023-02-04T10:55:32.072" v="249" actId="22"/>
-          <ac:spMkLst>
-            <pc:docMk/>
-            <pc:sldMk cId="4003465609" sldId="445"/>
-            <ac:spMk id="8" creationId="{A0AED4D6-4CCB-CBDD-3989-8372DE55CCF3}"/>
-          </ac:spMkLst>
-        </pc:spChg>
-        <pc:spChg chg="add mod">
-          <ac:chgData name="Gerth Stølting Brodal" userId="04ef4784-6591-4f86-a140-f5c3b108582a" providerId="ADAL" clId="{8AE5BBAC-1693-454B-B98D-382185C4CDAF}" dt="2023-02-04T10:59:36.258" v="254" actId="6549"/>
-          <ac:spMkLst>
-            <pc:docMk/>
-            <pc:sldMk cId="4003465609" sldId="445"/>
-            <ac:spMk id="9" creationId="{86E08E30-093F-3171-73B5-821EA6368550}"/>
-          </ac:spMkLst>
-        </pc:spChg>
-        <pc:graphicFrameChg chg="add mod modGraphic">
-          <ac:chgData name="Gerth Stølting Brodal" userId="04ef4784-6591-4f86-a140-f5c3b108582a" providerId="ADAL" clId="{8AE5BBAC-1693-454B-B98D-382185C4CDAF}" dt="2023-02-04T11:05:55.829" v="270" actId="313"/>
-          <ac:graphicFrameMkLst>
-            <pc:docMk/>
-            <pc:sldMk cId="4003465609" sldId="445"/>
-            <ac:graphicFrameMk id="6" creationId="{16A6ED07-F050-B0E1-8313-E3A78881EFE5}"/>
-          </ac:graphicFrameMkLst>
-        </pc:graphicFrameChg>
       </pc:sldChg>
     </pc:docChg>
   </pc:docChgLst>
@@ -420,22 +336,6 @@
           <pc:docMk/>
           <pc:sldMk cId="3650692602" sldId="286"/>
         </pc:sldMkLst>
-        <pc:spChg chg="mod">
-          <ac:chgData name="Gerth Stølting Brodal" userId="04ef4784-6591-4f86-a140-f5c3b108582a" providerId="ADAL" clId="{56F465E5-64FD-4F2A-935D-395061FAD986}" dt="2024-02-07T10:16:20.656" v="964" actId="207"/>
-          <ac:spMkLst>
-            <pc:docMk/>
-            <pc:sldMk cId="3650692602" sldId="286"/>
-            <ac:spMk id="2" creationId="{00000000-0000-0000-0000-000000000000}"/>
-          </ac:spMkLst>
-        </pc:spChg>
-        <pc:spChg chg="mod">
-          <ac:chgData name="Gerth Stølting Brodal" userId="04ef4784-6591-4f86-a140-f5c3b108582a" providerId="ADAL" clId="{56F465E5-64FD-4F2A-935D-395061FAD986}" dt="2024-02-07T08:53:39.154" v="957" actId="20577"/>
-          <ac:spMkLst>
-            <pc:docMk/>
-            <pc:sldMk cId="3650692602" sldId="286"/>
-            <ac:spMk id="3" creationId="{00000000-0000-0000-0000-000000000000}"/>
-          </ac:spMkLst>
-        </pc:spChg>
       </pc:sldChg>
       <pc:sldChg chg="modSp mod modNotesTx">
         <pc:chgData name="Gerth Stølting Brodal" userId="04ef4784-6591-4f86-a140-f5c3b108582a" providerId="ADAL" clId="{56F465E5-64FD-4F2A-935D-395061FAD986}" dt="2024-02-04T19:34:30.157" v="663" actId="313"/>
@@ -443,22 +343,6 @@
           <pc:docMk/>
           <pc:sldMk cId="2761965666" sldId="363"/>
         </pc:sldMkLst>
-        <pc:spChg chg="mod">
-          <ac:chgData name="Gerth Stølting Brodal" userId="04ef4784-6591-4f86-a140-f5c3b108582a" providerId="ADAL" clId="{56F465E5-64FD-4F2A-935D-395061FAD986}" dt="2024-02-04T18:51:08.656" v="12" actId="6549"/>
-          <ac:spMkLst>
-            <pc:docMk/>
-            <pc:sldMk cId="2761965666" sldId="363"/>
-            <ac:spMk id="9" creationId="{00000000-0000-0000-0000-000000000000}"/>
-          </ac:spMkLst>
-        </pc:spChg>
-        <pc:graphicFrameChg chg="modGraphic">
-          <ac:chgData name="Gerth Stølting Brodal" userId="04ef4784-6591-4f86-a140-f5c3b108582a" providerId="ADAL" clId="{56F465E5-64FD-4F2A-935D-395061FAD986}" dt="2024-02-04T19:34:30.157" v="663" actId="313"/>
-          <ac:graphicFrameMkLst>
-            <pc:docMk/>
-            <pc:sldMk cId="2761965666" sldId="363"/>
-            <ac:graphicFrameMk id="8" creationId="{00000000-0000-0000-0000-000000000000}"/>
-          </ac:graphicFrameMkLst>
-        </pc:graphicFrameChg>
       </pc:sldChg>
       <pc:sldChg chg="modAnim">
         <pc:chgData name="Gerth Stølting Brodal" userId="04ef4784-6591-4f86-a140-f5c3b108582a" providerId="ADAL" clId="{56F465E5-64FD-4F2A-935D-395061FAD986}" dt="2024-02-05T08:52:43.318" v="802"/>
@@ -473,14 +357,6 @@
           <pc:docMk/>
           <pc:sldMk cId="3808754555" sldId="372"/>
         </pc:sldMkLst>
-        <pc:spChg chg="mod">
-          <ac:chgData name="Gerth Stølting Brodal" userId="04ef4784-6591-4f86-a140-f5c3b108582a" providerId="ADAL" clId="{56F465E5-64FD-4F2A-935D-395061FAD986}" dt="2024-02-04T18:47:10.141" v="10" actId="20577"/>
-          <ac:spMkLst>
-            <pc:docMk/>
-            <pc:sldMk cId="3808754555" sldId="372"/>
-            <ac:spMk id="3" creationId="{00000000-0000-0000-0000-000000000000}"/>
-          </ac:spMkLst>
-        </pc:spChg>
       </pc:sldChg>
       <pc:sldChg chg="modSp mod">
         <pc:chgData name="Gerth Stølting Brodal" userId="04ef4784-6591-4f86-a140-f5c3b108582a" providerId="ADAL" clId="{56F465E5-64FD-4F2A-935D-395061FAD986}" dt="2024-02-06T21:32:56.506" v="815" actId="1036"/>
@@ -488,22 +364,6 @@
           <pc:docMk/>
           <pc:sldMk cId="506142668" sldId="437"/>
         </pc:sldMkLst>
-        <pc:spChg chg="mod">
-          <ac:chgData name="Gerth Stølting Brodal" userId="04ef4784-6591-4f86-a140-f5c3b108582a" providerId="ADAL" clId="{56F465E5-64FD-4F2A-935D-395061FAD986}" dt="2024-02-06T21:20:47.245" v="805" actId="20577"/>
-          <ac:spMkLst>
-            <pc:docMk/>
-            <pc:sldMk cId="506142668" sldId="437"/>
-            <ac:spMk id="7" creationId="{00000000-0000-0000-0000-000000000000}"/>
-          </ac:spMkLst>
-        </pc:spChg>
-        <pc:graphicFrameChg chg="mod">
-          <ac:chgData name="Gerth Stølting Brodal" userId="04ef4784-6591-4f86-a140-f5c3b108582a" providerId="ADAL" clId="{56F465E5-64FD-4F2A-935D-395061FAD986}" dt="2024-02-06T21:32:56.506" v="815" actId="1036"/>
-          <ac:graphicFrameMkLst>
-            <pc:docMk/>
-            <pc:sldMk cId="506142668" sldId="437"/>
-            <ac:graphicFrameMk id="5" creationId="{00000000-0000-0000-0000-000000000000}"/>
-          </ac:graphicFrameMkLst>
-        </pc:graphicFrameChg>
       </pc:sldChg>
       <pc:sldChg chg="modSp mod">
         <pc:chgData name="Gerth Stølting Brodal" userId="04ef4784-6591-4f86-a140-f5c3b108582a" providerId="ADAL" clId="{56F465E5-64FD-4F2A-935D-395061FAD986}" dt="2024-02-02T12:05:25.839" v="3" actId="6549"/>
@@ -511,14 +371,6 @@
           <pc:docMk/>
           <pc:sldMk cId="4003465609" sldId="445"/>
         </pc:sldMkLst>
-        <pc:graphicFrameChg chg="modGraphic">
-          <ac:chgData name="Gerth Stølting Brodal" userId="04ef4784-6591-4f86-a140-f5c3b108582a" providerId="ADAL" clId="{56F465E5-64FD-4F2A-935D-395061FAD986}" dt="2024-02-02T12:05:25.839" v="3" actId="6549"/>
-          <ac:graphicFrameMkLst>
-            <pc:docMk/>
-            <pc:sldMk cId="4003465609" sldId="445"/>
-            <ac:graphicFrameMk id="6" creationId="{16A6ED07-F050-B0E1-8313-E3A78881EFE5}"/>
-          </ac:graphicFrameMkLst>
-        </pc:graphicFrameChg>
       </pc:sldChg>
       <pc:sldChg chg="addSp modSp new mod modAnim modNotesTx">
         <pc:chgData name="Gerth Stølting Brodal" userId="04ef4784-6591-4f86-a140-f5c3b108582a" providerId="ADAL" clId="{56F465E5-64FD-4F2A-935D-395061FAD986}" dt="2024-02-05T07:11:28.719" v="801" actId="313"/>
@@ -526,46 +378,6 @@
           <pc:docMk/>
           <pc:sldMk cId="4179547408" sldId="446"/>
         </pc:sldMkLst>
-        <pc:spChg chg="mod">
-          <ac:chgData name="Gerth Stølting Brodal" userId="04ef4784-6591-4f86-a140-f5c3b108582a" providerId="ADAL" clId="{56F465E5-64FD-4F2A-935D-395061FAD986}" dt="2024-02-04T19:21:02.270" v="635" actId="20577"/>
-          <ac:spMkLst>
-            <pc:docMk/>
-            <pc:sldMk cId="4179547408" sldId="446"/>
-            <ac:spMk id="2" creationId="{19AE9108-3205-9EB6-BEF3-A32540F39AFC}"/>
-          </ac:spMkLst>
-        </pc:spChg>
-        <pc:spChg chg="mod">
-          <ac:chgData name="Gerth Stølting Brodal" userId="04ef4784-6591-4f86-a140-f5c3b108582a" providerId="ADAL" clId="{56F465E5-64FD-4F2A-935D-395061FAD986}" dt="2024-02-04T19:35:03.751" v="670" actId="20577"/>
-          <ac:spMkLst>
-            <pc:docMk/>
-            <pc:sldMk cId="4179547408" sldId="446"/>
-            <ac:spMk id="3" creationId="{B961D846-31C1-1F84-A347-4978C8C5E7FE}"/>
-          </ac:spMkLst>
-        </pc:spChg>
-        <pc:spChg chg="add mod">
-          <ac:chgData name="Gerth Stølting Brodal" userId="04ef4784-6591-4f86-a140-f5c3b108582a" providerId="ADAL" clId="{56F465E5-64FD-4F2A-935D-395061FAD986}" dt="2024-02-04T19:23:27.896" v="659" actId="1076"/>
-          <ac:spMkLst>
-            <pc:docMk/>
-            <pc:sldMk cId="4179547408" sldId="446"/>
-            <ac:spMk id="5" creationId="{DE1A517F-9AE3-9B0A-52FF-B625F2865B8B}"/>
-          </ac:spMkLst>
-        </pc:spChg>
-        <pc:graphicFrameChg chg="add mod modGraphic">
-          <ac:chgData name="Gerth Stølting Brodal" userId="04ef4784-6591-4f86-a140-f5c3b108582a" providerId="ADAL" clId="{56F465E5-64FD-4F2A-935D-395061FAD986}" dt="2024-02-04T19:23:27.896" v="659" actId="1076"/>
-          <ac:graphicFrameMkLst>
-            <pc:docMk/>
-            <pc:sldMk cId="4179547408" sldId="446"/>
-            <ac:graphicFrameMk id="4" creationId="{EE6745CC-789B-67DC-601B-568E63AF1905}"/>
-          </ac:graphicFrameMkLst>
-        </pc:graphicFrameChg>
-        <pc:picChg chg="add mod">
-          <ac:chgData name="Gerth Stølting Brodal" userId="04ef4784-6591-4f86-a140-f5c3b108582a" providerId="ADAL" clId="{56F465E5-64FD-4F2A-935D-395061FAD986}" dt="2024-02-04T19:21:53.829" v="642" actId="1076"/>
-          <ac:picMkLst>
-            <pc:docMk/>
-            <pc:sldMk cId="4179547408" sldId="446"/>
-            <ac:picMk id="6" creationId="{BC49D55E-DBEF-D87D-C77B-BA8A9E026885}"/>
-          </ac:picMkLst>
-        </pc:picChg>
       </pc:sldChg>
     </pc:docChg>
   </pc:docChgLst>
@@ -582,38 +394,6 @@
           <pc:docMk/>
           <pc:sldMk cId="1232766057" sldId="436"/>
         </pc:sldMkLst>
-        <pc:spChg chg="mod">
-          <ac:chgData name="Gerth Stølting Brodal" userId="04ef4784-6591-4f86-a140-f5c3b108582a" providerId="ADAL" clId="{172B73B0-B8C1-4702-9D4D-C752051A4849}" dt="2022-04-07T17:42:45.999" v="179" actId="948"/>
-          <ac:spMkLst>
-            <pc:docMk/>
-            <pc:sldMk cId="1232766057" sldId="436"/>
-            <ac:spMk id="3" creationId="{00000000-0000-0000-0000-000000000000}"/>
-          </ac:spMkLst>
-        </pc:spChg>
-        <pc:spChg chg="mod">
-          <ac:chgData name="Gerth Stølting Brodal" userId="04ef4784-6591-4f86-a140-f5c3b108582a" providerId="ADAL" clId="{172B73B0-B8C1-4702-9D4D-C752051A4849}" dt="2022-04-07T17:48:48.997" v="202" actId="20577"/>
-          <ac:spMkLst>
-            <pc:docMk/>
-            <pc:sldMk cId="1232766057" sldId="436"/>
-            <ac:spMk id="4" creationId="{00000000-0000-0000-0000-000000000000}"/>
-          </ac:spMkLst>
-        </pc:spChg>
-        <pc:graphicFrameChg chg="mod">
-          <ac:chgData name="Gerth Stølting Brodal" userId="04ef4784-6591-4f86-a140-f5c3b108582a" providerId="ADAL" clId="{172B73B0-B8C1-4702-9D4D-C752051A4849}" dt="2022-04-07T17:42:54.804" v="180" actId="1076"/>
-          <ac:graphicFrameMkLst>
-            <pc:docMk/>
-            <pc:sldMk cId="1232766057" sldId="436"/>
-            <ac:graphicFrameMk id="5" creationId="{00000000-0000-0000-0000-000000000000}"/>
-          </ac:graphicFrameMkLst>
-        </pc:graphicFrameChg>
-        <pc:picChg chg="mod">
-          <ac:chgData name="Gerth Stølting Brodal" userId="04ef4784-6591-4f86-a140-f5c3b108582a" providerId="ADAL" clId="{172B73B0-B8C1-4702-9D4D-C752051A4849}" dt="2022-04-07T17:42:59.420" v="181" actId="1076"/>
-          <ac:picMkLst>
-            <pc:docMk/>
-            <pc:sldMk cId="1232766057" sldId="436"/>
-            <ac:picMk id="6" creationId="{00000000-0000-0000-0000-000000000000}"/>
-          </ac:picMkLst>
-        </pc:picChg>
       </pc:sldChg>
     </pc:docChg>
   </pc:docChgLst>
@@ -718,7 +498,7 @@
           <a:p>
             <a:fld id="{FB1A172F-81D4-4DC4-9113-1DBD56EC3646}" type="datetimeFigureOut">
               <a:rPr lang="en-US" smtClean="0"/>
-              <a:t>2/7/2024</a:t>
+              <a:t>2/5/2025</a:t>
             </a:fld>
             <a:endParaRPr lang="en-US"/>
           </a:p>
@@ -2782,13 +2562,8 @@
           <a:p>
             <a:r>
               <a:rPr lang="en-US" dirty="0"/>
-              <a:t>More meaningful example, assume L is </a:t>
-            </a:r>
-            <a:r>
-              <a:rPr lang="en-US"/>
-              <a:t>a list:</a:t>
-            </a:r>
-            <a:endParaRPr lang="en-US" dirty="0"/>
+              <a:t>More meaningful example, assume L is a list:</a:t>
+            </a:r>
           </a:p>
           <a:p>
             <a:endParaRPr lang="en-US" dirty="0"/>
@@ -2821,6 +2596,77 @@
           </a:p>
           <a:p>
             <a:endParaRPr lang="da-DK" dirty="0"/>
+          </a:p>
+          <a:p>
+            <a:r>
+              <a:rPr lang="da-DK" dirty="0"/>
+              <a:t>----</a:t>
+            </a:r>
+          </a:p>
+          <a:p>
+            <a:endParaRPr lang="da-DK" dirty="0"/>
+          </a:p>
+          <a:p>
+            <a:r>
+              <a:rPr lang="da-DK" dirty="0" err="1"/>
+              <a:t>Testing</a:t>
+            </a:r>
+            <a:r>
+              <a:rPr lang="da-DK" dirty="0"/>
+              <a:t>:</a:t>
+            </a:r>
+          </a:p>
+          <a:p>
+            <a:endParaRPr lang="da-DK" dirty="0"/>
+          </a:p>
+          <a:p>
+            <a:r>
+              <a:rPr lang="da-DK" dirty="0"/>
+              <a:t>def </a:t>
+            </a:r>
+            <a:r>
+              <a:rPr lang="da-DK" dirty="0" err="1"/>
+              <a:t>value</a:t>
+            </a:r>
+            <a:r>
+              <a:rPr lang="da-DK" dirty="0"/>
+              <a:t>(x):</a:t>
+            </a:r>
+          </a:p>
+          <a:p>
+            <a:r>
+              <a:rPr lang="da-DK" dirty="0"/>
+              <a:t>    print(‘</a:t>
+            </a:r>
+            <a:r>
+              <a:rPr lang="da-DK" dirty="0" err="1"/>
+              <a:t>value</a:t>
+            </a:r>
+            <a:r>
+              <a:rPr lang="da-DK" dirty="0"/>
+              <a:t> is', x)</a:t>
+            </a:r>
+          </a:p>
+          <a:p>
+            <a:r>
+              <a:rPr lang="da-DK" dirty="0"/>
+              <a:t>    return x</a:t>
+            </a:r>
+          </a:p>
+          <a:p>
+            <a:endParaRPr lang="da-DK" dirty="0"/>
+          </a:p>
+          <a:p>
+            <a:r>
+              <a:rPr lang="en-US" dirty="0"/>
+              <a:t>value(2) and value(5)</a:t>
+            </a:r>
+          </a:p>
+          <a:p>
+            <a:r>
+              <a:rPr lang="en-US" dirty="0"/>
+              <a:t>value(2) or value(5)</a:t>
+            </a:r>
           </a:p>
           <a:p>
             <a:endParaRPr lang="da-DK" dirty="0"/>
@@ -3260,7 +3106,7 @@
           <a:p>
             <a:fld id="{0560A9CD-0304-4E0B-9E82-E7E0115DE05B}" type="datetimeFigureOut">
               <a:rPr lang="en-US" smtClean="0"/>
-              <a:t>2/7/2024</a:t>
+              <a:t>2/5/2025</a:t>
             </a:fld>
             <a:endParaRPr lang="en-US"/>
           </a:p>
@@ -3428,7 +3274,7 @@
           <a:p>
             <a:fld id="{0560A9CD-0304-4E0B-9E82-E7E0115DE05B}" type="datetimeFigureOut">
               <a:rPr lang="en-US" smtClean="0"/>
-              <a:t>2/7/2024</a:t>
+              <a:t>2/5/2025</a:t>
             </a:fld>
             <a:endParaRPr lang="en-US"/>
           </a:p>
@@ -3606,7 +3452,7 @@
           <a:p>
             <a:fld id="{0560A9CD-0304-4E0B-9E82-E7E0115DE05B}" type="datetimeFigureOut">
               <a:rPr lang="en-US" smtClean="0"/>
-              <a:t>2/7/2024</a:t>
+              <a:t>2/5/2025</a:t>
             </a:fld>
             <a:endParaRPr lang="en-US"/>
           </a:p>
@@ -3783,7 +3629,7 @@
           <a:p>
             <a:fld id="{0560A9CD-0304-4E0B-9E82-E7E0115DE05B}" type="datetimeFigureOut">
               <a:rPr lang="en-US" smtClean="0"/>
-              <a:t>2/7/2024</a:t>
+              <a:t>2/5/2025</a:t>
             </a:fld>
             <a:endParaRPr lang="en-US"/>
           </a:p>
@@ -4028,7 +3874,7 @@
           <a:p>
             <a:fld id="{0560A9CD-0304-4E0B-9E82-E7E0115DE05B}" type="datetimeFigureOut">
               <a:rPr lang="en-US" smtClean="0"/>
-              <a:t>2/7/2024</a:t>
+              <a:t>2/5/2025</a:t>
             </a:fld>
             <a:endParaRPr lang="en-US"/>
           </a:p>
@@ -4257,7 +4103,7 @@
           <a:p>
             <a:fld id="{0560A9CD-0304-4E0B-9E82-E7E0115DE05B}" type="datetimeFigureOut">
               <a:rPr lang="en-US" smtClean="0"/>
-              <a:t>2/7/2024</a:t>
+              <a:t>2/5/2025</a:t>
             </a:fld>
             <a:endParaRPr lang="en-US"/>
           </a:p>
@@ -4621,7 +4467,7 @@
           <a:p>
             <a:fld id="{0560A9CD-0304-4E0B-9E82-E7E0115DE05B}" type="datetimeFigureOut">
               <a:rPr lang="en-US" smtClean="0"/>
-              <a:t>2/7/2024</a:t>
+              <a:t>2/5/2025</a:t>
             </a:fld>
             <a:endParaRPr lang="en-US"/>
           </a:p>
@@ -4738,7 +4584,7 @@
           <a:p>
             <a:fld id="{0560A9CD-0304-4E0B-9E82-E7E0115DE05B}" type="datetimeFigureOut">
               <a:rPr lang="en-US" smtClean="0"/>
-              <a:t>2/7/2024</a:t>
+              <a:t>2/5/2025</a:t>
             </a:fld>
             <a:endParaRPr lang="en-US"/>
           </a:p>
@@ -4833,7 +4679,7 @@
           <a:p>
             <a:fld id="{0560A9CD-0304-4E0B-9E82-E7E0115DE05B}" type="datetimeFigureOut">
               <a:rPr lang="en-US" smtClean="0"/>
-              <a:t>2/7/2024</a:t>
+              <a:t>2/5/2025</a:t>
             </a:fld>
             <a:endParaRPr lang="en-US"/>
           </a:p>
@@ -5108,7 +4954,7 @@
           <a:p>
             <a:fld id="{0560A9CD-0304-4E0B-9E82-E7E0115DE05B}" type="datetimeFigureOut">
               <a:rPr lang="en-US" smtClean="0"/>
-              <a:t>2/7/2024</a:t>
+              <a:t>2/5/2025</a:t>
             </a:fld>
             <a:endParaRPr lang="en-US"/>
           </a:p>
@@ -5360,7 +5206,7 @@
           <a:p>
             <a:fld id="{0560A9CD-0304-4E0B-9E82-E7E0115DE05B}" type="datetimeFigureOut">
               <a:rPr lang="en-US" smtClean="0"/>
-              <a:t>2/7/2024</a:t>
+              <a:t>2/5/2025</a:t>
             </a:fld>
             <a:endParaRPr lang="en-US"/>
           </a:p>
@@ -5571,7 +5417,7 @@
           <a:p>
             <a:fld id="{0560A9CD-0304-4E0B-9E82-E7E0115DE05B}" type="datetimeFigureOut">
               <a:rPr lang="en-US" smtClean="0"/>
-              <a:t>2/7/2024</a:t>
+              <a:t>2/5/2025</a:t>
             </a:fld>
             <a:endParaRPr lang="en-US"/>
           </a:p>
@@ -6091,7 +5937,7 @@
           <p:nvPr>
             <p:extLst>
               <p:ext uri="{D42A27DB-BD31-4B8C-83A1-F6EECF244321}">
-                <p14:modId xmlns:p14="http://schemas.microsoft.com/office/powerpoint/2010/main" val="3827532895"/>
+                <p14:modId xmlns:p14="http://schemas.microsoft.com/office/powerpoint/2010/main" val="360253969"/>
               </p:ext>
             </p:extLst>
           </p:nvPr>
@@ -6508,7 +6354,7 @@
                           <a:latin typeface="Courier New" panose="02070309020205020404" pitchFamily="49" charset="0"/>
                           <a:cs typeface="Courier New" panose="02070309020205020404" pitchFamily="49" charset="0"/>
                         </a:rPr>
-                        <a:t>("1e10**0.5")</a:t>
+                        <a:t>('1e10**0.5')</a:t>
                       </a:r>
                       <a:endParaRPr lang="pt-BR" sz="1800" b="1" baseline="0" dirty="0">
                         <a:latin typeface="Courier New" panose="02070309020205020404" pitchFamily="49" charset="0"/>
@@ -6555,35 +6401,7 @@
                           <a:latin typeface="Courier New" panose="02070309020205020404" pitchFamily="49" charset="0"/>
                           <a:cs typeface="Courier New" panose="02070309020205020404" pitchFamily="49" charset="0"/>
                         </a:rPr>
-                        <a:t>("</a:t>
-                      </a:r>
-                      <a:r>
-                        <a:rPr lang="en-US" sz="1800" b="1" baseline="0" dirty="0" err="1">
-                          <a:latin typeface="Courier New" panose="02070309020205020404" pitchFamily="49" charset="0"/>
-                          <a:cs typeface="Courier New" panose="02070309020205020404" pitchFamily="49" charset="0"/>
-                        </a:rPr>
-                        <a:t>sqrt</a:t>
-                      </a:r>
-                      <a:r>
-                        <a:rPr lang="en-US" sz="1800" b="1" baseline="0" dirty="0">
-                          <a:latin typeface="Courier New" panose="02070309020205020404" pitchFamily="49" charset="0"/>
-                          <a:cs typeface="Courier New" panose="02070309020205020404" pitchFamily="49" charset="0"/>
-                        </a:rPr>
-                        <a:t>(1e10)", "from math import </a:t>
-                      </a:r>
-                      <a:r>
-                        <a:rPr lang="en-US" sz="1800" b="1" baseline="0" dirty="0" err="1">
-                          <a:latin typeface="Courier New" panose="02070309020205020404" pitchFamily="49" charset="0"/>
-                          <a:cs typeface="Courier New" panose="02070309020205020404" pitchFamily="49" charset="0"/>
-                        </a:rPr>
-                        <a:t>sqrt</a:t>
-                      </a:r>
-                      <a:r>
-                        <a:rPr lang="en-US" sz="1800" b="1" baseline="0" dirty="0">
-                          <a:latin typeface="Courier New" panose="02070309020205020404" pitchFamily="49" charset="0"/>
-                          <a:cs typeface="Courier New" panose="02070309020205020404" pitchFamily="49" charset="0"/>
-                        </a:rPr>
-                        <a:t>")</a:t>
+                        <a:t>('sqrt(1e10)', 'from math import sqrt')</a:t>
                       </a:r>
                       <a:endParaRPr lang="pt-BR" sz="1800" b="1" baseline="0" dirty="0">
                         <a:latin typeface="Courier New" panose="02070309020205020404" pitchFamily="49" charset="0"/>
@@ -6630,7 +6448,7 @@
                           <a:latin typeface="Courier New" panose="02070309020205020404" pitchFamily="49" charset="0"/>
                           <a:cs typeface="Courier New" panose="02070309020205020404" pitchFamily="49" charset="0"/>
                         </a:rPr>
-                        <a:t>("</a:t>
+                        <a:t>('</a:t>
                       </a:r>
                       <a:r>
                         <a:rPr lang="en-US" sz="1800" b="1" baseline="0" dirty="0" err="1">
@@ -6644,7 +6462,7 @@
                           <a:latin typeface="Courier New" panose="02070309020205020404" pitchFamily="49" charset="0"/>
                           <a:cs typeface="Courier New" panose="02070309020205020404" pitchFamily="49" charset="0"/>
                         </a:rPr>
-                        <a:t>(1e10)", "import math")</a:t>
+                        <a:t>(1e10)', 'import math')</a:t>
                       </a:r>
                       <a:endParaRPr lang="pt-BR" sz="1800" b="1" baseline="0" dirty="0">
                         <a:latin typeface="Courier New" panose="02070309020205020404" pitchFamily="49" charset="0"/>
@@ -8563,14 +8381,53 @@
                 <a:latin typeface="Times New Roman" panose="02020603050405020304" pitchFamily="18" charset="0"/>
                 <a:cs typeface="Times New Roman" panose="02020603050405020304" pitchFamily="18" charset="0"/>
               </a:rPr>
-              <a:t>⸣ = </a:t>
+              <a:t>⸣ </a:t>
+            </a:r>
+            <a:r>
+              <a:rPr lang="en-US" sz="2400" dirty="0">
+                <a:cs typeface="Times New Roman" panose="02020603050405020304" pitchFamily="18" charset="0"/>
+              </a:rPr>
+              <a:t> </a:t>
+            </a:r>
+            <a:r>
+              <a:rPr lang="en-US" sz="2400" dirty="0">
+                <a:latin typeface="Times New Roman" panose="02020603050405020304" pitchFamily="18" charset="0"/>
+                <a:cs typeface="Times New Roman" panose="02020603050405020304" pitchFamily="18" charset="0"/>
+              </a:rPr>
+              <a:t>= </a:t>
             </a:r>
             <a:r>
               <a:rPr lang="en-US" sz="2400" dirty="0">
                 <a:latin typeface="Courier New" panose="02070309020205020404" pitchFamily="49" charset="0"/>
                 <a:cs typeface="Courier New" panose="02070309020205020404" pitchFamily="49" charset="0"/>
               </a:rPr>
-              <a:t>(x+(y-1))//y</a:t>
+              <a:t>(x+(y-1))</a:t>
+            </a:r>
+            <a:r>
+              <a:rPr lang="en-US" sz="2400" dirty="0">
+                <a:cs typeface="Times New Roman" panose="02020603050405020304" pitchFamily="18" charset="0"/>
+              </a:rPr>
+              <a:t> </a:t>
+            </a:r>
+            <a:r>
+              <a:rPr lang="en-US" sz="2400" dirty="0">
+                <a:latin typeface="Courier New" panose="02070309020205020404" pitchFamily="49" charset="0"/>
+                <a:cs typeface="Courier New" panose="02070309020205020404" pitchFamily="49" charset="0"/>
+              </a:rPr>
+              <a:t>//</a:t>
+            </a:r>
+            <a:r>
+              <a:rPr lang="en-US" sz="2400" dirty="0">
+                <a:cs typeface="Times New Roman" panose="02020603050405020304" pitchFamily="18" charset="0"/>
+              </a:rPr>
+              <a:t> </a:t>
+            </a:r>
+            <a:r>
+              <a:rPr lang="en-US" sz="2400" dirty="0">
+                <a:latin typeface="Courier New" panose="02070309020205020404" pitchFamily="49" charset="0"/>
+                <a:cs typeface="Courier New" panose="02070309020205020404" pitchFamily="49" charset="0"/>
+              </a:rPr>
+              <a:t>y</a:t>
             </a:r>
           </a:p>
           <a:p>
@@ -16139,8 +15996,13 @@
             <a:pPr algn="ctr"/>
             <a:r>
               <a:rPr lang="en-US" dirty="0"/>
-              <a:t>% formatting (inherited from C’s sprint() function) was supposed to be on the way out - but is still going strong in Python 3.12</a:t>
-            </a:r>
+              <a:t>% formatting (inherited from C’s sprint() function) was supposed to be on the way out - but is still going strong in </a:t>
+            </a:r>
+            <a:r>
+              <a:rPr lang="en-US"/>
+              <a:t>Python 3.13</a:t>
+            </a:r>
+            <a:endParaRPr lang="en-US" dirty="0"/>
           </a:p>
         </p:txBody>
       </p:sp>
@@ -30316,8 +30178,8 @@
           </a:p>
         </p:txBody>
       </p:sp>
-      <mc:AlternateContent xmlns:mc="http://schemas.openxmlformats.org/markup-compatibility/2006" xmlns:a14="http://schemas.microsoft.com/office/drawing/2010/main">
-        <mc:Choice Requires="a14">
+      <mc:AlternateContent xmlns:mc="http://schemas.openxmlformats.org/markup-compatibility/2006">
+        <mc:Choice xmlns:a14="http://schemas.microsoft.com/office/drawing/2010/main" Requires="a14">
           <p:sp>
             <p:nvSpPr>
               <p:cNvPr id="3" name="Content Placeholder 2"/>
@@ -30331,7 +30193,7 @@
             <p:spPr>
               <a:xfrm>
                 <a:off x="831272" y="1504990"/>
-                <a:ext cx="11269682" cy="5353010"/>
+                <a:ext cx="11360728" cy="5353010"/>
               </a:xfrm>
             </p:spPr>
             <p:txBody>
@@ -30456,7 +30318,63 @@
                     <a:cs typeface="Courier New" panose="02070309020205020404" pitchFamily="49" charset="0"/>
                     <a:sym typeface="Wingdings" panose="05000000000000000000" pitchFamily="2" charset="2"/>
                   </a:rPr>
-                  <a:t>2**3=pow(2,3)=8</a:t>
+                  <a:t>2**3</a:t>
+                </a:r>
+                <a:r>
+                  <a:rPr lang="en-US" dirty="0">
+                    <a:sym typeface="Wingdings" panose="05000000000000000000" pitchFamily="2" charset="2"/>
+                  </a:rPr>
+                  <a:t> </a:t>
+                </a:r>
+                <a:r>
+                  <a:rPr lang="en-US" dirty="0">
+                    <a:latin typeface="Courier New" panose="02070309020205020404" pitchFamily="49" charset="0"/>
+                    <a:cs typeface="Courier New" panose="02070309020205020404" pitchFamily="49" charset="0"/>
+                    <a:sym typeface="Wingdings" panose="05000000000000000000" pitchFamily="2" charset="2"/>
+                  </a:rPr>
+                  <a:t>=</a:t>
+                </a:r>
+                <a:r>
+                  <a:rPr lang="en-US" dirty="0">
+                    <a:sym typeface="Wingdings" panose="05000000000000000000" pitchFamily="2" charset="2"/>
+                  </a:rPr>
+                  <a:t> </a:t>
+                </a:r>
+                <a:r>
+                  <a:rPr lang="en-US" dirty="0">
+                    <a:latin typeface="Courier New" panose="02070309020205020404" pitchFamily="49" charset="0"/>
+                    <a:cs typeface="Courier New" panose="02070309020205020404" pitchFamily="49" charset="0"/>
+                    <a:sym typeface="Wingdings" panose="05000000000000000000" pitchFamily="2" charset="2"/>
+                  </a:rPr>
+                  <a:t>pow(2,3)</a:t>
+                </a:r>
+                <a:r>
+                  <a:rPr lang="en-US" dirty="0">
+                    <a:sym typeface="Wingdings" panose="05000000000000000000" pitchFamily="2" charset="2"/>
+                  </a:rPr>
+                  <a:t> </a:t>
+                </a:r>
+                <a:r>
+                  <a:rPr lang="en-US" dirty="0">
+                    <a:latin typeface="Courier New" panose="02070309020205020404" pitchFamily="49" charset="0"/>
+                    <a:cs typeface="Courier New" panose="02070309020205020404" pitchFamily="49" charset="0"/>
+                    <a:sym typeface="Wingdings" panose="05000000000000000000" pitchFamily="2" charset="2"/>
+                  </a:rPr>
+                  <a:t>=</a:t>
+                </a:r>
+                <a:r>
+                  <a:rPr lang="en-US" dirty="0">
+                    <a:sym typeface="Wingdings" panose="05000000000000000000" pitchFamily="2" charset="2"/>
+                  </a:rPr>
+                  <a:t> </a:t>
+                </a:r>
+                <a:r>
+                  <a:rPr lang="en-US" dirty="0">
+                    <a:latin typeface="Courier New" panose="02070309020205020404" pitchFamily="49" charset="0"/>
+                    <a:cs typeface="Courier New" panose="02070309020205020404" pitchFamily="49" charset="0"/>
+                    <a:sym typeface="Wingdings" panose="05000000000000000000" pitchFamily="2" charset="2"/>
+                  </a:rPr>
+                  <a:t>8</a:t>
                 </a:r>
                 <a:r>
                   <a:rPr lang="en-US" dirty="0">
@@ -30470,7 +30388,35 @@
                     <a:cs typeface="Courier New" panose="02070309020205020404" pitchFamily="49" charset="0"/>
                     <a:sym typeface="Wingdings" panose="05000000000000000000" pitchFamily="2" charset="2"/>
                   </a:rPr>
-                  <a:t>2**-2=0.25</a:t>
+                  <a:t>2**-2</a:t>
+                </a:r>
+                <a:r>
+                  <a:rPr lang="en-US" dirty="0">
+                    <a:sym typeface="Wingdings" panose="05000000000000000000" pitchFamily="2" charset="2"/>
+                  </a:rPr>
+                  <a:t> </a:t>
+                </a:r>
+                <a:r>
+                  <a:rPr lang="en-US" dirty="0">
+                    <a:latin typeface="Courier New" panose="02070309020205020404" pitchFamily="49" charset="0"/>
+                    <a:cs typeface="Courier New" panose="02070309020205020404" pitchFamily="49" charset="0"/>
+                    <a:sym typeface="Wingdings" panose="05000000000000000000" pitchFamily="2" charset="2"/>
+                  </a:rPr>
+                  <a:t>=</a:t>
+                </a:r>
+                <a:r>
+                  <a:rPr lang="en-US" dirty="0">
+                    <a:sym typeface="Wingdings" panose="05000000000000000000" pitchFamily="2" charset="2"/>
+                  </a:rPr>
+                  <a:t> </a:t>
+                </a:r>
+                <a:r>
+                  <a:rPr lang="en-US" dirty="0">
+                    <a:latin typeface="Courier New" panose="02070309020205020404" pitchFamily="49" charset="0"/>
+                    <a:cs typeface="Courier New" panose="02070309020205020404" pitchFamily="49" charset="0"/>
+                    <a:sym typeface="Wingdings" panose="05000000000000000000" pitchFamily="2" charset="2"/>
+                  </a:rPr>
+                  <a:t>0.25</a:t>
                 </a:r>
               </a:p>
               <a:p>
@@ -30580,7 +30526,21 @@
                     <a:cs typeface="Courier New" panose="02070309020205020404" pitchFamily="49" charset="0"/>
                     <a:sym typeface="Wingdings" panose="05000000000000000000" pitchFamily="2" charset="2"/>
                   </a:rPr>
-                  <a:t>15.0//4=</a:t>
+                  <a:t>15.0//4</a:t>
+                </a:r>
+                <a:r>
+                  <a:rPr lang="en-US" dirty="0">
+                    <a:sym typeface="Wingdings" panose="05000000000000000000" pitchFamily="2" charset="2"/>
+                  </a:rPr>
+                  <a:t> </a:t>
+                </a:r>
+                <a:r>
+                  <a:rPr lang="en-US" dirty="0">
+                    <a:latin typeface="Courier New" panose="02070309020205020404" pitchFamily="49" charset="0"/>
+                    <a:cs typeface="Courier New" panose="02070309020205020404" pitchFamily="49" charset="0"/>
+                    <a:sym typeface="Wingdings" panose="05000000000000000000" pitchFamily="2" charset="2"/>
+                  </a:rPr>
+                  <a:t>=</a:t>
                 </a:r>
                 <a:r>
                   <a:rPr lang="en-US" dirty="0">
@@ -30608,7 +30568,35 @@
                     <a:cs typeface="Courier New" panose="02070309020205020404" pitchFamily="49" charset="0"/>
                     <a:sym typeface="Wingdings" panose="05000000000000000000" pitchFamily="2" charset="2"/>
                   </a:rPr>
-                  <a:t>-8//3=-3</a:t>
+                  <a:t>-8//3</a:t>
+                </a:r>
+                <a:r>
+                  <a:rPr lang="en-US" dirty="0">
+                    <a:sym typeface="Wingdings" panose="05000000000000000000" pitchFamily="2" charset="2"/>
+                  </a:rPr>
+                  <a:t> </a:t>
+                </a:r>
+                <a:r>
+                  <a:rPr lang="en-US" dirty="0">
+                    <a:latin typeface="Courier New" panose="02070309020205020404" pitchFamily="49" charset="0"/>
+                    <a:cs typeface="Courier New" panose="02070309020205020404" pitchFamily="49" charset="0"/>
+                    <a:sym typeface="Wingdings" panose="05000000000000000000" pitchFamily="2" charset="2"/>
+                  </a:rPr>
+                  <a:t>=</a:t>
+                </a:r>
+                <a:r>
+                  <a:rPr lang="en-US" dirty="0">
+                    <a:sym typeface="Wingdings" panose="05000000000000000000" pitchFamily="2" charset="2"/>
+                  </a:rPr>
+                  <a:t> </a:t>
+                </a:r>
+                <a:r>
+                  <a:rPr lang="en-US" dirty="0">
+                    <a:latin typeface="Courier New" panose="02070309020205020404" pitchFamily="49" charset="0"/>
+                    <a:cs typeface="Courier New" panose="02070309020205020404" pitchFamily="49" charset="0"/>
+                    <a:sym typeface="Wingdings" panose="05000000000000000000" pitchFamily="2" charset="2"/>
+                  </a:rPr>
+                  <a:t>-3</a:t>
                 </a:r>
               </a:p>
               <a:p>
@@ -30644,7 +30632,35 @@
                     <a:cs typeface="Courier New" panose="02070309020205020404" pitchFamily="49" charset="0"/>
                     <a:sym typeface="Wingdings" panose="05000000000000000000" pitchFamily="2" charset="2"/>
                   </a:rPr>
-                  <a:t>6/3=2.0</a:t>
+                  <a:t>6/3</a:t>
+                </a:r>
+                <a:r>
+                  <a:rPr lang="en-US" dirty="0">
+                    <a:sym typeface="Wingdings" panose="05000000000000000000" pitchFamily="2" charset="2"/>
+                  </a:rPr>
+                  <a:t> </a:t>
+                </a:r>
+                <a:r>
+                  <a:rPr lang="en-US" dirty="0">
+                    <a:latin typeface="Courier New" panose="02070309020205020404" pitchFamily="49" charset="0"/>
+                    <a:cs typeface="Courier New" panose="02070309020205020404" pitchFamily="49" charset="0"/>
+                    <a:sym typeface="Wingdings" panose="05000000000000000000" pitchFamily="2" charset="2"/>
+                  </a:rPr>
+                  <a:t>=</a:t>
+                </a:r>
+                <a:r>
+                  <a:rPr lang="en-US" dirty="0">
+                    <a:sym typeface="Wingdings" panose="05000000000000000000" pitchFamily="2" charset="2"/>
+                  </a:rPr>
+                  <a:t> </a:t>
+                </a:r>
+                <a:r>
+                  <a:rPr lang="en-US" dirty="0">
+                    <a:latin typeface="Courier New" panose="02070309020205020404" pitchFamily="49" charset="0"/>
+                    <a:cs typeface="Courier New" panose="02070309020205020404" pitchFamily="49" charset="0"/>
+                    <a:sym typeface="Wingdings" panose="05000000000000000000" pitchFamily="2" charset="2"/>
+                  </a:rPr>
+                  <a:t>2.0</a:t>
                 </a:r>
               </a:p>
               <a:p>
@@ -30690,13 +30706,41 @@
                     <a:cs typeface="Courier New" panose="02070309020205020404" pitchFamily="49" charset="0"/>
                     <a:sym typeface="Wingdings" panose="05000000000000000000" pitchFamily="2" charset="2"/>
                   </a:rPr>
-                  <a:t>11%3</a:t>
+                  <a:t>11</a:t>
                 </a:r>
                 <a:r>
                   <a:rPr lang="en-US" dirty="0">
                     <a:sym typeface="Wingdings" panose="05000000000000000000" pitchFamily="2" charset="2"/>
                   </a:rPr>
-                  <a:t> =</a:t>
+                  <a:t> </a:t>
+                </a:r>
+                <a:r>
+                  <a:rPr lang="en-US" dirty="0">
+                    <a:latin typeface="Courier New" panose="02070309020205020404" pitchFamily="49" charset="0"/>
+                    <a:cs typeface="Courier New" panose="02070309020205020404" pitchFamily="49" charset="0"/>
+                    <a:sym typeface="Wingdings" panose="05000000000000000000" pitchFamily="2" charset="2"/>
+                  </a:rPr>
+                  <a:t>%</a:t>
+                </a:r>
+                <a:r>
+                  <a:rPr lang="en-US" dirty="0">
+                    <a:sym typeface="Wingdings" panose="05000000000000000000" pitchFamily="2" charset="2"/>
+                  </a:rPr>
+                  <a:t> </a:t>
+                </a:r>
+                <a:r>
+                  <a:rPr lang="en-US" dirty="0">
+                    <a:latin typeface="Courier New" panose="02070309020205020404" pitchFamily="49" charset="0"/>
+                    <a:cs typeface="Courier New" panose="02070309020205020404" pitchFamily="49" charset="0"/>
+                    <a:sym typeface="Wingdings" panose="05000000000000000000" pitchFamily="2" charset="2"/>
+                  </a:rPr>
+                  <a:t>3</a:t>
+                </a:r>
+                <a:r>
+                  <a:rPr lang="en-US" dirty="0">
+                    <a:sym typeface="Wingdings" panose="05000000000000000000" pitchFamily="2" charset="2"/>
+                  </a:rPr>
+                  <a:t> = </a:t>
                 </a:r>
                 <a:r>
                   <a:rPr lang="en-US" dirty="0">
@@ -30725,7 +30769,7 @@
                   <a:rPr lang="en-US" dirty="0">
                     <a:sym typeface="Wingdings" panose="05000000000000000000" pitchFamily="2" charset="2"/>
                   </a:rPr>
-                  <a:t>=</a:t>
+                  <a:t> = </a:t>
                 </a:r>
                 <a:r>
                   <a:rPr lang="en-US" dirty="0">
@@ -30739,7 +30783,7 @@
             </p:txBody>
           </p:sp>
         </mc:Choice>
-        <mc:Fallback xmlns="">
+        <mc:Fallback>
           <p:sp>
             <p:nvSpPr>
               <p:cNvPr id="3" name="Content Placeholder 2"/>
@@ -30753,12 +30797,12 @@
             <p:spPr>
               <a:xfrm>
                 <a:off x="831272" y="1504990"/>
-                <a:ext cx="11269682" cy="5353010"/>
+                <a:ext cx="11360728" cy="5353010"/>
               </a:xfrm>
               <a:blipFill>
                 <a:blip r:embed="rId3"/>
                 <a:stretch>
-                  <a:fillRect l="-1082" t="-1936"/>
+                  <a:fillRect l="-1073" t="-1936" r="-751"/>
                 </a:stretch>
               </a:blipFill>
             </p:spPr>

--- a/ipsa/slides/operations.pptx
+++ b/ipsa/slides/operations.pptx
@@ -142,63 +142,88 @@
 </p:presentation>
 </file>
 
-<file path=ppt/revisionInfo.xml><?xml version="1.0" encoding="utf-8"?>
-<p1510:revInfo xmlns:a="http://schemas.openxmlformats.org/drawingml/2006/main" xmlns:r="http://schemas.openxmlformats.org/officeDocument/2006/relationships" xmlns:p1510="http://schemas.microsoft.com/office/powerpoint/2015/10/main">
-  <p1510:revLst>
-    <p1510:client id="{18AD147D-C19E-45B1-BB58-118ED9AE6721}" v="5" dt="2025-02-05T08:42:25.134"/>
-  </p1510:revLst>
-</p1510:revInfo>
-</file>
-
 <file path=ppt/changesInfos/changesInfo1.xml><?xml version="1.0" encoding="utf-8"?>
 <pc:chgInfo xmlns:a="http://schemas.openxmlformats.org/drawingml/2006/main" xmlns:r="http://schemas.openxmlformats.org/officeDocument/2006/relationships" xmlns:ac="http://schemas.microsoft.com/office/drawing/2013/main/command" xmlns:pc="http://schemas.microsoft.com/office/powerpoint/2013/main/command">
   <pc:docChgLst>
-    <pc:chgData name="Gerth Stølting Brodal" userId="04ef4784-6591-4f86-a140-f5c3b108582a" providerId="ADAL" clId="{AB7A936E-A0DB-4C0B-8A6D-4E445E169682}"/>
-    <pc:docChg chg="undo custSel addSld delSld modSld">
-      <pc:chgData name="Gerth Stølting Brodal" userId="04ef4784-6591-4f86-a140-f5c3b108582a" providerId="ADAL" clId="{AB7A936E-A0DB-4C0B-8A6D-4E445E169682}" dt="2022-02-06T11:17:39.984" v="85" actId="20577"/>
+    <pc:chgData name="Gerth Stølting Brodal" userId="04ef4784-6591-4f86-a140-f5c3b108582a" providerId="ADAL" clId="{172B73B0-B8C1-4702-9D4D-C752051A4849}"/>
+    <pc:docChg chg="custSel modSld">
+      <pc:chgData name="Gerth Stølting Brodal" userId="04ef4784-6591-4f86-a140-f5c3b108582a" providerId="ADAL" clId="{172B73B0-B8C1-4702-9D4D-C752051A4849}" dt="2022-04-07T17:48:48.997" v="202" actId="20577"/>
       <pc:docMkLst>
         <pc:docMk/>
       </pc:docMkLst>
       <pc:sldChg chg="modSp mod">
-        <pc:chgData name="Gerth Stølting Brodal" userId="04ef4784-6591-4f86-a140-f5c3b108582a" providerId="ADAL" clId="{AB7A936E-A0DB-4C0B-8A6D-4E445E169682}" dt="2022-02-06T11:17:39.984" v="85" actId="20577"/>
+        <pc:chgData name="Gerth Stølting Brodal" userId="04ef4784-6591-4f86-a140-f5c3b108582a" providerId="ADAL" clId="{172B73B0-B8C1-4702-9D4D-C752051A4849}" dt="2022-04-07T17:48:48.997" v="202" actId="20577"/>
+        <pc:sldMkLst>
+          <pc:docMk/>
+          <pc:sldMk cId="1232766057" sldId="436"/>
+        </pc:sldMkLst>
+      </pc:sldChg>
+    </pc:docChg>
+  </pc:docChgLst>
+  <pc:docChgLst>
+    <pc:chgData name="Gerth Stølting Brodal" userId="04ef4784-6591-4f86-a140-f5c3b108582a" providerId="ADAL" clId="{46B6BEF1-E1E8-49BC-811E-3C23AC114643}"/>
+    <pc:docChg chg="modSld">
+      <pc:chgData name="Gerth Stølting Brodal" userId="04ef4784-6591-4f86-a140-f5c3b108582a" providerId="ADAL" clId="{46B6BEF1-E1E8-49BC-811E-3C23AC114643}" dt="2025-05-13T12:29:09.463" v="24" actId="20577"/>
+      <pc:docMkLst>
+        <pc:docMk/>
+      </pc:docMkLst>
+      <pc:sldChg chg="modSp mod">
+        <pc:chgData name="Gerth Stølting Brodal" userId="04ef4784-6591-4f86-a140-f5c3b108582a" providerId="ADAL" clId="{46B6BEF1-E1E8-49BC-811E-3C23AC114643}" dt="2025-05-13T12:29:09.463" v="24" actId="20577"/>
+        <pc:sldMkLst>
+          <pc:docMk/>
+          <pc:sldMk cId="2541956680" sldId="392"/>
+        </pc:sldMkLst>
+        <pc:spChg chg="mod">
+          <ac:chgData name="Gerth Stølting Brodal" userId="04ef4784-6591-4f86-a140-f5c3b108582a" providerId="ADAL" clId="{46B6BEF1-E1E8-49BC-811E-3C23AC114643}" dt="2025-05-13T12:29:09.463" v="24" actId="20577"/>
+          <ac:spMkLst>
+            <pc:docMk/>
+            <pc:sldMk cId="2541956680" sldId="392"/>
+            <ac:spMk id="3" creationId="{00000000-0000-0000-0000-000000000000}"/>
+          </ac:spMkLst>
+        </pc:spChg>
+      </pc:sldChg>
+    </pc:docChg>
+  </pc:docChgLst>
+  <pc:docChgLst>
+    <pc:chgData name="Gerth Stølting Brodal" userId="04ef4784-6591-4f86-a140-f5c3b108582a" providerId="ADAL" clId="{18AD147D-C19E-45B1-BB58-118ED9AE6721}"/>
+    <pc:docChg chg="undo custSel modSld">
+      <pc:chgData name="Gerth Stølting Brodal" userId="04ef4784-6591-4f86-a140-f5c3b108582a" providerId="ADAL" clId="{18AD147D-C19E-45B1-BB58-118ED9AE6721}" dt="2025-02-05T08:42:25.134" v="116" actId="20577"/>
+      <pc:docMkLst>
+        <pc:docMk/>
+      </pc:docMkLst>
+      <pc:sldChg chg="modSp mod">
+        <pc:chgData name="Gerth Stølting Brodal" userId="04ef4784-6591-4f86-a140-f5c3b108582a" providerId="ADAL" clId="{18AD147D-C19E-45B1-BB58-118ED9AE6721}" dt="2025-02-05T07:32:08.157" v="26" actId="27636"/>
+        <pc:sldMkLst>
+          <pc:docMk/>
+          <pc:sldMk cId="2108377336" sldId="281"/>
+        </pc:sldMkLst>
+      </pc:sldChg>
+      <pc:sldChg chg="modSp">
+        <pc:chgData name="Gerth Stølting Brodal" userId="04ef4784-6591-4f86-a140-f5c3b108582a" providerId="ADAL" clId="{18AD147D-C19E-45B1-BB58-118ED9AE6721}" dt="2025-02-05T08:42:25.134" v="116" actId="20577"/>
         <pc:sldMkLst>
           <pc:docMk/>
           <pc:sldMk cId="2761965666" sldId="363"/>
         </pc:sldMkLst>
       </pc:sldChg>
-      <pc:sldChg chg="modSp mod">
-        <pc:chgData name="Gerth Stølting Brodal" userId="04ef4784-6591-4f86-a140-f5c3b108582a" providerId="ADAL" clId="{AB7A936E-A0DB-4C0B-8A6D-4E445E169682}" dt="2022-02-06T10:48:08.731" v="66" actId="27636"/>
+      <pc:sldChg chg="modNotesTx">
+        <pc:chgData name="Gerth Stølting Brodal" userId="04ef4784-6591-4f86-a140-f5c3b108582a" providerId="ADAL" clId="{18AD147D-C19E-45B1-BB58-118ED9AE6721}" dt="2025-02-05T08:28:31.061" v="114" actId="20577"/>
         <pc:sldMkLst>
           <pc:docMk/>
-          <pc:sldMk cId="1790444143" sldId="368"/>
+          <pc:sldMk cId="3808754555" sldId="372"/>
         </pc:sldMkLst>
       </pc:sldChg>
       <pc:sldChg chg="modSp mod">
-        <pc:chgData name="Gerth Stølting Brodal" userId="04ef4784-6591-4f86-a140-f5c3b108582a" providerId="ADAL" clId="{AB7A936E-A0DB-4C0B-8A6D-4E445E169682}" dt="2022-02-06T10:37:59.536" v="61" actId="20577"/>
+        <pc:chgData name="Gerth Stølting Brodal" userId="04ef4784-6591-4f86-a140-f5c3b108582a" providerId="ADAL" clId="{18AD147D-C19E-45B1-BB58-118ED9AE6721}" dt="2025-02-05T08:12:41.070" v="68" actId="313"/>
         <pc:sldMkLst>
           <pc:docMk/>
-          <pc:sldMk cId="1070074289" sldId="389"/>
+          <pc:sldMk cId="506142668" sldId="437"/>
         </pc:sldMkLst>
       </pc:sldChg>
       <pc:sldChg chg="modSp mod">
-        <pc:chgData name="Gerth Stølting Brodal" userId="04ef4784-6591-4f86-a140-f5c3b108582a" providerId="ADAL" clId="{AB7A936E-A0DB-4C0B-8A6D-4E445E169682}" dt="2022-02-06T10:37:43.943" v="57" actId="20577"/>
+        <pc:chgData name="Gerth Stølting Brodal" userId="04ef4784-6591-4f86-a140-f5c3b108582a" providerId="ADAL" clId="{18AD147D-C19E-45B1-BB58-118ED9AE6721}" dt="2025-02-05T08:14:55.420" v="71"/>
         <pc:sldMkLst>
           <pc:docMk/>
-          <pc:sldMk cId="559559046" sldId="390"/>
-        </pc:sldMkLst>
-      </pc:sldChg>
-      <pc:sldChg chg="modSp mod">
-        <pc:chgData name="Gerth Stølting Brodal" userId="04ef4784-6591-4f86-a140-f5c3b108582a" providerId="ADAL" clId="{AB7A936E-A0DB-4C0B-8A6D-4E445E169682}" dt="2022-02-06T10:45:24.300" v="63" actId="20577"/>
-        <pc:sldMkLst>
-          <pc:docMk/>
-          <pc:sldMk cId="3881833183" sldId="442"/>
-        </pc:sldMkLst>
-      </pc:sldChg>
-      <pc:sldChg chg="addSp modSp new del mod">
-        <pc:chgData name="Gerth Stølting Brodal" userId="04ef4784-6591-4f86-a140-f5c3b108582a" providerId="ADAL" clId="{AB7A936E-A0DB-4C0B-8A6D-4E445E169682}" dt="2022-02-06T10:51:04.363" v="81" actId="47"/>
-        <pc:sldMkLst>
-          <pc:docMk/>
-          <pc:sldMk cId="696969108" sldId="445"/>
+          <pc:sldMk cId="1725506798" sldId="441"/>
         </pc:sldMkLst>
       </pc:sldChg>
     </pc:docChg>
@@ -248,78 +273,53 @@
     </pc:docChg>
   </pc:docChgLst>
   <pc:docChgLst>
-    <pc:chgData name="Gerth Stølting Brodal" userId="04ef4784-6591-4f86-a140-f5c3b108582a" providerId="ADAL" clId="{18AD147D-C19E-45B1-BB58-118ED9AE6721}"/>
-    <pc:docChg chg="undo custSel modSld">
-      <pc:chgData name="Gerth Stølting Brodal" userId="04ef4784-6591-4f86-a140-f5c3b108582a" providerId="ADAL" clId="{18AD147D-C19E-45B1-BB58-118ED9AE6721}" dt="2025-02-05T08:42:25.134" v="116" actId="20577"/>
+    <pc:chgData name="Gerth Stølting Brodal" userId="04ef4784-6591-4f86-a140-f5c3b108582a" providerId="ADAL" clId="{AB7A936E-A0DB-4C0B-8A6D-4E445E169682}"/>
+    <pc:docChg chg="undo custSel addSld delSld modSld">
+      <pc:chgData name="Gerth Stølting Brodal" userId="04ef4784-6591-4f86-a140-f5c3b108582a" providerId="ADAL" clId="{AB7A936E-A0DB-4C0B-8A6D-4E445E169682}" dt="2022-02-06T11:17:39.984" v="85" actId="20577"/>
       <pc:docMkLst>
         <pc:docMk/>
       </pc:docMkLst>
       <pc:sldChg chg="modSp mod">
-        <pc:chgData name="Gerth Stølting Brodal" userId="04ef4784-6591-4f86-a140-f5c3b108582a" providerId="ADAL" clId="{18AD147D-C19E-45B1-BB58-118ED9AE6721}" dt="2025-02-05T07:32:08.157" v="26" actId="27636"/>
-        <pc:sldMkLst>
-          <pc:docMk/>
-          <pc:sldMk cId="2108377336" sldId="281"/>
-        </pc:sldMkLst>
-        <pc:spChg chg="mod">
-          <ac:chgData name="Gerth Stølting Brodal" userId="04ef4784-6591-4f86-a140-f5c3b108582a" providerId="ADAL" clId="{18AD147D-C19E-45B1-BB58-118ED9AE6721}" dt="2025-02-05T07:32:08.157" v="26" actId="27636"/>
-          <ac:spMkLst>
-            <pc:docMk/>
-            <pc:sldMk cId="2108377336" sldId="281"/>
-            <ac:spMk id="3" creationId="{00000000-0000-0000-0000-000000000000}"/>
-          </ac:spMkLst>
-        </pc:spChg>
-      </pc:sldChg>
-      <pc:sldChg chg="modSp">
-        <pc:chgData name="Gerth Stølting Brodal" userId="04ef4784-6591-4f86-a140-f5c3b108582a" providerId="ADAL" clId="{18AD147D-C19E-45B1-BB58-118ED9AE6721}" dt="2025-02-05T08:42:25.134" v="116" actId="20577"/>
+        <pc:chgData name="Gerth Stølting Brodal" userId="04ef4784-6591-4f86-a140-f5c3b108582a" providerId="ADAL" clId="{AB7A936E-A0DB-4C0B-8A6D-4E445E169682}" dt="2022-02-06T11:17:39.984" v="85" actId="20577"/>
         <pc:sldMkLst>
           <pc:docMk/>
           <pc:sldMk cId="2761965666" sldId="363"/>
         </pc:sldMkLst>
-        <pc:spChg chg="mod">
-          <ac:chgData name="Gerth Stølting Brodal" userId="04ef4784-6591-4f86-a140-f5c3b108582a" providerId="ADAL" clId="{18AD147D-C19E-45B1-BB58-118ED9AE6721}" dt="2025-02-05T08:42:25.134" v="116" actId="20577"/>
-          <ac:spMkLst>
-            <pc:docMk/>
-            <pc:sldMk cId="2761965666" sldId="363"/>
-            <ac:spMk id="9" creationId="{00000000-0000-0000-0000-000000000000}"/>
-          </ac:spMkLst>
-        </pc:spChg>
       </pc:sldChg>
-      <pc:sldChg chg="modNotesTx">
-        <pc:chgData name="Gerth Stølting Brodal" userId="04ef4784-6591-4f86-a140-f5c3b108582a" providerId="ADAL" clId="{18AD147D-C19E-45B1-BB58-118ED9AE6721}" dt="2025-02-05T08:28:31.061" v="114" actId="20577"/>
+      <pc:sldChg chg="modSp mod">
+        <pc:chgData name="Gerth Stølting Brodal" userId="04ef4784-6591-4f86-a140-f5c3b108582a" providerId="ADAL" clId="{AB7A936E-A0DB-4C0B-8A6D-4E445E169682}" dt="2022-02-06T10:48:08.731" v="66" actId="27636"/>
         <pc:sldMkLst>
           <pc:docMk/>
-          <pc:sldMk cId="3808754555" sldId="372"/>
+          <pc:sldMk cId="1790444143" sldId="368"/>
         </pc:sldMkLst>
       </pc:sldChg>
       <pc:sldChg chg="modSp mod">
-        <pc:chgData name="Gerth Stølting Brodal" userId="04ef4784-6591-4f86-a140-f5c3b108582a" providerId="ADAL" clId="{18AD147D-C19E-45B1-BB58-118ED9AE6721}" dt="2025-02-05T08:12:41.070" v="68" actId="313"/>
+        <pc:chgData name="Gerth Stølting Brodal" userId="04ef4784-6591-4f86-a140-f5c3b108582a" providerId="ADAL" clId="{AB7A936E-A0DB-4C0B-8A6D-4E445E169682}" dt="2022-02-06T10:37:59.536" v="61" actId="20577"/>
         <pc:sldMkLst>
           <pc:docMk/>
-          <pc:sldMk cId="506142668" sldId="437"/>
+          <pc:sldMk cId="1070074289" sldId="389"/>
         </pc:sldMkLst>
-        <pc:graphicFrameChg chg="modGraphic">
-          <ac:chgData name="Gerth Stølting Brodal" userId="04ef4784-6591-4f86-a140-f5c3b108582a" providerId="ADAL" clId="{18AD147D-C19E-45B1-BB58-118ED9AE6721}" dt="2025-02-05T08:12:41.070" v="68" actId="313"/>
-          <ac:graphicFrameMkLst>
-            <pc:docMk/>
-            <pc:sldMk cId="506142668" sldId="437"/>
-            <ac:graphicFrameMk id="5" creationId="{00000000-0000-0000-0000-000000000000}"/>
-          </ac:graphicFrameMkLst>
-        </pc:graphicFrameChg>
       </pc:sldChg>
       <pc:sldChg chg="modSp mod">
-        <pc:chgData name="Gerth Stølting Brodal" userId="04ef4784-6591-4f86-a140-f5c3b108582a" providerId="ADAL" clId="{18AD147D-C19E-45B1-BB58-118ED9AE6721}" dt="2025-02-05T08:14:55.420" v="71"/>
+        <pc:chgData name="Gerth Stølting Brodal" userId="04ef4784-6591-4f86-a140-f5c3b108582a" providerId="ADAL" clId="{AB7A936E-A0DB-4C0B-8A6D-4E445E169682}" dt="2022-02-06T10:37:43.943" v="57" actId="20577"/>
         <pc:sldMkLst>
           <pc:docMk/>
-          <pc:sldMk cId="1725506798" sldId="441"/>
+          <pc:sldMk cId="559559046" sldId="390"/>
         </pc:sldMkLst>
-        <pc:spChg chg="mod">
-          <ac:chgData name="Gerth Stølting Brodal" userId="04ef4784-6591-4f86-a140-f5c3b108582a" providerId="ADAL" clId="{18AD147D-C19E-45B1-BB58-118ED9AE6721}" dt="2025-02-05T08:14:55.420" v="71"/>
-          <ac:spMkLst>
-            <pc:docMk/>
-            <pc:sldMk cId="1725506798" sldId="441"/>
-            <ac:spMk id="13" creationId="{00000000-0000-0000-0000-000000000000}"/>
-          </ac:spMkLst>
-        </pc:spChg>
+      </pc:sldChg>
+      <pc:sldChg chg="modSp mod">
+        <pc:chgData name="Gerth Stølting Brodal" userId="04ef4784-6591-4f86-a140-f5c3b108582a" providerId="ADAL" clId="{AB7A936E-A0DB-4C0B-8A6D-4E445E169682}" dt="2022-02-06T10:45:24.300" v="63" actId="20577"/>
+        <pc:sldMkLst>
+          <pc:docMk/>
+          <pc:sldMk cId="3881833183" sldId="442"/>
+        </pc:sldMkLst>
+      </pc:sldChg>
+      <pc:sldChg chg="addSp modSp new del mod">
+        <pc:chgData name="Gerth Stølting Brodal" userId="04ef4784-6591-4f86-a140-f5c3b108582a" providerId="ADAL" clId="{AB7A936E-A0DB-4C0B-8A6D-4E445E169682}" dt="2022-02-06T10:51:04.363" v="81" actId="47"/>
+        <pc:sldMkLst>
+          <pc:docMk/>
+          <pc:sldMk cId="696969108" sldId="445"/>
+        </pc:sldMkLst>
       </pc:sldChg>
     </pc:docChg>
   </pc:docChgLst>
@@ -377,22 +377,6 @@
         <pc:sldMkLst>
           <pc:docMk/>
           <pc:sldMk cId="4179547408" sldId="446"/>
-        </pc:sldMkLst>
-      </pc:sldChg>
-    </pc:docChg>
-  </pc:docChgLst>
-  <pc:docChgLst>
-    <pc:chgData name="Gerth Stølting Brodal" userId="04ef4784-6591-4f86-a140-f5c3b108582a" providerId="ADAL" clId="{172B73B0-B8C1-4702-9D4D-C752051A4849}"/>
-    <pc:docChg chg="custSel modSld">
-      <pc:chgData name="Gerth Stølting Brodal" userId="04ef4784-6591-4f86-a140-f5c3b108582a" providerId="ADAL" clId="{172B73B0-B8C1-4702-9D4D-C752051A4849}" dt="2022-04-07T17:48:48.997" v="202" actId="20577"/>
-      <pc:docMkLst>
-        <pc:docMk/>
-      </pc:docMkLst>
-      <pc:sldChg chg="modSp mod">
-        <pc:chgData name="Gerth Stølting Brodal" userId="04ef4784-6591-4f86-a140-f5c3b108582a" providerId="ADAL" clId="{172B73B0-B8C1-4702-9D4D-C752051A4849}" dt="2022-04-07T17:48:48.997" v="202" actId="20577"/>
-        <pc:sldMkLst>
-          <pc:docMk/>
-          <pc:sldMk cId="1232766057" sldId="436"/>
         </pc:sldMkLst>
       </pc:sldChg>
     </pc:docChg>
@@ -498,7 +482,7 @@
           <a:p>
             <a:fld id="{FB1A172F-81D4-4DC4-9113-1DBD56EC3646}" type="datetimeFigureOut">
               <a:rPr lang="en-US" smtClean="0"/>
-              <a:t>2/5/2025</a:t>
+              <a:t>5/13/2025</a:t>
             </a:fld>
             <a:endParaRPr lang="en-US"/>
           </a:p>
@@ -809,40 +793,6 @@
           <a:bodyPr/>
           <a:lstStyle/>
           <a:p>
-            <a:r>
-              <a:rPr lang="en-US" b="1" dirty="0"/>
-              <a:t>Note (Python</a:t>
-            </a:r>
-            <a:r>
-              <a:rPr lang="en-US" b="1" baseline="0" dirty="0"/>
-              <a:t> 3.6): Inconsistent </a:t>
-            </a:r>
-            <a:r>
-              <a:rPr lang="en-US" b="1" baseline="0"/>
-              <a:t>error reporting</a:t>
-            </a:r>
-            <a:endParaRPr lang="en-US" b="1" dirty="0"/>
-          </a:p>
-          <a:p>
-            <a:r>
-              <a:rPr lang="en-US" dirty="0"/>
-              <a:t>1e300 * 1e300 -&gt; </a:t>
-            </a:r>
-            <a:r>
-              <a:rPr lang="en-US" dirty="0" err="1"/>
-              <a:t>inf</a:t>
-            </a:r>
-            <a:endParaRPr lang="en-US" dirty="0"/>
-          </a:p>
-          <a:p>
-            <a:r>
-              <a:rPr lang="en-US" dirty="0"/>
-              <a:t>1e300 ** 2 -&gt; </a:t>
-            </a:r>
-            <a:r>
-              <a:rPr lang="en-US" dirty="0" err="1"/>
-              <a:t>OverflowError</a:t>
-            </a:r>
             <a:endParaRPr lang="en-US" dirty="0"/>
           </a:p>
         </p:txBody>
@@ -854,7 +804,7 @@
             <a:spLocks noGrp="1"/>
           </p:cNvSpPr>
           <p:nvPr>
-            <p:ph type="sldNum" sz="quarter" idx="10"/>
+            <p:ph type="sldNum" sz="quarter" idx="5"/>
           </p:nvPr>
         </p:nvSpPr>
         <p:spPr/>
@@ -864,7 +814,7 @@
           <a:p>
             <a:fld id="{CD563DD8-32AB-41BE-B1C6-8EAC45222ACE}" type="slidenum">
               <a:rPr lang="en-US" smtClean="0"/>
-              <a:t>6</a:t>
+              <a:t>3</a:t>
             </a:fld>
             <a:endParaRPr lang="en-US"/>
           </a:p>
@@ -873,7 +823,7 @@
     </p:spTree>
     <p:extLst>
       <p:ext uri="{BB962C8B-B14F-4D97-AF65-F5344CB8AC3E}">
-        <p14:creationId xmlns:p14="http://schemas.microsoft.com/office/powerpoint/2010/main" val="2440397925"/>
+        <p14:creationId xmlns:p14="http://schemas.microsoft.com/office/powerpoint/2010/main" val="1133953305"/>
       </p:ext>
     </p:extLst>
   </p:cSld>
@@ -927,67 +877,6 @@
           <a:bodyPr/>
           <a:lstStyle/>
           <a:p>
-            <a:r>
-              <a:rPr lang="da-DK" dirty="0"/>
-              <a:t>decimaler = 5</a:t>
-            </a:r>
-          </a:p>
-          <a:p>
-            <a:r>
-              <a:rPr lang="da-DK" dirty="0"/>
-              <a:t>f'et tal {1/3 = :.{decimaler}}’</a:t>
-            </a:r>
-          </a:p>
-          <a:p>
-            <a:r>
-              <a:rPr lang="da-DK" dirty="0"/>
-              <a:t>.format </a:t>
-            </a:r>
-            <a:r>
-              <a:rPr lang="da-DK" dirty="0" err="1"/>
-              <a:t>useful</a:t>
-            </a:r>
-            <a:r>
-              <a:rPr lang="da-DK" dirty="0"/>
-              <a:t> </a:t>
-            </a:r>
-            <a:r>
-              <a:rPr lang="da-DK" dirty="0" err="1"/>
-              <a:t>when</a:t>
-            </a:r>
-            <a:r>
-              <a:rPr lang="da-DK" dirty="0"/>
-              <a:t> same </a:t>
-            </a:r>
-            <a:r>
-              <a:rPr lang="da-DK" dirty="0" err="1"/>
-              <a:t>value</a:t>
-            </a:r>
-            <a:r>
-              <a:rPr lang="da-DK" dirty="0"/>
-              <a:t> has to </a:t>
-            </a:r>
-            <a:r>
-              <a:rPr lang="da-DK" dirty="0" err="1"/>
-              <a:t>be</a:t>
-            </a:r>
-            <a:r>
-              <a:rPr lang="da-DK" dirty="0"/>
-              <a:t> </a:t>
-            </a:r>
-            <a:r>
-              <a:rPr lang="da-DK" dirty="0" err="1"/>
-              <a:t>inserted</a:t>
-            </a:r>
-            <a:r>
-              <a:rPr lang="da-DK" dirty="0"/>
-              <a:t> multiple times: '{1} {1} {0}'.format('abc', 42)</a:t>
-            </a:r>
-          </a:p>
-          <a:p>
-            <a:endParaRPr lang="da-DK" dirty="0"/>
-          </a:p>
-          <a:p>
             <a:endParaRPr lang="da-DK" dirty="0"/>
           </a:p>
         </p:txBody>
@@ -1009,7 +898,7 @@
           <a:p>
             <a:fld id="{CD563DD8-32AB-41BE-B1C6-8EAC45222ACE}" type="slidenum">
               <a:rPr lang="en-US" smtClean="0"/>
-              <a:t>19</a:t>
+              <a:t>18</a:t>
             </a:fld>
             <a:endParaRPr lang="en-US"/>
           </a:p>
@@ -1018,7 +907,7 @@
     </p:spTree>
     <p:extLst>
       <p:ext uri="{BB962C8B-B14F-4D97-AF65-F5344CB8AC3E}">
-        <p14:creationId xmlns:p14="http://schemas.microsoft.com/office/powerpoint/2010/main" val="873223376"/>
+        <p14:creationId xmlns:p14="http://schemas.microsoft.com/office/powerpoint/2010/main" val="1245558868"/>
       </p:ext>
     </p:extLst>
   </p:cSld>
@@ -1073,8 +962,24 @@
           <a:lstStyle/>
           <a:p>
             <a:r>
+              <a:rPr lang="da-DK" dirty="0"/>
+              <a:t>decimaler = 5</a:t>
+            </a:r>
+          </a:p>
+          <a:p>
+            <a:r>
+              <a:rPr lang="da-DK" dirty="0"/>
+              <a:t>f'et tal {1/3 = :.{decimaler}}’</a:t>
+            </a:r>
+          </a:p>
+          <a:p>
+            <a:r>
+              <a:rPr lang="da-DK" dirty="0"/>
+              <a:t>.format </a:t>
+            </a:r>
+            <a:r>
               <a:rPr lang="da-DK" dirty="0" err="1"/>
-              <a:t>Javascript</a:t>
+              <a:t>useful</a:t>
             </a:r>
             <a:r>
               <a:rPr lang="da-DK" dirty="0"/>
@@ -1082,36 +987,23 @@
             </a:r>
             <a:r>
               <a:rPr lang="da-DK" dirty="0" err="1"/>
-              <a:t>example</a:t>
+              <a:t>when</a:t>
             </a:r>
             <a:r>
               <a:rPr lang="da-DK" dirty="0"/>
-              <a:t>: Open Google Chrome + F12 + Console: ‘abc’ + 42</a:t>
-            </a:r>
-          </a:p>
-          <a:p>
-            <a:endParaRPr lang="da-DK" dirty="0"/>
-          </a:p>
-          <a:p>
+              <a:t> same </a:t>
+            </a:r>
             <a:r>
               <a:rPr lang="da-DK" dirty="0" err="1"/>
-              <a:t>document.body.style.background</a:t>
+              <a:t>value</a:t>
             </a:r>
             <a:r>
               <a:rPr lang="da-DK" dirty="0"/>
-              <a:t> = '</a:t>
+              <a:t> has to </a:t>
             </a:r>
             <a:r>
               <a:rPr lang="da-DK" dirty="0" err="1"/>
-              <a:t>lightblue</a:t>
-            </a:r>
-            <a:r>
-              <a:rPr lang="da-DK" dirty="0"/>
-              <a:t>’  // </a:t>
-            </a:r>
-            <a:r>
-              <a:rPr lang="da-DK" dirty="0" err="1"/>
-              <a:t>background</a:t>
+              <a:t>be</a:t>
             </a:r>
             <a:r>
               <a:rPr lang="da-DK" dirty="0"/>
@@ -1119,565 +1011,15 @@
             </a:r>
             <a:r>
               <a:rPr lang="da-DK" dirty="0" err="1"/>
-              <a:t>color</a:t>
-            </a:r>
+              <a:t>inserted</a:t>
+            </a:r>
+            <a:r>
+              <a:rPr lang="da-DK" dirty="0"/>
+              <a:t> multiple times: '{1} {1} {0}'.format('abc', 42)</a:t>
+            </a:r>
+          </a:p>
+          <a:p>
             <a:endParaRPr lang="da-DK" dirty="0"/>
-          </a:p>
-          <a:p>
-            <a:r>
-              <a:rPr lang="da-DK" dirty="0" err="1"/>
-              <a:t>document.body.style.color</a:t>
-            </a:r>
-            <a:r>
-              <a:rPr lang="da-DK" dirty="0"/>
-              <a:t>  // </a:t>
-            </a:r>
-            <a:r>
-              <a:rPr lang="da-DK" dirty="0" err="1"/>
-              <a:t>text</a:t>
-            </a:r>
-            <a:r>
-              <a:rPr lang="da-DK" dirty="0"/>
-              <a:t> </a:t>
-            </a:r>
-            <a:r>
-              <a:rPr lang="da-DK" dirty="0" err="1"/>
-              <a:t>color</a:t>
-            </a:r>
-            <a:endParaRPr lang="da-DK" dirty="0"/>
-          </a:p>
-          <a:p>
-            <a:endParaRPr lang="da-DK" dirty="0"/>
-          </a:p>
-          <a:p>
-            <a:r>
-              <a:rPr lang="da-DK" dirty="0" err="1">
-                <a:latin typeface="Courier"/>
-                <a:cs typeface="Courier New" panose="02070309020205020404" pitchFamily="49" charset="0"/>
-              </a:rPr>
-              <a:t>javascript</a:t>
-            </a:r>
-            <a:r>
-              <a:rPr lang="da-DK" dirty="0">
-                <a:latin typeface="Courier"/>
-                <a:cs typeface="Courier New" panose="02070309020205020404" pitchFamily="49" charset="0"/>
-              </a:rPr>
-              <a:t>:{</a:t>
-            </a:r>
-          </a:p>
-          <a:p>
-            <a:r>
-              <a:rPr lang="da-DK" dirty="0">
-                <a:latin typeface="Courier"/>
-                <a:cs typeface="Courier New" panose="02070309020205020404" pitchFamily="49" charset="0"/>
-              </a:rPr>
-              <a:t>  /* </a:t>
-            </a:r>
-            <a:r>
-              <a:rPr lang="da-DK" dirty="0" err="1">
-                <a:latin typeface="Courier"/>
-                <a:cs typeface="Courier New" panose="02070309020205020404" pitchFamily="49" charset="0"/>
-              </a:rPr>
-              <a:t>Bookmarklet</a:t>
-            </a:r>
-            <a:r>
-              <a:rPr lang="da-DK" dirty="0">
-                <a:latin typeface="Courier"/>
-                <a:cs typeface="Courier New" panose="02070309020205020404" pitchFamily="49" charset="0"/>
-              </a:rPr>
-              <a:t> to </a:t>
-            </a:r>
-            <a:r>
-              <a:rPr lang="da-DK" dirty="0" err="1">
-                <a:latin typeface="Courier"/>
-                <a:cs typeface="Courier New" panose="02070309020205020404" pitchFamily="49" charset="0"/>
-              </a:rPr>
-              <a:t>recolor</a:t>
-            </a:r>
-            <a:r>
-              <a:rPr lang="da-DK" dirty="0">
-                <a:latin typeface="Courier"/>
-                <a:cs typeface="Courier New" panose="02070309020205020404" pitchFamily="49" charset="0"/>
-              </a:rPr>
-              <a:t> all </a:t>
-            </a:r>
-            <a:r>
-              <a:rPr lang="da-DK" dirty="0" err="1">
-                <a:latin typeface="Courier"/>
-                <a:cs typeface="Courier New" panose="02070309020205020404" pitchFamily="49" charset="0"/>
-              </a:rPr>
-              <a:t>text</a:t>
-            </a:r>
-            <a:r>
-              <a:rPr lang="da-DK" dirty="0">
-                <a:latin typeface="Courier"/>
-                <a:cs typeface="Courier New" panose="02070309020205020404" pitchFamily="49" charset="0"/>
-              </a:rPr>
-              <a:t> on a page to </a:t>
-            </a:r>
-            <a:r>
-              <a:rPr lang="da-DK" dirty="0" err="1">
-                <a:latin typeface="Courier"/>
-                <a:cs typeface="Courier New" panose="02070309020205020404" pitchFamily="49" charset="0"/>
-              </a:rPr>
-              <a:t>your</a:t>
-            </a:r>
-            <a:r>
-              <a:rPr lang="da-DK" dirty="0">
-                <a:latin typeface="Courier"/>
-                <a:cs typeface="Courier New" panose="02070309020205020404" pitchFamily="49" charset="0"/>
-              </a:rPr>
-              <a:t> </a:t>
-            </a:r>
-            <a:r>
-              <a:rPr lang="da-DK" dirty="0" err="1">
-                <a:latin typeface="Courier"/>
-                <a:cs typeface="Courier New" panose="02070309020205020404" pitchFamily="49" charset="0"/>
-              </a:rPr>
-              <a:t>favorite</a:t>
-            </a:r>
-            <a:r>
-              <a:rPr lang="da-DK" dirty="0">
-                <a:latin typeface="Courier"/>
-                <a:cs typeface="Courier New" panose="02070309020205020404" pitchFamily="49" charset="0"/>
-              </a:rPr>
-              <a:t> </a:t>
-            </a:r>
-            <a:r>
-              <a:rPr lang="da-DK" dirty="0" err="1">
-                <a:latin typeface="Courier"/>
-                <a:cs typeface="Courier New" panose="02070309020205020404" pitchFamily="49" charset="0"/>
-              </a:rPr>
-              <a:t>color</a:t>
-            </a:r>
-            <a:r>
-              <a:rPr lang="da-DK" dirty="0">
-                <a:latin typeface="Courier"/>
-                <a:cs typeface="Courier New" panose="02070309020205020404" pitchFamily="49" charset="0"/>
-              </a:rPr>
-              <a:t>. */</a:t>
-            </a:r>
-          </a:p>
-          <a:p>
-            <a:r>
-              <a:rPr lang="da-DK" dirty="0">
-                <a:latin typeface="Courier"/>
-                <a:cs typeface="Courier New" panose="02070309020205020404" pitchFamily="49" charset="0"/>
-              </a:rPr>
-              <a:t>  </a:t>
-            </a:r>
-            <a:r>
-              <a:rPr lang="da-DK" dirty="0" err="1">
-                <a:latin typeface="Courier"/>
-                <a:cs typeface="Courier New" panose="02070309020205020404" pitchFamily="49" charset="0"/>
-              </a:rPr>
-              <a:t>favorite_color</a:t>
-            </a:r>
-            <a:r>
-              <a:rPr lang="da-DK" dirty="0">
-                <a:latin typeface="Courier"/>
-                <a:cs typeface="Courier New" panose="02070309020205020404" pitchFamily="49" charset="0"/>
-              </a:rPr>
-              <a:t> = "red";</a:t>
-            </a:r>
-          </a:p>
-          <a:p>
-            <a:r>
-              <a:rPr lang="da-DK" dirty="0">
-                <a:latin typeface="Courier"/>
-                <a:cs typeface="Courier New" panose="02070309020205020404" pitchFamily="49" charset="0"/>
-              </a:rPr>
-              <a:t>  </a:t>
-            </a:r>
-            <a:r>
-              <a:rPr lang="da-DK" dirty="0" err="1">
-                <a:latin typeface="Courier"/>
-                <a:cs typeface="Courier New" panose="02070309020205020404" pitchFamily="49" charset="0"/>
-              </a:rPr>
-              <a:t>function</a:t>
-            </a:r>
-            <a:r>
-              <a:rPr lang="da-DK" dirty="0">
-                <a:latin typeface="Courier"/>
-                <a:cs typeface="Courier New" panose="02070309020205020404" pitchFamily="49" charset="0"/>
-              </a:rPr>
-              <a:t> </a:t>
-            </a:r>
-            <a:r>
-              <a:rPr lang="da-DK" dirty="0" err="1">
-                <a:latin typeface="Courier"/>
-                <a:cs typeface="Courier New" panose="02070309020205020404" pitchFamily="49" charset="0"/>
-              </a:rPr>
-              <a:t>recolor</a:t>
-            </a:r>
-            <a:r>
-              <a:rPr lang="da-DK" dirty="0">
-                <a:latin typeface="Courier"/>
-                <a:cs typeface="Courier New" panose="02070309020205020404" pitchFamily="49" charset="0"/>
-              </a:rPr>
-              <a:t>(doc) { </a:t>
-            </a:r>
-          </a:p>
-          <a:p>
-            <a:r>
-              <a:rPr lang="da-DK" dirty="0">
-                <a:latin typeface="Courier"/>
-                <a:cs typeface="Courier New" panose="02070309020205020404" pitchFamily="49" charset="0"/>
-              </a:rPr>
-              <a:t>    for (</a:t>
-            </a:r>
-            <a:r>
-              <a:rPr lang="da-DK" dirty="0" err="1">
-                <a:latin typeface="Courier"/>
-                <a:cs typeface="Courier New" panose="02070309020205020404" pitchFamily="49" charset="0"/>
-              </a:rPr>
-              <a:t>const</a:t>
-            </a:r>
-            <a:r>
-              <a:rPr lang="da-DK" dirty="0">
-                <a:latin typeface="Courier"/>
-                <a:cs typeface="Courier New" panose="02070309020205020404" pitchFamily="49" charset="0"/>
-              </a:rPr>
-              <a:t> e of </a:t>
-            </a:r>
-            <a:r>
-              <a:rPr lang="da-DK" dirty="0" err="1">
-                <a:latin typeface="Courier"/>
-                <a:cs typeface="Courier New" panose="02070309020205020404" pitchFamily="49" charset="0"/>
-              </a:rPr>
-              <a:t>doc.querySelectorAll</a:t>
-            </a:r>
-            <a:r>
-              <a:rPr lang="da-DK" dirty="0">
-                <a:latin typeface="Courier"/>
-                <a:cs typeface="Courier New" panose="02070309020205020404" pitchFamily="49" charset="0"/>
-              </a:rPr>
-              <a:t>("*")) {</a:t>
-            </a:r>
-          </a:p>
-          <a:p>
-            <a:r>
-              <a:rPr lang="da-DK" dirty="0">
-                <a:latin typeface="Courier"/>
-                <a:cs typeface="Courier New" panose="02070309020205020404" pitchFamily="49" charset="0"/>
-              </a:rPr>
-              <a:t>      </a:t>
-            </a:r>
-            <a:r>
-              <a:rPr lang="da-DK" dirty="0" err="1">
-                <a:latin typeface="Courier"/>
-                <a:cs typeface="Courier New" panose="02070309020205020404" pitchFamily="49" charset="0"/>
-              </a:rPr>
-              <a:t>e.style.setProperty</a:t>
-            </a:r>
-            <a:r>
-              <a:rPr lang="da-DK" dirty="0">
-                <a:latin typeface="Courier"/>
-                <a:cs typeface="Courier New" panose="02070309020205020404" pitchFamily="49" charset="0"/>
-              </a:rPr>
-              <a:t>("</a:t>
-            </a:r>
-            <a:r>
-              <a:rPr lang="da-DK" dirty="0" err="1">
-                <a:latin typeface="Courier"/>
-                <a:cs typeface="Courier New" panose="02070309020205020404" pitchFamily="49" charset="0"/>
-              </a:rPr>
-              <a:t>color</a:t>
-            </a:r>
-            <a:r>
-              <a:rPr lang="da-DK" dirty="0">
-                <a:latin typeface="Courier"/>
-                <a:cs typeface="Courier New" panose="02070309020205020404" pitchFamily="49" charset="0"/>
-              </a:rPr>
-              <a:t>", "</a:t>
-            </a:r>
-            <a:r>
-              <a:rPr lang="da-DK" dirty="0" err="1">
-                <a:latin typeface="Courier"/>
-                <a:cs typeface="Courier New" panose="02070309020205020404" pitchFamily="49" charset="0"/>
-              </a:rPr>
-              <a:t>white</a:t>
-            </a:r>
-            <a:r>
-              <a:rPr lang="da-DK" dirty="0">
-                <a:latin typeface="Courier"/>
-                <a:cs typeface="Courier New" panose="02070309020205020404" pitchFamily="49" charset="0"/>
-              </a:rPr>
-              <a:t>", "</a:t>
-            </a:r>
-            <a:r>
-              <a:rPr lang="da-DK" dirty="0" err="1">
-                <a:latin typeface="Courier"/>
-                <a:cs typeface="Courier New" panose="02070309020205020404" pitchFamily="49" charset="0"/>
-              </a:rPr>
-              <a:t>important</a:t>
-            </a:r>
-            <a:r>
-              <a:rPr lang="da-DK" dirty="0">
-                <a:latin typeface="Courier"/>
-                <a:cs typeface="Courier New" panose="02070309020205020404" pitchFamily="49" charset="0"/>
-              </a:rPr>
-              <a:t>");</a:t>
-            </a:r>
-          </a:p>
-          <a:p>
-            <a:r>
-              <a:rPr lang="da-DK" dirty="0">
-                <a:latin typeface="Courier"/>
-                <a:cs typeface="Courier New" panose="02070309020205020404" pitchFamily="49" charset="0"/>
-              </a:rPr>
-              <a:t>      </a:t>
-            </a:r>
-            <a:r>
-              <a:rPr lang="da-DK" dirty="0" err="1">
-                <a:latin typeface="Courier"/>
-                <a:cs typeface="Courier New" panose="02070309020205020404" pitchFamily="49" charset="0"/>
-              </a:rPr>
-              <a:t>e.style.setProperty</a:t>
-            </a:r>
-            <a:r>
-              <a:rPr lang="da-DK" dirty="0">
-                <a:latin typeface="Courier"/>
-                <a:cs typeface="Courier New" panose="02070309020205020404" pitchFamily="49" charset="0"/>
-              </a:rPr>
-              <a:t>("</a:t>
-            </a:r>
-            <a:r>
-              <a:rPr lang="da-DK" dirty="0" err="1">
-                <a:latin typeface="Courier"/>
-                <a:cs typeface="Courier New" panose="02070309020205020404" pitchFamily="49" charset="0"/>
-              </a:rPr>
-              <a:t>background</a:t>
-            </a:r>
-            <a:r>
-              <a:rPr lang="da-DK" dirty="0">
-                <a:latin typeface="Courier"/>
-                <a:cs typeface="Courier New" panose="02070309020205020404" pitchFamily="49" charset="0"/>
-              </a:rPr>
-              <a:t>", "</a:t>
-            </a:r>
-            <a:r>
-              <a:rPr lang="da-DK" dirty="0" err="1">
-                <a:latin typeface="Courier"/>
-                <a:cs typeface="Courier New" panose="02070309020205020404" pitchFamily="49" charset="0"/>
-              </a:rPr>
-              <a:t>black</a:t>
-            </a:r>
-            <a:r>
-              <a:rPr lang="da-DK" dirty="0">
-                <a:latin typeface="Courier"/>
-                <a:cs typeface="Courier New" panose="02070309020205020404" pitchFamily="49" charset="0"/>
-              </a:rPr>
-              <a:t>", "</a:t>
-            </a:r>
-            <a:r>
-              <a:rPr lang="da-DK" dirty="0" err="1">
-                <a:latin typeface="Courier"/>
-                <a:cs typeface="Courier New" panose="02070309020205020404" pitchFamily="49" charset="0"/>
-              </a:rPr>
-              <a:t>important</a:t>
-            </a:r>
-            <a:r>
-              <a:rPr lang="da-DK" dirty="0">
-                <a:latin typeface="Courier"/>
-                <a:cs typeface="Courier New" panose="02070309020205020404" pitchFamily="49" charset="0"/>
-              </a:rPr>
-              <a:t>");</a:t>
-            </a:r>
-          </a:p>
-          <a:p>
-            <a:r>
-              <a:rPr lang="da-DK" dirty="0">
-                <a:latin typeface="Courier"/>
-                <a:cs typeface="Courier New" panose="02070309020205020404" pitchFamily="49" charset="0"/>
-              </a:rPr>
-              <a:t>      </a:t>
-            </a:r>
-            <a:r>
-              <a:rPr lang="da-DK" dirty="0" err="1">
-                <a:latin typeface="Courier"/>
-                <a:cs typeface="Courier New" panose="02070309020205020404" pitchFamily="49" charset="0"/>
-              </a:rPr>
-              <a:t>if</a:t>
-            </a:r>
-            <a:r>
-              <a:rPr lang="da-DK" dirty="0">
-                <a:latin typeface="Courier"/>
-                <a:cs typeface="Courier New" panose="02070309020205020404" pitchFamily="49" charset="0"/>
-              </a:rPr>
-              <a:t> (</a:t>
-            </a:r>
-            <a:r>
-              <a:rPr lang="da-DK" dirty="0" err="1">
-                <a:latin typeface="Courier"/>
-                <a:cs typeface="Courier New" panose="02070309020205020404" pitchFamily="49" charset="0"/>
-              </a:rPr>
-              <a:t>e.shadowRoot</a:t>
-            </a:r>
-            <a:r>
-              <a:rPr lang="da-DK" dirty="0">
-                <a:latin typeface="Courier"/>
-                <a:cs typeface="Courier New" panose="02070309020205020404" pitchFamily="49" charset="0"/>
-              </a:rPr>
-              <a:t>) </a:t>
-            </a:r>
-            <a:r>
-              <a:rPr lang="da-DK" dirty="0" err="1">
-                <a:latin typeface="Courier"/>
-                <a:cs typeface="Courier New" panose="02070309020205020404" pitchFamily="49" charset="0"/>
-              </a:rPr>
-              <a:t>recolor</a:t>
-            </a:r>
-            <a:r>
-              <a:rPr lang="da-DK" dirty="0">
-                <a:latin typeface="Courier"/>
-                <a:cs typeface="Courier New" panose="02070309020205020404" pitchFamily="49" charset="0"/>
-              </a:rPr>
-              <a:t>(</a:t>
-            </a:r>
-            <a:r>
-              <a:rPr lang="da-DK" dirty="0" err="1">
-                <a:latin typeface="Courier"/>
-                <a:cs typeface="Courier New" panose="02070309020205020404" pitchFamily="49" charset="0"/>
-              </a:rPr>
-              <a:t>e.shadowRoot</a:t>
-            </a:r>
-            <a:r>
-              <a:rPr lang="da-DK" dirty="0">
-                <a:latin typeface="Courier"/>
-                <a:cs typeface="Courier New" panose="02070309020205020404" pitchFamily="49" charset="0"/>
-              </a:rPr>
-              <a:t>);</a:t>
-            </a:r>
-          </a:p>
-          <a:p>
-            <a:r>
-              <a:rPr lang="da-DK" dirty="0">
-                <a:latin typeface="Courier"/>
-                <a:cs typeface="Courier New" panose="02070309020205020404" pitchFamily="49" charset="0"/>
-              </a:rPr>
-              <a:t>      </a:t>
-            </a:r>
-            <a:r>
-              <a:rPr lang="da-DK" dirty="0" err="1">
-                <a:latin typeface="Courier"/>
-                <a:cs typeface="Courier New" panose="02070309020205020404" pitchFamily="49" charset="0"/>
-              </a:rPr>
-              <a:t>if</a:t>
-            </a:r>
-            <a:r>
-              <a:rPr lang="da-DK" dirty="0">
-                <a:latin typeface="Courier"/>
-                <a:cs typeface="Courier New" panose="02070309020205020404" pitchFamily="49" charset="0"/>
-              </a:rPr>
-              <a:t> (</a:t>
-            </a:r>
-            <a:r>
-              <a:rPr lang="da-DK" dirty="0" err="1">
-                <a:latin typeface="Courier"/>
-                <a:cs typeface="Courier New" panose="02070309020205020404" pitchFamily="49" charset="0"/>
-              </a:rPr>
-              <a:t>e.nodeName</a:t>
-            </a:r>
-            <a:r>
-              <a:rPr lang="da-DK" dirty="0">
-                <a:latin typeface="Courier"/>
-                <a:cs typeface="Courier New" panose="02070309020205020404" pitchFamily="49" charset="0"/>
-              </a:rPr>
-              <a:t> == "IFRAME") </a:t>
-            </a:r>
-            <a:r>
-              <a:rPr lang="da-DK" dirty="0" err="1">
-                <a:latin typeface="Courier"/>
-                <a:cs typeface="Courier New" panose="02070309020205020404" pitchFamily="49" charset="0"/>
-              </a:rPr>
-              <a:t>recolor</a:t>
-            </a:r>
-            <a:r>
-              <a:rPr lang="da-DK" dirty="0">
-                <a:latin typeface="Courier"/>
-                <a:cs typeface="Courier New" panose="02070309020205020404" pitchFamily="49" charset="0"/>
-              </a:rPr>
-              <a:t>(</a:t>
-            </a:r>
-            <a:r>
-              <a:rPr lang="da-DK" dirty="0" err="1">
-                <a:latin typeface="Courier"/>
-                <a:cs typeface="Courier New" panose="02070309020205020404" pitchFamily="49" charset="0"/>
-              </a:rPr>
-              <a:t>e.contentWindow.document</a:t>
-            </a:r>
-            <a:r>
-              <a:rPr lang="da-DK" dirty="0">
-                <a:latin typeface="Courier"/>
-                <a:cs typeface="Courier New" panose="02070309020205020404" pitchFamily="49" charset="0"/>
-              </a:rPr>
-              <a:t>);</a:t>
-            </a:r>
-          </a:p>
-          <a:p>
-            <a:r>
-              <a:rPr lang="da-DK" dirty="0">
-                <a:latin typeface="Courier"/>
-                <a:cs typeface="Courier New" panose="02070309020205020404" pitchFamily="49" charset="0"/>
-              </a:rPr>
-              <a:t>    };</a:t>
-            </a:r>
-          </a:p>
-          <a:p>
-            <a:r>
-              <a:rPr lang="da-DK" dirty="0">
-                <a:latin typeface="Courier"/>
-                <a:cs typeface="Courier New" panose="02070309020205020404" pitchFamily="49" charset="0"/>
-              </a:rPr>
-              <a:t>  };</a:t>
-            </a:r>
-          </a:p>
-          <a:p>
-            <a:r>
-              <a:rPr lang="da-DK" dirty="0">
-                <a:latin typeface="Courier"/>
-                <a:cs typeface="Courier New" panose="02070309020205020404" pitchFamily="49" charset="0"/>
-              </a:rPr>
-              <a:t>  </a:t>
-            </a:r>
-            <a:r>
-              <a:rPr lang="da-DK" dirty="0" err="1">
-                <a:latin typeface="Courier"/>
-                <a:cs typeface="Courier New" panose="02070309020205020404" pitchFamily="49" charset="0"/>
-              </a:rPr>
-              <a:t>recolor</a:t>
-            </a:r>
-            <a:r>
-              <a:rPr lang="da-DK" dirty="0">
-                <a:latin typeface="Courier"/>
-                <a:cs typeface="Courier New" panose="02070309020205020404" pitchFamily="49" charset="0"/>
-              </a:rPr>
-              <a:t>(</a:t>
-            </a:r>
-            <a:r>
-              <a:rPr lang="da-DK" dirty="0" err="1">
-                <a:latin typeface="Courier"/>
-                <a:cs typeface="Courier New" panose="02070309020205020404" pitchFamily="49" charset="0"/>
-              </a:rPr>
-              <a:t>window.document</a:t>
-            </a:r>
-            <a:r>
-              <a:rPr lang="da-DK" dirty="0">
-                <a:latin typeface="Courier"/>
-                <a:cs typeface="Courier New" panose="02070309020205020404" pitchFamily="49" charset="0"/>
-              </a:rPr>
-              <a:t>);</a:t>
-            </a:r>
-          </a:p>
-          <a:p>
-            <a:r>
-              <a:rPr lang="da-DK" dirty="0">
-                <a:latin typeface="Courier"/>
-                <a:cs typeface="Courier New" panose="02070309020205020404" pitchFamily="49" charset="0"/>
-              </a:rPr>
-              <a:t>}</a:t>
-            </a:r>
           </a:p>
           <a:p>
             <a:endParaRPr lang="da-DK" dirty="0"/>
@@ -1701,7 +1043,7 @@
           <a:p>
             <a:fld id="{CD563DD8-32AB-41BE-B1C6-8EAC45222ACE}" type="slidenum">
               <a:rPr lang="en-US" smtClean="0"/>
-              <a:t>20</a:t>
+              <a:t>19</a:t>
             </a:fld>
             <a:endParaRPr lang="en-US"/>
           </a:p>
@@ -1710,7 +1052,7 @@
     </p:spTree>
     <p:extLst>
       <p:ext uri="{BB962C8B-B14F-4D97-AF65-F5344CB8AC3E}">
-        <p14:creationId xmlns:p14="http://schemas.microsoft.com/office/powerpoint/2010/main" val="744337484"/>
+        <p14:creationId xmlns:p14="http://schemas.microsoft.com/office/powerpoint/2010/main" val="873223376"/>
       </p:ext>
     </p:extLst>
   </p:cSld>
@@ -1764,44 +1106,615 @@
           <a:bodyPr/>
           <a:lstStyle/>
           <a:p>
-            <a:pPr marL="0" marR="0" lvl="0" indent="0" algn="l" defTabSz="914400" rtl="0" eaLnBrk="1" fontAlgn="auto" latinLnBrk="0" hangingPunct="1">
-              <a:lnSpc>
-                <a:spcPct val="100000"/>
-              </a:lnSpc>
-              <a:spcBef>
-                <a:spcPts val="0"/>
-              </a:spcBef>
-              <a:spcAft>
-                <a:spcPts val="0"/>
-              </a:spcAft>
-              <a:buClrTx/>
-              <a:buSzTx/>
-              <a:buFontTx/>
-              <a:buNone/>
-              <a:tabLst/>
-              <a:defRPr/>
-            </a:pPr>
-            <a:r>
-              <a:rPr lang="en-US" dirty="0">
+            <a:r>
+              <a:rPr lang="da-DK" dirty="0" err="1"/>
+              <a:t>Javascript</a:t>
+            </a:r>
+            <a:r>
+              <a:rPr lang="da-DK" dirty="0"/>
+              <a:t> </a:t>
+            </a:r>
+            <a:r>
+              <a:rPr lang="da-DK" dirty="0" err="1"/>
+              <a:t>example</a:t>
+            </a:r>
+            <a:r>
+              <a:rPr lang="da-DK" dirty="0"/>
+              <a:t>: Open Google Chrome + F12 + Console: ‘abc’ + 42</a:t>
+            </a:r>
+          </a:p>
+          <a:p>
+            <a:endParaRPr lang="da-DK" dirty="0"/>
+          </a:p>
+          <a:p>
+            <a:r>
+              <a:rPr lang="da-DK" dirty="0" err="1"/>
+              <a:t>document.body.style.background</a:t>
+            </a:r>
+            <a:r>
+              <a:rPr lang="da-DK" dirty="0"/>
+              <a:t> = '</a:t>
+            </a:r>
+            <a:r>
+              <a:rPr lang="da-DK" dirty="0" err="1"/>
+              <a:t>lightblue</a:t>
+            </a:r>
+            <a:r>
+              <a:rPr lang="da-DK" dirty="0"/>
+              <a:t>’  // </a:t>
+            </a:r>
+            <a:r>
+              <a:rPr lang="da-DK" dirty="0" err="1"/>
+              <a:t>background</a:t>
+            </a:r>
+            <a:r>
+              <a:rPr lang="da-DK" dirty="0"/>
+              <a:t> </a:t>
+            </a:r>
+            <a:r>
+              <a:rPr lang="da-DK" dirty="0" err="1"/>
+              <a:t>color</a:t>
+            </a:r>
+            <a:endParaRPr lang="da-DK" dirty="0"/>
+          </a:p>
+          <a:p>
+            <a:r>
+              <a:rPr lang="da-DK" dirty="0" err="1"/>
+              <a:t>document.body.style.color</a:t>
+            </a:r>
+            <a:r>
+              <a:rPr lang="da-DK" dirty="0"/>
+              <a:t>  // </a:t>
+            </a:r>
+            <a:r>
+              <a:rPr lang="da-DK" dirty="0" err="1"/>
+              <a:t>text</a:t>
+            </a:r>
+            <a:r>
+              <a:rPr lang="da-DK" dirty="0"/>
+              <a:t> </a:t>
+            </a:r>
+            <a:r>
+              <a:rPr lang="da-DK" dirty="0" err="1"/>
+              <a:t>color</a:t>
+            </a:r>
+            <a:endParaRPr lang="da-DK" dirty="0"/>
+          </a:p>
+          <a:p>
+            <a:endParaRPr lang="da-DK" dirty="0"/>
+          </a:p>
+          <a:p>
+            <a:r>
+              <a:rPr lang="da-DK" dirty="0" err="1">
                 <a:latin typeface="Courier"/>
-              </a:rPr>
-              <a:t>for i in range(256): print(i, "'" + </a:t>
-            </a:r>
-            <a:r>
-              <a:rPr lang="en-US" dirty="0" err="1">
+                <a:cs typeface="Courier New" panose="02070309020205020404" pitchFamily="49" charset="0"/>
+              </a:rPr>
+              <a:t>javascript</a:t>
+            </a:r>
+            <a:r>
+              <a:rPr lang="da-DK" dirty="0">
                 <a:latin typeface="Courier"/>
-              </a:rPr>
-              <a:t>chr</a:t>
-            </a:r>
-            <a:r>
-              <a:rPr lang="en-US" dirty="0">
+                <a:cs typeface="Courier New" panose="02070309020205020404" pitchFamily="49" charset="0"/>
+              </a:rPr>
+              <a:t>:{</a:t>
+            </a:r>
+          </a:p>
+          <a:p>
+            <a:r>
+              <a:rPr lang="da-DK" dirty="0">
                 <a:latin typeface="Courier"/>
-              </a:rPr>
-              <a:t>(i) + "'")</a:t>
-            </a:r>
-          </a:p>
-          <a:p>
-            <a:endParaRPr lang="en-US" dirty="0"/>
+                <a:cs typeface="Courier New" panose="02070309020205020404" pitchFamily="49" charset="0"/>
+              </a:rPr>
+              <a:t>  /* </a:t>
+            </a:r>
+            <a:r>
+              <a:rPr lang="da-DK" dirty="0" err="1">
+                <a:latin typeface="Courier"/>
+                <a:cs typeface="Courier New" panose="02070309020205020404" pitchFamily="49" charset="0"/>
+              </a:rPr>
+              <a:t>Bookmarklet</a:t>
+            </a:r>
+            <a:r>
+              <a:rPr lang="da-DK" dirty="0">
+                <a:latin typeface="Courier"/>
+                <a:cs typeface="Courier New" panose="02070309020205020404" pitchFamily="49" charset="0"/>
+              </a:rPr>
+              <a:t> to </a:t>
+            </a:r>
+            <a:r>
+              <a:rPr lang="da-DK" dirty="0" err="1">
+                <a:latin typeface="Courier"/>
+                <a:cs typeface="Courier New" panose="02070309020205020404" pitchFamily="49" charset="0"/>
+              </a:rPr>
+              <a:t>recolor</a:t>
+            </a:r>
+            <a:r>
+              <a:rPr lang="da-DK" dirty="0">
+                <a:latin typeface="Courier"/>
+                <a:cs typeface="Courier New" panose="02070309020205020404" pitchFamily="49" charset="0"/>
+              </a:rPr>
+              <a:t> all </a:t>
+            </a:r>
+            <a:r>
+              <a:rPr lang="da-DK" dirty="0" err="1">
+                <a:latin typeface="Courier"/>
+                <a:cs typeface="Courier New" panose="02070309020205020404" pitchFamily="49" charset="0"/>
+              </a:rPr>
+              <a:t>text</a:t>
+            </a:r>
+            <a:r>
+              <a:rPr lang="da-DK" dirty="0">
+                <a:latin typeface="Courier"/>
+                <a:cs typeface="Courier New" panose="02070309020205020404" pitchFamily="49" charset="0"/>
+              </a:rPr>
+              <a:t> on a page to </a:t>
+            </a:r>
+            <a:r>
+              <a:rPr lang="da-DK" dirty="0" err="1">
+                <a:latin typeface="Courier"/>
+                <a:cs typeface="Courier New" panose="02070309020205020404" pitchFamily="49" charset="0"/>
+              </a:rPr>
+              <a:t>your</a:t>
+            </a:r>
+            <a:r>
+              <a:rPr lang="da-DK" dirty="0">
+                <a:latin typeface="Courier"/>
+                <a:cs typeface="Courier New" panose="02070309020205020404" pitchFamily="49" charset="0"/>
+              </a:rPr>
+              <a:t> </a:t>
+            </a:r>
+            <a:r>
+              <a:rPr lang="da-DK" dirty="0" err="1">
+                <a:latin typeface="Courier"/>
+                <a:cs typeface="Courier New" panose="02070309020205020404" pitchFamily="49" charset="0"/>
+              </a:rPr>
+              <a:t>favorite</a:t>
+            </a:r>
+            <a:r>
+              <a:rPr lang="da-DK" dirty="0">
+                <a:latin typeface="Courier"/>
+                <a:cs typeface="Courier New" panose="02070309020205020404" pitchFamily="49" charset="0"/>
+              </a:rPr>
+              <a:t> </a:t>
+            </a:r>
+            <a:r>
+              <a:rPr lang="da-DK" dirty="0" err="1">
+                <a:latin typeface="Courier"/>
+                <a:cs typeface="Courier New" panose="02070309020205020404" pitchFamily="49" charset="0"/>
+              </a:rPr>
+              <a:t>color</a:t>
+            </a:r>
+            <a:r>
+              <a:rPr lang="da-DK" dirty="0">
+                <a:latin typeface="Courier"/>
+                <a:cs typeface="Courier New" panose="02070309020205020404" pitchFamily="49" charset="0"/>
+              </a:rPr>
+              <a:t>. */</a:t>
+            </a:r>
+          </a:p>
+          <a:p>
+            <a:r>
+              <a:rPr lang="da-DK" dirty="0">
+                <a:latin typeface="Courier"/>
+                <a:cs typeface="Courier New" panose="02070309020205020404" pitchFamily="49" charset="0"/>
+              </a:rPr>
+              <a:t>  </a:t>
+            </a:r>
+            <a:r>
+              <a:rPr lang="da-DK" dirty="0" err="1">
+                <a:latin typeface="Courier"/>
+                <a:cs typeface="Courier New" panose="02070309020205020404" pitchFamily="49" charset="0"/>
+              </a:rPr>
+              <a:t>favorite_color</a:t>
+            </a:r>
+            <a:r>
+              <a:rPr lang="da-DK" dirty="0">
+                <a:latin typeface="Courier"/>
+                <a:cs typeface="Courier New" panose="02070309020205020404" pitchFamily="49" charset="0"/>
+              </a:rPr>
+              <a:t> = "red";</a:t>
+            </a:r>
+          </a:p>
+          <a:p>
+            <a:r>
+              <a:rPr lang="da-DK" dirty="0">
+                <a:latin typeface="Courier"/>
+                <a:cs typeface="Courier New" panose="02070309020205020404" pitchFamily="49" charset="0"/>
+              </a:rPr>
+              <a:t>  </a:t>
+            </a:r>
+            <a:r>
+              <a:rPr lang="da-DK" dirty="0" err="1">
+                <a:latin typeface="Courier"/>
+                <a:cs typeface="Courier New" panose="02070309020205020404" pitchFamily="49" charset="0"/>
+              </a:rPr>
+              <a:t>function</a:t>
+            </a:r>
+            <a:r>
+              <a:rPr lang="da-DK" dirty="0">
+                <a:latin typeface="Courier"/>
+                <a:cs typeface="Courier New" panose="02070309020205020404" pitchFamily="49" charset="0"/>
+              </a:rPr>
+              <a:t> </a:t>
+            </a:r>
+            <a:r>
+              <a:rPr lang="da-DK" dirty="0" err="1">
+                <a:latin typeface="Courier"/>
+                <a:cs typeface="Courier New" panose="02070309020205020404" pitchFamily="49" charset="0"/>
+              </a:rPr>
+              <a:t>recolor</a:t>
+            </a:r>
+            <a:r>
+              <a:rPr lang="da-DK" dirty="0">
+                <a:latin typeface="Courier"/>
+                <a:cs typeface="Courier New" panose="02070309020205020404" pitchFamily="49" charset="0"/>
+              </a:rPr>
+              <a:t>(doc) { </a:t>
+            </a:r>
+          </a:p>
+          <a:p>
+            <a:r>
+              <a:rPr lang="da-DK" dirty="0">
+                <a:latin typeface="Courier"/>
+                <a:cs typeface="Courier New" panose="02070309020205020404" pitchFamily="49" charset="0"/>
+              </a:rPr>
+              <a:t>    for (</a:t>
+            </a:r>
+            <a:r>
+              <a:rPr lang="da-DK" dirty="0" err="1">
+                <a:latin typeface="Courier"/>
+                <a:cs typeface="Courier New" panose="02070309020205020404" pitchFamily="49" charset="0"/>
+              </a:rPr>
+              <a:t>const</a:t>
+            </a:r>
+            <a:r>
+              <a:rPr lang="da-DK" dirty="0">
+                <a:latin typeface="Courier"/>
+                <a:cs typeface="Courier New" panose="02070309020205020404" pitchFamily="49" charset="0"/>
+              </a:rPr>
+              <a:t> e of </a:t>
+            </a:r>
+            <a:r>
+              <a:rPr lang="da-DK" dirty="0" err="1">
+                <a:latin typeface="Courier"/>
+                <a:cs typeface="Courier New" panose="02070309020205020404" pitchFamily="49" charset="0"/>
+              </a:rPr>
+              <a:t>doc.querySelectorAll</a:t>
+            </a:r>
+            <a:r>
+              <a:rPr lang="da-DK" dirty="0">
+                <a:latin typeface="Courier"/>
+                <a:cs typeface="Courier New" panose="02070309020205020404" pitchFamily="49" charset="0"/>
+              </a:rPr>
+              <a:t>("*")) {</a:t>
+            </a:r>
+          </a:p>
+          <a:p>
+            <a:r>
+              <a:rPr lang="da-DK" dirty="0">
+                <a:latin typeface="Courier"/>
+                <a:cs typeface="Courier New" panose="02070309020205020404" pitchFamily="49" charset="0"/>
+              </a:rPr>
+              <a:t>      </a:t>
+            </a:r>
+            <a:r>
+              <a:rPr lang="da-DK" dirty="0" err="1">
+                <a:latin typeface="Courier"/>
+                <a:cs typeface="Courier New" panose="02070309020205020404" pitchFamily="49" charset="0"/>
+              </a:rPr>
+              <a:t>e.style.setProperty</a:t>
+            </a:r>
+            <a:r>
+              <a:rPr lang="da-DK" dirty="0">
+                <a:latin typeface="Courier"/>
+                <a:cs typeface="Courier New" panose="02070309020205020404" pitchFamily="49" charset="0"/>
+              </a:rPr>
+              <a:t>("</a:t>
+            </a:r>
+            <a:r>
+              <a:rPr lang="da-DK" dirty="0" err="1">
+                <a:latin typeface="Courier"/>
+                <a:cs typeface="Courier New" panose="02070309020205020404" pitchFamily="49" charset="0"/>
+              </a:rPr>
+              <a:t>color</a:t>
+            </a:r>
+            <a:r>
+              <a:rPr lang="da-DK" dirty="0">
+                <a:latin typeface="Courier"/>
+                <a:cs typeface="Courier New" panose="02070309020205020404" pitchFamily="49" charset="0"/>
+              </a:rPr>
+              <a:t>", "</a:t>
+            </a:r>
+            <a:r>
+              <a:rPr lang="da-DK" dirty="0" err="1">
+                <a:latin typeface="Courier"/>
+                <a:cs typeface="Courier New" panose="02070309020205020404" pitchFamily="49" charset="0"/>
+              </a:rPr>
+              <a:t>white</a:t>
+            </a:r>
+            <a:r>
+              <a:rPr lang="da-DK" dirty="0">
+                <a:latin typeface="Courier"/>
+                <a:cs typeface="Courier New" panose="02070309020205020404" pitchFamily="49" charset="0"/>
+              </a:rPr>
+              <a:t>", "</a:t>
+            </a:r>
+            <a:r>
+              <a:rPr lang="da-DK" dirty="0" err="1">
+                <a:latin typeface="Courier"/>
+                <a:cs typeface="Courier New" panose="02070309020205020404" pitchFamily="49" charset="0"/>
+              </a:rPr>
+              <a:t>important</a:t>
+            </a:r>
+            <a:r>
+              <a:rPr lang="da-DK" dirty="0">
+                <a:latin typeface="Courier"/>
+                <a:cs typeface="Courier New" panose="02070309020205020404" pitchFamily="49" charset="0"/>
+              </a:rPr>
+              <a:t>");</a:t>
+            </a:r>
+          </a:p>
+          <a:p>
+            <a:r>
+              <a:rPr lang="da-DK" dirty="0">
+                <a:latin typeface="Courier"/>
+                <a:cs typeface="Courier New" panose="02070309020205020404" pitchFamily="49" charset="0"/>
+              </a:rPr>
+              <a:t>      </a:t>
+            </a:r>
+            <a:r>
+              <a:rPr lang="da-DK" dirty="0" err="1">
+                <a:latin typeface="Courier"/>
+                <a:cs typeface="Courier New" panose="02070309020205020404" pitchFamily="49" charset="0"/>
+              </a:rPr>
+              <a:t>e.style.setProperty</a:t>
+            </a:r>
+            <a:r>
+              <a:rPr lang="da-DK" dirty="0">
+                <a:latin typeface="Courier"/>
+                <a:cs typeface="Courier New" panose="02070309020205020404" pitchFamily="49" charset="0"/>
+              </a:rPr>
+              <a:t>("</a:t>
+            </a:r>
+            <a:r>
+              <a:rPr lang="da-DK" dirty="0" err="1">
+                <a:latin typeface="Courier"/>
+                <a:cs typeface="Courier New" panose="02070309020205020404" pitchFamily="49" charset="0"/>
+              </a:rPr>
+              <a:t>background</a:t>
+            </a:r>
+            <a:r>
+              <a:rPr lang="da-DK" dirty="0">
+                <a:latin typeface="Courier"/>
+                <a:cs typeface="Courier New" panose="02070309020205020404" pitchFamily="49" charset="0"/>
+              </a:rPr>
+              <a:t>", "</a:t>
+            </a:r>
+            <a:r>
+              <a:rPr lang="da-DK" dirty="0" err="1">
+                <a:latin typeface="Courier"/>
+                <a:cs typeface="Courier New" panose="02070309020205020404" pitchFamily="49" charset="0"/>
+              </a:rPr>
+              <a:t>black</a:t>
+            </a:r>
+            <a:r>
+              <a:rPr lang="da-DK" dirty="0">
+                <a:latin typeface="Courier"/>
+                <a:cs typeface="Courier New" panose="02070309020205020404" pitchFamily="49" charset="0"/>
+              </a:rPr>
+              <a:t>", "</a:t>
+            </a:r>
+            <a:r>
+              <a:rPr lang="da-DK" dirty="0" err="1">
+                <a:latin typeface="Courier"/>
+                <a:cs typeface="Courier New" panose="02070309020205020404" pitchFamily="49" charset="0"/>
+              </a:rPr>
+              <a:t>important</a:t>
+            </a:r>
+            <a:r>
+              <a:rPr lang="da-DK" dirty="0">
+                <a:latin typeface="Courier"/>
+                <a:cs typeface="Courier New" panose="02070309020205020404" pitchFamily="49" charset="0"/>
+              </a:rPr>
+              <a:t>");</a:t>
+            </a:r>
+          </a:p>
+          <a:p>
+            <a:r>
+              <a:rPr lang="da-DK" dirty="0">
+                <a:latin typeface="Courier"/>
+                <a:cs typeface="Courier New" panose="02070309020205020404" pitchFamily="49" charset="0"/>
+              </a:rPr>
+              <a:t>      </a:t>
+            </a:r>
+            <a:r>
+              <a:rPr lang="da-DK" dirty="0" err="1">
+                <a:latin typeface="Courier"/>
+                <a:cs typeface="Courier New" panose="02070309020205020404" pitchFamily="49" charset="0"/>
+              </a:rPr>
+              <a:t>if</a:t>
+            </a:r>
+            <a:r>
+              <a:rPr lang="da-DK" dirty="0">
+                <a:latin typeface="Courier"/>
+                <a:cs typeface="Courier New" panose="02070309020205020404" pitchFamily="49" charset="0"/>
+              </a:rPr>
+              <a:t> (</a:t>
+            </a:r>
+            <a:r>
+              <a:rPr lang="da-DK" dirty="0" err="1">
+                <a:latin typeface="Courier"/>
+                <a:cs typeface="Courier New" panose="02070309020205020404" pitchFamily="49" charset="0"/>
+              </a:rPr>
+              <a:t>e.shadowRoot</a:t>
+            </a:r>
+            <a:r>
+              <a:rPr lang="da-DK" dirty="0">
+                <a:latin typeface="Courier"/>
+                <a:cs typeface="Courier New" panose="02070309020205020404" pitchFamily="49" charset="0"/>
+              </a:rPr>
+              <a:t>) </a:t>
+            </a:r>
+            <a:r>
+              <a:rPr lang="da-DK" dirty="0" err="1">
+                <a:latin typeface="Courier"/>
+                <a:cs typeface="Courier New" panose="02070309020205020404" pitchFamily="49" charset="0"/>
+              </a:rPr>
+              <a:t>recolor</a:t>
+            </a:r>
+            <a:r>
+              <a:rPr lang="da-DK" dirty="0">
+                <a:latin typeface="Courier"/>
+                <a:cs typeface="Courier New" panose="02070309020205020404" pitchFamily="49" charset="0"/>
+              </a:rPr>
+              <a:t>(</a:t>
+            </a:r>
+            <a:r>
+              <a:rPr lang="da-DK" dirty="0" err="1">
+                <a:latin typeface="Courier"/>
+                <a:cs typeface="Courier New" panose="02070309020205020404" pitchFamily="49" charset="0"/>
+              </a:rPr>
+              <a:t>e.shadowRoot</a:t>
+            </a:r>
+            <a:r>
+              <a:rPr lang="da-DK" dirty="0">
+                <a:latin typeface="Courier"/>
+                <a:cs typeface="Courier New" panose="02070309020205020404" pitchFamily="49" charset="0"/>
+              </a:rPr>
+              <a:t>);</a:t>
+            </a:r>
+          </a:p>
+          <a:p>
+            <a:r>
+              <a:rPr lang="da-DK" dirty="0">
+                <a:latin typeface="Courier"/>
+                <a:cs typeface="Courier New" panose="02070309020205020404" pitchFamily="49" charset="0"/>
+              </a:rPr>
+              <a:t>      </a:t>
+            </a:r>
+            <a:r>
+              <a:rPr lang="da-DK" dirty="0" err="1">
+                <a:latin typeface="Courier"/>
+                <a:cs typeface="Courier New" panose="02070309020205020404" pitchFamily="49" charset="0"/>
+              </a:rPr>
+              <a:t>if</a:t>
+            </a:r>
+            <a:r>
+              <a:rPr lang="da-DK" dirty="0">
+                <a:latin typeface="Courier"/>
+                <a:cs typeface="Courier New" panose="02070309020205020404" pitchFamily="49" charset="0"/>
+              </a:rPr>
+              <a:t> (</a:t>
+            </a:r>
+            <a:r>
+              <a:rPr lang="da-DK" dirty="0" err="1">
+                <a:latin typeface="Courier"/>
+                <a:cs typeface="Courier New" panose="02070309020205020404" pitchFamily="49" charset="0"/>
+              </a:rPr>
+              <a:t>e.nodeName</a:t>
+            </a:r>
+            <a:r>
+              <a:rPr lang="da-DK" dirty="0">
+                <a:latin typeface="Courier"/>
+                <a:cs typeface="Courier New" panose="02070309020205020404" pitchFamily="49" charset="0"/>
+              </a:rPr>
+              <a:t> == "IFRAME") </a:t>
+            </a:r>
+            <a:r>
+              <a:rPr lang="da-DK" dirty="0" err="1">
+                <a:latin typeface="Courier"/>
+                <a:cs typeface="Courier New" panose="02070309020205020404" pitchFamily="49" charset="0"/>
+              </a:rPr>
+              <a:t>recolor</a:t>
+            </a:r>
+            <a:r>
+              <a:rPr lang="da-DK" dirty="0">
+                <a:latin typeface="Courier"/>
+                <a:cs typeface="Courier New" panose="02070309020205020404" pitchFamily="49" charset="0"/>
+              </a:rPr>
+              <a:t>(</a:t>
+            </a:r>
+            <a:r>
+              <a:rPr lang="da-DK" dirty="0" err="1">
+                <a:latin typeface="Courier"/>
+                <a:cs typeface="Courier New" panose="02070309020205020404" pitchFamily="49" charset="0"/>
+              </a:rPr>
+              <a:t>e.contentWindow.document</a:t>
+            </a:r>
+            <a:r>
+              <a:rPr lang="da-DK" dirty="0">
+                <a:latin typeface="Courier"/>
+                <a:cs typeface="Courier New" panose="02070309020205020404" pitchFamily="49" charset="0"/>
+              </a:rPr>
+              <a:t>);</a:t>
+            </a:r>
+          </a:p>
+          <a:p>
+            <a:r>
+              <a:rPr lang="da-DK" dirty="0">
+                <a:latin typeface="Courier"/>
+                <a:cs typeface="Courier New" panose="02070309020205020404" pitchFamily="49" charset="0"/>
+              </a:rPr>
+              <a:t>    };</a:t>
+            </a:r>
+          </a:p>
+          <a:p>
+            <a:r>
+              <a:rPr lang="da-DK" dirty="0">
+                <a:latin typeface="Courier"/>
+                <a:cs typeface="Courier New" panose="02070309020205020404" pitchFamily="49" charset="0"/>
+              </a:rPr>
+              <a:t>  };</a:t>
+            </a:r>
+          </a:p>
+          <a:p>
+            <a:r>
+              <a:rPr lang="da-DK" dirty="0">
+                <a:latin typeface="Courier"/>
+                <a:cs typeface="Courier New" panose="02070309020205020404" pitchFamily="49" charset="0"/>
+              </a:rPr>
+              <a:t>  </a:t>
+            </a:r>
+            <a:r>
+              <a:rPr lang="da-DK" dirty="0" err="1">
+                <a:latin typeface="Courier"/>
+                <a:cs typeface="Courier New" panose="02070309020205020404" pitchFamily="49" charset="0"/>
+              </a:rPr>
+              <a:t>recolor</a:t>
+            </a:r>
+            <a:r>
+              <a:rPr lang="da-DK" dirty="0">
+                <a:latin typeface="Courier"/>
+                <a:cs typeface="Courier New" panose="02070309020205020404" pitchFamily="49" charset="0"/>
+              </a:rPr>
+              <a:t>(</a:t>
+            </a:r>
+            <a:r>
+              <a:rPr lang="da-DK" dirty="0" err="1">
+                <a:latin typeface="Courier"/>
+                <a:cs typeface="Courier New" panose="02070309020205020404" pitchFamily="49" charset="0"/>
+              </a:rPr>
+              <a:t>window.document</a:t>
+            </a:r>
+            <a:r>
+              <a:rPr lang="da-DK" dirty="0">
+                <a:latin typeface="Courier"/>
+                <a:cs typeface="Courier New" panose="02070309020205020404" pitchFamily="49" charset="0"/>
+              </a:rPr>
+              <a:t>);</a:t>
+            </a:r>
+          </a:p>
+          <a:p>
+            <a:r>
+              <a:rPr lang="da-DK" dirty="0">
+                <a:latin typeface="Courier"/>
+                <a:cs typeface="Courier New" panose="02070309020205020404" pitchFamily="49" charset="0"/>
+              </a:rPr>
+              <a:t>}</a:t>
+            </a:r>
+          </a:p>
+          <a:p>
+            <a:endParaRPr lang="da-DK" dirty="0"/>
           </a:p>
         </p:txBody>
       </p:sp>
@@ -1812,7 +1725,7 @@
             <a:spLocks noGrp="1"/>
           </p:cNvSpPr>
           <p:nvPr>
-            <p:ph type="sldNum" sz="quarter" idx="10"/>
+            <p:ph type="sldNum" sz="quarter" idx="5"/>
           </p:nvPr>
         </p:nvSpPr>
         <p:spPr/>
@@ -1822,7 +1735,7 @@
           <a:p>
             <a:fld id="{CD563DD8-32AB-41BE-B1C6-8EAC45222ACE}" type="slidenum">
               <a:rPr lang="en-US" smtClean="0"/>
-              <a:t>21</a:t>
+              <a:t>20</a:t>
             </a:fld>
             <a:endParaRPr lang="en-US"/>
           </a:p>
@@ -1831,7 +1744,7 @@
     </p:spTree>
     <p:extLst>
       <p:ext uri="{BB962C8B-B14F-4D97-AF65-F5344CB8AC3E}">
-        <p14:creationId xmlns:p14="http://schemas.microsoft.com/office/powerpoint/2010/main" val="2331057724"/>
+        <p14:creationId xmlns:p14="http://schemas.microsoft.com/office/powerpoint/2010/main" val="744337484"/>
       </p:ext>
     </p:extLst>
   </p:cSld>
@@ -1885,49 +1798,44 @@
           <a:bodyPr/>
           <a:lstStyle/>
           <a:p>
-            <a:r>
-              <a:rPr lang="en-US" dirty="0"/>
-              <a:t>is,</a:t>
-            </a:r>
-            <a:r>
-              <a:rPr lang="en-US" baseline="0" dirty="0"/>
-              <a:t> is not ...</a:t>
-            </a:r>
-          </a:p>
-          <a:p>
-            <a:r>
-              <a:rPr lang="en-US" baseline="0" dirty="0"/>
-              <a:t>in, not in ... </a:t>
-            </a:r>
+            <a:pPr marL="0" marR="0" lvl="0" indent="0" algn="l" defTabSz="914400" rtl="0" eaLnBrk="1" fontAlgn="auto" latinLnBrk="0" hangingPunct="1">
+              <a:lnSpc>
+                <a:spcPct val="100000"/>
+              </a:lnSpc>
+              <a:spcBef>
+                <a:spcPts val="0"/>
+              </a:spcBef>
+              <a:spcAft>
+                <a:spcPts val="0"/>
+              </a:spcAft>
+              <a:buClrTx/>
+              <a:buSzTx/>
+              <a:buFontTx/>
+              <a:buNone/>
+              <a:tabLst/>
+              <a:defRPr/>
+            </a:pPr>
+            <a:r>
+              <a:rPr lang="en-US" dirty="0">
+                <a:latin typeface="Courier"/>
+              </a:rPr>
+              <a:t>for i in range(256): print(i, "'" + </a:t>
+            </a:r>
+            <a:r>
+              <a:rPr lang="en-US" dirty="0" err="1">
+                <a:latin typeface="Courier"/>
+              </a:rPr>
+              <a:t>chr</a:t>
+            </a:r>
+            <a:r>
+              <a:rPr lang="en-US" dirty="0">
+                <a:latin typeface="Courier"/>
+              </a:rPr>
+              <a:t>(i) + "'")</a:t>
+            </a:r>
+          </a:p>
+          <a:p>
             <a:endParaRPr lang="en-US" dirty="0"/>
-          </a:p>
-          <a:p>
-            <a:r>
-              <a:rPr lang="en-US" dirty="0"/>
-              <a:t>@ matrix multiplication (for</a:t>
-            </a:r>
-            <a:r>
-              <a:rPr lang="en-US" baseline="0" dirty="0"/>
-              <a:t> </a:t>
-            </a:r>
-            <a:r>
-              <a:rPr lang="en-US" baseline="0" dirty="0" err="1"/>
-              <a:t>numpy</a:t>
-            </a:r>
-            <a:r>
-              <a:rPr lang="en-US" baseline="0" dirty="0"/>
-              <a:t>)</a:t>
-            </a:r>
-            <a:endParaRPr lang="en-US" dirty="0"/>
-          </a:p>
-          <a:p>
-            <a:endParaRPr lang="en-US" dirty="0"/>
-          </a:p>
-          <a:p>
-            <a:r>
-              <a:rPr lang="en-US" dirty="0"/>
-              <a:t>https://docs.python.org/3/reference/expressions.html#summary</a:t>
-            </a:r>
           </a:p>
         </p:txBody>
       </p:sp>
@@ -1948,6 +1856,132 @@
           <a:p>
             <a:fld id="{CD563DD8-32AB-41BE-B1C6-8EAC45222ACE}" type="slidenum">
               <a:rPr lang="en-US" smtClean="0"/>
+              <a:t>21</a:t>
+            </a:fld>
+            <a:endParaRPr lang="en-US"/>
+          </a:p>
+        </p:txBody>
+      </p:sp>
+    </p:spTree>
+    <p:extLst>
+      <p:ext uri="{BB962C8B-B14F-4D97-AF65-F5344CB8AC3E}">
+        <p14:creationId xmlns:p14="http://schemas.microsoft.com/office/powerpoint/2010/main" val="2331057724"/>
+      </p:ext>
+    </p:extLst>
+  </p:cSld>
+  <p:clrMapOvr>
+    <a:masterClrMapping/>
+  </p:clrMapOvr>
+</p:notes>
+</file>
+
+<file path=ppt/notesSlides/notesSlide14.xml><?xml version="1.0" encoding="utf-8"?>
+<p:notes xmlns:a="http://schemas.openxmlformats.org/drawingml/2006/main" xmlns:r="http://schemas.openxmlformats.org/officeDocument/2006/relationships" xmlns:p="http://schemas.openxmlformats.org/presentationml/2006/main">
+  <p:cSld>
+    <p:spTree>
+      <p:nvGrpSpPr>
+        <p:cNvPr id="1" name=""/>
+        <p:cNvGrpSpPr/>
+        <p:nvPr/>
+      </p:nvGrpSpPr>
+      <p:grpSpPr>
+        <a:xfrm>
+          <a:off x="0" y="0"/>
+          <a:ext cx="0" cy="0"/>
+          <a:chOff x="0" y="0"/>
+          <a:chExt cx="0" cy="0"/>
+        </a:xfrm>
+      </p:grpSpPr>
+      <p:sp>
+        <p:nvSpPr>
+          <p:cNvPr id="2" name="Slide Image Placeholder 1"/>
+          <p:cNvSpPr>
+            <a:spLocks noGrp="1" noRot="1" noChangeAspect="1"/>
+          </p:cNvSpPr>
+          <p:nvPr>
+            <p:ph type="sldImg"/>
+          </p:nvPr>
+        </p:nvSpPr>
+        <p:spPr/>
+      </p:sp>
+      <p:sp>
+        <p:nvSpPr>
+          <p:cNvPr id="3" name="Notes Placeholder 2"/>
+          <p:cNvSpPr>
+            <a:spLocks noGrp="1"/>
+          </p:cNvSpPr>
+          <p:nvPr>
+            <p:ph type="body" idx="1"/>
+          </p:nvPr>
+        </p:nvSpPr>
+        <p:spPr/>
+        <p:txBody>
+          <a:bodyPr/>
+          <a:lstStyle/>
+          <a:p>
+            <a:r>
+              <a:rPr lang="en-US" dirty="0"/>
+              <a:t>is,</a:t>
+            </a:r>
+            <a:r>
+              <a:rPr lang="en-US" baseline="0" dirty="0"/>
+              <a:t> is not ...</a:t>
+            </a:r>
+          </a:p>
+          <a:p>
+            <a:r>
+              <a:rPr lang="en-US" baseline="0" dirty="0"/>
+              <a:t>in, not in ... </a:t>
+            </a:r>
+            <a:endParaRPr lang="en-US" dirty="0"/>
+          </a:p>
+          <a:p>
+            <a:r>
+              <a:rPr lang="en-US" dirty="0"/>
+              <a:t>@ matrix multiplication (for</a:t>
+            </a:r>
+            <a:r>
+              <a:rPr lang="en-US" baseline="0" dirty="0"/>
+              <a:t> </a:t>
+            </a:r>
+            <a:r>
+              <a:rPr lang="en-US" baseline="0" dirty="0" err="1"/>
+              <a:t>numpy</a:t>
+            </a:r>
+            <a:r>
+              <a:rPr lang="en-US" baseline="0" dirty="0"/>
+              <a:t>)</a:t>
+            </a:r>
+            <a:endParaRPr lang="en-US" dirty="0"/>
+          </a:p>
+          <a:p>
+            <a:endParaRPr lang="en-US" dirty="0"/>
+          </a:p>
+          <a:p>
+            <a:r>
+              <a:rPr lang="en-US" dirty="0"/>
+              <a:t>https://docs.python.org/3/reference/expressions.html#summary</a:t>
+            </a:r>
+          </a:p>
+        </p:txBody>
+      </p:sp>
+      <p:sp>
+        <p:nvSpPr>
+          <p:cNvPr id="4" name="Slide Number Placeholder 3"/>
+          <p:cNvSpPr>
+            <a:spLocks noGrp="1"/>
+          </p:cNvSpPr>
+          <p:nvPr>
+            <p:ph type="sldNum" sz="quarter" idx="10"/>
+          </p:nvPr>
+        </p:nvSpPr>
+        <p:spPr/>
+        <p:txBody>
+          <a:bodyPr/>
+          <a:lstStyle/>
+          <a:p>
+            <a:fld id="{CD563DD8-32AB-41BE-B1C6-8EAC45222ACE}" type="slidenum">
+              <a:rPr lang="en-US" smtClean="0"/>
               <a:t>25</a:t>
             </a:fld>
             <a:endParaRPr lang="en-US"/>
@@ -1967,7 +2001,7 @@
 </p:notes>
 </file>
 
-<file path=ppt/notesSlides/notesSlide14.xml><?xml version="1.0" encoding="utf-8"?>
+<file path=ppt/notesSlides/notesSlide15.xml><?xml version="1.0" encoding="utf-8"?>
 <p:notes xmlns:a="http://schemas.openxmlformats.org/drawingml/2006/main" xmlns:r="http://schemas.openxmlformats.org/officeDocument/2006/relationships" xmlns:p="http://schemas.openxmlformats.org/presentationml/2006/main">
   <p:cSld>
     <p:spTree>
@@ -2144,65 +2178,40 @@
           <a:lstStyle/>
           <a:p>
             <a:r>
+              <a:rPr lang="en-US" b="1" dirty="0"/>
+              <a:t>Note (Python</a:t>
+            </a:r>
+            <a:r>
+              <a:rPr lang="en-US" b="1" baseline="0" dirty="0"/>
+              <a:t> 3.6): Inconsistent </a:t>
+            </a:r>
+            <a:r>
+              <a:rPr lang="en-US" b="1" baseline="0"/>
+              <a:t>error reporting</a:t>
+            </a:r>
+            <a:endParaRPr lang="en-US" b="1" dirty="0"/>
+          </a:p>
+          <a:p>
+            <a:r>
               <a:rPr lang="en-US" dirty="0"/>
-              <a:t>NOTE:</a:t>
-            </a:r>
-            <a:r>
-              <a:rPr lang="en-US" baseline="0" dirty="0"/>
-              <a:t> Converting long integer (internally represented in binary) to decimal for printing takes QUADRATIC time</a:t>
+              <a:t>1e300 * 1e300 -&gt; </a:t>
+            </a:r>
+            <a:r>
+              <a:rPr lang="en-US" dirty="0" err="1"/>
+              <a:t>inf</a:t>
             </a:r>
             <a:endParaRPr lang="en-US" dirty="0"/>
           </a:p>
           <a:p>
+            <a:r>
+              <a:rPr lang="en-US" dirty="0"/>
+              <a:t>1e300 ** 2 -&gt; </a:t>
+            </a:r>
+            <a:r>
+              <a:rPr lang="en-US" dirty="0" err="1"/>
+              <a:t>OverflowError</a:t>
+            </a:r>
             <a:endParaRPr lang="en-US" dirty="0"/>
-          </a:p>
-          <a:p>
-            <a:r>
-              <a:rPr lang="en-US" dirty="0"/>
-              <a:t>&gt;&gt;&gt; </a:t>
-            </a:r>
-            <a:r>
-              <a:rPr lang="en-US" dirty="0" err="1"/>
-              <a:t>timeit.timeit</a:t>
-            </a:r>
-            <a:r>
-              <a:rPr lang="en-US" dirty="0"/>
-              <a:t>('(3**1000000)', number=1)</a:t>
-            </a:r>
-          </a:p>
-          <a:p>
-            <a:r>
-              <a:rPr lang="en-US" dirty="0"/>
-              <a:t>0.35205646000031265</a:t>
-            </a:r>
-          </a:p>
-          <a:p>
-            <a:r>
-              <a:rPr lang="en-US" dirty="0"/>
-              <a:t>&gt;&gt;&gt; </a:t>
-            </a:r>
-            <a:r>
-              <a:rPr lang="en-US" dirty="0" err="1"/>
-              <a:t>timeit.timeit</a:t>
-            </a:r>
-            <a:r>
-              <a:rPr lang="en-US" dirty="0"/>
-              <a:t>('</a:t>
-            </a:r>
-            <a:r>
-              <a:rPr lang="en-US" dirty="0" err="1"/>
-              <a:t>str</a:t>
-            </a:r>
-            <a:r>
-              <a:rPr lang="en-US" dirty="0"/>
-              <a:t>(3**1000000)', number=1)</a:t>
-            </a:r>
-          </a:p>
-          <a:p>
-            <a:r>
-              <a:rPr lang="en-US" dirty="0"/>
-              <a:t>15.860024185000384</a:t>
-            </a:r>
           </a:p>
         </p:txBody>
       </p:sp>
@@ -2223,7 +2232,7 @@
           <a:p>
             <a:fld id="{CD563DD8-32AB-41BE-B1C6-8EAC45222ACE}" type="slidenum">
               <a:rPr lang="en-US" smtClean="0"/>
-              <a:t>7</a:t>
+              <a:t>6</a:t>
             </a:fld>
             <a:endParaRPr lang="en-US"/>
           </a:p>
@@ -2232,7 +2241,7 @@
     </p:spTree>
     <p:extLst>
       <p:ext uri="{BB962C8B-B14F-4D97-AF65-F5344CB8AC3E}">
-        <p14:creationId xmlns:p14="http://schemas.microsoft.com/office/powerpoint/2010/main" val="3500407762"/>
+        <p14:creationId xmlns:p14="http://schemas.microsoft.com/office/powerpoint/2010/main" val="2440397925"/>
       </p:ext>
     </p:extLst>
   </p:cSld>
@@ -2287,20 +2296,65 @@
           <a:lstStyle/>
           <a:p>
             <a:r>
+              <a:rPr lang="en-US" dirty="0"/>
+              <a:t>NOTE:</a:t>
+            </a:r>
+            <a:r>
+              <a:rPr lang="en-US" baseline="0" dirty="0"/>
+              <a:t> Converting long integer (internally represented in binary) to decimal for printing takes QUADRATIC time</a:t>
+            </a:r>
+            <a:endParaRPr lang="en-US" dirty="0"/>
+          </a:p>
+          <a:p>
+            <a:endParaRPr lang="en-US" dirty="0"/>
+          </a:p>
+          <a:p>
+            <a:r>
+              <a:rPr lang="en-US" dirty="0"/>
+              <a:t>&gt;&gt;&gt; </a:t>
+            </a:r>
+            <a:r>
               <a:rPr lang="en-US" dirty="0" err="1"/>
               <a:t>timeit.timeit</a:t>
             </a:r>
             <a:r>
-              <a:rPr lang="en-US" baseline="0" dirty="0"/>
-              <a:t> returns sec. for running the code 1.000.000  times</a:t>
-            </a:r>
-          </a:p>
-          <a:p>
-            <a:r>
-              <a:rPr lang="en-US" baseline="0" dirty="0"/>
-              <a:t>most functions are just wrappers to the corresponding C99 functions</a:t>
-            </a:r>
-            <a:endParaRPr lang="en-US" dirty="0"/>
+              <a:rPr lang="en-US" dirty="0"/>
+              <a:t>('(3**1000000)', number=1)</a:t>
+            </a:r>
+          </a:p>
+          <a:p>
+            <a:r>
+              <a:rPr lang="en-US" dirty="0"/>
+              <a:t>0.35205646000031265</a:t>
+            </a:r>
+          </a:p>
+          <a:p>
+            <a:r>
+              <a:rPr lang="en-US" dirty="0"/>
+              <a:t>&gt;&gt;&gt; </a:t>
+            </a:r>
+            <a:r>
+              <a:rPr lang="en-US" dirty="0" err="1"/>
+              <a:t>timeit.timeit</a:t>
+            </a:r>
+            <a:r>
+              <a:rPr lang="en-US" dirty="0"/>
+              <a:t>('</a:t>
+            </a:r>
+            <a:r>
+              <a:rPr lang="en-US" dirty="0" err="1"/>
+              <a:t>str</a:t>
+            </a:r>
+            <a:r>
+              <a:rPr lang="en-US" dirty="0"/>
+              <a:t>(3**1000000)', number=1)</a:t>
+            </a:r>
+          </a:p>
+          <a:p>
+            <a:r>
+              <a:rPr lang="en-US" dirty="0"/>
+              <a:t>15.860024185000384</a:t>
+            </a:r>
           </a:p>
         </p:txBody>
       </p:sp>
@@ -2321,7 +2375,7 @@
           <a:p>
             <a:fld id="{CD563DD8-32AB-41BE-B1C6-8EAC45222ACE}" type="slidenum">
               <a:rPr lang="en-US" smtClean="0"/>
-              <a:t>9</a:t>
+              <a:t>7</a:t>
             </a:fld>
             <a:endParaRPr lang="en-US"/>
           </a:p>
@@ -2330,7 +2384,7 @@
     </p:spTree>
     <p:extLst>
       <p:ext uri="{BB962C8B-B14F-4D97-AF65-F5344CB8AC3E}">
-        <p14:creationId xmlns:p14="http://schemas.microsoft.com/office/powerpoint/2010/main" val="1393188041"/>
+        <p14:creationId xmlns:p14="http://schemas.microsoft.com/office/powerpoint/2010/main" val="3500407762"/>
       </p:ext>
     </p:extLst>
   </p:cSld>
@@ -2384,7 +2438,21 @@
           <a:bodyPr/>
           <a:lstStyle/>
           <a:p>
-            <a:endParaRPr lang="da-DK" dirty="0"/>
+            <a:r>
+              <a:rPr lang="en-US" dirty="0" err="1"/>
+              <a:t>timeit.timeit</a:t>
+            </a:r>
+            <a:r>
+              <a:rPr lang="en-US" baseline="0" dirty="0"/>
+              <a:t> returns sec. for running the code 1.000.000  times</a:t>
+            </a:r>
+          </a:p>
+          <a:p>
+            <a:r>
+              <a:rPr lang="en-US" baseline="0" dirty="0"/>
+              <a:t>most functions are just wrappers to the corresponding C99 functions</a:t>
+            </a:r>
+            <a:endParaRPr lang="en-US" dirty="0"/>
           </a:p>
         </p:txBody>
       </p:sp>
@@ -2395,7 +2463,7 @@
             <a:spLocks noGrp="1"/>
           </p:cNvSpPr>
           <p:nvPr>
-            <p:ph type="sldNum" sz="quarter" idx="5"/>
+            <p:ph type="sldNum" sz="quarter" idx="10"/>
           </p:nvPr>
         </p:nvSpPr>
         <p:spPr/>
@@ -2405,7 +2473,7 @@
           <a:p>
             <a:fld id="{CD563DD8-32AB-41BE-B1C6-8EAC45222ACE}" type="slidenum">
               <a:rPr lang="en-US" smtClean="0"/>
-              <a:t>10</a:t>
+              <a:t>9</a:t>
             </a:fld>
             <a:endParaRPr lang="en-US"/>
           </a:p>
@@ -2414,7 +2482,7 @@
     </p:spTree>
     <p:extLst>
       <p:ext uri="{BB962C8B-B14F-4D97-AF65-F5344CB8AC3E}">
-        <p14:creationId xmlns:p14="http://schemas.microsoft.com/office/powerpoint/2010/main" val="3973946187"/>
+        <p14:creationId xmlns:p14="http://schemas.microsoft.com/office/powerpoint/2010/main" val="1393188041"/>
       </p:ext>
     </p:extLst>
   </p:cSld>
@@ -2468,15 +2536,7 @@
           <a:bodyPr/>
           <a:lstStyle/>
           <a:p>
-            <a:r>
-              <a:rPr lang="en-US" dirty="0"/>
-              <a:t>-3//2 vs –(3//2)  (the first equals</a:t>
-            </a:r>
-            <a:r>
-              <a:rPr lang="en-US" baseline="0" dirty="0"/>
-              <a:t> (-3)//2 = -2, whereas –(3//2) = -(1) )=-1)</a:t>
-            </a:r>
-            <a:endParaRPr lang="en-US" dirty="0"/>
+            <a:endParaRPr lang="da-DK" dirty="0"/>
           </a:p>
         </p:txBody>
       </p:sp>
@@ -2487,7 +2547,7 @@
             <a:spLocks noGrp="1"/>
           </p:cNvSpPr>
           <p:nvPr>
-            <p:ph type="sldNum" sz="quarter" idx="10"/>
+            <p:ph type="sldNum" sz="quarter" idx="5"/>
           </p:nvPr>
         </p:nvSpPr>
         <p:spPr/>
@@ -2497,7 +2557,7 @@
           <a:p>
             <a:fld id="{CD563DD8-32AB-41BE-B1C6-8EAC45222ACE}" type="slidenum">
               <a:rPr lang="en-US" smtClean="0"/>
-              <a:t>11</a:t>
+              <a:t>10</a:t>
             </a:fld>
             <a:endParaRPr lang="en-US"/>
           </a:p>
@@ -2506,7 +2566,7 @@
     </p:spTree>
     <p:extLst>
       <p:ext uri="{BB962C8B-B14F-4D97-AF65-F5344CB8AC3E}">
-        <p14:creationId xmlns:p14="http://schemas.microsoft.com/office/powerpoint/2010/main" val="1649897377"/>
+        <p14:creationId xmlns:p14="http://schemas.microsoft.com/office/powerpoint/2010/main" val="3973946187"/>
       </p:ext>
     </p:extLst>
   </p:cSld>
@@ -2562,114 +2622,13 @@
           <a:p>
             <a:r>
               <a:rPr lang="en-US" dirty="0"/>
-              <a:t>More meaningful example, assume L is a list:</a:t>
-            </a:r>
-          </a:p>
-          <a:p>
+              <a:t>-3//2 vs –(3//2)  (the first equals</a:t>
+            </a:r>
+            <a:r>
+              <a:rPr lang="en-US" baseline="0" dirty="0"/>
+              <a:t> (-3)//2 = -2, whereas –(3//2) = -(1) )=-1)</a:t>
+            </a:r>
             <a:endParaRPr lang="en-US" dirty="0"/>
-          </a:p>
-          <a:p>
-            <a:r>
-              <a:rPr lang="en-US" dirty="0"/>
-              <a:t>if </a:t>
-            </a:r>
-            <a:r>
-              <a:rPr lang="en-US" dirty="0" err="1"/>
-              <a:t>len</a:t>
-            </a:r>
-            <a:r>
-              <a:rPr lang="en-US" dirty="0"/>
-              <a:t>(L) &gt; 0 and L[0] != 0:  L[0] -= 1</a:t>
-            </a:r>
-          </a:p>
-          <a:p>
-            <a:r>
-              <a:rPr lang="en-US" dirty="0"/>
-              <a:t>=&gt;</a:t>
-            </a:r>
-          </a:p>
-          <a:p>
-            <a:r>
-              <a:rPr lang="en-US" dirty="0"/>
-              <a:t>If L and L[0]: L[0] -= 1</a:t>
-            </a:r>
-          </a:p>
-          <a:p>
-            <a:endParaRPr lang="da-DK" dirty="0"/>
-          </a:p>
-          <a:p>
-            <a:r>
-              <a:rPr lang="da-DK" dirty="0"/>
-              <a:t>----</a:t>
-            </a:r>
-          </a:p>
-          <a:p>
-            <a:endParaRPr lang="da-DK" dirty="0"/>
-          </a:p>
-          <a:p>
-            <a:r>
-              <a:rPr lang="da-DK" dirty="0" err="1"/>
-              <a:t>Testing</a:t>
-            </a:r>
-            <a:r>
-              <a:rPr lang="da-DK" dirty="0"/>
-              <a:t>:</a:t>
-            </a:r>
-          </a:p>
-          <a:p>
-            <a:endParaRPr lang="da-DK" dirty="0"/>
-          </a:p>
-          <a:p>
-            <a:r>
-              <a:rPr lang="da-DK" dirty="0"/>
-              <a:t>def </a:t>
-            </a:r>
-            <a:r>
-              <a:rPr lang="da-DK" dirty="0" err="1"/>
-              <a:t>value</a:t>
-            </a:r>
-            <a:r>
-              <a:rPr lang="da-DK" dirty="0"/>
-              <a:t>(x):</a:t>
-            </a:r>
-          </a:p>
-          <a:p>
-            <a:r>
-              <a:rPr lang="da-DK" dirty="0"/>
-              <a:t>    print(‘</a:t>
-            </a:r>
-            <a:r>
-              <a:rPr lang="da-DK" dirty="0" err="1"/>
-              <a:t>value</a:t>
-            </a:r>
-            <a:r>
-              <a:rPr lang="da-DK" dirty="0"/>
-              <a:t> is', x)</a:t>
-            </a:r>
-          </a:p>
-          <a:p>
-            <a:r>
-              <a:rPr lang="da-DK" dirty="0"/>
-              <a:t>    return x</a:t>
-            </a:r>
-          </a:p>
-          <a:p>
-            <a:endParaRPr lang="da-DK" dirty="0"/>
-          </a:p>
-          <a:p>
-            <a:r>
-              <a:rPr lang="en-US" dirty="0"/>
-              <a:t>value(2) and value(5)</a:t>
-            </a:r>
-          </a:p>
-          <a:p>
-            <a:r>
-              <a:rPr lang="en-US" dirty="0"/>
-              <a:t>value(2) or value(5)</a:t>
-            </a:r>
-          </a:p>
-          <a:p>
-            <a:endParaRPr lang="da-DK" dirty="0"/>
           </a:p>
         </p:txBody>
       </p:sp>
@@ -2680,7 +2639,7 @@
             <a:spLocks noGrp="1"/>
           </p:cNvSpPr>
           <p:nvPr>
-            <p:ph type="sldNum" sz="quarter" idx="5"/>
+            <p:ph type="sldNum" sz="quarter" idx="10"/>
           </p:nvPr>
         </p:nvSpPr>
         <p:spPr/>
@@ -2690,7 +2649,7 @@
           <a:p>
             <a:fld id="{CD563DD8-32AB-41BE-B1C6-8EAC45222ACE}" type="slidenum">
               <a:rPr lang="en-US" smtClean="0"/>
-              <a:t>13</a:t>
+              <a:t>11</a:t>
             </a:fld>
             <a:endParaRPr lang="en-US"/>
           </a:p>
@@ -2699,7 +2658,7 @@
     </p:spTree>
     <p:extLst>
       <p:ext uri="{BB962C8B-B14F-4D97-AF65-F5344CB8AC3E}">
-        <p14:creationId xmlns:p14="http://schemas.microsoft.com/office/powerpoint/2010/main" val="1004196439"/>
+        <p14:creationId xmlns:p14="http://schemas.microsoft.com/office/powerpoint/2010/main" val="1649897377"/>
       </p:ext>
     </p:extLst>
   </p:cSld>
@@ -2755,13 +2714,114 @@
           <a:p>
             <a:r>
               <a:rPr lang="en-US" dirty="0"/>
-              <a:t>Nice thing about Python “if</a:t>
-            </a:r>
-            <a:r>
-              <a:rPr lang="en-US" baseline="0" dirty="0"/>
-              <a:t> x=3:” will give a syntax error, opposed to other languages... like C, C++ &lt;&lt; java???&gt;&gt;</a:t>
-            </a:r>
+              <a:t>More meaningful example, assume L is a list:</a:t>
+            </a:r>
+          </a:p>
+          <a:p>
             <a:endParaRPr lang="en-US" dirty="0"/>
+          </a:p>
+          <a:p>
+            <a:r>
+              <a:rPr lang="en-US" dirty="0"/>
+              <a:t>if </a:t>
+            </a:r>
+            <a:r>
+              <a:rPr lang="en-US" dirty="0" err="1"/>
+              <a:t>len</a:t>
+            </a:r>
+            <a:r>
+              <a:rPr lang="en-US" dirty="0"/>
+              <a:t>(L) &gt; 0 and L[0] != 0:  L[0] -= 1</a:t>
+            </a:r>
+          </a:p>
+          <a:p>
+            <a:r>
+              <a:rPr lang="en-US" dirty="0"/>
+              <a:t>=&gt;</a:t>
+            </a:r>
+          </a:p>
+          <a:p>
+            <a:r>
+              <a:rPr lang="en-US" dirty="0"/>
+              <a:t>If L and L[0]: L[0] -= 1</a:t>
+            </a:r>
+          </a:p>
+          <a:p>
+            <a:endParaRPr lang="da-DK" dirty="0"/>
+          </a:p>
+          <a:p>
+            <a:r>
+              <a:rPr lang="da-DK" dirty="0"/>
+              <a:t>----</a:t>
+            </a:r>
+          </a:p>
+          <a:p>
+            <a:endParaRPr lang="da-DK" dirty="0"/>
+          </a:p>
+          <a:p>
+            <a:r>
+              <a:rPr lang="da-DK" dirty="0" err="1"/>
+              <a:t>Testing</a:t>
+            </a:r>
+            <a:r>
+              <a:rPr lang="da-DK" dirty="0"/>
+              <a:t>:</a:t>
+            </a:r>
+          </a:p>
+          <a:p>
+            <a:endParaRPr lang="da-DK" dirty="0"/>
+          </a:p>
+          <a:p>
+            <a:r>
+              <a:rPr lang="da-DK" dirty="0"/>
+              <a:t>def </a:t>
+            </a:r>
+            <a:r>
+              <a:rPr lang="da-DK" dirty="0" err="1"/>
+              <a:t>value</a:t>
+            </a:r>
+            <a:r>
+              <a:rPr lang="da-DK" dirty="0"/>
+              <a:t>(x):</a:t>
+            </a:r>
+          </a:p>
+          <a:p>
+            <a:r>
+              <a:rPr lang="da-DK" dirty="0"/>
+              <a:t>    print(‘</a:t>
+            </a:r>
+            <a:r>
+              <a:rPr lang="da-DK" dirty="0" err="1"/>
+              <a:t>value</a:t>
+            </a:r>
+            <a:r>
+              <a:rPr lang="da-DK" dirty="0"/>
+              <a:t> is', x)</a:t>
+            </a:r>
+          </a:p>
+          <a:p>
+            <a:r>
+              <a:rPr lang="da-DK" dirty="0"/>
+              <a:t>    return x</a:t>
+            </a:r>
+          </a:p>
+          <a:p>
+            <a:endParaRPr lang="da-DK" dirty="0"/>
+          </a:p>
+          <a:p>
+            <a:r>
+              <a:rPr lang="en-US" dirty="0"/>
+              <a:t>value(2) and value(5)</a:t>
+            </a:r>
+          </a:p>
+          <a:p>
+            <a:r>
+              <a:rPr lang="en-US" dirty="0"/>
+              <a:t>value(2) or value(5)</a:t>
+            </a:r>
+          </a:p>
+          <a:p>
+            <a:endParaRPr lang="da-DK" dirty="0"/>
           </a:p>
         </p:txBody>
       </p:sp>
@@ -2772,7 +2832,7 @@
             <a:spLocks noGrp="1"/>
           </p:cNvSpPr>
           <p:nvPr>
-            <p:ph type="sldNum" sz="quarter" idx="10"/>
+            <p:ph type="sldNum" sz="quarter" idx="5"/>
           </p:nvPr>
         </p:nvSpPr>
         <p:spPr/>
@@ -2782,7 +2842,7 @@
           <a:p>
             <a:fld id="{CD563DD8-32AB-41BE-B1C6-8EAC45222ACE}" type="slidenum">
               <a:rPr lang="en-US" smtClean="0"/>
-              <a:t>15</a:t>
+              <a:t>13</a:t>
             </a:fld>
             <a:endParaRPr lang="en-US"/>
           </a:p>
@@ -2791,7 +2851,7 @@
     </p:spTree>
     <p:extLst>
       <p:ext uri="{BB962C8B-B14F-4D97-AF65-F5344CB8AC3E}">
-        <p14:creationId xmlns:p14="http://schemas.microsoft.com/office/powerpoint/2010/main" val="3700905384"/>
+        <p14:creationId xmlns:p14="http://schemas.microsoft.com/office/powerpoint/2010/main" val="1004196439"/>
       </p:ext>
     </p:extLst>
   </p:cSld>
@@ -2845,6 +2905,14 @@
           <a:bodyPr/>
           <a:lstStyle/>
           <a:p>
+            <a:r>
+              <a:rPr lang="en-US" dirty="0"/>
+              <a:t>Nice thing about Python “if</a:t>
+            </a:r>
+            <a:r>
+              <a:rPr lang="en-US" baseline="0" dirty="0"/>
+              <a:t> x=3:” will give a syntax error, opposed to other languages... like C, C++ &lt;&lt; java???&gt;&gt;</a:t>
+            </a:r>
             <a:endParaRPr lang="en-US" dirty="0"/>
           </a:p>
         </p:txBody>
@@ -2866,7 +2934,7 @@
           <a:p>
             <a:fld id="{CD563DD8-32AB-41BE-B1C6-8EAC45222ACE}" type="slidenum">
               <a:rPr lang="en-US" smtClean="0"/>
-              <a:t>16</a:t>
+              <a:t>15</a:t>
             </a:fld>
             <a:endParaRPr lang="en-US"/>
           </a:p>
@@ -2875,7 +2943,7 @@
     </p:spTree>
     <p:extLst>
       <p:ext uri="{BB962C8B-B14F-4D97-AF65-F5344CB8AC3E}">
-        <p14:creationId xmlns:p14="http://schemas.microsoft.com/office/powerpoint/2010/main" val="1264082981"/>
+        <p14:creationId xmlns:p14="http://schemas.microsoft.com/office/powerpoint/2010/main" val="3700905384"/>
       </p:ext>
     </p:extLst>
   </p:cSld>
@@ -2929,7 +2997,7 @@
           <a:bodyPr/>
           <a:lstStyle/>
           <a:p>
-            <a:endParaRPr lang="da-DK" dirty="0"/>
+            <a:endParaRPr lang="en-US" dirty="0"/>
           </a:p>
         </p:txBody>
       </p:sp>
@@ -2940,7 +3008,7 @@
             <a:spLocks noGrp="1"/>
           </p:cNvSpPr>
           <p:nvPr>
-            <p:ph type="sldNum" sz="quarter" idx="5"/>
+            <p:ph type="sldNum" sz="quarter" idx="10"/>
           </p:nvPr>
         </p:nvSpPr>
         <p:spPr/>
@@ -2950,7 +3018,7 @@
           <a:p>
             <a:fld id="{CD563DD8-32AB-41BE-B1C6-8EAC45222ACE}" type="slidenum">
               <a:rPr lang="en-US" smtClean="0"/>
-              <a:t>18</a:t>
+              <a:t>16</a:t>
             </a:fld>
             <a:endParaRPr lang="en-US"/>
           </a:p>
@@ -2959,7 +3027,7 @@
     </p:spTree>
     <p:extLst>
       <p:ext uri="{BB962C8B-B14F-4D97-AF65-F5344CB8AC3E}">
-        <p14:creationId xmlns:p14="http://schemas.microsoft.com/office/powerpoint/2010/main" val="1245558868"/>
+        <p14:creationId xmlns:p14="http://schemas.microsoft.com/office/powerpoint/2010/main" val="1264082981"/>
       </p:ext>
     </p:extLst>
   </p:cSld>
@@ -3106,7 +3174,7 @@
           <a:p>
             <a:fld id="{0560A9CD-0304-4E0B-9E82-E7E0115DE05B}" type="datetimeFigureOut">
               <a:rPr lang="en-US" smtClean="0"/>
-              <a:t>2/5/2025</a:t>
+              <a:t>5/13/2025</a:t>
             </a:fld>
             <a:endParaRPr lang="en-US"/>
           </a:p>
@@ -3274,7 +3342,7 @@
           <a:p>
             <a:fld id="{0560A9CD-0304-4E0B-9E82-E7E0115DE05B}" type="datetimeFigureOut">
               <a:rPr lang="en-US" smtClean="0"/>
-              <a:t>2/5/2025</a:t>
+              <a:t>5/13/2025</a:t>
             </a:fld>
             <a:endParaRPr lang="en-US"/>
           </a:p>
@@ -3452,7 +3520,7 @@
           <a:p>
             <a:fld id="{0560A9CD-0304-4E0B-9E82-E7E0115DE05B}" type="datetimeFigureOut">
               <a:rPr lang="en-US" smtClean="0"/>
-              <a:t>2/5/2025</a:t>
+              <a:t>5/13/2025</a:t>
             </a:fld>
             <a:endParaRPr lang="en-US"/>
           </a:p>
@@ -3629,7 +3697,7 @@
           <a:p>
             <a:fld id="{0560A9CD-0304-4E0B-9E82-E7E0115DE05B}" type="datetimeFigureOut">
               <a:rPr lang="en-US" smtClean="0"/>
-              <a:t>2/5/2025</a:t>
+              <a:t>5/13/2025</a:t>
             </a:fld>
             <a:endParaRPr lang="en-US"/>
           </a:p>
@@ -3874,7 +3942,7 @@
           <a:p>
             <a:fld id="{0560A9CD-0304-4E0B-9E82-E7E0115DE05B}" type="datetimeFigureOut">
               <a:rPr lang="en-US" smtClean="0"/>
-              <a:t>2/5/2025</a:t>
+              <a:t>5/13/2025</a:t>
             </a:fld>
             <a:endParaRPr lang="en-US"/>
           </a:p>
@@ -4103,7 +4171,7 @@
           <a:p>
             <a:fld id="{0560A9CD-0304-4E0B-9E82-E7E0115DE05B}" type="datetimeFigureOut">
               <a:rPr lang="en-US" smtClean="0"/>
-              <a:t>2/5/2025</a:t>
+              <a:t>5/13/2025</a:t>
             </a:fld>
             <a:endParaRPr lang="en-US"/>
           </a:p>
@@ -4467,7 +4535,7 @@
           <a:p>
             <a:fld id="{0560A9CD-0304-4E0B-9E82-E7E0115DE05B}" type="datetimeFigureOut">
               <a:rPr lang="en-US" smtClean="0"/>
-              <a:t>2/5/2025</a:t>
+              <a:t>5/13/2025</a:t>
             </a:fld>
             <a:endParaRPr lang="en-US"/>
           </a:p>
@@ -4584,7 +4652,7 @@
           <a:p>
             <a:fld id="{0560A9CD-0304-4E0B-9E82-E7E0115DE05B}" type="datetimeFigureOut">
               <a:rPr lang="en-US" smtClean="0"/>
-              <a:t>2/5/2025</a:t>
+              <a:t>5/13/2025</a:t>
             </a:fld>
             <a:endParaRPr lang="en-US"/>
           </a:p>
@@ -4679,7 +4747,7 @@
           <a:p>
             <a:fld id="{0560A9CD-0304-4E0B-9E82-E7E0115DE05B}" type="datetimeFigureOut">
               <a:rPr lang="en-US" smtClean="0"/>
-              <a:t>2/5/2025</a:t>
+              <a:t>5/13/2025</a:t>
             </a:fld>
             <a:endParaRPr lang="en-US"/>
           </a:p>
@@ -4954,7 +5022,7 @@
           <a:p>
             <a:fld id="{0560A9CD-0304-4E0B-9E82-E7E0115DE05B}" type="datetimeFigureOut">
               <a:rPr lang="en-US" smtClean="0"/>
-              <a:t>2/5/2025</a:t>
+              <a:t>5/13/2025</a:t>
             </a:fld>
             <a:endParaRPr lang="en-US"/>
           </a:p>
@@ -5206,7 +5274,7 @@
           <a:p>
             <a:fld id="{0560A9CD-0304-4E0B-9E82-E7E0115DE05B}" type="datetimeFigureOut">
               <a:rPr lang="en-US" smtClean="0"/>
-              <a:t>2/5/2025</a:t>
+              <a:t>5/13/2025</a:t>
             </a:fld>
             <a:endParaRPr lang="en-US"/>
           </a:p>
@@ -5417,7 +5485,7 @@
           <a:p>
             <a:fld id="{0560A9CD-0304-4E0B-9E82-E7E0115DE05B}" type="datetimeFigureOut">
               <a:rPr lang="en-US" smtClean="0"/>
-              <a:t>2/5/2025</a:t>
+              <a:t>5/13/2025</a:t>
             </a:fld>
             <a:endParaRPr lang="en-US"/>
           </a:p>
@@ -17782,6 +17850,50 @@
           <a:lstStyle/>
           <a:p>
             <a:r>
+              <a:rPr lang="en-US" i="1" dirty="0"/>
+              <a:t>str</a:t>
+            </a:r>
+            <a:r>
+              <a:rPr lang="en-US" dirty="0">
+                <a:latin typeface="Courier"/>
+              </a:rPr>
+              <a:t>[-</a:t>
+            </a:r>
+            <a:r>
+              <a:rPr lang="en-US" i="1" dirty="0"/>
+              <a:t>i</a:t>
+            </a:r>
+            <a:r>
+              <a:rPr lang="en-US" dirty="0">
+                <a:latin typeface="Courier"/>
+              </a:rPr>
+              <a:t>]</a:t>
+            </a:r>
+            <a:r>
+              <a:rPr lang="en-US" dirty="0"/>
+              <a:t> returns the symbol </a:t>
+            </a:r>
+            <a:r>
+              <a:rPr lang="en-US" i="1" dirty="0"/>
+              <a:t>i</a:t>
+            </a:r>
+            <a:r>
+              <a:rPr lang="en-US" dirty="0"/>
+              <a:t> positions from the right, the rightmost </a:t>
+            </a:r>
+            <a:r>
+              <a:rPr lang="en-US" i="1" dirty="0"/>
+              <a:t>str</a:t>
+            </a:r>
+            <a:r>
+              <a:rPr lang="en-US" dirty="0">
+                <a:latin typeface="Courier"/>
+              </a:rPr>
+              <a:t>[-1]</a:t>
+            </a:r>
+          </a:p>
+          <a:p>
+            <a:r>
               <a:rPr lang="en-US" i="1" dirty="0" err="1"/>
               <a:t>str</a:t>
             </a:r>
@@ -17789,11 +17901,21 @@
               <a:rPr lang="en-US" dirty="0">
                 <a:latin typeface="Courier"/>
               </a:rPr>
-              <a:t>[-</a:t>
-            </a:r>
-            <a:r>
-              <a:rPr lang="en-US" i="1" dirty="0"/>
-              <a:t>index</a:t>
+              <a:t>[</a:t>
+            </a:r>
+            <a:r>
+              <a:rPr lang="en-US" i="1" dirty="0" err="1"/>
+              <a:t>from</a:t>
+            </a:r>
+            <a:r>
+              <a:rPr lang="en-US" dirty="0" err="1">
+                <a:latin typeface="Courier"/>
+              </a:rPr>
+              <a:t>:</a:t>
+            </a:r>
+            <a:r>
+              <a:rPr lang="en-US" i="1" dirty="0" err="1"/>
+              <a:t>to</a:t>
             </a:r>
             <a:r>
               <a:rPr lang="en-US" dirty="0">
@@ -17803,128 +17925,82 @@
             </a:r>
             <a:r>
               <a:rPr lang="en-US" dirty="0"/>
-              <a:t> returns the symbol i positions from the right, the rightmost </a:t>
-            </a:r>
-            <a:r>
-              <a:rPr lang="en-US" i="1" dirty="0" err="1"/>
+              <a:t> substring starting at index </a:t>
+            </a:r>
+            <a:r>
+              <a:rPr lang="en-US" i="1" dirty="0"/>
+              <a:t>from</a:t>
+            </a:r>
+            <a:r>
+              <a:rPr lang="en-US" dirty="0"/>
+              <a:t> and ending at index </a:t>
+            </a:r>
+            <a:r>
+              <a:rPr lang="en-US" i="1" dirty="0"/>
+              <a:t>to</a:t>
+            </a:r>
+            <a:r>
+              <a:rPr lang="en-US" dirty="0"/>
+              <a:t>-1</a:t>
+            </a:r>
+          </a:p>
+          <a:p>
+            <a:r>
+              <a:rPr lang="en-US" i="1" dirty="0"/>
               <a:t>str</a:t>
             </a:r>
             <a:r>
               <a:rPr lang="en-US" dirty="0">
                 <a:latin typeface="Courier"/>
               </a:rPr>
-              <a:t>[-1]</a:t>
-            </a:r>
-          </a:p>
-          <a:p>
-            <a:r>
-              <a:rPr lang="en-US" i="1" dirty="0" err="1"/>
-              <a:t>str</a:t>
+              <a:t>[</a:t>
+            </a:r>
+            <a:r>
+              <a:rPr lang="en-US" i="1" dirty="0"/>
+              <a:t>from</a:t>
             </a:r>
             <a:r>
               <a:rPr lang="en-US" dirty="0">
                 <a:latin typeface="Courier"/>
               </a:rPr>
-              <a:t>[</a:t>
-            </a:r>
-            <a:r>
-              <a:rPr lang="en-US" i="1" dirty="0" err="1"/>
+              <a:t>:-</a:t>
+            </a:r>
+            <a:r>
+              <a:rPr lang="en-US" i="1" dirty="0"/>
+              <a:t>to</a:t>
+            </a:r>
+            <a:r>
+              <a:rPr lang="en-US" dirty="0">
+                <a:latin typeface="Courier"/>
+              </a:rPr>
+              <a:t>]</a:t>
+            </a:r>
+            <a:r>
+              <a:rPr lang="en-US" dirty="0"/>
+              <a:t> substring starting at </a:t>
+            </a:r>
+            <a:r>
+              <a:rPr lang="en-US" i="1" dirty="0"/>
               <a:t>from</a:t>
+            </a:r>
+            <a:r>
+              <a:rPr lang="en-US" dirty="0"/>
+              <a:t> and last at index </a:t>
             </a:r>
             <a:r>
               <a:rPr lang="en-US" dirty="0" err="1">
                 <a:latin typeface="Courier"/>
               </a:rPr>
-              <a:t>:</a:t>
-            </a:r>
-            <a:r>
-              <a:rPr lang="en-US" i="1" dirty="0" err="1"/>
-              <a:t>to</a:t>
+              <a:t>len</a:t>
             </a:r>
             <a:r>
               <a:rPr lang="en-US" dirty="0">
                 <a:latin typeface="Courier"/>
               </a:rPr>
-              <a:t>]</a:t>
-            </a:r>
-            <a:r>
-              <a:rPr lang="en-US" dirty="0"/>
-              <a:t> substring starting at index </a:t>
+              <a:t>(</a:t>
             </a:r>
             <a:r>
               <a:rPr lang="en-US" i="1" dirty="0"/>
-              <a:t>from</a:t>
-            </a:r>
-            <a:r>
-              <a:rPr lang="en-US" dirty="0"/>
-              <a:t> and ending at index </a:t>
-            </a:r>
-            <a:r>
-              <a:rPr lang="en-US" i="1" dirty="0"/>
-              <a:t>to</a:t>
-            </a:r>
-            <a:r>
-              <a:rPr lang="en-US" dirty="0"/>
-              <a:t>-1</a:t>
-            </a:r>
-          </a:p>
-          <a:p>
-            <a:r>
-              <a:rPr lang="en-US" i="1" dirty="0" err="1"/>
-              <a:t>str</a:t>
-            </a:r>
-            <a:r>
-              <a:rPr lang="en-US" dirty="0">
-                <a:latin typeface="Courier"/>
-              </a:rPr>
-              <a:t>[</a:t>
-            </a:r>
-            <a:r>
-              <a:rPr lang="en-US" i="1" dirty="0"/>
-              <a:t>from</a:t>
-            </a:r>
-            <a:r>
-              <a:rPr lang="en-US" dirty="0">
-                <a:latin typeface="Courier"/>
-              </a:rPr>
-              <a:t>:-</a:t>
-            </a:r>
-            <a:r>
-              <a:rPr lang="en-US" i="1" dirty="0"/>
-              <a:t>to</a:t>
-            </a:r>
-            <a:r>
-              <a:rPr lang="en-US" dirty="0">
-                <a:latin typeface="Courier"/>
-              </a:rPr>
-              <a:t>]</a:t>
-            </a:r>
-            <a:r>
-              <a:rPr lang="en-US" dirty="0"/>
-              <a:t> substring starting at </a:t>
-            </a:r>
-            <a:r>
-              <a:rPr lang="en-US" i="1" dirty="0"/>
-              <a:t>form</a:t>
-            </a:r>
-            <a:r>
-              <a:rPr lang="en-US" dirty="0"/>
-              <a:t> and last at index </a:t>
-            </a:r>
-            <a:r>
-              <a:rPr lang="en-US" dirty="0" err="1">
-                <a:latin typeface="Courier"/>
-              </a:rPr>
-              <a:t>len</a:t>
-            </a:r>
-            <a:r>
-              <a:rPr lang="en-US" dirty="0">
-                <a:latin typeface="Courier"/>
-              </a:rPr>
-              <a:t>(</a:t>
-            </a:r>
-            <a:r>
-              <a:rPr lang="en-US" i="1" dirty="0" err="1"/>
               <a:t>str</a:t>
             </a:r>
             <a:r>
@@ -30178,8 +30254,8 @@
           </a:p>
         </p:txBody>
       </p:sp>
-      <mc:AlternateContent xmlns:mc="http://schemas.openxmlformats.org/markup-compatibility/2006">
-        <mc:Choice xmlns:a14="http://schemas.microsoft.com/office/drawing/2010/main" Requires="a14">
+      <mc:AlternateContent xmlns:mc="http://schemas.openxmlformats.org/markup-compatibility/2006" xmlns:a14="http://schemas.microsoft.com/office/drawing/2010/main">
+        <mc:Choice Requires="a14">
           <p:sp>
             <p:nvSpPr>
               <p:cNvPr id="3" name="Content Placeholder 2"/>
@@ -30783,7 +30859,7 @@
             </p:txBody>
           </p:sp>
         </mc:Choice>
-        <mc:Fallback>
+        <mc:Fallback xmlns="">
           <p:sp>
             <p:nvSpPr>
               <p:cNvPr id="3" name="Content Placeholder 2"/>

--- a/ipsa/slides/operations.pptx
+++ b/ipsa/slides/operations.pptx
@@ -173,14 +173,6 @@
           <pc:docMk/>
           <pc:sldMk cId="2541956680" sldId="392"/>
         </pc:sldMkLst>
-        <pc:spChg chg="mod">
-          <ac:chgData name="Gerth Stølting Brodal" userId="04ef4784-6591-4f86-a140-f5c3b108582a" providerId="ADAL" clId="{46B6BEF1-E1E8-49BC-811E-3C23AC114643}" dt="2025-05-13T12:29:09.463" v="24" actId="20577"/>
-          <ac:spMkLst>
-            <pc:docMk/>
-            <pc:sldMk cId="2541956680" sldId="392"/>
-            <ac:spMk id="3" creationId="{00000000-0000-0000-0000-000000000000}"/>
-          </ac:spMkLst>
-        </pc:spChg>
       </pc:sldChg>
     </pc:docChg>
   </pc:docChgLst>
@@ -382,6 +374,83 @@
     </pc:docChg>
   </pc:docChgLst>
   <pc:docChgLst>
+    <pc:chgData name="Gerth Stølting Brodal" userId="04ef4784-6591-4f86-a140-f5c3b108582a" providerId="ADAL" clId="{27124F44-A0F7-408A-AA2B-2C5136C1DC06}"/>
+    <pc:docChg chg="modSld">
+      <pc:chgData name="Gerth Stølting Brodal" userId="04ef4784-6591-4f86-a140-f5c3b108582a" providerId="ADAL" clId="{27124F44-A0F7-408A-AA2B-2C5136C1DC06}" dt="2025-10-27T18:14:41.312" v="9" actId="962"/>
+      <pc:docMkLst>
+        <pc:docMk/>
+      </pc:docMkLst>
+      <pc:sldChg chg="modSp mod">
+        <pc:chgData name="Gerth Stølting Brodal" userId="04ef4784-6591-4f86-a140-f5c3b108582a" providerId="ADAL" clId="{27124F44-A0F7-408A-AA2B-2C5136C1DC06}" dt="2025-10-27T18:13:50.388" v="1" actId="962"/>
+        <pc:sldMkLst>
+          <pc:docMk/>
+          <pc:sldMk cId="1948132778" sldId="376"/>
+        </pc:sldMkLst>
+        <pc:spChg chg="mod">
+          <ac:chgData name="Gerth Stølting Brodal" userId="04ef4784-6591-4f86-a140-f5c3b108582a" providerId="ADAL" clId="{27124F44-A0F7-408A-AA2B-2C5136C1DC06}" dt="2025-10-27T18:13:50.388" v="1" actId="962"/>
+          <ac:spMkLst>
+            <pc:docMk/>
+            <pc:sldMk cId="1948132778" sldId="376"/>
+            <ac:spMk id="5" creationId="{00000000-0000-0000-0000-000000000000}"/>
+          </ac:spMkLst>
+        </pc:spChg>
+      </pc:sldChg>
+      <pc:sldChg chg="modSp mod">
+        <pc:chgData name="Gerth Stølting Brodal" userId="04ef4784-6591-4f86-a140-f5c3b108582a" providerId="ADAL" clId="{27124F44-A0F7-408A-AA2B-2C5136C1DC06}" dt="2025-10-27T18:13:57.658" v="3" actId="962"/>
+        <pc:sldMkLst>
+          <pc:docMk/>
+          <pc:sldMk cId="3308146028" sldId="377"/>
+        </pc:sldMkLst>
+        <pc:spChg chg="mod">
+          <ac:chgData name="Gerth Stølting Brodal" userId="04ef4784-6591-4f86-a140-f5c3b108582a" providerId="ADAL" clId="{27124F44-A0F7-408A-AA2B-2C5136C1DC06}" dt="2025-10-27T18:13:57.658" v="3" actId="962"/>
+          <ac:spMkLst>
+            <pc:docMk/>
+            <pc:sldMk cId="3308146028" sldId="377"/>
+            <ac:spMk id="5" creationId="{00000000-0000-0000-0000-000000000000}"/>
+          </ac:spMkLst>
+        </pc:spChg>
+      </pc:sldChg>
+      <pc:sldChg chg="modSp mod">
+        <pc:chgData name="Gerth Stølting Brodal" userId="04ef4784-6591-4f86-a140-f5c3b108582a" providerId="ADAL" clId="{27124F44-A0F7-408A-AA2B-2C5136C1DC06}" dt="2025-10-27T18:14:03.315" v="5" actId="962"/>
+        <pc:sldMkLst>
+          <pc:docMk/>
+          <pc:sldMk cId="3252396991" sldId="438"/>
+        </pc:sldMkLst>
+        <pc:spChg chg="mod">
+          <ac:chgData name="Gerth Stølting Brodal" userId="04ef4784-6591-4f86-a140-f5c3b108582a" providerId="ADAL" clId="{27124F44-A0F7-408A-AA2B-2C5136C1DC06}" dt="2025-10-27T18:14:03.315" v="5" actId="962"/>
+          <ac:spMkLst>
+            <pc:docMk/>
+            <pc:sldMk cId="3252396991" sldId="438"/>
+            <ac:spMk id="5" creationId="{00000000-0000-0000-0000-000000000000}"/>
+          </ac:spMkLst>
+        </pc:spChg>
+      </pc:sldChg>
+      <pc:sldChg chg="modSp mod">
+        <pc:chgData name="Gerth Stølting Brodal" userId="04ef4784-6591-4f86-a140-f5c3b108582a" providerId="ADAL" clId="{27124F44-A0F7-408A-AA2B-2C5136C1DC06}" dt="2025-10-27T18:14:41.312" v="9" actId="962"/>
+        <pc:sldMkLst>
+          <pc:docMk/>
+          <pc:sldMk cId="3598380061" sldId="439"/>
+        </pc:sldMkLst>
+        <pc:spChg chg="mod">
+          <ac:chgData name="Gerth Stølting Brodal" userId="04ef4784-6591-4f86-a140-f5c3b108582a" providerId="ADAL" clId="{27124F44-A0F7-408A-AA2B-2C5136C1DC06}" dt="2025-10-27T18:14:16.069" v="7" actId="962"/>
+          <ac:spMkLst>
+            <pc:docMk/>
+            <pc:sldMk cId="3598380061" sldId="439"/>
+            <ac:spMk id="5" creationId="{00000000-0000-0000-0000-000000000000}"/>
+          </ac:spMkLst>
+        </pc:spChg>
+        <pc:graphicFrameChg chg="mod">
+          <ac:chgData name="Gerth Stølting Brodal" userId="04ef4784-6591-4f86-a140-f5c3b108582a" providerId="ADAL" clId="{27124F44-A0F7-408A-AA2B-2C5136C1DC06}" dt="2025-10-27T18:14:41.312" v="9" actId="962"/>
+          <ac:graphicFrameMkLst>
+            <pc:docMk/>
+            <pc:sldMk cId="3598380061" sldId="439"/>
+            <ac:graphicFrameMk id="6" creationId="{00000000-0000-0000-0000-000000000000}"/>
+          </ac:graphicFrameMkLst>
+        </pc:graphicFrameChg>
+      </pc:sldChg>
+    </pc:docChg>
+  </pc:docChgLst>
+  <pc:docChgLst>
     <pc:chgData name="Gerth Stølting" userId="04ef4784-6591-4f86-a140-f5c3b108582a" providerId="ADAL" clId="{AB7A936E-A0DB-4C0B-8A6D-4E445E169682}"/>
     <pc:docChg chg="modSld">
       <pc:chgData name="Gerth Stølting" userId="04ef4784-6591-4f86-a140-f5c3b108582a" providerId="ADAL" clId="{AB7A936E-A0DB-4C0B-8A6D-4E445E169682}" dt="2022-02-09T11:56:27.231" v="1"/>
@@ -482,7 +551,7 @@
           <a:p>
             <a:fld id="{FB1A172F-81D4-4DC4-9113-1DBD56EC3646}" type="datetimeFigureOut">
               <a:rPr lang="en-US" smtClean="0"/>
-              <a:t>5/13/2025</a:t>
+              <a:t>10/27/2025</a:t>
             </a:fld>
             <a:endParaRPr lang="en-US"/>
           </a:p>
@@ -3174,7 +3243,7 @@
           <a:p>
             <a:fld id="{0560A9CD-0304-4E0B-9E82-E7E0115DE05B}" type="datetimeFigureOut">
               <a:rPr lang="en-US" smtClean="0"/>
-              <a:t>5/13/2025</a:t>
+              <a:t>10/27/2025</a:t>
             </a:fld>
             <a:endParaRPr lang="en-US"/>
           </a:p>
@@ -3342,7 +3411,7 @@
           <a:p>
             <a:fld id="{0560A9CD-0304-4E0B-9E82-E7E0115DE05B}" type="datetimeFigureOut">
               <a:rPr lang="en-US" smtClean="0"/>
-              <a:t>5/13/2025</a:t>
+              <a:t>10/27/2025</a:t>
             </a:fld>
             <a:endParaRPr lang="en-US"/>
           </a:p>
@@ -3520,7 +3589,7 @@
           <a:p>
             <a:fld id="{0560A9CD-0304-4E0B-9E82-E7E0115DE05B}" type="datetimeFigureOut">
               <a:rPr lang="en-US" smtClean="0"/>
-              <a:t>5/13/2025</a:t>
+              <a:t>10/27/2025</a:t>
             </a:fld>
             <a:endParaRPr lang="en-US"/>
           </a:p>
@@ -3697,7 +3766,7 @@
           <a:p>
             <a:fld id="{0560A9CD-0304-4E0B-9E82-E7E0115DE05B}" type="datetimeFigureOut">
               <a:rPr lang="en-US" smtClean="0"/>
-              <a:t>5/13/2025</a:t>
+              <a:t>10/27/2025</a:t>
             </a:fld>
             <a:endParaRPr lang="en-US"/>
           </a:p>
@@ -3942,7 +4011,7 @@
           <a:p>
             <a:fld id="{0560A9CD-0304-4E0B-9E82-E7E0115DE05B}" type="datetimeFigureOut">
               <a:rPr lang="en-US" smtClean="0"/>
-              <a:t>5/13/2025</a:t>
+              <a:t>10/27/2025</a:t>
             </a:fld>
             <a:endParaRPr lang="en-US"/>
           </a:p>
@@ -4171,7 +4240,7 @@
           <a:p>
             <a:fld id="{0560A9CD-0304-4E0B-9E82-E7E0115DE05B}" type="datetimeFigureOut">
               <a:rPr lang="en-US" smtClean="0"/>
-              <a:t>5/13/2025</a:t>
+              <a:t>10/27/2025</a:t>
             </a:fld>
             <a:endParaRPr lang="en-US"/>
           </a:p>
@@ -4535,7 +4604,7 @@
           <a:p>
             <a:fld id="{0560A9CD-0304-4E0B-9E82-E7E0115DE05B}" type="datetimeFigureOut">
               <a:rPr lang="en-US" smtClean="0"/>
-              <a:t>5/13/2025</a:t>
+              <a:t>10/27/2025</a:t>
             </a:fld>
             <a:endParaRPr lang="en-US"/>
           </a:p>
@@ -4652,7 +4721,7 @@
           <a:p>
             <a:fld id="{0560A9CD-0304-4E0B-9E82-E7E0115DE05B}" type="datetimeFigureOut">
               <a:rPr lang="en-US" smtClean="0"/>
-              <a:t>5/13/2025</a:t>
+              <a:t>10/27/2025</a:t>
             </a:fld>
             <a:endParaRPr lang="en-US"/>
           </a:p>
@@ -4747,7 +4816,7 @@
           <a:p>
             <a:fld id="{0560A9CD-0304-4E0B-9E82-E7E0115DE05B}" type="datetimeFigureOut">
               <a:rPr lang="en-US" smtClean="0"/>
-              <a:t>5/13/2025</a:t>
+              <a:t>10/27/2025</a:t>
             </a:fld>
             <a:endParaRPr lang="en-US"/>
           </a:p>
@@ -5022,7 +5091,7 @@
           <a:p>
             <a:fld id="{0560A9CD-0304-4E0B-9E82-E7E0115DE05B}" type="datetimeFigureOut">
               <a:rPr lang="en-US" smtClean="0"/>
-              <a:t>5/13/2025</a:t>
+              <a:t>10/27/2025</a:t>
             </a:fld>
             <a:endParaRPr lang="en-US"/>
           </a:p>
@@ -5274,7 +5343,7 @@
           <a:p>
             <a:fld id="{0560A9CD-0304-4E0B-9E82-E7E0115DE05B}" type="datetimeFigureOut">
               <a:rPr lang="en-US" smtClean="0"/>
-              <a:t>5/13/2025</a:t>
+              <a:t>10/27/2025</a:t>
             </a:fld>
             <a:endParaRPr lang="en-US"/>
           </a:p>
@@ -5485,7 +5554,7 @@
           <a:p>
             <a:fld id="{0560A9CD-0304-4E0B-9E82-E7E0115DE05B}" type="datetimeFigureOut">
               <a:rPr lang="en-US" smtClean="0"/>
-              <a:t>5/13/2025</a:t>
+              <a:t>10/27/2025</a:t>
             </a:fld>
             <a:endParaRPr lang="en-US"/>
           </a:p>
@@ -11668,7 +11737,7 @@
       </p:sp>
       <p:sp>
         <p:nvSpPr>
-          <p:cNvPr id="5" name="Smiley Face 4"/>
+          <p:cNvPr id="5" name="Smiley Face 4" descr="QuizAnswer"/>
           <p:cNvSpPr/>
           <p:nvPr/>
         </p:nvSpPr>
@@ -13513,7 +13582,7 @@
       </p:sp>
       <p:sp>
         <p:nvSpPr>
-          <p:cNvPr id="5" name="Smiley Face 4"/>
+          <p:cNvPr id="5" name="Smiley Face 4" descr="QuizAnswer"/>
           <p:cNvSpPr/>
           <p:nvPr/>
         </p:nvSpPr>
@@ -19616,14 +19685,14 @@
       </p:grpSpPr>
       <p:graphicFrame>
         <p:nvGraphicFramePr>
-          <p:cNvPr id="6" name="Table 5"/>
+          <p:cNvPr id="6" name="Table 5" descr="QuizAnswer"/>
           <p:cNvGraphicFramePr>
             <a:graphicFrameLocks noGrp="1"/>
           </p:cNvGraphicFramePr>
           <p:nvPr>
             <p:extLst>
               <p:ext uri="{D42A27DB-BD31-4B8C-83A1-F6EECF244321}">
-                <p14:modId xmlns:p14="http://schemas.microsoft.com/office/powerpoint/2010/main" val="1667789891"/>
+                <p14:modId xmlns:p14="http://schemas.microsoft.com/office/powerpoint/2010/main" val="338303669"/>
               </p:ext>
             </p:extLst>
           </p:nvPr>
@@ -24523,7 +24592,7 @@
       </p:sp>
       <p:sp>
         <p:nvSpPr>
-          <p:cNvPr id="5" name="Smiley Face 4"/>
+          <p:cNvPr id="5" name="Smiley Face 4" descr="QuizAnswer"/>
           <p:cNvSpPr/>
           <p:nvPr/>
         </p:nvSpPr>
@@ -30052,7 +30121,7 @@
       </p:sp>
       <p:sp>
         <p:nvSpPr>
-          <p:cNvPr id="5" name="Smiley Face 4"/>
+          <p:cNvPr id="5" name="Smiley Face 4" descr="QuizAnswer"/>
           <p:cNvSpPr/>
           <p:nvPr/>
         </p:nvSpPr>

--- a/ipsa/slides/operations.pptx
+++ b/ipsa/slides/operations.pptx
@@ -142,326 +142,109 @@
 </p:presentation>
 </file>
 
+<file path=ppt/revisionInfo.xml><?xml version="1.0" encoding="utf-8"?>
+<p1510:revInfo xmlns:a="http://schemas.openxmlformats.org/drawingml/2006/main" xmlns:r="http://schemas.openxmlformats.org/officeDocument/2006/relationships" xmlns:p1510="http://schemas.microsoft.com/office/powerpoint/2015/10/main">
+  <p1510:revLst>
+    <p1510:client id="{30B24765-B06B-490D-A3A5-6C11ABC1C1E5}" v="189" dt="2026-02-01T21:42:02.920"/>
+  </p1510:revLst>
+</p1510:revInfo>
+</file>
+
 <file path=ppt/changesInfos/changesInfo1.xml><?xml version="1.0" encoding="utf-8"?>
 <pc:chgInfo xmlns:a="http://schemas.openxmlformats.org/drawingml/2006/main" xmlns:r="http://schemas.openxmlformats.org/officeDocument/2006/relationships" xmlns:ac="http://schemas.microsoft.com/office/drawing/2013/main/command" xmlns:pc="http://schemas.microsoft.com/office/powerpoint/2013/main/command">
   <pc:docChgLst>
-    <pc:chgData name="Gerth Stølting Brodal" userId="04ef4784-6591-4f86-a140-f5c3b108582a" providerId="ADAL" clId="{172B73B0-B8C1-4702-9D4D-C752051A4849}"/>
-    <pc:docChg chg="custSel modSld">
-      <pc:chgData name="Gerth Stølting Brodal" userId="04ef4784-6591-4f86-a140-f5c3b108582a" providerId="ADAL" clId="{172B73B0-B8C1-4702-9D4D-C752051A4849}" dt="2022-04-07T17:48:48.997" v="202" actId="20577"/>
+    <pc:chgData name="Gerth Stølting Brodal" userId="04ef4784-6591-4f86-a140-f5c3b108582a" providerId="ADAL" clId="{E3FB3D3F-03A2-4D0F-876D-930F74083705}"/>
+    <pc:docChg chg="undo custSel modSld">
+      <pc:chgData name="Gerth Stølting Brodal" userId="04ef4784-6591-4f86-a140-f5c3b108582a" providerId="ADAL" clId="{E3FB3D3F-03A2-4D0F-876D-930F74083705}" dt="2026-02-01T21:56:58.625" v="476" actId="20577"/>
       <pc:docMkLst>
         <pc:docMk/>
       </pc:docMkLst>
-      <pc:sldChg chg="modSp mod">
-        <pc:chgData name="Gerth Stølting Brodal" userId="04ef4784-6591-4f86-a140-f5c3b108582a" providerId="ADAL" clId="{172B73B0-B8C1-4702-9D4D-C752051A4849}" dt="2022-04-07T17:48:48.997" v="202" actId="20577"/>
+      <pc:sldChg chg="modNotesTx">
+        <pc:chgData name="Gerth Stølting Brodal" userId="04ef4784-6591-4f86-a140-f5c3b108582a" providerId="ADAL" clId="{E3FB3D3F-03A2-4D0F-876D-930F74083705}" dt="2026-02-01T20:25:45.183" v="2" actId="20577"/>
         <pc:sldMkLst>
           <pc:docMk/>
-          <pc:sldMk cId="1232766057" sldId="436"/>
+          <pc:sldMk cId="2108377336" sldId="281"/>
         </pc:sldMkLst>
       </pc:sldChg>
-    </pc:docChg>
-  </pc:docChgLst>
-  <pc:docChgLst>
-    <pc:chgData name="Gerth Stølting Brodal" userId="04ef4784-6591-4f86-a140-f5c3b108582a" providerId="ADAL" clId="{46B6BEF1-E1E8-49BC-811E-3C23AC114643}"/>
-    <pc:docChg chg="modSld">
-      <pc:chgData name="Gerth Stølting Brodal" userId="04ef4784-6591-4f86-a140-f5c3b108582a" providerId="ADAL" clId="{46B6BEF1-E1E8-49BC-811E-3C23AC114643}" dt="2025-05-13T12:29:09.463" v="24" actId="20577"/>
-      <pc:docMkLst>
-        <pc:docMk/>
-      </pc:docMkLst>
-      <pc:sldChg chg="modSp mod">
-        <pc:chgData name="Gerth Stølting Brodal" userId="04ef4784-6591-4f86-a140-f5c3b108582a" providerId="ADAL" clId="{46B6BEF1-E1E8-49BC-811E-3C23AC114643}" dt="2025-05-13T12:29:09.463" v="24" actId="20577"/>
+      <pc:sldChg chg="modNotesTx">
+        <pc:chgData name="Gerth Stølting Brodal" userId="04ef4784-6591-4f86-a140-f5c3b108582a" providerId="ADAL" clId="{E3FB3D3F-03A2-4D0F-876D-930F74083705}" dt="2026-02-01T20:45:51.293" v="275" actId="20577"/>
+        <pc:sldMkLst>
+          <pc:docMk/>
+          <pc:sldMk cId="466297230" sldId="284"/>
+        </pc:sldMkLst>
+      </pc:sldChg>
+      <pc:sldChg chg="modSp modNotesTx">
+        <pc:chgData name="Gerth Stølting Brodal" userId="04ef4784-6591-4f86-a140-f5c3b108582a" providerId="ADAL" clId="{E3FB3D3F-03A2-4D0F-876D-930F74083705}" dt="2026-02-01T21:36:32.071" v="393" actId="20577"/>
+        <pc:sldMkLst>
+          <pc:docMk/>
+          <pc:sldMk cId="2761965666" sldId="363"/>
+        </pc:sldMkLst>
+        <pc:spChg chg="mod">
+          <ac:chgData name="Gerth Stølting Brodal" userId="04ef4784-6591-4f86-a140-f5c3b108582a" providerId="ADAL" clId="{E3FB3D3F-03A2-4D0F-876D-930F74083705}" dt="2026-02-01T21:36:32.071" v="393" actId="20577"/>
+          <ac:spMkLst>
+            <pc:docMk/>
+            <pc:sldMk cId="2761965666" sldId="363"/>
+            <ac:spMk id="9" creationId="{00000000-0000-0000-0000-000000000000}"/>
+          </ac:spMkLst>
+        </pc:spChg>
+      </pc:sldChg>
+      <pc:sldChg chg="modSp mod addAnim delAnim">
+        <pc:chgData name="Gerth Stølting Brodal" userId="04ef4784-6591-4f86-a140-f5c3b108582a" providerId="ADAL" clId="{E3FB3D3F-03A2-4D0F-876D-930F74083705}" dt="2026-02-01T20:51:27.604" v="281" actId="20577"/>
+        <pc:sldMkLst>
+          <pc:docMk/>
+          <pc:sldMk cId="1790444143" sldId="368"/>
+        </pc:sldMkLst>
+        <pc:spChg chg="mod">
+          <ac:chgData name="Gerth Stølting Brodal" userId="04ef4784-6591-4f86-a140-f5c3b108582a" providerId="ADAL" clId="{E3FB3D3F-03A2-4D0F-876D-930F74083705}" dt="2026-02-01T20:51:27.604" v="281" actId="20577"/>
+          <ac:spMkLst>
+            <pc:docMk/>
+            <pc:sldMk cId="1790444143" sldId="368"/>
+            <ac:spMk id="3" creationId="{00000000-0000-0000-0000-000000000000}"/>
+          </ac:spMkLst>
+        </pc:spChg>
+        <pc:graphicFrameChg chg="mod">
+          <ac:chgData name="Gerth Stølting Brodal" userId="04ef4784-6591-4f86-a140-f5c3b108582a" providerId="ADAL" clId="{E3FB3D3F-03A2-4D0F-876D-930F74083705}" dt="2026-02-01T20:44:19.350" v="231" actId="1038"/>
+          <ac:graphicFrameMkLst>
+            <pc:docMk/>
+            <pc:sldMk cId="1790444143" sldId="368"/>
+            <ac:graphicFrameMk id="4" creationId="{00000000-0000-0000-0000-000000000000}"/>
+          </ac:graphicFrameMkLst>
+        </pc:graphicFrameChg>
+      </pc:sldChg>
+      <pc:sldChg chg="modNotesTx">
+        <pc:chgData name="Gerth Stølting Brodal" userId="04ef4784-6591-4f86-a140-f5c3b108582a" providerId="ADAL" clId="{E3FB3D3F-03A2-4D0F-876D-930F74083705}" dt="2026-02-01T21:41:53.697" v="411" actId="20577"/>
         <pc:sldMkLst>
           <pc:docMk/>
           <pc:sldMk cId="2541956680" sldId="392"/>
         </pc:sldMkLst>
       </pc:sldChg>
-    </pc:docChg>
-  </pc:docChgLst>
-  <pc:docChgLst>
-    <pc:chgData name="Gerth Stølting Brodal" userId="04ef4784-6591-4f86-a140-f5c3b108582a" providerId="ADAL" clId="{18AD147D-C19E-45B1-BB58-118ED9AE6721}"/>
-    <pc:docChg chg="undo custSel modSld">
-      <pc:chgData name="Gerth Stølting Brodal" userId="04ef4784-6591-4f86-a140-f5c3b108582a" providerId="ADAL" clId="{18AD147D-C19E-45B1-BB58-118ED9AE6721}" dt="2025-02-05T08:42:25.134" v="116" actId="20577"/>
-      <pc:docMkLst>
-        <pc:docMk/>
-      </pc:docMkLst>
-      <pc:sldChg chg="modSp mod">
-        <pc:chgData name="Gerth Stølting Brodal" userId="04ef4784-6591-4f86-a140-f5c3b108582a" providerId="ADAL" clId="{18AD147D-C19E-45B1-BB58-118ED9AE6721}" dt="2025-02-05T07:32:08.157" v="26" actId="27636"/>
-        <pc:sldMkLst>
-          <pc:docMk/>
-          <pc:sldMk cId="2108377336" sldId="281"/>
-        </pc:sldMkLst>
-      </pc:sldChg>
-      <pc:sldChg chg="modSp">
-        <pc:chgData name="Gerth Stølting Brodal" userId="04ef4784-6591-4f86-a140-f5c3b108582a" providerId="ADAL" clId="{18AD147D-C19E-45B1-BB58-118ED9AE6721}" dt="2025-02-05T08:42:25.134" v="116" actId="20577"/>
-        <pc:sldMkLst>
-          <pc:docMk/>
-          <pc:sldMk cId="2761965666" sldId="363"/>
-        </pc:sldMkLst>
-      </pc:sldChg>
       <pc:sldChg chg="modNotesTx">
-        <pc:chgData name="Gerth Stølting Brodal" userId="04ef4784-6591-4f86-a140-f5c3b108582a" providerId="ADAL" clId="{18AD147D-C19E-45B1-BB58-118ED9AE6721}" dt="2025-02-05T08:28:31.061" v="114" actId="20577"/>
-        <pc:sldMkLst>
-          <pc:docMk/>
-          <pc:sldMk cId="3808754555" sldId="372"/>
-        </pc:sldMkLst>
-      </pc:sldChg>
-      <pc:sldChg chg="modSp mod">
-        <pc:chgData name="Gerth Stølting Brodal" userId="04ef4784-6591-4f86-a140-f5c3b108582a" providerId="ADAL" clId="{18AD147D-C19E-45B1-BB58-118ED9AE6721}" dt="2025-02-05T08:12:41.070" v="68" actId="313"/>
+        <pc:chgData name="Gerth Stølting Brodal" userId="04ef4784-6591-4f86-a140-f5c3b108582a" providerId="ADAL" clId="{E3FB3D3F-03A2-4D0F-876D-930F74083705}" dt="2026-02-01T21:12:04.290" v="391" actId="20577"/>
         <pc:sldMkLst>
           <pc:docMk/>
           <pc:sldMk cId="506142668" sldId="437"/>
         </pc:sldMkLst>
       </pc:sldChg>
       <pc:sldChg chg="modSp mod">
-        <pc:chgData name="Gerth Stølting Brodal" userId="04ef4784-6591-4f86-a140-f5c3b108582a" providerId="ADAL" clId="{18AD147D-C19E-45B1-BB58-118ED9AE6721}" dt="2025-02-05T08:14:55.420" v="71"/>
+        <pc:chgData name="Gerth Stølting Brodal" userId="04ef4784-6591-4f86-a140-f5c3b108582a" providerId="ADAL" clId="{E3FB3D3F-03A2-4D0F-876D-930F74083705}" dt="2026-02-01T21:56:58.625" v="476" actId="20577"/>
         <pc:sldMkLst>
           <pc:docMk/>
-          <pc:sldMk cId="1725506798" sldId="441"/>
-        </pc:sldMkLst>
-      </pc:sldChg>
-    </pc:docChg>
-  </pc:docChgLst>
-  <pc:docChgLst>
-    <pc:chgData name="Gerth Stølting Brodal" userId="04ef4784-6591-4f86-a140-f5c3b108582a" providerId="ADAL" clId="{8AE5BBAC-1693-454B-B98D-382185C4CDAF}"/>
-    <pc:docChg chg="undo custSel addSld modSld">
-      <pc:chgData name="Gerth Stølting Brodal" userId="04ef4784-6591-4f86-a140-f5c3b108582a" providerId="ADAL" clId="{8AE5BBAC-1693-454B-B98D-382185C4CDAF}" dt="2023-02-08T12:00:24.402" v="337" actId="20577"/>
-      <pc:docMkLst>
-        <pc:docMk/>
-      </pc:docMkLst>
-      <pc:sldChg chg="modSp mod modNotesTx">
-        <pc:chgData name="Gerth Stølting Brodal" userId="04ef4784-6591-4f86-a140-f5c3b108582a" providerId="ADAL" clId="{8AE5BBAC-1693-454B-B98D-382185C4CDAF}" dt="2023-02-08T12:00:24.402" v="337" actId="20577"/>
-        <pc:sldMkLst>
-          <pc:docMk/>
-          <pc:sldMk cId="2761965666" sldId="363"/>
-        </pc:sldMkLst>
-      </pc:sldChg>
-      <pc:sldChg chg="modSp mod">
-        <pc:chgData name="Gerth Stølting Brodal" userId="04ef4784-6591-4f86-a140-f5c3b108582a" providerId="ADAL" clId="{8AE5BBAC-1693-454B-B98D-382185C4CDAF}" dt="2023-02-04T10:05:52.349" v="26" actId="20577"/>
-        <pc:sldMkLst>
-          <pc:docMk/>
-          <pc:sldMk cId="3808754555" sldId="372"/>
-        </pc:sldMkLst>
-      </pc:sldChg>
-      <pc:sldChg chg="modSp mod">
-        <pc:chgData name="Gerth Stølting Brodal" userId="04ef4784-6591-4f86-a140-f5c3b108582a" providerId="ADAL" clId="{8AE5BBAC-1693-454B-B98D-382185C4CDAF}" dt="2023-02-04T18:40:27.777" v="298" actId="20577"/>
-        <pc:sldMkLst>
-          <pc:docMk/>
-          <pc:sldMk cId="3203409752" sldId="440"/>
-        </pc:sldMkLst>
-      </pc:sldChg>
-      <pc:sldChg chg="modSp mod">
-        <pc:chgData name="Gerth Stølting Brodal" userId="04ef4784-6591-4f86-a140-f5c3b108582a" providerId="ADAL" clId="{8AE5BBAC-1693-454B-B98D-382185C4CDAF}" dt="2023-02-04T10:01:15.975" v="2" actId="114"/>
-        <pc:sldMkLst>
-          <pc:docMk/>
-          <pc:sldMk cId="1725506798" sldId="441"/>
-        </pc:sldMkLst>
-      </pc:sldChg>
-      <pc:sldChg chg="addSp delSp modSp new mod">
-        <pc:chgData name="Gerth Stølting Brodal" userId="04ef4784-6591-4f86-a140-f5c3b108582a" providerId="ADAL" clId="{8AE5BBAC-1693-454B-B98D-382185C4CDAF}" dt="2023-02-04T11:05:55.829" v="270" actId="313"/>
-        <pc:sldMkLst>
-          <pc:docMk/>
-          <pc:sldMk cId="4003465609" sldId="445"/>
-        </pc:sldMkLst>
-      </pc:sldChg>
-    </pc:docChg>
-  </pc:docChgLst>
-  <pc:docChgLst>
-    <pc:chgData name="Gerth Stølting Brodal" userId="04ef4784-6591-4f86-a140-f5c3b108582a" providerId="ADAL" clId="{AB7A936E-A0DB-4C0B-8A6D-4E445E169682}"/>
-    <pc:docChg chg="undo custSel addSld delSld modSld">
-      <pc:chgData name="Gerth Stølting Brodal" userId="04ef4784-6591-4f86-a140-f5c3b108582a" providerId="ADAL" clId="{AB7A936E-A0DB-4C0B-8A6D-4E445E169682}" dt="2022-02-06T11:17:39.984" v="85" actId="20577"/>
-      <pc:docMkLst>
-        <pc:docMk/>
-      </pc:docMkLst>
-      <pc:sldChg chg="modSp mod">
-        <pc:chgData name="Gerth Stølting Brodal" userId="04ef4784-6591-4f86-a140-f5c3b108582a" providerId="ADAL" clId="{AB7A936E-A0DB-4C0B-8A6D-4E445E169682}" dt="2022-02-06T11:17:39.984" v="85" actId="20577"/>
-        <pc:sldMkLst>
-          <pc:docMk/>
-          <pc:sldMk cId="2761965666" sldId="363"/>
-        </pc:sldMkLst>
-      </pc:sldChg>
-      <pc:sldChg chg="modSp mod">
-        <pc:chgData name="Gerth Stølting Brodal" userId="04ef4784-6591-4f86-a140-f5c3b108582a" providerId="ADAL" clId="{AB7A936E-A0DB-4C0B-8A6D-4E445E169682}" dt="2022-02-06T10:48:08.731" v="66" actId="27636"/>
-        <pc:sldMkLst>
-          <pc:docMk/>
-          <pc:sldMk cId="1790444143" sldId="368"/>
-        </pc:sldMkLst>
-      </pc:sldChg>
-      <pc:sldChg chg="modSp mod">
-        <pc:chgData name="Gerth Stølting Brodal" userId="04ef4784-6591-4f86-a140-f5c3b108582a" providerId="ADAL" clId="{AB7A936E-A0DB-4C0B-8A6D-4E445E169682}" dt="2022-02-06T10:37:59.536" v="61" actId="20577"/>
-        <pc:sldMkLst>
-          <pc:docMk/>
-          <pc:sldMk cId="1070074289" sldId="389"/>
-        </pc:sldMkLst>
-      </pc:sldChg>
-      <pc:sldChg chg="modSp mod">
-        <pc:chgData name="Gerth Stølting Brodal" userId="04ef4784-6591-4f86-a140-f5c3b108582a" providerId="ADAL" clId="{AB7A936E-A0DB-4C0B-8A6D-4E445E169682}" dt="2022-02-06T10:37:43.943" v="57" actId="20577"/>
-        <pc:sldMkLst>
-          <pc:docMk/>
-          <pc:sldMk cId="559559046" sldId="390"/>
-        </pc:sldMkLst>
-      </pc:sldChg>
-      <pc:sldChg chg="modSp mod">
-        <pc:chgData name="Gerth Stølting Brodal" userId="04ef4784-6591-4f86-a140-f5c3b108582a" providerId="ADAL" clId="{AB7A936E-A0DB-4C0B-8A6D-4E445E169682}" dt="2022-02-06T10:45:24.300" v="63" actId="20577"/>
-        <pc:sldMkLst>
-          <pc:docMk/>
-          <pc:sldMk cId="3881833183" sldId="442"/>
-        </pc:sldMkLst>
-      </pc:sldChg>
-      <pc:sldChg chg="addSp modSp new del mod">
-        <pc:chgData name="Gerth Stølting Brodal" userId="04ef4784-6591-4f86-a140-f5c3b108582a" providerId="ADAL" clId="{AB7A936E-A0DB-4C0B-8A6D-4E445E169682}" dt="2022-02-06T10:51:04.363" v="81" actId="47"/>
-        <pc:sldMkLst>
-          <pc:docMk/>
-          <pc:sldMk cId="696969108" sldId="445"/>
-        </pc:sldMkLst>
-      </pc:sldChg>
-    </pc:docChg>
-  </pc:docChgLst>
-  <pc:docChgLst>
-    <pc:chgData name="Gerth Stølting Brodal" userId="04ef4784-6591-4f86-a140-f5c3b108582a" providerId="ADAL" clId="{56F465E5-64FD-4F2A-935D-395061FAD986}"/>
-    <pc:docChg chg="undo redo custSel addSld modSld">
-      <pc:chgData name="Gerth Stølting Brodal" userId="04ef4784-6591-4f86-a140-f5c3b108582a" providerId="ADAL" clId="{56F465E5-64FD-4F2A-935D-395061FAD986}" dt="2024-02-07T10:16:20.656" v="964" actId="207"/>
-      <pc:docMkLst>
-        <pc:docMk/>
-      </pc:docMkLst>
-      <pc:sldChg chg="modSp mod">
-        <pc:chgData name="Gerth Stølting Brodal" userId="04ef4784-6591-4f86-a140-f5c3b108582a" providerId="ADAL" clId="{56F465E5-64FD-4F2A-935D-395061FAD986}" dt="2024-02-07T10:16:20.656" v="964" actId="207"/>
-        <pc:sldMkLst>
-          <pc:docMk/>
-          <pc:sldMk cId="3650692602" sldId="286"/>
-        </pc:sldMkLst>
-      </pc:sldChg>
-      <pc:sldChg chg="modSp mod modNotesTx">
-        <pc:chgData name="Gerth Stølting Brodal" userId="04ef4784-6591-4f86-a140-f5c3b108582a" providerId="ADAL" clId="{56F465E5-64FD-4F2A-935D-395061FAD986}" dt="2024-02-04T19:34:30.157" v="663" actId="313"/>
-        <pc:sldMkLst>
-          <pc:docMk/>
-          <pc:sldMk cId="2761965666" sldId="363"/>
-        </pc:sldMkLst>
-      </pc:sldChg>
-      <pc:sldChg chg="modAnim">
-        <pc:chgData name="Gerth Stølting Brodal" userId="04ef4784-6591-4f86-a140-f5c3b108582a" providerId="ADAL" clId="{56F465E5-64FD-4F2A-935D-395061FAD986}" dt="2024-02-05T08:52:43.318" v="802"/>
-        <pc:sldMkLst>
-          <pc:docMk/>
-          <pc:sldMk cId="1790444143" sldId="368"/>
-        </pc:sldMkLst>
-      </pc:sldChg>
-      <pc:sldChg chg="modSp mod modNotesTx">
-        <pc:chgData name="Gerth Stølting Brodal" userId="04ef4784-6591-4f86-a140-f5c3b108582a" providerId="ADAL" clId="{56F465E5-64FD-4F2A-935D-395061FAD986}" dt="2024-02-06T21:48:22.360" v="927" actId="20577"/>
-        <pc:sldMkLst>
-          <pc:docMk/>
-          <pc:sldMk cId="3808754555" sldId="372"/>
-        </pc:sldMkLst>
-      </pc:sldChg>
-      <pc:sldChg chg="modSp mod">
-        <pc:chgData name="Gerth Stølting Brodal" userId="04ef4784-6591-4f86-a140-f5c3b108582a" providerId="ADAL" clId="{56F465E5-64FD-4F2A-935D-395061FAD986}" dt="2024-02-06T21:32:56.506" v="815" actId="1036"/>
-        <pc:sldMkLst>
-          <pc:docMk/>
-          <pc:sldMk cId="506142668" sldId="437"/>
-        </pc:sldMkLst>
-      </pc:sldChg>
-      <pc:sldChg chg="modSp mod">
-        <pc:chgData name="Gerth Stølting Brodal" userId="04ef4784-6591-4f86-a140-f5c3b108582a" providerId="ADAL" clId="{56F465E5-64FD-4F2A-935D-395061FAD986}" dt="2024-02-02T12:05:25.839" v="3" actId="6549"/>
-        <pc:sldMkLst>
-          <pc:docMk/>
-          <pc:sldMk cId="4003465609" sldId="445"/>
-        </pc:sldMkLst>
-      </pc:sldChg>
-      <pc:sldChg chg="addSp modSp new mod modAnim modNotesTx">
-        <pc:chgData name="Gerth Stølting Brodal" userId="04ef4784-6591-4f86-a140-f5c3b108582a" providerId="ADAL" clId="{56F465E5-64FD-4F2A-935D-395061FAD986}" dt="2024-02-05T07:11:28.719" v="801" actId="313"/>
-        <pc:sldMkLst>
-          <pc:docMk/>
-          <pc:sldMk cId="4179547408" sldId="446"/>
-        </pc:sldMkLst>
-      </pc:sldChg>
-    </pc:docChg>
-  </pc:docChgLst>
-  <pc:docChgLst>
-    <pc:chgData name="Gerth Stølting Brodal" userId="04ef4784-6591-4f86-a140-f5c3b108582a" providerId="ADAL" clId="{27124F44-A0F7-408A-AA2B-2C5136C1DC06}"/>
-    <pc:docChg chg="modSld">
-      <pc:chgData name="Gerth Stølting Brodal" userId="04ef4784-6591-4f86-a140-f5c3b108582a" providerId="ADAL" clId="{27124F44-A0F7-408A-AA2B-2C5136C1DC06}" dt="2025-10-27T18:14:41.312" v="9" actId="962"/>
-      <pc:docMkLst>
-        <pc:docMk/>
-      </pc:docMkLst>
-      <pc:sldChg chg="modSp mod">
-        <pc:chgData name="Gerth Stølting Brodal" userId="04ef4784-6591-4f86-a140-f5c3b108582a" providerId="ADAL" clId="{27124F44-A0F7-408A-AA2B-2C5136C1DC06}" dt="2025-10-27T18:13:50.388" v="1" actId="962"/>
-        <pc:sldMkLst>
-          <pc:docMk/>
-          <pc:sldMk cId="1948132778" sldId="376"/>
+          <pc:sldMk cId="1106772643" sldId="443"/>
         </pc:sldMkLst>
         <pc:spChg chg="mod">
-          <ac:chgData name="Gerth Stølting Brodal" userId="04ef4784-6591-4f86-a140-f5c3b108582a" providerId="ADAL" clId="{27124F44-A0F7-408A-AA2B-2C5136C1DC06}" dt="2025-10-27T18:13:50.388" v="1" actId="962"/>
+          <ac:chgData name="Gerth Stølting Brodal" userId="04ef4784-6591-4f86-a140-f5c3b108582a" providerId="ADAL" clId="{E3FB3D3F-03A2-4D0F-876D-930F74083705}" dt="2026-02-01T21:56:58.625" v="476" actId="20577"/>
           <ac:spMkLst>
             <pc:docMk/>
-            <pc:sldMk cId="1948132778" sldId="376"/>
+            <pc:sldMk cId="1106772643" sldId="443"/>
             <ac:spMk id="5" creationId="{00000000-0000-0000-0000-000000000000}"/>
           </ac:spMkLst>
         </pc:spChg>
       </pc:sldChg>
-      <pc:sldChg chg="modSp mod">
-        <pc:chgData name="Gerth Stølting Brodal" userId="04ef4784-6591-4f86-a140-f5c3b108582a" providerId="ADAL" clId="{27124F44-A0F7-408A-AA2B-2C5136C1DC06}" dt="2025-10-27T18:13:57.658" v="3" actId="962"/>
+      <pc:sldChg chg="modNotesTx">
+        <pc:chgData name="Gerth Stølting Brodal" userId="04ef4784-6591-4f86-a140-f5c3b108582a" providerId="ADAL" clId="{E3FB3D3F-03A2-4D0F-876D-930F74083705}" dt="2026-02-01T20:31:16.967" v="30" actId="20577"/>
         <pc:sldMkLst>
           <pc:docMk/>
-          <pc:sldMk cId="3308146028" sldId="377"/>
-        </pc:sldMkLst>
-        <pc:spChg chg="mod">
-          <ac:chgData name="Gerth Stølting Brodal" userId="04ef4784-6591-4f86-a140-f5c3b108582a" providerId="ADAL" clId="{27124F44-A0F7-408A-AA2B-2C5136C1DC06}" dt="2025-10-27T18:13:57.658" v="3" actId="962"/>
-          <ac:spMkLst>
-            <pc:docMk/>
-            <pc:sldMk cId="3308146028" sldId="377"/>
-            <ac:spMk id="5" creationId="{00000000-0000-0000-0000-000000000000}"/>
-          </ac:spMkLst>
-        </pc:spChg>
-      </pc:sldChg>
-      <pc:sldChg chg="modSp mod">
-        <pc:chgData name="Gerth Stølting Brodal" userId="04ef4784-6591-4f86-a140-f5c3b108582a" providerId="ADAL" clId="{27124F44-A0F7-408A-AA2B-2C5136C1DC06}" dt="2025-10-27T18:14:03.315" v="5" actId="962"/>
-        <pc:sldMkLst>
-          <pc:docMk/>
-          <pc:sldMk cId="3252396991" sldId="438"/>
-        </pc:sldMkLst>
-        <pc:spChg chg="mod">
-          <ac:chgData name="Gerth Stølting Brodal" userId="04ef4784-6591-4f86-a140-f5c3b108582a" providerId="ADAL" clId="{27124F44-A0F7-408A-AA2B-2C5136C1DC06}" dt="2025-10-27T18:14:03.315" v="5" actId="962"/>
-          <ac:spMkLst>
-            <pc:docMk/>
-            <pc:sldMk cId="3252396991" sldId="438"/>
-            <ac:spMk id="5" creationId="{00000000-0000-0000-0000-000000000000}"/>
-          </ac:spMkLst>
-        </pc:spChg>
-      </pc:sldChg>
-      <pc:sldChg chg="modSp mod">
-        <pc:chgData name="Gerth Stølting Brodal" userId="04ef4784-6591-4f86-a140-f5c3b108582a" providerId="ADAL" clId="{27124F44-A0F7-408A-AA2B-2C5136C1DC06}" dt="2025-10-27T18:14:41.312" v="9" actId="962"/>
-        <pc:sldMkLst>
-          <pc:docMk/>
-          <pc:sldMk cId="3598380061" sldId="439"/>
-        </pc:sldMkLst>
-        <pc:spChg chg="mod">
-          <ac:chgData name="Gerth Stølting Brodal" userId="04ef4784-6591-4f86-a140-f5c3b108582a" providerId="ADAL" clId="{27124F44-A0F7-408A-AA2B-2C5136C1DC06}" dt="2025-10-27T18:14:16.069" v="7" actId="962"/>
-          <ac:spMkLst>
-            <pc:docMk/>
-            <pc:sldMk cId="3598380061" sldId="439"/>
-            <ac:spMk id="5" creationId="{00000000-0000-0000-0000-000000000000}"/>
-          </ac:spMkLst>
-        </pc:spChg>
-        <pc:graphicFrameChg chg="mod">
-          <ac:chgData name="Gerth Stølting Brodal" userId="04ef4784-6591-4f86-a140-f5c3b108582a" providerId="ADAL" clId="{27124F44-A0F7-408A-AA2B-2C5136C1DC06}" dt="2025-10-27T18:14:41.312" v="9" actId="962"/>
-          <ac:graphicFrameMkLst>
-            <pc:docMk/>
-            <pc:sldMk cId="3598380061" sldId="439"/>
-            <ac:graphicFrameMk id="6" creationId="{00000000-0000-0000-0000-000000000000}"/>
-          </ac:graphicFrameMkLst>
-        </pc:graphicFrameChg>
-      </pc:sldChg>
-    </pc:docChg>
-  </pc:docChgLst>
-  <pc:docChgLst>
-    <pc:chgData name="Gerth Stølting" userId="04ef4784-6591-4f86-a140-f5c3b108582a" providerId="ADAL" clId="{AB7A936E-A0DB-4C0B-8A6D-4E445E169682}"/>
-    <pc:docChg chg="modSld">
-      <pc:chgData name="Gerth Stølting" userId="04ef4784-6591-4f86-a140-f5c3b108582a" providerId="ADAL" clId="{AB7A936E-A0DB-4C0B-8A6D-4E445E169682}" dt="2022-02-09T11:56:27.231" v="1"/>
-      <pc:docMkLst>
-        <pc:docMk/>
-      </pc:docMkLst>
-      <pc:sldChg chg="modNotesTx">
-        <pc:chgData name="Gerth Stølting" userId="04ef4784-6591-4f86-a140-f5c3b108582a" providerId="ADAL" clId="{AB7A936E-A0DB-4C0B-8A6D-4E445E169682}" dt="2022-02-09T11:56:27.231" v="1"/>
-        <pc:sldMkLst>
-          <pc:docMk/>
-          <pc:sldMk cId="2761965666" sldId="363"/>
+          <pc:sldMk cId="4179547408" sldId="446"/>
         </pc:sldMkLst>
       </pc:sldChg>
     </pc:docChg>
@@ -551,7 +334,7 @@
           <a:p>
             <a:fld id="{FB1A172F-81D4-4DC4-9113-1DBD56EC3646}" type="datetimeFigureOut">
               <a:rPr lang="en-US" smtClean="0"/>
-              <a:t>10/27/2025</a:t>
+              <a:t>2/1/2026</a:t>
             </a:fld>
             <a:endParaRPr lang="en-US"/>
           </a:p>
@@ -862,7 +645,16 @@
           <a:bodyPr/>
           <a:lstStyle/>
           <a:p>
-            <a:endParaRPr lang="en-US" dirty="0"/>
+            <a:r>
+              <a:rPr lang="en-US" dirty="0"/>
+              <a:t>x = 10</a:t>
+            </a:r>
+          </a:p>
+          <a:p>
+            <a:r>
+              <a:rPr lang="en-US" dirty="0"/>
+              <a:t>x &gt;= 5 and x &lt;= 15</a:t>
+            </a:r>
           </a:p>
         </p:txBody>
       </p:sp>
@@ -1032,13 +824,25 @@
           <a:p>
             <a:r>
               <a:rPr lang="da-DK" dirty="0"/>
-              <a:t>decimaler = 5</a:t>
-            </a:r>
-          </a:p>
-          <a:p>
+              <a:t>decimals = 5</a:t>
+            </a:r>
+          </a:p>
+          <a:p>
+            <a:r>
+              <a:rPr lang="da-DK" dirty="0" err="1"/>
+              <a:t>f’a</a:t>
+            </a:r>
             <a:r>
               <a:rPr lang="da-DK" dirty="0"/>
-              <a:t>f'et tal {1/3 = :.{decimaler}}’</a:t>
+              <a:t> </a:t>
+            </a:r>
+            <a:r>
+              <a:rPr lang="da-DK" dirty="0" err="1"/>
+              <a:t>number</a:t>
+            </a:r>
+            <a:r>
+              <a:rPr lang="da-DK" dirty="0"/>
+              <a:t> {1/3 = :.{decimals}}’</a:t>
             </a:r>
           </a:p>
           <a:p>
@@ -1381,7 +1185,7 @@
                 <a:latin typeface="Courier"/>
                 <a:cs typeface="Courier New" panose="02070309020205020404" pitchFamily="49" charset="0"/>
               </a:rPr>
-              <a:t> = "red";</a:t>
+              <a:t> = ”pink";</a:t>
             </a:r>
           </a:p>
           <a:p>
@@ -1888,23 +1692,17 @@
               <a:rPr lang="en-US" dirty="0">
                 <a:latin typeface="Courier"/>
               </a:rPr>
-              <a:t>for i in range(256): print(i, "'" + </a:t>
-            </a:r>
-            <a:r>
-              <a:rPr lang="en-US" dirty="0" err="1">
-                <a:latin typeface="Courier"/>
-              </a:rPr>
-              <a:t>chr</a:t>
-            </a:r>
-            <a:r>
-              <a:rPr lang="en-US" dirty="0">
-                <a:latin typeface="Courier"/>
-              </a:rPr>
-              <a:t>(i) + "'")</a:t>
+              <a:t>for i in range(256): print(i, "'" + chr(i) + “’”)</a:t>
             </a:r>
           </a:p>
           <a:p>
             <a:endParaRPr lang="en-US" dirty="0"/>
+          </a:p>
+          <a:p>
+            <a:r>
+              <a:rPr lang="en-US" dirty="0"/>
+              <a:t>chr(9731) = snowman = '☃'</a:t>
+            </a:r>
           </a:p>
         </p:txBody>
       </p:sp>
@@ -2252,11 +2050,7 @@
             </a:r>
             <a:r>
               <a:rPr lang="en-US" b="1" baseline="0" dirty="0"/>
-              <a:t> 3.6): Inconsistent </a:t>
-            </a:r>
-            <a:r>
-              <a:rPr lang="en-US" b="1" baseline="0"/>
-              <a:t>error reporting</a:t>
+              <a:t> 3.14): Inconsistent error reporting</a:t>
             </a:r>
             <a:endParaRPr lang="en-US" b="1" dirty="0"/>
           </a:p>
@@ -2605,7 +2399,34 @@
           <a:bodyPr/>
           <a:lstStyle/>
           <a:p>
-            <a:endParaRPr lang="da-DK" dirty="0"/>
+            <a:r>
+              <a:rPr lang="da-DK" dirty="0"/>
+              <a:t>With Python 3.14, </a:t>
+            </a:r>
+            <a:r>
+              <a:rPr lang="da-DK" dirty="0" err="1"/>
+              <a:t>math.sqrt</a:t>
+            </a:r>
+            <a:r>
+              <a:rPr lang="da-DK" dirty="0"/>
+              <a:t>() and </a:t>
+            </a:r>
+            <a:r>
+              <a:rPr lang="da-DK" dirty="0" err="1"/>
+              <a:t>sqrt</a:t>
+            </a:r>
+            <a:r>
+              <a:rPr lang="da-DK" dirty="0"/>
+              <a:t>() </a:t>
+            </a:r>
+            <a:r>
+              <a:rPr lang="da-DK" dirty="0" err="1"/>
+              <a:t>about</a:t>
+            </a:r>
+            <a:r>
+              <a:rPr lang="da-DK" dirty="0"/>
+              <a:t> the same running time</a:t>
+            </a:r>
           </a:p>
         </p:txBody>
       </p:sp>
@@ -3243,7 +3064,7 @@
           <a:p>
             <a:fld id="{0560A9CD-0304-4E0B-9E82-E7E0115DE05B}" type="datetimeFigureOut">
               <a:rPr lang="en-US" smtClean="0"/>
-              <a:t>10/27/2025</a:t>
+              <a:t>2/1/2026</a:t>
             </a:fld>
             <a:endParaRPr lang="en-US"/>
           </a:p>
@@ -3411,7 +3232,7 @@
           <a:p>
             <a:fld id="{0560A9CD-0304-4E0B-9E82-E7E0115DE05B}" type="datetimeFigureOut">
               <a:rPr lang="en-US" smtClean="0"/>
-              <a:t>10/27/2025</a:t>
+              <a:t>2/1/2026</a:t>
             </a:fld>
             <a:endParaRPr lang="en-US"/>
           </a:p>
@@ -3589,7 +3410,7 @@
           <a:p>
             <a:fld id="{0560A9CD-0304-4E0B-9E82-E7E0115DE05B}" type="datetimeFigureOut">
               <a:rPr lang="en-US" smtClean="0"/>
-              <a:t>10/27/2025</a:t>
+              <a:t>2/1/2026</a:t>
             </a:fld>
             <a:endParaRPr lang="en-US"/>
           </a:p>
@@ -3766,7 +3587,7 @@
           <a:p>
             <a:fld id="{0560A9CD-0304-4E0B-9E82-E7E0115DE05B}" type="datetimeFigureOut">
               <a:rPr lang="en-US" smtClean="0"/>
-              <a:t>10/27/2025</a:t>
+              <a:t>2/1/2026</a:t>
             </a:fld>
             <a:endParaRPr lang="en-US"/>
           </a:p>
@@ -4011,7 +3832,7 @@
           <a:p>
             <a:fld id="{0560A9CD-0304-4E0B-9E82-E7E0115DE05B}" type="datetimeFigureOut">
               <a:rPr lang="en-US" smtClean="0"/>
-              <a:t>10/27/2025</a:t>
+              <a:t>2/1/2026</a:t>
             </a:fld>
             <a:endParaRPr lang="en-US"/>
           </a:p>
@@ -4240,7 +4061,7 @@
           <a:p>
             <a:fld id="{0560A9CD-0304-4E0B-9E82-E7E0115DE05B}" type="datetimeFigureOut">
               <a:rPr lang="en-US" smtClean="0"/>
-              <a:t>10/27/2025</a:t>
+              <a:t>2/1/2026</a:t>
             </a:fld>
             <a:endParaRPr lang="en-US"/>
           </a:p>
@@ -4604,7 +4425,7 @@
           <a:p>
             <a:fld id="{0560A9CD-0304-4E0B-9E82-E7E0115DE05B}" type="datetimeFigureOut">
               <a:rPr lang="en-US" smtClean="0"/>
-              <a:t>10/27/2025</a:t>
+              <a:t>2/1/2026</a:t>
             </a:fld>
             <a:endParaRPr lang="en-US"/>
           </a:p>
@@ -4721,7 +4542,7 @@
           <a:p>
             <a:fld id="{0560A9CD-0304-4E0B-9E82-E7E0115DE05B}" type="datetimeFigureOut">
               <a:rPr lang="en-US" smtClean="0"/>
-              <a:t>10/27/2025</a:t>
+              <a:t>2/1/2026</a:t>
             </a:fld>
             <a:endParaRPr lang="en-US"/>
           </a:p>
@@ -4816,7 +4637,7 @@
           <a:p>
             <a:fld id="{0560A9CD-0304-4E0B-9E82-E7E0115DE05B}" type="datetimeFigureOut">
               <a:rPr lang="en-US" smtClean="0"/>
-              <a:t>10/27/2025</a:t>
+              <a:t>2/1/2026</a:t>
             </a:fld>
             <a:endParaRPr lang="en-US"/>
           </a:p>
@@ -5091,7 +4912,7 @@
           <a:p>
             <a:fld id="{0560A9CD-0304-4E0B-9E82-E7E0115DE05B}" type="datetimeFigureOut">
               <a:rPr lang="en-US" smtClean="0"/>
-              <a:t>10/27/2025</a:t>
+              <a:t>2/1/2026</a:t>
             </a:fld>
             <a:endParaRPr lang="en-US"/>
           </a:p>
@@ -5343,7 +5164,7 @@
           <a:p>
             <a:fld id="{0560A9CD-0304-4E0B-9E82-E7E0115DE05B}" type="datetimeFigureOut">
               <a:rPr lang="en-US" smtClean="0"/>
-              <a:t>10/27/2025</a:t>
+              <a:t>2/1/2026</a:t>
             </a:fld>
             <a:endParaRPr lang="en-US"/>
           </a:p>
@@ -5554,7 +5375,7 @@
           <a:p>
             <a:fld id="{0560A9CD-0304-4E0B-9E82-E7E0115DE05B}" type="datetimeFigureOut">
               <a:rPr lang="en-US" smtClean="0"/>
-              <a:t>10/27/2025</a:t>
+              <a:t>2/1/2026</a:t>
             </a:fld>
             <a:endParaRPr lang="en-US"/>
           </a:p>
@@ -8719,7 +8540,7 @@
               <a:t>		</a:t>
             </a:r>
             <a:r>
-              <a:rPr lang="en-US" dirty="0" err="1">
+              <a:rPr lang="en-US" dirty="0">
                 <a:latin typeface="Courier"/>
               </a:rPr>
               <a:t>inf</a:t>
@@ -8732,13 +8553,7 @@
               <a:rPr lang="en-US" dirty="0">
                 <a:latin typeface="Courier"/>
               </a:rPr>
-              <a:t>-</a:t>
-            </a:r>
-            <a:r>
-              <a:rPr lang="en-US" dirty="0" err="1">
-                <a:latin typeface="Courier"/>
-              </a:rPr>
-              <a:t>inf</a:t>
+              <a:t>-inf</a:t>
             </a:r>
             <a:r>
               <a:rPr lang="en-US" dirty="0"/>
@@ -8757,15 +8572,7 @@
             </a:br>
             <a:r>
               <a:rPr lang="en-US" dirty="0"/>
-              <a:t>representing “+infinity</a:t>
-            </a:r>
-            <a:r>
-              <a:rPr lang="en-US"/>
-              <a:t>”, “-infinity” </a:t>
-            </a:r>
-            <a:r>
-              <a:rPr lang="en-US" dirty="0"/>
-              <a:t>and “not a number”</a:t>
+              <a:t>representing “+infinity”, “-infinity” and “not a number”</a:t>
             </a:r>
             <a:endParaRPr lang="en-US" dirty="0">
               <a:latin typeface="Courier"/>
@@ -16133,13 +15940,8 @@
             <a:pPr algn="ctr"/>
             <a:r>
               <a:rPr lang="en-US" dirty="0"/>
-              <a:t>% formatting (inherited from C’s sprint() function) was supposed to be on the way out - but is still going strong in </a:t>
-            </a:r>
-            <a:r>
-              <a:rPr lang="en-US"/>
-              <a:t>Python 3.13</a:t>
-            </a:r>
-            <a:endParaRPr lang="en-US" dirty="0"/>
+              <a:t>% formatting (inherited from C’s sprint() function) was supposed to be on the way out - but is still going strong in Python 3.14</a:t>
+            </a:r>
           </a:p>
         </p:txBody>
       </p:sp>
@@ -16432,16 +16234,21 @@
         </p:nvSpPr>
         <p:spPr>
           <a:xfrm>
-            <a:off x="838200" y="1825625"/>
-            <a:ext cx="7451361" cy="4674566"/>
+            <a:off x="838200" y="1825624"/>
+            <a:ext cx="8078765" cy="5032375"/>
           </a:xfrm>
         </p:spPr>
         <p:txBody>
           <a:bodyPr>
-            <a:normAutofit fontScale="92500" lnSpcReduction="20000"/>
+            <a:normAutofit lnSpcReduction="10000"/>
           </a:bodyPr>
           <a:lstStyle/>
           <a:p>
+            <a:pPr>
+              <a:spcAft>
+                <a:spcPts val="1200"/>
+              </a:spcAft>
+            </a:pPr>
             <a:r>
               <a:rPr lang="en-US" dirty="0"/>
               <a:t>The type None has only one value: </a:t>
@@ -16452,33 +16259,38 @@
               </a:rPr>
               <a:t>None</a:t>
             </a:r>
-          </a:p>
-          <a:p>
             <a:endParaRPr lang="en-US" dirty="0"/>
           </a:p>
           <a:p>
+            <a:pPr>
+              <a:spcAft>
+                <a:spcPts val="1200"/>
+              </a:spcAft>
+            </a:pPr>
             <a:r>
               <a:rPr lang="en-US" dirty="0"/>
-              <a:t>Used when context requires a value, but none is really available </a:t>
-            </a:r>
-          </a:p>
-          <a:p>
-            <a:endParaRPr lang="en-US" dirty="0"/>
-          </a:p>
-          <a:p>
+              <a:t>Used when context requires a value, but none is really available, e.g. for a variable where the value has not yet been computed, or when a result is undefined</a:t>
+            </a:r>
+          </a:p>
+          <a:p>
+            <a:pPr>
+              <a:spcAft>
+                <a:spcPts val="1200"/>
+              </a:spcAft>
+            </a:pPr>
             <a:r>
               <a:rPr lang="en-US" b="1" dirty="0"/>
               <a:t>Example</a:t>
             </a:r>
             <a:r>
               <a:rPr lang="en-US" dirty="0"/>
-              <a:t>: All functions must return a value. The function </a:t>
+              <a:t>: All functions must return a value. The function</a:t>
             </a:r>
             <a:r>
               <a:rPr lang="en-US" dirty="0">
                 <a:latin typeface="Courier"/>
               </a:rPr>
-              <a:t>print </a:t>
+              <a:t> print </a:t>
             </a:r>
             <a:r>
               <a:rPr lang="en-US" dirty="0"/>
@@ -16500,11 +16312,11 @@
             </a:r>
           </a:p>
           <a:p>
-            <a:endParaRPr lang="en-US" dirty="0">
-              <a:latin typeface="Courier"/>
-            </a:endParaRPr>
-          </a:p>
-          <a:p>
+            <a:pPr>
+              <a:spcAft>
+                <a:spcPts val="1200"/>
+              </a:spcAft>
+            </a:pPr>
             <a:r>
               <a:rPr lang="en-US" b="1" dirty="0"/>
               <a:t>Example</a:t>
@@ -16543,13 +16355,13 @@
           <p:nvPr>
             <p:extLst>
               <p:ext uri="{D42A27DB-BD31-4B8C-83A1-F6EECF244321}">
-                <p14:modId xmlns:p14="http://schemas.microsoft.com/office/powerpoint/2010/main" val="1170237731"/>
+                <p14:modId xmlns:p14="http://schemas.microsoft.com/office/powerpoint/2010/main" val="2499237529"/>
               </p:ext>
             </p:extLst>
           </p:nvPr>
         </p:nvGraphicFramePr>
         <p:xfrm>
-          <a:off x="8916965" y="3707927"/>
+          <a:off x="9171795" y="3707927"/>
           <a:ext cx="2436835" cy="1745048"/>
         </p:xfrm>
         <a:graphic>
@@ -16879,7 +16691,7 @@
                                         <p:tgtEl>
                                           <p:spTgt spid="3">
                                             <p:txEl>
-                                              <p:pRg st="4" end="4"/>
+                                              <p:pRg st="2" end="2"/>
                                             </p:txEl>
                                           </p:spTgt>
                                         </p:tgtEl>
@@ -16897,7 +16709,7 @@
                                         <p:tgtEl>
                                           <p:spTgt spid="3">
                                             <p:txEl>
-                                              <p:pRg st="4" end="4"/>
+                                              <p:pRg st="2" end="2"/>
                                             </p:txEl>
                                           </p:spTgt>
                                         </p:tgtEl>
@@ -16906,33 +16718,15 @@
                                   </p:childTnLst>
                                 </p:cTn>
                               </p:par>
-                            </p:childTnLst>
-                          </p:cTn>
-                        </p:par>
-                      </p:childTnLst>
-                    </p:cTn>
-                  </p:par>
-                  <p:par>
-                    <p:cTn id="8" fill="hold">
-                      <p:stCondLst>
-                        <p:cond delay="indefinite"/>
-                      </p:stCondLst>
-                      <p:childTnLst>
-                        <p:par>
-                          <p:cTn id="9" fill="hold">
-                            <p:stCondLst>
-                              <p:cond delay="0"/>
-                            </p:stCondLst>
-                            <p:childTnLst>
                               <p:par>
-                                <p:cTn id="10" presetID="10" presetClass="entr" presetSubtype="0" fill="hold" nodeType="clickEffect">
+                                <p:cTn id="8" presetID="10" presetClass="entr" presetSubtype="0" fill="hold" nodeType="withEffect">
                                   <p:stCondLst>
                                     <p:cond delay="0"/>
                                   </p:stCondLst>
                                   <p:childTnLst>
                                     <p:set>
                                       <p:cBhvr>
-                                        <p:cTn id="11" dur="1" fill="hold">
+                                        <p:cTn id="9" dur="1" fill="hold">
                                           <p:stCondLst>
                                             <p:cond delay="0"/>
                                           </p:stCondLst>
@@ -16950,7 +16744,7 @@
                                     </p:set>
                                     <p:animEffect transition="in" filter="fade">
                                       <p:cBhvr>
-                                        <p:cTn id="12" dur="500"/>
+                                        <p:cTn id="10" dur="500"/>
                                         <p:tgtEl>
                                           <p:spTgt spid="4"/>
                                         </p:tgtEl>
@@ -16966,26 +16760,26 @@
                     </p:cTn>
                   </p:par>
                   <p:par>
-                    <p:cTn id="13" fill="hold">
+                    <p:cTn id="11" fill="hold">
                       <p:stCondLst>
                         <p:cond delay="indefinite"/>
                       </p:stCondLst>
                       <p:childTnLst>
                         <p:par>
-                          <p:cTn id="14" fill="hold">
+                          <p:cTn id="12" fill="hold">
                             <p:stCondLst>
                               <p:cond delay="0"/>
                             </p:stCondLst>
                             <p:childTnLst>
                               <p:par>
-                                <p:cTn id="15" presetID="10" presetClass="entr" presetSubtype="0" fill="hold" nodeType="clickEffect">
+                                <p:cTn id="13" presetID="10" presetClass="entr" presetSubtype="0" fill="hold" nodeType="clickEffect">
                                   <p:stCondLst>
                                     <p:cond delay="0"/>
                                   </p:stCondLst>
                                   <p:childTnLst>
                                     <p:set>
                                       <p:cBhvr>
-                                        <p:cTn id="16" dur="1" fill="hold">
+                                        <p:cTn id="14" dur="1" fill="hold">
                                           <p:stCondLst>
                                             <p:cond delay="0"/>
                                           </p:stCondLst>
@@ -16993,7 +16787,7 @@
                                         <p:tgtEl>
                                           <p:spTgt spid="3">
                                             <p:txEl>
-                                              <p:pRg st="6" end="6"/>
+                                              <p:pRg st="3" end="3"/>
                                             </p:txEl>
                                           </p:spTgt>
                                         </p:tgtEl>
@@ -17007,11 +16801,11 @@
                                     </p:set>
                                     <p:animEffect transition="in" filter="fade">
                                       <p:cBhvr>
-                                        <p:cTn id="17" dur="500"/>
+                                        <p:cTn id="15" dur="500"/>
                                         <p:tgtEl>
                                           <p:spTgt spid="3">
                                             <p:txEl>
-                                              <p:pRg st="6" end="6"/>
+                                              <p:pRg st="3" end="3"/>
                                             </p:txEl>
                                           </p:spTgt>
                                         </p:tgtEl>
@@ -25074,13 +24868,8 @@
             </a:r>
             <a:r>
               <a:rPr lang="en-US" dirty="0"/>
-              <a:t>, instead </a:t>
-            </a:r>
-            <a:r>
-              <a:rPr lang="en-US"/>
-              <a:t>create the new string</a:t>
-            </a:r>
-            <a:endParaRPr lang="en-US" dirty="0"/>
+              <a:t>, instead create the new string</a:t>
+            </a:r>
           </a:p>
           <a:p>
             <a:pPr marL="0" indent="0" algn="ctr">
@@ -28114,7 +27903,7 @@
         </p:nvSpPr>
         <p:spPr>
           <a:xfrm rot="786674">
-            <a:off x="9578152" y="92020"/>
+            <a:off x="9578152" y="166970"/>
             <a:ext cx="2381854" cy="1684190"/>
           </a:xfrm>
           <a:prstGeom prst="irregularSeal2">
@@ -28152,14 +27941,28 @@
           <a:bodyPr lIns="0" tIns="0" rIns="0" bIns="0" rtlCol="0" anchor="ctr"/>
           <a:lstStyle/>
           <a:p>
-            <a:pPr algn="ctr"/>
             <a:r>
               <a:rPr lang="en-US" dirty="0">
                 <a:solidFill>
                   <a:srgbClr val="C00000"/>
                 </a:solidFill>
               </a:rPr>
-              <a:t>New in Python 3.8</a:t>
+              <a:t>     New in  Python 3.8</a:t>
+            </a:r>
+            <a:br>
+              <a:rPr lang="en-US" dirty="0">
+                <a:solidFill>
+                  <a:srgbClr val="C00000"/>
+                </a:solidFill>
+              </a:rPr>
+            </a:br>
+            <a:r>
+              <a:rPr lang="en-US" dirty="0">
+                <a:solidFill>
+                  <a:srgbClr val="C00000"/>
+                </a:solidFill>
+              </a:rPr>
+              <a:t>  (2019)</a:t>
             </a:r>
           </a:p>
         </p:txBody>

--- a/ipsa/slides/operations.pptx
+++ b/ipsa/slides/operations.pptx
@@ -145,7 +145,7 @@
 <file path=ppt/revisionInfo.xml><?xml version="1.0" encoding="utf-8"?>
 <p1510:revInfo xmlns:a="http://schemas.openxmlformats.org/drawingml/2006/main" xmlns:r="http://schemas.openxmlformats.org/officeDocument/2006/relationships" xmlns:p1510="http://schemas.microsoft.com/office/powerpoint/2015/10/main">
   <p1510:revLst>
-    <p1510:client id="{30B24765-B06B-490D-A3A5-6C11ABC1C1E5}" v="189" dt="2026-02-01T21:42:02.920"/>
+    <p1510:client id="{87E65862-5A4D-4BC3-B535-35C8930C2FE3}" v="1" dt="2026-02-03T19:24:05.955"/>
   </p1510:revLst>
 </p1510:revInfo>
 </file>
@@ -249,6 +249,44 @@
       </pc:sldChg>
     </pc:docChg>
   </pc:docChgLst>
+  <pc:docChgLst>
+    <pc:chgData name="Gerth Stølting Brodal" userId="04ef4784-6591-4f86-a140-f5c3b108582a" providerId="ADAL" clId="{73BAC7D6-516A-44B5-B4B0-C7B08CA8B392}"/>
+    <pc:docChg chg="undo custSel modSld">
+      <pc:chgData name="Gerth Stølting Brodal" userId="04ef4784-6591-4f86-a140-f5c3b108582a" providerId="ADAL" clId="{73BAC7D6-516A-44B5-B4B0-C7B08CA8B392}" dt="2026-02-03T19:38:20.350" v="163" actId="20577"/>
+      <pc:docMkLst>
+        <pc:docMk/>
+      </pc:docMkLst>
+      <pc:sldChg chg="modNotesTx">
+        <pc:chgData name="Gerth Stølting Brodal" userId="04ef4784-6591-4f86-a140-f5c3b108582a" providerId="ADAL" clId="{73BAC7D6-516A-44B5-B4B0-C7B08CA8B392}" dt="2026-02-03T19:38:20.350" v="163" actId="20577"/>
+        <pc:sldMkLst>
+          <pc:docMk/>
+          <pc:sldMk cId="1674286268" sldId="391"/>
+        </pc:sldMkLst>
+      </pc:sldChg>
+      <pc:sldChg chg="modNotesTx">
+        <pc:chgData name="Gerth Stølting Brodal" userId="04ef4784-6591-4f86-a140-f5c3b108582a" providerId="ADAL" clId="{73BAC7D6-516A-44B5-B4B0-C7B08CA8B392}" dt="2026-02-03T19:24:22.306" v="73" actId="20577"/>
+        <pc:sldMkLst>
+          <pc:docMk/>
+          <pc:sldMk cId="207293764" sldId="435"/>
+        </pc:sldMkLst>
+      </pc:sldChg>
+      <pc:sldChg chg="modSp mod">
+        <pc:chgData name="Gerth Stølting Brodal" userId="04ef4784-6591-4f86-a140-f5c3b108582a" providerId="ADAL" clId="{73BAC7D6-516A-44B5-B4B0-C7B08CA8B392}" dt="2026-02-03T19:35:51.149" v="119" actId="20577"/>
+        <pc:sldMkLst>
+          <pc:docMk/>
+          <pc:sldMk cId="3203409752" sldId="440"/>
+        </pc:sldMkLst>
+        <pc:spChg chg="mod">
+          <ac:chgData name="Gerth Stølting Brodal" userId="04ef4784-6591-4f86-a140-f5c3b108582a" providerId="ADAL" clId="{73BAC7D6-516A-44B5-B4B0-C7B08CA8B392}" dt="2026-02-03T19:35:51.149" v="119" actId="20577"/>
+          <ac:spMkLst>
+            <pc:docMk/>
+            <pc:sldMk cId="3203409752" sldId="440"/>
+            <ac:spMk id="3" creationId="{00000000-0000-0000-0000-000000000000}"/>
+          </ac:spMkLst>
+        </pc:spChg>
+      </pc:sldChg>
+    </pc:docChg>
+  </pc:docChgLst>
 </pc:chgInfo>
 </file>
 
@@ -334,7 +372,7 @@
           <a:p>
             <a:fld id="{FB1A172F-81D4-4DC4-9113-1DBD56EC3646}" type="datetimeFigureOut">
               <a:rPr lang="en-US" smtClean="0"/>
-              <a:t>2/1/2026</a:t>
+              <a:t>2/3/2026</a:t>
             </a:fld>
             <a:endParaRPr lang="en-US"/>
           </a:p>
@@ -1912,6 +1950,93 @@
           <a:bodyPr/>
           <a:lstStyle/>
           <a:p>
+            <a:r>
+              <a:rPr lang="en-US" dirty="0"/>
+              <a:t>Python does not have a  x++ operator</a:t>
+            </a:r>
+          </a:p>
+        </p:txBody>
+      </p:sp>
+      <p:sp>
+        <p:nvSpPr>
+          <p:cNvPr id="4" name="Slide Number Placeholder 3"/>
+          <p:cNvSpPr>
+            <a:spLocks noGrp="1"/>
+          </p:cNvSpPr>
+          <p:nvPr>
+            <p:ph type="sldNum" sz="quarter" idx="5"/>
+          </p:nvPr>
+        </p:nvSpPr>
+        <p:spPr/>
+        <p:txBody>
+          <a:bodyPr/>
+          <a:lstStyle/>
+          <a:p>
+            <a:fld id="{CD563DD8-32AB-41BE-B1C6-8EAC45222ACE}" type="slidenum">
+              <a:rPr lang="en-US" smtClean="0"/>
+              <a:t>27</a:t>
+            </a:fld>
+            <a:endParaRPr lang="en-US"/>
+          </a:p>
+        </p:txBody>
+      </p:sp>
+    </p:spTree>
+    <p:extLst>
+      <p:ext uri="{BB962C8B-B14F-4D97-AF65-F5344CB8AC3E}">
+        <p14:creationId xmlns:p14="http://schemas.microsoft.com/office/powerpoint/2010/main" val="3783014399"/>
+      </p:ext>
+    </p:extLst>
+  </p:cSld>
+  <p:clrMapOvr>
+    <a:masterClrMapping/>
+  </p:clrMapOvr>
+</p:notes>
+</file>
+
+<file path=ppt/notesSlides/notesSlide16.xml><?xml version="1.0" encoding="utf-8"?>
+<p:notes xmlns:a="http://schemas.openxmlformats.org/drawingml/2006/main" xmlns:r="http://schemas.openxmlformats.org/officeDocument/2006/relationships" xmlns:p="http://schemas.openxmlformats.org/presentationml/2006/main">
+  <p:cSld>
+    <p:spTree>
+      <p:nvGrpSpPr>
+        <p:cNvPr id="1" name=""/>
+        <p:cNvGrpSpPr/>
+        <p:nvPr/>
+      </p:nvGrpSpPr>
+      <p:grpSpPr>
+        <a:xfrm>
+          <a:off x="0" y="0"/>
+          <a:ext cx="0" cy="0"/>
+          <a:chOff x="0" y="0"/>
+          <a:chExt cx="0" cy="0"/>
+        </a:xfrm>
+      </p:grpSpPr>
+      <p:sp>
+        <p:nvSpPr>
+          <p:cNvPr id="2" name="Slide Image Placeholder 1"/>
+          <p:cNvSpPr>
+            <a:spLocks noGrp="1" noRot="1" noChangeAspect="1"/>
+          </p:cNvSpPr>
+          <p:nvPr>
+            <p:ph type="sldImg"/>
+          </p:nvPr>
+        </p:nvSpPr>
+        <p:spPr/>
+      </p:sp>
+      <p:sp>
+        <p:nvSpPr>
+          <p:cNvPr id="3" name="Notes Placeholder 2"/>
+          <p:cNvSpPr>
+            <a:spLocks noGrp="1"/>
+          </p:cNvSpPr>
+          <p:nvPr>
+            <p:ph type="body" idx="1"/>
+          </p:nvPr>
+        </p:nvSpPr>
+        <p:spPr/>
+        <p:txBody>
+          <a:bodyPr/>
+          <a:lstStyle/>
+          <a:p>
             <a:pPr marL="0" marR="0" lvl="0" indent="0" algn="l" defTabSz="914400" rtl="0" eaLnBrk="1" fontAlgn="auto" latinLnBrk="0" hangingPunct="1">
               <a:lnSpc>
                 <a:spcPct val="100000"/>
@@ -2886,6 +3011,18 @@
         <p:txBody>
           <a:bodyPr/>
           <a:lstStyle/>
+          <a:p>
+            <a:r>
+              <a:rPr lang="en-US" dirty="0"/>
+              <a:t>Chained comparisons do not need to be the same comparator, e.g.</a:t>
+            </a:r>
+          </a:p>
+          <a:p>
+            <a:r>
+              <a:rPr lang="en-US" dirty="0"/>
+              <a:t>print(1 &lt; 3 &gt; 2 == 2.0 &lt; 7 != 4 &gt; 3)</a:t>
+            </a:r>
+          </a:p>
           <a:p>
             <a:endParaRPr lang="en-US" dirty="0"/>
           </a:p>
@@ -3064,7 +3201,7 @@
           <a:p>
             <a:fld id="{0560A9CD-0304-4E0B-9E82-E7E0115DE05B}" type="datetimeFigureOut">
               <a:rPr lang="en-US" smtClean="0"/>
-              <a:t>2/1/2026</a:t>
+              <a:t>2/3/2026</a:t>
             </a:fld>
             <a:endParaRPr lang="en-US"/>
           </a:p>
@@ -3232,7 +3369,7 @@
           <a:p>
             <a:fld id="{0560A9CD-0304-4E0B-9E82-E7E0115DE05B}" type="datetimeFigureOut">
               <a:rPr lang="en-US" smtClean="0"/>
-              <a:t>2/1/2026</a:t>
+              <a:t>2/3/2026</a:t>
             </a:fld>
             <a:endParaRPr lang="en-US"/>
           </a:p>
@@ -3410,7 +3547,7 @@
           <a:p>
             <a:fld id="{0560A9CD-0304-4E0B-9E82-E7E0115DE05B}" type="datetimeFigureOut">
               <a:rPr lang="en-US" smtClean="0"/>
-              <a:t>2/1/2026</a:t>
+              <a:t>2/3/2026</a:t>
             </a:fld>
             <a:endParaRPr lang="en-US"/>
           </a:p>
@@ -3587,7 +3724,7 @@
           <a:p>
             <a:fld id="{0560A9CD-0304-4E0B-9E82-E7E0115DE05B}" type="datetimeFigureOut">
               <a:rPr lang="en-US" smtClean="0"/>
-              <a:t>2/1/2026</a:t>
+              <a:t>2/3/2026</a:t>
             </a:fld>
             <a:endParaRPr lang="en-US"/>
           </a:p>
@@ -3832,7 +3969,7 @@
           <a:p>
             <a:fld id="{0560A9CD-0304-4E0B-9E82-E7E0115DE05B}" type="datetimeFigureOut">
               <a:rPr lang="en-US" smtClean="0"/>
-              <a:t>2/1/2026</a:t>
+              <a:t>2/3/2026</a:t>
             </a:fld>
             <a:endParaRPr lang="en-US"/>
           </a:p>
@@ -4061,7 +4198,7 @@
           <a:p>
             <a:fld id="{0560A9CD-0304-4E0B-9E82-E7E0115DE05B}" type="datetimeFigureOut">
               <a:rPr lang="en-US" smtClean="0"/>
-              <a:t>2/1/2026</a:t>
+              <a:t>2/3/2026</a:t>
             </a:fld>
             <a:endParaRPr lang="en-US"/>
           </a:p>
@@ -4425,7 +4562,7 @@
           <a:p>
             <a:fld id="{0560A9CD-0304-4E0B-9E82-E7E0115DE05B}" type="datetimeFigureOut">
               <a:rPr lang="en-US" smtClean="0"/>
-              <a:t>2/1/2026</a:t>
+              <a:t>2/3/2026</a:t>
             </a:fld>
             <a:endParaRPr lang="en-US"/>
           </a:p>
@@ -4542,7 +4679,7 @@
           <a:p>
             <a:fld id="{0560A9CD-0304-4E0B-9E82-E7E0115DE05B}" type="datetimeFigureOut">
               <a:rPr lang="en-US" smtClean="0"/>
-              <a:t>2/1/2026</a:t>
+              <a:t>2/3/2026</a:t>
             </a:fld>
             <a:endParaRPr lang="en-US"/>
           </a:p>
@@ -4637,7 +4774,7 @@
           <a:p>
             <a:fld id="{0560A9CD-0304-4E0B-9E82-E7E0115DE05B}" type="datetimeFigureOut">
               <a:rPr lang="en-US" smtClean="0"/>
-              <a:t>2/1/2026</a:t>
+              <a:t>2/3/2026</a:t>
             </a:fld>
             <a:endParaRPr lang="en-US"/>
           </a:p>
@@ -4912,7 +5049,7 @@
           <a:p>
             <a:fld id="{0560A9CD-0304-4E0B-9E82-E7E0115DE05B}" type="datetimeFigureOut">
               <a:rPr lang="en-US" smtClean="0"/>
-              <a:t>2/1/2026</a:t>
+              <a:t>2/3/2026</a:t>
             </a:fld>
             <a:endParaRPr lang="en-US"/>
           </a:p>
@@ -5164,7 +5301,7 @@
           <a:p>
             <a:fld id="{0560A9CD-0304-4E0B-9E82-E7E0115DE05B}" type="datetimeFigureOut">
               <a:rPr lang="en-US" smtClean="0"/>
-              <a:t>2/1/2026</a:t>
+              <a:t>2/3/2026</a:t>
             </a:fld>
             <a:endParaRPr lang="en-US"/>
           </a:p>
@@ -5375,7 +5512,7 @@
           <a:p>
             <a:fld id="{0560A9CD-0304-4E0B-9E82-E7E0115DE05B}" type="datetimeFigureOut">
               <a:rPr lang="en-US" smtClean="0"/>
-              <a:t>2/1/2026</a:t>
+              <a:t>2/3/2026</a:t>
             </a:fld>
             <a:endParaRPr lang="en-US"/>
           </a:p>
@@ -24827,8 +24964,23 @@
                 </a:solidFill>
                 <a:latin typeface="Courier"/>
               </a:rPr>
-              <a:t>s[3] = "x"</a:t>
-            </a:r>
+              <a:t>      s[3] = "x"     </a:t>
+            </a:r>
+            <a:r>
+              <a:rPr lang="en-US" i="1" dirty="0" err="1">
+                <a:solidFill>
+                  <a:srgbClr val="C00000"/>
+                </a:solidFill>
+                <a:latin typeface="Courier"/>
+              </a:rPr>
+              <a:t>TypeError</a:t>
+            </a:r>
+            <a:endParaRPr lang="en-US" i="1" dirty="0">
+              <a:solidFill>
+                <a:srgbClr val="C00000"/>
+              </a:solidFill>
+              <a:latin typeface="Courier"/>
+            </a:endParaRPr>
           </a:p>
           <a:p>
             <a:pPr>
